--- a/TeachingMaterials/Object Oriented Programming.pptx
+++ b/TeachingMaterials/Object Oriented Programming.pptx
@@ -6,16 +6,21 @@
   </p:sldMasterIdLst>
   <p:sldIdLst>
     <p:sldId id="256" r:id="rId2"/>
-    <p:sldId id="266" r:id="rId3"/>
-    <p:sldId id="265" r:id="rId4"/>
-    <p:sldId id="257" r:id="rId5"/>
-    <p:sldId id="267" r:id="rId6"/>
-    <p:sldId id="263" r:id="rId7"/>
-    <p:sldId id="258" r:id="rId8"/>
-    <p:sldId id="259" r:id="rId9"/>
-    <p:sldId id="261" r:id="rId10"/>
-    <p:sldId id="262" r:id="rId11"/>
-    <p:sldId id="260" r:id="rId12"/>
+    <p:sldId id="272" r:id="rId3"/>
+    <p:sldId id="273" r:id="rId4"/>
+    <p:sldId id="266" r:id="rId5"/>
+    <p:sldId id="271" r:id="rId6"/>
+    <p:sldId id="265" r:id="rId7"/>
+    <p:sldId id="257" r:id="rId8"/>
+    <p:sldId id="267" r:id="rId9"/>
+    <p:sldId id="263" r:id="rId10"/>
+    <p:sldId id="258" r:id="rId11"/>
+    <p:sldId id="259" r:id="rId12"/>
+    <p:sldId id="261" r:id="rId13"/>
+    <p:sldId id="262" r:id="rId14"/>
+    <p:sldId id="260" r:id="rId15"/>
+    <p:sldId id="269" r:id="rId16"/>
+    <p:sldId id="270" r:id="rId17"/>
   </p:sldIdLst>
   <p:sldSz cx="12192000" cy="6858000"/>
   <p:notesSz cx="6858000" cy="9144000"/>
@@ -114,6 +119,11 @@
       </a:defRPr>
     </a:lvl9pPr>
   </p:defaultTextStyle>
+  <p:extLst>
+    <p:ext uri="{EFAFB233-063F-42B5-8137-9DF3F51BA10A}">
+      <p15:sldGuideLst xmlns:p15="http://schemas.microsoft.com/office/powerpoint/2012/main"/>
+    </p:ext>
+  </p:extLst>
 </p:presentation>
 </file>
 
@@ -3067,7 +3077,15 @@
           <a:p>
             <a:r>
               <a:rPr lang="en-US" dirty="0" smtClean="0"/>
-              <a:t>Inheritance</a:t>
+              <a:t>En</a:t>
+            </a:r>
+            <a:r>
+              <a:rPr lang="en-US" b="1" dirty="0" smtClean="0"/>
+              <a:t>capsul</a:t>
+            </a:r>
+            <a:r>
+              <a:rPr lang="en-US" dirty="0" smtClean="0"/>
+              <a:t>ation</a:t>
             </a:r>
             <a:endParaRPr lang="en-US" dirty="0"/>
           </a:p>
@@ -3075,7 +3093,7 @@
       </p:sp>
       <p:pic>
         <p:nvPicPr>
-          <p:cNvPr id="7" name="Content Placeholder 6"/>
+          <p:cNvPr id="4" name="Content Placeholder 3"/>
           <p:cNvPicPr>
             <a:picLocks noGrp="1" noChangeAspect="1"/>
           </p:cNvPicPr>
@@ -3097,15 +3115,154 @@
         </p:blipFill>
         <p:spPr>
           <a:xfrm>
-            <a:off x="2228144" y="1360112"/>
-            <a:ext cx="7735712" cy="4351338"/>
+            <a:off x="3679262" y="1690688"/>
+            <a:ext cx="4351338" cy="4351338"/>
           </a:xfrm>
         </p:spPr>
       </p:pic>
+      <p:sp>
+        <p:nvSpPr>
+          <p:cNvPr id="5" name="TextBox 4"/>
+          <p:cNvSpPr txBox="1"/>
+          <p:nvPr/>
+        </p:nvSpPr>
+        <p:spPr>
+          <a:xfrm>
+            <a:off x="4629230" y="3866357"/>
+            <a:ext cx="1358705" cy="1200329"/>
+          </a:xfrm>
+          <a:prstGeom prst="rect">
+            <a:avLst/>
+          </a:prstGeom>
+          <a:noFill/>
+        </p:spPr>
+        <p:txBody>
+          <a:bodyPr wrap="square" rtlCol="0">
+            <a:spAutoFit/>
+          </a:bodyPr>
+          <a:lstStyle/>
+          <a:p>
+            <a:r>
+              <a:rPr lang="en-US" sz="2400" b="1" dirty="0" smtClean="0">
+                <a:solidFill>
+                  <a:schemeClr val="bg1"/>
+                </a:solidFill>
+              </a:rPr>
+              <a:t>       -</a:t>
+            </a:r>
+          </a:p>
+          <a:p>
+            <a:r>
+              <a:rPr lang="en-US" sz="2400" b="1" dirty="0" smtClean="0">
+                <a:solidFill>
+                  <a:schemeClr val="bg1"/>
+                </a:solidFill>
+              </a:rPr>
+              <a:t>Private </a:t>
+            </a:r>
+          </a:p>
+          <a:p>
+            <a:r>
+              <a:rPr lang="en-US" sz="2400" b="1" dirty="0" smtClean="0">
+                <a:solidFill>
+                  <a:schemeClr val="bg1"/>
+                </a:solidFill>
+              </a:rPr>
+              <a:t>Variables</a:t>
+            </a:r>
+            <a:endParaRPr lang="en-US" sz="2400" b="1" dirty="0">
+              <a:solidFill>
+                <a:schemeClr val="bg1"/>
+              </a:solidFill>
+            </a:endParaRPr>
+          </a:p>
+        </p:txBody>
+      </p:sp>
+      <p:sp>
+        <p:nvSpPr>
+          <p:cNvPr id="6" name="TextBox 5"/>
+          <p:cNvSpPr txBox="1"/>
+          <p:nvPr/>
+        </p:nvSpPr>
+        <p:spPr>
+          <a:xfrm>
+            <a:off x="5854931" y="2484952"/>
+            <a:ext cx="1333507" cy="1200329"/>
+          </a:xfrm>
+          <a:prstGeom prst="rect">
+            <a:avLst/>
+          </a:prstGeom>
+          <a:noFill/>
+        </p:spPr>
+        <p:txBody>
+          <a:bodyPr wrap="none" rtlCol="0">
+            <a:spAutoFit/>
+          </a:bodyPr>
+          <a:lstStyle/>
+          <a:p>
+            <a:r>
+              <a:rPr lang="en-US" sz="2400" b="1" dirty="0">
+                <a:solidFill>
+                  <a:schemeClr val="tx1">
+                    <a:lumMod val="50000"/>
+                    <a:lumOff val="50000"/>
+                  </a:schemeClr>
+                </a:solidFill>
+              </a:rPr>
+              <a:t> </a:t>
+            </a:r>
+            <a:r>
+              <a:rPr lang="en-US" sz="2400" b="1" dirty="0" smtClean="0">
+                <a:solidFill>
+                  <a:schemeClr val="tx1">
+                    <a:lumMod val="50000"/>
+                    <a:lumOff val="50000"/>
+                  </a:schemeClr>
+                </a:solidFill>
+              </a:rPr>
+              <a:t>   +</a:t>
+            </a:r>
+          </a:p>
+          <a:p>
+            <a:r>
+              <a:rPr lang="en-US" sz="2400" b="1" dirty="0" smtClean="0">
+                <a:solidFill>
+                  <a:schemeClr val="tx1">
+                    <a:lumMod val="50000"/>
+                    <a:lumOff val="50000"/>
+                  </a:schemeClr>
+                </a:solidFill>
+              </a:rPr>
+              <a:t>Public </a:t>
+            </a:r>
+          </a:p>
+          <a:p>
+            <a:r>
+              <a:rPr lang="en-US" sz="2400" b="1" dirty="0" smtClean="0">
+                <a:solidFill>
+                  <a:schemeClr val="tx1">
+                    <a:lumMod val="50000"/>
+                    <a:lumOff val="50000"/>
+                  </a:schemeClr>
+                </a:solidFill>
+              </a:rPr>
+              <a:t>Methods</a:t>
+            </a:r>
+            <a:endParaRPr lang="en-US" sz="2400" b="1" dirty="0">
+              <a:solidFill>
+                <a:schemeClr val="tx1">
+                  <a:lumMod val="50000"/>
+                  <a:lumOff val="50000"/>
+                </a:schemeClr>
+              </a:solidFill>
+            </a:endParaRPr>
+          </a:p>
+        </p:txBody>
+      </p:sp>
     </p:spTree>
     <p:extLst>
       <p:ext uri="{BB962C8B-B14F-4D97-AF65-F5344CB8AC3E}">
-        <p14:creationId xmlns:p14="http://schemas.microsoft.com/office/powerpoint/2010/main" val="1391076433"/>
+        <p14:creationId xmlns:p14="http://schemas.microsoft.com/office/powerpoint/2010/main" val="43391338"/>
       </p:ext>
     </p:extLst>
   </p:cSld>
@@ -3149,7 +3306,7 @@
           <a:p>
             <a:r>
               <a:rPr lang="en-US" dirty="0" smtClean="0"/>
-              <a:t>Composition</a:t>
+              <a:t>Inheritance</a:t>
             </a:r>
             <a:endParaRPr lang="en-US" dirty="0"/>
           </a:p>
@@ -3172,6 +3329,338 @@
           <a:p>
             <a:r>
               <a:rPr lang="en-US" dirty="0" smtClean="0"/>
+              <a:t>Vehicle </a:t>
+            </a:r>
+            <a:r>
+              <a:rPr lang="en-US" dirty="0" smtClean="0">
+                <a:sym typeface="Wingdings" panose="05000000000000000000" pitchFamily="2" charset="2"/>
+              </a:rPr>
+              <a:t> Car, Train, Ship</a:t>
+            </a:r>
+          </a:p>
+          <a:p>
+            <a:endParaRPr lang="en-US" dirty="0">
+              <a:sym typeface="Wingdings" panose="05000000000000000000" pitchFamily="2" charset="2"/>
+            </a:endParaRPr>
+          </a:p>
+          <a:p>
+            <a:r>
+              <a:rPr lang="en-US" dirty="0" smtClean="0">
+                <a:sym typeface="Wingdings" panose="05000000000000000000" pitchFamily="2" charset="2"/>
+              </a:rPr>
+              <a:t>Knife  Swiss knife, kitchen knife, </a:t>
+            </a:r>
+          </a:p>
+          <a:p>
+            <a:pPr marL="0" indent="0">
+              <a:buNone/>
+            </a:pPr>
+            <a:r>
+              <a:rPr lang="en-US" dirty="0" smtClean="0">
+                <a:sym typeface="Wingdings" panose="05000000000000000000" pitchFamily="2" charset="2"/>
+              </a:rPr>
+              <a:t>butcher knife, switch blade,</a:t>
+            </a:r>
+          </a:p>
+          <a:p>
+            <a:pPr marL="0" indent="0">
+              <a:buNone/>
+            </a:pPr>
+            <a:r>
+              <a:rPr lang="en-US" dirty="0">
+                <a:sym typeface="Wingdings" panose="05000000000000000000" pitchFamily="2" charset="2"/>
+              </a:rPr>
+              <a:t>b</a:t>
+            </a:r>
+            <a:r>
+              <a:rPr lang="en-US" dirty="0" smtClean="0">
+                <a:sym typeface="Wingdings" panose="05000000000000000000" pitchFamily="2" charset="2"/>
+              </a:rPr>
+              <a:t>utterfly knife</a:t>
+            </a:r>
+          </a:p>
+          <a:p>
+            <a:pPr marL="0" indent="0">
+              <a:buNone/>
+            </a:pPr>
+            <a:endParaRPr lang="en-US" dirty="0">
+              <a:sym typeface="Wingdings" panose="05000000000000000000" pitchFamily="2" charset="2"/>
+            </a:endParaRPr>
+          </a:p>
+          <a:p>
+            <a:pPr marL="0" indent="0">
+              <a:buNone/>
+            </a:pPr>
+            <a:endParaRPr lang="en-US" dirty="0"/>
+          </a:p>
+        </p:txBody>
+      </p:sp>
+      <p:pic>
+        <p:nvPicPr>
+          <p:cNvPr id="4" name="Picture 3"/>
+          <p:cNvPicPr>
+            <a:picLocks noChangeAspect="1"/>
+          </p:cNvPicPr>
+          <p:nvPr/>
+        </p:nvPicPr>
+        <p:blipFill>
+          <a:blip r:embed="rId2">
+            <a:extLst>
+              <a:ext uri="{28A0092B-C50C-407E-A947-70E740481C1C}">
+                <a14:useLocalDpi xmlns:a14="http://schemas.microsoft.com/office/drawing/2010/main" val="0"/>
+              </a:ext>
+            </a:extLst>
+          </a:blip>
+          <a:stretch>
+            <a:fillRect/>
+          </a:stretch>
+        </p:blipFill>
+        <p:spPr>
+          <a:xfrm>
+            <a:off x="5175294" y="198120"/>
+            <a:ext cx="6246394" cy="6246394"/>
+          </a:xfrm>
+          <a:prstGeom prst="rect">
+            <a:avLst/>
+          </a:prstGeom>
+        </p:spPr>
+      </p:pic>
+    </p:spTree>
+    <p:extLst>
+      <p:ext uri="{BB962C8B-B14F-4D97-AF65-F5344CB8AC3E}">
+        <p14:creationId xmlns:p14="http://schemas.microsoft.com/office/powerpoint/2010/main" val="2675600163"/>
+      </p:ext>
+    </p:extLst>
+  </p:cSld>
+  <p:clrMapOvr>
+    <a:masterClrMapping/>
+  </p:clrMapOvr>
+</p:sld>
+</file>
+
+<file path=ppt/slides/slide12.xml><?xml version="1.0" encoding="utf-8"?>
+<p:sld xmlns:a="http://schemas.openxmlformats.org/drawingml/2006/main" xmlns:r="http://schemas.openxmlformats.org/officeDocument/2006/relationships" xmlns:p="http://schemas.openxmlformats.org/presentationml/2006/main">
+  <p:cSld>
+    <p:spTree>
+      <p:nvGrpSpPr>
+        <p:cNvPr id="1" name=""/>
+        <p:cNvGrpSpPr/>
+        <p:nvPr/>
+      </p:nvGrpSpPr>
+      <p:grpSpPr>
+        <a:xfrm>
+          <a:off x="0" y="0"/>
+          <a:ext cx="0" cy="0"/>
+          <a:chOff x="0" y="0"/>
+          <a:chExt cx="0" cy="0"/>
+        </a:xfrm>
+      </p:grpSpPr>
+      <p:sp>
+        <p:nvSpPr>
+          <p:cNvPr id="2" name="Title 1"/>
+          <p:cNvSpPr>
+            <a:spLocks noGrp="1"/>
+          </p:cNvSpPr>
+          <p:nvPr>
+            <p:ph type="title"/>
+          </p:nvPr>
+        </p:nvSpPr>
+        <p:spPr/>
+        <p:txBody>
+          <a:bodyPr/>
+          <a:lstStyle/>
+          <a:p>
+            <a:r>
+              <a:rPr lang="en-US" dirty="0" smtClean="0"/>
+              <a:t>Inheritance</a:t>
+            </a:r>
+            <a:endParaRPr lang="en-US" dirty="0"/>
+          </a:p>
+        </p:txBody>
+      </p:sp>
+      <p:pic>
+        <p:nvPicPr>
+          <p:cNvPr id="6" name="Content Placeholder 5"/>
+          <p:cNvPicPr>
+            <a:picLocks noGrp="1" noChangeAspect="1"/>
+          </p:cNvPicPr>
+          <p:nvPr>
+            <p:ph idx="1"/>
+          </p:nvPr>
+        </p:nvPicPr>
+        <p:blipFill>
+          <a:blip r:embed="rId2">
+            <a:extLst>
+              <a:ext uri="{28A0092B-C50C-407E-A947-70E740481C1C}">
+                <a14:useLocalDpi xmlns:a14="http://schemas.microsoft.com/office/drawing/2010/main" val="0"/>
+              </a:ext>
+            </a:extLst>
+          </a:blip>
+          <a:stretch>
+            <a:fillRect/>
+          </a:stretch>
+        </p:blipFill>
+        <p:spPr>
+          <a:xfrm>
+            <a:off x="1854072" y="1418301"/>
+            <a:ext cx="7735712" cy="4351338"/>
+          </a:xfrm>
+        </p:spPr>
+      </p:pic>
+    </p:spTree>
+    <p:extLst>
+      <p:ext uri="{BB962C8B-B14F-4D97-AF65-F5344CB8AC3E}">
+        <p14:creationId xmlns:p14="http://schemas.microsoft.com/office/powerpoint/2010/main" val="2157273667"/>
+      </p:ext>
+    </p:extLst>
+  </p:cSld>
+  <p:clrMapOvr>
+    <a:masterClrMapping/>
+  </p:clrMapOvr>
+</p:sld>
+</file>
+
+<file path=ppt/slides/slide13.xml><?xml version="1.0" encoding="utf-8"?>
+<p:sld xmlns:a="http://schemas.openxmlformats.org/drawingml/2006/main" xmlns:r="http://schemas.openxmlformats.org/officeDocument/2006/relationships" xmlns:p="http://schemas.openxmlformats.org/presentationml/2006/main">
+  <p:cSld>
+    <p:spTree>
+      <p:nvGrpSpPr>
+        <p:cNvPr id="1" name=""/>
+        <p:cNvGrpSpPr/>
+        <p:nvPr/>
+      </p:nvGrpSpPr>
+      <p:grpSpPr>
+        <a:xfrm>
+          <a:off x="0" y="0"/>
+          <a:ext cx="0" cy="0"/>
+          <a:chOff x="0" y="0"/>
+          <a:chExt cx="0" cy="0"/>
+        </a:xfrm>
+      </p:grpSpPr>
+      <p:sp>
+        <p:nvSpPr>
+          <p:cNvPr id="2" name="Title 1"/>
+          <p:cNvSpPr>
+            <a:spLocks noGrp="1"/>
+          </p:cNvSpPr>
+          <p:nvPr>
+            <p:ph type="title"/>
+          </p:nvPr>
+        </p:nvSpPr>
+        <p:spPr/>
+        <p:txBody>
+          <a:bodyPr/>
+          <a:lstStyle/>
+          <a:p>
+            <a:r>
+              <a:rPr lang="en-US" dirty="0" smtClean="0"/>
+              <a:t>Inheritance</a:t>
+            </a:r>
+            <a:endParaRPr lang="en-US" dirty="0"/>
+          </a:p>
+        </p:txBody>
+      </p:sp>
+      <p:pic>
+        <p:nvPicPr>
+          <p:cNvPr id="7" name="Content Placeholder 6"/>
+          <p:cNvPicPr>
+            <a:picLocks noGrp="1" noChangeAspect="1"/>
+          </p:cNvPicPr>
+          <p:nvPr>
+            <p:ph idx="1"/>
+          </p:nvPr>
+        </p:nvPicPr>
+        <p:blipFill>
+          <a:blip r:embed="rId2">
+            <a:extLst>
+              <a:ext uri="{28A0092B-C50C-407E-A947-70E740481C1C}">
+                <a14:useLocalDpi xmlns:a14="http://schemas.microsoft.com/office/drawing/2010/main" val="0"/>
+              </a:ext>
+            </a:extLst>
+          </a:blip>
+          <a:stretch>
+            <a:fillRect/>
+          </a:stretch>
+        </p:blipFill>
+        <p:spPr>
+          <a:xfrm>
+            <a:off x="2228144" y="1360112"/>
+            <a:ext cx="7735712" cy="4351338"/>
+          </a:xfrm>
+        </p:spPr>
+      </p:pic>
+    </p:spTree>
+    <p:extLst>
+      <p:ext uri="{BB962C8B-B14F-4D97-AF65-F5344CB8AC3E}">
+        <p14:creationId xmlns:p14="http://schemas.microsoft.com/office/powerpoint/2010/main" val="1391076433"/>
+      </p:ext>
+    </p:extLst>
+  </p:cSld>
+  <p:clrMapOvr>
+    <a:masterClrMapping/>
+  </p:clrMapOvr>
+</p:sld>
+</file>
+
+<file path=ppt/slides/slide14.xml><?xml version="1.0" encoding="utf-8"?>
+<p:sld xmlns:a="http://schemas.openxmlformats.org/drawingml/2006/main" xmlns:r="http://schemas.openxmlformats.org/officeDocument/2006/relationships" xmlns:p="http://schemas.openxmlformats.org/presentationml/2006/main">
+  <p:cSld>
+    <p:spTree>
+      <p:nvGrpSpPr>
+        <p:cNvPr id="1" name=""/>
+        <p:cNvGrpSpPr/>
+        <p:nvPr/>
+      </p:nvGrpSpPr>
+      <p:grpSpPr>
+        <a:xfrm>
+          <a:off x="0" y="0"/>
+          <a:ext cx="0" cy="0"/>
+          <a:chOff x="0" y="0"/>
+          <a:chExt cx="0" cy="0"/>
+        </a:xfrm>
+      </p:grpSpPr>
+      <p:sp>
+        <p:nvSpPr>
+          <p:cNvPr id="2" name="Title 1"/>
+          <p:cNvSpPr>
+            <a:spLocks noGrp="1"/>
+          </p:cNvSpPr>
+          <p:nvPr>
+            <p:ph type="title"/>
+          </p:nvPr>
+        </p:nvSpPr>
+        <p:spPr/>
+        <p:txBody>
+          <a:bodyPr/>
+          <a:lstStyle/>
+          <a:p>
+            <a:r>
+              <a:rPr lang="en-US" dirty="0" smtClean="0"/>
+              <a:t>Composition</a:t>
+            </a:r>
+            <a:endParaRPr lang="en-US" dirty="0"/>
+          </a:p>
+        </p:txBody>
+      </p:sp>
+      <p:sp>
+        <p:nvSpPr>
+          <p:cNvPr id="3" name="Content Placeholder 2"/>
+          <p:cNvSpPr>
+            <a:spLocks noGrp="1"/>
+          </p:cNvSpPr>
+          <p:nvPr>
+            <p:ph idx="1"/>
+          </p:nvPr>
+        </p:nvSpPr>
+        <p:spPr/>
+        <p:txBody>
+          <a:bodyPr>
+            <a:normAutofit lnSpcReduction="10000"/>
+          </a:bodyPr>
+          <a:lstStyle/>
+          <a:p>
+            <a:r>
+              <a:rPr lang="en-US" dirty="0" smtClean="0"/>
               <a:t>Vehicle has a:</a:t>
             </a:r>
           </a:p>
@@ -3179,7 +3668,7 @@
             <a:pPr lvl="1"/>
             <a:r>
               <a:rPr lang="en-US" dirty="0" smtClean="0"/>
-              <a:t>Engine Oil</a:t>
+              <a:t>Engine</a:t>
             </a:r>
           </a:p>
           <a:p>
@@ -3227,10 +3716,25 @@
           <a:p>
             <a:pPr lvl="1"/>
             <a:r>
+              <a:rPr lang="en-US" dirty="0" smtClean="0"/>
+              <a:t>Trunk</a:t>
+            </a:r>
+          </a:p>
+          <a:p>
+            <a:pPr lvl="1"/>
+            <a:endParaRPr lang="en-US" dirty="0"/>
+          </a:p>
+          <a:p>
+            <a:pPr lvl="1"/>
+            <a:r>
+              <a:rPr lang="en-US" dirty="0" smtClean="0"/>
+              <a:t>Note: use zoom in function as discussed. Pan out on car, zoom in on </a:t>
+            </a:r>
+            <a:r>
               <a:rPr lang="en-US" smtClean="0"/>
-              <a:t>Trunk</a:t>
-            </a:r>
-            <a:endParaRPr lang="en-US"/>
+              <a:t>engine, etc</a:t>
+            </a:r>
+            <a:endParaRPr lang="en-US" dirty="0"/>
           </a:p>
         </p:txBody>
       </p:sp>
@@ -3238,6 +3742,162 @@
     <p:extLst>
       <p:ext uri="{BB962C8B-B14F-4D97-AF65-F5344CB8AC3E}">
         <p14:creationId xmlns:p14="http://schemas.microsoft.com/office/powerpoint/2010/main" val="2145903"/>
+      </p:ext>
+    </p:extLst>
+  </p:cSld>
+  <p:clrMapOvr>
+    <a:masterClrMapping/>
+  </p:clrMapOvr>
+</p:sld>
+</file>
+
+<file path=ppt/slides/slide15.xml><?xml version="1.0" encoding="utf-8"?>
+<p:sld xmlns:a="http://schemas.openxmlformats.org/drawingml/2006/main" xmlns:r="http://schemas.openxmlformats.org/officeDocument/2006/relationships" xmlns:p="http://schemas.openxmlformats.org/presentationml/2006/main">
+  <p:cSld>
+    <p:spTree>
+      <p:nvGrpSpPr>
+        <p:cNvPr id="1" name=""/>
+        <p:cNvGrpSpPr/>
+        <p:nvPr/>
+      </p:nvGrpSpPr>
+      <p:grpSpPr>
+        <a:xfrm>
+          <a:off x="0" y="0"/>
+          <a:ext cx="0" cy="0"/>
+          <a:chOff x="0" y="0"/>
+          <a:chExt cx="0" cy="0"/>
+        </a:xfrm>
+      </p:grpSpPr>
+      <p:sp>
+        <p:nvSpPr>
+          <p:cNvPr id="2" name="Title 1"/>
+          <p:cNvSpPr>
+            <a:spLocks noGrp="1"/>
+          </p:cNvSpPr>
+          <p:nvPr>
+            <p:ph type="title"/>
+          </p:nvPr>
+        </p:nvSpPr>
+        <p:spPr/>
+        <p:txBody>
+          <a:bodyPr/>
+          <a:lstStyle/>
+          <a:p>
+            <a:r>
+              <a:rPr lang="en-US" dirty="0" smtClean="0"/>
+              <a:t>Abstract Class</a:t>
+            </a:r>
+            <a:endParaRPr lang="en-US" dirty="0"/>
+          </a:p>
+        </p:txBody>
+      </p:sp>
+      <p:sp>
+        <p:nvSpPr>
+          <p:cNvPr id="3" name="Content Placeholder 2"/>
+          <p:cNvSpPr>
+            <a:spLocks noGrp="1"/>
+          </p:cNvSpPr>
+          <p:nvPr>
+            <p:ph idx="1"/>
+          </p:nvPr>
+        </p:nvSpPr>
+        <p:spPr/>
+        <p:txBody>
+          <a:bodyPr/>
+          <a:lstStyle/>
+          <a:p>
+            <a:r>
+              <a:rPr lang="en-US" dirty="0" smtClean="0"/>
+              <a:t>Keyword = “extends”</a:t>
+            </a:r>
+            <a:endParaRPr lang="en-US" dirty="0"/>
+          </a:p>
+        </p:txBody>
+      </p:sp>
+    </p:spTree>
+    <p:extLst>
+      <p:ext uri="{BB962C8B-B14F-4D97-AF65-F5344CB8AC3E}">
+        <p14:creationId xmlns:p14="http://schemas.microsoft.com/office/powerpoint/2010/main" val="3144968186"/>
+      </p:ext>
+    </p:extLst>
+  </p:cSld>
+  <p:clrMapOvr>
+    <a:masterClrMapping/>
+  </p:clrMapOvr>
+</p:sld>
+</file>
+
+<file path=ppt/slides/slide16.xml><?xml version="1.0" encoding="utf-8"?>
+<p:sld xmlns:a="http://schemas.openxmlformats.org/drawingml/2006/main" xmlns:r="http://schemas.openxmlformats.org/officeDocument/2006/relationships" xmlns:p="http://schemas.openxmlformats.org/presentationml/2006/main">
+  <p:cSld>
+    <p:spTree>
+      <p:nvGrpSpPr>
+        <p:cNvPr id="1" name=""/>
+        <p:cNvGrpSpPr/>
+        <p:nvPr/>
+      </p:nvGrpSpPr>
+      <p:grpSpPr>
+        <a:xfrm>
+          <a:off x="0" y="0"/>
+          <a:ext cx="0" cy="0"/>
+          <a:chOff x="0" y="0"/>
+          <a:chExt cx="0" cy="0"/>
+        </a:xfrm>
+      </p:grpSpPr>
+      <p:sp>
+        <p:nvSpPr>
+          <p:cNvPr id="2" name="Title 1"/>
+          <p:cNvSpPr>
+            <a:spLocks noGrp="1"/>
+          </p:cNvSpPr>
+          <p:nvPr>
+            <p:ph type="title"/>
+          </p:nvPr>
+        </p:nvSpPr>
+        <p:spPr/>
+        <p:txBody>
+          <a:bodyPr/>
+          <a:lstStyle/>
+          <a:p>
+            <a:r>
+              <a:rPr lang="en-US" dirty="0" smtClean="0"/>
+              <a:t>Interface</a:t>
+            </a:r>
+            <a:endParaRPr lang="en-US" dirty="0"/>
+          </a:p>
+        </p:txBody>
+      </p:sp>
+      <p:sp>
+        <p:nvSpPr>
+          <p:cNvPr id="3" name="Content Placeholder 2"/>
+          <p:cNvSpPr>
+            <a:spLocks noGrp="1"/>
+          </p:cNvSpPr>
+          <p:nvPr>
+            <p:ph idx="1"/>
+          </p:nvPr>
+        </p:nvSpPr>
+        <p:spPr/>
+        <p:txBody>
+          <a:bodyPr/>
+          <a:lstStyle/>
+          <a:p>
+            <a:r>
+              <a:rPr lang="en-US" dirty="0" smtClean="0"/>
+              <a:t>Keyword = </a:t>
+            </a:r>
+            <a:r>
+              <a:rPr lang="en-US" smtClean="0"/>
+              <a:t>“implements”</a:t>
+            </a:r>
+            <a:endParaRPr lang="en-US"/>
+          </a:p>
+        </p:txBody>
+      </p:sp>
+    </p:spTree>
+    <p:extLst>
+      <p:ext uri="{BB962C8B-B14F-4D97-AF65-F5344CB8AC3E}">
+        <p14:creationId xmlns:p14="http://schemas.microsoft.com/office/powerpoint/2010/main" val="4105808640"/>
       </p:ext>
     </p:extLst>
   </p:cSld>
@@ -3266,331 +3926,39 @@
       </p:grpSpPr>
       <p:sp>
         <p:nvSpPr>
-          <p:cNvPr id="4" name="Oval 3"/>
-          <p:cNvSpPr/>
-          <p:nvPr/>
-        </p:nvSpPr>
-        <p:spPr>
-          <a:xfrm>
-            <a:off x="4605866" y="2238918"/>
-            <a:ext cx="2410691" cy="2385753"/>
-          </a:xfrm>
-          <a:prstGeom prst="ellipse">
-            <a:avLst/>
-          </a:prstGeom>
-          <a:noFill/>
-          <a:ln>
-            <a:solidFill>
-              <a:schemeClr val="accent6"/>
-            </a:solidFill>
-          </a:ln>
-        </p:spPr>
-        <p:style>
-          <a:lnRef idx="2">
-            <a:schemeClr val="accent1">
-              <a:shade val="50000"/>
-            </a:schemeClr>
-          </a:lnRef>
-          <a:fillRef idx="1">
-            <a:schemeClr val="accent1"/>
-          </a:fillRef>
-          <a:effectRef idx="0">
-            <a:schemeClr val="accent1"/>
-          </a:effectRef>
-          <a:fontRef idx="minor">
-            <a:schemeClr val="lt1"/>
-          </a:fontRef>
-        </p:style>
-        <p:txBody>
-          <a:bodyPr rtlCol="0" anchor="ctr"/>
-          <a:lstStyle/>
-          <a:p>
-            <a:pPr algn="ctr"/>
-            <a:endParaRPr lang="en-US"/>
-          </a:p>
-        </p:txBody>
-      </p:sp>
-      <p:sp>
-        <p:nvSpPr>
-          <p:cNvPr id="5" name="Oval 4"/>
-          <p:cNvSpPr/>
-          <p:nvPr/>
-        </p:nvSpPr>
-        <p:spPr>
-          <a:xfrm>
-            <a:off x="3291840" y="897775"/>
-            <a:ext cx="4922519" cy="4915593"/>
-          </a:xfrm>
-          <a:prstGeom prst="ellipse">
-            <a:avLst/>
-          </a:prstGeom>
-          <a:noFill/>
-          <a:ln>
-            <a:solidFill>
-              <a:schemeClr val="accent6"/>
-            </a:solidFill>
-          </a:ln>
-        </p:spPr>
-        <p:style>
-          <a:lnRef idx="2">
-            <a:schemeClr val="accent1">
-              <a:shade val="50000"/>
-            </a:schemeClr>
-          </a:lnRef>
-          <a:fillRef idx="1">
-            <a:schemeClr val="accent1"/>
-          </a:fillRef>
-          <a:effectRef idx="0">
-            <a:schemeClr val="accent1"/>
-          </a:effectRef>
-          <a:fontRef idx="minor">
-            <a:schemeClr val="lt1"/>
-          </a:fontRef>
-        </p:style>
-        <p:txBody>
-          <a:bodyPr rtlCol="0" anchor="ctr"/>
-          <a:lstStyle/>
-          <a:p>
-            <a:pPr algn="ctr"/>
-            <a:endParaRPr lang="en-US"/>
-          </a:p>
-        </p:txBody>
-      </p:sp>
-      <p:cxnSp>
-        <p:nvCxnSpPr>
-          <p:cNvPr id="7" name="Straight Connector 6"/>
-          <p:cNvCxnSpPr/>
-          <p:nvPr/>
-        </p:nvCxnSpPr>
-        <p:spPr>
-          <a:xfrm flipV="1">
-            <a:off x="6505881" y="1483906"/>
-            <a:ext cx="829954" cy="970656"/>
-          </a:xfrm>
-          <a:prstGeom prst="line">
-            <a:avLst/>
-          </a:prstGeom>
-          <a:ln>
-            <a:solidFill>
-              <a:schemeClr val="accent2">
-                <a:lumMod val="50000"/>
-              </a:schemeClr>
-            </a:solidFill>
-          </a:ln>
-        </p:spPr>
-        <p:style>
-          <a:lnRef idx="1">
-            <a:schemeClr val="accent1"/>
-          </a:lnRef>
-          <a:fillRef idx="0">
-            <a:schemeClr val="accent1"/>
-          </a:fillRef>
-          <a:effectRef idx="0">
-            <a:schemeClr val="accent1"/>
-          </a:effectRef>
-          <a:fontRef idx="minor">
-            <a:schemeClr val="tx1"/>
-          </a:fontRef>
-        </p:style>
-      </p:cxnSp>
-      <p:cxnSp>
-        <p:nvCxnSpPr>
-          <p:cNvPr id="10" name="Straight Connector 9"/>
-          <p:cNvCxnSpPr/>
-          <p:nvPr/>
-        </p:nvCxnSpPr>
-        <p:spPr>
-          <a:xfrm>
-            <a:off x="6337171" y="4491025"/>
-            <a:ext cx="445157" cy="1123555"/>
-          </a:xfrm>
-          <a:prstGeom prst="line">
-            <a:avLst/>
-          </a:prstGeom>
-          <a:ln>
-            <a:solidFill>
-              <a:schemeClr val="accent2">
-                <a:lumMod val="50000"/>
-              </a:schemeClr>
-            </a:solidFill>
-          </a:ln>
-        </p:spPr>
-        <p:style>
-          <a:lnRef idx="1">
-            <a:schemeClr val="accent1"/>
-          </a:lnRef>
-          <a:fillRef idx="0">
-            <a:schemeClr val="accent1"/>
-          </a:fillRef>
-          <a:effectRef idx="0">
-            <a:schemeClr val="accent1"/>
-          </a:effectRef>
-          <a:fontRef idx="minor">
-            <a:schemeClr val="tx1"/>
-          </a:fontRef>
-        </p:style>
-      </p:cxnSp>
-      <p:cxnSp>
-        <p:nvCxnSpPr>
-          <p:cNvPr id="13" name="Straight Connector 12"/>
-          <p:cNvCxnSpPr/>
-          <p:nvPr/>
-        </p:nvCxnSpPr>
-        <p:spPr>
-          <a:xfrm flipH="1" flipV="1">
-            <a:off x="5888656" y="4617599"/>
-            <a:ext cx="380188" cy="1100722"/>
-          </a:xfrm>
-          <a:prstGeom prst="line">
-            <a:avLst/>
-          </a:prstGeom>
-          <a:ln>
-            <a:solidFill>
-              <a:schemeClr val="accent2">
-                <a:lumMod val="50000"/>
-              </a:schemeClr>
-            </a:solidFill>
-          </a:ln>
-        </p:spPr>
-        <p:style>
-          <a:lnRef idx="1">
-            <a:schemeClr val="accent1"/>
-          </a:lnRef>
-          <a:fillRef idx="0">
-            <a:schemeClr val="accent1"/>
-          </a:fillRef>
-          <a:effectRef idx="0">
-            <a:schemeClr val="accent1"/>
-          </a:effectRef>
-          <a:fontRef idx="minor">
-            <a:schemeClr val="tx1"/>
-          </a:fontRef>
-        </p:style>
-      </p:cxnSp>
-      <p:cxnSp>
-        <p:nvCxnSpPr>
-          <p:cNvPr id="16" name="Straight Connector 15"/>
-          <p:cNvCxnSpPr/>
-          <p:nvPr/>
-        </p:nvCxnSpPr>
-        <p:spPr>
-          <a:xfrm>
-            <a:off x="3351732" y="2819424"/>
-            <a:ext cx="1368865" cy="155461"/>
-          </a:xfrm>
-          <a:prstGeom prst="line">
-            <a:avLst/>
-          </a:prstGeom>
-          <a:ln>
-            <a:solidFill>
-              <a:schemeClr val="accent2">
-                <a:lumMod val="50000"/>
-              </a:schemeClr>
-            </a:solidFill>
-          </a:ln>
-        </p:spPr>
-        <p:style>
-          <a:lnRef idx="1">
-            <a:schemeClr val="accent1"/>
-          </a:lnRef>
-          <a:fillRef idx="0">
-            <a:schemeClr val="accent1"/>
-          </a:fillRef>
-          <a:effectRef idx="0">
-            <a:schemeClr val="accent1"/>
-          </a:effectRef>
-          <a:fontRef idx="minor">
-            <a:schemeClr val="tx1"/>
-          </a:fontRef>
-        </p:style>
-      </p:cxnSp>
-      <p:cxnSp>
-        <p:nvCxnSpPr>
-          <p:cNvPr id="18" name="Straight Connector 17"/>
-          <p:cNvCxnSpPr>
-            <a:stCxn id="5" idx="2"/>
-            <a:endCxn id="4" idx="2"/>
-          </p:cNvCxnSpPr>
-          <p:nvPr/>
-        </p:nvCxnSpPr>
-        <p:spPr>
-          <a:xfrm>
-            <a:off x="3291840" y="3355572"/>
-            <a:ext cx="1314026" cy="76223"/>
-          </a:xfrm>
-          <a:prstGeom prst="line">
-            <a:avLst/>
-          </a:prstGeom>
-          <a:ln>
-            <a:solidFill>
-              <a:schemeClr val="accent2">
-                <a:lumMod val="50000"/>
-              </a:schemeClr>
-            </a:solidFill>
-          </a:ln>
-        </p:spPr>
-        <p:style>
-          <a:lnRef idx="1">
-            <a:schemeClr val="accent1"/>
-          </a:lnRef>
-          <a:fillRef idx="0">
-            <a:schemeClr val="accent1"/>
-          </a:fillRef>
-          <a:effectRef idx="0">
-            <a:schemeClr val="accent1"/>
-          </a:effectRef>
-          <a:fontRef idx="minor">
-            <a:schemeClr val="tx1"/>
-          </a:fontRef>
-        </p:style>
-      </p:cxnSp>
-      <p:cxnSp>
-        <p:nvCxnSpPr>
-          <p:cNvPr id="30" name="Straight Connector 29"/>
-          <p:cNvCxnSpPr/>
-          <p:nvPr/>
-        </p:nvCxnSpPr>
-        <p:spPr>
-          <a:xfrm flipV="1">
-            <a:off x="6808739" y="1803862"/>
-            <a:ext cx="898392" cy="1012325"/>
-          </a:xfrm>
-          <a:prstGeom prst="line">
-            <a:avLst/>
-          </a:prstGeom>
-          <a:ln>
-            <a:solidFill>
-              <a:schemeClr val="accent2">
-                <a:lumMod val="50000"/>
-              </a:schemeClr>
-            </a:solidFill>
-          </a:ln>
-        </p:spPr>
-        <p:style>
-          <a:lnRef idx="1">
-            <a:schemeClr val="accent1"/>
-          </a:lnRef>
-          <a:fillRef idx="0">
-            <a:schemeClr val="accent1"/>
-          </a:fillRef>
-          <a:effectRef idx="0">
-            <a:schemeClr val="accent1"/>
-          </a:effectRef>
-          <a:fontRef idx="minor">
-            <a:schemeClr val="tx1"/>
-          </a:fontRef>
-        </p:style>
-      </p:cxnSp>
+          <p:cNvPr id="2" name="Title 1"/>
+          <p:cNvSpPr>
+            <a:spLocks noGrp="1"/>
+          </p:cNvSpPr>
+          <p:nvPr>
+            <p:ph type="title"/>
+          </p:nvPr>
+        </p:nvSpPr>
+        <p:spPr/>
+        <p:txBody>
+          <a:bodyPr/>
+          <a:lstStyle/>
+          <a:p>
+            <a:r>
+              <a:rPr lang="en-US" dirty="0" smtClean="0"/>
+              <a:t>Class</a:t>
+            </a:r>
+            <a:endParaRPr lang="en-US" dirty="0"/>
+          </a:p>
+        </p:txBody>
+      </p:sp>
       <p:pic>
         <p:nvPicPr>
-          <p:cNvPr id="47" name="Picture 46"/>
+          <p:cNvPr id="6" name="Content Placeholder 5"/>
           <p:cNvPicPr>
-            <a:picLocks noChangeAspect="1"/>
+            <a:picLocks noGrp="1" noChangeAspect="1"/>
           </p:cNvPicPr>
-          <p:nvPr/>
+          <p:nvPr>
+            <p:ph idx="1"/>
+          </p:nvPr>
         </p:nvPicPr>
         <p:blipFill>
-          <a:blip r:embed="rId2" cstate="print">
+          <a:blip r:embed="rId2">
             <a:extLst>
               <a:ext uri="{28A0092B-C50C-407E-A947-70E740481C1C}">
                 <a14:useLocalDpi xmlns:a14="http://schemas.microsoft.com/office/drawing/2010/main" val="0"/>
@@ -3603,318 +3971,15 @@
         </p:blipFill>
         <p:spPr>
           <a:xfrm>
-            <a:off x="5200679" y="2505398"/>
-            <a:ext cx="1262773" cy="1874813"/>
-          </a:xfrm>
-          <a:prstGeom prst="rect">
-            <a:avLst/>
-          </a:prstGeom>
+            <a:off x="3998422" y="1034189"/>
+            <a:ext cx="3635655" cy="5142774"/>
+          </a:xfrm>
         </p:spPr>
       </p:pic>
-      <p:pic>
-        <p:nvPicPr>
-          <p:cNvPr id="50" name="Picture 49"/>
-          <p:cNvPicPr>
-            <a:picLocks noChangeAspect="1"/>
-          </p:cNvPicPr>
-          <p:nvPr/>
-        </p:nvPicPr>
-        <p:blipFill>
-          <a:blip r:embed="rId3" cstate="print">
-            <a:extLst>
-              <a:ext uri="{28A0092B-C50C-407E-A947-70E740481C1C}">
-                <a14:useLocalDpi xmlns:a14="http://schemas.microsoft.com/office/drawing/2010/main" val="0"/>
-              </a:ext>
-            </a:extLst>
-          </a:blip>
-          <a:stretch>
-            <a:fillRect/>
-          </a:stretch>
-        </p:blipFill>
-        <p:spPr>
-          <a:xfrm>
-            <a:off x="8308944" y="644419"/>
-            <a:ext cx="186451" cy="1052116"/>
-          </a:xfrm>
-          <a:prstGeom prst="rect">
-            <a:avLst/>
-          </a:prstGeom>
-        </p:spPr>
-      </p:pic>
-      <p:pic>
-        <p:nvPicPr>
-          <p:cNvPr id="51" name="Picture 50"/>
-          <p:cNvPicPr>
-            <a:picLocks noChangeAspect="1"/>
-          </p:cNvPicPr>
-          <p:nvPr/>
-        </p:nvPicPr>
-        <p:blipFill>
-          <a:blip r:embed="rId4" cstate="print">
-            <a:extLst>
-              <a:ext uri="{28A0092B-C50C-407E-A947-70E740481C1C}">
-                <a14:useLocalDpi xmlns:a14="http://schemas.microsoft.com/office/drawing/2010/main" val="0"/>
-              </a:ext>
-            </a:extLst>
-          </a:blip>
-          <a:stretch>
-            <a:fillRect/>
-          </a:stretch>
-        </p:blipFill>
-        <p:spPr>
-          <a:xfrm>
-            <a:off x="3824085" y="3819483"/>
-            <a:ext cx="738545" cy="1026837"/>
-          </a:xfrm>
-          <a:prstGeom prst="rect">
-            <a:avLst/>
-          </a:prstGeom>
-        </p:spPr>
-      </p:pic>
-      <p:pic>
-        <p:nvPicPr>
-          <p:cNvPr id="52" name="Picture 51"/>
-          <p:cNvPicPr>
-            <a:picLocks noChangeAspect="1"/>
-          </p:cNvPicPr>
-          <p:nvPr/>
-        </p:nvPicPr>
-        <p:blipFill>
-          <a:blip r:embed="rId5" cstate="print">
-            <a:extLst>
-              <a:ext uri="{28A0092B-C50C-407E-A947-70E740481C1C}">
-                <a14:useLocalDpi xmlns:a14="http://schemas.microsoft.com/office/drawing/2010/main" val="0"/>
-              </a:ext>
-            </a:extLst>
-          </a:blip>
-          <a:stretch>
-            <a:fillRect/>
-          </a:stretch>
-        </p:blipFill>
-        <p:spPr>
-          <a:xfrm>
-            <a:off x="7657381" y="1013178"/>
-            <a:ext cx="719147" cy="750875"/>
-          </a:xfrm>
-          <a:prstGeom prst="rect">
-            <a:avLst/>
-          </a:prstGeom>
-        </p:spPr>
-      </p:pic>
-      <p:pic>
-        <p:nvPicPr>
-          <p:cNvPr id="53" name="Picture 52"/>
-          <p:cNvPicPr>
-            <a:picLocks noChangeAspect="1"/>
-          </p:cNvPicPr>
-          <p:nvPr/>
-        </p:nvPicPr>
-        <p:blipFill>
-          <a:blip r:embed="rId4" cstate="print">
-            <a:extLst>
-              <a:ext uri="{28A0092B-C50C-407E-A947-70E740481C1C}">
-                <a14:useLocalDpi xmlns:a14="http://schemas.microsoft.com/office/drawing/2010/main" val="0"/>
-              </a:ext>
-            </a:extLst>
-          </a:blip>
-          <a:stretch>
-            <a:fillRect/>
-          </a:stretch>
-        </p:blipFill>
-        <p:spPr>
-          <a:xfrm>
-            <a:off x="7175385" y="3431794"/>
-            <a:ext cx="738545" cy="1026837"/>
-          </a:xfrm>
-          <a:prstGeom prst="rect">
-            <a:avLst/>
-          </a:prstGeom>
-        </p:spPr>
-      </p:pic>
-      <p:pic>
-        <p:nvPicPr>
-          <p:cNvPr id="54" name="Picture 53"/>
-          <p:cNvPicPr>
-            <a:picLocks noChangeAspect="1"/>
-          </p:cNvPicPr>
-          <p:nvPr/>
-        </p:nvPicPr>
-        <p:blipFill>
-          <a:blip r:embed="rId4" cstate="print">
-            <a:extLst>
-              <a:ext uri="{28A0092B-C50C-407E-A947-70E740481C1C}">
-                <a14:useLocalDpi xmlns:a14="http://schemas.microsoft.com/office/drawing/2010/main" val="0"/>
-              </a:ext>
-            </a:extLst>
-          </a:blip>
-          <a:stretch>
-            <a:fillRect/>
-          </a:stretch>
-        </p:blipFill>
-        <p:spPr>
-          <a:xfrm>
-            <a:off x="4788557" y="1170477"/>
-            <a:ext cx="738545" cy="1026837"/>
-          </a:xfrm>
-          <a:prstGeom prst="rect">
-            <a:avLst/>
-          </a:prstGeom>
-        </p:spPr>
-      </p:pic>
-      <p:pic>
-        <p:nvPicPr>
-          <p:cNvPr id="55" name="Picture 54"/>
-          <p:cNvPicPr>
-            <a:picLocks noChangeAspect="1"/>
-          </p:cNvPicPr>
-          <p:nvPr/>
-        </p:nvPicPr>
-        <p:blipFill>
-          <a:blip r:embed="rId5" cstate="print">
-            <a:extLst>
-              <a:ext uri="{28A0092B-C50C-407E-A947-70E740481C1C}">
-                <a14:useLocalDpi xmlns:a14="http://schemas.microsoft.com/office/drawing/2010/main" val="0"/>
-              </a:ext>
-            </a:extLst>
-          </a:blip>
-          <a:stretch>
-            <a:fillRect/>
-          </a:stretch>
-        </p:blipFill>
-        <p:spPr>
-          <a:xfrm>
-            <a:off x="6337171" y="5834934"/>
-            <a:ext cx="719147" cy="750875"/>
-          </a:xfrm>
-          <a:prstGeom prst="rect">
-            <a:avLst/>
-          </a:prstGeom>
-        </p:spPr>
-      </p:pic>
-      <p:pic>
-        <p:nvPicPr>
-          <p:cNvPr id="56" name="Picture 55"/>
-          <p:cNvPicPr>
-            <a:picLocks noChangeAspect="1"/>
-          </p:cNvPicPr>
-          <p:nvPr/>
-        </p:nvPicPr>
-        <p:blipFill>
-          <a:blip r:embed="rId3" cstate="print">
-            <a:extLst>
-              <a:ext uri="{28A0092B-C50C-407E-A947-70E740481C1C}">
-                <a14:useLocalDpi xmlns:a14="http://schemas.microsoft.com/office/drawing/2010/main" val="0"/>
-              </a:ext>
-            </a:extLst>
-          </a:blip>
-          <a:stretch>
-            <a:fillRect/>
-          </a:stretch>
-        </p:blipFill>
-        <p:spPr>
-          <a:xfrm>
-            <a:off x="7030410" y="5486752"/>
-            <a:ext cx="186451" cy="1052116"/>
-          </a:xfrm>
-          <a:prstGeom prst="rect">
-            <a:avLst/>
-          </a:prstGeom>
-        </p:spPr>
-      </p:pic>
-      <p:pic>
-        <p:nvPicPr>
-          <p:cNvPr id="57" name="Picture 56"/>
-          <p:cNvPicPr>
-            <a:picLocks noChangeAspect="1"/>
-          </p:cNvPicPr>
-          <p:nvPr/>
-        </p:nvPicPr>
-        <p:blipFill>
-          <a:blip r:embed="rId5" cstate="print">
-            <a:extLst>
-              <a:ext uri="{28A0092B-C50C-407E-A947-70E740481C1C}">
-                <a14:useLocalDpi xmlns:a14="http://schemas.microsoft.com/office/drawing/2010/main" val="0"/>
-              </a:ext>
-            </a:extLst>
-          </a:blip>
-          <a:stretch>
-            <a:fillRect/>
-          </a:stretch>
-        </p:blipFill>
-        <p:spPr>
-          <a:xfrm>
-            <a:off x="2373467" y="2604696"/>
-            <a:ext cx="719147" cy="750875"/>
-          </a:xfrm>
-          <a:prstGeom prst="rect">
-            <a:avLst/>
-          </a:prstGeom>
-        </p:spPr>
-      </p:pic>
-      <p:pic>
-        <p:nvPicPr>
-          <p:cNvPr id="58" name="Picture 57"/>
-          <p:cNvPicPr>
-            <a:picLocks noChangeAspect="1"/>
-          </p:cNvPicPr>
-          <p:nvPr/>
-        </p:nvPicPr>
-        <p:blipFill>
-          <a:blip r:embed="rId3" cstate="print">
-            <a:extLst>
-              <a:ext uri="{28A0092B-C50C-407E-A947-70E740481C1C}">
-                <a14:useLocalDpi xmlns:a14="http://schemas.microsoft.com/office/drawing/2010/main" val="0"/>
-              </a:ext>
-            </a:extLst>
-          </a:blip>
-          <a:stretch>
-            <a:fillRect/>
-          </a:stretch>
-        </p:blipFill>
-        <p:spPr>
-          <a:xfrm>
-            <a:off x="3026812" y="2312531"/>
-            <a:ext cx="186451" cy="1052116"/>
-          </a:xfrm>
-          <a:prstGeom prst="rect">
-            <a:avLst/>
-          </a:prstGeom>
-        </p:spPr>
-      </p:pic>
-      <p:sp>
-        <p:nvSpPr>
-          <p:cNvPr id="3" name="TextBox 2"/>
-          <p:cNvSpPr txBox="1"/>
-          <p:nvPr/>
-        </p:nvSpPr>
-        <p:spPr>
-          <a:xfrm>
-            <a:off x="8666325" y="2798567"/>
-            <a:ext cx="2096408" cy="369332"/>
-          </a:xfrm>
-          <a:prstGeom prst="rect">
-            <a:avLst/>
-          </a:prstGeom>
-          <a:noFill/>
-        </p:spPr>
-        <p:txBody>
-          <a:bodyPr wrap="none" rtlCol="0">
-            <a:spAutoFit/>
-          </a:bodyPr>
-          <a:lstStyle/>
-          <a:p>
-            <a:r>
-              <a:rPr lang="en-US" dirty="0" smtClean="0"/>
-              <a:t>Impossible to access</a:t>
-            </a:r>
-            <a:endParaRPr lang="en-US" dirty="0"/>
-          </a:p>
-        </p:txBody>
-      </p:sp>
     </p:spTree>
     <p:extLst>
       <p:ext uri="{BB962C8B-B14F-4D97-AF65-F5344CB8AC3E}">
-        <p14:creationId xmlns:p14="http://schemas.microsoft.com/office/powerpoint/2010/main" val="132741999"/>
+        <p14:creationId xmlns:p14="http://schemas.microsoft.com/office/powerpoint/2010/main" val="4114259452"/>
       </p:ext>
     </p:extLst>
   </p:cSld>
@@ -3943,331 +4008,80 @@
       </p:grpSpPr>
       <p:sp>
         <p:nvSpPr>
-          <p:cNvPr id="4" name="Oval 3"/>
-          <p:cNvSpPr/>
-          <p:nvPr/>
-        </p:nvSpPr>
-        <p:spPr>
-          <a:xfrm>
-            <a:off x="4605866" y="2238918"/>
-            <a:ext cx="2410691" cy="2385753"/>
-          </a:xfrm>
-          <a:prstGeom prst="ellipse">
-            <a:avLst/>
-          </a:prstGeom>
-          <a:noFill/>
-          <a:ln>
-            <a:solidFill>
-              <a:schemeClr val="accent6"/>
-            </a:solidFill>
-          </a:ln>
-        </p:spPr>
-        <p:style>
-          <a:lnRef idx="2">
-            <a:schemeClr val="accent1">
-              <a:shade val="50000"/>
-            </a:schemeClr>
-          </a:lnRef>
-          <a:fillRef idx="1">
-            <a:schemeClr val="accent1"/>
-          </a:fillRef>
-          <a:effectRef idx="0">
-            <a:schemeClr val="accent1"/>
-          </a:effectRef>
-          <a:fontRef idx="minor">
-            <a:schemeClr val="lt1"/>
-          </a:fontRef>
-        </p:style>
-        <p:txBody>
-          <a:bodyPr rtlCol="0" anchor="ctr"/>
-          <a:lstStyle/>
-          <a:p>
-            <a:pPr algn="ctr"/>
-            <a:endParaRPr lang="en-US"/>
-          </a:p>
-        </p:txBody>
-      </p:sp>
-      <p:sp>
-        <p:nvSpPr>
-          <p:cNvPr id="5" name="Oval 4"/>
-          <p:cNvSpPr/>
-          <p:nvPr/>
-        </p:nvSpPr>
-        <p:spPr>
-          <a:xfrm>
-            <a:off x="3291840" y="897775"/>
-            <a:ext cx="4922519" cy="4915593"/>
-          </a:xfrm>
-          <a:prstGeom prst="ellipse">
-            <a:avLst/>
-          </a:prstGeom>
-          <a:noFill/>
-          <a:ln>
-            <a:solidFill>
-              <a:schemeClr val="accent6"/>
-            </a:solidFill>
-          </a:ln>
-        </p:spPr>
-        <p:style>
-          <a:lnRef idx="2">
-            <a:schemeClr val="accent1">
-              <a:shade val="50000"/>
-            </a:schemeClr>
-          </a:lnRef>
-          <a:fillRef idx="1">
-            <a:schemeClr val="accent1"/>
-          </a:fillRef>
-          <a:effectRef idx="0">
-            <a:schemeClr val="accent1"/>
-          </a:effectRef>
-          <a:fontRef idx="minor">
-            <a:schemeClr val="lt1"/>
-          </a:fontRef>
-        </p:style>
-        <p:txBody>
-          <a:bodyPr rtlCol="0" anchor="ctr"/>
-          <a:lstStyle/>
-          <a:p>
-            <a:pPr algn="ctr"/>
-            <a:endParaRPr lang="en-US"/>
-          </a:p>
-        </p:txBody>
-      </p:sp>
-      <p:cxnSp>
-        <p:nvCxnSpPr>
-          <p:cNvPr id="7" name="Straight Connector 6"/>
-          <p:cNvCxnSpPr/>
-          <p:nvPr/>
-        </p:nvCxnSpPr>
-        <p:spPr>
-          <a:xfrm flipV="1">
-            <a:off x="6505881" y="1483906"/>
-            <a:ext cx="829954" cy="970656"/>
-          </a:xfrm>
-          <a:prstGeom prst="line">
-            <a:avLst/>
-          </a:prstGeom>
-          <a:ln>
-            <a:solidFill>
-              <a:schemeClr val="accent2">
-                <a:lumMod val="50000"/>
-              </a:schemeClr>
-            </a:solidFill>
-          </a:ln>
-        </p:spPr>
-        <p:style>
-          <a:lnRef idx="1">
-            <a:schemeClr val="accent1"/>
-          </a:lnRef>
-          <a:fillRef idx="0">
-            <a:schemeClr val="accent1"/>
-          </a:fillRef>
-          <a:effectRef idx="0">
-            <a:schemeClr val="accent1"/>
-          </a:effectRef>
-          <a:fontRef idx="minor">
-            <a:schemeClr val="tx1"/>
-          </a:fontRef>
-        </p:style>
-      </p:cxnSp>
-      <p:cxnSp>
-        <p:nvCxnSpPr>
-          <p:cNvPr id="10" name="Straight Connector 9"/>
-          <p:cNvCxnSpPr/>
-          <p:nvPr/>
-        </p:nvCxnSpPr>
-        <p:spPr>
-          <a:xfrm>
-            <a:off x="6337171" y="4491025"/>
-            <a:ext cx="445157" cy="1123555"/>
-          </a:xfrm>
-          <a:prstGeom prst="line">
-            <a:avLst/>
-          </a:prstGeom>
-          <a:ln>
-            <a:solidFill>
-              <a:schemeClr val="accent2">
-                <a:lumMod val="50000"/>
-              </a:schemeClr>
-            </a:solidFill>
-          </a:ln>
-        </p:spPr>
-        <p:style>
-          <a:lnRef idx="1">
-            <a:schemeClr val="accent1"/>
-          </a:lnRef>
-          <a:fillRef idx="0">
-            <a:schemeClr val="accent1"/>
-          </a:fillRef>
-          <a:effectRef idx="0">
-            <a:schemeClr val="accent1"/>
-          </a:effectRef>
-          <a:fontRef idx="minor">
-            <a:schemeClr val="tx1"/>
-          </a:fontRef>
-        </p:style>
-      </p:cxnSp>
-      <p:cxnSp>
-        <p:nvCxnSpPr>
-          <p:cNvPr id="13" name="Straight Connector 12"/>
-          <p:cNvCxnSpPr/>
-          <p:nvPr/>
-        </p:nvCxnSpPr>
-        <p:spPr>
-          <a:xfrm flipH="1" flipV="1">
-            <a:off x="5888656" y="4617599"/>
-            <a:ext cx="380188" cy="1100722"/>
-          </a:xfrm>
-          <a:prstGeom prst="line">
-            <a:avLst/>
-          </a:prstGeom>
-          <a:ln>
-            <a:solidFill>
-              <a:schemeClr val="accent2">
-                <a:lumMod val="50000"/>
-              </a:schemeClr>
-            </a:solidFill>
-          </a:ln>
-        </p:spPr>
-        <p:style>
-          <a:lnRef idx="1">
-            <a:schemeClr val="accent1"/>
-          </a:lnRef>
-          <a:fillRef idx="0">
-            <a:schemeClr val="accent1"/>
-          </a:fillRef>
-          <a:effectRef idx="0">
-            <a:schemeClr val="accent1"/>
-          </a:effectRef>
-          <a:fontRef idx="minor">
-            <a:schemeClr val="tx1"/>
-          </a:fontRef>
-        </p:style>
-      </p:cxnSp>
-      <p:cxnSp>
-        <p:nvCxnSpPr>
-          <p:cNvPr id="16" name="Straight Connector 15"/>
-          <p:cNvCxnSpPr/>
-          <p:nvPr/>
-        </p:nvCxnSpPr>
-        <p:spPr>
-          <a:xfrm>
-            <a:off x="3351732" y="2819424"/>
-            <a:ext cx="1368865" cy="155461"/>
-          </a:xfrm>
-          <a:prstGeom prst="line">
-            <a:avLst/>
-          </a:prstGeom>
-          <a:ln>
-            <a:solidFill>
-              <a:schemeClr val="accent2">
-                <a:lumMod val="50000"/>
-              </a:schemeClr>
-            </a:solidFill>
-          </a:ln>
-        </p:spPr>
-        <p:style>
-          <a:lnRef idx="1">
-            <a:schemeClr val="accent1"/>
-          </a:lnRef>
-          <a:fillRef idx="0">
-            <a:schemeClr val="accent1"/>
-          </a:fillRef>
-          <a:effectRef idx="0">
-            <a:schemeClr val="accent1"/>
-          </a:effectRef>
-          <a:fontRef idx="minor">
-            <a:schemeClr val="tx1"/>
-          </a:fontRef>
-        </p:style>
-      </p:cxnSp>
-      <p:cxnSp>
-        <p:nvCxnSpPr>
-          <p:cNvPr id="18" name="Straight Connector 17"/>
-          <p:cNvCxnSpPr>
-            <a:stCxn id="5" idx="2"/>
-            <a:endCxn id="4" idx="2"/>
-          </p:cNvCxnSpPr>
-          <p:nvPr/>
-        </p:nvCxnSpPr>
-        <p:spPr>
-          <a:xfrm>
-            <a:off x="3291840" y="3355572"/>
-            <a:ext cx="1314026" cy="76223"/>
-          </a:xfrm>
-          <a:prstGeom prst="line">
-            <a:avLst/>
-          </a:prstGeom>
-          <a:ln>
-            <a:solidFill>
-              <a:schemeClr val="accent2">
-                <a:lumMod val="50000"/>
-              </a:schemeClr>
-            </a:solidFill>
-          </a:ln>
-        </p:spPr>
-        <p:style>
-          <a:lnRef idx="1">
-            <a:schemeClr val="accent1"/>
-          </a:lnRef>
-          <a:fillRef idx="0">
-            <a:schemeClr val="accent1"/>
-          </a:fillRef>
-          <a:effectRef idx="0">
-            <a:schemeClr val="accent1"/>
-          </a:effectRef>
-          <a:fontRef idx="minor">
-            <a:schemeClr val="tx1"/>
-          </a:fontRef>
-        </p:style>
-      </p:cxnSp>
-      <p:cxnSp>
-        <p:nvCxnSpPr>
-          <p:cNvPr id="30" name="Straight Connector 29"/>
-          <p:cNvCxnSpPr/>
-          <p:nvPr/>
-        </p:nvCxnSpPr>
-        <p:spPr>
-          <a:xfrm flipV="1">
-            <a:off x="6808739" y="1803862"/>
-            <a:ext cx="898392" cy="1012325"/>
-          </a:xfrm>
-          <a:prstGeom prst="line">
-            <a:avLst/>
-          </a:prstGeom>
-          <a:ln>
-            <a:solidFill>
-              <a:schemeClr val="accent2">
-                <a:lumMod val="50000"/>
-              </a:schemeClr>
-            </a:solidFill>
-          </a:ln>
-        </p:spPr>
-        <p:style>
-          <a:lnRef idx="1">
-            <a:schemeClr val="accent1"/>
-          </a:lnRef>
-          <a:fillRef idx="0">
-            <a:schemeClr val="accent1"/>
-          </a:fillRef>
-          <a:effectRef idx="0">
-            <a:schemeClr val="accent1"/>
-          </a:effectRef>
-          <a:fontRef idx="minor">
-            <a:schemeClr val="tx1"/>
-          </a:fontRef>
-        </p:style>
-      </p:cxnSp>
+          <p:cNvPr id="2" name="Title 1"/>
+          <p:cNvSpPr>
+            <a:spLocks noGrp="1"/>
+          </p:cNvSpPr>
+          <p:nvPr>
+            <p:ph type="title"/>
+          </p:nvPr>
+        </p:nvSpPr>
+        <p:spPr/>
+        <p:txBody>
+          <a:bodyPr/>
+          <a:lstStyle/>
+          <a:p>
+            <a:r>
+              <a:rPr lang="en-US" dirty="0" smtClean="0"/>
+              <a:t>Object (Instantiated Class)</a:t>
+            </a:r>
+            <a:endParaRPr lang="en-US" dirty="0"/>
+          </a:p>
+        </p:txBody>
+      </p:sp>
+      <p:sp>
+        <p:nvSpPr>
+          <p:cNvPr id="3" name="Content Placeholder 2"/>
+          <p:cNvSpPr>
+            <a:spLocks noGrp="1"/>
+          </p:cNvSpPr>
+          <p:nvPr>
+            <p:ph idx="1"/>
+          </p:nvPr>
+        </p:nvSpPr>
+        <p:spPr/>
+        <p:txBody>
+          <a:bodyPr/>
+          <a:lstStyle/>
+          <a:p>
+            <a:r>
+              <a:rPr lang="en-US" dirty="0" smtClean="0"/>
+              <a:t>Keyword = “new”</a:t>
+            </a:r>
+          </a:p>
+          <a:p>
+            <a:endParaRPr lang="en-US" dirty="0" smtClean="0"/>
+          </a:p>
+          <a:p>
+            <a:endParaRPr lang="en-US" dirty="0"/>
+          </a:p>
+          <a:p>
+            <a:r>
+              <a:rPr lang="en-US" dirty="0" smtClean="0"/>
+              <a:t>Castle disneyC = </a:t>
+            </a:r>
+            <a:r>
+              <a:rPr lang="en-US" b="1" dirty="0" smtClean="0"/>
+              <a:t>new</a:t>
+            </a:r>
+            <a:r>
+              <a:rPr lang="en-US" dirty="0" smtClean="0"/>
+              <a:t> Castle();</a:t>
+            </a:r>
+            <a:endParaRPr lang="en-US" dirty="0"/>
+          </a:p>
+        </p:txBody>
+      </p:sp>
       <p:pic>
         <p:nvPicPr>
-          <p:cNvPr id="47" name="Picture 46"/>
+          <p:cNvPr id="4" name="Picture 3"/>
           <p:cNvPicPr>
             <a:picLocks noChangeAspect="1"/>
           </p:cNvPicPr>
           <p:nvPr/>
         </p:nvPicPr>
         <p:blipFill>
-          <a:blip r:embed="rId2" cstate="print">
+          <a:blip r:embed="rId2">
             <a:extLst>
               <a:ext uri="{28A0092B-C50C-407E-A947-70E740481C1C}">
                 <a14:useLocalDpi xmlns:a14="http://schemas.microsoft.com/office/drawing/2010/main" val="0"/>
@@ -4280,527 +4094,18 @@
         </p:blipFill>
         <p:spPr>
           <a:xfrm>
-            <a:off x="5200679" y="2505398"/>
-            <a:ext cx="1262773" cy="1874813"/>
+            <a:off x="7281948" y="767724"/>
+            <a:ext cx="4378329" cy="4943119"/>
           </a:xfrm>
           <a:prstGeom prst="rect">
             <a:avLst/>
           </a:prstGeom>
         </p:spPr>
       </p:pic>
-      <p:pic>
-        <p:nvPicPr>
-          <p:cNvPr id="48" name="Picture 47"/>
-          <p:cNvPicPr>
-            <a:picLocks noChangeAspect="1"/>
-          </p:cNvPicPr>
-          <p:nvPr/>
-        </p:nvPicPr>
-        <p:blipFill>
-          <a:blip r:embed="rId3" cstate="print">
-            <a:extLst>
-              <a:ext uri="{28A0092B-C50C-407E-A947-70E740481C1C}">
-                <a14:useLocalDpi xmlns:a14="http://schemas.microsoft.com/office/drawing/2010/main" val="0"/>
-              </a:ext>
-            </a:extLst>
-          </a:blip>
-          <a:stretch>
-            <a:fillRect/>
-          </a:stretch>
-        </p:blipFill>
-        <p:spPr>
-          <a:xfrm>
-            <a:off x="6272804" y="3048687"/>
-            <a:ext cx="524390" cy="788234"/>
-          </a:xfrm>
-          <a:prstGeom prst="rect">
-            <a:avLst/>
-          </a:prstGeom>
-        </p:spPr>
-      </p:pic>
-      <p:pic>
-        <p:nvPicPr>
-          <p:cNvPr id="49" name="Picture 48"/>
-          <p:cNvPicPr>
-            <a:picLocks noChangeAspect="1"/>
-          </p:cNvPicPr>
-          <p:nvPr/>
-        </p:nvPicPr>
-        <p:blipFill>
-          <a:blip r:embed="rId4" cstate="print">
-            <a:extLst>
-              <a:ext uri="{28A0092B-C50C-407E-A947-70E740481C1C}">
-                <a14:useLocalDpi xmlns:a14="http://schemas.microsoft.com/office/drawing/2010/main" val="0"/>
-              </a:ext>
-            </a:extLst>
-          </a:blip>
-          <a:stretch>
-            <a:fillRect/>
-          </a:stretch>
-        </p:blipFill>
-        <p:spPr>
-          <a:xfrm>
-            <a:off x="4790760" y="3501116"/>
-            <a:ext cx="518300" cy="458207"/>
-          </a:xfrm>
-          <a:prstGeom prst="rect">
-            <a:avLst/>
-          </a:prstGeom>
-        </p:spPr>
-      </p:pic>
-      <p:pic>
-        <p:nvPicPr>
-          <p:cNvPr id="50" name="Picture 49"/>
-          <p:cNvPicPr>
-            <a:picLocks noChangeAspect="1"/>
-          </p:cNvPicPr>
-          <p:nvPr/>
-        </p:nvPicPr>
-        <p:blipFill>
-          <a:blip r:embed="rId5" cstate="print">
-            <a:extLst>
-              <a:ext uri="{28A0092B-C50C-407E-A947-70E740481C1C}">
-                <a14:useLocalDpi xmlns:a14="http://schemas.microsoft.com/office/drawing/2010/main" val="0"/>
-              </a:ext>
-            </a:extLst>
-          </a:blip>
-          <a:stretch>
-            <a:fillRect/>
-          </a:stretch>
-        </p:blipFill>
-        <p:spPr>
-          <a:xfrm>
-            <a:off x="8308944" y="644419"/>
-            <a:ext cx="186451" cy="1052116"/>
-          </a:xfrm>
-          <a:prstGeom prst="rect">
-            <a:avLst/>
-          </a:prstGeom>
-        </p:spPr>
-      </p:pic>
-      <p:pic>
-        <p:nvPicPr>
-          <p:cNvPr id="51" name="Picture 50"/>
-          <p:cNvPicPr>
-            <a:picLocks noChangeAspect="1"/>
-          </p:cNvPicPr>
-          <p:nvPr/>
-        </p:nvPicPr>
-        <p:blipFill>
-          <a:blip r:embed="rId6" cstate="print">
-            <a:extLst>
-              <a:ext uri="{28A0092B-C50C-407E-A947-70E740481C1C}">
-                <a14:useLocalDpi xmlns:a14="http://schemas.microsoft.com/office/drawing/2010/main" val="0"/>
-              </a:ext>
-            </a:extLst>
-          </a:blip>
-          <a:stretch>
-            <a:fillRect/>
-          </a:stretch>
-        </p:blipFill>
-        <p:spPr>
-          <a:xfrm>
-            <a:off x="3824085" y="3819483"/>
-            <a:ext cx="738545" cy="1026837"/>
-          </a:xfrm>
-          <a:prstGeom prst="rect">
-            <a:avLst/>
-          </a:prstGeom>
-        </p:spPr>
-      </p:pic>
-      <p:pic>
-        <p:nvPicPr>
-          <p:cNvPr id="52" name="Picture 51"/>
-          <p:cNvPicPr>
-            <a:picLocks noChangeAspect="1"/>
-          </p:cNvPicPr>
-          <p:nvPr/>
-        </p:nvPicPr>
-        <p:blipFill>
-          <a:blip r:embed="rId7" cstate="print">
-            <a:extLst>
-              <a:ext uri="{28A0092B-C50C-407E-A947-70E740481C1C}">
-                <a14:useLocalDpi xmlns:a14="http://schemas.microsoft.com/office/drawing/2010/main" val="0"/>
-              </a:ext>
-            </a:extLst>
-          </a:blip>
-          <a:stretch>
-            <a:fillRect/>
-          </a:stretch>
-        </p:blipFill>
-        <p:spPr>
-          <a:xfrm>
-            <a:off x="7657381" y="1013178"/>
-            <a:ext cx="719147" cy="750875"/>
-          </a:xfrm>
-          <a:prstGeom prst="rect">
-            <a:avLst/>
-          </a:prstGeom>
-        </p:spPr>
-      </p:pic>
-      <p:pic>
-        <p:nvPicPr>
-          <p:cNvPr id="53" name="Picture 52"/>
-          <p:cNvPicPr>
-            <a:picLocks noChangeAspect="1"/>
-          </p:cNvPicPr>
-          <p:nvPr/>
-        </p:nvPicPr>
-        <p:blipFill>
-          <a:blip r:embed="rId6" cstate="print">
-            <a:extLst>
-              <a:ext uri="{28A0092B-C50C-407E-A947-70E740481C1C}">
-                <a14:useLocalDpi xmlns:a14="http://schemas.microsoft.com/office/drawing/2010/main" val="0"/>
-              </a:ext>
-            </a:extLst>
-          </a:blip>
-          <a:stretch>
-            <a:fillRect/>
-          </a:stretch>
-        </p:blipFill>
-        <p:spPr>
-          <a:xfrm>
-            <a:off x="7175385" y="3431794"/>
-            <a:ext cx="738545" cy="1026837"/>
-          </a:xfrm>
-          <a:prstGeom prst="rect">
-            <a:avLst/>
-          </a:prstGeom>
-        </p:spPr>
-      </p:pic>
-      <p:pic>
-        <p:nvPicPr>
-          <p:cNvPr id="54" name="Picture 53"/>
-          <p:cNvPicPr>
-            <a:picLocks noChangeAspect="1"/>
-          </p:cNvPicPr>
-          <p:nvPr/>
-        </p:nvPicPr>
-        <p:blipFill>
-          <a:blip r:embed="rId6" cstate="print">
-            <a:extLst>
-              <a:ext uri="{28A0092B-C50C-407E-A947-70E740481C1C}">
-                <a14:useLocalDpi xmlns:a14="http://schemas.microsoft.com/office/drawing/2010/main" val="0"/>
-              </a:ext>
-            </a:extLst>
-          </a:blip>
-          <a:stretch>
-            <a:fillRect/>
-          </a:stretch>
-        </p:blipFill>
-        <p:spPr>
-          <a:xfrm>
-            <a:off x="4788557" y="1170477"/>
-            <a:ext cx="738545" cy="1026837"/>
-          </a:xfrm>
-          <a:prstGeom prst="rect">
-            <a:avLst/>
-          </a:prstGeom>
-        </p:spPr>
-      </p:pic>
-      <p:pic>
-        <p:nvPicPr>
-          <p:cNvPr id="55" name="Picture 54"/>
-          <p:cNvPicPr>
-            <a:picLocks noChangeAspect="1"/>
-          </p:cNvPicPr>
-          <p:nvPr/>
-        </p:nvPicPr>
-        <p:blipFill>
-          <a:blip r:embed="rId7" cstate="print">
-            <a:extLst>
-              <a:ext uri="{28A0092B-C50C-407E-A947-70E740481C1C}">
-                <a14:useLocalDpi xmlns:a14="http://schemas.microsoft.com/office/drawing/2010/main" val="0"/>
-              </a:ext>
-            </a:extLst>
-          </a:blip>
-          <a:stretch>
-            <a:fillRect/>
-          </a:stretch>
-        </p:blipFill>
-        <p:spPr>
-          <a:xfrm>
-            <a:off x="6337171" y="5834934"/>
-            <a:ext cx="719147" cy="750875"/>
-          </a:xfrm>
-          <a:prstGeom prst="rect">
-            <a:avLst/>
-          </a:prstGeom>
-        </p:spPr>
-      </p:pic>
-      <p:pic>
-        <p:nvPicPr>
-          <p:cNvPr id="56" name="Picture 55"/>
-          <p:cNvPicPr>
-            <a:picLocks noChangeAspect="1"/>
-          </p:cNvPicPr>
-          <p:nvPr/>
-        </p:nvPicPr>
-        <p:blipFill>
-          <a:blip r:embed="rId5" cstate="print">
-            <a:extLst>
-              <a:ext uri="{28A0092B-C50C-407E-A947-70E740481C1C}">
-                <a14:useLocalDpi xmlns:a14="http://schemas.microsoft.com/office/drawing/2010/main" val="0"/>
-              </a:ext>
-            </a:extLst>
-          </a:blip>
-          <a:stretch>
-            <a:fillRect/>
-          </a:stretch>
-        </p:blipFill>
-        <p:spPr>
-          <a:xfrm>
-            <a:off x="7030410" y="5486752"/>
-            <a:ext cx="186451" cy="1052116"/>
-          </a:xfrm>
-          <a:prstGeom prst="rect">
-            <a:avLst/>
-          </a:prstGeom>
-        </p:spPr>
-      </p:pic>
-      <p:pic>
-        <p:nvPicPr>
-          <p:cNvPr id="57" name="Picture 56"/>
-          <p:cNvPicPr>
-            <a:picLocks noChangeAspect="1"/>
-          </p:cNvPicPr>
-          <p:nvPr/>
-        </p:nvPicPr>
-        <p:blipFill>
-          <a:blip r:embed="rId7" cstate="print">
-            <a:extLst>
-              <a:ext uri="{28A0092B-C50C-407E-A947-70E740481C1C}">
-                <a14:useLocalDpi xmlns:a14="http://schemas.microsoft.com/office/drawing/2010/main" val="0"/>
-              </a:ext>
-            </a:extLst>
-          </a:blip>
-          <a:stretch>
-            <a:fillRect/>
-          </a:stretch>
-        </p:blipFill>
-        <p:spPr>
-          <a:xfrm>
-            <a:off x="2373467" y="2604696"/>
-            <a:ext cx="719147" cy="750875"/>
-          </a:xfrm>
-          <a:prstGeom prst="rect">
-            <a:avLst/>
-          </a:prstGeom>
-        </p:spPr>
-      </p:pic>
-      <p:pic>
-        <p:nvPicPr>
-          <p:cNvPr id="58" name="Picture 57"/>
-          <p:cNvPicPr>
-            <a:picLocks noChangeAspect="1"/>
-          </p:cNvPicPr>
-          <p:nvPr/>
-        </p:nvPicPr>
-        <p:blipFill>
-          <a:blip r:embed="rId5" cstate="print">
-            <a:extLst>
-              <a:ext uri="{28A0092B-C50C-407E-A947-70E740481C1C}">
-                <a14:useLocalDpi xmlns:a14="http://schemas.microsoft.com/office/drawing/2010/main" val="0"/>
-              </a:ext>
-            </a:extLst>
-          </a:blip>
-          <a:stretch>
-            <a:fillRect/>
-          </a:stretch>
-        </p:blipFill>
-        <p:spPr>
-          <a:xfrm>
-            <a:off x="3026812" y="2312531"/>
-            <a:ext cx="186451" cy="1052116"/>
-          </a:xfrm>
-          <a:prstGeom prst="rect">
-            <a:avLst/>
-          </a:prstGeom>
-        </p:spPr>
-      </p:pic>
-      <p:pic>
-        <p:nvPicPr>
-          <p:cNvPr id="59" name="Picture 58"/>
-          <p:cNvPicPr>
-            <a:picLocks noChangeAspect="1"/>
-          </p:cNvPicPr>
-          <p:nvPr/>
-        </p:nvPicPr>
-        <p:blipFill>
-          <a:blip r:embed="rId8" cstate="print">
-            <a:extLst>
-              <a:ext uri="{28A0092B-C50C-407E-A947-70E740481C1C}">
-                <a14:useLocalDpi xmlns:a14="http://schemas.microsoft.com/office/drawing/2010/main" val="0"/>
-              </a:ext>
-            </a:extLst>
-          </a:blip>
-          <a:stretch>
-            <a:fillRect/>
-          </a:stretch>
-        </p:blipFill>
-        <p:spPr>
-          <a:xfrm>
-            <a:off x="4841792" y="2798567"/>
-            <a:ext cx="574344" cy="566080"/>
-          </a:xfrm>
-          <a:prstGeom prst="rect">
-            <a:avLst/>
-          </a:prstGeom>
-        </p:spPr>
-      </p:pic>
-      <p:sp>
-        <p:nvSpPr>
-          <p:cNvPr id="60" name="Right Arrow 59"/>
-          <p:cNvSpPr/>
-          <p:nvPr/>
-        </p:nvSpPr>
-        <p:spPr>
-          <a:xfrm rot="7831521">
-            <a:off x="6547916" y="1932091"/>
-            <a:ext cx="1040284" cy="430795"/>
-          </a:xfrm>
-          <a:prstGeom prst="rightArrow">
-            <a:avLst/>
-          </a:prstGeom>
-          <a:noFill/>
-          <a:ln>
-            <a:solidFill>
-              <a:srgbClr val="FF0000"/>
-            </a:solidFill>
-          </a:ln>
-        </p:spPr>
-        <p:style>
-          <a:lnRef idx="2">
-            <a:schemeClr val="accent1">
-              <a:shade val="50000"/>
-            </a:schemeClr>
-          </a:lnRef>
-          <a:fillRef idx="1">
-            <a:schemeClr val="accent1"/>
-          </a:fillRef>
-          <a:effectRef idx="0">
-            <a:schemeClr val="accent1"/>
-          </a:effectRef>
-          <a:fontRef idx="minor">
-            <a:schemeClr val="lt1"/>
-          </a:fontRef>
-        </p:style>
-        <p:txBody>
-          <a:bodyPr rtlCol="0" anchor="ctr"/>
-          <a:lstStyle/>
-          <a:p>
-            <a:pPr algn="ctr"/>
-            <a:endParaRPr lang="en-US"/>
-          </a:p>
-        </p:txBody>
-      </p:sp>
-      <p:sp>
-        <p:nvSpPr>
-          <p:cNvPr id="64" name="TextBox 63"/>
-          <p:cNvSpPr txBox="1"/>
-          <p:nvPr/>
-        </p:nvSpPr>
-        <p:spPr>
-          <a:xfrm rot="18582493">
-            <a:off x="6740169" y="1829056"/>
-            <a:ext cx="858154" cy="369332"/>
-          </a:xfrm>
-          <a:prstGeom prst="rect">
-            <a:avLst/>
-          </a:prstGeom>
-          <a:noFill/>
-        </p:spPr>
-        <p:txBody>
-          <a:bodyPr wrap="square" rtlCol="0">
-            <a:spAutoFit/>
-          </a:bodyPr>
-          <a:lstStyle/>
-          <a:p>
-            <a:r>
-              <a:rPr lang="en-US" dirty="0" smtClean="0">
-                <a:solidFill>
-                  <a:srgbClr val="FF0000"/>
-                </a:solidFill>
-              </a:rPr>
-              <a:t>Setter</a:t>
-            </a:r>
-            <a:endParaRPr lang="en-US" dirty="0">
-              <a:solidFill>
-                <a:srgbClr val="FF0000"/>
-              </a:solidFill>
-            </a:endParaRPr>
-          </a:p>
-        </p:txBody>
-      </p:sp>
-      <p:sp>
-        <p:nvSpPr>
-          <p:cNvPr id="2" name="TextBox 1"/>
-          <p:cNvSpPr txBox="1"/>
-          <p:nvPr/>
-        </p:nvSpPr>
-        <p:spPr>
-          <a:xfrm>
-            <a:off x="8969432" y="3162615"/>
-            <a:ext cx="1812484" cy="923330"/>
-          </a:xfrm>
-          <a:prstGeom prst="rect">
-            <a:avLst/>
-          </a:prstGeom>
-          <a:noFill/>
-        </p:spPr>
-        <p:txBody>
-          <a:bodyPr wrap="none" rtlCol="0">
-            <a:spAutoFit/>
-          </a:bodyPr>
-          <a:lstStyle/>
-          <a:p>
-            <a:r>
-              <a:rPr lang="en-US" dirty="0" smtClean="0"/>
-              <a:t>.</a:t>
-            </a:r>
-            <a:r>
-              <a:rPr lang="en-US" dirty="0" err="1" smtClean="0"/>
-              <a:t>setGold</a:t>
-            </a:r>
-            <a:r>
-              <a:rPr lang="en-US" dirty="0" smtClean="0"/>
-              <a:t>()</a:t>
-            </a:r>
-          </a:p>
-          <a:p>
-            <a:r>
-              <a:rPr lang="en-US" dirty="0" smtClean="0"/>
-              <a:t>.</a:t>
-            </a:r>
-            <a:r>
-              <a:rPr lang="en-US" dirty="0" err="1" smtClean="0"/>
-              <a:t>setMagnaCarta</a:t>
-            </a:r>
-            <a:r>
-              <a:rPr lang="en-US" dirty="0" smtClean="0"/>
-              <a:t>()</a:t>
-            </a:r>
-          </a:p>
-          <a:p>
-            <a:r>
-              <a:rPr lang="en-US" dirty="0" smtClean="0"/>
-              <a:t>.</a:t>
-            </a:r>
-            <a:r>
-              <a:rPr lang="en-US" dirty="0" err="1" smtClean="0"/>
-              <a:t>setPrincess</a:t>
-            </a:r>
-            <a:r>
-              <a:rPr lang="en-US" dirty="0" smtClean="0"/>
-              <a:t>()</a:t>
-            </a:r>
-          </a:p>
-        </p:txBody>
-      </p:sp>
     </p:spTree>
     <p:extLst>
       <p:ext uri="{BB962C8B-B14F-4D97-AF65-F5344CB8AC3E}">
-        <p14:creationId xmlns:p14="http://schemas.microsoft.com/office/powerpoint/2010/main" val="2130158071"/>
+        <p14:creationId xmlns:p14="http://schemas.microsoft.com/office/powerpoint/2010/main" val="2189981982"/>
       </p:ext>
     </p:extLst>
   </p:cSld>
@@ -5146,7 +4451,7 @@
       </p:cxnSp>
       <p:pic>
         <p:nvPicPr>
-          <p:cNvPr id="47" name="Picture 46"/>
+          <p:cNvPr id="50" name="Picture 49"/>
           <p:cNvPicPr>
             <a:picLocks noChangeAspect="1"/>
           </p:cNvPicPr>
@@ -5166,8 +4471,8 @@
         </p:blipFill>
         <p:spPr>
           <a:xfrm>
-            <a:off x="5200679" y="2505398"/>
-            <a:ext cx="1262773" cy="1874813"/>
+            <a:off x="8308944" y="644419"/>
+            <a:ext cx="186451" cy="1052116"/>
           </a:xfrm>
           <a:prstGeom prst="rect">
             <a:avLst/>
@@ -5176,7 +4481,7 @@
       </p:pic>
       <p:pic>
         <p:nvPicPr>
-          <p:cNvPr id="48" name="Picture 47"/>
+          <p:cNvPr id="51" name="Picture 50"/>
           <p:cNvPicPr>
             <a:picLocks noChangeAspect="1"/>
           </p:cNvPicPr>
@@ -5196,8 +4501,8 @@
         </p:blipFill>
         <p:spPr>
           <a:xfrm>
-            <a:off x="6272804" y="3048687"/>
-            <a:ext cx="524390" cy="788234"/>
+            <a:off x="3824085" y="3819483"/>
+            <a:ext cx="738545" cy="1026837"/>
           </a:xfrm>
           <a:prstGeom prst="rect">
             <a:avLst/>
@@ -5206,7 +4511,7 @@
       </p:pic>
       <p:pic>
         <p:nvPicPr>
-          <p:cNvPr id="49" name="Picture 48"/>
+          <p:cNvPr id="52" name="Picture 51"/>
           <p:cNvPicPr>
             <a:picLocks noChangeAspect="1"/>
           </p:cNvPicPr>
@@ -5226,8 +4531,8 @@
         </p:blipFill>
         <p:spPr>
           <a:xfrm>
-            <a:off x="4790760" y="3501116"/>
-            <a:ext cx="518300" cy="458207"/>
+            <a:off x="7657381" y="1013178"/>
+            <a:ext cx="719147" cy="750875"/>
           </a:xfrm>
           <a:prstGeom prst="rect">
             <a:avLst/>
@@ -5236,14 +4541,14 @@
       </p:pic>
       <p:pic>
         <p:nvPicPr>
-          <p:cNvPr id="50" name="Picture 49"/>
+          <p:cNvPr id="53" name="Picture 52"/>
           <p:cNvPicPr>
             <a:picLocks noChangeAspect="1"/>
           </p:cNvPicPr>
           <p:nvPr/>
         </p:nvPicPr>
         <p:blipFill>
-          <a:blip r:embed="rId5" cstate="print">
+          <a:blip r:embed="rId3" cstate="print">
             <a:extLst>
               <a:ext uri="{28A0092B-C50C-407E-A947-70E740481C1C}">
                 <a14:useLocalDpi xmlns:a14="http://schemas.microsoft.com/office/drawing/2010/main" val="0"/>
@@ -5256,8 +4561,8 @@
         </p:blipFill>
         <p:spPr>
           <a:xfrm>
-            <a:off x="8308944" y="644419"/>
-            <a:ext cx="186451" cy="1052116"/>
+            <a:off x="7175385" y="3431794"/>
+            <a:ext cx="738545" cy="1026837"/>
           </a:xfrm>
           <a:prstGeom prst="rect">
             <a:avLst/>
@@ -5266,14 +4571,14 @@
       </p:pic>
       <p:pic>
         <p:nvPicPr>
-          <p:cNvPr id="51" name="Picture 50"/>
+          <p:cNvPr id="54" name="Picture 53"/>
           <p:cNvPicPr>
             <a:picLocks noChangeAspect="1"/>
           </p:cNvPicPr>
           <p:nvPr/>
         </p:nvPicPr>
         <p:blipFill>
-          <a:blip r:embed="rId6" cstate="print">
+          <a:blip r:embed="rId3" cstate="print">
             <a:extLst>
               <a:ext uri="{28A0092B-C50C-407E-A947-70E740481C1C}">
                 <a14:useLocalDpi xmlns:a14="http://schemas.microsoft.com/office/drawing/2010/main" val="0"/>
@@ -5286,7 +4591,7 @@
         </p:blipFill>
         <p:spPr>
           <a:xfrm>
-            <a:off x="3824085" y="3819483"/>
+            <a:off x="4788557" y="1170477"/>
             <a:ext cx="738545" cy="1026837"/>
           </a:xfrm>
           <a:prstGeom prst="rect">
@@ -5296,14 +4601,14 @@
       </p:pic>
       <p:pic>
         <p:nvPicPr>
-          <p:cNvPr id="52" name="Picture 51"/>
+          <p:cNvPr id="55" name="Picture 54"/>
           <p:cNvPicPr>
             <a:picLocks noChangeAspect="1"/>
           </p:cNvPicPr>
           <p:nvPr/>
         </p:nvPicPr>
         <p:blipFill>
-          <a:blip r:embed="rId7" cstate="print">
+          <a:blip r:embed="rId4" cstate="print">
             <a:extLst>
               <a:ext uri="{28A0092B-C50C-407E-A947-70E740481C1C}">
                 <a14:useLocalDpi xmlns:a14="http://schemas.microsoft.com/office/drawing/2010/main" val="0"/>
@@ -5316,7 +4621,7 @@
         </p:blipFill>
         <p:spPr>
           <a:xfrm>
-            <a:off x="7657381" y="1013178"/>
+            <a:off x="6337171" y="5834934"/>
             <a:ext cx="719147" cy="750875"/>
           </a:xfrm>
           <a:prstGeom prst="rect">
@@ -5326,14 +4631,14 @@
       </p:pic>
       <p:pic>
         <p:nvPicPr>
-          <p:cNvPr id="53" name="Picture 52"/>
+          <p:cNvPr id="56" name="Picture 55"/>
           <p:cNvPicPr>
             <a:picLocks noChangeAspect="1"/>
           </p:cNvPicPr>
           <p:nvPr/>
         </p:nvPicPr>
         <p:blipFill>
-          <a:blip r:embed="rId6" cstate="print">
+          <a:blip r:embed="rId2" cstate="print">
             <a:extLst>
               <a:ext uri="{28A0092B-C50C-407E-A947-70E740481C1C}">
                 <a14:useLocalDpi xmlns:a14="http://schemas.microsoft.com/office/drawing/2010/main" val="0"/>
@@ -5346,8 +4651,8 @@
         </p:blipFill>
         <p:spPr>
           <a:xfrm>
-            <a:off x="7175385" y="3431794"/>
-            <a:ext cx="738545" cy="1026837"/>
+            <a:off x="7030410" y="5486752"/>
+            <a:ext cx="186451" cy="1052116"/>
           </a:xfrm>
           <a:prstGeom prst="rect">
             <a:avLst/>
@@ -5356,14 +4661,14 @@
       </p:pic>
       <p:pic>
         <p:nvPicPr>
-          <p:cNvPr id="54" name="Picture 53"/>
+          <p:cNvPr id="57" name="Picture 56"/>
           <p:cNvPicPr>
             <a:picLocks noChangeAspect="1"/>
           </p:cNvPicPr>
           <p:nvPr/>
         </p:nvPicPr>
         <p:blipFill>
-          <a:blip r:embed="rId6" cstate="print">
+          <a:blip r:embed="rId4" cstate="print">
             <a:extLst>
               <a:ext uri="{28A0092B-C50C-407E-A947-70E740481C1C}">
                 <a14:useLocalDpi xmlns:a14="http://schemas.microsoft.com/office/drawing/2010/main" val="0"/>
@@ -5376,8 +4681,8 @@
         </p:blipFill>
         <p:spPr>
           <a:xfrm>
-            <a:off x="4788557" y="1170477"/>
-            <a:ext cx="738545" cy="1026837"/>
+            <a:off x="2373467" y="2604696"/>
+            <a:ext cx="719147" cy="750875"/>
           </a:xfrm>
           <a:prstGeom prst="rect">
             <a:avLst/>
@@ -5386,14 +4691,14 @@
       </p:pic>
       <p:pic>
         <p:nvPicPr>
-          <p:cNvPr id="55" name="Picture 54"/>
+          <p:cNvPr id="58" name="Picture 57"/>
           <p:cNvPicPr>
             <a:picLocks noChangeAspect="1"/>
           </p:cNvPicPr>
           <p:nvPr/>
         </p:nvPicPr>
         <p:blipFill>
-          <a:blip r:embed="rId7" cstate="print">
+          <a:blip r:embed="rId2" cstate="print">
             <a:extLst>
               <a:ext uri="{28A0092B-C50C-407E-A947-70E740481C1C}">
                 <a14:useLocalDpi xmlns:a14="http://schemas.microsoft.com/office/drawing/2010/main" val="0"/>
@@ -5406,96 +4711,6 @@
         </p:blipFill>
         <p:spPr>
           <a:xfrm>
-            <a:off x="6337171" y="5834934"/>
-            <a:ext cx="719147" cy="750875"/>
-          </a:xfrm>
-          <a:prstGeom prst="rect">
-            <a:avLst/>
-          </a:prstGeom>
-        </p:spPr>
-      </p:pic>
-      <p:pic>
-        <p:nvPicPr>
-          <p:cNvPr id="56" name="Picture 55"/>
-          <p:cNvPicPr>
-            <a:picLocks noChangeAspect="1"/>
-          </p:cNvPicPr>
-          <p:nvPr/>
-        </p:nvPicPr>
-        <p:blipFill>
-          <a:blip r:embed="rId5" cstate="print">
-            <a:extLst>
-              <a:ext uri="{28A0092B-C50C-407E-A947-70E740481C1C}">
-                <a14:useLocalDpi xmlns:a14="http://schemas.microsoft.com/office/drawing/2010/main" val="0"/>
-              </a:ext>
-            </a:extLst>
-          </a:blip>
-          <a:stretch>
-            <a:fillRect/>
-          </a:stretch>
-        </p:blipFill>
-        <p:spPr>
-          <a:xfrm>
-            <a:off x="7030410" y="5486752"/>
-            <a:ext cx="186451" cy="1052116"/>
-          </a:xfrm>
-          <a:prstGeom prst="rect">
-            <a:avLst/>
-          </a:prstGeom>
-        </p:spPr>
-      </p:pic>
-      <p:pic>
-        <p:nvPicPr>
-          <p:cNvPr id="57" name="Picture 56"/>
-          <p:cNvPicPr>
-            <a:picLocks noChangeAspect="1"/>
-          </p:cNvPicPr>
-          <p:nvPr/>
-        </p:nvPicPr>
-        <p:blipFill>
-          <a:blip r:embed="rId7" cstate="print">
-            <a:extLst>
-              <a:ext uri="{28A0092B-C50C-407E-A947-70E740481C1C}">
-                <a14:useLocalDpi xmlns:a14="http://schemas.microsoft.com/office/drawing/2010/main" val="0"/>
-              </a:ext>
-            </a:extLst>
-          </a:blip>
-          <a:stretch>
-            <a:fillRect/>
-          </a:stretch>
-        </p:blipFill>
-        <p:spPr>
-          <a:xfrm>
-            <a:off x="2373467" y="2604696"/>
-            <a:ext cx="719147" cy="750875"/>
-          </a:xfrm>
-          <a:prstGeom prst="rect">
-            <a:avLst/>
-          </a:prstGeom>
-        </p:spPr>
-      </p:pic>
-      <p:pic>
-        <p:nvPicPr>
-          <p:cNvPr id="58" name="Picture 57"/>
-          <p:cNvPicPr>
-            <a:picLocks noChangeAspect="1"/>
-          </p:cNvPicPr>
-          <p:nvPr/>
-        </p:nvPicPr>
-        <p:blipFill>
-          <a:blip r:embed="rId5" cstate="print">
-            <a:extLst>
-              <a:ext uri="{28A0092B-C50C-407E-A947-70E740481C1C}">
-                <a14:useLocalDpi xmlns:a14="http://schemas.microsoft.com/office/drawing/2010/main" val="0"/>
-              </a:ext>
-            </a:extLst>
-          </a:blip>
-          <a:stretch>
-            <a:fillRect/>
-          </a:stretch>
-        </p:blipFill>
-        <p:spPr>
-          <a:xfrm>
             <a:off x="3026812" y="2312531"/>
             <a:ext cx="186451" cy="1052116"/>
           </a:xfrm>
@@ -5504,214 +4719,16 @@
           </a:prstGeom>
         </p:spPr>
       </p:pic>
-      <p:pic>
-        <p:nvPicPr>
-          <p:cNvPr id="59" name="Picture 58"/>
-          <p:cNvPicPr>
-            <a:picLocks noChangeAspect="1"/>
-          </p:cNvPicPr>
-          <p:nvPr/>
-        </p:nvPicPr>
-        <p:blipFill>
-          <a:blip r:embed="rId8" cstate="print">
-            <a:extLst>
-              <a:ext uri="{28A0092B-C50C-407E-A947-70E740481C1C}">
-                <a14:useLocalDpi xmlns:a14="http://schemas.microsoft.com/office/drawing/2010/main" val="0"/>
-              </a:ext>
-            </a:extLst>
-          </a:blip>
-          <a:stretch>
-            <a:fillRect/>
-          </a:stretch>
-        </p:blipFill>
-        <p:spPr>
-          <a:xfrm>
-            <a:off x="4841792" y="2798567"/>
-            <a:ext cx="574344" cy="566080"/>
-          </a:xfrm>
-          <a:prstGeom prst="rect">
-            <a:avLst/>
-          </a:prstGeom>
-        </p:spPr>
-      </p:pic>
-      <p:sp>
-        <p:nvSpPr>
-          <p:cNvPr id="60" name="Right Arrow 59"/>
-          <p:cNvSpPr/>
-          <p:nvPr/>
-        </p:nvSpPr>
-        <p:spPr>
-          <a:xfrm rot="7831521">
-            <a:off x="6547916" y="1932091"/>
-            <a:ext cx="1040284" cy="430795"/>
-          </a:xfrm>
-          <a:prstGeom prst="rightArrow">
-            <a:avLst/>
-          </a:prstGeom>
-          <a:noFill/>
-          <a:ln>
-            <a:solidFill>
-              <a:srgbClr val="FF0000"/>
-            </a:solidFill>
-          </a:ln>
-        </p:spPr>
-        <p:style>
-          <a:lnRef idx="2">
-            <a:schemeClr val="accent1">
-              <a:shade val="50000"/>
-            </a:schemeClr>
-          </a:lnRef>
-          <a:fillRef idx="1">
-            <a:schemeClr val="accent1"/>
-          </a:fillRef>
-          <a:effectRef idx="0">
-            <a:schemeClr val="accent1"/>
-          </a:effectRef>
-          <a:fontRef idx="minor">
-            <a:schemeClr val="lt1"/>
-          </a:fontRef>
-        </p:style>
-        <p:txBody>
-          <a:bodyPr rtlCol="0" anchor="ctr"/>
-          <a:lstStyle/>
-          <a:p>
-            <a:pPr algn="ctr"/>
-            <a:endParaRPr lang="en-US"/>
-          </a:p>
-        </p:txBody>
-      </p:sp>
-      <p:sp>
-        <p:nvSpPr>
-          <p:cNvPr id="61" name="Right Arrow 60"/>
-          <p:cNvSpPr/>
-          <p:nvPr/>
-        </p:nvSpPr>
-        <p:spPr>
-          <a:xfrm rot="4266824">
-            <a:off x="5856421" y="4917380"/>
-            <a:ext cx="931316" cy="431141"/>
-          </a:xfrm>
-          <a:prstGeom prst="rightArrow">
-            <a:avLst/>
-          </a:prstGeom>
-          <a:noFill/>
-          <a:ln>
-            <a:solidFill>
-              <a:srgbClr val="0070C0"/>
-            </a:solidFill>
-          </a:ln>
-        </p:spPr>
-        <p:style>
-          <a:lnRef idx="2">
-            <a:schemeClr val="accent1">
-              <a:shade val="50000"/>
-            </a:schemeClr>
-          </a:lnRef>
-          <a:fillRef idx="1">
-            <a:schemeClr val="accent1"/>
-          </a:fillRef>
-          <a:effectRef idx="0">
-            <a:schemeClr val="accent1"/>
-          </a:effectRef>
-          <a:fontRef idx="minor">
-            <a:schemeClr val="lt1"/>
-          </a:fontRef>
-        </p:style>
-        <p:txBody>
-          <a:bodyPr rtlCol="0" anchor="ctr"/>
-          <a:lstStyle/>
-          <a:p>
-            <a:pPr algn="ctr"/>
-            <a:endParaRPr lang="en-US"/>
-          </a:p>
-        </p:txBody>
-      </p:sp>
-      <p:sp>
-        <p:nvSpPr>
-          <p:cNvPr id="64" name="TextBox 63"/>
+      <p:sp>
+        <p:nvSpPr>
+          <p:cNvPr id="3" name="TextBox 2"/>
           <p:cNvSpPr txBox="1"/>
           <p:nvPr/>
         </p:nvSpPr>
         <p:spPr>
-          <a:xfrm rot="18582493">
-            <a:off x="6740169" y="1829056"/>
-            <a:ext cx="858154" cy="369332"/>
-          </a:xfrm>
-          <a:prstGeom prst="rect">
-            <a:avLst/>
-          </a:prstGeom>
-          <a:noFill/>
-        </p:spPr>
-        <p:txBody>
-          <a:bodyPr wrap="square" rtlCol="0">
-            <a:spAutoFit/>
-          </a:bodyPr>
-          <a:lstStyle/>
-          <a:p>
-            <a:r>
-              <a:rPr lang="en-US" dirty="0" smtClean="0">
-                <a:solidFill>
-                  <a:srgbClr val="FF0000"/>
-                </a:solidFill>
-              </a:rPr>
-              <a:t>Setter</a:t>
-            </a:r>
-            <a:endParaRPr lang="en-US" dirty="0">
-              <a:solidFill>
-                <a:srgbClr val="FF0000"/>
-              </a:solidFill>
-            </a:endParaRPr>
-          </a:p>
-        </p:txBody>
-      </p:sp>
-      <p:sp>
-        <p:nvSpPr>
-          <p:cNvPr id="65" name="TextBox 64"/>
-          <p:cNvSpPr txBox="1"/>
-          <p:nvPr/>
-        </p:nvSpPr>
-        <p:spPr>
-          <a:xfrm rot="4211881">
-            <a:off x="5825897" y="5008145"/>
-            <a:ext cx="1067909" cy="369332"/>
-          </a:xfrm>
-          <a:prstGeom prst="rect">
-            <a:avLst/>
-          </a:prstGeom>
-          <a:noFill/>
-        </p:spPr>
-        <p:txBody>
-          <a:bodyPr wrap="square" rtlCol="0">
-            <a:spAutoFit/>
-          </a:bodyPr>
-          <a:lstStyle/>
-          <a:p>
-            <a:r>
-              <a:rPr lang="en-US" dirty="0" smtClean="0">
-                <a:solidFill>
-                  <a:srgbClr val="0070C0"/>
-                </a:solidFill>
-              </a:rPr>
-              <a:t>Getter</a:t>
-            </a:r>
-            <a:endParaRPr lang="en-US" dirty="0">
-              <a:solidFill>
-                <a:srgbClr val="0070C0"/>
-              </a:solidFill>
-            </a:endParaRPr>
-          </a:p>
-        </p:txBody>
-      </p:sp>
-      <p:sp>
-        <p:nvSpPr>
-          <p:cNvPr id="70" name="TextBox 69"/>
-          <p:cNvSpPr txBox="1"/>
-          <p:nvPr/>
-        </p:nvSpPr>
-        <p:spPr>
-          <a:xfrm>
-            <a:off x="8946110" y="3150522"/>
-            <a:ext cx="1832296" cy="923330"/>
+          <a:xfrm>
+            <a:off x="8666325" y="2798567"/>
+            <a:ext cx="1392817" cy="369332"/>
           </a:xfrm>
           <a:prstGeom prst="rect">
             <a:avLst/>
@@ -5726,43 +4743,7 @@
           <a:p>
             <a:r>
               <a:rPr lang="en-US" dirty="0" smtClean="0"/>
-              <a:t>.</a:t>
-            </a:r>
-            <a:r>
-              <a:rPr lang="en-US" dirty="0" err="1" smtClean="0"/>
-              <a:t>getGold</a:t>
-            </a:r>
-            <a:r>
-              <a:rPr lang="en-US" dirty="0" smtClean="0"/>
-              <a:t>()</a:t>
-            </a:r>
-          </a:p>
-          <a:p>
-            <a:r>
-              <a:rPr lang="en-US" dirty="0" smtClean="0"/>
-              <a:t>.</a:t>
-            </a:r>
-            <a:r>
-              <a:rPr lang="en-US" dirty="0" err="1" smtClean="0"/>
-              <a:t>getMagnaCarta</a:t>
-            </a:r>
-            <a:r>
-              <a:rPr lang="en-US" dirty="0" smtClean="0"/>
-              <a:t>()</a:t>
-            </a:r>
-          </a:p>
-          <a:p>
-            <a:r>
-              <a:rPr lang="en-US" dirty="0" smtClean="0"/>
-              <a:t>.</a:t>
-            </a:r>
-            <a:r>
-              <a:rPr lang="en-US" dirty="0" err="1" smtClean="0"/>
-              <a:t>getPrincess</a:t>
-            </a:r>
-            <a:r>
-              <a:rPr lang="en-US" dirty="0" smtClean="0"/>
-              <a:t>()</a:t>
+              <a:t>No castle yet</a:t>
             </a:r>
             <a:endParaRPr lang="en-US" dirty="0"/>
           </a:p>
@@ -5771,7 +4752,7 @@
     </p:spTree>
     <p:extLst>
       <p:ext uri="{BB962C8B-B14F-4D97-AF65-F5344CB8AC3E}">
-        <p14:creationId xmlns:p14="http://schemas.microsoft.com/office/powerpoint/2010/main" val="2015722426"/>
+        <p14:creationId xmlns:p14="http://schemas.microsoft.com/office/powerpoint/2010/main" val="132741999"/>
       </p:ext>
     </p:extLst>
   </p:cSld>
@@ -6147,7 +5128,7 @@
       </p:pic>
       <p:pic>
         <p:nvPicPr>
-          <p:cNvPr id="48" name="Picture 47"/>
+          <p:cNvPr id="50" name="Picture 49"/>
           <p:cNvPicPr>
             <a:picLocks noChangeAspect="1"/>
           </p:cNvPicPr>
@@ -6167,8 +5148,8 @@
         </p:blipFill>
         <p:spPr>
           <a:xfrm>
-            <a:off x="6272804" y="3048687"/>
-            <a:ext cx="524390" cy="788234"/>
+            <a:off x="8308944" y="644419"/>
+            <a:ext cx="186451" cy="1052116"/>
           </a:xfrm>
           <a:prstGeom prst="rect">
             <a:avLst/>
@@ -6177,7 +5158,7 @@
       </p:pic>
       <p:pic>
         <p:nvPicPr>
-          <p:cNvPr id="49" name="Picture 48"/>
+          <p:cNvPr id="51" name="Picture 50"/>
           <p:cNvPicPr>
             <a:picLocks noChangeAspect="1"/>
           </p:cNvPicPr>
@@ -6197,8 +5178,8 @@
         </p:blipFill>
         <p:spPr>
           <a:xfrm>
-            <a:off x="4790760" y="3501116"/>
-            <a:ext cx="518300" cy="458207"/>
+            <a:off x="3824085" y="3819483"/>
+            <a:ext cx="738545" cy="1026837"/>
           </a:xfrm>
           <a:prstGeom prst="rect">
             <a:avLst/>
@@ -6207,7 +5188,7 @@
       </p:pic>
       <p:pic>
         <p:nvPicPr>
-          <p:cNvPr id="50" name="Picture 49"/>
+          <p:cNvPr id="52" name="Picture 51"/>
           <p:cNvPicPr>
             <a:picLocks noChangeAspect="1"/>
           </p:cNvPicPr>
@@ -6227,8 +5208,8 @@
         </p:blipFill>
         <p:spPr>
           <a:xfrm>
-            <a:off x="8308944" y="644419"/>
-            <a:ext cx="186451" cy="1052116"/>
+            <a:off x="7657381" y="1013178"/>
+            <a:ext cx="719147" cy="750875"/>
           </a:xfrm>
           <a:prstGeom prst="rect">
             <a:avLst/>
@@ -6237,14 +5218,14 @@
       </p:pic>
       <p:pic>
         <p:nvPicPr>
-          <p:cNvPr id="51" name="Picture 50"/>
+          <p:cNvPr id="53" name="Picture 52"/>
           <p:cNvPicPr>
             <a:picLocks noChangeAspect="1"/>
           </p:cNvPicPr>
           <p:nvPr/>
         </p:nvPicPr>
         <p:blipFill>
-          <a:blip r:embed="rId6" cstate="print">
+          <a:blip r:embed="rId4" cstate="print">
             <a:extLst>
               <a:ext uri="{28A0092B-C50C-407E-A947-70E740481C1C}">
                 <a14:useLocalDpi xmlns:a14="http://schemas.microsoft.com/office/drawing/2010/main" val="0"/>
@@ -6257,7 +5238,7 @@
         </p:blipFill>
         <p:spPr>
           <a:xfrm>
-            <a:off x="3824085" y="3819483"/>
+            <a:off x="7175385" y="3431794"/>
             <a:ext cx="738545" cy="1026837"/>
           </a:xfrm>
           <a:prstGeom prst="rect">
@@ -6267,14 +5248,14 @@
       </p:pic>
       <p:pic>
         <p:nvPicPr>
-          <p:cNvPr id="52" name="Picture 51"/>
+          <p:cNvPr id="54" name="Picture 53"/>
           <p:cNvPicPr>
             <a:picLocks noChangeAspect="1"/>
           </p:cNvPicPr>
           <p:nvPr/>
         </p:nvPicPr>
         <p:blipFill>
-          <a:blip r:embed="rId7" cstate="print">
+          <a:blip r:embed="rId4" cstate="print">
             <a:extLst>
               <a:ext uri="{28A0092B-C50C-407E-A947-70E740481C1C}">
                 <a14:useLocalDpi xmlns:a14="http://schemas.microsoft.com/office/drawing/2010/main" val="0"/>
@@ -6287,66 +5268,6 @@
         </p:blipFill>
         <p:spPr>
           <a:xfrm>
-            <a:off x="7657381" y="1013178"/>
-            <a:ext cx="719147" cy="750875"/>
-          </a:xfrm>
-          <a:prstGeom prst="rect">
-            <a:avLst/>
-          </a:prstGeom>
-        </p:spPr>
-      </p:pic>
-      <p:pic>
-        <p:nvPicPr>
-          <p:cNvPr id="53" name="Picture 52"/>
-          <p:cNvPicPr>
-            <a:picLocks noChangeAspect="1"/>
-          </p:cNvPicPr>
-          <p:nvPr/>
-        </p:nvPicPr>
-        <p:blipFill>
-          <a:blip r:embed="rId6" cstate="print">
-            <a:extLst>
-              <a:ext uri="{28A0092B-C50C-407E-A947-70E740481C1C}">
-                <a14:useLocalDpi xmlns:a14="http://schemas.microsoft.com/office/drawing/2010/main" val="0"/>
-              </a:ext>
-            </a:extLst>
-          </a:blip>
-          <a:stretch>
-            <a:fillRect/>
-          </a:stretch>
-        </p:blipFill>
-        <p:spPr>
-          <a:xfrm>
-            <a:off x="7175385" y="3431794"/>
-            <a:ext cx="738545" cy="1026837"/>
-          </a:xfrm>
-          <a:prstGeom prst="rect">
-            <a:avLst/>
-          </a:prstGeom>
-        </p:spPr>
-      </p:pic>
-      <p:pic>
-        <p:nvPicPr>
-          <p:cNvPr id="54" name="Picture 53"/>
-          <p:cNvPicPr>
-            <a:picLocks noChangeAspect="1"/>
-          </p:cNvPicPr>
-          <p:nvPr/>
-        </p:nvPicPr>
-        <p:blipFill>
-          <a:blip r:embed="rId6" cstate="print">
-            <a:extLst>
-              <a:ext uri="{28A0092B-C50C-407E-A947-70E740481C1C}">
-                <a14:useLocalDpi xmlns:a14="http://schemas.microsoft.com/office/drawing/2010/main" val="0"/>
-              </a:ext>
-            </a:extLst>
-          </a:blip>
-          <a:stretch>
-            <a:fillRect/>
-          </a:stretch>
-        </p:blipFill>
-        <p:spPr>
-          <a:xfrm>
             <a:off x="4788557" y="1170477"/>
             <a:ext cx="738545" cy="1026837"/>
           </a:xfrm>
@@ -6358,36 +5279,6 @@
       <p:pic>
         <p:nvPicPr>
           <p:cNvPr id="55" name="Picture 54"/>
-          <p:cNvPicPr>
-            <a:picLocks noChangeAspect="1"/>
-          </p:cNvPicPr>
-          <p:nvPr/>
-        </p:nvPicPr>
-        <p:blipFill>
-          <a:blip r:embed="rId7" cstate="print">
-            <a:extLst>
-              <a:ext uri="{28A0092B-C50C-407E-A947-70E740481C1C}">
-                <a14:useLocalDpi xmlns:a14="http://schemas.microsoft.com/office/drawing/2010/main" val="0"/>
-              </a:ext>
-            </a:extLst>
-          </a:blip>
-          <a:stretch>
-            <a:fillRect/>
-          </a:stretch>
-        </p:blipFill>
-        <p:spPr>
-          <a:xfrm>
-            <a:off x="6337171" y="5834934"/>
-            <a:ext cx="719147" cy="750875"/>
-          </a:xfrm>
-          <a:prstGeom prst="rect">
-            <a:avLst/>
-          </a:prstGeom>
-        </p:spPr>
-      </p:pic>
-      <p:pic>
-        <p:nvPicPr>
-          <p:cNvPr id="56" name="Picture 55"/>
           <p:cNvPicPr>
             <a:picLocks noChangeAspect="1"/>
           </p:cNvPicPr>
@@ -6407,8 +5298,8 @@
         </p:blipFill>
         <p:spPr>
           <a:xfrm>
-            <a:off x="7030410" y="5486752"/>
-            <a:ext cx="186451" cy="1052116"/>
+            <a:off x="6337171" y="5834934"/>
+            <a:ext cx="719147" cy="750875"/>
           </a:xfrm>
           <a:prstGeom prst="rect">
             <a:avLst/>
@@ -6417,14 +5308,14 @@
       </p:pic>
       <p:pic>
         <p:nvPicPr>
-          <p:cNvPr id="57" name="Picture 56"/>
+          <p:cNvPr id="56" name="Picture 55"/>
           <p:cNvPicPr>
             <a:picLocks noChangeAspect="1"/>
           </p:cNvPicPr>
           <p:nvPr/>
         </p:nvPicPr>
         <p:blipFill>
-          <a:blip r:embed="rId7" cstate="print">
+          <a:blip r:embed="rId3" cstate="print">
             <a:extLst>
               <a:ext uri="{28A0092B-C50C-407E-A947-70E740481C1C}">
                 <a14:useLocalDpi xmlns:a14="http://schemas.microsoft.com/office/drawing/2010/main" val="0"/>
@@ -6437,8 +5328,8 @@
         </p:blipFill>
         <p:spPr>
           <a:xfrm>
-            <a:off x="2373467" y="2604696"/>
-            <a:ext cx="719147" cy="750875"/>
+            <a:off x="7030410" y="5486752"/>
+            <a:ext cx="186451" cy="1052116"/>
           </a:xfrm>
           <a:prstGeom prst="rect">
             <a:avLst/>
@@ -6447,7 +5338,7 @@
       </p:pic>
       <p:pic>
         <p:nvPicPr>
-          <p:cNvPr id="58" name="Picture 57"/>
+          <p:cNvPr id="57" name="Picture 56"/>
           <p:cNvPicPr>
             <a:picLocks noChangeAspect="1"/>
           </p:cNvPicPr>
@@ -6467,8 +5358,8 @@
         </p:blipFill>
         <p:spPr>
           <a:xfrm>
-            <a:off x="3026812" y="2312531"/>
-            <a:ext cx="186451" cy="1052116"/>
+            <a:off x="2373467" y="2604696"/>
+            <a:ext cx="719147" cy="750875"/>
           </a:xfrm>
           <a:prstGeom prst="rect">
             <a:avLst/>
@@ -6477,14 +5368,14 @@
       </p:pic>
       <p:pic>
         <p:nvPicPr>
-          <p:cNvPr id="59" name="Picture 58"/>
+          <p:cNvPr id="58" name="Picture 57"/>
           <p:cNvPicPr>
             <a:picLocks noChangeAspect="1"/>
           </p:cNvPicPr>
           <p:nvPr/>
         </p:nvPicPr>
         <p:blipFill>
-          <a:blip r:embed="rId8" cstate="print">
+          <a:blip r:embed="rId3" cstate="print">
             <a:extLst>
               <a:ext uri="{28A0092B-C50C-407E-A947-70E740481C1C}">
                 <a14:useLocalDpi xmlns:a14="http://schemas.microsoft.com/office/drawing/2010/main" val="0"/>
@@ -6497,8 +5388,8 @@
         </p:blipFill>
         <p:spPr>
           <a:xfrm>
-            <a:off x="4841792" y="2798567"/>
-            <a:ext cx="574344" cy="566080"/>
+            <a:off x="3026812" y="2312531"/>
+            <a:ext cx="186451" cy="1052116"/>
           </a:xfrm>
           <a:prstGeom prst="rect">
             <a:avLst/>
@@ -6507,228 +5398,14 @@
       </p:pic>
       <p:sp>
         <p:nvSpPr>
-          <p:cNvPr id="60" name="Right Arrow 59"/>
-          <p:cNvSpPr/>
-          <p:nvPr/>
-        </p:nvSpPr>
-        <p:spPr>
-          <a:xfrm rot="7831521">
-            <a:off x="6547916" y="1932091"/>
-            <a:ext cx="1040284" cy="430795"/>
-          </a:xfrm>
-          <a:prstGeom prst="rightArrow">
-            <a:avLst/>
-          </a:prstGeom>
-          <a:noFill/>
-          <a:ln>
-            <a:solidFill>
-              <a:srgbClr val="FF0000"/>
-            </a:solidFill>
-          </a:ln>
-        </p:spPr>
-        <p:style>
-          <a:lnRef idx="2">
-            <a:schemeClr val="accent1">
-              <a:shade val="50000"/>
-            </a:schemeClr>
-          </a:lnRef>
-          <a:fillRef idx="1">
-            <a:schemeClr val="accent1"/>
-          </a:fillRef>
-          <a:effectRef idx="0">
-            <a:schemeClr val="accent1"/>
-          </a:effectRef>
-          <a:fontRef idx="minor">
-            <a:schemeClr val="lt1"/>
-          </a:fontRef>
-        </p:style>
-        <p:txBody>
-          <a:bodyPr rtlCol="0" anchor="ctr"/>
-          <a:lstStyle/>
-          <a:p>
-            <a:pPr algn="ctr"/>
-            <a:endParaRPr lang="en-US"/>
-          </a:p>
-        </p:txBody>
-      </p:sp>
-      <p:sp>
-        <p:nvSpPr>
-          <p:cNvPr id="61" name="Right Arrow 60"/>
-          <p:cNvSpPr/>
-          <p:nvPr/>
-        </p:nvSpPr>
-        <p:spPr>
-          <a:xfrm rot="4266824">
-            <a:off x="5856421" y="4917380"/>
-            <a:ext cx="931316" cy="431141"/>
-          </a:xfrm>
-          <a:prstGeom prst="rightArrow">
-            <a:avLst/>
-          </a:prstGeom>
-          <a:noFill/>
-          <a:ln>
-            <a:solidFill>
-              <a:srgbClr val="0070C0"/>
-            </a:solidFill>
-          </a:ln>
-        </p:spPr>
-        <p:style>
-          <a:lnRef idx="2">
-            <a:schemeClr val="accent1">
-              <a:shade val="50000"/>
-            </a:schemeClr>
-          </a:lnRef>
-          <a:fillRef idx="1">
-            <a:schemeClr val="accent1"/>
-          </a:fillRef>
-          <a:effectRef idx="0">
-            <a:schemeClr val="accent1"/>
-          </a:effectRef>
-          <a:fontRef idx="minor">
-            <a:schemeClr val="lt1"/>
-          </a:fontRef>
-        </p:style>
-        <p:txBody>
-          <a:bodyPr rtlCol="0" anchor="ctr"/>
-          <a:lstStyle/>
-          <a:p>
-            <a:pPr algn="ctr"/>
-            <a:endParaRPr lang="en-US"/>
-          </a:p>
-        </p:txBody>
-      </p:sp>
-      <p:sp>
-        <p:nvSpPr>
-          <p:cNvPr id="63" name="Left-Right Arrow 62"/>
-          <p:cNvSpPr/>
-          <p:nvPr/>
-        </p:nvSpPr>
-        <p:spPr>
-          <a:xfrm rot="352071">
-            <a:off x="3374938" y="2953510"/>
-            <a:ext cx="1204961" cy="417784"/>
-          </a:xfrm>
-          <a:prstGeom prst="leftRightArrow">
-            <a:avLst/>
-          </a:prstGeom>
-          <a:noFill/>
-          <a:ln>
-            <a:solidFill>
-              <a:srgbClr val="7030A0"/>
-            </a:solidFill>
-          </a:ln>
-        </p:spPr>
-        <p:style>
-          <a:lnRef idx="2">
-            <a:schemeClr val="accent1">
-              <a:shade val="50000"/>
-            </a:schemeClr>
-          </a:lnRef>
-          <a:fillRef idx="1">
-            <a:schemeClr val="accent1"/>
-          </a:fillRef>
-          <a:effectRef idx="0">
-            <a:schemeClr val="accent1"/>
-          </a:effectRef>
-          <a:fontRef idx="minor">
-            <a:schemeClr val="lt1"/>
-          </a:fontRef>
-        </p:style>
-        <p:txBody>
-          <a:bodyPr rtlCol="0" anchor="ctr"/>
-          <a:lstStyle/>
-          <a:p>
-            <a:pPr algn="ctr"/>
-            <a:endParaRPr lang="en-US"/>
-          </a:p>
-        </p:txBody>
-      </p:sp>
-      <p:sp>
-        <p:nvSpPr>
-          <p:cNvPr id="64" name="TextBox 63"/>
+          <p:cNvPr id="3" name="TextBox 2"/>
           <p:cNvSpPr txBox="1"/>
           <p:nvPr/>
         </p:nvSpPr>
         <p:spPr>
-          <a:xfrm rot="18582493">
-            <a:off x="6740169" y="1829056"/>
-            <a:ext cx="858154" cy="369332"/>
-          </a:xfrm>
-          <a:prstGeom prst="rect">
-            <a:avLst/>
-          </a:prstGeom>
-          <a:noFill/>
-        </p:spPr>
-        <p:txBody>
-          <a:bodyPr wrap="square" rtlCol="0">
-            <a:spAutoFit/>
-          </a:bodyPr>
-          <a:lstStyle/>
-          <a:p>
-            <a:r>
-              <a:rPr lang="en-US" dirty="0" smtClean="0">
-                <a:solidFill>
-                  <a:srgbClr val="FF0000"/>
-                </a:solidFill>
-              </a:rPr>
-              <a:t>Setter</a:t>
-            </a:r>
-            <a:endParaRPr lang="en-US" dirty="0">
-              <a:solidFill>
-                <a:srgbClr val="FF0000"/>
-              </a:solidFill>
-            </a:endParaRPr>
-          </a:p>
-        </p:txBody>
-      </p:sp>
-      <p:sp>
-        <p:nvSpPr>
-          <p:cNvPr id="65" name="TextBox 64"/>
-          <p:cNvSpPr txBox="1"/>
-          <p:nvPr/>
-        </p:nvSpPr>
-        <p:spPr>
-          <a:xfrm rot="4211881">
-            <a:off x="5825897" y="5008145"/>
-            <a:ext cx="1067909" cy="369332"/>
-          </a:xfrm>
-          <a:prstGeom prst="rect">
-            <a:avLst/>
-          </a:prstGeom>
-          <a:noFill/>
-        </p:spPr>
-        <p:txBody>
-          <a:bodyPr wrap="square" rtlCol="0">
-            <a:spAutoFit/>
-          </a:bodyPr>
-          <a:lstStyle/>
-          <a:p>
-            <a:r>
-              <a:rPr lang="en-US" dirty="0" smtClean="0">
-                <a:solidFill>
-                  <a:srgbClr val="0070C0"/>
-                </a:solidFill>
-              </a:rPr>
-              <a:t>Getter</a:t>
-            </a:r>
-            <a:endParaRPr lang="en-US" dirty="0">
-              <a:solidFill>
-                <a:srgbClr val="0070C0"/>
-              </a:solidFill>
-            </a:endParaRPr>
-          </a:p>
-        </p:txBody>
-      </p:sp>
-      <p:sp>
-        <p:nvSpPr>
-          <p:cNvPr id="69" name="TextBox 68"/>
-          <p:cNvSpPr txBox="1"/>
-          <p:nvPr/>
-        </p:nvSpPr>
-        <p:spPr>
-          <a:xfrm rot="353599">
-            <a:off x="3515765" y="2968750"/>
-            <a:ext cx="938462" cy="369332"/>
+          <a:xfrm>
+            <a:off x="8666325" y="2798567"/>
+            <a:ext cx="2663358" cy="369332"/>
           </a:xfrm>
           <a:prstGeom prst="rect">
             <a:avLst/>
@@ -6742,273 +5419,17 @@
           <a:lstStyle/>
           <a:p>
             <a:r>
-              <a:rPr lang="en-US" dirty="0" smtClean="0">
-                <a:solidFill>
-                  <a:srgbClr val="7030A0"/>
-                </a:solidFill>
-              </a:rPr>
-              <a:t>Method</a:t>
-            </a:r>
-            <a:endParaRPr lang="en-US" dirty="0">
-              <a:solidFill>
-                <a:srgbClr val="7030A0"/>
-              </a:solidFill>
-            </a:endParaRPr>
-          </a:p>
-        </p:txBody>
-      </p:sp>
-      <p:sp>
-        <p:nvSpPr>
-          <p:cNvPr id="2" name="TextBox 1"/>
-          <p:cNvSpPr txBox="1"/>
-          <p:nvPr/>
-        </p:nvSpPr>
-        <p:spPr>
-          <a:xfrm>
-            <a:off x="8809172" y="2995315"/>
-            <a:ext cx="2168927" cy="1200329"/>
-          </a:xfrm>
-          <a:prstGeom prst="rect">
-            <a:avLst/>
-          </a:prstGeom>
-          <a:noFill/>
-        </p:spPr>
-        <p:txBody>
-          <a:bodyPr wrap="none" rtlCol="0">
-            <a:spAutoFit/>
-          </a:bodyPr>
-          <a:lstStyle/>
-          <a:p>
-            <a:r>
               <a:rPr lang="en-US" dirty="0" smtClean="0"/>
-              <a:t>.</a:t>
-            </a:r>
-            <a:r>
-              <a:rPr lang="en-US" dirty="0" err="1" smtClean="0"/>
-              <a:t>callTheCalvary</a:t>
-            </a:r>
-            <a:r>
-              <a:rPr lang="en-US" dirty="0" smtClean="0"/>
-              <a:t>()</a:t>
-            </a:r>
-          </a:p>
-          <a:p>
-            <a:r>
-              <a:rPr lang="en-US" dirty="0" smtClean="0"/>
-              <a:t>.</a:t>
-            </a:r>
-            <a:r>
-              <a:rPr lang="en-US" dirty="0" err="1" smtClean="0"/>
-              <a:t>bringHorse</a:t>
-            </a:r>
-            <a:r>
-              <a:rPr lang="en-US" dirty="0" smtClean="0"/>
-              <a:t>()</a:t>
-            </a:r>
-            <a:endParaRPr lang="en-US" dirty="0" smtClean="0"/>
-          </a:p>
-          <a:p>
-            <a:r>
-              <a:rPr lang="en-US" dirty="0" smtClean="0"/>
-              <a:t>.</a:t>
-            </a:r>
-            <a:r>
-              <a:rPr lang="en-US" dirty="0" err="1" smtClean="0"/>
-              <a:t>bringShield</a:t>
-            </a:r>
-            <a:r>
-              <a:rPr lang="en-US" dirty="0" smtClean="0"/>
-              <a:t>()</a:t>
-            </a:r>
-          </a:p>
-          <a:p>
-            <a:r>
-              <a:rPr lang="en-US" dirty="0" smtClean="0"/>
-              <a:t>.</a:t>
-            </a:r>
-            <a:r>
-              <a:rPr lang="en-US" dirty="0" err="1" smtClean="0"/>
-              <a:t>bringMoreWeapon</a:t>
-            </a:r>
-            <a:r>
-              <a:rPr lang="en-US" dirty="0" smtClean="0"/>
-              <a:t>()</a:t>
-            </a:r>
-          </a:p>
-        </p:txBody>
-      </p:sp>
-      <p:pic>
-        <p:nvPicPr>
-          <p:cNvPr id="3" name="Picture 2"/>
-          <p:cNvPicPr>
-            <a:picLocks noChangeAspect="1"/>
-          </p:cNvPicPr>
-          <p:nvPr/>
-        </p:nvPicPr>
-        <p:blipFill>
-          <a:blip r:embed="rId9">
-            <a:extLst>
-              <a:ext uri="{28A0092B-C50C-407E-A947-70E740481C1C}">
-                <a14:useLocalDpi xmlns:a14="http://schemas.microsoft.com/office/drawing/2010/main" val="0"/>
-              </a:ext>
-            </a:extLst>
-          </a:blip>
-          <a:stretch>
-            <a:fillRect/>
-          </a:stretch>
-        </p:blipFill>
-        <p:spPr>
-          <a:xfrm>
-            <a:off x="837064" y="3730219"/>
-            <a:ext cx="1076761" cy="1089429"/>
-          </a:xfrm>
-          <a:prstGeom prst="rect">
-            <a:avLst/>
-          </a:prstGeom>
-        </p:spPr>
-      </p:pic>
-      <p:pic>
-        <p:nvPicPr>
-          <p:cNvPr id="6" name="Picture 5"/>
-          <p:cNvPicPr>
-            <a:picLocks noChangeAspect="1"/>
-          </p:cNvPicPr>
-          <p:nvPr/>
-        </p:nvPicPr>
-        <p:blipFill>
-          <a:blip r:embed="rId10">
-            <a:extLst>
-              <a:ext uri="{28A0092B-C50C-407E-A947-70E740481C1C}">
-                <a14:useLocalDpi xmlns:a14="http://schemas.microsoft.com/office/drawing/2010/main" val="0"/>
-              </a:ext>
-            </a:extLst>
-          </a:blip>
-          <a:stretch>
-            <a:fillRect/>
-          </a:stretch>
-        </p:blipFill>
-        <p:spPr>
-          <a:xfrm>
-            <a:off x="901249" y="4861562"/>
-            <a:ext cx="932635" cy="1088074"/>
-          </a:xfrm>
-          <a:prstGeom prst="rect">
-            <a:avLst/>
-          </a:prstGeom>
-        </p:spPr>
-      </p:pic>
-      <p:pic>
-        <p:nvPicPr>
-          <p:cNvPr id="8" name="Picture 7"/>
-          <p:cNvPicPr>
-            <a:picLocks noChangeAspect="1"/>
-          </p:cNvPicPr>
-          <p:nvPr/>
-        </p:nvPicPr>
-        <p:blipFill>
-          <a:blip r:embed="rId11">
-            <a:extLst>
-              <a:ext uri="{28A0092B-C50C-407E-A947-70E740481C1C}">
-                <a14:useLocalDpi xmlns:a14="http://schemas.microsoft.com/office/drawing/2010/main" val="0"/>
-              </a:ext>
-            </a:extLst>
-          </a:blip>
-          <a:stretch>
-            <a:fillRect/>
-          </a:stretch>
-        </p:blipFill>
-        <p:spPr>
-          <a:xfrm>
-            <a:off x="620051" y="2485924"/>
-            <a:ext cx="1452987" cy="1142016"/>
-          </a:xfrm>
-          <a:prstGeom prst="rect">
-            <a:avLst/>
-          </a:prstGeom>
-        </p:spPr>
-      </p:pic>
-      <p:pic>
-        <p:nvPicPr>
-          <p:cNvPr id="9" name="Picture 8"/>
-          <p:cNvPicPr>
-            <a:picLocks noChangeAspect="1"/>
-          </p:cNvPicPr>
-          <p:nvPr/>
-        </p:nvPicPr>
-        <p:blipFill>
-          <a:blip r:embed="rId12">
-            <a:extLst>
-              <a:ext uri="{28A0092B-C50C-407E-A947-70E740481C1C}">
-                <a14:useLocalDpi xmlns:a14="http://schemas.microsoft.com/office/drawing/2010/main" val="0"/>
-              </a:ext>
-            </a:extLst>
-          </a:blip>
-          <a:stretch>
-            <a:fillRect/>
-          </a:stretch>
-        </p:blipFill>
-        <p:spPr>
-          <a:xfrm>
-            <a:off x="845254" y="1077318"/>
-            <a:ext cx="1181869" cy="1384476"/>
-          </a:xfrm>
-          <a:prstGeom prst="rect">
-            <a:avLst/>
-          </a:prstGeom>
-        </p:spPr>
-      </p:pic>
-      <p:sp>
-        <p:nvSpPr>
-          <p:cNvPr id="11" name="Bevel 10"/>
-          <p:cNvSpPr/>
-          <p:nvPr/>
-        </p:nvSpPr>
-        <p:spPr>
-          <a:xfrm>
-            <a:off x="380901" y="627977"/>
-            <a:ext cx="1973333" cy="5756198"/>
-          </a:xfrm>
-          <a:prstGeom prst="bevel">
-            <a:avLst/>
-          </a:prstGeom>
-          <a:noFill/>
-          <a:ln>
-            <a:solidFill>
-              <a:schemeClr val="bg1">
-                <a:lumMod val="50000"/>
-              </a:schemeClr>
-            </a:solidFill>
-          </a:ln>
-        </p:spPr>
-        <p:style>
-          <a:lnRef idx="2">
-            <a:schemeClr val="accent1">
-              <a:shade val="50000"/>
-            </a:schemeClr>
-          </a:lnRef>
-          <a:fillRef idx="1">
-            <a:schemeClr val="accent1"/>
-          </a:fillRef>
-          <a:effectRef idx="0">
-            <a:schemeClr val="accent1"/>
-          </a:effectRef>
-          <a:fontRef idx="minor">
-            <a:schemeClr val="lt1"/>
-          </a:fontRef>
-        </p:style>
-        <p:txBody>
-          <a:bodyPr rtlCol="0" anchor="ctr"/>
-          <a:lstStyle/>
-          <a:p>
-            <a:pPr algn="ctr"/>
-            <a:endParaRPr lang="en-US"/>
+              <a:t>No access to the castle yet</a:t>
+            </a:r>
+            <a:endParaRPr lang="en-US" dirty="0"/>
           </a:p>
         </p:txBody>
       </p:sp>
     </p:spTree>
     <p:extLst>
       <p:ext uri="{BB962C8B-B14F-4D97-AF65-F5344CB8AC3E}">
-        <p14:creationId xmlns:p14="http://schemas.microsoft.com/office/powerpoint/2010/main" val="2060112512"/>
+        <p14:creationId xmlns:p14="http://schemas.microsoft.com/office/powerpoint/2010/main" val="770111996"/>
       </p:ext>
     </p:extLst>
   </p:cSld>
@@ -7790,98 +6211,6 @@
       </p:sp>
       <p:sp>
         <p:nvSpPr>
-          <p:cNvPr id="61" name="Right Arrow 60"/>
-          <p:cNvSpPr/>
-          <p:nvPr/>
-        </p:nvSpPr>
-        <p:spPr>
-          <a:xfrm rot="4266824">
-            <a:off x="5856421" y="4917380"/>
-            <a:ext cx="931316" cy="431141"/>
-          </a:xfrm>
-          <a:prstGeom prst="rightArrow">
-            <a:avLst/>
-          </a:prstGeom>
-          <a:noFill/>
-          <a:ln>
-            <a:solidFill>
-              <a:srgbClr val="0070C0"/>
-            </a:solidFill>
-          </a:ln>
-        </p:spPr>
-        <p:style>
-          <a:lnRef idx="2">
-            <a:schemeClr val="accent1">
-              <a:shade val="50000"/>
-            </a:schemeClr>
-          </a:lnRef>
-          <a:fillRef idx="1">
-            <a:schemeClr val="accent1"/>
-          </a:fillRef>
-          <a:effectRef idx="0">
-            <a:schemeClr val="accent1"/>
-          </a:effectRef>
-          <a:fontRef idx="minor">
-            <a:schemeClr val="lt1"/>
-          </a:fontRef>
-        </p:style>
-        <p:txBody>
-          <a:bodyPr rtlCol="0" anchor="ctr"/>
-          <a:lstStyle/>
-          <a:p>
-            <a:pPr algn="ctr"/>
-            <a:endParaRPr lang="en-US"/>
-          </a:p>
-        </p:txBody>
-      </p:sp>
-      <p:sp>
-        <p:nvSpPr>
-          <p:cNvPr id="63" name="Left-Right Arrow 62"/>
-          <p:cNvSpPr/>
-          <p:nvPr/>
-        </p:nvSpPr>
-        <p:spPr>
-          <a:xfrm rot="352071">
-            <a:off x="3374938" y="2953510"/>
-            <a:ext cx="1204961" cy="417784"/>
-          </a:xfrm>
-          <a:prstGeom prst="leftRightArrow">
-            <a:avLst/>
-          </a:prstGeom>
-          <a:noFill/>
-          <a:ln>
-            <a:solidFill>
-              <a:srgbClr val="7030A0"/>
-            </a:solidFill>
-          </a:ln>
-        </p:spPr>
-        <p:style>
-          <a:lnRef idx="2">
-            <a:schemeClr val="accent1">
-              <a:shade val="50000"/>
-            </a:schemeClr>
-          </a:lnRef>
-          <a:fillRef idx="1">
-            <a:schemeClr val="accent1"/>
-          </a:fillRef>
-          <a:effectRef idx="0">
-            <a:schemeClr val="accent1"/>
-          </a:effectRef>
-          <a:fontRef idx="minor">
-            <a:schemeClr val="lt1"/>
-          </a:fontRef>
-        </p:style>
-        <p:txBody>
-          <a:bodyPr rtlCol="0" anchor="ctr"/>
-          <a:lstStyle/>
-          <a:p>
-            <a:pPr algn="ctr"/>
-            <a:endParaRPr lang="en-US"/>
-          </a:p>
-        </p:txBody>
-      </p:sp>
-      <p:sp>
-        <p:nvSpPr>
           <p:cNvPr id="64" name="TextBox 63"/>
           <p:cNvSpPr txBox="1"/>
           <p:nvPr/>
@@ -7920,52 +6249,14 @@
       </p:sp>
       <p:sp>
         <p:nvSpPr>
-          <p:cNvPr id="65" name="TextBox 64"/>
+          <p:cNvPr id="2" name="TextBox 1"/>
           <p:cNvSpPr txBox="1"/>
           <p:nvPr/>
         </p:nvSpPr>
         <p:spPr>
-          <a:xfrm rot="4211881">
-            <a:off x="5825897" y="5008145"/>
-            <a:ext cx="1067909" cy="369332"/>
-          </a:xfrm>
-          <a:prstGeom prst="rect">
-            <a:avLst/>
-          </a:prstGeom>
-          <a:noFill/>
-        </p:spPr>
-        <p:txBody>
-          <a:bodyPr wrap="square" rtlCol="0">
-            <a:spAutoFit/>
-          </a:bodyPr>
-          <a:lstStyle/>
-          <a:p>
-            <a:r>
-              <a:rPr lang="en-US" dirty="0" smtClean="0">
-                <a:solidFill>
-                  <a:srgbClr val="0070C0"/>
-                </a:solidFill>
-              </a:rPr>
-              <a:t>Getter</a:t>
-            </a:r>
-            <a:endParaRPr lang="en-US" dirty="0">
-              <a:solidFill>
-                <a:srgbClr val="0070C0"/>
-              </a:solidFill>
-            </a:endParaRPr>
-          </a:p>
-        </p:txBody>
-      </p:sp>
-      <p:sp>
-        <p:nvSpPr>
-          <p:cNvPr id="69" name="TextBox 68"/>
-          <p:cNvSpPr txBox="1"/>
-          <p:nvPr/>
-        </p:nvSpPr>
-        <p:spPr>
-          <a:xfrm rot="353599">
-            <a:off x="3515765" y="2968750"/>
-            <a:ext cx="938462" cy="369332"/>
+          <a:xfrm>
+            <a:off x="8969432" y="3162615"/>
+            <a:ext cx="1812484" cy="923330"/>
           </a:xfrm>
           <a:prstGeom prst="rect">
             <a:avLst/>
@@ -7979,25 +6270,52 @@
           <a:lstStyle/>
           <a:p>
             <a:r>
-              <a:rPr lang="en-US" dirty="0" smtClean="0">
-                <a:solidFill>
-                  <a:srgbClr val="7030A0"/>
-                </a:solidFill>
-              </a:rPr>
-              <a:t>Method</a:t>
-            </a:r>
-            <a:endParaRPr lang="en-US" dirty="0">
-              <a:solidFill>
-                <a:srgbClr val="7030A0"/>
-              </a:solidFill>
-            </a:endParaRPr>
+              <a:rPr lang="en-US" dirty="0" smtClean="0"/>
+              <a:t>.</a:t>
+            </a:r>
+            <a:r>
+              <a:rPr lang="en-US" dirty="0" err="1" smtClean="0"/>
+              <a:t>setGold</a:t>
+            </a:r>
+            <a:r>
+              <a:rPr lang="en-US" dirty="0" smtClean="0"/>
+              <a:t>()</a:t>
+            </a:r>
+          </a:p>
+          <a:p>
+            <a:r>
+              <a:rPr lang="en-US" dirty="0" smtClean="0"/>
+              <a:t>.</a:t>
+            </a:r>
+            <a:r>
+              <a:rPr lang="en-US" dirty="0" err="1" smtClean="0"/>
+              <a:t>setMagnaCarta</a:t>
+            </a:r>
+            <a:r>
+              <a:rPr lang="en-US" dirty="0" smtClean="0"/>
+              <a:t>()</a:t>
+            </a:r>
+          </a:p>
+          <a:p>
+            <a:r>
+              <a:rPr lang="en-US" dirty="0" smtClean="0"/>
+              <a:t>.</a:t>
+            </a:r>
+            <a:r>
+              <a:rPr lang="en-US" dirty="0" err="1" smtClean="0"/>
+              <a:t>setPrincess</a:t>
+            </a:r>
+            <a:r>
+              <a:rPr lang="en-US" dirty="0" smtClean="0"/>
+              <a:t>()</a:t>
+            </a:r>
           </a:p>
         </p:txBody>
       </p:sp>
     </p:spTree>
     <p:extLst>
       <p:ext uri="{BB962C8B-B14F-4D97-AF65-F5344CB8AC3E}">
-        <p14:creationId xmlns:p14="http://schemas.microsoft.com/office/powerpoint/2010/main" val="4267780854"/>
+        <p14:creationId xmlns:p14="http://schemas.microsoft.com/office/powerpoint/2010/main" val="2130158071"/>
       </p:ext>
     </p:extLst>
   </p:cSld>
@@ -8026,47 +6344,331 @@
       </p:grpSpPr>
       <p:sp>
         <p:nvSpPr>
-          <p:cNvPr id="2" name="Title 1"/>
-          <p:cNvSpPr>
-            <a:spLocks noGrp="1"/>
-          </p:cNvSpPr>
-          <p:nvPr>
-            <p:ph type="title"/>
-          </p:nvPr>
-        </p:nvSpPr>
-        <p:spPr/>
-        <p:txBody>
-          <a:bodyPr/>
-          <a:lstStyle/>
-          <a:p>
-            <a:r>
-              <a:rPr lang="en-US" dirty="0" smtClean="0"/>
-              <a:t>En</a:t>
-            </a:r>
-            <a:r>
-              <a:rPr lang="en-US" b="1" dirty="0" smtClean="0"/>
-              <a:t>capsul</a:t>
-            </a:r>
-            <a:r>
-              <a:rPr lang="en-US" dirty="0" smtClean="0"/>
-              <a:t>ation</a:t>
-            </a:r>
-            <a:endParaRPr lang="en-US" dirty="0"/>
-          </a:p>
-        </p:txBody>
-      </p:sp>
+          <p:cNvPr id="4" name="Oval 3"/>
+          <p:cNvSpPr/>
+          <p:nvPr/>
+        </p:nvSpPr>
+        <p:spPr>
+          <a:xfrm>
+            <a:off x="4605866" y="2238918"/>
+            <a:ext cx="2410691" cy="2385753"/>
+          </a:xfrm>
+          <a:prstGeom prst="ellipse">
+            <a:avLst/>
+          </a:prstGeom>
+          <a:noFill/>
+          <a:ln>
+            <a:solidFill>
+              <a:schemeClr val="accent6"/>
+            </a:solidFill>
+          </a:ln>
+        </p:spPr>
+        <p:style>
+          <a:lnRef idx="2">
+            <a:schemeClr val="accent1">
+              <a:shade val="50000"/>
+            </a:schemeClr>
+          </a:lnRef>
+          <a:fillRef idx="1">
+            <a:schemeClr val="accent1"/>
+          </a:fillRef>
+          <a:effectRef idx="0">
+            <a:schemeClr val="accent1"/>
+          </a:effectRef>
+          <a:fontRef idx="minor">
+            <a:schemeClr val="lt1"/>
+          </a:fontRef>
+        </p:style>
+        <p:txBody>
+          <a:bodyPr rtlCol="0" anchor="ctr"/>
+          <a:lstStyle/>
+          <a:p>
+            <a:pPr algn="ctr"/>
+            <a:endParaRPr lang="en-US"/>
+          </a:p>
+        </p:txBody>
+      </p:sp>
+      <p:sp>
+        <p:nvSpPr>
+          <p:cNvPr id="5" name="Oval 4"/>
+          <p:cNvSpPr/>
+          <p:nvPr/>
+        </p:nvSpPr>
+        <p:spPr>
+          <a:xfrm>
+            <a:off x="3291840" y="897775"/>
+            <a:ext cx="4922519" cy="4915593"/>
+          </a:xfrm>
+          <a:prstGeom prst="ellipse">
+            <a:avLst/>
+          </a:prstGeom>
+          <a:noFill/>
+          <a:ln>
+            <a:solidFill>
+              <a:schemeClr val="accent6"/>
+            </a:solidFill>
+          </a:ln>
+        </p:spPr>
+        <p:style>
+          <a:lnRef idx="2">
+            <a:schemeClr val="accent1">
+              <a:shade val="50000"/>
+            </a:schemeClr>
+          </a:lnRef>
+          <a:fillRef idx="1">
+            <a:schemeClr val="accent1"/>
+          </a:fillRef>
+          <a:effectRef idx="0">
+            <a:schemeClr val="accent1"/>
+          </a:effectRef>
+          <a:fontRef idx="minor">
+            <a:schemeClr val="lt1"/>
+          </a:fontRef>
+        </p:style>
+        <p:txBody>
+          <a:bodyPr rtlCol="0" anchor="ctr"/>
+          <a:lstStyle/>
+          <a:p>
+            <a:pPr algn="ctr"/>
+            <a:endParaRPr lang="en-US"/>
+          </a:p>
+        </p:txBody>
+      </p:sp>
+      <p:cxnSp>
+        <p:nvCxnSpPr>
+          <p:cNvPr id="7" name="Straight Connector 6"/>
+          <p:cNvCxnSpPr/>
+          <p:nvPr/>
+        </p:nvCxnSpPr>
+        <p:spPr>
+          <a:xfrm flipV="1">
+            <a:off x="6505881" y="1483906"/>
+            <a:ext cx="829954" cy="970656"/>
+          </a:xfrm>
+          <a:prstGeom prst="line">
+            <a:avLst/>
+          </a:prstGeom>
+          <a:ln>
+            <a:solidFill>
+              <a:schemeClr val="accent2">
+                <a:lumMod val="50000"/>
+              </a:schemeClr>
+            </a:solidFill>
+          </a:ln>
+        </p:spPr>
+        <p:style>
+          <a:lnRef idx="1">
+            <a:schemeClr val="accent1"/>
+          </a:lnRef>
+          <a:fillRef idx="0">
+            <a:schemeClr val="accent1"/>
+          </a:fillRef>
+          <a:effectRef idx="0">
+            <a:schemeClr val="accent1"/>
+          </a:effectRef>
+          <a:fontRef idx="minor">
+            <a:schemeClr val="tx1"/>
+          </a:fontRef>
+        </p:style>
+      </p:cxnSp>
+      <p:cxnSp>
+        <p:nvCxnSpPr>
+          <p:cNvPr id="10" name="Straight Connector 9"/>
+          <p:cNvCxnSpPr/>
+          <p:nvPr/>
+        </p:nvCxnSpPr>
+        <p:spPr>
+          <a:xfrm>
+            <a:off x="6337171" y="4491025"/>
+            <a:ext cx="445157" cy="1123555"/>
+          </a:xfrm>
+          <a:prstGeom prst="line">
+            <a:avLst/>
+          </a:prstGeom>
+          <a:ln>
+            <a:solidFill>
+              <a:schemeClr val="accent2">
+                <a:lumMod val="50000"/>
+              </a:schemeClr>
+            </a:solidFill>
+          </a:ln>
+        </p:spPr>
+        <p:style>
+          <a:lnRef idx="1">
+            <a:schemeClr val="accent1"/>
+          </a:lnRef>
+          <a:fillRef idx="0">
+            <a:schemeClr val="accent1"/>
+          </a:fillRef>
+          <a:effectRef idx="0">
+            <a:schemeClr val="accent1"/>
+          </a:effectRef>
+          <a:fontRef idx="minor">
+            <a:schemeClr val="tx1"/>
+          </a:fontRef>
+        </p:style>
+      </p:cxnSp>
+      <p:cxnSp>
+        <p:nvCxnSpPr>
+          <p:cNvPr id="13" name="Straight Connector 12"/>
+          <p:cNvCxnSpPr/>
+          <p:nvPr/>
+        </p:nvCxnSpPr>
+        <p:spPr>
+          <a:xfrm flipH="1" flipV="1">
+            <a:off x="5888656" y="4617599"/>
+            <a:ext cx="380188" cy="1100722"/>
+          </a:xfrm>
+          <a:prstGeom prst="line">
+            <a:avLst/>
+          </a:prstGeom>
+          <a:ln>
+            <a:solidFill>
+              <a:schemeClr val="accent2">
+                <a:lumMod val="50000"/>
+              </a:schemeClr>
+            </a:solidFill>
+          </a:ln>
+        </p:spPr>
+        <p:style>
+          <a:lnRef idx="1">
+            <a:schemeClr val="accent1"/>
+          </a:lnRef>
+          <a:fillRef idx="0">
+            <a:schemeClr val="accent1"/>
+          </a:fillRef>
+          <a:effectRef idx="0">
+            <a:schemeClr val="accent1"/>
+          </a:effectRef>
+          <a:fontRef idx="minor">
+            <a:schemeClr val="tx1"/>
+          </a:fontRef>
+        </p:style>
+      </p:cxnSp>
+      <p:cxnSp>
+        <p:nvCxnSpPr>
+          <p:cNvPr id="16" name="Straight Connector 15"/>
+          <p:cNvCxnSpPr/>
+          <p:nvPr/>
+        </p:nvCxnSpPr>
+        <p:spPr>
+          <a:xfrm>
+            <a:off x="3351732" y="2819424"/>
+            <a:ext cx="1368865" cy="155461"/>
+          </a:xfrm>
+          <a:prstGeom prst="line">
+            <a:avLst/>
+          </a:prstGeom>
+          <a:ln>
+            <a:solidFill>
+              <a:schemeClr val="accent2">
+                <a:lumMod val="50000"/>
+              </a:schemeClr>
+            </a:solidFill>
+          </a:ln>
+        </p:spPr>
+        <p:style>
+          <a:lnRef idx="1">
+            <a:schemeClr val="accent1"/>
+          </a:lnRef>
+          <a:fillRef idx="0">
+            <a:schemeClr val="accent1"/>
+          </a:fillRef>
+          <a:effectRef idx="0">
+            <a:schemeClr val="accent1"/>
+          </a:effectRef>
+          <a:fontRef idx="minor">
+            <a:schemeClr val="tx1"/>
+          </a:fontRef>
+        </p:style>
+      </p:cxnSp>
+      <p:cxnSp>
+        <p:nvCxnSpPr>
+          <p:cNvPr id="18" name="Straight Connector 17"/>
+          <p:cNvCxnSpPr>
+            <a:stCxn id="5" idx="2"/>
+            <a:endCxn id="4" idx="2"/>
+          </p:cNvCxnSpPr>
+          <p:nvPr/>
+        </p:nvCxnSpPr>
+        <p:spPr>
+          <a:xfrm>
+            <a:off x="3291840" y="3355572"/>
+            <a:ext cx="1314026" cy="76223"/>
+          </a:xfrm>
+          <a:prstGeom prst="line">
+            <a:avLst/>
+          </a:prstGeom>
+          <a:ln>
+            <a:solidFill>
+              <a:schemeClr val="accent2">
+                <a:lumMod val="50000"/>
+              </a:schemeClr>
+            </a:solidFill>
+          </a:ln>
+        </p:spPr>
+        <p:style>
+          <a:lnRef idx="1">
+            <a:schemeClr val="accent1"/>
+          </a:lnRef>
+          <a:fillRef idx="0">
+            <a:schemeClr val="accent1"/>
+          </a:fillRef>
+          <a:effectRef idx="0">
+            <a:schemeClr val="accent1"/>
+          </a:effectRef>
+          <a:fontRef idx="minor">
+            <a:schemeClr val="tx1"/>
+          </a:fontRef>
+        </p:style>
+      </p:cxnSp>
+      <p:cxnSp>
+        <p:nvCxnSpPr>
+          <p:cNvPr id="30" name="Straight Connector 29"/>
+          <p:cNvCxnSpPr/>
+          <p:nvPr/>
+        </p:nvCxnSpPr>
+        <p:spPr>
+          <a:xfrm flipV="1">
+            <a:off x="6808739" y="1803862"/>
+            <a:ext cx="898392" cy="1012325"/>
+          </a:xfrm>
+          <a:prstGeom prst="line">
+            <a:avLst/>
+          </a:prstGeom>
+          <a:ln>
+            <a:solidFill>
+              <a:schemeClr val="accent2">
+                <a:lumMod val="50000"/>
+              </a:schemeClr>
+            </a:solidFill>
+          </a:ln>
+        </p:spPr>
+        <p:style>
+          <a:lnRef idx="1">
+            <a:schemeClr val="accent1"/>
+          </a:lnRef>
+          <a:fillRef idx="0">
+            <a:schemeClr val="accent1"/>
+          </a:fillRef>
+          <a:effectRef idx="0">
+            <a:schemeClr val="accent1"/>
+          </a:effectRef>
+          <a:fontRef idx="minor">
+            <a:schemeClr val="tx1"/>
+          </a:fontRef>
+        </p:style>
+      </p:cxnSp>
       <p:pic>
         <p:nvPicPr>
-          <p:cNvPr id="4" name="Content Placeholder 3"/>
+          <p:cNvPr id="47" name="Picture 46"/>
           <p:cNvPicPr>
-            <a:picLocks noGrp="1" noChangeAspect="1"/>
+            <a:picLocks noChangeAspect="1"/>
           </p:cNvPicPr>
-          <p:nvPr>
-            <p:ph idx="1"/>
-          </p:nvPr>
+          <p:nvPr/>
         </p:nvPicPr>
         <p:blipFill>
-          <a:blip r:embed="rId2">
+          <a:blip r:embed="rId2" cstate="print">
             <a:extLst>
               <a:ext uri="{28A0092B-C50C-407E-A947-70E740481C1C}">
                 <a14:useLocalDpi xmlns:a14="http://schemas.microsoft.com/office/drawing/2010/main" val="0"/>
@@ -8079,21 +6681,476 @@
         </p:blipFill>
         <p:spPr>
           <a:xfrm>
-            <a:off x="3679262" y="1690688"/>
-            <a:ext cx="4351338" cy="4351338"/>
-          </a:xfrm>
+            <a:off x="5200679" y="2505398"/>
+            <a:ext cx="1262773" cy="1874813"/>
+          </a:xfrm>
+          <a:prstGeom prst="rect">
+            <a:avLst/>
+          </a:prstGeom>
         </p:spPr>
       </p:pic>
-      <p:sp>
-        <p:nvSpPr>
-          <p:cNvPr id="5" name="TextBox 4"/>
+      <p:pic>
+        <p:nvPicPr>
+          <p:cNvPr id="48" name="Picture 47"/>
+          <p:cNvPicPr>
+            <a:picLocks noChangeAspect="1"/>
+          </p:cNvPicPr>
+          <p:nvPr/>
+        </p:nvPicPr>
+        <p:blipFill>
+          <a:blip r:embed="rId3" cstate="print">
+            <a:extLst>
+              <a:ext uri="{28A0092B-C50C-407E-A947-70E740481C1C}">
+                <a14:useLocalDpi xmlns:a14="http://schemas.microsoft.com/office/drawing/2010/main" val="0"/>
+              </a:ext>
+            </a:extLst>
+          </a:blip>
+          <a:stretch>
+            <a:fillRect/>
+          </a:stretch>
+        </p:blipFill>
+        <p:spPr>
+          <a:xfrm>
+            <a:off x="6272804" y="3048687"/>
+            <a:ext cx="524390" cy="788234"/>
+          </a:xfrm>
+          <a:prstGeom prst="rect">
+            <a:avLst/>
+          </a:prstGeom>
+        </p:spPr>
+      </p:pic>
+      <p:pic>
+        <p:nvPicPr>
+          <p:cNvPr id="49" name="Picture 48"/>
+          <p:cNvPicPr>
+            <a:picLocks noChangeAspect="1"/>
+          </p:cNvPicPr>
+          <p:nvPr/>
+        </p:nvPicPr>
+        <p:blipFill>
+          <a:blip r:embed="rId4" cstate="print">
+            <a:extLst>
+              <a:ext uri="{28A0092B-C50C-407E-A947-70E740481C1C}">
+                <a14:useLocalDpi xmlns:a14="http://schemas.microsoft.com/office/drawing/2010/main" val="0"/>
+              </a:ext>
+            </a:extLst>
+          </a:blip>
+          <a:stretch>
+            <a:fillRect/>
+          </a:stretch>
+        </p:blipFill>
+        <p:spPr>
+          <a:xfrm>
+            <a:off x="4790760" y="3501116"/>
+            <a:ext cx="518300" cy="458207"/>
+          </a:xfrm>
+          <a:prstGeom prst="rect">
+            <a:avLst/>
+          </a:prstGeom>
+        </p:spPr>
+      </p:pic>
+      <p:pic>
+        <p:nvPicPr>
+          <p:cNvPr id="50" name="Picture 49"/>
+          <p:cNvPicPr>
+            <a:picLocks noChangeAspect="1"/>
+          </p:cNvPicPr>
+          <p:nvPr/>
+        </p:nvPicPr>
+        <p:blipFill>
+          <a:blip r:embed="rId5" cstate="print">
+            <a:extLst>
+              <a:ext uri="{28A0092B-C50C-407E-A947-70E740481C1C}">
+                <a14:useLocalDpi xmlns:a14="http://schemas.microsoft.com/office/drawing/2010/main" val="0"/>
+              </a:ext>
+            </a:extLst>
+          </a:blip>
+          <a:stretch>
+            <a:fillRect/>
+          </a:stretch>
+        </p:blipFill>
+        <p:spPr>
+          <a:xfrm>
+            <a:off x="8308944" y="644419"/>
+            <a:ext cx="186451" cy="1052116"/>
+          </a:xfrm>
+          <a:prstGeom prst="rect">
+            <a:avLst/>
+          </a:prstGeom>
+        </p:spPr>
+      </p:pic>
+      <p:pic>
+        <p:nvPicPr>
+          <p:cNvPr id="51" name="Picture 50"/>
+          <p:cNvPicPr>
+            <a:picLocks noChangeAspect="1"/>
+          </p:cNvPicPr>
+          <p:nvPr/>
+        </p:nvPicPr>
+        <p:blipFill>
+          <a:blip r:embed="rId6" cstate="print">
+            <a:extLst>
+              <a:ext uri="{28A0092B-C50C-407E-A947-70E740481C1C}">
+                <a14:useLocalDpi xmlns:a14="http://schemas.microsoft.com/office/drawing/2010/main" val="0"/>
+              </a:ext>
+            </a:extLst>
+          </a:blip>
+          <a:stretch>
+            <a:fillRect/>
+          </a:stretch>
+        </p:blipFill>
+        <p:spPr>
+          <a:xfrm>
+            <a:off x="3824085" y="3819483"/>
+            <a:ext cx="738545" cy="1026837"/>
+          </a:xfrm>
+          <a:prstGeom prst="rect">
+            <a:avLst/>
+          </a:prstGeom>
+        </p:spPr>
+      </p:pic>
+      <p:pic>
+        <p:nvPicPr>
+          <p:cNvPr id="52" name="Picture 51"/>
+          <p:cNvPicPr>
+            <a:picLocks noChangeAspect="1"/>
+          </p:cNvPicPr>
+          <p:nvPr/>
+        </p:nvPicPr>
+        <p:blipFill>
+          <a:blip r:embed="rId7" cstate="print">
+            <a:extLst>
+              <a:ext uri="{28A0092B-C50C-407E-A947-70E740481C1C}">
+                <a14:useLocalDpi xmlns:a14="http://schemas.microsoft.com/office/drawing/2010/main" val="0"/>
+              </a:ext>
+            </a:extLst>
+          </a:blip>
+          <a:stretch>
+            <a:fillRect/>
+          </a:stretch>
+        </p:blipFill>
+        <p:spPr>
+          <a:xfrm>
+            <a:off x="7657381" y="1013178"/>
+            <a:ext cx="719147" cy="750875"/>
+          </a:xfrm>
+          <a:prstGeom prst="rect">
+            <a:avLst/>
+          </a:prstGeom>
+        </p:spPr>
+      </p:pic>
+      <p:pic>
+        <p:nvPicPr>
+          <p:cNvPr id="53" name="Picture 52"/>
+          <p:cNvPicPr>
+            <a:picLocks noChangeAspect="1"/>
+          </p:cNvPicPr>
+          <p:nvPr/>
+        </p:nvPicPr>
+        <p:blipFill>
+          <a:blip r:embed="rId6" cstate="print">
+            <a:extLst>
+              <a:ext uri="{28A0092B-C50C-407E-A947-70E740481C1C}">
+                <a14:useLocalDpi xmlns:a14="http://schemas.microsoft.com/office/drawing/2010/main" val="0"/>
+              </a:ext>
+            </a:extLst>
+          </a:blip>
+          <a:stretch>
+            <a:fillRect/>
+          </a:stretch>
+        </p:blipFill>
+        <p:spPr>
+          <a:xfrm>
+            <a:off x="7175385" y="3431794"/>
+            <a:ext cx="738545" cy="1026837"/>
+          </a:xfrm>
+          <a:prstGeom prst="rect">
+            <a:avLst/>
+          </a:prstGeom>
+        </p:spPr>
+      </p:pic>
+      <p:pic>
+        <p:nvPicPr>
+          <p:cNvPr id="54" name="Picture 53"/>
+          <p:cNvPicPr>
+            <a:picLocks noChangeAspect="1"/>
+          </p:cNvPicPr>
+          <p:nvPr/>
+        </p:nvPicPr>
+        <p:blipFill>
+          <a:blip r:embed="rId6" cstate="print">
+            <a:extLst>
+              <a:ext uri="{28A0092B-C50C-407E-A947-70E740481C1C}">
+                <a14:useLocalDpi xmlns:a14="http://schemas.microsoft.com/office/drawing/2010/main" val="0"/>
+              </a:ext>
+            </a:extLst>
+          </a:blip>
+          <a:stretch>
+            <a:fillRect/>
+          </a:stretch>
+        </p:blipFill>
+        <p:spPr>
+          <a:xfrm>
+            <a:off x="4788557" y="1170477"/>
+            <a:ext cx="738545" cy="1026837"/>
+          </a:xfrm>
+          <a:prstGeom prst="rect">
+            <a:avLst/>
+          </a:prstGeom>
+        </p:spPr>
+      </p:pic>
+      <p:pic>
+        <p:nvPicPr>
+          <p:cNvPr id="55" name="Picture 54"/>
+          <p:cNvPicPr>
+            <a:picLocks noChangeAspect="1"/>
+          </p:cNvPicPr>
+          <p:nvPr/>
+        </p:nvPicPr>
+        <p:blipFill>
+          <a:blip r:embed="rId7" cstate="print">
+            <a:extLst>
+              <a:ext uri="{28A0092B-C50C-407E-A947-70E740481C1C}">
+                <a14:useLocalDpi xmlns:a14="http://schemas.microsoft.com/office/drawing/2010/main" val="0"/>
+              </a:ext>
+            </a:extLst>
+          </a:blip>
+          <a:stretch>
+            <a:fillRect/>
+          </a:stretch>
+        </p:blipFill>
+        <p:spPr>
+          <a:xfrm>
+            <a:off x="6337171" y="5834934"/>
+            <a:ext cx="719147" cy="750875"/>
+          </a:xfrm>
+          <a:prstGeom prst="rect">
+            <a:avLst/>
+          </a:prstGeom>
+        </p:spPr>
+      </p:pic>
+      <p:pic>
+        <p:nvPicPr>
+          <p:cNvPr id="56" name="Picture 55"/>
+          <p:cNvPicPr>
+            <a:picLocks noChangeAspect="1"/>
+          </p:cNvPicPr>
+          <p:nvPr/>
+        </p:nvPicPr>
+        <p:blipFill>
+          <a:blip r:embed="rId5" cstate="print">
+            <a:extLst>
+              <a:ext uri="{28A0092B-C50C-407E-A947-70E740481C1C}">
+                <a14:useLocalDpi xmlns:a14="http://schemas.microsoft.com/office/drawing/2010/main" val="0"/>
+              </a:ext>
+            </a:extLst>
+          </a:blip>
+          <a:stretch>
+            <a:fillRect/>
+          </a:stretch>
+        </p:blipFill>
+        <p:spPr>
+          <a:xfrm>
+            <a:off x="7030410" y="5486752"/>
+            <a:ext cx="186451" cy="1052116"/>
+          </a:xfrm>
+          <a:prstGeom prst="rect">
+            <a:avLst/>
+          </a:prstGeom>
+        </p:spPr>
+      </p:pic>
+      <p:pic>
+        <p:nvPicPr>
+          <p:cNvPr id="57" name="Picture 56"/>
+          <p:cNvPicPr>
+            <a:picLocks noChangeAspect="1"/>
+          </p:cNvPicPr>
+          <p:nvPr/>
+        </p:nvPicPr>
+        <p:blipFill>
+          <a:blip r:embed="rId7" cstate="print">
+            <a:extLst>
+              <a:ext uri="{28A0092B-C50C-407E-A947-70E740481C1C}">
+                <a14:useLocalDpi xmlns:a14="http://schemas.microsoft.com/office/drawing/2010/main" val="0"/>
+              </a:ext>
+            </a:extLst>
+          </a:blip>
+          <a:stretch>
+            <a:fillRect/>
+          </a:stretch>
+        </p:blipFill>
+        <p:spPr>
+          <a:xfrm>
+            <a:off x="2373467" y="2604696"/>
+            <a:ext cx="719147" cy="750875"/>
+          </a:xfrm>
+          <a:prstGeom prst="rect">
+            <a:avLst/>
+          </a:prstGeom>
+        </p:spPr>
+      </p:pic>
+      <p:pic>
+        <p:nvPicPr>
+          <p:cNvPr id="58" name="Picture 57"/>
+          <p:cNvPicPr>
+            <a:picLocks noChangeAspect="1"/>
+          </p:cNvPicPr>
+          <p:nvPr/>
+        </p:nvPicPr>
+        <p:blipFill>
+          <a:blip r:embed="rId5" cstate="print">
+            <a:extLst>
+              <a:ext uri="{28A0092B-C50C-407E-A947-70E740481C1C}">
+                <a14:useLocalDpi xmlns:a14="http://schemas.microsoft.com/office/drawing/2010/main" val="0"/>
+              </a:ext>
+            </a:extLst>
+          </a:blip>
+          <a:stretch>
+            <a:fillRect/>
+          </a:stretch>
+        </p:blipFill>
+        <p:spPr>
+          <a:xfrm>
+            <a:off x="3026812" y="2312531"/>
+            <a:ext cx="186451" cy="1052116"/>
+          </a:xfrm>
+          <a:prstGeom prst="rect">
+            <a:avLst/>
+          </a:prstGeom>
+        </p:spPr>
+      </p:pic>
+      <p:pic>
+        <p:nvPicPr>
+          <p:cNvPr id="59" name="Picture 58"/>
+          <p:cNvPicPr>
+            <a:picLocks noChangeAspect="1"/>
+          </p:cNvPicPr>
+          <p:nvPr/>
+        </p:nvPicPr>
+        <p:blipFill>
+          <a:blip r:embed="rId8" cstate="print">
+            <a:extLst>
+              <a:ext uri="{28A0092B-C50C-407E-A947-70E740481C1C}">
+                <a14:useLocalDpi xmlns:a14="http://schemas.microsoft.com/office/drawing/2010/main" val="0"/>
+              </a:ext>
+            </a:extLst>
+          </a:blip>
+          <a:stretch>
+            <a:fillRect/>
+          </a:stretch>
+        </p:blipFill>
+        <p:spPr>
+          <a:xfrm>
+            <a:off x="4841792" y="2798567"/>
+            <a:ext cx="574344" cy="566080"/>
+          </a:xfrm>
+          <a:prstGeom prst="rect">
+            <a:avLst/>
+          </a:prstGeom>
+        </p:spPr>
+      </p:pic>
+      <p:sp>
+        <p:nvSpPr>
+          <p:cNvPr id="60" name="Right Arrow 59"/>
+          <p:cNvSpPr/>
+          <p:nvPr/>
+        </p:nvSpPr>
+        <p:spPr>
+          <a:xfrm rot="7831521">
+            <a:off x="6547916" y="1932091"/>
+            <a:ext cx="1040284" cy="430795"/>
+          </a:xfrm>
+          <a:prstGeom prst="rightArrow">
+            <a:avLst/>
+          </a:prstGeom>
+          <a:noFill/>
+          <a:ln>
+            <a:solidFill>
+              <a:srgbClr val="FF0000"/>
+            </a:solidFill>
+          </a:ln>
+        </p:spPr>
+        <p:style>
+          <a:lnRef idx="2">
+            <a:schemeClr val="accent1">
+              <a:shade val="50000"/>
+            </a:schemeClr>
+          </a:lnRef>
+          <a:fillRef idx="1">
+            <a:schemeClr val="accent1"/>
+          </a:fillRef>
+          <a:effectRef idx="0">
+            <a:schemeClr val="accent1"/>
+          </a:effectRef>
+          <a:fontRef idx="minor">
+            <a:schemeClr val="lt1"/>
+          </a:fontRef>
+        </p:style>
+        <p:txBody>
+          <a:bodyPr rtlCol="0" anchor="ctr"/>
+          <a:lstStyle/>
+          <a:p>
+            <a:pPr algn="ctr"/>
+            <a:endParaRPr lang="en-US"/>
+          </a:p>
+        </p:txBody>
+      </p:sp>
+      <p:sp>
+        <p:nvSpPr>
+          <p:cNvPr id="61" name="Right Arrow 60"/>
+          <p:cNvSpPr/>
+          <p:nvPr/>
+        </p:nvSpPr>
+        <p:spPr>
+          <a:xfrm rot="4266824">
+            <a:off x="5856421" y="4917380"/>
+            <a:ext cx="931316" cy="431141"/>
+          </a:xfrm>
+          <a:prstGeom prst="rightArrow">
+            <a:avLst/>
+          </a:prstGeom>
+          <a:noFill/>
+          <a:ln>
+            <a:solidFill>
+              <a:srgbClr val="0070C0"/>
+            </a:solidFill>
+          </a:ln>
+        </p:spPr>
+        <p:style>
+          <a:lnRef idx="2">
+            <a:schemeClr val="accent1">
+              <a:shade val="50000"/>
+            </a:schemeClr>
+          </a:lnRef>
+          <a:fillRef idx="1">
+            <a:schemeClr val="accent1"/>
+          </a:fillRef>
+          <a:effectRef idx="0">
+            <a:schemeClr val="accent1"/>
+          </a:effectRef>
+          <a:fontRef idx="minor">
+            <a:schemeClr val="lt1"/>
+          </a:fontRef>
+        </p:style>
+        <p:txBody>
+          <a:bodyPr rtlCol="0" anchor="ctr"/>
+          <a:lstStyle/>
+          <a:p>
+            <a:pPr algn="ctr"/>
+            <a:endParaRPr lang="en-US"/>
+          </a:p>
+        </p:txBody>
+      </p:sp>
+      <p:sp>
+        <p:nvSpPr>
+          <p:cNvPr id="64" name="TextBox 63"/>
           <p:cNvSpPr txBox="1"/>
           <p:nvPr/>
         </p:nvSpPr>
         <p:spPr>
-          <a:xfrm>
-            <a:off x="4629230" y="3866357"/>
-            <a:ext cx="1358705" cy="1200329"/>
+          <a:xfrm rot="18582493">
+            <a:off x="6740169" y="1829056"/>
+            <a:ext cx="858154" cy="369332"/>
           </a:xfrm>
           <a:prstGeom prst="rect">
             <a:avLst/>
@@ -8107,36 +7164,54 @@
           <a:lstStyle/>
           <a:p>
             <a:r>
-              <a:rPr lang="en-US" sz="2400" b="1" dirty="0" smtClean="0">
+              <a:rPr lang="en-US" dirty="0" smtClean="0">
                 <a:solidFill>
-                  <a:schemeClr val="bg1"/>
+                  <a:srgbClr val="FF0000"/>
                 </a:solidFill>
               </a:rPr>
-              <a:t>       -</a:t>
-            </a:r>
-          </a:p>
-          <a:p>
-            <a:r>
-              <a:rPr lang="en-US" sz="2400" b="1" dirty="0" smtClean="0">
+              <a:t>Setter</a:t>
+            </a:r>
+            <a:endParaRPr lang="en-US" dirty="0">
+              <a:solidFill>
+                <a:srgbClr val="FF0000"/>
+              </a:solidFill>
+            </a:endParaRPr>
+          </a:p>
+        </p:txBody>
+      </p:sp>
+      <p:sp>
+        <p:nvSpPr>
+          <p:cNvPr id="65" name="TextBox 64"/>
+          <p:cNvSpPr txBox="1"/>
+          <p:nvPr/>
+        </p:nvSpPr>
+        <p:spPr>
+          <a:xfrm rot="4211881">
+            <a:off x="5825897" y="5008145"/>
+            <a:ext cx="1067909" cy="369332"/>
+          </a:xfrm>
+          <a:prstGeom prst="rect">
+            <a:avLst/>
+          </a:prstGeom>
+          <a:noFill/>
+        </p:spPr>
+        <p:txBody>
+          <a:bodyPr wrap="square" rtlCol="0">
+            <a:spAutoFit/>
+          </a:bodyPr>
+          <a:lstStyle/>
+          <a:p>
+            <a:r>
+              <a:rPr lang="en-US" dirty="0" smtClean="0">
                 <a:solidFill>
-                  <a:schemeClr val="bg1"/>
+                  <a:srgbClr val="0070C0"/>
                 </a:solidFill>
               </a:rPr>
-              <a:t>Private </a:t>
-            </a:r>
-          </a:p>
-          <a:p>
-            <a:r>
-              <a:rPr lang="en-US" sz="2400" b="1" dirty="0" smtClean="0">
-                <a:solidFill>
-                  <a:schemeClr val="bg1"/>
-                </a:solidFill>
-              </a:rPr>
-              <a:t>Variables</a:t>
-            </a:r>
-            <a:endParaRPr lang="en-US" sz="2400" b="1" dirty="0">
+              <a:t>Getter</a:t>
+            </a:r>
+            <a:endParaRPr lang="en-US" dirty="0">
               <a:solidFill>
-                <a:schemeClr val="bg1"/>
+                <a:srgbClr val="0070C0"/>
               </a:solidFill>
             </a:endParaRPr>
           </a:p>
@@ -8144,14 +7219,14 @@
       </p:sp>
       <p:sp>
         <p:nvSpPr>
-          <p:cNvPr id="6" name="TextBox 5"/>
+          <p:cNvPr id="70" name="TextBox 69"/>
           <p:cNvSpPr txBox="1"/>
           <p:nvPr/>
         </p:nvSpPr>
         <p:spPr>
           <a:xfrm>
-            <a:off x="5854931" y="2484952"/>
-            <a:ext cx="1333507" cy="1200329"/>
+            <a:off x="8946110" y="3150522"/>
+            <a:ext cx="1832296" cy="923330"/>
           </a:xfrm>
           <a:prstGeom prst="rect">
             <a:avLst/>
@@ -8165,68 +7240,53 @@
           <a:lstStyle/>
           <a:p>
             <a:r>
-              <a:rPr lang="en-US" sz="2400" b="1" dirty="0">
-                <a:solidFill>
-                  <a:schemeClr val="tx1">
-                    <a:lumMod val="50000"/>
-                    <a:lumOff val="50000"/>
-                  </a:schemeClr>
-                </a:solidFill>
-              </a:rPr>
-              <a:t> </a:t>
-            </a:r>
-            <a:r>
-              <a:rPr lang="en-US" sz="2400" b="1" dirty="0" smtClean="0">
-                <a:solidFill>
-                  <a:schemeClr val="tx1">
-                    <a:lumMod val="50000"/>
-                    <a:lumOff val="50000"/>
-                  </a:schemeClr>
-                </a:solidFill>
-              </a:rPr>
-              <a:t>   +</a:t>
-            </a:r>
-          </a:p>
-          <a:p>
-            <a:r>
-              <a:rPr lang="en-US" sz="2400" b="1" dirty="0" smtClean="0">
-                <a:solidFill>
-                  <a:schemeClr val="tx1">
-                    <a:lumMod val="50000"/>
-                    <a:lumOff val="50000"/>
-                  </a:schemeClr>
-                </a:solidFill>
-              </a:rPr>
-              <a:t>Public </a:t>
-            </a:r>
-          </a:p>
-          <a:p>
-            <a:r>
-              <a:rPr lang="en-US" sz="2400" b="1" dirty="0" smtClean="0">
-                <a:solidFill>
-                  <a:schemeClr val="tx1">
-                    <a:lumMod val="50000"/>
-                    <a:lumOff val="50000"/>
-                  </a:schemeClr>
-                </a:solidFill>
-              </a:rPr>
-              <a:t>Methods</a:t>
-            </a:r>
-            <a:endParaRPr lang="en-US" sz="2400" b="1" dirty="0">
-              <a:solidFill>
-                <a:schemeClr val="tx1">
-                  <a:lumMod val="50000"/>
-                  <a:lumOff val="50000"/>
-                </a:schemeClr>
-              </a:solidFill>
-            </a:endParaRPr>
+              <a:rPr lang="en-US" dirty="0" smtClean="0"/>
+              <a:t>.</a:t>
+            </a:r>
+            <a:r>
+              <a:rPr lang="en-US" dirty="0" err="1" smtClean="0"/>
+              <a:t>getGold</a:t>
+            </a:r>
+            <a:r>
+              <a:rPr lang="en-US" dirty="0" smtClean="0"/>
+              <a:t>()</a:t>
+            </a:r>
+          </a:p>
+          <a:p>
+            <a:r>
+              <a:rPr lang="en-US" dirty="0" smtClean="0"/>
+              <a:t>.</a:t>
+            </a:r>
+            <a:r>
+              <a:rPr lang="en-US" dirty="0" err="1" smtClean="0"/>
+              <a:t>getMagnaCarta</a:t>
+            </a:r>
+            <a:r>
+              <a:rPr lang="en-US" dirty="0" smtClean="0"/>
+              <a:t>()</a:t>
+            </a:r>
+          </a:p>
+          <a:p>
+            <a:r>
+              <a:rPr lang="en-US" dirty="0" smtClean="0"/>
+              <a:t>.</a:t>
+            </a:r>
+            <a:r>
+              <a:rPr lang="en-US" dirty="0" err="1" smtClean="0"/>
+              <a:t>getPrincess</a:t>
+            </a:r>
+            <a:r>
+              <a:rPr lang="en-US" dirty="0" smtClean="0"/>
+              <a:t>()</a:t>
+            </a:r>
+            <a:endParaRPr lang="en-US" dirty="0"/>
           </a:p>
         </p:txBody>
       </p:sp>
     </p:spTree>
     <p:extLst>
       <p:ext uri="{BB962C8B-B14F-4D97-AF65-F5344CB8AC3E}">
-        <p14:creationId xmlns:p14="http://schemas.microsoft.com/office/powerpoint/2010/main" val="43391338"/>
+        <p14:creationId xmlns:p14="http://schemas.microsoft.com/office/powerpoint/2010/main" val="2015722426"/>
       </p:ext>
     </p:extLst>
   </p:cSld>
@@ -8255,103 +7315,331 @@
       </p:grpSpPr>
       <p:sp>
         <p:nvSpPr>
-          <p:cNvPr id="2" name="Title 1"/>
-          <p:cNvSpPr>
-            <a:spLocks noGrp="1"/>
-          </p:cNvSpPr>
-          <p:nvPr>
-            <p:ph type="title"/>
-          </p:nvPr>
-        </p:nvSpPr>
-        <p:spPr/>
-        <p:txBody>
-          <a:bodyPr/>
-          <a:lstStyle/>
-          <a:p>
-            <a:r>
-              <a:rPr lang="en-US" dirty="0" smtClean="0"/>
-              <a:t>Inheritance</a:t>
-            </a:r>
-            <a:endParaRPr lang="en-US" dirty="0"/>
-          </a:p>
-        </p:txBody>
-      </p:sp>
-      <p:sp>
-        <p:nvSpPr>
-          <p:cNvPr id="3" name="Content Placeholder 2"/>
-          <p:cNvSpPr>
-            <a:spLocks noGrp="1"/>
-          </p:cNvSpPr>
-          <p:nvPr>
-            <p:ph idx="1"/>
-          </p:nvPr>
-        </p:nvSpPr>
-        <p:spPr/>
-        <p:txBody>
-          <a:bodyPr/>
-          <a:lstStyle/>
-          <a:p>
-            <a:r>
-              <a:rPr lang="en-US" dirty="0" smtClean="0"/>
-              <a:t>Vehicle </a:t>
-            </a:r>
-            <a:r>
-              <a:rPr lang="en-US" dirty="0" smtClean="0">
-                <a:sym typeface="Wingdings" panose="05000000000000000000" pitchFamily="2" charset="2"/>
-              </a:rPr>
-              <a:t> Car, Train, Ship</a:t>
-            </a:r>
-          </a:p>
-          <a:p>
-            <a:endParaRPr lang="en-US" dirty="0">
-              <a:sym typeface="Wingdings" panose="05000000000000000000" pitchFamily="2" charset="2"/>
-            </a:endParaRPr>
-          </a:p>
-          <a:p>
-            <a:r>
-              <a:rPr lang="en-US" dirty="0" smtClean="0">
-                <a:sym typeface="Wingdings" panose="05000000000000000000" pitchFamily="2" charset="2"/>
-              </a:rPr>
-              <a:t>Knife  Swiss knife, kitchen knife, </a:t>
-            </a:r>
-          </a:p>
-          <a:p>
-            <a:pPr marL="0" indent="0">
-              <a:buNone/>
-            </a:pPr>
-            <a:r>
-              <a:rPr lang="en-US" dirty="0" smtClean="0">
-                <a:sym typeface="Wingdings" panose="05000000000000000000" pitchFamily="2" charset="2"/>
-              </a:rPr>
-              <a:t>butcher knife</a:t>
-            </a:r>
-          </a:p>
-          <a:p>
-            <a:pPr marL="0" indent="0">
-              <a:buNone/>
-            </a:pPr>
-            <a:endParaRPr lang="en-US" dirty="0">
-              <a:sym typeface="Wingdings" panose="05000000000000000000" pitchFamily="2" charset="2"/>
-            </a:endParaRPr>
-          </a:p>
-          <a:p>
-            <a:pPr marL="0" indent="0">
-              <a:buNone/>
-            </a:pPr>
-            <a:endParaRPr lang="en-US" dirty="0"/>
-          </a:p>
-        </p:txBody>
-      </p:sp>
+          <p:cNvPr id="4" name="Oval 3"/>
+          <p:cNvSpPr/>
+          <p:nvPr/>
+        </p:nvSpPr>
+        <p:spPr>
+          <a:xfrm>
+            <a:off x="4605866" y="2238918"/>
+            <a:ext cx="2410691" cy="2385753"/>
+          </a:xfrm>
+          <a:prstGeom prst="ellipse">
+            <a:avLst/>
+          </a:prstGeom>
+          <a:noFill/>
+          <a:ln>
+            <a:solidFill>
+              <a:schemeClr val="accent6"/>
+            </a:solidFill>
+          </a:ln>
+        </p:spPr>
+        <p:style>
+          <a:lnRef idx="2">
+            <a:schemeClr val="accent1">
+              <a:shade val="50000"/>
+            </a:schemeClr>
+          </a:lnRef>
+          <a:fillRef idx="1">
+            <a:schemeClr val="accent1"/>
+          </a:fillRef>
+          <a:effectRef idx="0">
+            <a:schemeClr val="accent1"/>
+          </a:effectRef>
+          <a:fontRef idx="minor">
+            <a:schemeClr val="lt1"/>
+          </a:fontRef>
+        </p:style>
+        <p:txBody>
+          <a:bodyPr rtlCol="0" anchor="ctr"/>
+          <a:lstStyle/>
+          <a:p>
+            <a:pPr algn="ctr"/>
+            <a:endParaRPr lang="en-US"/>
+          </a:p>
+        </p:txBody>
+      </p:sp>
+      <p:sp>
+        <p:nvSpPr>
+          <p:cNvPr id="5" name="Oval 4"/>
+          <p:cNvSpPr/>
+          <p:nvPr/>
+        </p:nvSpPr>
+        <p:spPr>
+          <a:xfrm>
+            <a:off x="3291840" y="897775"/>
+            <a:ext cx="4922519" cy="4915593"/>
+          </a:xfrm>
+          <a:prstGeom prst="ellipse">
+            <a:avLst/>
+          </a:prstGeom>
+          <a:noFill/>
+          <a:ln>
+            <a:solidFill>
+              <a:schemeClr val="accent6"/>
+            </a:solidFill>
+          </a:ln>
+        </p:spPr>
+        <p:style>
+          <a:lnRef idx="2">
+            <a:schemeClr val="accent1">
+              <a:shade val="50000"/>
+            </a:schemeClr>
+          </a:lnRef>
+          <a:fillRef idx="1">
+            <a:schemeClr val="accent1"/>
+          </a:fillRef>
+          <a:effectRef idx="0">
+            <a:schemeClr val="accent1"/>
+          </a:effectRef>
+          <a:fontRef idx="minor">
+            <a:schemeClr val="lt1"/>
+          </a:fontRef>
+        </p:style>
+        <p:txBody>
+          <a:bodyPr rtlCol="0" anchor="ctr"/>
+          <a:lstStyle/>
+          <a:p>
+            <a:pPr algn="ctr"/>
+            <a:endParaRPr lang="en-US"/>
+          </a:p>
+        </p:txBody>
+      </p:sp>
+      <p:cxnSp>
+        <p:nvCxnSpPr>
+          <p:cNvPr id="7" name="Straight Connector 6"/>
+          <p:cNvCxnSpPr/>
+          <p:nvPr/>
+        </p:nvCxnSpPr>
+        <p:spPr>
+          <a:xfrm flipV="1">
+            <a:off x="6505881" y="1483906"/>
+            <a:ext cx="829954" cy="970656"/>
+          </a:xfrm>
+          <a:prstGeom prst="line">
+            <a:avLst/>
+          </a:prstGeom>
+          <a:ln>
+            <a:solidFill>
+              <a:schemeClr val="accent2">
+                <a:lumMod val="50000"/>
+              </a:schemeClr>
+            </a:solidFill>
+          </a:ln>
+        </p:spPr>
+        <p:style>
+          <a:lnRef idx="1">
+            <a:schemeClr val="accent1"/>
+          </a:lnRef>
+          <a:fillRef idx="0">
+            <a:schemeClr val="accent1"/>
+          </a:fillRef>
+          <a:effectRef idx="0">
+            <a:schemeClr val="accent1"/>
+          </a:effectRef>
+          <a:fontRef idx="minor">
+            <a:schemeClr val="tx1"/>
+          </a:fontRef>
+        </p:style>
+      </p:cxnSp>
+      <p:cxnSp>
+        <p:nvCxnSpPr>
+          <p:cNvPr id="10" name="Straight Connector 9"/>
+          <p:cNvCxnSpPr/>
+          <p:nvPr/>
+        </p:nvCxnSpPr>
+        <p:spPr>
+          <a:xfrm>
+            <a:off x="6337171" y="4491025"/>
+            <a:ext cx="445157" cy="1123555"/>
+          </a:xfrm>
+          <a:prstGeom prst="line">
+            <a:avLst/>
+          </a:prstGeom>
+          <a:ln>
+            <a:solidFill>
+              <a:schemeClr val="accent2">
+                <a:lumMod val="50000"/>
+              </a:schemeClr>
+            </a:solidFill>
+          </a:ln>
+        </p:spPr>
+        <p:style>
+          <a:lnRef idx="1">
+            <a:schemeClr val="accent1"/>
+          </a:lnRef>
+          <a:fillRef idx="0">
+            <a:schemeClr val="accent1"/>
+          </a:fillRef>
+          <a:effectRef idx="0">
+            <a:schemeClr val="accent1"/>
+          </a:effectRef>
+          <a:fontRef idx="minor">
+            <a:schemeClr val="tx1"/>
+          </a:fontRef>
+        </p:style>
+      </p:cxnSp>
+      <p:cxnSp>
+        <p:nvCxnSpPr>
+          <p:cNvPr id="13" name="Straight Connector 12"/>
+          <p:cNvCxnSpPr/>
+          <p:nvPr/>
+        </p:nvCxnSpPr>
+        <p:spPr>
+          <a:xfrm flipH="1" flipV="1">
+            <a:off x="5888656" y="4617599"/>
+            <a:ext cx="380188" cy="1100722"/>
+          </a:xfrm>
+          <a:prstGeom prst="line">
+            <a:avLst/>
+          </a:prstGeom>
+          <a:ln>
+            <a:solidFill>
+              <a:schemeClr val="accent2">
+                <a:lumMod val="50000"/>
+              </a:schemeClr>
+            </a:solidFill>
+          </a:ln>
+        </p:spPr>
+        <p:style>
+          <a:lnRef idx="1">
+            <a:schemeClr val="accent1"/>
+          </a:lnRef>
+          <a:fillRef idx="0">
+            <a:schemeClr val="accent1"/>
+          </a:fillRef>
+          <a:effectRef idx="0">
+            <a:schemeClr val="accent1"/>
+          </a:effectRef>
+          <a:fontRef idx="minor">
+            <a:schemeClr val="tx1"/>
+          </a:fontRef>
+        </p:style>
+      </p:cxnSp>
+      <p:cxnSp>
+        <p:nvCxnSpPr>
+          <p:cNvPr id="16" name="Straight Connector 15"/>
+          <p:cNvCxnSpPr/>
+          <p:nvPr/>
+        </p:nvCxnSpPr>
+        <p:spPr>
+          <a:xfrm>
+            <a:off x="3351732" y="2819424"/>
+            <a:ext cx="1368865" cy="155461"/>
+          </a:xfrm>
+          <a:prstGeom prst="line">
+            <a:avLst/>
+          </a:prstGeom>
+          <a:ln>
+            <a:solidFill>
+              <a:schemeClr val="accent2">
+                <a:lumMod val="50000"/>
+              </a:schemeClr>
+            </a:solidFill>
+          </a:ln>
+        </p:spPr>
+        <p:style>
+          <a:lnRef idx="1">
+            <a:schemeClr val="accent1"/>
+          </a:lnRef>
+          <a:fillRef idx="0">
+            <a:schemeClr val="accent1"/>
+          </a:fillRef>
+          <a:effectRef idx="0">
+            <a:schemeClr val="accent1"/>
+          </a:effectRef>
+          <a:fontRef idx="minor">
+            <a:schemeClr val="tx1"/>
+          </a:fontRef>
+        </p:style>
+      </p:cxnSp>
+      <p:cxnSp>
+        <p:nvCxnSpPr>
+          <p:cNvPr id="18" name="Straight Connector 17"/>
+          <p:cNvCxnSpPr>
+            <a:stCxn id="5" idx="2"/>
+            <a:endCxn id="4" idx="2"/>
+          </p:cNvCxnSpPr>
+          <p:nvPr/>
+        </p:nvCxnSpPr>
+        <p:spPr>
+          <a:xfrm>
+            <a:off x="3291840" y="3355572"/>
+            <a:ext cx="1314026" cy="76223"/>
+          </a:xfrm>
+          <a:prstGeom prst="line">
+            <a:avLst/>
+          </a:prstGeom>
+          <a:ln>
+            <a:solidFill>
+              <a:schemeClr val="accent2">
+                <a:lumMod val="50000"/>
+              </a:schemeClr>
+            </a:solidFill>
+          </a:ln>
+        </p:spPr>
+        <p:style>
+          <a:lnRef idx="1">
+            <a:schemeClr val="accent1"/>
+          </a:lnRef>
+          <a:fillRef idx="0">
+            <a:schemeClr val="accent1"/>
+          </a:fillRef>
+          <a:effectRef idx="0">
+            <a:schemeClr val="accent1"/>
+          </a:effectRef>
+          <a:fontRef idx="minor">
+            <a:schemeClr val="tx1"/>
+          </a:fontRef>
+        </p:style>
+      </p:cxnSp>
+      <p:cxnSp>
+        <p:nvCxnSpPr>
+          <p:cNvPr id="30" name="Straight Connector 29"/>
+          <p:cNvCxnSpPr/>
+          <p:nvPr/>
+        </p:nvCxnSpPr>
+        <p:spPr>
+          <a:xfrm flipV="1">
+            <a:off x="6808739" y="1803862"/>
+            <a:ext cx="898392" cy="1012325"/>
+          </a:xfrm>
+          <a:prstGeom prst="line">
+            <a:avLst/>
+          </a:prstGeom>
+          <a:ln>
+            <a:solidFill>
+              <a:schemeClr val="accent2">
+                <a:lumMod val="50000"/>
+              </a:schemeClr>
+            </a:solidFill>
+          </a:ln>
+        </p:spPr>
+        <p:style>
+          <a:lnRef idx="1">
+            <a:schemeClr val="accent1"/>
+          </a:lnRef>
+          <a:fillRef idx="0">
+            <a:schemeClr val="accent1"/>
+          </a:fillRef>
+          <a:effectRef idx="0">
+            <a:schemeClr val="accent1"/>
+          </a:effectRef>
+          <a:fontRef idx="minor">
+            <a:schemeClr val="tx1"/>
+          </a:fontRef>
+        </p:style>
+      </p:cxnSp>
       <p:pic>
         <p:nvPicPr>
-          <p:cNvPr id="4" name="Picture 3"/>
+          <p:cNvPr id="47" name="Picture 46"/>
           <p:cNvPicPr>
             <a:picLocks noChangeAspect="1"/>
           </p:cNvPicPr>
           <p:nvPr/>
         </p:nvPicPr>
         <p:blipFill>
-          <a:blip r:embed="rId2">
+          <a:blip r:embed="rId2" cstate="print">
             <a:extLst>
               <a:ext uri="{28A0092B-C50C-407E-A947-70E740481C1C}">
                 <a14:useLocalDpi xmlns:a14="http://schemas.microsoft.com/office/drawing/2010/main" val="0"/>
@@ -8364,18 +7652,877 @@
         </p:blipFill>
         <p:spPr>
           <a:xfrm>
-            <a:off x="5175294" y="198120"/>
-            <a:ext cx="6246394" cy="6246394"/>
+            <a:off x="5200679" y="2505398"/>
+            <a:ext cx="1262773" cy="1874813"/>
           </a:xfrm>
           <a:prstGeom prst="rect">
             <a:avLst/>
           </a:prstGeom>
         </p:spPr>
       </p:pic>
+      <p:pic>
+        <p:nvPicPr>
+          <p:cNvPr id="48" name="Picture 47"/>
+          <p:cNvPicPr>
+            <a:picLocks noChangeAspect="1"/>
+          </p:cNvPicPr>
+          <p:nvPr/>
+        </p:nvPicPr>
+        <p:blipFill>
+          <a:blip r:embed="rId3" cstate="print">
+            <a:extLst>
+              <a:ext uri="{28A0092B-C50C-407E-A947-70E740481C1C}">
+                <a14:useLocalDpi xmlns:a14="http://schemas.microsoft.com/office/drawing/2010/main" val="0"/>
+              </a:ext>
+            </a:extLst>
+          </a:blip>
+          <a:stretch>
+            <a:fillRect/>
+          </a:stretch>
+        </p:blipFill>
+        <p:spPr>
+          <a:xfrm>
+            <a:off x="6272804" y="3048687"/>
+            <a:ext cx="524390" cy="788234"/>
+          </a:xfrm>
+          <a:prstGeom prst="rect">
+            <a:avLst/>
+          </a:prstGeom>
+        </p:spPr>
+      </p:pic>
+      <p:pic>
+        <p:nvPicPr>
+          <p:cNvPr id="49" name="Picture 48"/>
+          <p:cNvPicPr>
+            <a:picLocks noChangeAspect="1"/>
+          </p:cNvPicPr>
+          <p:nvPr/>
+        </p:nvPicPr>
+        <p:blipFill>
+          <a:blip r:embed="rId4" cstate="print">
+            <a:extLst>
+              <a:ext uri="{28A0092B-C50C-407E-A947-70E740481C1C}">
+                <a14:useLocalDpi xmlns:a14="http://schemas.microsoft.com/office/drawing/2010/main" val="0"/>
+              </a:ext>
+            </a:extLst>
+          </a:blip>
+          <a:stretch>
+            <a:fillRect/>
+          </a:stretch>
+        </p:blipFill>
+        <p:spPr>
+          <a:xfrm>
+            <a:off x="4790760" y="3501116"/>
+            <a:ext cx="518300" cy="458207"/>
+          </a:xfrm>
+          <a:prstGeom prst="rect">
+            <a:avLst/>
+          </a:prstGeom>
+        </p:spPr>
+      </p:pic>
+      <p:pic>
+        <p:nvPicPr>
+          <p:cNvPr id="50" name="Picture 49"/>
+          <p:cNvPicPr>
+            <a:picLocks noChangeAspect="1"/>
+          </p:cNvPicPr>
+          <p:nvPr/>
+        </p:nvPicPr>
+        <p:blipFill>
+          <a:blip r:embed="rId5" cstate="print">
+            <a:extLst>
+              <a:ext uri="{28A0092B-C50C-407E-A947-70E740481C1C}">
+                <a14:useLocalDpi xmlns:a14="http://schemas.microsoft.com/office/drawing/2010/main" val="0"/>
+              </a:ext>
+            </a:extLst>
+          </a:blip>
+          <a:stretch>
+            <a:fillRect/>
+          </a:stretch>
+        </p:blipFill>
+        <p:spPr>
+          <a:xfrm>
+            <a:off x="8308944" y="644419"/>
+            <a:ext cx="186451" cy="1052116"/>
+          </a:xfrm>
+          <a:prstGeom prst="rect">
+            <a:avLst/>
+          </a:prstGeom>
+        </p:spPr>
+      </p:pic>
+      <p:pic>
+        <p:nvPicPr>
+          <p:cNvPr id="51" name="Picture 50"/>
+          <p:cNvPicPr>
+            <a:picLocks noChangeAspect="1"/>
+          </p:cNvPicPr>
+          <p:nvPr/>
+        </p:nvPicPr>
+        <p:blipFill>
+          <a:blip r:embed="rId6" cstate="print">
+            <a:extLst>
+              <a:ext uri="{28A0092B-C50C-407E-A947-70E740481C1C}">
+                <a14:useLocalDpi xmlns:a14="http://schemas.microsoft.com/office/drawing/2010/main" val="0"/>
+              </a:ext>
+            </a:extLst>
+          </a:blip>
+          <a:stretch>
+            <a:fillRect/>
+          </a:stretch>
+        </p:blipFill>
+        <p:spPr>
+          <a:xfrm>
+            <a:off x="3824085" y="3819483"/>
+            <a:ext cx="738545" cy="1026837"/>
+          </a:xfrm>
+          <a:prstGeom prst="rect">
+            <a:avLst/>
+          </a:prstGeom>
+        </p:spPr>
+      </p:pic>
+      <p:pic>
+        <p:nvPicPr>
+          <p:cNvPr id="52" name="Picture 51"/>
+          <p:cNvPicPr>
+            <a:picLocks noChangeAspect="1"/>
+          </p:cNvPicPr>
+          <p:nvPr/>
+        </p:nvPicPr>
+        <p:blipFill>
+          <a:blip r:embed="rId7" cstate="print">
+            <a:extLst>
+              <a:ext uri="{28A0092B-C50C-407E-A947-70E740481C1C}">
+                <a14:useLocalDpi xmlns:a14="http://schemas.microsoft.com/office/drawing/2010/main" val="0"/>
+              </a:ext>
+            </a:extLst>
+          </a:blip>
+          <a:stretch>
+            <a:fillRect/>
+          </a:stretch>
+        </p:blipFill>
+        <p:spPr>
+          <a:xfrm>
+            <a:off x="7657381" y="1013178"/>
+            <a:ext cx="719147" cy="750875"/>
+          </a:xfrm>
+          <a:prstGeom prst="rect">
+            <a:avLst/>
+          </a:prstGeom>
+        </p:spPr>
+      </p:pic>
+      <p:pic>
+        <p:nvPicPr>
+          <p:cNvPr id="53" name="Picture 52"/>
+          <p:cNvPicPr>
+            <a:picLocks noChangeAspect="1"/>
+          </p:cNvPicPr>
+          <p:nvPr/>
+        </p:nvPicPr>
+        <p:blipFill>
+          <a:blip r:embed="rId6" cstate="print">
+            <a:extLst>
+              <a:ext uri="{28A0092B-C50C-407E-A947-70E740481C1C}">
+                <a14:useLocalDpi xmlns:a14="http://schemas.microsoft.com/office/drawing/2010/main" val="0"/>
+              </a:ext>
+            </a:extLst>
+          </a:blip>
+          <a:stretch>
+            <a:fillRect/>
+          </a:stretch>
+        </p:blipFill>
+        <p:spPr>
+          <a:xfrm>
+            <a:off x="7175385" y="3431794"/>
+            <a:ext cx="738545" cy="1026837"/>
+          </a:xfrm>
+          <a:prstGeom prst="rect">
+            <a:avLst/>
+          </a:prstGeom>
+        </p:spPr>
+      </p:pic>
+      <p:pic>
+        <p:nvPicPr>
+          <p:cNvPr id="54" name="Picture 53"/>
+          <p:cNvPicPr>
+            <a:picLocks noChangeAspect="1"/>
+          </p:cNvPicPr>
+          <p:nvPr/>
+        </p:nvPicPr>
+        <p:blipFill>
+          <a:blip r:embed="rId6" cstate="print">
+            <a:extLst>
+              <a:ext uri="{28A0092B-C50C-407E-A947-70E740481C1C}">
+                <a14:useLocalDpi xmlns:a14="http://schemas.microsoft.com/office/drawing/2010/main" val="0"/>
+              </a:ext>
+            </a:extLst>
+          </a:blip>
+          <a:stretch>
+            <a:fillRect/>
+          </a:stretch>
+        </p:blipFill>
+        <p:spPr>
+          <a:xfrm>
+            <a:off x="4788557" y="1170477"/>
+            <a:ext cx="738545" cy="1026837"/>
+          </a:xfrm>
+          <a:prstGeom prst="rect">
+            <a:avLst/>
+          </a:prstGeom>
+        </p:spPr>
+      </p:pic>
+      <p:pic>
+        <p:nvPicPr>
+          <p:cNvPr id="55" name="Picture 54"/>
+          <p:cNvPicPr>
+            <a:picLocks noChangeAspect="1"/>
+          </p:cNvPicPr>
+          <p:nvPr/>
+        </p:nvPicPr>
+        <p:blipFill>
+          <a:blip r:embed="rId7" cstate="print">
+            <a:extLst>
+              <a:ext uri="{28A0092B-C50C-407E-A947-70E740481C1C}">
+                <a14:useLocalDpi xmlns:a14="http://schemas.microsoft.com/office/drawing/2010/main" val="0"/>
+              </a:ext>
+            </a:extLst>
+          </a:blip>
+          <a:stretch>
+            <a:fillRect/>
+          </a:stretch>
+        </p:blipFill>
+        <p:spPr>
+          <a:xfrm>
+            <a:off x="6337171" y="5834934"/>
+            <a:ext cx="719147" cy="750875"/>
+          </a:xfrm>
+          <a:prstGeom prst="rect">
+            <a:avLst/>
+          </a:prstGeom>
+        </p:spPr>
+      </p:pic>
+      <p:pic>
+        <p:nvPicPr>
+          <p:cNvPr id="56" name="Picture 55"/>
+          <p:cNvPicPr>
+            <a:picLocks noChangeAspect="1"/>
+          </p:cNvPicPr>
+          <p:nvPr/>
+        </p:nvPicPr>
+        <p:blipFill>
+          <a:blip r:embed="rId5" cstate="print">
+            <a:extLst>
+              <a:ext uri="{28A0092B-C50C-407E-A947-70E740481C1C}">
+                <a14:useLocalDpi xmlns:a14="http://schemas.microsoft.com/office/drawing/2010/main" val="0"/>
+              </a:ext>
+            </a:extLst>
+          </a:blip>
+          <a:stretch>
+            <a:fillRect/>
+          </a:stretch>
+        </p:blipFill>
+        <p:spPr>
+          <a:xfrm>
+            <a:off x="7030410" y="5486752"/>
+            <a:ext cx="186451" cy="1052116"/>
+          </a:xfrm>
+          <a:prstGeom prst="rect">
+            <a:avLst/>
+          </a:prstGeom>
+        </p:spPr>
+      </p:pic>
+      <p:pic>
+        <p:nvPicPr>
+          <p:cNvPr id="57" name="Picture 56"/>
+          <p:cNvPicPr>
+            <a:picLocks noChangeAspect="1"/>
+          </p:cNvPicPr>
+          <p:nvPr/>
+        </p:nvPicPr>
+        <p:blipFill>
+          <a:blip r:embed="rId7" cstate="print">
+            <a:extLst>
+              <a:ext uri="{28A0092B-C50C-407E-A947-70E740481C1C}">
+                <a14:useLocalDpi xmlns:a14="http://schemas.microsoft.com/office/drawing/2010/main" val="0"/>
+              </a:ext>
+            </a:extLst>
+          </a:blip>
+          <a:stretch>
+            <a:fillRect/>
+          </a:stretch>
+        </p:blipFill>
+        <p:spPr>
+          <a:xfrm>
+            <a:off x="2373467" y="2604696"/>
+            <a:ext cx="719147" cy="750875"/>
+          </a:xfrm>
+          <a:prstGeom prst="rect">
+            <a:avLst/>
+          </a:prstGeom>
+        </p:spPr>
+      </p:pic>
+      <p:pic>
+        <p:nvPicPr>
+          <p:cNvPr id="58" name="Picture 57"/>
+          <p:cNvPicPr>
+            <a:picLocks noChangeAspect="1"/>
+          </p:cNvPicPr>
+          <p:nvPr/>
+        </p:nvPicPr>
+        <p:blipFill>
+          <a:blip r:embed="rId5" cstate="print">
+            <a:extLst>
+              <a:ext uri="{28A0092B-C50C-407E-A947-70E740481C1C}">
+                <a14:useLocalDpi xmlns:a14="http://schemas.microsoft.com/office/drawing/2010/main" val="0"/>
+              </a:ext>
+            </a:extLst>
+          </a:blip>
+          <a:stretch>
+            <a:fillRect/>
+          </a:stretch>
+        </p:blipFill>
+        <p:spPr>
+          <a:xfrm>
+            <a:off x="3026812" y="2312531"/>
+            <a:ext cx="186451" cy="1052116"/>
+          </a:xfrm>
+          <a:prstGeom prst="rect">
+            <a:avLst/>
+          </a:prstGeom>
+        </p:spPr>
+      </p:pic>
+      <p:pic>
+        <p:nvPicPr>
+          <p:cNvPr id="59" name="Picture 58"/>
+          <p:cNvPicPr>
+            <a:picLocks noChangeAspect="1"/>
+          </p:cNvPicPr>
+          <p:nvPr/>
+        </p:nvPicPr>
+        <p:blipFill>
+          <a:blip r:embed="rId8" cstate="print">
+            <a:extLst>
+              <a:ext uri="{28A0092B-C50C-407E-A947-70E740481C1C}">
+                <a14:useLocalDpi xmlns:a14="http://schemas.microsoft.com/office/drawing/2010/main" val="0"/>
+              </a:ext>
+            </a:extLst>
+          </a:blip>
+          <a:stretch>
+            <a:fillRect/>
+          </a:stretch>
+        </p:blipFill>
+        <p:spPr>
+          <a:xfrm>
+            <a:off x="4841792" y="2798567"/>
+            <a:ext cx="574344" cy="566080"/>
+          </a:xfrm>
+          <a:prstGeom prst="rect">
+            <a:avLst/>
+          </a:prstGeom>
+        </p:spPr>
+      </p:pic>
+      <p:sp>
+        <p:nvSpPr>
+          <p:cNvPr id="60" name="Right Arrow 59"/>
+          <p:cNvSpPr/>
+          <p:nvPr/>
+        </p:nvSpPr>
+        <p:spPr>
+          <a:xfrm rot="7831521">
+            <a:off x="6547916" y="1932091"/>
+            <a:ext cx="1040284" cy="430795"/>
+          </a:xfrm>
+          <a:prstGeom prst="rightArrow">
+            <a:avLst/>
+          </a:prstGeom>
+          <a:noFill/>
+          <a:ln>
+            <a:solidFill>
+              <a:srgbClr val="FF0000"/>
+            </a:solidFill>
+          </a:ln>
+        </p:spPr>
+        <p:style>
+          <a:lnRef idx="2">
+            <a:schemeClr val="accent1">
+              <a:shade val="50000"/>
+            </a:schemeClr>
+          </a:lnRef>
+          <a:fillRef idx="1">
+            <a:schemeClr val="accent1"/>
+          </a:fillRef>
+          <a:effectRef idx="0">
+            <a:schemeClr val="accent1"/>
+          </a:effectRef>
+          <a:fontRef idx="minor">
+            <a:schemeClr val="lt1"/>
+          </a:fontRef>
+        </p:style>
+        <p:txBody>
+          <a:bodyPr rtlCol="0" anchor="ctr"/>
+          <a:lstStyle/>
+          <a:p>
+            <a:pPr algn="ctr"/>
+            <a:endParaRPr lang="en-US"/>
+          </a:p>
+        </p:txBody>
+      </p:sp>
+      <p:sp>
+        <p:nvSpPr>
+          <p:cNvPr id="61" name="Right Arrow 60"/>
+          <p:cNvSpPr/>
+          <p:nvPr/>
+        </p:nvSpPr>
+        <p:spPr>
+          <a:xfrm rot="4266824">
+            <a:off x="5856421" y="4917380"/>
+            <a:ext cx="931316" cy="431141"/>
+          </a:xfrm>
+          <a:prstGeom prst="rightArrow">
+            <a:avLst/>
+          </a:prstGeom>
+          <a:noFill/>
+          <a:ln>
+            <a:solidFill>
+              <a:srgbClr val="0070C0"/>
+            </a:solidFill>
+          </a:ln>
+        </p:spPr>
+        <p:style>
+          <a:lnRef idx="2">
+            <a:schemeClr val="accent1">
+              <a:shade val="50000"/>
+            </a:schemeClr>
+          </a:lnRef>
+          <a:fillRef idx="1">
+            <a:schemeClr val="accent1"/>
+          </a:fillRef>
+          <a:effectRef idx="0">
+            <a:schemeClr val="accent1"/>
+          </a:effectRef>
+          <a:fontRef idx="minor">
+            <a:schemeClr val="lt1"/>
+          </a:fontRef>
+        </p:style>
+        <p:txBody>
+          <a:bodyPr rtlCol="0" anchor="ctr"/>
+          <a:lstStyle/>
+          <a:p>
+            <a:pPr algn="ctr"/>
+            <a:endParaRPr lang="en-US"/>
+          </a:p>
+        </p:txBody>
+      </p:sp>
+      <p:sp>
+        <p:nvSpPr>
+          <p:cNvPr id="63" name="Left-Right Arrow 62"/>
+          <p:cNvSpPr/>
+          <p:nvPr/>
+        </p:nvSpPr>
+        <p:spPr>
+          <a:xfrm rot="352071">
+            <a:off x="3374938" y="2953510"/>
+            <a:ext cx="1204961" cy="417784"/>
+          </a:xfrm>
+          <a:prstGeom prst="leftRightArrow">
+            <a:avLst/>
+          </a:prstGeom>
+          <a:noFill/>
+          <a:ln>
+            <a:solidFill>
+              <a:srgbClr val="7030A0"/>
+            </a:solidFill>
+          </a:ln>
+        </p:spPr>
+        <p:style>
+          <a:lnRef idx="2">
+            <a:schemeClr val="accent1">
+              <a:shade val="50000"/>
+            </a:schemeClr>
+          </a:lnRef>
+          <a:fillRef idx="1">
+            <a:schemeClr val="accent1"/>
+          </a:fillRef>
+          <a:effectRef idx="0">
+            <a:schemeClr val="accent1"/>
+          </a:effectRef>
+          <a:fontRef idx="minor">
+            <a:schemeClr val="lt1"/>
+          </a:fontRef>
+        </p:style>
+        <p:txBody>
+          <a:bodyPr rtlCol="0" anchor="ctr"/>
+          <a:lstStyle/>
+          <a:p>
+            <a:pPr algn="ctr"/>
+            <a:endParaRPr lang="en-US"/>
+          </a:p>
+        </p:txBody>
+      </p:sp>
+      <p:sp>
+        <p:nvSpPr>
+          <p:cNvPr id="64" name="TextBox 63"/>
+          <p:cNvSpPr txBox="1"/>
+          <p:nvPr/>
+        </p:nvSpPr>
+        <p:spPr>
+          <a:xfrm rot="18582493">
+            <a:off x="6740169" y="1829056"/>
+            <a:ext cx="858154" cy="369332"/>
+          </a:xfrm>
+          <a:prstGeom prst="rect">
+            <a:avLst/>
+          </a:prstGeom>
+          <a:noFill/>
+        </p:spPr>
+        <p:txBody>
+          <a:bodyPr wrap="square" rtlCol="0">
+            <a:spAutoFit/>
+          </a:bodyPr>
+          <a:lstStyle/>
+          <a:p>
+            <a:r>
+              <a:rPr lang="en-US" dirty="0" smtClean="0">
+                <a:solidFill>
+                  <a:srgbClr val="FF0000"/>
+                </a:solidFill>
+              </a:rPr>
+              <a:t>Setter</a:t>
+            </a:r>
+            <a:endParaRPr lang="en-US" dirty="0">
+              <a:solidFill>
+                <a:srgbClr val="FF0000"/>
+              </a:solidFill>
+            </a:endParaRPr>
+          </a:p>
+        </p:txBody>
+      </p:sp>
+      <p:sp>
+        <p:nvSpPr>
+          <p:cNvPr id="65" name="TextBox 64"/>
+          <p:cNvSpPr txBox="1"/>
+          <p:nvPr/>
+        </p:nvSpPr>
+        <p:spPr>
+          <a:xfrm rot="4211881">
+            <a:off x="5825897" y="5008145"/>
+            <a:ext cx="1067909" cy="369332"/>
+          </a:xfrm>
+          <a:prstGeom prst="rect">
+            <a:avLst/>
+          </a:prstGeom>
+          <a:noFill/>
+        </p:spPr>
+        <p:txBody>
+          <a:bodyPr wrap="square" rtlCol="0">
+            <a:spAutoFit/>
+          </a:bodyPr>
+          <a:lstStyle/>
+          <a:p>
+            <a:r>
+              <a:rPr lang="en-US" dirty="0" smtClean="0">
+                <a:solidFill>
+                  <a:srgbClr val="0070C0"/>
+                </a:solidFill>
+              </a:rPr>
+              <a:t>Getter</a:t>
+            </a:r>
+            <a:endParaRPr lang="en-US" dirty="0">
+              <a:solidFill>
+                <a:srgbClr val="0070C0"/>
+              </a:solidFill>
+            </a:endParaRPr>
+          </a:p>
+        </p:txBody>
+      </p:sp>
+      <p:sp>
+        <p:nvSpPr>
+          <p:cNvPr id="69" name="TextBox 68"/>
+          <p:cNvSpPr txBox="1"/>
+          <p:nvPr/>
+        </p:nvSpPr>
+        <p:spPr>
+          <a:xfrm rot="353599">
+            <a:off x="3515765" y="2968750"/>
+            <a:ext cx="938462" cy="369332"/>
+          </a:xfrm>
+          <a:prstGeom prst="rect">
+            <a:avLst/>
+          </a:prstGeom>
+          <a:noFill/>
+        </p:spPr>
+        <p:txBody>
+          <a:bodyPr wrap="none" rtlCol="0">
+            <a:spAutoFit/>
+          </a:bodyPr>
+          <a:lstStyle/>
+          <a:p>
+            <a:r>
+              <a:rPr lang="en-US" dirty="0" smtClean="0">
+                <a:solidFill>
+                  <a:srgbClr val="7030A0"/>
+                </a:solidFill>
+              </a:rPr>
+              <a:t>Method</a:t>
+            </a:r>
+            <a:endParaRPr lang="en-US" dirty="0">
+              <a:solidFill>
+                <a:srgbClr val="7030A0"/>
+              </a:solidFill>
+            </a:endParaRPr>
+          </a:p>
+        </p:txBody>
+      </p:sp>
+      <p:sp>
+        <p:nvSpPr>
+          <p:cNvPr id="2" name="TextBox 1"/>
+          <p:cNvSpPr txBox="1"/>
+          <p:nvPr/>
+        </p:nvSpPr>
+        <p:spPr>
+          <a:xfrm>
+            <a:off x="8809172" y="2995315"/>
+            <a:ext cx="2168927" cy="1200329"/>
+          </a:xfrm>
+          <a:prstGeom prst="rect">
+            <a:avLst/>
+          </a:prstGeom>
+          <a:noFill/>
+        </p:spPr>
+        <p:txBody>
+          <a:bodyPr wrap="none" rtlCol="0">
+            <a:spAutoFit/>
+          </a:bodyPr>
+          <a:lstStyle/>
+          <a:p>
+            <a:r>
+              <a:rPr lang="en-US" dirty="0" smtClean="0"/>
+              <a:t>.</a:t>
+            </a:r>
+            <a:r>
+              <a:rPr lang="en-US" dirty="0" err="1" smtClean="0"/>
+              <a:t>callTheCalvary</a:t>
+            </a:r>
+            <a:r>
+              <a:rPr lang="en-US" dirty="0" smtClean="0"/>
+              <a:t>()</a:t>
+            </a:r>
+          </a:p>
+          <a:p>
+            <a:r>
+              <a:rPr lang="en-US" dirty="0" smtClean="0"/>
+              <a:t>.</a:t>
+            </a:r>
+            <a:r>
+              <a:rPr lang="en-US" dirty="0" err="1" smtClean="0"/>
+              <a:t>bringHorse</a:t>
+            </a:r>
+            <a:r>
+              <a:rPr lang="en-US" dirty="0" smtClean="0"/>
+              <a:t>()</a:t>
+            </a:r>
+          </a:p>
+          <a:p>
+            <a:r>
+              <a:rPr lang="en-US" dirty="0" smtClean="0"/>
+              <a:t>.</a:t>
+            </a:r>
+            <a:r>
+              <a:rPr lang="en-US" dirty="0" err="1" smtClean="0"/>
+              <a:t>bringShield</a:t>
+            </a:r>
+            <a:r>
+              <a:rPr lang="en-US" dirty="0" smtClean="0"/>
+              <a:t>()</a:t>
+            </a:r>
+          </a:p>
+          <a:p>
+            <a:r>
+              <a:rPr lang="en-US" dirty="0" smtClean="0"/>
+              <a:t>.</a:t>
+            </a:r>
+            <a:r>
+              <a:rPr lang="en-US" dirty="0" err="1" smtClean="0"/>
+              <a:t>bringMoreWeapon</a:t>
+            </a:r>
+            <a:r>
+              <a:rPr lang="en-US" dirty="0" smtClean="0"/>
+              <a:t>()</a:t>
+            </a:r>
+          </a:p>
+        </p:txBody>
+      </p:sp>
+      <p:pic>
+        <p:nvPicPr>
+          <p:cNvPr id="3" name="Picture 2"/>
+          <p:cNvPicPr>
+            <a:picLocks noChangeAspect="1"/>
+          </p:cNvPicPr>
+          <p:nvPr/>
+        </p:nvPicPr>
+        <p:blipFill>
+          <a:blip r:embed="rId9">
+            <a:extLst>
+              <a:ext uri="{28A0092B-C50C-407E-A947-70E740481C1C}">
+                <a14:useLocalDpi xmlns:a14="http://schemas.microsoft.com/office/drawing/2010/main" val="0"/>
+              </a:ext>
+            </a:extLst>
+          </a:blip>
+          <a:stretch>
+            <a:fillRect/>
+          </a:stretch>
+        </p:blipFill>
+        <p:spPr>
+          <a:xfrm>
+            <a:off x="837064" y="3730219"/>
+            <a:ext cx="1076761" cy="1089429"/>
+          </a:xfrm>
+          <a:prstGeom prst="rect">
+            <a:avLst/>
+          </a:prstGeom>
+        </p:spPr>
+      </p:pic>
+      <p:pic>
+        <p:nvPicPr>
+          <p:cNvPr id="6" name="Picture 5"/>
+          <p:cNvPicPr>
+            <a:picLocks noChangeAspect="1"/>
+          </p:cNvPicPr>
+          <p:nvPr/>
+        </p:nvPicPr>
+        <p:blipFill>
+          <a:blip r:embed="rId10">
+            <a:extLst>
+              <a:ext uri="{28A0092B-C50C-407E-A947-70E740481C1C}">
+                <a14:useLocalDpi xmlns:a14="http://schemas.microsoft.com/office/drawing/2010/main" val="0"/>
+              </a:ext>
+            </a:extLst>
+          </a:blip>
+          <a:stretch>
+            <a:fillRect/>
+          </a:stretch>
+        </p:blipFill>
+        <p:spPr>
+          <a:xfrm>
+            <a:off x="901249" y="4861562"/>
+            <a:ext cx="932635" cy="1088074"/>
+          </a:xfrm>
+          <a:prstGeom prst="rect">
+            <a:avLst/>
+          </a:prstGeom>
+        </p:spPr>
+      </p:pic>
+      <p:pic>
+        <p:nvPicPr>
+          <p:cNvPr id="8" name="Picture 7"/>
+          <p:cNvPicPr>
+            <a:picLocks noChangeAspect="1"/>
+          </p:cNvPicPr>
+          <p:nvPr/>
+        </p:nvPicPr>
+        <p:blipFill>
+          <a:blip r:embed="rId11">
+            <a:extLst>
+              <a:ext uri="{28A0092B-C50C-407E-A947-70E740481C1C}">
+                <a14:useLocalDpi xmlns:a14="http://schemas.microsoft.com/office/drawing/2010/main" val="0"/>
+              </a:ext>
+            </a:extLst>
+          </a:blip>
+          <a:stretch>
+            <a:fillRect/>
+          </a:stretch>
+        </p:blipFill>
+        <p:spPr>
+          <a:xfrm>
+            <a:off x="620051" y="2485924"/>
+            <a:ext cx="1452987" cy="1142016"/>
+          </a:xfrm>
+          <a:prstGeom prst="rect">
+            <a:avLst/>
+          </a:prstGeom>
+        </p:spPr>
+      </p:pic>
+      <p:pic>
+        <p:nvPicPr>
+          <p:cNvPr id="9" name="Picture 8"/>
+          <p:cNvPicPr>
+            <a:picLocks noChangeAspect="1"/>
+          </p:cNvPicPr>
+          <p:nvPr/>
+        </p:nvPicPr>
+        <p:blipFill>
+          <a:blip r:embed="rId12">
+            <a:extLst>
+              <a:ext uri="{28A0092B-C50C-407E-A947-70E740481C1C}">
+                <a14:useLocalDpi xmlns:a14="http://schemas.microsoft.com/office/drawing/2010/main" val="0"/>
+              </a:ext>
+            </a:extLst>
+          </a:blip>
+          <a:stretch>
+            <a:fillRect/>
+          </a:stretch>
+        </p:blipFill>
+        <p:spPr>
+          <a:xfrm>
+            <a:off x="845254" y="1077318"/>
+            <a:ext cx="1181869" cy="1384476"/>
+          </a:xfrm>
+          <a:prstGeom prst="rect">
+            <a:avLst/>
+          </a:prstGeom>
+        </p:spPr>
+      </p:pic>
+      <p:sp>
+        <p:nvSpPr>
+          <p:cNvPr id="11" name="Bevel 10"/>
+          <p:cNvSpPr/>
+          <p:nvPr/>
+        </p:nvSpPr>
+        <p:spPr>
+          <a:xfrm>
+            <a:off x="380901" y="627977"/>
+            <a:ext cx="1973333" cy="5756198"/>
+          </a:xfrm>
+          <a:prstGeom prst="bevel">
+            <a:avLst/>
+          </a:prstGeom>
+          <a:noFill/>
+          <a:ln>
+            <a:solidFill>
+              <a:schemeClr val="bg1">
+                <a:lumMod val="50000"/>
+              </a:schemeClr>
+            </a:solidFill>
+          </a:ln>
+        </p:spPr>
+        <p:style>
+          <a:lnRef idx="2">
+            <a:schemeClr val="accent1">
+              <a:shade val="50000"/>
+            </a:schemeClr>
+          </a:lnRef>
+          <a:fillRef idx="1">
+            <a:schemeClr val="accent1"/>
+          </a:fillRef>
+          <a:effectRef idx="0">
+            <a:schemeClr val="accent1"/>
+          </a:effectRef>
+          <a:fontRef idx="minor">
+            <a:schemeClr val="lt1"/>
+          </a:fontRef>
+        </p:style>
+        <p:txBody>
+          <a:bodyPr rtlCol="0" anchor="ctr"/>
+          <a:lstStyle/>
+          <a:p>
+            <a:pPr algn="ctr"/>
+            <a:endParaRPr lang="en-US"/>
+          </a:p>
+        </p:txBody>
+      </p:sp>
     </p:spTree>
     <p:extLst>
       <p:ext uri="{BB962C8B-B14F-4D97-AF65-F5344CB8AC3E}">
-        <p14:creationId xmlns:p14="http://schemas.microsoft.com/office/powerpoint/2010/main" val="2675600163"/>
+        <p14:creationId xmlns:p14="http://schemas.microsoft.com/office/powerpoint/2010/main" val="2060112512"/>
       </p:ext>
     </p:extLst>
   </p:cSld>
@@ -8404,39 +8551,331 @@
       </p:grpSpPr>
       <p:sp>
         <p:nvSpPr>
-          <p:cNvPr id="2" name="Title 1"/>
-          <p:cNvSpPr>
-            <a:spLocks noGrp="1"/>
-          </p:cNvSpPr>
-          <p:nvPr>
-            <p:ph type="title"/>
-          </p:nvPr>
-        </p:nvSpPr>
-        <p:spPr/>
-        <p:txBody>
-          <a:bodyPr/>
-          <a:lstStyle/>
-          <a:p>
-            <a:r>
-              <a:rPr lang="en-US" dirty="0" smtClean="0"/>
-              <a:t>Inheritance</a:t>
-            </a:r>
-            <a:endParaRPr lang="en-US" dirty="0"/>
-          </a:p>
-        </p:txBody>
-      </p:sp>
+          <p:cNvPr id="4" name="Oval 3"/>
+          <p:cNvSpPr/>
+          <p:nvPr/>
+        </p:nvSpPr>
+        <p:spPr>
+          <a:xfrm>
+            <a:off x="4605866" y="2238918"/>
+            <a:ext cx="2410691" cy="2385753"/>
+          </a:xfrm>
+          <a:prstGeom prst="ellipse">
+            <a:avLst/>
+          </a:prstGeom>
+          <a:noFill/>
+          <a:ln>
+            <a:solidFill>
+              <a:schemeClr val="accent6"/>
+            </a:solidFill>
+          </a:ln>
+        </p:spPr>
+        <p:style>
+          <a:lnRef idx="2">
+            <a:schemeClr val="accent1">
+              <a:shade val="50000"/>
+            </a:schemeClr>
+          </a:lnRef>
+          <a:fillRef idx="1">
+            <a:schemeClr val="accent1"/>
+          </a:fillRef>
+          <a:effectRef idx="0">
+            <a:schemeClr val="accent1"/>
+          </a:effectRef>
+          <a:fontRef idx="minor">
+            <a:schemeClr val="lt1"/>
+          </a:fontRef>
+        </p:style>
+        <p:txBody>
+          <a:bodyPr rtlCol="0" anchor="ctr"/>
+          <a:lstStyle/>
+          <a:p>
+            <a:pPr algn="ctr"/>
+            <a:endParaRPr lang="en-US"/>
+          </a:p>
+        </p:txBody>
+      </p:sp>
+      <p:sp>
+        <p:nvSpPr>
+          <p:cNvPr id="5" name="Oval 4"/>
+          <p:cNvSpPr/>
+          <p:nvPr/>
+        </p:nvSpPr>
+        <p:spPr>
+          <a:xfrm>
+            <a:off x="3291840" y="897775"/>
+            <a:ext cx="4922519" cy="4915593"/>
+          </a:xfrm>
+          <a:prstGeom prst="ellipse">
+            <a:avLst/>
+          </a:prstGeom>
+          <a:noFill/>
+          <a:ln>
+            <a:solidFill>
+              <a:schemeClr val="accent6"/>
+            </a:solidFill>
+          </a:ln>
+        </p:spPr>
+        <p:style>
+          <a:lnRef idx="2">
+            <a:schemeClr val="accent1">
+              <a:shade val="50000"/>
+            </a:schemeClr>
+          </a:lnRef>
+          <a:fillRef idx="1">
+            <a:schemeClr val="accent1"/>
+          </a:fillRef>
+          <a:effectRef idx="0">
+            <a:schemeClr val="accent1"/>
+          </a:effectRef>
+          <a:fontRef idx="minor">
+            <a:schemeClr val="lt1"/>
+          </a:fontRef>
+        </p:style>
+        <p:txBody>
+          <a:bodyPr rtlCol="0" anchor="ctr"/>
+          <a:lstStyle/>
+          <a:p>
+            <a:pPr algn="ctr"/>
+            <a:endParaRPr lang="en-US"/>
+          </a:p>
+        </p:txBody>
+      </p:sp>
+      <p:cxnSp>
+        <p:nvCxnSpPr>
+          <p:cNvPr id="7" name="Straight Connector 6"/>
+          <p:cNvCxnSpPr/>
+          <p:nvPr/>
+        </p:nvCxnSpPr>
+        <p:spPr>
+          <a:xfrm flipV="1">
+            <a:off x="6505881" y="1483906"/>
+            <a:ext cx="829954" cy="970656"/>
+          </a:xfrm>
+          <a:prstGeom prst="line">
+            <a:avLst/>
+          </a:prstGeom>
+          <a:ln>
+            <a:solidFill>
+              <a:schemeClr val="accent2">
+                <a:lumMod val="50000"/>
+              </a:schemeClr>
+            </a:solidFill>
+          </a:ln>
+        </p:spPr>
+        <p:style>
+          <a:lnRef idx="1">
+            <a:schemeClr val="accent1"/>
+          </a:lnRef>
+          <a:fillRef idx="0">
+            <a:schemeClr val="accent1"/>
+          </a:fillRef>
+          <a:effectRef idx="0">
+            <a:schemeClr val="accent1"/>
+          </a:effectRef>
+          <a:fontRef idx="minor">
+            <a:schemeClr val="tx1"/>
+          </a:fontRef>
+        </p:style>
+      </p:cxnSp>
+      <p:cxnSp>
+        <p:nvCxnSpPr>
+          <p:cNvPr id="10" name="Straight Connector 9"/>
+          <p:cNvCxnSpPr/>
+          <p:nvPr/>
+        </p:nvCxnSpPr>
+        <p:spPr>
+          <a:xfrm>
+            <a:off x="6337171" y="4491025"/>
+            <a:ext cx="445157" cy="1123555"/>
+          </a:xfrm>
+          <a:prstGeom prst="line">
+            <a:avLst/>
+          </a:prstGeom>
+          <a:ln>
+            <a:solidFill>
+              <a:schemeClr val="accent2">
+                <a:lumMod val="50000"/>
+              </a:schemeClr>
+            </a:solidFill>
+          </a:ln>
+        </p:spPr>
+        <p:style>
+          <a:lnRef idx="1">
+            <a:schemeClr val="accent1"/>
+          </a:lnRef>
+          <a:fillRef idx="0">
+            <a:schemeClr val="accent1"/>
+          </a:fillRef>
+          <a:effectRef idx="0">
+            <a:schemeClr val="accent1"/>
+          </a:effectRef>
+          <a:fontRef idx="minor">
+            <a:schemeClr val="tx1"/>
+          </a:fontRef>
+        </p:style>
+      </p:cxnSp>
+      <p:cxnSp>
+        <p:nvCxnSpPr>
+          <p:cNvPr id="13" name="Straight Connector 12"/>
+          <p:cNvCxnSpPr/>
+          <p:nvPr/>
+        </p:nvCxnSpPr>
+        <p:spPr>
+          <a:xfrm flipH="1" flipV="1">
+            <a:off x="5888656" y="4617599"/>
+            <a:ext cx="380188" cy="1100722"/>
+          </a:xfrm>
+          <a:prstGeom prst="line">
+            <a:avLst/>
+          </a:prstGeom>
+          <a:ln>
+            <a:solidFill>
+              <a:schemeClr val="accent2">
+                <a:lumMod val="50000"/>
+              </a:schemeClr>
+            </a:solidFill>
+          </a:ln>
+        </p:spPr>
+        <p:style>
+          <a:lnRef idx="1">
+            <a:schemeClr val="accent1"/>
+          </a:lnRef>
+          <a:fillRef idx="0">
+            <a:schemeClr val="accent1"/>
+          </a:fillRef>
+          <a:effectRef idx="0">
+            <a:schemeClr val="accent1"/>
+          </a:effectRef>
+          <a:fontRef idx="minor">
+            <a:schemeClr val="tx1"/>
+          </a:fontRef>
+        </p:style>
+      </p:cxnSp>
+      <p:cxnSp>
+        <p:nvCxnSpPr>
+          <p:cNvPr id="16" name="Straight Connector 15"/>
+          <p:cNvCxnSpPr/>
+          <p:nvPr/>
+        </p:nvCxnSpPr>
+        <p:spPr>
+          <a:xfrm>
+            <a:off x="3351732" y="2819424"/>
+            <a:ext cx="1368865" cy="155461"/>
+          </a:xfrm>
+          <a:prstGeom prst="line">
+            <a:avLst/>
+          </a:prstGeom>
+          <a:ln>
+            <a:solidFill>
+              <a:schemeClr val="accent2">
+                <a:lumMod val="50000"/>
+              </a:schemeClr>
+            </a:solidFill>
+          </a:ln>
+        </p:spPr>
+        <p:style>
+          <a:lnRef idx="1">
+            <a:schemeClr val="accent1"/>
+          </a:lnRef>
+          <a:fillRef idx="0">
+            <a:schemeClr val="accent1"/>
+          </a:fillRef>
+          <a:effectRef idx="0">
+            <a:schemeClr val="accent1"/>
+          </a:effectRef>
+          <a:fontRef idx="minor">
+            <a:schemeClr val="tx1"/>
+          </a:fontRef>
+        </p:style>
+      </p:cxnSp>
+      <p:cxnSp>
+        <p:nvCxnSpPr>
+          <p:cNvPr id="18" name="Straight Connector 17"/>
+          <p:cNvCxnSpPr>
+            <a:stCxn id="5" idx="2"/>
+            <a:endCxn id="4" idx="2"/>
+          </p:cNvCxnSpPr>
+          <p:nvPr/>
+        </p:nvCxnSpPr>
+        <p:spPr>
+          <a:xfrm>
+            <a:off x="3291840" y="3355572"/>
+            <a:ext cx="1314026" cy="76223"/>
+          </a:xfrm>
+          <a:prstGeom prst="line">
+            <a:avLst/>
+          </a:prstGeom>
+          <a:ln>
+            <a:solidFill>
+              <a:schemeClr val="accent2">
+                <a:lumMod val="50000"/>
+              </a:schemeClr>
+            </a:solidFill>
+          </a:ln>
+        </p:spPr>
+        <p:style>
+          <a:lnRef idx="1">
+            <a:schemeClr val="accent1"/>
+          </a:lnRef>
+          <a:fillRef idx="0">
+            <a:schemeClr val="accent1"/>
+          </a:fillRef>
+          <a:effectRef idx="0">
+            <a:schemeClr val="accent1"/>
+          </a:effectRef>
+          <a:fontRef idx="minor">
+            <a:schemeClr val="tx1"/>
+          </a:fontRef>
+        </p:style>
+      </p:cxnSp>
+      <p:cxnSp>
+        <p:nvCxnSpPr>
+          <p:cNvPr id="30" name="Straight Connector 29"/>
+          <p:cNvCxnSpPr/>
+          <p:nvPr/>
+        </p:nvCxnSpPr>
+        <p:spPr>
+          <a:xfrm flipV="1">
+            <a:off x="6808739" y="1803862"/>
+            <a:ext cx="898392" cy="1012325"/>
+          </a:xfrm>
+          <a:prstGeom prst="line">
+            <a:avLst/>
+          </a:prstGeom>
+          <a:ln>
+            <a:solidFill>
+              <a:schemeClr val="accent2">
+                <a:lumMod val="50000"/>
+              </a:schemeClr>
+            </a:solidFill>
+          </a:ln>
+        </p:spPr>
+        <p:style>
+          <a:lnRef idx="1">
+            <a:schemeClr val="accent1"/>
+          </a:lnRef>
+          <a:fillRef idx="0">
+            <a:schemeClr val="accent1"/>
+          </a:fillRef>
+          <a:effectRef idx="0">
+            <a:schemeClr val="accent1"/>
+          </a:effectRef>
+          <a:fontRef idx="minor">
+            <a:schemeClr val="tx1"/>
+          </a:fontRef>
+        </p:style>
+      </p:cxnSp>
       <p:pic>
         <p:nvPicPr>
-          <p:cNvPr id="6" name="Content Placeholder 5"/>
+          <p:cNvPr id="47" name="Picture 46"/>
           <p:cNvPicPr>
-            <a:picLocks noGrp="1" noChangeAspect="1"/>
+            <a:picLocks noChangeAspect="1"/>
           </p:cNvPicPr>
-          <p:nvPr>
-            <p:ph idx="1"/>
-          </p:nvPr>
+          <p:nvPr/>
         </p:nvPicPr>
         <p:blipFill>
-          <a:blip r:embed="rId2">
+          <a:blip r:embed="rId2" cstate="print">
             <a:extLst>
               <a:ext uri="{28A0092B-C50C-407E-A947-70E740481C1C}">
                 <a14:useLocalDpi xmlns:a14="http://schemas.microsoft.com/office/drawing/2010/main" val="0"/>
@@ -8449,15 +8888,630 @@
         </p:blipFill>
         <p:spPr>
           <a:xfrm>
-            <a:off x="1854072" y="1418301"/>
-            <a:ext cx="7735712" cy="4351338"/>
-          </a:xfrm>
+            <a:off x="5200679" y="2505398"/>
+            <a:ext cx="1262773" cy="1874813"/>
+          </a:xfrm>
+          <a:prstGeom prst="rect">
+            <a:avLst/>
+          </a:prstGeom>
         </p:spPr>
       </p:pic>
+      <p:pic>
+        <p:nvPicPr>
+          <p:cNvPr id="48" name="Picture 47"/>
+          <p:cNvPicPr>
+            <a:picLocks noChangeAspect="1"/>
+          </p:cNvPicPr>
+          <p:nvPr/>
+        </p:nvPicPr>
+        <p:blipFill>
+          <a:blip r:embed="rId3" cstate="print">
+            <a:extLst>
+              <a:ext uri="{28A0092B-C50C-407E-A947-70E740481C1C}">
+                <a14:useLocalDpi xmlns:a14="http://schemas.microsoft.com/office/drawing/2010/main" val="0"/>
+              </a:ext>
+            </a:extLst>
+          </a:blip>
+          <a:stretch>
+            <a:fillRect/>
+          </a:stretch>
+        </p:blipFill>
+        <p:spPr>
+          <a:xfrm>
+            <a:off x="6272804" y="3048687"/>
+            <a:ext cx="524390" cy="788234"/>
+          </a:xfrm>
+          <a:prstGeom prst="rect">
+            <a:avLst/>
+          </a:prstGeom>
+        </p:spPr>
+      </p:pic>
+      <p:pic>
+        <p:nvPicPr>
+          <p:cNvPr id="49" name="Picture 48"/>
+          <p:cNvPicPr>
+            <a:picLocks noChangeAspect="1"/>
+          </p:cNvPicPr>
+          <p:nvPr/>
+        </p:nvPicPr>
+        <p:blipFill>
+          <a:blip r:embed="rId4" cstate="print">
+            <a:extLst>
+              <a:ext uri="{28A0092B-C50C-407E-A947-70E740481C1C}">
+                <a14:useLocalDpi xmlns:a14="http://schemas.microsoft.com/office/drawing/2010/main" val="0"/>
+              </a:ext>
+            </a:extLst>
+          </a:blip>
+          <a:stretch>
+            <a:fillRect/>
+          </a:stretch>
+        </p:blipFill>
+        <p:spPr>
+          <a:xfrm>
+            <a:off x="4790760" y="3501116"/>
+            <a:ext cx="518300" cy="458207"/>
+          </a:xfrm>
+          <a:prstGeom prst="rect">
+            <a:avLst/>
+          </a:prstGeom>
+        </p:spPr>
+      </p:pic>
+      <p:pic>
+        <p:nvPicPr>
+          <p:cNvPr id="50" name="Picture 49"/>
+          <p:cNvPicPr>
+            <a:picLocks noChangeAspect="1"/>
+          </p:cNvPicPr>
+          <p:nvPr/>
+        </p:nvPicPr>
+        <p:blipFill>
+          <a:blip r:embed="rId5" cstate="print">
+            <a:extLst>
+              <a:ext uri="{28A0092B-C50C-407E-A947-70E740481C1C}">
+                <a14:useLocalDpi xmlns:a14="http://schemas.microsoft.com/office/drawing/2010/main" val="0"/>
+              </a:ext>
+            </a:extLst>
+          </a:blip>
+          <a:stretch>
+            <a:fillRect/>
+          </a:stretch>
+        </p:blipFill>
+        <p:spPr>
+          <a:xfrm>
+            <a:off x="8308944" y="644419"/>
+            <a:ext cx="186451" cy="1052116"/>
+          </a:xfrm>
+          <a:prstGeom prst="rect">
+            <a:avLst/>
+          </a:prstGeom>
+        </p:spPr>
+      </p:pic>
+      <p:pic>
+        <p:nvPicPr>
+          <p:cNvPr id="51" name="Picture 50"/>
+          <p:cNvPicPr>
+            <a:picLocks noChangeAspect="1"/>
+          </p:cNvPicPr>
+          <p:nvPr/>
+        </p:nvPicPr>
+        <p:blipFill>
+          <a:blip r:embed="rId6" cstate="print">
+            <a:extLst>
+              <a:ext uri="{28A0092B-C50C-407E-A947-70E740481C1C}">
+                <a14:useLocalDpi xmlns:a14="http://schemas.microsoft.com/office/drawing/2010/main" val="0"/>
+              </a:ext>
+            </a:extLst>
+          </a:blip>
+          <a:stretch>
+            <a:fillRect/>
+          </a:stretch>
+        </p:blipFill>
+        <p:spPr>
+          <a:xfrm>
+            <a:off x="3824085" y="3819483"/>
+            <a:ext cx="738545" cy="1026837"/>
+          </a:xfrm>
+          <a:prstGeom prst="rect">
+            <a:avLst/>
+          </a:prstGeom>
+        </p:spPr>
+      </p:pic>
+      <p:pic>
+        <p:nvPicPr>
+          <p:cNvPr id="52" name="Picture 51"/>
+          <p:cNvPicPr>
+            <a:picLocks noChangeAspect="1"/>
+          </p:cNvPicPr>
+          <p:nvPr/>
+        </p:nvPicPr>
+        <p:blipFill>
+          <a:blip r:embed="rId7" cstate="print">
+            <a:extLst>
+              <a:ext uri="{28A0092B-C50C-407E-A947-70E740481C1C}">
+                <a14:useLocalDpi xmlns:a14="http://schemas.microsoft.com/office/drawing/2010/main" val="0"/>
+              </a:ext>
+            </a:extLst>
+          </a:blip>
+          <a:stretch>
+            <a:fillRect/>
+          </a:stretch>
+        </p:blipFill>
+        <p:spPr>
+          <a:xfrm>
+            <a:off x="7657381" y="1013178"/>
+            <a:ext cx="719147" cy="750875"/>
+          </a:xfrm>
+          <a:prstGeom prst="rect">
+            <a:avLst/>
+          </a:prstGeom>
+        </p:spPr>
+      </p:pic>
+      <p:pic>
+        <p:nvPicPr>
+          <p:cNvPr id="53" name="Picture 52"/>
+          <p:cNvPicPr>
+            <a:picLocks noChangeAspect="1"/>
+          </p:cNvPicPr>
+          <p:nvPr/>
+        </p:nvPicPr>
+        <p:blipFill>
+          <a:blip r:embed="rId6" cstate="print">
+            <a:extLst>
+              <a:ext uri="{28A0092B-C50C-407E-A947-70E740481C1C}">
+                <a14:useLocalDpi xmlns:a14="http://schemas.microsoft.com/office/drawing/2010/main" val="0"/>
+              </a:ext>
+            </a:extLst>
+          </a:blip>
+          <a:stretch>
+            <a:fillRect/>
+          </a:stretch>
+        </p:blipFill>
+        <p:spPr>
+          <a:xfrm>
+            <a:off x="7175385" y="3431794"/>
+            <a:ext cx="738545" cy="1026837"/>
+          </a:xfrm>
+          <a:prstGeom prst="rect">
+            <a:avLst/>
+          </a:prstGeom>
+        </p:spPr>
+      </p:pic>
+      <p:pic>
+        <p:nvPicPr>
+          <p:cNvPr id="54" name="Picture 53"/>
+          <p:cNvPicPr>
+            <a:picLocks noChangeAspect="1"/>
+          </p:cNvPicPr>
+          <p:nvPr/>
+        </p:nvPicPr>
+        <p:blipFill>
+          <a:blip r:embed="rId6" cstate="print">
+            <a:extLst>
+              <a:ext uri="{28A0092B-C50C-407E-A947-70E740481C1C}">
+                <a14:useLocalDpi xmlns:a14="http://schemas.microsoft.com/office/drawing/2010/main" val="0"/>
+              </a:ext>
+            </a:extLst>
+          </a:blip>
+          <a:stretch>
+            <a:fillRect/>
+          </a:stretch>
+        </p:blipFill>
+        <p:spPr>
+          <a:xfrm>
+            <a:off x="4788557" y="1170477"/>
+            <a:ext cx="738545" cy="1026837"/>
+          </a:xfrm>
+          <a:prstGeom prst="rect">
+            <a:avLst/>
+          </a:prstGeom>
+        </p:spPr>
+      </p:pic>
+      <p:pic>
+        <p:nvPicPr>
+          <p:cNvPr id="55" name="Picture 54"/>
+          <p:cNvPicPr>
+            <a:picLocks noChangeAspect="1"/>
+          </p:cNvPicPr>
+          <p:nvPr/>
+        </p:nvPicPr>
+        <p:blipFill>
+          <a:blip r:embed="rId7" cstate="print">
+            <a:extLst>
+              <a:ext uri="{28A0092B-C50C-407E-A947-70E740481C1C}">
+                <a14:useLocalDpi xmlns:a14="http://schemas.microsoft.com/office/drawing/2010/main" val="0"/>
+              </a:ext>
+            </a:extLst>
+          </a:blip>
+          <a:stretch>
+            <a:fillRect/>
+          </a:stretch>
+        </p:blipFill>
+        <p:spPr>
+          <a:xfrm>
+            <a:off x="6337171" y="5834934"/>
+            <a:ext cx="719147" cy="750875"/>
+          </a:xfrm>
+          <a:prstGeom prst="rect">
+            <a:avLst/>
+          </a:prstGeom>
+        </p:spPr>
+      </p:pic>
+      <p:pic>
+        <p:nvPicPr>
+          <p:cNvPr id="56" name="Picture 55"/>
+          <p:cNvPicPr>
+            <a:picLocks noChangeAspect="1"/>
+          </p:cNvPicPr>
+          <p:nvPr/>
+        </p:nvPicPr>
+        <p:blipFill>
+          <a:blip r:embed="rId5" cstate="print">
+            <a:extLst>
+              <a:ext uri="{28A0092B-C50C-407E-A947-70E740481C1C}">
+                <a14:useLocalDpi xmlns:a14="http://schemas.microsoft.com/office/drawing/2010/main" val="0"/>
+              </a:ext>
+            </a:extLst>
+          </a:blip>
+          <a:stretch>
+            <a:fillRect/>
+          </a:stretch>
+        </p:blipFill>
+        <p:spPr>
+          <a:xfrm>
+            <a:off x="7030410" y="5486752"/>
+            <a:ext cx="186451" cy="1052116"/>
+          </a:xfrm>
+          <a:prstGeom prst="rect">
+            <a:avLst/>
+          </a:prstGeom>
+        </p:spPr>
+      </p:pic>
+      <p:pic>
+        <p:nvPicPr>
+          <p:cNvPr id="57" name="Picture 56"/>
+          <p:cNvPicPr>
+            <a:picLocks noChangeAspect="1"/>
+          </p:cNvPicPr>
+          <p:nvPr/>
+        </p:nvPicPr>
+        <p:blipFill>
+          <a:blip r:embed="rId7" cstate="print">
+            <a:extLst>
+              <a:ext uri="{28A0092B-C50C-407E-A947-70E740481C1C}">
+                <a14:useLocalDpi xmlns:a14="http://schemas.microsoft.com/office/drawing/2010/main" val="0"/>
+              </a:ext>
+            </a:extLst>
+          </a:blip>
+          <a:stretch>
+            <a:fillRect/>
+          </a:stretch>
+        </p:blipFill>
+        <p:spPr>
+          <a:xfrm>
+            <a:off x="2373467" y="2604696"/>
+            <a:ext cx="719147" cy="750875"/>
+          </a:xfrm>
+          <a:prstGeom prst="rect">
+            <a:avLst/>
+          </a:prstGeom>
+        </p:spPr>
+      </p:pic>
+      <p:pic>
+        <p:nvPicPr>
+          <p:cNvPr id="58" name="Picture 57"/>
+          <p:cNvPicPr>
+            <a:picLocks noChangeAspect="1"/>
+          </p:cNvPicPr>
+          <p:nvPr/>
+        </p:nvPicPr>
+        <p:blipFill>
+          <a:blip r:embed="rId5" cstate="print">
+            <a:extLst>
+              <a:ext uri="{28A0092B-C50C-407E-A947-70E740481C1C}">
+                <a14:useLocalDpi xmlns:a14="http://schemas.microsoft.com/office/drawing/2010/main" val="0"/>
+              </a:ext>
+            </a:extLst>
+          </a:blip>
+          <a:stretch>
+            <a:fillRect/>
+          </a:stretch>
+        </p:blipFill>
+        <p:spPr>
+          <a:xfrm>
+            <a:off x="3026812" y="2312531"/>
+            <a:ext cx="186451" cy="1052116"/>
+          </a:xfrm>
+          <a:prstGeom prst="rect">
+            <a:avLst/>
+          </a:prstGeom>
+        </p:spPr>
+      </p:pic>
+      <p:pic>
+        <p:nvPicPr>
+          <p:cNvPr id="59" name="Picture 58"/>
+          <p:cNvPicPr>
+            <a:picLocks noChangeAspect="1"/>
+          </p:cNvPicPr>
+          <p:nvPr/>
+        </p:nvPicPr>
+        <p:blipFill>
+          <a:blip r:embed="rId8" cstate="print">
+            <a:extLst>
+              <a:ext uri="{28A0092B-C50C-407E-A947-70E740481C1C}">
+                <a14:useLocalDpi xmlns:a14="http://schemas.microsoft.com/office/drawing/2010/main" val="0"/>
+              </a:ext>
+            </a:extLst>
+          </a:blip>
+          <a:stretch>
+            <a:fillRect/>
+          </a:stretch>
+        </p:blipFill>
+        <p:spPr>
+          <a:xfrm>
+            <a:off x="4841792" y="2798567"/>
+            <a:ext cx="574344" cy="566080"/>
+          </a:xfrm>
+          <a:prstGeom prst="rect">
+            <a:avLst/>
+          </a:prstGeom>
+        </p:spPr>
+      </p:pic>
+      <p:sp>
+        <p:nvSpPr>
+          <p:cNvPr id="60" name="Right Arrow 59"/>
+          <p:cNvSpPr/>
+          <p:nvPr/>
+        </p:nvSpPr>
+        <p:spPr>
+          <a:xfrm rot="7831521">
+            <a:off x="6547916" y="1932091"/>
+            <a:ext cx="1040284" cy="430795"/>
+          </a:xfrm>
+          <a:prstGeom prst="rightArrow">
+            <a:avLst/>
+          </a:prstGeom>
+          <a:noFill/>
+          <a:ln>
+            <a:solidFill>
+              <a:srgbClr val="FF0000"/>
+            </a:solidFill>
+          </a:ln>
+        </p:spPr>
+        <p:style>
+          <a:lnRef idx="2">
+            <a:schemeClr val="accent1">
+              <a:shade val="50000"/>
+            </a:schemeClr>
+          </a:lnRef>
+          <a:fillRef idx="1">
+            <a:schemeClr val="accent1"/>
+          </a:fillRef>
+          <a:effectRef idx="0">
+            <a:schemeClr val="accent1"/>
+          </a:effectRef>
+          <a:fontRef idx="minor">
+            <a:schemeClr val="lt1"/>
+          </a:fontRef>
+        </p:style>
+        <p:txBody>
+          <a:bodyPr rtlCol="0" anchor="ctr"/>
+          <a:lstStyle/>
+          <a:p>
+            <a:pPr algn="ctr"/>
+            <a:endParaRPr lang="en-US"/>
+          </a:p>
+        </p:txBody>
+      </p:sp>
+      <p:sp>
+        <p:nvSpPr>
+          <p:cNvPr id="61" name="Right Arrow 60"/>
+          <p:cNvSpPr/>
+          <p:nvPr/>
+        </p:nvSpPr>
+        <p:spPr>
+          <a:xfrm rot="4266824">
+            <a:off x="5856421" y="4917380"/>
+            <a:ext cx="931316" cy="431141"/>
+          </a:xfrm>
+          <a:prstGeom prst="rightArrow">
+            <a:avLst/>
+          </a:prstGeom>
+          <a:noFill/>
+          <a:ln>
+            <a:solidFill>
+              <a:srgbClr val="0070C0"/>
+            </a:solidFill>
+          </a:ln>
+        </p:spPr>
+        <p:style>
+          <a:lnRef idx="2">
+            <a:schemeClr val="accent1">
+              <a:shade val="50000"/>
+            </a:schemeClr>
+          </a:lnRef>
+          <a:fillRef idx="1">
+            <a:schemeClr val="accent1"/>
+          </a:fillRef>
+          <a:effectRef idx="0">
+            <a:schemeClr val="accent1"/>
+          </a:effectRef>
+          <a:fontRef idx="minor">
+            <a:schemeClr val="lt1"/>
+          </a:fontRef>
+        </p:style>
+        <p:txBody>
+          <a:bodyPr rtlCol="0" anchor="ctr"/>
+          <a:lstStyle/>
+          <a:p>
+            <a:pPr algn="ctr"/>
+            <a:endParaRPr lang="en-US"/>
+          </a:p>
+        </p:txBody>
+      </p:sp>
+      <p:sp>
+        <p:nvSpPr>
+          <p:cNvPr id="63" name="Left-Right Arrow 62"/>
+          <p:cNvSpPr/>
+          <p:nvPr/>
+        </p:nvSpPr>
+        <p:spPr>
+          <a:xfrm rot="352071">
+            <a:off x="3374938" y="2953510"/>
+            <a:ext cx="1204961" cy="417784"/>
+          </a:xfrm>
+          <a:prstGeom prst="leftRightArrow">
+            <a:avLst/>
+          </a:prstGeom>
+          <a:noFill/>
+          <a:ln>
+            <a:solidFill>
+              <a:srgbClr val="7030A0"/>
+            </a:solidFill>
+          </a:ln>
+        </p:spPr>
+        <p:style>
+          <a:lnRef idx="2">
+            <a:schemeClr val="accent1">
+              <a:shade val="50000"/>
+            </a:schemeClr>
+          </a:lnRef>
+          <a:fillRef idx="1">
+            <a:schemeClr val="accent1"/>
+          </a:fillRef>
+          <a:effectRef idx="0">
+            <a:schemeClr val="accent1"/>
+          </a:effectRef>
+          <a:fontRef idx="minor">
+            <a:schemeClr val="lt1"/>
+          </a:fontRef>
+        </p:style>
+        <p:txBody>
+          <a:bodyPr rtlCol="0" anchor="ctr"/>
+          <a:lstStyle/>
+          <a:p>
+            <a:pPr algn="ctr"/>
+            <a:endParaRPr lang="en-US"/>
+          </a:p>
+        </p:txBody>
+      </p:sp>
+      <p:sp>
+        <p:nvSpPr>
+          <p:cNvPr id="64" name="TextBox 63"/>
+          <p:cNvSpPr txBox="1"/>
+          <p:nvPr/>
+        </p:nvSpPr>
+        <p:spPr>
+          <a:xfrm rot="18582493">
+            <a:off x="6740169" y="1829056"/>
+            <a:ext cx="858154" cy="369332"/>
+          </a:xfrm>
+          <a:prstGeom prst="rect">
+            <a:avLst/>
+          </a:prstGeom>
+          <a:noFill/>
+        </p:spPr>
+        <p:txBody>
+          <a:bodyPr wrap="square" rtlCol="0">
+            <a:spAutoFit/>
+          </a:bodyPr>
+          <a:lstStyle/>
+          <a:p>
+            <a:r>
+              <a:rPr lang="en-US" dirty="0" smtClean="0">
+                <a:solidFill>
+                  <a:srgbClr val="FF0000"/>
+                </a:solidFill>
+              </a:rPr>
+              <a:t>Setter</a:t>
+            </a:r>
+            <a:endParaRPr lang="en-US" dirty="0">
+              <a:solidFill>
+                <a:srgbClr val="FF0000"/>
+              </a:solidFill>
+            </a:endParaRPr>
+          </a:p>
+        </p:txBody>
+      </p:sp>
+      <p:sp>
+        <p:nvSpPr>
+          <p:cNvPr id="65" name="TextBox 64"/>
+          <p:cNvSpPr txBox="1"/>
+          <p:nvPr/>
+        </p:nvSpPr>
+        <p:spPr>
+          <a:xfrm rot="4211881">
+            <a:off x="5825897" y="5008145"/>
+            <a:ext cx="1067909" cy="369332"/>
+          </a:xfrm>
+          <a:prstGeom prst="rect">
+            <a:avLst/>
+          </a:prstGeom>
+          <a:noFill/>
+        </p:spPr>
+        <p:txBody>
+          <a:bodyPr wrap="square" rtlCol="0">
+            <a:spAutoFit/>
+          </a:bodyPr>
+          <a:lstStyle/>
+          <a:p>
+            <a:r>
+              <a:rPr lang="en-US" dirty="0" smtClean="0">
+                <a:solidFill>
+                  <a:srgbClr val="0070C0"/>
+                </a:solidFill>
+              </a:rPr>
+              <a:t>Getter</a:t>
+            </a:r>
+            <a:endParaRPr lang="en-US" dirty="0">
+              <a:solidFill>
+                <a:srgbClr val="0070C0"/>
+              </a:solidFill>
+            </a:endParaRPr>
+          </a:p>
+        </p:txBody>
+      </p:sp>
+      <p:sp>
+        <p:nvSpPr>
+          <p:cNvPr id="69" name="TextBox 68"/>
+          <p:cNvSpPr txBox="1"/>
+          <p:nvPr/>
+        </p:nvSpPr>
+        <p:spPr>
+          <a:xfrm rot="353599">
+            <a:off x="3515765" y="2968750"/>
+            <a:ext cx="938462" cy="369332"/>
+          </a:xfrm>
+          <a:prstGeom prst="rect">
+            <a:avLst/>
+          </a:prstGeom>
+          <a:noFill/>
+        </p:spPr>
+        <p:txBody>
+          <a:bodyPr wrap="none" rtlCol="0">
+            <a:spAutoFit/>
+          </a:bodyPr>
+          <a:lstStyle/>
+          <a:p>
+            <a:r>
+              <a:rPr lang="en-US" dirty="0" smtClean="0">
+                <a:solidFill>
+                  <a:srgbClr val="7030A0"/>
+                </a:solidFill>
+              </a:rPr>
+              <a:t>Method</a:t>
+            </a:r>
+            <a:endParaRPr lang="en-US" dirty="0">
+              <a:solidFill>
+                <a:srgbClr val="7030A0"/>
+              </a:solidFill>
+            </a:endParaRPr>
+          </a:p>
+        </p:txBody>
+      </p:sp>
     </p:spTree>
     <p:extLst>
       <p:ext uri="{BB962C8B-B14F-4D97-AF65-F5344CB8AC3E}">
-        <p14:creationId xmlns:p14="http://schemas.microsoft.com/office/powerpoint/2010/main" val="2157273667"/>
+        <p14:creationId xmlns:p14="http://schemas.microsoft.com/office/powerpoint/2010/main" val="4267780854"/>
       </p:ext>
     </p:extLst>
   </p:cSld>

--- a/TeachingMaterials/Object Oriented Programming.pptx
+++ b/TeachingMaterials/Object Oriented Programming.pptx
@@ -15,12 +15,18 @@
     <p:sldId id="267" r:id="rId9"/>
     <p:sldId id="263" r:id="rId10"/>
     <p:sldId id="258" r:id="rId11"/>
-    <p:sldId id="259" r:id="rId12"/>
-    <p:sldId id="261" r:id="rId13"/>
-    <p:sldId id="262" r:id="rId14"/>
-    <p:sldId id="260" r:id="rId15"/>
-    <p:sldId id="269" r:id="rId16"/>
-    <p:sldId id="270" r:id="rId17"/>
+    <p:sldId id="278" r:id="rId12"/>
+    <p:sldId id="274" r:id="rId13"/>
+    <p:sldId id="259" r:id="rId14"/>
+    <p:sldId id="275" r:id="rId15"/>
+    <p:sldId id="280" r:id="rId16"/>
+    <p:sldId id="260" r:id="rId17"/>
+    <p:sldId id="276" r:id="rId18"/>
+    <p:sldId id="279" r:id="rId19"/>
+    <p:sldId id="269" r:id="rId20"/>
+    <p:sldId id="270" r:id="rId21"/>
+    <p:sldId id="261" r:id="rId22"/>
+    <p:sldId id="262" r:id="rId23"/>
   </p:sldIdLst>
   <p:sldSz cx="12192000" cy="6858000"/>
   <p:notesSz cx="6858000" cy="9144000"/>
@@ -127,6 +133,3754 @@
 </p:presentation>
 </file>
 
+<file path=ppt/diagrams/colors1.xml><?xml version="1.0" encoding="utf-8"?>
+<dgm:colorsDef xmlns:dgm="http://schemas.openxmlformats.org/drawingml/2006/diagram" xmlns:a="http://schemas.openxmlformats.org/drawingml/2006/main" uniqueId="urn:microsoft.com/office/officeart/2005/8/colors/accent1_2">
+  <dgm:title val=""/>
+  <dgm:desc val=""/>
+  <dgm:catLst>
+    <dgm:cat type="accent1" pri="11200"/>
+  </dgm:catLst>
+  <dgm:styleLbl name="node0">
+    <dgm:fillClrLst meth="repeat">
+      <a:schemeClr val="accent1"/>
+    </dgm:fillClrLst>
+    <dgm:linClrLst meth="repeat">
+      <a:schemeClr val="lt1"/>
+    </dgm:linClrLst>
+    <dgm:effectClrLst/>
+    <dgm:txLinClrLst/>
+    <dgm:txFillClrLst/>
+    <dgm:txEffectClrLst/>
+  </dgm:styleLbl>
+  <dgm:styleLbl name="alignNode1">
+    <dgm:fillClrLst meth="repeat">
+      <a:schemeClr val="accent1"/>
+    </dgm:fillClrLst>
+    <dgm:linClrLst meth="repeat">
+      <a:schemeClr val="accent1"/>
+    </dgm:linClrLst>
+    <dgm:effectClrLst/>
+    <dgm:txLinClrLst/>
+    <dgm:txFillClrLst/>
+    <dgm:txEffectClrLst/>
+  </dgm:styleLbl>
+  <dgm:styleLbl name="node1">
+    <dgm:fillClrLst meth="repeat">
+      <a:schemeClr val="accent1"/>
+    </dgm:fillClrLst>
+    <dgm:linClrLst meth="repeat">
+      <a:schemeClr val="lt1"/>
+    </dgm:linClrLst>
+    <dgm:effectClrLst/>
+    <dgm:txLinClrLst/>
+    <dgm:txFillClrLst/>
+    <dgm:txEffectClrLst/>
+  </dgm:styleLbl>
+  <dgm:styleLbl name="lnNode1">
+    <dgm:fillClrLst meth="repeat">
+      <a:schemeClr val="accent1"/>
+    </dgm:fillClrLst>
+    <dgm:linClrLst meth="repeat">
+      <a:schemeClr val="lt1"/>
+    </dgm:linClrLst>
+    <dgm:effectClrLst/>
+    <dgm:txLinClrLst/>
+    <dgm:txFillClrLst/>
+    <dgm:txEffectClrLst/>
+  </dgm:styleLbl>
+  <dgm:styleLbl name="vennNode1">
+    <dgm:fillClrLst meth="repeat">
+      <a:schemeClr val="accent1">
+        <a:alpha val="50000"/>
+      </a:schemeClr>
+    </dgm:fillClrLst>
+    <dgm:linClrLst meth="repeat">
+      <a:schemeClr val="lt1"/>
+    </dgm:linClrLst>
+    <dgm:effectClrLst/>
+    <dgm:txLinClrLst/>
+    <dgm:txFillClrLst/>
+    <dgm:txEffectClrLst/>
+  </dgm:styleLbl>
+  <dgm:styleLbl name="node2">
+    <dgm:fillClrLst meth="repeat">
+      <a:schemeClr val="accent1"/>
+    </dgm:fillClrLst>
+    <dgm:linClrLst meth="repeat">
+      <a:schemeClr val="lt1"/>
+    </dgm:linClrLst>
+    <dgm:effectClrLst/>
+    <dgm:txLinClrLst/>
+    <dgm:txFillClrLst/>
+    <dgm:txEffectClrLst/>
+  </dgm:styleLbl>
+  <dgm:styleLbl name="node3">
+    <dgm:fillClrLst meth="repeat">
+      <a:schemeClr val="accent1"/>
+    </dgm:fillClrLst>
+    <dgm:linClrLst meth="repeat">
+      <a:schemeClr val="lt1"/>
+    </dgm:linClrLst>
+    <dgm:effectClrLst/>
+    <dgm:txLinClrLst/>
+    <dgm:txFillClrLst/>
+    <dgm:txEffectClrLst/>
+  </dgm:styleLbl>
+  <dgm:styleLbl name="node4">
+    <dgm:fillClrLst meth="repeat">
+      <a:schemeClr val="accent1"/>
+    </dgm:fillClrLst>
+    <dgm:linClrLst meth="repeat">
+      <a:schemeClr val="lt1"/>
+    </dgm:linClrLst>
+    <dgm:effectClrLst/>
+    <dgm:txLinClrLst/>
+    <dgm:txFillClrLst/>
+    <dgm:txEffectClrLst/>
+  </dgm:styleLbl>
+  <dgm:styleLbl name="fgImgPlace1">
+    <dgm:fillClrLst meth="repeat">
+      <a:schemeClr val="accent1">
+        <a:tint val="50000"/>
+      </a:schemeClr>
+    </dgm:fillClrLst>
+    <dgm:linClrLst meth="repeat">
+      <a:schemeClr val="lt1"/>
+    </dgm:linClrLst>
+    <dgm:effectClrLst/>
+    <dgm:txLinClrLst/>
+    <dgm:txFillClrLst meth="repeat">
+      <a:schemeClr val="lt1"/>
+    </dgm:txFillClrLst>
+    <dgm:txEffectClrLst/>
+  </dgm:styleLbl>
+  <dgm:styleLbl name="alignImgPlace1">
+    <dgm:fillClrLst meth="repeat">
+      <a:schemeClr val="accent1">
+        <a:tint val="50000"/>
+      </a:schemeClr>
+    </dgm:fillClrLst>
+    <dgm:linClrLst meth="repeat">
+      <a:schemeClr val="lt1"/>
+    </dgm:linClrLst>
+    <dgm:effectClrLst/>
+    <dgm:txLinClrLst/>
+    <dgm:txFillClrLst meth="repeat">
+      <a:schemeClr val="lt1"/>
+    </dgm:txFillClrLst>
+    <dgm:txEffectClrLst/>
+  </dgm:styleLbl>
+  <dgm:styleLbl name="bgImgPlace1">
+    <dgm:fillClrLst meth="repeat">
+      <a:schemeClr val="accent1">
+        <a:tint val="50000"/>
+      </a:schemeClr>
+    </dgm:fillClrLst>
+    <dgm:linClrLst meth="repeat">
+      <a:schemeClr val="lt1"/>
+    </dgm:linClrLst>
+    <dgm:effectClrLst/>
+    <dgm:txLinClrLst/>
+    <dgm:txFillClrLst meth="repeat">
+      <a:schemeClr val="lt1"/>
+    </dgm:txFillClrLst>
+    <dgm:txEffectClrLst/>
+  </dgm:styleLbl>
+  <dgm:styleLbl name="sibTrans2D1">
+    <dgm:fillClrLst meth="repeat">
+      <a:schemeClr val="accent1">
+        <a:tint val="60000"/>
+      </a:schemeClr>
+    </dgm:fillClrLst>
+    <dgm:linClrLst meth="repeat">
+      <a:schemeClr val="accent1">
+        <a:tint val="60000"/>
+      </a:schemeClr>
+    </dgm:linClrLst>
+    <dgm:effectClrLst/>
+    <dgm:txLinClrLst/>
+    <dgm:txFillClrLst/>
+    <dgm:txEffectClrLst/>
+  </dgm:styleLbl>
+  <dgm:styleLbl name="fgSibTrans2D1">
+    <dgm:fillClrLst meth="repeat">
+      <a:schemeClr val="accent1">
+        <a:tint val="60000"/>
+      </a:schemeClr>
+    </dgm:fillClrLst>
+    <dgm:linClrLst meth="repeat">
+      <a:schemeClr val="accent1">
+        <a:tint val="60000"/>
+      </a:schemeClr>
+    </dgm:linClrLst>
+    <dgm:effectClrLst/>
+    <dgm:txLinClrLst/>
+    <dgm:txFillClrLst/>
+    <dgm:txEffectClrLst/>
+  </dgm:styleLbl>
+  <dgm:styleLbl name="bgSibTrans2D1">
+    <dgm:fillClrLst meth="repeat">
+      <a:schemeClr val="accent1">
+        <a:tint val="60000"/>
+      </a:schemeClr>
+    </dgm:fillClrLst>
+    <dgm:linClrLst meth="repeat">
+      <a:schemeClr val="accent1">
+        <a:tint val="60000"/>
+      </a:schemeClr>
+    </dgm:linClrLst>
+    <dgm:effectClrLst/>
+    <dgm:txLinClrLst/>
+    <dgm:txFillClrLst/>
+    <dgm:txEffectClrLst/>
+  </dgm:styleLbl>
+  <dgm:styleLbl name="sibTrans1D1">
+    <dgm:fillClrLst meth="repeat">
+      <a:schemeClr val="accent1"/>
+    </dgm:fillClrLst>
+    <dgm:linClrLst meth="repeat">
+      <a:schemeClr val="accent1"/>
+    </dgm:linClrLst>
+    <dgm:effectClrLst/>
+    <dgm:txLinClrLst/>
+    <dgm:txFillClrLst meth="repeat">
+      <a:schemeClr val="tx1"/>
+    </dgm:txFillClrLst>
+    <dgm:txEffectClrLst/>
+  </dgm:styleLbl>
+  <dgm:styleLbl name="callout">
+    <dgm:fillClrLst meth="repeat">
+      <a:schemeClr val="accent1"/>
+    </dgm:fillClrLst>
+    <dgm:linClrLst meth="repeat">
+      <a:schemeClr val="accent1">
+        <a:tint val="50000"/>
+      </a:schemeClr>
+    </dgm:linClrLst>
+    <dgm:effectClrLst/>
+    <dgm:txLinClrLst/>
+    <dgm:txFillClrLst meth="repeat">
+      <a:schemeClr val="tx1"/>
+    </dgm:txFillClrLst>
+    <dgm:txEffectClrLst/>
+  </dgm:styleLbl>
+  <dgm:styleLbl name="asst0">
+    <dgm:fillClrLst meth="repeat">
+      <a:schemeClr val="accent1"/>
+    </dgm:fillClrLst>
+    <dgm:linClrLst meth="repeat">
+      <a:schemeClr val="lt1"/>
+    </dgm:linClrLst>
+    <dgm:effectClrLst/>
+    <dgm:txLinClrLst/>
+    <dgm:txFillClrLst/>
+    <dgm:txEffectClrLst/>
+  </dgm:styleLbl>
+  <dgm:styleLbl name="asst1">
+    <dgm:fillClrLst meth="repeat">
+      <a:schemeClr val="accent1"/>
+    </dgm:fillClrLst>
+    <dgm:linClrLst meth="repeat">
+      <a:schemeClr val="lt1"/>
+    </dgm:linClrLst>
+    <dgm:effectClrLst/>
+    <dgm:txLinClrLst/>
+    <dgm:txFillClrLst/>
+    <dgm:txEffectClrLst/>
+  </dgm:styleLbl>
+  <dgm:styleLbl name="asst2">
+    <dgm:fillClrLst meth="repeat">
+      <a:schemeClr val="accent1"/>
+    </dgm:fillClrLst>
+    <dgm:linClrLst meth="repeat">
+      <a:schemeClr val="lt1"/>
+    </dgm:linClrLst>
+    <dgm:effectClrLst/>
+    <dgm:txLinClrLst/>
+    <dgm:txFillClrLst/>
+    <dgm:txEffectClrLst/>
+  </dgm:styleLbl>
+  <dgm:styleLbl name="asst3">
+    <dgm:fillClrLst meth="repeat">
+      <a:schemeClr val="accent1"/>
+    </dgm:fillClrLst>
+    <dgm:linClrLst meth="repeat">
+      <a:schemeClr val="lt1"/>
+    </dgm:linClrLst>
+    <dgm:effectClrLst/>
+    <dgm:txLinClrLst/>
+    <dgm:txFillClrLst/>
+    <dgm:txEffectClrLst/>
+  </dgm:styleLbl>
+  <dgm:styleLbl name="asst4">
+    <dgm:fillClrLst meth="repeat">
+      <a:schemeClr val="accent1"/>
+    </dgm:fillClrLst>
+    <dgm:linClrLst meth="repeat">
+      <a:schemeClr val="lt1"/>
+    </dgm:linClrLst>
+    <dgm:effectClrLst/>
+    <dgm:txLinClrLst/>
+    <dgm:txFillClrLst/>
+    <dgm:txEffectClrLst/>
+  </dgm:styleLbl>
+  <dgm:styleLbl name="parChTrans2D1">
+    <dgm:fillClrLst meth="repeat">
+      <a:schemeClr val="accent1">
+        <a:tint val="60000"/>
+      </a:schemeClr>
+    </dgm:fillClrLst>
+    <dgm:linClrLst meth="repeat">
+      <a:schemeClr val="accent1">
+        <a:tint val="60000"/>
+      </a:schemeClr>
+    </dgm:linClrLst>
+    <dgm:effectClrLst/>
+    <dgm:txLinClrLst/>
+    <dgm:txFillClrLst meth="repeat">
+      <a:schemeClr val="lt1"/>
+    </dgm:txFillClrLst>
+    <dgm:txEffectClrLst/>
+  </dgm:styleLbl>
+  <dgm:styleLbl name="parChTrans2D2">
+    <dgm:fillClrLst meth="repeat">
+      <a:schemeClr val="accent1"/>
+    </dgm:fillClrLst>
+    <dgm:linClrLst meth="repeat">
+      <a:schemeClr val="accent1"/>
+    </dgm:linClrLst>
+    <dgm:effectClrLst/>
+    <dgm:txLinClrLst/>
+    <dgm:txFillClrLst meth="repeat">
+      <a:schemeClr val="lt1"/>
+    </dgm:txFillClrLst>
+    <dgm:txEffectClrLst/>
+  </dgm:styleLbl>
+  <dgm:styleLbl name="parChTrans2D3">
+    <dgm:fillClrLst meth="repeat">
+      <a:schemeClr val="accent1"/>
+    </dgm:fillClrLst>
+    <dgm:linClrLst meth="repeat">
+      <a:schemeClr val="accent1"/>
+    </dgm:linClrLst>
+    <dgm:effectClrLst/>
+    <dgm:txLinClrLst/>
+    <dgm:txFillClrLst meth="repeat">
+      <a:schemeClr val="lt1"/>
+    </dgm:txFillClrLst>
+    <dgm:txEffectClrLst/>
+  </dgm:styleLbl>
+  <dgm:styleLbl name="parChTrans2D4">
+    <dgm:fillClrLst meth="repeat">
+      <a:schemeClr val="accent1"/>
+    </dgm:fillClrLst>
+    <dgm:linClrLst meth="repeat">
+      <a:schemeClr val="accent1"/>
+    </dgm:linClrLst>
+    <dgm:effectClrLst/>
+    <dgm:txLinClrLst/>
+    <dgm:txFillClrLst meth="repeat">
+      <a:schemeClr val="lt1"/>
+    </dgm:txFillClrLst>
+    <dgm:txEffectClrLst/>
+  </dgm:styleLbl>
+  <dgm:styleLbl name="parChTrans1D1">
+    <dgm:fillClrLst meth="repeat">
+      <a:schemeClr val="accent1"/>
+    </dgm:fillClrLst>
+    <dgm:linClrLst meth="repeat">
+      <a:schemeClr val="accent1">
+        <a:shade val="60000"/>
+      </a:schemeClr>
+    </dgm:linClrLst>
+    <dgm:effectClrLst/>
+    <dgm:txLinClrLst/>
+    <dgm:txFillClrLst meth="repeat">
+      <a:schemeClr val="tx1"/>
+    </dgm:txFillClrLst>
+    <dgm:txEffectClrLst/>
+  </dgm:styleLbl>
+  <dgm:styleLbl name="parChTrans1D2">
+    <dgm:fillClrLst meth="repeat">
+      <a:schemeClr val="accent1"/>
+    </dgm:fillClrLst>
+    <dgm:linClrLst meth="repeat">
+      <a:schemeClr val="accent1">
+        <a:shade val="60000"/>
+      </a:schemeClr>
+    </dgm:linClrLst>
+    <dgm:effectClrLst/>
+    <dgm:txLinClrLst/>
+    <dgm:txFillClrLst meth="repeat">
+      <a:schemeClr val="tx1"/>
+    </dgm:txFillClrLst>
+    <dgm:txEffectClrLst/>
+  </dgm:styleLbl>
+  <dgm:styleLbl name="parChTrans1D3">
+    <dgm:fillClrLst meth="repeat">
+      <a:schemeClr val="accent1"/>
+    </dgm:fillClrLst>
+    <dgm:linClrLst meth="repeat">
+      <a:schemeClr val="accent1">
+        <a:shade val="80000"/>
+      </a:schemeClr>
+    </dgm:linClrLst>
+    <dgm:effectClrLst/>
+    <dgm:txLinClrLst/>
+    <dgm:txFillClrLst meth="repeat">
+      <a:schemeClr val="tx1"/>
+    </dgm:txFillClrLst>
+    <dgm:txEffectClrLst/>
+  </dgm:styleLbl>
+  <dgm:styleLbl name="parChTrans1D4">
+    <dgm:fillClrLst meth="repeat">
+      <a:schemeClr val="accent1"/>
+    </dgm:fillClrLst>
+    <dgm:linClrLst meth="repeat">
+      <a:schemeClr val="accent1">
+        <a:shade val="80000"/>
+      </a:schemeClr>
+    </dgm:linClrLst>
+    <dgm:effectClrLst/>
+    <dgm:txLinClrLst/>
+    <dgm:txFillClrLst meth="repeat">
+      <a:schemeClr val="tx1"/>
+    </dgm:txFillClrLst>
+    <dgm:txEffectClrLst/>
+  </dgm:styleLbl>
+  <dgm:styleLbl name="fgAcc1">
+    <dgm:fillClrLst meth="repeat">
+      <a:schemeClr val="lt1">
+        <a:alpha val="90000"/>
+      </a:schemeClr>
+    </dgm:fillClrLst>
+    <dgm:linClrLst meth="repeat">
+      <a:schemeClr val="accent1"/>
+    </dgm:linClrLst>
+    <dgm:effectClrLst/>
+    <dgm:txLinClrLst/>
+    <dgm:txFillClrLst meth="repeat">
+      <a:schemeClr val="dk1"/>
+    </dgm:txFillClrLst>
+    <dgm:txEffectClrLst/>
+  </dgm:styleLbl>
+  <dgm:styleLbl name="conFgAcc1">
+    <dgm:fillClrLst meth="repeat">
+      <a:schemeClr val="lt1">
+        <a:alpha val="90000"/>
+      </a:schemeClr>
+    </dgm:fillClrLst>
+    <dgm:linClrLst meth="repeat">
+      <a:schemeClr val="accent1"/>
+    </dgm:linClrLst>
+    <dgm:effectClrLst/>
+    <dgm:txLinClrLst/>
+    <dgm:txFillClrLst meth="repeat">
+      <a:schemeClr val="dk1"/>
+    </dgm:txFillClrLst>
+    <dgm:txEffectClrLst/>
+  </dgm:styleLbl>
+  <dgm:styleLbl name="alignAcc1">
+    <dgm:fillClrLst meth="repeat">
+      <a:schemeClr val="lt1">
+        <a:alpha val="90000"/>
+      </a:schemeClr>
+    </dgm:fillClrLst>
+    <dgm:linClrLst meth="repeat">
+      <a:schemeClr val="accent1"/>
+    </dgm:linClrLst>
+    <dgm:effectClrLst/>
+    <dgm:txLinClrLst/>
+    <dgm:txFillClrLst meth="repeat">
+      <a:schemeClr val="dk1"/>
+    </dgm:txFillClrLst>
+    <dgm:txEffectClrLst/>
+  </dgm:styleLbl>
+  <dgm:styleLbl name="trAlignAcc1">
+    <dgm:fillClrLst meth="repeat">
+      <a:schemeClr val="lt1">
+        <a:alpha val="40000"/>
+      </a:schemeClr>
+    </dgm:fillClrLst>
+    <dgm:linClrLst meth="repeat">
+      <a:schemeClr val="accent1"/>
+    </dgm:linClrLst>
+    <dgm:effectClrLst/>
+    <dgm:txLinClrLst/>
+    <dgm:txFillClrLst meth="repeat">
+      <a:schemeClr val="dk1"/>
+    </dgm:txFillClrLst>
+    <dgm:txEffectClrLst/>
+  </dgm:styleLbl>
+  <dgm:styleLbl name="bgAcc1">
+    <dgm:fillClrLst meth="repeat">
+      <a:schemeClr val="lt1">
+        <a:alpha val="90000"/>
+      </a:schemeClr>
+    </dgm:fillClrLst>
+    <dgm:linClrLst meth="repeat">
+      <a:schemeClr val="accent1"/>
+    </dgm:linClrLst>
+    <dgm:effectClrLst/>
+    <dgm:txLinClrLst/>
+    <dgm:txFillClrLst meth="repeat">
+      <a:schemeClr val="dk1"/>
+    </dgm:txFillClrLst>
+    <dgm:txEffectClrLst/>
+  </dgm:styleLbl>
+  <dgm:styleLbl name="solidFgAcc1">
+    <dgm:fillClrLst meth="repeat">
+      <a:schemeClr val="lt1"/>
+    </dgm:fillClrLst>
+    <dgm:linClrLst meth="repeat">
+      <a:schemeClr val="accent1"/>
+    </dgm:linClrLst>
+    <dgm:effectClrLst/>
+    <dgm:txLinClrLst/>
+    <dgm:txFillClrLst meth="repeat">
+      <a:schemeClr val="dk1"/>
+    </dgm:txFillClrLst>
+    <dgm:txEffectClrLst/>
+  </dgm:styleLbl>
+  <dgm:styleLbl name="solidAlignAcc1">
+    <dgm:fillClrLst meth="repeat">
+      <a:schemeClr val="lt1"/>
+    </dgm:fillClrLst>
+    <dgm:linClrLst meth="repeat">
+      <a:schemeClr val="accent1"/>
+    </dgm:linClrLst>
+    <dgm:effectClrLst/>
+    <dgm:txLinClrLst/>
+    <dgm:txFillClrLst meth="repeat">
+      <a:schemeClr val="dk1"/>
+    </dgm:txFillClrLst>
+    <dgm:txEffectClrLst/>
+  </dgm:styleLbl>
+  <dgm:styleLbl name="solidBgAcc1">
+    <dgm:fillClrLst meth="repeat">
+      <a:schemeClr val="lt1"/>
+    </dgm:fillClrLst>
+    <dgm:linClrLst meth="repeat">
+      <a:schemeClr val="accent1"/>
+    </dgm:linClrLst>
+    <dgm:effectClrLst/>
+    <dgm:txLinClrLst/>
+    <dgm:txFillClrLst meth="repeat">
+      <a:schemeClr val="dk1"/>
+    </dgm:txFillClrLst>
+    <dgm:txEffectClrLst/>
+  </dgm:styleLbl>
+  <dgm:styleLbl name="fgAccFollowNode1">
+    <dgm:fillClrLst meth="repeat">
+      <a:schemeClr val="accent1">
+        <a:alpha val="90000"/>
+        <a:tint val="40000"/>
+      </a:schemeClr>
+    </dgm:fillClrLst>
+    <dgm:linClrLst meth="repeat">
+      <a:schemeClr val="accent1">
+        <a:alpha val="90000"/>
+        <a:tint val="40000"/>
+      </a:schemeClr>
+    </dgm:linClrLst>
+    <dgm:effectClrLst/>
+    <dgm:txLinClrLst/>
+    <dgm:txFillClrLst meth="repeat">
+      <a:schemeClr val="dk1"/>
+    </dgm:txFillClrLst>
+    <dgm:txEffectClrLst/>
+  </dgm:styleLbl>
+  <dgm:styleLbl name="alignAccFollowNode1">
+    <dgm:fillClrLst meth="repeat">
+      <a:schemeClr val="accent1">
+        <a:alpha val="90000"/>
+        <a:tint val="40000"/>
+      </a:schemeClr>
+    </dgm:fillClrLst>
+    <dgm:linClrLst meth="repeat">
+      <a:schemeClr val="accent1">
+        <a:alpha val="90000"/>
+        <a:tint val="40000"/>
+      </a:schemeClr>
+    </dgm:linClrLst>
+    <dgm:effectClrLst/>
+    <dgm:txLinClrLst/>
+    <dgm:txFillClrLst meth="repeat">
+      <a:schemeClr val="dk1"/>
+    </dgm:txFillClrLst>
+    <dgm:txEffectClrLst/>
+  </dgm:styleLbl>
+  <dgm:styleLbl name="bgAccFollowNode1">
+    <dgm:fillClrLst meth="repeat">
+      <a:schemeClr val="accent1">
+        <a:alpha val="90000"/>
+        <a:tint val="40000"/>
+      </a:schemeClr>
+    </dgm:fillClrLst>
+    <dgm:linClrLst meth="repeat">
+      <a:schemeClr val="accent1">
+        <a:alpha val="90000"/>
+        <a:tint val="40000"/>
+      </a:schemeClr>
+    </dgm:linClrLst>
+    <dgm:effectClrLst/>
+    <dgm:txLinClrLst/>
+    <dgm:txFillClrLst meth="repeat">
+      <a:schemeClr val="dk1"/>
+    </dgm:txFillClrLst>
+    <dgm:txEffectClrLst/>
+  </dgm:styleLbl>
+  <dgm:styleLbl name="fgAcc0">
+    <dgm:fillClrLst meth="repeat">
+      <a:schemeClr val="lt1">
+        <a:alpha val="90000"/>
+      </a:schemeClr>
+    </dgm:fillClrLst>
+    <dgm:linClrLst meth="repeat">
+      <a:schemeClr val="accent1"/>
+    </dgm:linClrLst>
+    <dgm:effectClrLst/>
+    <dgm:txLinClrLst/>
+    <dgm:txFillClrLst meth="repeat">
+      <a:schemeClr val="dk1"/>
+    </dgm:txFillClrLst>
+    <dgm:txEffectClrLst/>
+  </dgm:styleLbl>
+  <dgm:styleLbl name="fgAcc2">
+    <dgm:fillClrLst meth="repeat">
+      <a:schemeClr val="lt1">
+        <a:alpha val="90000"/>
+      </a:schemeClr>
+    </dgm:fillClrLst>
+    <dgm:linClrLst meth="repeat">
+      <a:schemeClr val="accent1"/>
+    </dgm:linClrLst>
+    <dgm:effectClrLst/>
+    <dgm:txLinClrLst/>
+    <dgm:txFillClrLst meth="repeat">
+      <a:schemeClr val="dk1"/>
+    </dgm:txFillClrLst>
+    <dgm:txEffectClrLst/>
+  </dgm:styleLbl>
+  <dgm:styleLbl name="fgAcc3">
+    <dgm:fillClrLst meth="repeat">
+      <a:schemeClr val="lt1">
+        <a:alpha val="90000"/>
+      </a:schemeClr>
+    </dgm:fillClrLst>
+    <dgm:linClrLst meth="repeat">
+      <a:schemeClr val="accent1"/>
+    </dgm:linClrLst>
+    <dgm:effectClrLst/>
+    <dgm:txLinClrLst/>
+    <dgm:txFillClrLst meth="repeat">
+      <a:schemeClr val="dk1"/>
+    </dgm:txFillClrLst>
+    <dgm:txEffectClrLst/>
+  </dgm:styleLbl>
+  <dgm:styleLbl name="fgAcc4">
+    <dgm:fillClrLst meth="repeat">
+      <a:schemeClr val="lt1">
+        <a:alpha val="90000"/>
+      </a:schemeClr>
+    </dgm:fillClrLst>
+    <dgm:linClrLst meth="repeat">
+      <a:schemeClr val="accent1"/>
+    </dgm:linClrLst>
+    <dgm:effectClrLst/>
+    <dgm:txLinClrLst/>
+    <dgm:txFillClrLst meth="repeat">
+      <a:schemeClr val="dk1"/>
+    </dgm:txFillClrLst>
+    <dgm:txEffectClrLst/>
+  </dgm:styleLbl>
+  <dgm:styleLbl name="bgShp">
+    <dgm:fillClrLst meth="repeat">
+      <a:schemeClr val="accent1">
+        <a:tint val="40000"/>
+      </a:schemeClr>
+    </dgm:fillClrLst>
+    <dgm:linClrLst meth="repeat">
+      <a:schemeClr val="accent1"/>
+    </dgm:linClrLst>
+    <dgm:effectClrLst/>
+    <dgm:txLinClrLst/>
+    <dgm:txFillClrLst meth="repeat">
+      <a:schemeClr val="dk1"/>
+    </dgm:txFillClrLst>
+    <dgm:txEffectClrLst/>
+  </dgm:styleLbl>
+  <dgm:styleLbl name="dkBgShp">
+    <dgm:fillClrLst meth="repeat">
+      <a:schemeClr val="accent1">
+        <a:shade val="80000"/>
+      </a:schemeClr>
+    </dgm:fillClrLst>
+    <dgm:linClrLst meth="repeat">
+      <a:schemeClr val="accent1"/>
+    </dgm:linClrLst>
+    <dgm:effectClrLst/>
+    <dgm:txLinClrLst/>
+    <dgm:txFillClrLst meth="repeat">
+      <a:schemeClr val="lt1"/>
+    </dgm:txFillClrLst>
+    <dgm:txEffectClrLst/>
+  </dgm:styleLbl>
+  <dgm:styleLbl name="trBgShp">
+    <dgm:fillClrLst meth="repeat">
+      <a:schemeClr val="accent1">
+        <a:tint val="50000"/>
+        <a:alpha val="40000"/>
+      </a:schemeClr>
+    </dgm:fillClrLst>
+    <dgm:linClrLst meth="repeat">
+      <a:schemeClr val="accent1"/>
+    </dgm:linClrLst>
+    <dgm:effectClrLst/>
+    <dgm:txLinClrLst/>
+    <dgm:txFillClrLst meth="repeat">
+      <a:schemeClr val="lt1"/>
+    </dgm:txFillClrLst>
+    <dgm:txEffectClrLst/>
+  </dgm:styleLbl>
+  <dgm:styleLbl name="fgShp">
+    <dgm:fillClrLst meth="repeat">
+      <a:schemeClr val="accent1">
+        <a:tint val="60000"/>
+      </a:schemeClr>
+    </dgm:fillClrLst>
+    <dgm:linClrLst meth="repeat">
+      <a:schemeClr val="lt1"/>
+    </dgm:linClrLst>
+    <dgm:effectClrLst/>
+    <dgm:txLinClrLst/>
+    <dgm:txFillClrLst meth="repeat">
+      <a:schemeClr val="dk1"/>
+    </dgm:txFillClrLst>
+    <dgm:txEffectClrLst/>
+  </dgm:styleLbl>
+  <dgm:styleLbl name="revTx">
+    <dgm:fillClrLst meth="repeat">
+      <a:schemeClr val="lt1">
+        <a:alpha val="0"/>
+      </a:schemeClr>
+    </dgm:fillClrLst>
+    <dgm:linClrLst meth="repeat">
+      <a:schemeClr val="dk1">
+        <a:alpha val="0"/>
+      </a:schemeClr>
+    </dgm:linClrLst>
+    <dgm:effectClrLst/>
+    <dgm:txLinClrLst/>
+    <dgm:txFillClrLst meth="repeat">
+      <a:schemeClr val="tx1"/>
+    </dgm:txFillClrLst>
+    <dgm:txEffectClrLst/>
+  </dgm:styleLbl>
+</dgm:colorsDef>
+</file>
+
+<file path=ppt/diagrams/data1.xml><?xml version="1.0" encoding="utf-8"?>
+<dgm:dataModel xmlns:dgm="http://schemas.openxmlformats.org/drawingml/2006/diagram" xmlns:a="http://schemas.openxmlformats.org/drawingml/2006/main">
+  <dgm:ptLst>
+    <dgm:pt modelId="{EF132517-3220-4701-BBC7-819645313920}" type="doc">
+      <dgm:prSet loTypeId="urn:microsoft.com/office/officeart/2009/layout/CirclePictureHierarchy" loCatId="hierarchy" qsTypeId="urn:microsoft.com/office/officeart/2005/8/quickstyle/simple1" qsCatId="simple" csTypeId="urn:microsoft.com/office/officeart/2005/8/colors/accent1_2" csCatId="accent1" phldr="0"/>
+      <dgm:spPr/>
+      <dgm:t>
+        <a:bodyPr/>
+        <a:lstStyle/>
+        <a:p>
+          <a:endParaRPr lang="en-US"/>
+        </a:p>
+      </dgm:t>
+    </dgm:pt>
+    <dgm:pt modelId="{EF885D66-C8A3-4CD8-B132-E79CFA5F57FF}">
+      <dgm:prSet phldrT="[Text]" phldr="1"/>
+      <dgm:spPr/>
+      <dgm:t>
+        <a:bodyPr/>
+        <a:lstStyle/>
+        <a:p>
+          <a:endParaRPr lang="en-US"/>
+        </a:p>
+      </dgm:t>
+    </dgm:pt>
+    <dgm:pt modelId="{A5E561E8-12C8-4306-AB6E-8C6FBAE8AF71}" type="parTrans" cxnId="{30F0B092-D587-491E-976D-8F8F8D83E4F0}">
+      <dgm:prSet/>
+      <dgm:spPr/>
+      <dgm:t>
+        <a:bodyPr/>
+        <a:lstStyle/>
+        <a:p>
+          <a:endParaRPr lang="en-US"/>
+        </a:p>
+      </dgm:t>
+    </dgm:pt>
+    <dgm:pt modelId="{473A94C4-13BC-4553-A452-632F63B1D0C4}" type="sibTrans" cxnId="{30F0B092-D587-491E-976D-8F8F8D83E4F0}">
+      <dgm:prSet/>
+      <dgm:spPr/>
+      <dgm:t>
+        <a:bodyPr/>
+        <a:lstStyle/>
+        <a:p>
+          <a:endParaRPr lang="en-US"/>
+        </a:p>
+      </dgm:t>
+    </dgm:pt>
+    <dgm:pt modelId="{A50ED454-74F0-455C-9DA1-4B6B9760BB7D}">
+      <dgm:prSet phldrT="[Text]" phldr="1"/>
+      <dgm:spPr/>
+      <dgm:t>
+        <a:bodyPr/>
+        <a:lstStyle/>
+        <a:p>
+          <a:endParaRPr lang="en-US"/>
+        </a:p>
+      </dgm:t>
+    </dgm:pt>
+    <dgm:pt modelId="{9DC53156-EE53-484D-AF97-0B3E15718F24}" type="parTrans" cxnId="{5A4FF57B-F11E-4B4E-B848-4DDDEED218F3}">
+      <dgm:prSet/>
+      <dgm:spPr/>
+      <dgm:t>
+        <a:bodyPr/>
+        <a:lstStyle/>
+        <a:p>
+          <a:endParaRPr lang="en-US"/>
+        </a:p>
+      </dgm:t>
+    </dgm:pt>
+    <dgm:pt modelId="{F4846E75-FD04-4A3B-AD5F-3D8B79AA31AC}" type="sibTrans" cxnId="{5A4FF57B-F11E-4B4E-B848-4DDDEED218F3}">
+      <dgm:prSet/>
+      <dgm:spPr/>
+      <dgm:t>
+        <a:bodyPr/>
+        <a:lstStyle/>
+        <a:p>
+          <a:endParaRPr lang="en-US"/>
+        </a:p>
+      </dgm:t>
+    </dgm:pt>
+    <dgm:pt modelId="{2A85E38F-D802-4982-8DC7-D2D6DD04FF24}">
+      <dgm:prSet phldrT="[Text]" phldr="1"/>
+      <dgm:spPr/>
+      <dgm:t>
+        <a:bodyPr/>
+        <a:lstStyle/>
+        <a:p>
+          <a:endParaRPr lang="en-US"/>
+        </a:p>
+      </dgm:t>
+    </dgm:pt>
+    <dgm:pt modelId="{B55888B8-87CD-413C-BC65-D00C6D8E790E}" type="parTrans" cxnId="{530AF61F-92E2-4BF4-9E30-1E7C887D7213}">
+      <dgm:prSet/>
+      <dgm:spPr/>
+      <dgm:t>
+        <a:bodyPr/>
+        <a:lstStyle/>
+        <a:p>
+          <a:endParaRPr lang="en-US"/>
+        </a:p>
+      </dgm:t>
+    </dgm:pt>
+    <dgm:pt modelId="{68144148-F7A2-4F9D-9357-0BC688270EEA}" type="sibTrans" cxnId="{530AF61F-92E2-4BF4-9E30-1E7C887D7213}">
+      <dgm:prSet/>
+      <dgm:spPr/>
+      <dgm:t>
+        <a:bodyPr/>
+        <a:lstStyle/>
+        <a:p>
+          <a:endParaRPr lang="en-US"/>
+        </a:p>
+      </dgm:t>
+    </dgm:pt>
+    <dgm:pt modelId="{95EF6D42-0BD9-4784-BAB4-5C08184BFA71}">
+      <dgm:prSet phldrT="[Text]" phldr="1"/>
+      <dgm:spPr/>
+      <dgm:t>
+        <a:bodyPr/>
+        <a:lstStyle/>
+        <a:p>
+          <a:endParaRPr lang="en-US"/>
+        </a:p>
+      </dgm:t>
+    </dgm:pt>
+    <dgm:pt modelId="{E751EA79-FDE5-47CB-9200-B21E11FA2F97}" type="parTrans" cxnId="{FEDF24FE-C5EF-4E32-9E40-3F3E10F1B03C}">
+      <dgm:prSet/>
+      <dgm:spPr/>
+      <dgm:t>
+        <a:bodyPr/>
+        <a:lstStyle/>
+        <a:p>
+          <a:endParaRPr lang="en-US"/>
+        </a:p>
+      </dgm:t>
+    </dgm:pt>
+    <dgm:pt modelId="{77CC3885-1891-4C4C-9C9B-AEC832A389C9}" type="sibTrans" cxnId="{FEDF24FE-C5EF-4E32-9E40-3F3E10F1B03C}">
+      <dgm:prSet/>
+      <dgm:spPr/>
+      <dgm:t>
+        <a:bodyPr/>
+        <a:lstStyle/>
+        <a:p>
+          <a:endParaRPr lang="en-US"/>
+        </a:p>
+      </dgm:t>
+    </dgm:pt>
+    <dgm:pt modelId="{F82505DA-08F0-4975-82BE-F42119B73A1F}">
+      <dgm:prSet phldrT="[Text]" phldr="1"/>
+      <dgm:spPr/>
+      <dgm:t>
+        <a:bodyPr/>
+        <a:lstStyle/>
+        <a:p>
+          <a:endParaRPr lang="en-US"/>
+        </a:p>
+      </dgm:t>
+    </dgm:pt>
+    <dgm:pt modelId="{E5864822-2E05-42CB-A9B9-36BDFC019482}" type="parTrans" cxnId="{CFB29363-142C-471F-8B14-1A6757B64EA2}">
+      <dgm:prSet/>
+      <dgm:spPr/>
+      <dgm:t>
+        <a:bodyPr/>
+        <a:lstStyle/>
+        <a:p>
+          <a:endParaRPr lang="en-US"/>
+        </a:p>
+      </dgm:t>
+    </dgm:pt>
+    <dgm:pt modelId="{FC8C7142-21FF-422D-9450-A0167C9E1BC6}" type="sibTrans" cxnId="{CFB29363-142C-471F-8B14-1A6757B64EA2}">
+      <dgm:prSet/>
+      <dgm:spPr/>
+      <dgm:t>
+        <a:bodyPr/>
+        <a:lstStyle/>
+        <a:p>
+          <a:endParaRPr lang="en-US"/>
+        </a:p>
+      </dgm:t>
+    </dgm:pt>
+    <dgm:pt modelId="{3BA4C0AC-3F49-474C-ABD7-73E7866A54DA}">
+      <dgm:prSet phldrT="[Text]" phldr="1"/>
+      <dgm:spPr/>
+      <dgm:t>
+        <a:bodyPr/>
+        <a:lstStyle/>
+        <a:p>
+          <a:endParaRPr lang="en-US"/>
+        </a:p>
+      </dgm:t>
+    </dgm:pt>
+    <dgm:pt modelId="{05B9AE23-30FF-4E94-AEE5-C9AD5D404053}" type="parTrans" cxnId="{CE9C95E7-CC87-4A5E-B336-790DBF474F3A}">
+      <dgm:prSet/>
+      <dgm:spPr/>
+      <dgm:t>
+        <a:bodyPr/>
+        <a:lstStyle/>
+        <a:p>
+          <a:endParaRPr lang="en-US"/>
+        </a:p>
+      </dgm:t>
+    </dgm:pt>
+    <dgm:pt modelId="{67EFF7AE-0AA3-4A97-87EB-FAEFB431FFE4}" type="sibTrans" cxnId="{CE9C95E7-CC87-4A5E-B336-790DBF474F3A}">
+      <dgm:prSet/>
+      <dgm:spPr/>
+      <dgm:t>
+        <a:bodyPr/>
+        <a:lstStyle/>
+        <a:p>
+          <a:endParaRPr lang="en-US"/>
+        </a:p>
+      </dgm:t>
+    </dgm:pt>
+    <dgm:pt modelId="{BF704F99-1B5C-4237-B829-97E0735F51CB}" type="pres">
+      <dgm:prSet presAssocID="{EF132517-3220-4701-BBC7-819645313920}" presName="hierChild1" presStyleCnt="0">
+        <dgm:presLayoutVars>
+          <dgm:chPref val="1"/>
+          <dgm:dir/>
+          <dgm:animOne val="branch"/>
+          <dgm:animLvl val="lvl"/>
+          <dgm:resizeHandles/>
+        </dgm:presLayoutVars>
+      </dgm:prSet>
+      <dgm:spPr/>
+    </dgm:pt>
+    <dgm:pt modelId="{7B963062-DFA3-438A-B5A2-2D2349B5A4D3}" type="pres">
+      <dgm:prSet presAssocID="{EF885D66-C8A3-4CD8-B132-E79CFA5F57FF}" presName="hierRoot1" presStyleCnt="0"/>
+      <dgm:spPr/>
+    </dgm:pt>
+    <dgm:pt modelId="{7D3E997C-F13B-40B1-9562-6044520E219E}" type="pres">
+      <dgm:prSet presAssocID="{EF885D66-C8A3-4CD8-B132-E79CFA5F57FF}" presName="composite" presStyleCnt="0"/>
+      <dgm:spPr/>
+    </dgm:pt>
+    <dgm:pt modelId="{638E82CF-55AE-4862-816D-A6BB800B232B}" type="pres">
+      <dgm:prSet presAssocID="{EF885D66-C8A3-4CD8-B132-E79CFA5F57FF}" presName="image" presStyleLbl="node0" presStyleIdx="0" presStyleCnt="1"/>
+      <dgm:spPr/>
+    </dgm:pt>
+    <dgm:pt modelId="{C326757F-1024-4D5A-A7A0-B14D13732027}" type="pres">
+      <dgm:prSet presAssocID="{EF885D66-C8A3-4CD8-B132-E79CFA5F57FF}" presName="text" presStyleLbl="revTx" presStyleIdx="0" presStyleCnt="6">
+        <dgm:presLayoutVars>
+          <dgm:chPref val="3"/>
+        </dgm:presLayoutVars>
+      </dgm:prSet>
+      <dgm:spPr/>
+    </dgm:pt>
+    <dgm:pt modelId="{209CB341-8EC8-4BE0-851A-85C5D3290154}" type="pres">
+      <dgm:prSet presAssocID="{EF885D66-C8A3-4CD8-B132-E79CFA5F57FF}" presName="hierChild2" presStyleCnt="0"/>
+      <dgm:spPr/>
+    </dgm:pt>
+    <dgm:pt modelId="{79958511-BDF2-41B3-B1A8-2D719DC66AEB}" type="pres">
+      <dgm:prSet presAssocID="{9DC53156-EE53-484D-AF97-0B3E15718F24}" presName="Name10" presStyleLbl="parChTrans1D2" presStyleIdx="0" presStyleCnt="2"/>
+      <dgm:spPr/>
+    </dgm:pt>
+    <dgm:pt modelId="{378EEB8E-3CF2-462C-B2BE-EA91BF13BD6A}" type="pres">
+      <dgm:prSet presAssocID="{A50ED454-74F0-455C-9DA1-4B6B9760BB7D}" presName="hierRoot2" presStyleCnt="0"/>
+      <dgm:spPr/>
+    </dgm:pt>
+    <dgm:pt modelId="{7C717012-E13F-4572-8F0E-CF316F91F536}" type="pres">
+      <dgm:prSet presAssocID="{A50ED454-74F0-455C-9DA1-4B6B9760BB7D}" presName="composite2" presStyleCnt="0"/>
+      <dgm:spPr/>
+    </dgm:pt>
+    <dgm:pt modelId="{2DF5FA19-5CBB-43FA-9423-D10AB6AEFF24}" type="pres">
+      <dgm:prSet presAssocID="{A50ED454-74F0-455C-9DA1-4B6B9760BB7D}" presName="image2" presStyleLbl="node2" presStyleIdx="0" presStyleCnt="2"/>
+      <dgm:spPr/>
+    </dgm:pt>
+    <dgm:pt modelId="{45A9FB55-75B8-4B3B-9201-A336E3EFFB58}" type="pres">
+      <dgm:prSet presAssocID="{A50ED454-74F0-455C-9DA1-4B6B9760BB7D}" presName="text2" presStyleLbl="revTx" presStyleIdx="1" presStyleCnt="6">
+        <dgm:presLayoutVars>
+          <dgm:chPref val="3"/>
+        </dgm:presLayoutVars>
+      </dgm:prSet>
+      <dgm:spPr/>
+    </dgm:pt>
+    <dgm:pt modelId="{29C95432-28CB-4F74-A627-8BB6A55DC592}" type="pres">
+      <dgm:prSet presAssocID="{A50ED454-74F0-455C-9DA1-4B6B9760BB7D}" presName="hierChild3" presStyleCnt="0"/>
+      <dgm:spPr/>
+    </dgm:pt>
+    <dgm:pt modelId="{D95A4449-6997-4422-9712-A60F3C4780AB}" type="pres">
+      <dgm:prSet presAssocID="{B55888B8-87CD-413C-BC65-D00C6D8E790E}" presName="Name17" presStyleLbl="parChTrans1D3" presStyleIdx="0" presStyleCnt="3"/>
+      <dgm:spPr/>
+    </dgm:pt>
+    <dgm:pt modelId="{70D0E238-B2F4-463C-A62A-659E5B007AF7}" type="pres">
+      <dgm:prSet presAssocID="{2A85E38F-D802-4982-8DC7-D2D6DD04FF24}" presName="hierRoot3" presStyleCnt="0"/>
+      <dgm:spPr/>
+    </dgm:pt>
+    <dgm:pt modelId="{8AFC34B3-C8CE-409E-ADC6-D4489E13F899}" type="pres">
+      <dgm:prSet presAssocID="{2A85E38F-D802-4982-8DC7-D2D6DD04FF24}" presName="composite3" presStyleCnt="0"/>
+      <dgm:spPr/>
+    </dgm:pt>
+    <dgm:pt modelId="{D740079B-5ADA-4C72-9B24-EF893D34D6D9}" type="pres">
+      <dgm:prSet presAssocID="{2A85E38F-D802-4982-8DC7-D2D6DD04FF24}" presName="image3" presStyleLbl="node3" presStyleIdx="0" presStyleCnt="3"/>
+      <dgm:spPr/>
+    </dgm:pt>
+    <dgm:pt modelId="{0234F396-4892-464D-B858-941D22301C82}" type="pres">
+      <dgm:prSet presAssocID="{2A85E38F-D802-4982-8DC7-D2D6DD04FF24}" presName="text3" presStyleLbl="revTx" presStyleIdx="2" presStyleCnt="6">
+        <dgm:presLayoutVars>
+          <dgm:chPref val="3"/>
+        </dgm:presLayoutVars>
+      </dgm:prSet>
+      <dgm:spPr/>
+    </dgm:pt>
+    <dgm:pt modelId="{804B4245-BF83-4600-96F9-C35E7D275DFC}" type="pres">
+      <dgm:prSet presAssocID="{2A85E38F-D802-4982-8DC7-D2D6DD04FF24}" presName="hierChild4" presStyleCnt="0"/>
+      <dgm:spPr/>
+    </dgm:pt>
+    <dgm:pt modelId="{1A1BECF5-C339-4969-96F2-73DBDFB79E3D}" type="pres">
+      <dgm:prSet presAssocID="{E751EA79-FDE5-47CB-9200-B21E11FA2F97}" presName="Name17" presStyleLbl="parChTrans1D3" presStyleIdx="1" presStyleCnt="3"/>
+      <dgm:spPr/>
+    </dgm:pt>
+    <dgm:pt modelId="{BF8B20AF-3B99-44C3-B538-589515333448}" type="pres">
+      <dgm:prSet presAssocID="{95EF6D42-0BD9-4784-BAB4-5C08184BFA71}" presName="hierRoot3" presStyleCnt="0"/>
+      <dgm:spPr/>
+    </dgm:pt>
+    <dgm:pt modelId="{ADBEA705-F723-4244-8E7D-89425E44AA31}" type="pres">
+      <dgm:prSet presAssocID="{95EF6D42-0BD9-4784-BAB4-5C08184BFA71}" presName="composite3" presStyleCnt="0"/>
+      <dgm:spPr/>
+    </dgm:pt>
+    <dgm:pt modelId="{CDF8570D-939E-4733-990D-993518D5E49C}" type="pres">
+      <dgm:prSet presAssocID="{95EF6D42-0BD9-4784-BAB4-5C08184BFA71}" presName="image3" presStyleLbl="node3" presStyleIdx="1" presStyleCnt="3"/>
+      <dgm:spPr/>
+    </dgm:pt>
+    <dgm:pt modelId="{5C0B7FF6-715E-499F-BE6D-A06C22C47A2D}" type="pres">
+      <dgm:prSet presAssocID="{95EF6D42-0BD9-4784-BAB4-5C08184BFA71}" presName="text3" presStyleLbl="revTx" presStyleIdx="3" presStyleCnt="6">
+        <dgm:presLayoutVars>
+          <dgm:chPref val="3"/>
+        </dgm:presLayoutVars>
+      </dgm:prSet>
+      <dgm:spPr/>
+    </dgm:pt>
+    <dgm:pt modelId="{9229E627-0C3A-408F-BF4A-BAC118D384F6}" type="pres">
+      <dgm:prSet presAssocID="{95EF6D42-0BD9-4784-BAB4-5C08184BFA71}" presName="hierChild4" presStyleCnt="0"/>
+      <dgm:spPr/>
+    </dgm:pt>
+    <dgm:pt modelId="{284247AB-C109-4FFE-B31B-C670B6FD8252}" type="pres">
+      <dgm:prSet presAssocID="{E5864822-2E05-42CB-A9B9-36BDFC019482}" presName="Name10" presStyleLbl="parChTrans1D2" presStyleIdx="1" presStyleCnt="2"/>
+      <dgm:spPr/>
+    </dgm:pt>
+    <dgm:pt modelId="{2DD50392-E44B-4BA4-85F4-77B54D0BD568}" type="pres">
+      <dgm:prSet presAssocID="{F82505DA-08F0-4975-82BE-F42119B73A1F}" presName="hierRoot2" presStyleCnt="0"/>
+      <dgm:spPr/>
+    </dgm:pt>
+    <dgm:pt modelId="{3B2249B3-D5AB-471C-ADD9-1A5C2560EDD9}" type="pres">
+      <dgm:prSet presAssocID="{F82505DA-08F0-4975-82BE-F42119B73A1F}" presName="composite2" presStyleCnt="0"/>
+      <dgm:spPr/>
+    </dgm:pt>
+    <dgm:pt modelId="{19D6A517-C946-444E-A305-1FF476F35814}" type="pres">
+      <dgm:prSet presAssocID="{F82505DA-08F0-4975-82BE-F42119B73A1F}" presName="image2" presStyleLbl="node2" presStyleIdx="1" presStyleCnt="2"/>
+      <dgm:spPr/>
+    </dgm:pt>
+    <dgm:pt modelId="{0831A7E1-CC16-406B-8053-6237453879BB}" type="pres">
+      <dgm:prSet presAssocID="{F82505DA-08F0-4975-82BE-F42119B73A1F}" presName="text2" presStyleLbl="revTx" presStyleIdx="4" presStyleCnt="6">
+        <dgm:presLayoutVars>
+          <dgm:chPref val="3"/>
+        </dgm:presLayoutVars>
+      </dgm:prSet>
+      <dgm:spPr/>
+    </dgm:pt>
+    <dgm:pt modelId="{93815F54-B7B4-40F7-BB5B-CACD0E441B7E}" type="pres">
+      <dgm:prSet presAssocID="{F82505DA-08F0-4975-82BE-F42119B73A1F}" presName="hierChild3" presStyleCnt="0"/>
+      <dgm:spPr/>
+    </dgm:pt>
+    <dgm:pt modelId="{F5F9A536-0F10-46F8-8A93-5DA436E2BDCC}" type="pres">
+      <dgm:prSet presAssocID="{05B9AE23-30FF-4E94-AEE5-C9AD5D404053}" presName="Name17" presStyleLbl="parChTrans1D3" presStyleIdx="2" presStyleCnt="3"/>
+      <dgm:spPr/>
+    </dgm:pt>
+    <dgm:pt modelId="{B30D26D9-496A-4277-A8CA-8D86CACCA824}" type="pres">
+      <dgm:prSet presAssocID="{3BA4C0AC-3F49-474C-ABD7-73E7866A54DA}" presName="hierRoot3" presStyleCnt="0"/>
+      <dgm:spPr/>
+    </dgm:pt>
+    <dgm:pt modelId="{2486E653-12A9-44EE-83EE-F744354247B9}" type="pres">
+      <dgm:prSet presAssocID="{3BA4C0AC-3F49-474C-ABD7-73E7866A54DA}" presName="composite3" presStyleCnt="0"/>
+      <dgm:spPr/>
+    </dgm:pt>
+    <dgm:pt modelId="{1529B754-6379-4D7C-9E9F-A51044B567DC}" type="pres">
+      <dgm:prSet presAssocID="{3BA4C0AC-3F49-474C-ABD7-73E7866A54DA}" presName="image3" presStyleLbl="node3" presStyleIdx="2" presStyleCnt="3"/>
+      <dgm:spPr/>
+    </dgm:pt>
+    <dgm:pt modelId="{5463697F-483A-41A5-B4BD-E8E8F8C3C61C}" type="pres">
+      <dgm:prSet presAssocID="{3BA4C0AC-3F49-474C-ABD7-73E7866A54DA}" presName="text3" presStyleLbl="revTx" presStyleIdx="5" presStyleCnt="6">
+        <dgm:presLayoutVars>
+          <dgm:chPref val="3"/>
+        </dgm:presLayoutVars>
+      </dgm:prSet>
+      <dgm:spPr/>
+    </dgm:pt>
+    <dgm:pt modelId="{4E454605-0C61-4B34-A5B0-33BCE37C2A34}" type="pres">
+      <dgm:prSet presAssocID="{3BA4C0AC-3F49-474C-ABD7-73E7866A54DA}" presName="hierChild4" presStyleCnt="0"/>
+      <dgm:spPr/>
+    </dgm:pt>
+  </dgm:ptLst>
+  <dgm:cxnLst>
+    <dgm:cxn modelId="{2D74219D-E49B-42D3-92F1-679A08946308}" type="presOf" srcId="{3BA4C0AC-3F49-474C-ABD7-73E7866A54DA}" destId="{5463697F-483A-41A5-B4BD-E8E8F8C3C61C}" srcOrd="0" destOrd="0" presId="urn:microsoft.com/office/officeart/2009/layout/CirclePictureHierarchy"/>
+    <dgm:cxn modelId="{25F98766-63BA-4706-98C6-D80BE9DCAC14}" type="presOf" srcId="{F82505DA-08F0-4975-82BE-F42119B73A1F}" destId="{0831A7E1-CC16-406B-8053-6237453879BB}" srcOrd="0" destOrd="0" presId="urn:microsoft.com/office/officeart/2009/layout/CirclePictureHierarchy"/>
+    <dgm:cxn modelId="{02FBBC62-B9FC-4546-BF22-ED76314EA0F0}" type="presOf" srcId="{9DC53156-EE53-484D-AF97-0B3E15718F24}" destId="{79958511-BDF2-41B3-B1A8-2D719DC66AEB}" srcOrd="0" destOrd="0" presId="urn:microsoft.com/office/officeart/2009/layout/CirclePictureHierarchy"/>
+    <dgm:cxn modelId="{CE9C95E7-CC87-4A5E-B336-790DBF474F3A}" srcId="{F82505DA-08F0-4975-82BE-F42119B73A1F}" destId="{3BA4C0AC-3F49-474C-ABD7-73E7866A54DA}" srcOrd="0" destOrd="0" parTransId="{05B9AE23-30FF-4E94-AEE5-C9AD5D404053}" sibTransId="{67EFF7AE-0AA3-4A97-87EB-FAEFB431FFE4}"/>
+    <dgm:cxn modelId="{1CC15D96-5330-4FD6-BE7C-B89C0DDFF4E3}" type="presOf" srcId="{95EF6D42-0BD9-4784-BAB4-5C08184BFA71}" destId="{5C0B7FF6-715E-499F-BE6D-A06C22C47A2D}" srcOrd="0" destOrd="0" presId="urn:microsoft.com/office/officeart/2009/layout/CirclePictureHierarchy"/>
+    <dgm:cxn modelId="{40F0C3EF-8AB7-414E-961E-3790A384922E}" type="presOf" srcId="{A50ED454-74F0-455C-9DA1-4B6B9760BB7D}" destId="{45A9FB55-75B8-4B3B-9201-A336E3EFFB58}" srcOrd="0" destOrd="0" presId="urn:microsoft.com/office/officeart/2009/layout/CirclePictureHierarchy"/>
+    <dgm:cxn modelId="{6C92795E-55A6-4A16-8531-E4391D31FEF1}" type="presOf" srcId="{E5864822-2E05-42CB-A9B9-36BDFC019482}" destId="{284247AB-C109-4FFE-B31B-C670B6FD8252}" srcOrd="0" destOrd="0" presId="urn:microsoft.com/office/officeart/2009/layout/CirclePictureHierarchy"/>
+    <dgm:cxn modelId="{CFB29363-142C-471F-8B14-1A6757B64EA2}" srcId="{EF885D66-C8A3-4CD8-B132-E79CFA5F57FF}" destId="{F82505DA-08F0-4975-82BE-F42119B73A1F}" srcOrd="1" destOrd="0" parTransId="{E5864822-2E05-42CB-A9B9-36BDFC019482}" sibTransId="{FC8C7142-21FF-422D-9450-A0167C9E1BC6}"/>
+    <dgm:cxn modelId="{30F0B092-D587-491E-976D-8F8F8D83E4F0}" srcId="{EF132517-3220-4701-BBC7-819645313920}" destId="{EF885D66-C8A3-4CD8-B132-E79CFA5F57FF}" srcOrd="0" destOrd="0" parTransId="{A5E561E8-12C8-4306-AB6E-8C6FBAE8AF71}" sibTransId="{473A94C4-13BC-4553-A452-632F63B1D0C4}"/>
+    <dgm:cxn modelId="{21376F63-F6E4-4C90-A2C2-3B873A34965E}" type="presOf" srcId="{E751EA79-FDE5-47CB-9200-B21E11FA2F97}" destId="{1A1BECF5-C339-4969-96F2-73DBDFB79E3D}" srcOrd="0" destOrd="0" presId="urn:microsoft.com/office/officeart/2009/layout/CirclePictureHierarchy"/>
+    <dgm:cxn modelId="{1844058B-E040-4365-930B-436B4F823DDF}" type="presOf" srcId="{EF132517-3220-4701-BBC7-819645313920}" destId="{BF704F99-1B5C-4237-B829-97E0735F51CB}" srcOrd="0" destOrd="0" presId="urn:microsoft.com/office/officeart/2009/layout/CirclePictureHierarchy"/>
+    <dgm:cxn modelId="{5A4FF57B-F11E-4B4E-B848-4DDDEED218F3}" srcId="{EF885D66-C8A3-4CD8-B132-E79CFA5F57FF}" destId="{A50ED454-74F0-455C-9DA1-4B6B9760BB7D}" srcOrd="0" destOrd="0" parTransId="{9DC53156-EE53-484D-AF97-0B3E15718F24}" sibTransId="{F4846E75-FD04-4A3B-AD5F-3D8B79AA31AC}"/>
+    <dgm:cxn modelId="{530AF61F-92E2-4BF4-9E30-1E7C887D7213}" srcId="{A50ED454-74F0-455C-9DA1-4B6B9760BB7D}" destId="{2A85E38F-D802-4982-8DC7-D2D6DD04FF24}" srcOrd="0" destOrd="0" parTransId="{B55888B8-87CD-413C-BC65-D00C6D8E790E}" sibTransId="{68144148-F7A2-4F9D-9357-0BC688270EEA}"/>
+    <dgm:cxn modelId="{831A841A-2592-44FD-888B-A47C760DDE50}" type="presOf" srcId="{2A85E38F-D802-4982-8DC7-D2D6DD04FF24}" destId="{0234F396-4892-464D-B858-941D22301C82}" srcOrd="0" destOrd="0" presId="urn:microsoft.com/office/officeart/2009/layout/CirclePictureHierarchy"/>
+    <dgm:cxn modelId="{2B9F29E4-FD79-4AFC-A9E4-C5E2B7F4B7BB}" type="presOf" srcId="{B55888B8-87CD-413C-BC65-D00C6D8E790E}" destId="{D95A4449-6997-4422-9712-A60F3C4780AB}" srcOrd="0" destOrd="0" presId="urn:microsoft.com/office/officeart/2009/layout/CirclePictureHierarchy"/>
+    <dgm:cxn modelId="{1CBB1CC1-B8A1-4329-A0A4-13FBB1245FE7}" type="presOf" srcId="{05B9AE23-30FF-4E94-AEE5-C9AD5D404053}" destId="{F5F9A536-0F10-46F8-8A93-5DA436E2BDCC}" srcOrd="0" destOrd="0" presId="urn:microsoft.com/office/officeart/2009/layout/CirclePictureHierarchy"/>
+    <dgm:cxn modelId="{AFAAC57B-7412-4022-BD9F-42A10A5ED524}" type="presOf" srcId="{EF885D66-C8A3-4CD8-B132-E79CFA5F57FF}" destId="{C326757F-1024-4D5A-A7A0-B14D13732027}" srcOrd="0" destOrd="0" presId="urn:microsoft.com/office/officeart/2009/layout/CirclePictureHierarchy"/>
+    <dgm:cxn modelId="{FEDF24FE-C5EF-4E32-9E40-3F3E10F1B03C}" srcId="{A50ED454-74F0-455C-9DA1-4B6B9760BB7D}" destId="{95EF6D42-0BD9-4784-BAB4-5C08184BFA71}" srcOrd="1" destOrd="0" parTransId="{E751EA79-FDE5-47CB-9200-B21E11FA2F97}" sibTransId="{77CC3885-1891-4C4C-9C9B-AEC832A389C9}"/>
+    <dgm:cxn modelId="{72AFDF3B-B393-4DAB-A21C-EABC17DB623C}" type="presParOf" srcId="{BF704F99-1B5C-4237-B829-97E0735F51CB}" destId="{7B963062-DFA3-438A-B5A2-2D2349B5A4D3}" srcOrd="0" destOrd="0" presId="urn:microsoft.com/office/officeart/2009/layout/CirclePictureHierarchy"/>
+    <dgm:cxn modelId="{6C603054-FB5F-4D1B-B905-50535700595E}" type="presParOf" srcId="{7B963062-DFA3-438A-B5A2-2D2349B5A4D3}" destId="{7D3E997C-F13B-40B1-9562-6044520E219E}" srcOrd="0" destOrd="0" presId="urn:microsoft.com/office/officeart/2009/layout/CirclePictureHierarchy"/>
+    <dgm:cxn modelId="{9E817233-3B46-4422-B396-DE899DE36D30}" type="presParOf" srcId="{7D3E997C-F13B-40B1-9562-6044520E219E}" destId="{638E82CF-55AE-4862-816D-A6BB800B232B}" srcOrd="0" destOrd="0" presId="urn:microsoft.com/office/officeart/2009/layout/CirclePictureHierarchy"/>
+    <dgm:cxn modelId="{FEED9565-75B9-4873-AAAB-2E1BBF009DA4}" type="presParOf" srcId="{7D3E997C-F13B-40B1-9562-6044520E219E}" destId="{C326757F-1024-4D5A-A7A0-B14D13732027}" srcOrd="1" destOrd="0" presId="urn:microsoft.com/office/officeart/2009/layout/CirclePictureHierarchy"/>
+    <dgm:cxn modelId="{2E5D79D3-BD12-4F11-9A3F-9D1956308EFF}" type="presParOf" srcId="{7B963062-DFA3-438A-B5A2-2D2349B5A4D3}" destId="{209CB341-8EC8-4BE0-851A-85C5D3290154}" srcOrd="1" destOrd="0" presId="urn:microsoft.com/office/officeart/2009/layout/CirclePictureHierarchy"/>
+    <dgm:cxn modelId="{01A0E4E5-3139-4C46-B579-D1AB2F6A938B}" type="presParOf" srcId="{209CB341-8EC8-4BE0-851A-85C5D3290154}" destId="{79958511-BDF2-41B3-B1A8-2D719DC66AEB}" srcOrd="0" destOrd="0" presId="urn:microsoft.com/office/officeart/2009/layout/CirclePictureHierarchy"/>
+    <dgm:cxn modelId="{574BE4AF-0ED9-4AE7-B1BD-DFED4205948A}" type="presParOf" srcId="{209CB341-8EC8-4BE0-851A-85C5D3290154}" destId="{378EEB8E-3CF2-462C-B2BE-EA91BF13BD6A}" srcOrd="1" destOrd="0" presId="urn:microsoft.com/office/officeart/2009/layout/CirclePictureHierarchy"/>
+    <dgm:cxn modelId="{BF4E94CF-A224-4C8A-8922-43D373F12D60}" type="presParOf" srcId="{378EEB8E-3CF2-462C-B2BE-EA91BF13BD6A}" destId="{7C717012-E13F-4572-8F0E-CF316F91F536}" srcOrd="0" destOrd="0" presId="urn:microsoft.com/office/officeart/2009/layout/CirclePictureHierarchy"/>
+    <dgm:cxn modelId="{6B5E9372-BE11-427A-8C75-BE17CAF70119}" type="presParOf" srcId="{7C717012-E13F-4572-8F0E-CF316F91F536}" destId="{2DF5FA19-5CBB-43FA-9423-D10AB6AEFF24}" srcOrd="0" destOrd="0" presId="urn:microsoft.com/office/officeart/2009/layout/CirclePictureHierarchy"/>
+    <dgm:cxn modelId="{8E6049E7-197E-4CAF-BBE0-705DFBE524EC}" type="presParOf" srcId="{7C717012-E13F-4572-8F0E-CF316F91F536}" destId="{45A9FB55-75B8-4B3B-9201-A336E3EFFB58}" srcOrd="1" destOrd="0" presId="urn:microsoft.com/office/officeart/2009/layout/CirclePictureHierarchy"/>
+    <dgm:cxn modelId="{C603FDF1-502D-4320-924E-7648C5049C65}" type="presParOf" srcId="{378EEB8E-3CF2-462C-B2BE-EA91BF13BD6A}" destId="{29C95432-28CB-4F74-A627-8BB6A55DC592}" srcOrd="1" destOrd="0" presId="urn:microsoft.com/office/officeart/2009/layout/CirclePictureHierarchy"/>
+    <dgm:cxn modelId="{AEDC0C25-9460-427B-AADA-F599BBC494E6}" type="presParOf" srcId="{29C95432-28CB-4F74-A627-8BB6A55DC592}" destId="{D95A4449-6997-4422-9712-A60F3C4780AB}" srcOrd="0" destOrd="0" presId="urn:microsoft.com/office/officeart/2009/layout/CirclePictureHierarchy"/>
+    <dgm:cxn modelId="{4F71A664-6472-455A-9CCC-92D942F35589}" type="presParOf" srcId="{29C95432-28CB-4F74-A627-8BB6A55DC592}" destId="{70D0E238-B2F4-463C-A62A-659E5B007AF7}" srcOrd="1" destOrd="0" presId="urn:microsoft.com/office/officeart/2009/layout/CirclePictureHierarchy"/>
+    <dgm:cxn modelId="{941CF013-1B60-46BB-A4F1-1C79F43418CF}" type="presParOf" srcId="{70D0E238-B2F4-463C-A62A-659E5B007AF7}" destId="{8AFC34B3-C8CE-409E-ADC6-D4489E13F899}" srcOrd="0" destOrd="0" presId="urn:microsoft.com/office/officeart/2009/layout/CirclePictureHierarchy"/>
+    <dgm:cxn modelId="{14FAE7BF-C486-4AD6-B92A-FD05556F031F}" type="presParOf" srcId="{8AFC34B3-C8CE-409E-ADC6-D4489E13F899}" destId="{D740079B-5ADA-4C72-9B24-EF893D34D6D9}" srcOrd="0" destOrd="0" presId="urn:microsoft.com/office/officeart/2009/layout/CirclePictureHierarchy"/>
+    <dgm:cxn modelId="{A8061E69-B9BF-4145-8F25-EF3B98076121}" type="presParOf" srcId="{8AFC34B3-C8CE-409E-ADC6-D4489E13F899}" destId="{0234F396-4892-464D-B858-941D22301C82}" srcOrd="1" destOrd="0" presId="urn:microsoft.com/office/officeart/2009/layout/CirclePictureHierarchy"/>
+    <dgm:cxn modelId="{F72680B8-EEA8-4CC3-B96E-C75329FF5954}" type="presParOf" srcId="{70D0E238-B2F4-463C-A62A-659E5B007AF7}" destId="{804B4245-BF83-4600-96F9-C35E7D275DFC}" srcOrd="1" destOrd="0" presId="urn:microsoft.com/office/officeart/2009/layout/CirclePictureHierarchy"/>
+    <dgm:cxn modelId="{62DC07DB-9AA5-4C6E-965F-5ABCE4955AD4}" type="presParOf" srcId="{29C95432-28CB-4F74-A627-8BB6A55DC592}" destId="{1A1BECF5-C339-4969-96F2-73DBDFB79E3D}" srcOrd="2" destOrd="0" presId="urn:microsoft.com/office/officeart/2009/layout/CirclePictureHierarchy"/>
+    <dgm:cxn modelId="{460FC523-29A8-4AD9-8640-733C704D3EE3}" type="presParOf" srcId="{29C95432-28CB-4F74-A627-8BB6A55DC592}" destId="{BF8B20AF-3B99-44C3-B538-589515333448}" srcOrd="3" destOrd="0" presId="urn:microsoft.com/office/officeart/2009/layout/CirclePictureHierarchy"/>
+    <dgm:cxn modelId="{3F44EA20-4229-4F83-AE34-CE31C58ED7EF}" type="presParOf" srcId="{BF8B20AF-3B99-44C3-B538-589515333448}" destId="{ADBEA705-F723-4244-8E7D-89425E44AA31}" srcOrd="0" destOrd="0" presId="urn:microsoft.com/office/officeart/2009/layout/CirclePictureHierarchy"/>
+    <dgm:cxn modelId="{4287B245-5BB5-4EDD-B3F2-0B20BEF764B1}" type="presParOf" srcId="{ADBEA705-F723-4244-8E7D-89425E44AA31}" destId="{CDF8570D-939E-4733-990D-993518D5E49C}" srcOrd="0" destOrd="0" presId="urn:microsoft.com/office/officeart/2009/layout/CirclePictureHierarchy"/>
+    <dgm:cxn modelId="{B95A1D4C-9E4A-4BD3-A96E-42C5C8E2C9F7}" type="presParOf" srcId="{ADBEA705-F723-4244-8E7D-89425E44AA31}" destId="{5C0B7FF6-715E-499F-BE6D-A06C22C47A2D}" srcOrd="1" destOrd="0" presId="urn:microsoft.com/office/officeart/2009/layout/CirclePictureHierarchy"/>
+    <dgm:cxn modelId="{45B1A78C-D726-455C-8D24-71310594F3CF}" type="presParOf" srcId="{BF8B20AF-3B99-44C3-B538-589515333448}" destId="{9229E627-0C3A-408F-BF4A-BAC118D384F6}" srcOrd="1" destOrd="0" presId="urn:microsoft.com/office/officeart/2009/layout/CirclePictureHierarchy"/>
+    <dgm:cxn modelId="{C3AEEA21-FD3A-4E22-82E7-645AA997DEF6}" type="presParOf" srcId="{209CB341-8EC8-4BE0-851A-85C5D3290154}" destId="{284247AB-C109-4FFE-B31B-C670B6FD8252}" srcOrd="2" destOrd="0" presId="urn:microsoft.com/office/officeart/2009/layout/CirclePictureHierarchy"/>
+    <dgm:cxn modelId="{F69AA79A-A8BF-4976-B43D-6719ED171098}" type="presParOf" srcId="{209CB341-8EC8-4BE0-851A-85C5D3290154}" destId="{2DD50392-E44B-4BA4-85F4-77B54D0BD568}" srcOrd="3" destOrd="0" presId="urn:microsoft.com/office/officeart/2009/layout/CirclePictureHierarchy"/>
+    <dgm:cxn modelId="{445F2EDC-E701-47A6-8760-E7EA969CE707}" type="presParOf" srcId="{2DD50392-E44B-4BA4-85F4-77B54D0BD568}" destId="{3B2249B3-D5AB-471C-ADD9-1A5C2560EDD9}" srcOrd="0" destOrd="0" presId="urn:microsoft.com/office/officeart/2009/layout/CirclePictureHierarchy"/>
+    <dgm:cxn modelId="{0EB55EE9-57CB-4629-A639-1E0FD89F291E}" type="presParOf" srcId="{3B2249B3-D5AB-471C-ADD9-1A5C2560EDD9}" destId="{19D6A517-C946-444E-A305-1FF476F35814}" srcOrd="0" destOrd="0" presId="urn:microsoft.com/office/officeart/2009/layout/CirclePictureHierarchy"/>
+    <dgm:cxn modelId="{2CF9DDF7-B375-420A-B3EC-A38C79CD38E5}" type="presParOf" srcId="{3B2249B3-D5AB-471C-ADD9-1A5C2560EDD9}" destId="{0831A7E1-CC16-406B-8053-6237453879BB}" srcOrd="1" destOrd="0" presId="urn:microsoft.com/office/officeart/2009/layout/CirclePictureHierarchy"/>
+    <dgm:cxn modelId="{C082AA84-E26F-4420-A4FF-311FF4DAA74C}" type="presParOf" srcId="{2DD50392-E44B-4BA4-85F4-77B54D0BD568}" destId="{93815F54-B7B4-40F7-BB5B-CACD0E441B7E}" srcOrd="1" destOrd="0" presId="urn:microsoft.com/office/officeart/2009/layout/CirclePictureHierarchy"/>
+    <dgm:cxn modelId="{0974775C-A942-405A-9722-3424BE8FA4D7}" type="presParOf" srcId="{93815F54-B7B4-40F7-BB5B-CACD0E441B7E}" destId="{F5F9A536-0F10-46F8-8A93-5DA436E2BDCC}" srcOrd="0" destOrd="0" presId="urn:microsoft.com/office/officeart/2009/layout/CirclePictureHierarchy"/>
+    <dgm:cxn modelId="{DBF16531-1B7A-4558-AA91-D28272017F8A}" type="presParOf" srcId="{93815F54-B7B4-40F7-BB5B-CACD0E441B7E}" destId="{B30D26D9-496A-4277-A8CA-8D86CACCA824}" srcOrd="1" destOrd="0" presId="urn:microsoft.com/office/officeart/2009/layout/CirclePictureHierarchy"/>
+    <dgm:cxn modelId="{A6DA18A1-315D-4D14-BA28-2FC891FEA4CB}" type="presParOf" srcId="{B30D26D9-496A-4277-A8CA-8D86CACCA824}" destId="{2486E653-12A9-44EE-83EE-F744354247B9}" srcOrd="0" destOrd="0" presId="urn:microsoft.com/office/officeart/2009/layout/CirclePictureHierarchy"/>
+    <dgm:cxn modelId="{3DD66A80-D7D4-42C9-8ADB-22BEB7ECC98A}" type="presParOf" srcId="{2486E653-12A9-44EE-83EE-F744354247B9}" destId="{1529B754-6379-4D7C-9E9F-A51044B567DC}" srcOrd="0" destOrd="0" presId="urn:microsoft.com/office/officeart/2009/layout/CirclePictureHierarchy"/>
+    <dgm:cxn modelId="{83CD118F-F0BE-4F0C-BBE4-8B9A2FD35017}" type="presParOf" srcId="{2486E653-12A9-44EE-83EE-F744354247B9}" destId="{5463697F-483A-41A5-B4BD-E8E8F8C3C61C}" srcOrd="1" destOrd="0" presId="urn:microsoft.com/office/officeart/2009/layout/CirclePictureHierarchy"/>
+    <dgm:cxn modelId="{36FE0675-8D2B-4EBC-8B3F-108BF57A8542}" type="presParOf" srcId="{B30D26D9-496A-4277-A8CA-8D86CACCA824}" destId="{4E454605-0C61-4B34-A5B0-33BCE37C2A34}" srcOrd="1" destOrd="0" presId="urn:microsoft.com/office/officeart/2009/layout/CirclePictureHierarchy"/>
+  </dgm:cxnLst>
+  <dgm:bg/>
+  <dgm:whole/>
+  <dgm:extLst>
+    <a:ext uri="http://schemas.microsoft.com/office/drawing/2008/diagram">
+      <dsp:dataModelExt xmlns:dsp="http://schemas.microsoft.com/office/drawing/2008/diagram" relId="rId6" minVer="http://schemas.openxmlformats.org/drawingml/2006/diagram"/>
+    </a:ext>
+  </dgm:extLst>
+</dgm:dataModel>
+</file>
+
+<file path=ppt/diagrams/drawing1.xml><?xml version="1.0" encoding="utf-8"?>
+<dsp:drawing xmlns:dgm="http://schemas.openxmlformats.org/drawingml/2006/diagram" xmlns:dsp="http://schemas.microsoft.com/office/drawing/2008/diagram" xmlns:a="http://schemas.openxmlformats.org/drawingml/2006/main">
+  <dsp:spTree>
+    <dsp:nvGrpSpPr>
+      <dsp:cNvPr id="0" name=""/>
+      <dsp:cNvGrpSpPr/>
+    </dsp:nvGrpSpPr>
+    <dsp:grpSpPr/>
+    <dsp:sp modelId="{F5F9A536-0F10-46F8-8A93-5DA436E2BDCC}">
+      <dsp:nvSpPr>
+        <dsp:cNvPr id="0" name=""/>
+        <dsp:cNvSpPr/>
+      </dsp:nvSpPr>
+      <dsp:spPr>
+        <a:xfrm>
+          <a:off x="7561659" y="2764532"/>
+          <a:ext cx="91440" cy="370058"/>
+        </a:xfrm>
+        <a:custGeom>
+          <a:avLst/>
+          <a:gdLst/>
+          <a:ahLst/>
+          <a:cxnLst/>
+          <a:rect l="0" t="0" r="0" b="0"/>
+          <a:pathLst>
+            <a:path>
+              <a:moveTo>
+                <a:pt x="45720" y="0"/>
+              </a:moveTo>
+              <a:lnTo>
+                <a:pt x="45720" y="370058"/>
+              </a:lnTo>
+            </a:path>
+          </a:pathLst>
+        </a:custGeom>
+        <a:noFill/>
+        <a:ln w="12700" cap="flat" cmpd="sng" algn="ctr">
+          <a:solidFill>
+            <a:schemeClr val="accent1">
+              <a:shade val="80000"/>
+              <a:hueOff val="0"/>
+              <a:satOff val="0"/>
+              <a:lumOff val="0"/>
+              <a:alphaOff val="0"/>
+            </a:schemeClr>
+          </a:solidFill>
+          <a:prstDash val="solid"/>
+          <a:miter lim="800000"/>
+        </a:ln>
+        <a:effectLst/>
+      </dsp:spPr>
+      <dsp:style>
+        <a:lnRef idx="2">
+          <a:scrgbClr r="0" g="0" b="0"/>
+        </a:lnRef>
+        <a:fillRef idx="0">
+          <a:scrgbClr r="0" g="0" b="0"/>
+        </a:fillRef>
+        <a:effectRef idx="0">
+          <a:scrgbClr r="0" g="0" b="0"/>
+        </a:effectRef>
+        <a:fontRef idx="minor"/>
+      </dsp:style>
+    </dsp:sp>
+    <dsp:sp modelId="{284247AB-C109-4FFE-B31B-C670B6FD8252}">
+      <dsp:nvSpPr>
+        <dsp:cNvPr id="0" name=""/>
+        <dsp:cNvSpPr/>
+      </dsp:nvSpPr>
+      <dsp:spPr>
+        <a:xfrm>
+          <a:off x="5184375" y="1219683"/>
+          <a:ext cx="2423003" cy="370058"/>
+        </a:xfrm>
+        <a:custGeom>
+          <a:avLst/>
+          <a:gdLst/>
+          <a:ahLst/>
+          <a:cxnLst/>
+          <a:rect l="0" t="0" r="0" b="0"/>
+          <a:pathLst>
+            <a:path>
+              <a:moveTo>
+                <a:pt x="0" y="0"/>
+              </a:moveTo>
+              <a:lnTo>
+                <a:pt x="0" y="186497"/>
+              </a:lnTo>
+              <a:lnTo>
+                <a:pt x="2423003" y="186497"/>
+              </a:lnTo>
+              <a:lnTo>
+                <a:pt x="2423003" y="370058"/>
+              </a:lnTo>
+            </a:path>
+          </a:pathLst>
+        </a:custGeom>
+        <a:noFill/>
+        <a:ln w="12700" cap="flat" cmpd="sng" algn="ctr">
+          <a:solidFill>
+            <a:schemeClr val="accent1">
+              <a:shade val="60000"/>
+              <a:hueOff val="0"/>
+              <a:satOff val="0"/>
+              <a:lumOff val="0"/>
+              <a:alphaOff val="0"/>
+            </a:schemeClr>
+          </a:solidFill>
+          <a:prstDash val="solid"/>
+          <a:miter lim="800000"/>
+        </a:ln>
+        <a:effectLst/>
+      </dsp:spPr>
+      <dsp:style>
+        <a:lnRef idx="2">
+          <a:scrgbClr r="0" g="0" b="0"/>
+        </a:lnRef>
+        <a:fillRef idx="0">
+          <a:scrgbClr r="0" g="0" b="0"/>
+        </a:fillRef>
+        <a:effectRef idx="0">
+          <a:scrgbClr r="0" g="0" b="0"/>
+        </a:effectRef>
+        <a:fontRef idx="minor"/>
+      </dsp:style>
+    </dsp:sp>
+    <dsp:sp modelId="{1A1BECF5-C339-4969-96F2-73DBDFB79E3D}">
+      <dsp:nvSpPr>
+        <dsp:cNvPr id="0" name=""/>
+        <dsp:cNvSpPr/>
+      </dsp:nvSpPr>
+      <dsp:spPr>
+        <a:xfrm>
+          <a:off x="2761371" y="2764532"/>
+          <a:ext cx="1615335" cy="370058"/>
+        </a:xfrm>
+        <a:custGeom>
+          <a:avLst/>
+          <a:gdLst/>
+          <a:ahLst/>
+          <a:cxnLst/>
+          <a:rect l="0" t="0" r="0" b="0"/>
+          <a:pathLst>
+            <a:path>
+              <a:moveTo>
+                <a:pt x="0" y="0"/>
+              </a:moveTo>
+              <a:lnTo>
+                <a:pt x="0" y="186497"/>
+              </a:lnTo>
+              <a:lnTo>
+                <a:pt x="1615335" y="186497"/>
+              </a:lnTo>
+              <a:lnTo>
+                <a:pt x="1615335" y="370058"/>
+              </a:lnTo>
+            </a:path>
+          </a:pathLst>
+        </a:custGeom>
+        <a:noFill/>
+        <a:ln w="12700" cap="flat" cmpd="sng" algn="ctr">
+          <a:solidFill>
+            <a:schemeClr val="accent1">
+              <a:shade val="80000"/>
+              <a:hueOff val="0"/>
+              <a:satOff val="0"/>
+              <a:lumOff val="0"/>
+              <a:alphaOff val="0"/>
+            </a:schemeClr>
+          </a:solidFill>
+          <a:prstDash val="solid"/>
+          <a:miter lim="800000"/>
+        </a:ln>
+        <a:effectLst/>
+      </dsp:spPr>
+      <dsp:style>
+        <a:lnRef idx="2">
+          <a:scrgbClr r="0" g="0" b="0"/>
+        </a:lnRef>
+        <a:fillRef idx="0">
+          <a:scrgbClr r="0" g="0" b="0"/>
+        </a:fillRef>
+        <a:effectRef idx="0">
+          <a:scrgbClr r="0" g="0" b="0"/>
+        </a:effectRef>
+        <a:fontRef idx="minor"/>
+      </dsp:style>
+    </dsp:sp>
+    <dsp:sp modelId="{D95A4449-6997-4422-9712-A60F3C4780AB}">
+      <dsp:nvSpPr>
+        <dsp:cNvPr id="0" name=""/>
+        <dsp:cNvSpPr/>
+      </dsp:nvSpPr>
+      <dsp:spPr>
+        <a:xfrm>
+          <a:off x="1146036" y="2764532"/>
+          <a:ext cx="1615335" cy="370058"/>
+        </a:xfrm>
+        <a:custGeom>
+          <a:avLst/>
+          <a:gdLst/>
+          <a:ahLst/>
+          <a:cxnLst/>
+          <a:rect l="0" t="0" r="0" b="0"/>
+          <a:pathLst>
+            <a:path>
+              <a:moveTo>
+                <a:pt x="1615335" y="0"/>
+              </a:moveTo>
+              <a:lnTo>
+                <a:pt x="1615335" y="186497"/>
+              </a:lnTo>
+              <a:lnTo>
+                <a:pt x="0" y="186497"/>
+              </a:lnTo>
+              <a:lnTo>
+                <a:pt x="0" y="370058"/>
+              </a:lnTo>
+            </a:path>
+          </a:pathLst>
+        </a:custGeom>
+        <a:noFill/>
+        <a:ln w="12700" cap="flat" cmpd="sng" algn="ctr">
+          <a:solidFill>
+            <a:schemeClr val="accent1">
+              <a:shade val="80000"/>
+              <a:hueOff val="0"/>
+              <a:satOff val="0"/>
+              <a:lumOff val="0"/>
+              <a:alphaOff val="0"/>
+            </a:schemeClr>
+          </a:solidFill>
+          <a:prstDash val="solid"/>
+          <a:miter lim="800000"/>
+        </a:ln>
+        <a:effectLst/>
+      </dsp:spPr>
+      <dsp:style>
+        <a:lnRef idx="2">
+          <a:scrgbClr r="0" g="0" b="0"/>
+        </a:lnRef>
+        <a:fillRef idx="0">
+          <a:scrgbClr r="0" g="0" b="0"/>
+        </a:fillRef>
+        <a:effectRef idx="0">
+          <a:scrgbClr r="0" g="0" b="0"/>
+        </a:effectRef>
+        <a:fontRef idx="minor"/>
+      </dsp:style>
+    </dsp:sp>
+    <dsp:sp modelId="{79958511-BDF2-41B3-B1A8-2D719DC66AEB}">
+      <dsp:nvSpPr>
+        <dsp:cNvPr id="0" name=""/>
+        <dsp:cNvSpPr/>
+      </dsp:nvSpPr>
+      <dsp:spPr>
+        <a:xfrm>
+          <a:off x="2761371" y="1219683"/>
+          <a:ext cx="2423003" cy="370058"/>
+        </a:xfrm>
+        <a:custGeom>
+          <a:avLst/>
+          <a:gdLst/>
+          <a:ahLst/>
+          <a:cxnLst/>
+          <a:rect l="0" t="0" r="0" b="0"/>
+          <a:pathLst>
+            <a:path>
+              <a:moveTo>
+                <a:pt x="2423003" y="0"/>
+              </a:moveTo>
+              <a:lnTo>
+                <a:pt x="2423003" y="186497"/>
+              </a:lnTo>
+              <a:lnTo>
+                <a:pt x="0" y="186497"/>
+              </a:lnTo>
+              <a:lnTo>
+                <a:pt x="0" y="370058"/>
+              </a:lnTo>
+            </a:path>
+          </a:pathLst>
+        </a:custGeom>
+        <a:noFill/>
+        <a:ln w="12700" cap="flat" cmpd="sng" algn="ctr">
+          <a:solidFill>
+            <a:schemeClr val="accent1">
+              <a:shade val="60000"/>
+              <a:hueOff val="0"/>
+              <a:satOff val="0"/>
+              <a:lumOff val="0"/>
+              <a:alphaOff val="0"/>
+            </a:schemeClr>
+          </a:solidFill>
+          <a:prstDash val="solid"/>
+          <a:miter lim="800000"/>
+        </a:ln>
+        <a:effectLst/>
+      </dsp:spPr>
+      <dsp:style>
+        <a:lnRef idx="2">
+          <a:scrgbClr r="0" g="0" b="0"/>
+        </a:lnRef>
+        <a:fillRef idx="0">
+          <a:scrgbClr r="0" g="0" b="0"/>
+        </a:fillRef>
+        <a:effectRef idx="0">
+          <a:scrgbClr r="0" g="0" b="0"/>
+        </a:effectRef>
+        <a:fontRef idx="minor"/>
+      </dsp:style>
+    </dsp:sp>
+    <dsp:sp modelId="{638E82CF-55AE-4862-816D-A6BB800B232B}">
+      <dsp:nvSpPr>
+        <dsp:cNvPr id="0" name=""/>
+        <dsp:cNvSpPr/>
+      </dsp:nvSpPr>
+      <dsp:spPr>
+        <a:xfrm>
+          <a:off x="4596980" y="44894"/>
+          <a:ext cx="1174789" cy="1174789"/>
+        </a:xfrm>
+        <a:prstGeom prst="ellipse">
+          <a:avLst/>
+        </a:prstGeom>
+        <a:solidFill>
+          <a:schemeClr val="accent1">
+            <a:hueOff val="0"/>
+            <a:satOff val="0"/>
+            <a:lumOff val="0"/>
+            <a:alphaOff val="0"/>
+          </a:schemeClr>
+        </a:solidFill>
+        <a:ln w="12700" cap="flat" cmpd="sng" algn="ctr">
+          <a:solidFill>
+            <a:schemeClr val="lt1">
+              <a:hueOff val="0"/>
+              <a:satOff val="0"/>
+              <a:lumOff val="0"/>
+              <a:alphaOff val="0"/>
+            </a:schemeClr>
+          </a:solidFill>
+          <a:prstDash val="solid"/>
+          <a:miter lim="800000"/>
+        </a:ln>
+        <a:effectLst/>
+      </dsp:spPr>
+      <dsp:style>
+        <a:lnRef idx="2">
+          <a:scrgbClr r="0" g="0" b="0"/>
+        </a:lnRef>
+        <a:fillRef idx="1">
+          <a:scrgbClr r="0" g="0" b="0"/>
+        </a:fillRef>
+        <a:effectRef idx="0">
+          <a:scrgbClr r="0" g="0" b="0"/>
+        </a:effectRef>
+        <a:fontRef idx="minor">
+          <a:schemeClr val="lt1"/>
+        </a:fontRef>
+      </dsp:style>
+    </dsp:sp>
+    <dsp:sp modelId="{C326757F-1024-4D5A-A7A0-B14D13732027}">
+      <dsp:nvSpPr>
+        <dsp:cNvPr id="0" name=""/>
+        <dsp:cNvSpPr/>
+      </dsp:nvSpPr>
+      <dsp:spPr>
+        <a:xfrm>
+          <a:off x="5771770" y="41957"/>
+          <a:ext cx="1762184" cy="1174789"/>
+        </a:xfrm>
+        <a:prstGeom prst="rect">
+          <a:avLst/>
+        </a:prstGeom>
+        <a:noFill/>
+        <a:ln>
+          <a:noFill/>
+        </a:ln>
+        <a:effectLst/>
+      </dsp:spPr>
+      <dsp:style>
+        <a:lnRef idx="0">
+          <a:scrgbClr r="0" g="0" b="0"/>
+        </a:lnRef>
+        <a:fillRef idx="0">
+          <a:scrgbClr r="0" g="0" b="0"/>
+        </a:fillRef>
+        <a:effectRef idx="0">
+          <a:scrgbClr r="0" g="0" b="0"/>
+        </a:effectRef>
+        <a:fontRef idx="minor"/>
+      </dsp:style>
+      <dsp:txBody>
+        <a:bodyPr spcFirstLastPara="0" vert="horz" wrap="square" lIns="182880" tIns="182880" rIns="182880" bIns="182880" numCol="1" spcCol="1270" anchor="ctr" anchorCtr="0">
+          <a:noAutofit/>
+        </a:bodyPr>
+        <a:lstStyle/>
+        <a:p>
+          <a:pPr lvl="0" algn="l" defTabSz="2133600">
+            <a:lnSpc>
+              <a:spcPct val="90000"/>
+            </a:lnSpc>
+            <a:spcBef>
+              <a:spcPct val="0"/>
+            </a:spcBef>
+            <a:spcAft>
+              <a:spcPct val="35000"/>
+            </a:spcAft>
+          </a:pPr>
+          <a:endParaRPr lang="en-US" sz="4800" kern="1200"/>
+        </a:p>
+      </dsp:txBody>
+      <dsp:txXfrm>
+        <a:off x="5771770" y="41957"/>
+        <a:ext cx="1762184" cy="1174789"/>
+      </dsp:txXfrm>
+    </dsp:sp>
+    <dsp:sp modelId="{2DF5FA19-5CBB-43FA-9423-D10AB6AEFF24}">
+      <dsp:nvSpPr>
+        <dsp:cNvPr id="0" name=""/>
+        <dsp:cNvSpPr/>
+      </dsp:nvSpPr>
+      <dsp:spPr>
+        <a:xfrm>
+          <a:off x="2173977" y="1589742"/>
+          <a:ext cx="1174789" cy="1174789"/>
+        </a:xfrm>
+        <a:prstGeom prst="ellipse">
+          <a:avLst/>
+        </a:prstGeom>
+        <a:solidFill>
+          <a:schemeClr val="accent1">
+            <a:hueOff val="0"/>
+            <a:satOff val="0"/>
+            <a:lumOff val="0"/>
+            <a:alphaOff val="0"/>
+          </a:schemeClr>
+        </a:solidFill>
+        <a:ln w="12700" cap="flat" cmpd="sng" algn="ctr">
+          <a:solidFill>
+            <a:schemeClr val="lt1">
+              <a:hueOff val="0"/>
+              <a:satOff val="0"/>
+              <a:lumOff val="0"/>
+              <a:alphaOff val="0"/>
+            </a:schemeClr>
+          </a:solidFill>
+          <a:prstDash val="solid"/>
+          <a:miter lim="800000"/>
+        </a:ln>
+        <a:effectLst/>
+      </dsp:spPr>
+      <dsp:style>
+        <a:lnRef idx="2">
+          <a:scrgbClr r="0" g="0" b="0"/>
+        </a:lnRef>
+        <a:fillRef idx="1">
+          <a:scrgbClr r="0" g="0" b="0"/>
+        </a:fillRef>
+        <a:effectRef idx="0">
+          <a:scrgbClr r="0" g="0" b="0"/>
+        </a:effectRef>
+        <a:fontRef idx="minor">
+          <a:schemeClr val="lt1"/>
+        </a:fontRef>
+      </dsp:style>
+    </dsp:sp>
+    <dsp:sp modelId="{45A9FB55-75B8-4B3B-9201-A336E3EFFB58}">
+      <dsp:nvSpPr>
+        <dsp:cNvPr id="0" name=""/>
+        <dsp:cNvSpPr/>
+      </dsp:nvSpPr>
+      <dsp:spPr>
+        <a:xfrm>
+          <a:off x="3348766" y="1586805"/>
+          <a:ext cx="1762184" cy="1174789"/>
+        </a:xfrm>
+        <a:prstGeom prst="rect">
+          <a:avLst/>
+        </a:prstGeom>
+        <a:noFill/>
+        <a:ln>
+          <a:noFill/>
+        </a:ln>
+        <a:effectLst/>
+      </dsp:spPr>
+      <dsp:style>
+        <a:lnRef idx="0">
+          <a:scrgbClr r="0" g="0" b="0"/>
+        </a:lnRef>
+        <a:fillRef idx="0">
+          <a:scrgbClr r="0" g="0" b="0"/>
+        </a:fillRef>
+        <a:effectRef idx="0">
+          <a:scrgbClr r="0" g="0" b="0"/>
+        </a:effectRef>
+        <a:fontRef idx="minor"/>
+      </dsp:style>
+      <dsp:txBody>
+        <a:bodyPr spcFirstLastPara="0" vert="horz" wrap="square" lIns="182880" tIns="182880" rIns="182880" bIns="182880" numCol="1" spcCol="1270" anchor="ctr" anchorCtr="0">
+          <a:noAutofit/>
+        </a:bodyPr>
+        <a:lstStyle/>
+        <a:p>
+          <a:pPr lvl="0" algn="l" defTabSz="2133600">
+            <a:lnSpc>
+              <a:spcPct val="90000"/>
+            </a:lnSpc>
+            <a:spcBef>
+              <a:spcPct val="0"/>
+            </a:spcBef>
+            <a:spcAft>
+              <a:spcPct val="35000"/>
+            </a:spcAft>
+          </a:pPr>
+          <a:endParaRPr lang="en-US" sz="4800" kern="1200"/>
+        </a:p>
+      </dsp:txBody>
+      <dsp:txXfrm>
+        <a:off x="3348766" y="1586805"/>
+        <a:ext cx="1762184" cy="1174789"/>
+      </dsp:txXfrm>
+    </dsp:sp>
+    <dsp:sp modelId="{D740079B-5ADA-4C72-9B24-EF893D34D6D9}">
+      <dsp:nvSpPr>
+        <dsp:cNvPr id="0" name=""/>
+        <dsp:cNvSpPr/>
+      </dsp:nvSpPr>
+      <dsp:spPr>
+        <a:xfrm>
+          <a:off x="558641" y="3134591"/>
+          <a:ext cx="1174789" cy="1174789"/>
+        </a:xfrm>
+        <a:prstGeom prst="ellipse">
+          <a:avLst/>
+        </a:prstGeom>
+        <a:solidFill>
+          <a:schemeClr val="accent1">
+            <a:hueOff val="0"/>
+            <a:satOff val="0"/>
+            <a:lumOff val="0"/>
+            <a:alphaOff val="0"/>
+          </a:schemeClr>
+        </a:solidFill>
+        <a:ln w="12700" cap="flat" cmpd="sng" algn="ctr">
+          <a:solidFill>
+            <a:schemeClr val="lt1">
+              <a:hueOff val="0"/>
+              <a:satOff val="0"/>
+              <a:lumOff val="0"/>
+              <a:alphaOff val="0"/>
+            </a:schemeClr>
+          </a:solidFill>
+          <a:prstDash val="solid"/>
+          <a:miter lim="800000"/>
+        </a:ln>
+        <a:effectLst/>
+      </dsp:spPr>
+      <dsp:style>
+        <a:lnRef idx="2">
+          <a:scrgbClr r="0" g="0" b="0"/>
+        </a:lnRef>
+        <a:fillRef idx="1">
+          <a:scrgbClr r="0" g="0" b="0"/>
+        </a:fillRef>
+        <a:effectRef idx="0">
+          <a:scrgbClr r="0" g="0" b="0"/>
+        </a:effectRef>
+        <a:fontRef idx="minor">
+          <a:schemeClr val="lt1"/>
+        </a:fontRef>
+      </dsp:style>
+    </dsp:sp>
+    <dsp:sp modelId="{0234F396-4892-464D-B858-941D22301C82}">
+      <dsp:nvSpPr>
+        <dsp:cNvPr id="0" name=""/>
+        <dsp:cNvSpPr/>
+      </dsp:nvSpPr>
+      <dsp:spPr>
+        <a:xfrm>
+          <a:off x="1733430" y="3131654"/>
+          <a:ext cx="1762184" cy="1174789"/>
+        </a:xfrm>
+        <a:prstGeom prst="rect">
+          <a:avLst/>
+        </a:prstGeom>
+        <a:noFill/>
+        <a:ln>
+          <a:noFill/>
+        </a:ln>
+        <a:effectLst/>
+      </dsp:spPr>
+      <dsp:style>
+        <a:lnRef idx="0">
+          <a:scrgbClr r="0" g="0" b="0"/>
+        </a:lnRef>
+        <a:fillRef idx="0">
+          <a:scrgbClr r="0" g="0" b="0"/>
+        </a:fillRef>
+        <a:effectRef idx="0">
+          <a:scrgbClr r="0" g="0" b="0"/>
+        </a:effectRef>
+        <a:fontRef idx="minor"/>
+      </dsp:style>
+      <dsp:txBody>
+        <a:bodyPr spcFirstLastPara="0" vert="horz" wrap="square" lIns="182880" tIns="182880" rIns="182880" bIns="182880" numCol="1" spcCol="1270" anchor="ctr" anchorCtr="0">
+          <a:noAutofit/>
+        </a:bodyPr>
+        <a:lstStyle/>
+        <a:p>
+          <a:pPr lvl="0" algn="l" defTabSz="2133600">
+            <a:lnSpc>
+              <a:spcPct val="90000"/>
+            </a:lnSpc>
+            <a:spcBef>
+              <a:spcPct val="0"/>
+            </a:spcBef>
+            <a:spcAft>
+              <a:spcPct val="35000"/>
+            </a:spcAft>
+          </a:pPr>
+          <a:endParaRPr lang="en-US" sz="4800" kern="1200"/>
+        </a:p>
+      </dsp:txBody>
+      <dsp:txXfrm>
+        <a:off x="1733430" y="3131654"/>
+        <a:ext cx="1762184" cy="1174789"/>
+      </dsp:txXfrm>
+    </dsp:sp>
+    <dsp:sp modelId="{CDF8570D-939E-4733-990D-993518D5E49C}">
+      <dsp:nvSpPr>
+        <dsp:cNvPr id="0" name=""/>
+        <dsp:cNvSpPr/>
+      </dsp:nvSpPr>
+      <dsp:spPr>
+        <a:xfrm>
+          <a:off x="3789312" y="3134591"/>
+          <a:ext cx="1174789" cy="1174789"/>
+        </a:xfrm>
+        <a:prstGeom prst="ellipse">
+          <a:avLst/>
+        </a:prstGeom>
+        <a:solidFill>
+          <a:schemeClr val="accent1">
+            <a:hueOff val="0"/>
+            <a:satOff val="0"/>
+            <a:lumOff val="0"/>
+            <a:alphaOff val="0"/>
+          </a:schemeClr>
+        </a:solidFill>
+        <a:ln w="12700" cap="flat" cmpd="sng" algn="ctr">
+          <a:solidFill>
+            <a:schemeClr val="lt1">
+              <a:hueOff val="0"/>
+              <a:satOff val="0"/>
+              <a:lumOff val="0"/>
+              <a:alphaOff val="0"/>
+            </a:schemeClr>
+          </a:solidFill>
+          <a:prstDash val="solid"/>
+          <a:miter lim="800000"/>
+        </a:ln>
+        <a:effectLst/>
+      </dsp:spPr>
+      <dsp:style>
+        <a:lnRef idx="2">
+          <a:scrgbClr r="0" g="0" b="0"/>
+        </a:lnRef>
+        <a:fillRef idx="1">
+          <a:scrgbClr r="0" g="0" b="0"/>
+        </a:fillRef>
+        <a:effectRef idx="0">
+          <a:scrgbClr r="0" g="0" b="0"/>
+        </a:effectRef>
+        <a:fontRef idx="minor">
+          <a:schemeClr val="lt1"/>
+        </a:fontRef>
+      </dsp:style>
+    </dsp:sp>
+    <dsp:sp modelId="{5C0B7FF6-715E-499F-BE6D-A06C22C47A2D}">
+      <dsp:nvSpPr>
+        <dsp:cNvPr id="0" name=""/>
+        <dsp:cNvSpPr/>
+      </dsp:nvSpPr>
+      <dsp:spPr>
+        <a:xfrm>
+          <a:off x="4964102" y="3131654"/>
+          <a:ext cx="1762184" cy="1174789"/>
+        </a:xfrm>
+        <a:prstGeom prst="rect">
+          <a:avLst/>
+        </a:prstGeom>
+        <a:noFill/>
+        <a:ln>
+          <a:noFill/>
+        </a:ln>
+        <a:effectLst/>
+      </dsp:spPr>
+      <dsp:style>
+        <a:lnRef idx="0">
+          <a:scrgbClr r="0" g="0" b="0"/>
+        </a:lnRef>
+        <a:fillRef idx="0">
+          <a:scrgbClr r="0" g="0" b="0"/>
+        </a:fillRef>
+        <a:effectRef idx="0">
+          <a:scrgbClr r="0" g="0" b="0"/>
+        </a:effectRef>
+        <a:fontRef idx="minor"/>
+      </dsp:style>
+      <dsp:txBody>
+        <a:bodyPr spcFirstLastPara="0" vert="horz" wrap="square" lIns="182880" tIns="182880" rIns="182880" bIns="182880" numCol="1" spcCol="1270" anchor="ctr" anchorCtr="0">
+          <a:noAutofit/>
+        </a:bodyPr>
+        <a:lstStyle/>
+        <a:p>
+          <a:pPr lvl="0" algn="l" defTabSz="2133600">
+            <a:lnSpc>
+              <a:spcPct val="90000"/>
+            </a:lnSpc>
+            <a:spcBef>
+              <a:spcPct val="0"/>
+            </a:spcBef>
+            <a:spcAft>
+              <a:spcPct val="35000"/>
+            </a:spcAft>
+          </a:pPr>
+          <a:endParaRPr lang="en-US" sz="4800" kern="1200"/>
+        </a:p>
+      </dsp:txBody>
+      <dsp:txXfrm>
+        <a:off x="4964102" y="3131654"/>
+        <a:ext cx="1762184" cy="1174789"/>
+      </dsp:txXfrm>
+    </dsp:sp>
+    <dsp:sp modelId="{19D6A517-C946-444E-A305-1FF476F35814}">
+      <dsp:nvSpPr>
+        <dsp:cNvPr id="0" name=""/>
+        <dsp:cNvSpPr/>
+      </dsp:nvSpPr>
+      <dsp:spPr>
+        <a:xfrm>
+          <a:off x="7019984" y="1589742"/>
+          <a:ext cx="1174789" cy="1174789"/>
+        </a:xfrm>
+        <a:prstGeom prst="ellipse">
+          <a:avLst/>
+        </a:prstGeom>
+        <a:solidFill>
+          <a:schemeClr val="accent1">
+            <a:hueOff val="0"/>
+            <a:satOff val="0"/>
+            <a:lumOff val="0"/>
+            <a:alphaOff val="0"/>
+          </a:schemeClr>
+        </a:solidFill>
+        <a:ln w="12700" cap="flat" cmpd="sng" algn="ctr">
+          <a:solidFill>
+            <a:schemeClr val="lt1">
+              <a:hueOff val="0"/>
+              <a:satOff val="0"/>
+              <a:lumOff val="0"/>
+              <a:alphaOff val="0"/>
+            </a:schemeClr>
+          </a:solidFill>
+          <a:prstDash val="solid"/>
+          <a:miter lim="800000"/>
+        </a:ln>
+        <a:effectLst/>
+      </dsp:spPr>
+      <dsp:style>
+        <a:lnRef idx="2">
+          <a:scrgbClr r="0" g="0" b="0"/>
+        </a:lnRef>
+        <a:fillRef idx="1">
+          <a:scrgbClr r="0" g="0" b="0"/>
+        </a:fillRef>
+        <a:effectRef idx="0">
+          <a:scrgbClr r="0" g="0" b="0"/>
+        </a:effectRef>
+        <a:fontRef idx="minor">
+          <a:schemeClr val="lt1"/>
+        </a:fontRef>
+      </dsp:style>
+    </dsp:sp>
+    <dsp:sp modelId="{0831A7E1-CC16-406B-8053-6237453879BB}">
+      <dsp:nvSpPr>
+        <dsp:cNvPr id="0" name=""/>
+        <dsp:cNvSpPr/>
+      </dsp:nvSpPr>
+      <dsp:spPr>
+        <a:xfrm>
+          <a:off x="8194774" y="1586805"/>
+          <a:ext cx="1762184" cy="1174789"/>
+        </a:xfrm>
+        <a:prstGeom prst="rect">
+          <a:avLst/>
+        </a:prstGeom>
+        <a:noFill/>
+        <a:ln>
+          <a:noFill/>
+        </a:ln>
+        <a:effectLst/>
+      </dsp:spPr>
+      <dsp:style>
+        <a:lnRef idx="0">
+          <a:scrgbClr r="0" g="0" b="0"/>
+        </a:lnRef>
+        <a:fillRef idx="0">
+          <a:scrgbClr r="0" g="0" b="0"/>
+        </a:fillRef>
+        <a:effectRef idx="0">
+          <a:scrgbClr r="0" g="0" b="0"/>
+        </a:effectRef>
+        <a:fontRef idx="minor"/>
+      </dsp:style>
+      <dsp:txBody>
+        <a:bodyPr spcFirstLastPara="0" vert="horz" wrap="square" lIns="182880" tIns="182880" rIns="182880" bIns="182880" numCol="1" spcCol="1270" anchor="ctr" anchorCtr="0">
+          <a:noAutofit/>
+        </a:bodyPr>
+        <a:lstStyle/>
+        <a:p>
+          <a:pPr lvl="0" algn="l" defTabSz="2133600">
+            <a:lnSpc>
+              <a:spcPct val="90000"/>
+            </a:lnSpc>
+            <a:spcBef>
+              <a:spcPct val="0"/>
+            </a:spcBef>
+            <a:spcAft>
+              <a:spcPct val="35000"/>
+            </a:spcAft>
+          </a:pPr>
+          <a:endParaRPr lang="en-US" sz="4800" kern="1200"/>
+        </a:p>
+      </dsp:txBody>
+      <dsp:txXfrm>
+        <a:off x="8194774" y="1586805"/>
+        <a:ext cx="1762184" cy="1174789"/>
+      </dsp:txXfrm>
+    </dsp:sp>
+    <dsp:sp modelId="{1529B754-6379-4D7C-9E9F-A51044B567DC}">
+      <dsp:nvSpPr>
+        <dsp:cNvPr id="0" name=""/>
+        <dsp:cNvSpPr/>
+      </dsp:nvSpPr>
+      <dsp:spPr>
+        <a:xfrm>
+          <a:off x="7019984" y="3134591"/>
+          <a:ext cx="1174789" cy="1174789"/>
+        </a:xfrm>
+        <a:prstGeom prst="ellipse">
+          <a:avLst/>
+        </a:prstGeom>
+        <a:solidFill>
+          <a:schemeClr val="accent1">
+            <a:hueOff val="0"/>
+            <a:satOff val="0"/>
+            <a:lumOff val="0"/>
+            <a:alphaOff val="0"/>
+          </a:schemeClr>
+        </a:solidFill>
+        <a:ln w="12700" cap="flat" cmpd="sng" algn="ctr">
+          <a:solidFill>
+            <a:schemeClr val="lt1">
+              <a:hueOff val="0"/>
+              <a:satOff val="0"/>
+              <a:lumOff val="0"/>
+              <a:alphaOff val="0"/>
+            </a:schemeClr>
+          </a:solidFill>
+          <a:prstDash val="solid"/>
+          <a:miter lim="800000"/>
+        </a:ln>
+        <a:effectLst/>
+      </dsp:spPr>
+      <dsp:style>
+        <a:lnRef idx="2">
+          <a:scrgbClr r="0" g="0" b="0"/>
+        </a:lnRef>
+        <a:fillRef idx="1">
+          <a:scrgbClr r="0" g="0" b="0"/>
+        </a:fillRef>
+        <a:effectRef idx="0">
+          <a:scrgbClr r="0" g="0" b="0"/>
+        </a:effectRef>
+        <a:fontRef idx="minor">
+          <a:schemeClr val="lt1"/>
+        </a:fontRef>
+      </dsp:style>
+    </dsp:sp>
+    <dsp:sp modelId="{5463697F-483A-41A5-B4BD-E8E8F8C3C61C}">
+      <dsp:nvSpPr>
+        <dsp:cNvPr id="0" name=""/>
+        <dsp:cNvSpPr/>
+      </dsp:nvSpPr>
+      <dsp:spPr>
+        <a:xfrm>
+          <a:off x="8194774" y="3131654"/>
+          <a:ext cx="1762184" cy="1174789"/>
+        </a:xfrm>
+        <a:prstGeom prst="rect">
+          <a:avLst/>
+        </a:prstGeom>
+        <a:noFill/>
+        <a:ln>
+          <a:noFill/>
+        </a:ln>
+        <a:effectLst/>
+      </dsp:spPr>
+      <dsp:style>
+        <a:lnRef idx="0">
+          <a:scrgbClr r="0" g="0" b="0"/>
+        </a:lnRef>
+        <a:fillRef idx="0">
+          <a:scrgbClr r="0" g="0" b="0"/>
+        </a:fillRef>
+        <a:effectRef idx="0">
+          <a:scrgbClr r="0" g="0" b="0"/>
+        </a:effectRef>
+        <a:fontRef idx="minor"/>
+      </dsp:style>
+      <dsp:txBody>
+        <a:bodyPr spcFirstLastPara="0" vert="horz" wrap="square" lIns="182880" tIns="182880" rIns="182880" bIns="182880" numCol="1" spcCol="1270" anchor="ctr" anchorCtr="0">
+          <a:noAutofit/>
+        </a:bodyPr>
+        <a:lstStyle/>
+        <a:p>
+          <a:pPr lvl="0" algn="l" defTabSz="2133600">
+            <a:lnSpc>
+              <a:spcPct val="90000"/>
+            </a:lnSpc>
+            <a:spcBef>
+              <a:spcPct val="0"/>
+            </a:spcBef>
+            <a:spcAft>
+              <a:spcPct val="35000"/>
+            </a:spcAft>
+          </a:pPr>
+          <a:endParaRPr lang="en-US" sz="4800" kern="1200"/>
+        </a:p>
+      </dsp:txBody>
+      <dsp:txXfrm>
+        <a:off x="8194774" y="3131654"/>
+        <a:ext cx="1762184" cy="1174789"/>
+      </dsp:txXfrm>
+    </dsp:sp>
+  </dsp:spTree>
+</dsp:drawing>
+</file>
+
+<file path=ppt/diagrams/layout1.xml><?xml version="1.0" encoding="utf-8"?>
+<dgm:layoutDef xmlns:dgm="http://schemas.openxmlformats.org/drawingml/2006/diagram" xmlns:a="http://schemas.openxmlformats.org/drawingml/2006/main" uniqueId="urn:microsoft.com/office/officeart/2009/layout/CirclePictureHierarchy">
+  <dgm:title val=""/>
+  <dgm:desc val=""/>
+  <dgm:catLst>
+    <dgm:cat type="hierarchy" pri="1750"/>
+    <dgm:cat type="picture" pri="23000"/>
+    <dgm:cat type="pictureconvert" pri="23000"/>
+  </dgm:catLst>
+  <dgm:sampData>
+    <dgm:dataModel>
+      <dgm:ptLst>
+        <dgm:pt modelId="0" type="doc"/>
+        <dgm:pt modelId="1">
+          <dgm:prSet phldr="1"/>
+        </dgm:pt>
+        <dgm:pt modelId="2">
+          <dgm:prSet phldr="1"/>
+        </dgm:pt>
+        <dgm:pt modelId="21">
+          <dgm:prSet phldr="1"/>
+        </dgm:pt>
+        <dgm:pt modelId="22">
+          <dgm:prSet phldr="1"/>
+        </dgm:pt>
+        <dgm:pt modelId="3">
+          <dgm:prSet phldr="1"/>
+        </dgm:pt>
+        <dgm:pt modelId="31">
+          <dgm:prSet phldr="1"/>
+        </dgm:pt>
+      </dgm:ptLst>
+      <dgm:cxnLst>
+        <dgm:cxn modelId="4" srcId="0" destId="1" srcOrd="0" destOrd="0"/>
+        <dgm:cxn modelId="5" srcId="1" destId="2" srcOrd="0" destOrd="0"/>
+        <dgm:cxn modelId="6" srcId="1" destId="3" srcOrd="1" destOrd="0"/>
+        <dgm:cxn modelId="23" srcId="2" destId="21" srcOrd="0" destOrd="0"/>
+        <dgm:cxn modelId="24" srcId="2" destId="22" srcOrd="1" destOrd="0"/>
+        <dgm:cxn modelId="33" srcId="3" destId="31" srcOrd="0" destOrd="0"/>
+      </dgm:cxnLst>
+      <dgm:bg/>
+      <dgm:whole/>
+    </dgm:dataModel>
+  </dgm:sampData>
+  <dgm:styleData>
+    <dgm:dataModel>
+      <dgm:ptLst>
+        <dgm:pt modelId="0" type="doc"/>
+        <dgm:pt modelId="1"/>
+        <dgm:pt modelId="11"/>
+        <dgm:pt modelId="12"/>
+      </dgm:ptLst>
+      <dgm:cxnLst>
+        <dgm:cxn modelId="2" srcId="0" destId="1" srcOrd="0" destOrd="0"/>
+        <dgm:cxn modelId="13" srcId="1" destId="11" srcOrd="0" destOrd="0"/>
+        <dgm:cxn modelId="14" srcId="1" destId="12" srcOrd="1" destOrd="0"/>
+      </dgm:cxnLst>
+      <dgm:bg/>
+      <dgm:whole/>
+    </dgm:dataModel>
+  </dgm:styleData>
+  <dgm:clrData>
+    <dgm:dataModel>
+      <dgm:ptLst>
+        <dgm:pt modelId="0" type="doc"/>
+        <dgm:pt modelId="1"/>
+        <dgm:pt modelId="2"/>
+        <dgm:pt modelId="21"/>
+        <dgm:pt modelId="211"/>
+        <dgm:pt modelId="3"/>
+        <dgm:pt modelId="31"/>
+        <dgm:pt modelId="311"/>
+      </dgm:ptLst>
+      <dgm:cxnLst>
+        <dgm:cxn modelId="4" srcId="0" destId="1" srcOrd="0" destOrd="0"/>
+        <dgm:cxn modelId="5" srcId="1" destId="2" srcOrd="0" destOrd="0"/>
+        <dgm:cxn modelId="6" srcId="1" destId="3" srcOrd="1" destOrd="0"/>
+        <dgm:cxn modelId="23" srcId="2" destId="21" srcOrd="0" destOrd="0"/>
+        <dgm:cxn modelId="24" srcId="21" destId="211" srcOrd="0" destOrd="0"/>
+        <dgm:cxn modelId="33" srcId="3" destId="31" srcOrd="0" destOrd="0"/>
+        <dgm:cxn modelId="34" srcId="31" destId="311" srcOrd="0" destOrd="0"/>
+      </dgm:cxnLst>
+      <dgm:bg/>
+      <dgm:whole/>
+    </dgm:dataModel>
+  </dgm:clrData>
+  <dgm:layoutNode name="hierChild1">
+    <dgm:varLst>
+      <dgm:chPref val="1"/>
+      <dgm:dir/>
+      <dgm:animOne val="branch"/>
+      <dgm:animLvl val="lvl"/>
+      <dgm:resizeHandles/>
+    </dgm:varLst>
+    <dgm:choose name="Name0">
+      <dgm:if name="Name1" func="var" arg="dir" op="equ" val="norm">
+        <dgm:alg type="hierChild">
+          <dgm:param type="linDir" val="fromL"/>
+        </dgm:alg>
+      </dgm:if>
+      <dgm:else name="Name2">
+        <dgm:alg type="hierChild">
+          <dgm:param type="linDir" val="fromR"/>
+        </dgm:alg>
+      </dgm:else>
+    </dgm:choose>
+    <dgm:shape xmlns:r="http://schemas.openxmlformats.org/officeDocument/2006/relationships" r:blip="">
+      <dgm:adjLst/>
+    </dgm:shape>
+    <dgm:presOf/>
+    <dgm:constrLst>
+      <dgm:constr type="primFontSz" for="des" ptType="node" op="equ" val="65"/>
+      <dgm:constr type="w" for="des" forName="composite" refType="w"/>
+      <dgm:constr type="h" for="des" forName="composite" refType="w" refFor="des" refForName="composite" fact="0.5"/>
+      <dgm:constr type="w" for="des" forName="composite2" refType="w" refFor="des" refForName="composite"/>
+      <dgm:constr type="h" for="des" forName="composite2" refType="h" refFor="des" refForName="composite"/>
+      <dgm:constr type="w" for="des" forName="composite3" refType="w" refFor="des" refForName="composite"/>
+      <dgm:constr type="h" for="des" forName="composite3" refType="h" refFor="des" refForName="composite"/>
+      <dgm:constr type="w" for="des" forName="composite4" refType="w" refFor="des" refForName="composite"/>
+      <dgm:constr type="h" for="des" forName="composite4" refType="h" refFor="des" refForName="composite"/>
+      <dgm:constr type="w" for="des" forName="composite5" refType="w" refFor="des" refForName="composite"/>
+      <dgm:constr type="h" for="des" forName="composite5" refType="h" refFor="des" refForName="composite"/>
+      <dgm:constr type="sibSp" refType="w" refFor="des" refForName="composite" fact="0.1"/>
+      <dgm:constr type="sibSp" for="des" forName="hierChild2" refType="sibSp"/>
+      <dgm:constr type="sibSp" for="des" forName="hierChild3" refType="sibSp"/>
+      <dgm:constr type="sibSp" for="des" forName="hierChild4" refType="sibSp"/>
+      <dgm:constr type="sibSp" for="des" forName="hierChild5" refType="sibSp"/>
+      <dgm:constr type="sibSp" for="des" forName="hierChild6" refType="sibSp"/>
+      <dgm:constr type="sp" for="des" forName="hierRoot1" refType="h" refFor="des" refForName="composite" fact="0.25"/>
+      <dgm:constr type="sp" for="des" forName="hierRoot2" refType="sp" refFor="des" refForName="hierRoot1"/>
+      <dgm:constr type="sp" for="des" forName="hierRoot3" refType="sp" refFor="des" refForName="hierRoot1"/>
+      <dgm:constr type="sp" for="des" forName="hierRoot4" refType="sp" refFor="des" refForName="hierRoot1"/>
+      <dgm:constr type="sp" for="des" forName="hierRoot5" refType="sp" refFor="des" refForName="hierRoot1"/>
+    </dgm:constrLst>
+    <dgm:ruleLst/>
+    <dgm:forEach name="Name3" axis="ch">
+      <dgm:forEach name="Name4" axis="self" ptType="node">
+        <dgm:layoutNode name="hierRoot1">
+          <dgm:alg type="hierRoot"/>
+          <dgm:shape xmlns:r="http://schemas.openxmlformats.org/officeDocument/2006/relationships" r:blip="">
+            <dgm:adjLst/>
+          </dgm:shape>
+          <dgm:presOf/>
+          <dgm:constrLst>
+            <dgm:constr type="bendDist" for="des" ptType="parTrans" refType="sp" fact="0.5"/>
+          </dgm:constrLst>
+          <dgm:ruleLst/>
+          <dgm:layoutNode name="composite">
+            <dgm:alg type="composite"/>
+            <dgm:shape xmlns:r="http://schemas.openxmlformats.org/officeDocument/2006/relationships" r:blip="">
+              <dgm:adjLst/>
+            </dgm:shape>
+            <dgm:presOf/>
+            <dgm:constrLst>
+              <dgm:constr type="h" for="ch" forName="image" refType="h" fact="0.8"/>
+              <dgm:constr type="w" for="ch" forName="image" refType="h" refFor="ch" refForName="image"/>
+              <dgm:constr type="t" for="ch" forName="image" refType="h" fact="0.1"/>
+              <dgm:constr type="l" for="ch" forName="image"/>
+              <dgm:constr type="w" for="ch" forName="text" refType="w" fact="0.6"/>
+              <dgm:constr type="h" for="ch" forName="text" refType="h" fact="0.8"/>
+              <dgm:constr type="t" for="ch" forName="text" refType="w" fact="0.04"/>
+              <dgm:constr type="l" for="ch" forName="text" refType="w" fact="0.4"/>
+            </dgm:constrLst>
+            <dgm:ruleLst/>
+            <dgm:layoutNode name="image" styleLbl="node0">
+              <dgm:alg type="sp"/>
+              <dgm:shape xmlns:r="http://schemas.openxmlformats.org/officeDocument/2006/relationships" type="ellipse" r:blip="" blipPhldr="1">
+                <dgm:adjLst/>
+              </dgm:shape>
+              <dgm:presOf/>
+              <dgm:constrLst/>
+              <dgm:ruleLst/>
+            </dgm:layoutNode>
+            <dgm:layoutNode name="text" styleLbl="revTx">
+              <dgm:varLst>
+                <dgm:chPref val="3"/>
+              </dgm:varLst>
+              <dgm:alg type="tx">
+                <dgm:param type="parTxLTRAlign" val="l"/>
+                <dgm:param type="parTxRTLAlign" val="r"/>
+              </dgm:alg>
+              <dgm:shape xmlns:r="http://schemas.openxmlformats.org/officeDocument/2006/relationships" type="rect" r:blip="">
+                <dgm:adjLst/>
+              </dgm:shape>
+              <dgm:presOf axis="self"/>
+              <dgm:constrLst>
+                <dgm:constr type="tMarg" refType="primFontSz" fact="0.3"/>
+                <dgm:constr type="bMarg" refType="primFontSz" fact="0.3"/>
+                <dgm:constr type="lMarg" refType="primFontSz" fact="0.3"/>
+                <dgm:constr type="rMarg" refType="primFontSz" fact="0.3"/>
+              </dgm:constrLst>
+              <dgm:ruleLst>
+                <dgm:rule type="primFontSz" val="5" fact="NaN" max="NaN"/>
+              </dgm:ruleLst>
+            </dgm:layoutNode>
+          </dgm:layoutNode>
+          <dgm:layoutNode name="hierChild2">
+            <dgm:choose name="Name5">
+              <dgm:if name="Name6" func="var" arg="dir" op="equ" val="norm">
+                <dgm:alg type="hierChild">
+                  <dgm:param type="linDir" val="fromL"/>
+                </dgm:alg>
+              </dgm:if>
+              <dgm:else name="Name7">
+                <dgm:alg type="hierChild">
+                  <dgm:param type="linDir" val="fromR"/>
+                </dgm:alg>
+              </dgm:else>
+            </dgm:choose>
+            <dgm:shape xmlns:r="http://schemas.openxmlformats.org/officeDocument/2006/relationships" r:blip="">
+              <dgm:adjLst/>
+            </dgm:shape>
+            <dgm:presOf/>
+            <dgm:constrLst/>
+            <dgm:ruleLst/>
+            <dgm:forEach name="Name8" axis="ch">
+              <dgm:forEach name="Name9" axis="self" ptType="parTrans" cnt="1">
+                <dgm:layoutNode name="Name10">
+                  <dgm:alg type="conn">
+                    <dgm:param type="dim" val="1D"/>
+                    <dgm:param type="endSty" val="noArr"/>
+                    <dgm:param type="connRout" val="bend"/>
+                    <dgm:param type="bendPt" val="end"/>
+                    <dgm:param type="begPts" val="bCtr"/>
+                    <dgm:param type="endPts" val="tCtr"/>
+                    <dgm:param type="srcNode" val="image"/>
+                    <dgm:param type="dstNode" val="image2"/>
+                  </dgm:alg>
+                  <dgm:shape xmlns:r="http://schemas.openxmlformats.org/officeDocument/2006/relationships" type="conn" r:blip="" zOrderOff="-999">
+                    <dgm:adjLst/>
+                  </dgm:shape>
+                  <dgm:presOf axis="self"/>
+                  <dgm:constrLst>
+                    <dgm:constr type="begPad"/>
+                    <dgm:constr type="endPad"/>
+                  </dgm:constrLst>
+                  <dgm:ruleLst/>
+                </dgm:layoutNode>
+              </dgm:forEach>
+              <dgm:forEach name="Name11" axis="self" ptType="node">
+                <dgm:layoutNode name="hierRoot2">
+                  <dgm:alg type="hierRoot"/>
+                  <dgm:shape xmlns:r="http://schemas.openxmlformats.org/officeDocument/2006/relationships" r:blip="">
+                    <dgm:adjLst/>
+                  </dgm:shape>
+                  <dgm:presOf/>
+                  <dgm:constrLst>
+                    <dgm:constr type="bendDist" for="des" ptType="parTrans" refType="sp" fact="0.5"/>
+                  </dgm:constrLst>
+                  <dgm:ruleLst/>
+                  <dgm:layoutNode name="composite2">
+                    <dgm:alg type="composite"/>
+                    <dgm:shape xmlns:r="http://schemas.openxmlformats.org/officeDocument/2006/relationships" r:blip="">
+                      <dgm:adjLst/>
+                    </dgm:shape>
+                    <dgm:presOf/>
+                    <dgm:constrLst>
+                      <dgm:constr type="h" for="ch" forName="image2" refType="h" fact="0.8"/>
+                      <dgm:constr type="w" for="ch" forName="image2" refType="h" refFor="ch" refForName="image2"/>
+                      <dgm:constr type="t" for="ch" forName="image2" refType="h" fact="0.1"/>
+                      <dgm:constr type="l" for="ch" forName="image2"/>
+                      <dgm:constr type="w" for="ch" forName="text2" refType="w" fact="0.6"/>
+                      <dgm:constr type="h" for="ch" forName="text2" refType="h" fact="0.8"/>
+                      <dgm:constr type="t" for="ch" forName="text2" refType="w" fact="0.04"/>
+                      <dgm:constr type="l" for="ch" forName="text2" refType="w" fact="0.4"/>
+                    </dgm:constrLst>
+                    <dgm:ruleLst/>
+                    <dgm:layoutNode name="image2">
+                      <dgm:alg type="sp"/>
+                      <dgm:shape xmlns:r="http://schemas.openxmlformats.org/officeDocument/2006/relationships" type="ellipse" r:blip="" blipPhldr="1">
+                        <dgm:adjLst/>
+                      </dgm:shape>
+                      <dgm:presOf/>
+                      <dgm:constrLst/>
+                      <dgm:ruleLst/>
+                    </dgm:layoutNode>
+                    <dgm:layoutNode name="text2" styleLbl="revTx">
+                      <dgm:varLst>
+                        <dgm:chPref val="3"/>
+                      </dgm:varLst>
+                      <dgm:alg type="tx">
+                        <dgm:param type="parTxLTRAlign" val="l"/>
+                        <dgm:param type="parTxRTLAlign" val="r"/>
+                      </dgm:alg>
+                      <dgm:shape xmlns:r="http://schemas.openxmlformats.org/officeDocument/2006/relationships" type="rect" r:blip="">
+                        <dgm:adjLst/>
+                      </dgm:shape>
+                      <dgm:presOf axis="self"/>
+                      <dgm:constrLst>
+                        <dgm:constr type="tMarg" refType="primFontSz" fact="0.3"/>
+                        <dgm:constr type="bMarg" refType="primFontSz" fact="0.3"/>
+                        <dgm:constr type="lMarg" refType="primFontSz" fact="0.3"/>
+                        <dgm:constr type="rMarg" refType="primFontSz" fact="0.3"/>
+                      </dgm:constrLst>
+                      <dgm:ruleLst>
+                        <dgm:rule type="primFontSz" val="5" fact="NaN" max="NaN"/>
+                      </dgm:ruleLst>
+                    </dgm:layoutNode>
+                  </dgm:layoutNode>
+                  <dgm:layoutNode name="hierChild3">
+                    <dgm:choose name="Name12">
+                      <dgm:if name="Name13" func="var" arg="dir" op="equ" val="norm">
+                        <dgm:alg type="hierChild">
+                          <dgm:param type="linDir" val="fromL"/>
+                        </dgm:alg>
+                      </dgm:if>
+                      <dgm:else name="Name14">
+                        <dgm:alg type="hierChild">
+                          <dgm:param type="linDir" val="fromR"/>
+                        </dgm:alg>
+                      </dgm:else>
+                    </dgm:choose>
+                    <dgm:shape xmlns:r="http://schemas.openxmlformats.org/officeDocument/2006/relationships" r:blip="">
+                      <dgm:adjLst/>
+                    </dgm:shape>
+                    <dgm:presOf/>
+                    <dgm:constrLst/>
+                    <dgm:ruleLst/>
+                    <dgm:forEach name="Name15" axis="ch">
+                      <dgm:forEach name="Name16" axis="self" ptType="parTrans" cnt="1">
+                        <dgm:layoutNode name="Name17">
+                          <dgm:alg type="conn">
+                            <dgm:param type="dim" val="1D"/>
+                            <dgm:param type="endSty" val="noArr"/>
+                            <dgm:param type="connRout" val="bend"/>
+                            <dgm:param type="bendPt" val="end"/>
+                            <dgm:param type="begPts" val="bCtr"/>
+                            <dgm:param type="endPts" val="tCtr"/>
+                            <dgm:param type="srcNode" val="image2"/>
+                            <dgm:param type="dstNode" val="image3"/>
+                          </dgm:alg>
+                          <dgm:shape xmlns:r="http://schemas.openxmlformats.org/officeDocument/2006/relationships" type="conn" r:blip="" zOrderOff="-999">
+                            <dgm:adjLst/>
+                          </dgm:shape>
+                          <dgm:presOf axis="self"/>
+                          <dgm:constrLst>
+                            <dgm:constr type="begPad"/>
+                            <dgm:constr type="endPad"/>
+                          </dgm:constrLst>
+                          <dgm:ruleLst/>
+                        </dgm:layoutNode>
+                      </dgm:forEach>
+                      <dgm:forEach name="Name18" axis="self" ptType="node">
+                        <dgm:layoutNode name="hierRoot3">
+                          <dgm:alg type="hierRoot"/>
+                          <dgm:shape xmlns:r="http://schemas.openxmlformats.org/officeDocument/2006/relationships" r:blip="">
+                            <dgm:adjLst/>
+                          </dgm:shape>
+                          <dgm:presOf/>
+                          <dgm:constrLst>
+                            <dgm:constr type="bendDist" for="des" ptType="parTrans" refType="sp" fact="0.5"/>
+                          </dgm:constrLst>
+                          <dgm:ruleLst/>
+                          <dgm:layoutNode name="composite3">
+                            <dgm:alg type="composite"/>
+                            <dgm:shape xmlns:r="http://schemas.openxmlformats.org/officeDocument/2006/relationships" r:blip="">
+                              <dgm:adjLst/>
+                            </dgm:shape>
+                            <dgm:presOf/>
+                            <dgm:constrLst>
+                              <dgm:constr type="h" for="ch" forName="image3" refType="h" fact="0.8"/>
+                              <dgm:constr type="w" for="ch" forName="image3" refType="h" refFor="ch" refForName="image3"/>
+                              <dgm:constr type="t" for="ch" forName="image3" refType="h" fact="0.1"/>
+                              <dgm:constr type="l" for="ch" forName="image3"/>
+                              <dgm:constr type="w" for="ch" forName="text3" refType="w" fact="0.6"/>
+                              <dgm:constr type="h" for="ch" forName="text3" refType="h" fact="0.8"/>
+                              <dgm:constr type="t" for="ch" forName="text3" refType="w" fact="0.04"/>
+                              <dgm:constr type="l" for="ch" forName="text3" refType="w" fact="0.4"/>
+                            </dgm:constrLst>
+                            <dgm:ruleLst/>
+                            <dgm:layoutNode name="image3">
+                              <dgm:alg type="sp"/>
+                              <dgm:shape xmlns:r="http://schemas.openxmlformats.org/officeDocument/2006/relationships" type="ellipse" r:blip="" blipPhldr="1">
+                                <dgm:adjLst/>
+                              </dgm:shape>
+                              <dgm:presOf/>
+                              <dgm:constrLst/>
+                              <dgm:ruleLst/>
+                            </dgm:layoutNode>
+                            <dgm:layoutNode name="text3" styleLbl="revTx">
+                              <dgm:varLst>
+                                <dgm:chPref val="3"/>
+                              </dgm:varLst>
+                              <dgm:alg type="tx">
+                                <dgm:param type="parTxLTRAlign" val="l"/>
+                                <dgm:param type="parTxRTLAlign" val="r"/>
+                              </dgm:alg>
+                              <dgm:shape xmlns:r="http://schemas.openxmlformats.org/officeDocument/2006/relationships" type="rect" r:blip="">
+                                <dgm:adjLst/>
+                              </dgm:shape>
+                              <dgm:presOf axis="self"/>
+                              <dgm:constrLst>
+                                <dgm:constr type="tMarg" refType="primFontSz" fact="0.3"/>
+                                <dgm:constr type="bMarg" refType="primFontSz" fact="0.3"/>
+                                <dgm:constr type="lMarg" refType="primFontSz" fact="0.3"/>
+                                <dgm:constr type="rMarg" refType="primFontSz" fact="0.3"/>
+                              </dgm:constrLst>
+                              <dgm:ruleLst>
+                                <dgm:rule type="primFontSz" val="5" fact="NaN" max="NaN"/>
+                              </dgm:ruleLst>
+                            </dgm:layoutNode>
+                          </dgm:layoutNode>
+                          <dgm:layoutNode name="hierChild4">
+                            <dgm:choose name="Name19">
+                              <dgm:if name="Name20" func="var" arg="dir" op="equ" val="norm">
+                                <dgm:alg type="hierChild">
+                                  <dgm:param type="linDir" val="fromL"/>
+                                </dgm:alg>
+                              </dgm:if>
+                              <dgm:else name="Name21">
+                                <dgm:alg type="hierChild">
+                                  <dgm:param type="linDir" val="fromR"/>
+                                </dgm:alg>
+                              </dgm:else>
+                            </dgm:choose>
+                            <dgm:shape xmlns:r="http://schemas.openxmlformats.org/officeDocument/2006/relationships" r:blip="">
+                              <dgm:adjLst/>
+                            </dgm:shape>
+                            <dgm:presOf/>
+                            <dgm:constrLst/>
+                            <dgm:ruleLst/>
+                            <dgm:forEach name="repeat" axis="ch">
+                              <dgm:forEach name="Name22" axis="self" ptType="parTrans" cnt="1">
+                                <dgm:layoutNode name="Name23">
+                                  <dgm:choose name="Name24">
+                                    <dgm:if name="Name25" axis="self" func="depth" op="lte" val="4">
+                                      <dgm:alg type="conn">
+                                        <dgm:param type="dim" val="1D"/>
+                                        <dgm:param type="endSty" val="noArr"/>
+                                        <dgm:param type="connRout" val="bend"/>
+                                        <dgm:param type="bendPt" val="end"/>
+                                        <dgm:param type="begPts" val="bCtr"/>
+                                        <dgm:param type="endPts" val="tCtr"/>
+                                        <dgm:param type="srcNode" val="image3"/>
+                                        <dgm:param type="dstNode" val="image4"/>
+                                      </dgm:alg>
+                                    </dgm:if>
+                                    <dgm:else name="Name26">
+                                      <dgm:alg type="conn">
+                                        <dgm:param type="dim" val="1D"/>
+                                        <dgm:param type="endSty" val="noArr"/>
+                                        <dgm:param type="connRout" val="bend"/>
+                                        <dgm:param type="bendPt" val="end"/>
+                                        <dgm:param type="begPts" val="bCtr"/>
+                                        <dgm:param type="endPts" val="tCtr"/>
+                                        <dgm:param type="srcNode" val="image4"/>
+                                        <dgm:param type="dstNode" val="image4"/>
+                                      </dgm:alg>
+                                    </dgm:else>
+                                  </dgm:choose>
+                                  <dgm:shape xmlns:r="http://schemas.openxmlformats.org/officeDocument/2006/relationships" type="conn" r:blip="" zOrderOff="-999">
+                                    <dgm:adjLst/>
+                                  </dgm:shape>
+                                  <dgm:presOf axis="self"/>
+                                  <dgm:constrLst>
+                                    <dgm:constr type="begPad"/>
+                                    <dgm:constr type="endPad"/>
+                                  </dgm:constrLst>
+                                  <dgm:ruleLst/>
+                                </dgm:layoutNode>
+                              </dgm:forEach>
+                              <dgm:forEach name="Name27" axis="self" ptType="node">
+                                <dgm:layoutNode name="hierRoot4">
+                                  <dgm:alg type="hierRoot"/>
+                                  <dgm:shape xmlns:r="http://schemas.openxmlformats.org/officeDocument/2006/relationships" r:blip="">
+                                    <dgm:adjLst/>
+                                  </dgm:shape>
+                                  <dgm:presOf/>
+                                  <dgm:constrLst>
+                                    <dgm:constr type="bendDist" for="des" ptType="parTrans" refType="sp" fact="0.5"/>
+                                  </dgm:constrLst>
+                                  <dgm:ruleLst/>
+                                  <dgm:layoutNode name="composite4">
+                                    <dgm:alg type="composite"/>
+                                    <dgm:shape xmlns:r="http://schemas.openxmlformats.org/officeDocument/2006/relationships" r:blip="">
+                                      <dgm:adjLst/>
+                                    </dgm:shape>
+                                    <dgm:presOf/>
+                                    <dgm:constrLst>
+                                      <dgm:constr type="h" for="ch" forName="image4" refType="h" fact="0.8"/>
+                                      <dgm:constr type="w" for="ch" forName="image4" refType="h" refFor="ch" refForName="image4"/>
+                                      <dgm:constr type="t" for="ch" forName="image4" refType="h" fact="0.1"/>
+                                      <dgm:constr type="l" for="ch" forName="image4"/>
+                                      <dgm:constr type="w" for="ch" forName="text4" refType="w" fact="0.6"/>
+                                      <dgm:constr type="h" for="ch" forName="text4" refType="h" fact="0.8"/>
+                                      <dgm:constr type="t" for="ch" forName="text4" refType="w" fact="0.04"/>
+                                      <dgm:constr type="l" for="ch" forName="text4" refType="w" fact="0.4"/>
+                                    </dgm:constrLst>
+                                    <dgm:ruleLst/>
+                                    <dgm:layoutNode name="image4">
+                                      <dgm:alg type="sp"/>
+                                      <dgm:shape xmlns:r="http://schemas.openxmlformats.org/officeDocument/2006/relationships" type="ellipse" r:blip="" blipPhldr="1">
+                                        <dgm:adjLst/>
+                                      </dgm:shape>
+                                      <dgm:presOf/>
+                                      <dgm:constrLst/>
+                                      <dgm:ruleLst/>
+                                    </dgm:layoutNode>
+                                    <dgm:layoutNode name="text4" styleLbl="revTx">
+                                      <dgm:varLst>
+                                        <dgm:chPref val="3"/>
+                                      </dgm:varLst>
+                                      <dgm:alg type="tx">
+                                        <dgm:param type="parTxLTRAlign" val="l"/>
+                                        <dgm:param type="parTxRTLAlign" val="r"/>
+                                      </dgm:alg>
+                                      <dgm:shape xmlns:r="http://schemas.openxmlformats.org/officeDocument/2006/relationships" type="rect" r:blip="">
+                                        <dgm:adjLst/>
+                                      </dgm:shape>
+                                      <dgm:presOf axis="self"/>
+                                      <dgm:constrLst>
+                                        <dgm:constr type="tMarg" refType="primFontSz" fact="0.3"/>
+                                        <dgm:constr type="bMarg" refType="primFontSz" fact="0.3"/>
+                                        <dgm:constr type="lMarg" refType="primFontSz" fact="0.3"/>
+                                        <dgm:constr type="rMarg" refType="primFontSz" fact="0.3"/>
+                                      </dgm:constrLst>
+                                      <dgm:ruleLst>
+                                        <dgm:rule type="primFontSz" val="5" fact="NaN" max="NaN"/>
+                                      </dgm:ruleLst>
+                                    </dgm:layoutNode>
+                                  </dgm:layoutNode>
+                                  <dgm:layoutNode name="hierChild5">
+                                    <dgm:choose name="Name28">
+                                      <dgm:if name="Name29" func="var" arg="dir" op="equ" val="norm">
+                                        <dgm:alg type="hierChild">
+                                          <dgm:param type="linDir" val="fromL"/>
+                                        </dgm:alg>
+                                      </dgm:if>
+                                      <dgm:else name="Name30">
+                                        <dgm:alg type="hierChild">
+                                          <dgm:param type="linDir" val="fromR"/>
+                                        </dgm:alg>
+                                      </dgm:else>
+                                    </dgm:choose>
+                                    <dgm:shape xmlns:r="http://schemas.openxmlformats.org/officeDocument/2006/relationships" r:blip="">
+                                      <dgm:adjLst/>
+                                    </dgm:shape>
+                                    <dgm:presOf/>
+                                    <dgm:constrLst/>
+                                    <dgm:ruleLst/>
+                                    <dgm:forEach name="Name31" ref="repeat"/>
+                                  </dgm:layoutNode>
+                                </dgm:layoutNode>
+                              </dgm:forEach>
+                            </dgm:forEach>
+                          </dgm:layoutNode>
+                        </dgm:layoutNode>
+                      </dgm:forEach>
+                    </dgm:forEach>
+                  </dgm:layoutNode>
+                </dgm:layoutNode>
+              </dgm:forEach>
+            </dgm:forEach>
+          </dgm:layoutNode>
+        </dgm:layoutNode>
+      </dgm:forEach>
+    </dgm:forEach>
+  </dgm:layoutNode>
+</dgm:layoutDef>
+</file>
+
+<file path=ppt/diagrams/quickStyle1.xml><?xml version="1.0" encoding="utf-8"?>
+<dgm:styleDef xmlns:dgm="http://schemas.openxmlformats.org/drawingml/2006/diagram" xmlns:a="http://schemas.openxmlformats.org/drawingml/2006/main" uniqueId="urn:microsoft.com/office/officeart/2005/8/quickstyle/simple1">
+  <dgm:title val=""/>
+  <dgm:desc val=""/>
+  <dgm:catLst>
+    <dgm:cat type="simple" pri="10100"/>
+  </dgm:catLst>
+  <dgm:scene3d>
+    <a:camera prst="orthographicFront"/>
+    <a:lightRig rig="threePt" dir="t"/>
+  </dgm:scene3d>
+  <dgm:styleLbl name="node0">
+    <dgm:scene3d>
+      <a:camera prst="orthographicFront"/>
+      <a:lightRig rig="threePt" dir="t"/>
+    </dgm:scene3d>
+    <dgm:sp3d/>
+    <dgm:txPr/>
+    <dgm:style>
+      <a:lnRef idx="2">
+        <a:scrgbClr r="0" g="0" b="0"/>
+      </a:lnRef>
+      <a:fillRef idx="1">
+        <a:scrgbClr r="0" g="0" b="0"/>
+      </a:fillRef>
+      <a:effectRef idx="0">
+        <a:scrgbClr r="0" g="0" b="0"/>
+      </a:effectRef>
+      <a:fontRef idx="minor">
+        <a:schemeClr val="lt1"/>
+      </a:fontRef>
+    </dgm:style>
+  </dgm:styleLbl>
+  <dgm:styleLbl name="lnNode1">
+    <dgm:scene3d>
+      <a:camera prst="orthographicFront"/>
+      <a:lightRig rig="threePt" dir="t"/>
+    </dgm:scene3d>
+    <dgm:sp3d/>
+    <dgm:txPr/>
+    <dgm:style>
+      <a:lnRef idx="2">
+        <a:scrgbClr r="0" g="0" b="0"/>
+      </a:lnRef>
+      <a:fillRef idx="1">
+        <a:scrgbClr r="0" g="0" b="0"/>
+      </a:fillRef>
+      <a:effectRef idx="0">
+        <a:scrgbClr r="0" g="0" b="0"/>
+      </a:effectRef>
+      <a:fontRef idx="minor">
+        <a:schemeClr val="lt1"/>
+      </a:fontRef>
+    </dgm:style>
+  </dgm:styleLbl>
+  <dgm:styleLbl name="vennNode1">
+    <dgm:scene3d>
+      <a:camera prst="orthographicFront"/>
+      <a:lightRig rig="threePt" dir="t"/>
+    </dgm:scene3d>
+    <dgm:sp3d/>
+    <dgm:txPr/>
+    <dgm:style>
+      <a:lnRef idx="2">
+        <a:scrgbClr r="0" g="0" b="0"/>
+      </a:lnRef>
+      <a:fillRef idx="1">
+        <a:scrgbClr r="0" g="0" b="0"/>
+      </a:fillRef>
+      <a:effectRef idx="0">
+        <a:scrgbClr r="0" g="0" b="0"/>
+      </a:effectRef>
+      <a:fontRef idx="minor">
+        <a:schemeClr val="tx1"/>
+      </a:fontRef>
+    </dgm:style>
+  </dgm:styleLbl>
+  <dgm:styleLbl name="alignNode1">
+    <dgm:scene3d>
+      <a:camera prst="orthographicFront"/>
+      <a:lightRig rig="threePt" dir="t"/>
+    </dgm:scene3d>
+    <dgm:sp3d/>
+    <dgm:txPr/>
+    <dgm:style>
+      <a:lnRef idx="2">
+        <a:scrgbClr r="0" g="0" b="0"/>
+      </a:lnRef>
+      <a:fillRef idx="1">
+        <a:scrgbClr r="0" g="0" b="0"/>
+      </a:fillRef>
+      <a:effectRef idx="0">
+        <a:scrgbClr r="0" g="0" b="0"/>
+      </a:effectRef>
+      <a:fontRef idx="minor">
+        <a:schemeClr val="lt1"/>
+      </a:fontRef>
+    </dgm:style>
+  </dgm:styleLbl>
+  <dgm:styleLbl name="node1">
+    <dgm:scene3d>
+      <a:camera prst="orthographicFront"/>
+      <a:lightRig rig="threePt" dir="t"/>
+    </dgm:scene3d>
+    <dgm:sp3d/>
+    <dgm:txPr/>
+    <dgm:style>
+      <a:lnRef idx="2">
+        <a:scrgbClr r="0" g="0" b="0"/>
+      </a:lnRef>
+      <a:fillRef idx="1">
+        <a:scrgbClr r="0" g="0" b="0"/>
+      </a:fillRef>
+      <a:effectRef idx="0">
+        <a:scrgbClr r="0" g="0" b="0"/>
+      </a:effectRef>
+      <a:fontRef idx="minor">
+        <a:schemeClr val="lt1"/>
+      </a:fontRef>
+    </dgm:style>
+  </dgm:styleLbl>
+  <dgm:styleLbl name="node2">
+    <dgm:scene3d>
+      <a:camera prst="orthographicFront"/>
+      <a:lightRig rig="threePt" dir="t"/>
+    </dgm:scene3d>
+    <dgm:sp3d/>
+    <dgm:txPr/>
+    <dgm:style>
+      <a:lnRef idx="2">
+        <a:scrgbClr r="0" g="0" b="0"/>
+      </a:lnRef>
+      <a:fillRef idx="1">
+        <a:scrgbClr r="0" g="0" b="0"/>
+      </a:fillRef>
+      <a:effectRef idx="0">
+        <a:scrgbClr r="0" g="0" b="0"/>
+      </a:effectRef>
+      <a:fontRef idx="minor">
+        <a:schemeClr val="lt1"/>
+      </a:fontRef>
+    </dgm:style>
+  </dgm:styleLbl>
+  <dgm:styleLbl name="node3">
+    <dgm:scene3d>
+      <a:camera prst="orthographicFront"/>
+      <a:lightRig rig="threePt" dir="t"/>
+    </dgm:scene3d>
+    <dgm:sp3d/>
+    <dgm:txPr/>
+    <dgm:style>
+      <a:lnRef idx="2">
+        <a:scrgbClr r="0" g="0" b="0"/>
+      </a:lnRef>
+      <a:fillRef idx="1">
+        <a:scrgbClr r="0" g="0" b="0"/>
+      </a:fillRef>
+      <a:effectRef idx="0">
+        <a:scrgbClr r="0" g="0" b="0"/>
+      </a:effectRef>
+      <a:fontRef idx="minor">
+        <a:schemeClr val="lt1"/>
+      </a:fontRef>
+    </dgm:style>
+  </dgm:styleLbl>
+  <dgm:styleLbl name="node4">
+    <dgm:scene3d>
+      <a:camera prst="orthographicFront"/>
+      <a:lightRig rig="threePt" dir="t"/>
+    </dgm:scene3d>
+    <dgm:sp3d/>
+    <dgm:txPr/>
+    <dgm:style>
+      <a:lnRef idx="2">
+        <a:scrgbClr r="0" g="0" b="0"/>
+      </a:lnRef>
+      <a:fillRef idx="1">
+        <a:scrgbClr r="0" g="0" b="0"/>
+      </a:fillRef>
+      <a:effectRef idx="0">
+        <a:scrgbClr r="0" g="0" b="0"/>
+      </a:effectRef>
+      <a:fontRef idx="minor">
+        <a:schemeClr val="lt1"/>
+      </a:fontRef>
+    </dgm:style>
+  </dgm:styleLbl>
+  <dgm:styleLbl name="fgImgPlace1">
+    <dgm:scene3d>
+      <a:camera prst="orthographicFront"/>
+      <a:lightRig rig="threePt" dir="t"/>
+    </dgm:scene3d>
+    <dgm:sp3d/>
+    <dgm:txPr/>
+    <dgm:style>
+      <a:lnRef idx="2">
+        <a:scrgbClr r="0" g="0" b="0"/>
+      </a:lnRef>
+      <a:fillRef idx="1">
+        <a:scrgbClr r="0" g="0" b="0"/>
+      </a:fillRef>
+      <a:effectRef idx="0">
+        <a:scrgbClr r="0" g="0" b="0"/>
+      </a:effectRef>
+      <a:fontRef idx="minor"/>
+    </dgm:style>
+  </dgm:styleLbl>
+  <dgm:styleLbl name="alignImgPlace1">
+    <dgm:scene3d>
+      <a:camera prst="orthographicFront"/>
+      <a:lightRig rig="threePt" dir="t"/>
+    </dgm:scene3d>
+    <dgm:sp3d/>
+    <dgm:txPr/>
+    <dgm:style>
+      <a:lnRef idx="2">
+        <a:scrgbClr r="0" g="0" b="0"/>
+      </a:lnRef>
+      <a:fillRef idx="1">
+        <a:scrgbClr r="0" g="0" b="0"/>
+      </a:fillRef>
+      <a:effectRef idx="0">
+        <a:scrgbClr r="0" g="0" b="0"/>
+      </a:effectRef>
+      <a:fontRef idx="minor"/>
+    </dgm:style>
+  </dgm:styleLbl>
+  <dgm:styleLbl name="bgImgPlace1">
+    <dgm:scene3d>
+      <a:camera prst="orthographicFront"/>
+      <a:lightRig rig="threePt" dir="t"/>
+    </dgm:scene3d>
+    <dgm:sp3d/>
+    <dgm:txPr/>
+    <dgm:style>
+      <a:lnRef idx="2">
+        <a:scrgbClr r="0" g="0" b="0"/>
+      </a:lnRef>
+      <a:fillRef idx="1">
+        <a:scrgbClr r="0" g="0" b="0"/>
+      </a:fillRef>
+      <a:effectRef idx="0">
+        <a:scrgbClr r="0" g="0" b="0"/>
+      </a:effectRef>
+      <a:fontRef idx="minor"/>
+    </dgm:style>
+  </dgm:styleLbl>
+  <dgm:styleLbl name="sibTrans2D1">
+    <dgm:scene3d>
+      <a:camera prst="orthographicFront"/>
+      <a:lightRig rig="threePt" dir="t"/>
+    </dgm:scene3d>
+    <dgm:sp3d/>
+    <dgm:txPr/>
+    <dgm:style>
+      <a:lnRef idx="0">
+        <a:scrgbClr r="0" g="0" b="0"/>
+      </a:lnRef>
+      <a:fillRef idx="1">
+        <a:scrgbClr r="0" g="0" b="0"/>
+      </a:fillRef>
+      <a:effectRef idx="0">
+        <a:scrgbClr r="0" g="0" b="0"/>
+      </a:effectRef>
+      <a:fontRef idx="minor">
+        <a:schemeClr val="lt1"/>
+      </a:fontRef>
+    </dgm:style>
+  </dgm:styleLbl>
+  <dgm:styleLbl name="fgSibTrans2D1">
+    <dgm:scene3d>
+      <a:camera prst="orthographicFront"/>
+      <a:lightRig rig="threePt" dir="t"/>
+    </dgm:scene3d>
+    <dgm:sp3d/>
+    <dgm:txPr/>
+    <dgm:style>
+      <a:lnRef idx="0">
+        <a:scrgbClr r="0" g="0" b="0"/>
+      </a:lnRef>
+      <a:fillRef idx="1">
+        <a:scrgbClr r="0" g="0" b="0"/>
+      </a:fillRef>
+      <a:effectRef idx="0">
+        <a:scrgbClr r="0" g="0" b="0"/>
+      </a:effectRef>
+      <a:fontRef idx="minor">
+        <a:schemeClr val="lt1"/>
+      </a:fontRef>
+    </dgm:style>
+  </dgm:styleLbl>
+  <dgm:styleLbl name="bgSibTrans2D1">
+    <dgm:scene3d>
+      <a:camera prst="orthographicFront"/>
+      <a:lightRig rig="threePt" dir="t"/>
+    </dgm:scene3d>
+    <dgm:sp3d/>
+    <dgm:txPr/>
+    <dgm:style>
+      <a:lnRef idx="0">
+        <a:scrgbClr r="0" g="0" b="0"/>
+      </a:lnRef>
+      <a:fillRef idx="1">
+        <a:scrgbClr r="0" g="0" b="0"/>
+      </a:fillRef>
+      <a:effectRef idx="0">
+        <a:scrgbClr r="0" g="0" b="0"/>
+      </a:effectRef>
+      <a:fontRef idx="minor">
+        <a:schemeClr val="lt1"/>
+      </a:fontRef>
+    </dgm:style>
+  </dgm:styleLbl>
+  <dgm:styleLbl name="sibTrans1D1">
+    <dgm:scene3d>
+      <a:camera prst="orthographicFront"/>
+      <a:lightRig rig="threePt" dir="t"/>
+    </dgm:scene3d>
+    <dgm:sp3d/>
+    <dgm:txPr/>
+    <dgm:style>
+      <a:lnRef idx="1">
+        <a:scrgbClr r="0" g="0" b="0"/>
+      </a:lnRef>
+      <a:fillRef idx="0">
+        <a:scrgbClr r="0" g="0" b="0"/>
+      </a:fillRef>
+      <a:effectRef idx="0">
+        <a:scrgbClr r="0" g="0" b="0"/>
+      </a:effectRef>
+      <a:fontRef idx="minor"/>
+    </dgm:style>
+  </dgm:styleLbl>
+  <dgm:styleLbl name="callout">
+    <dgm:scene3d>
+      <a:camera prst="orthographicFront"/>
+      <a:lightRig rig="threePt" dir="t"/>
+    </dgm:scene3d>
+    <dgm:sp3d/>
+    <dgm:txPr/>
+    <dgm:style>
+      <a:lnRef idx="2">
+        <a:scrgbClr r="0" g="0" b="0"/>
+      </a:lnRef>
+      <a:fillRef idx="1">
+        <a:scrgbClr r="0" g="0" b="0"/>
+      </a:fillRef>
+      <a:effectRef idx="0">
+        <a:scrgbClr r="0" g="0" b="0"/>
+      </a:effectRef>
+      <a:fontRef idx="minor"/>
+    </dgm:style>
+  </dgm:styleLbl>
+  <dgm:styleLbl name="asst0">
+    <dgm:scene3d>
+      <a:camera prst="orthographicFront"/>
+      <a:lightRig rig="threePt" dir="t"/>
+    </dgm:scene3d>
+    <dgm:sp3d/>
+    <dgm:txPr/>
+    <dgm:style>
+      <a:lnRef idx="2">
+        <a:scrgbClr r="0" g="0" b="0"/>
+      </a:lnRef>
+      <a:fillRef idx="1">
+        <a:scrgbClr r="0" g="0" b="0"/>
+      </a:fillRef>
+      <a:effectRef idx="0">
+        <a:scrgbClr r="0" g="0" b="0"/>
+      </a:effectRef>
+      <a:fontRef idx="minor">
+        <a:schemeClr val="lt1"/>
+      </a:fontRef>
+    </dgm:style>
+  </dgm:styleLbl>
+  <dgm:styleLbl name="asst1">
+    <dgm:scene3d>
+      <a:camera prst="orthographicFront"/>
+      <a:lightRig rig="threePt" dir="t"/>
+    </dgm:scene3d>
+    <dgm:sp3d/>
+    <dgm:txPr/>
+    <dgm:style>
+      <a:lnRef idx="2">
+        <a:scrgbClr r="0" g="0" b="0"/>
+      </a:lnRef>
+      <a:fillRef idx="1">
+        <a:scrgbClr r="0" g="0" b="0"/>
+      </a:fillRef>
+      <a:effectRef idx="0">
+        <a:scrgbClr r="0" g="0" b="0"/>
+      </a:effectRef>
+      <a:fontRef idx="minor">
+        <a:schemeClr val="lt1"/>
+      </a:fontRef>
+    </dgm:style>
+  </dgm:styleLbl>
+  <dgm:styleLbl name="asst2">
+    <dgm:scene3d>
+      <a:camera prst="orthographicFront"/>
+      <a:lightRig rig="threePt" dir="t"/>
+    </dgm:scene3d>
+    <dgm:sp3d/>
+    <dgm:txPr/>
+    <dgm:style>
+      <a:lnRef idx="2">
+        <a:scrgbClr r="0" g="0" b="0"/>
+      </a:lnRef>
+      <a:fillRef idx="1">
+        <a:scrgbClr r="0" g="0" b="0"/>
+      </a:fillRef>
+      <a:effectRef idx="0">
+        <a:scrgbClr r="0" g="0" b="0"/>
+      </a:effectRef>
+      <a:fontRef idx="minor">
+        <a:schemeClr val="lt1"/>
+      </a:fontRef>
+    </dgm:style>
+  </dgm:styleLbl>
+  <dgm:styleLbl name="asst3">
+    <dgm:scene3d>
+      <a:camera prst="orthographicFront"/>
+      <a:lightRig rig="threePt" dir="t"/>
+    </dgm:scene3d>
+    <dgm:sp3d/>
+    <dgm:txPr/>
+    <dgm:style>
+      <a:lnRef idx="2">
+        <a:scrgbClr r="0" g="0" b="0"/>
+      </a:lnRef>
+      <a:fillRef idx="1">
+        <a:scrgbClr r="0" g="0" b="0"/>
+      </a:fillRef>
+      <a:effectRef idx="0">
+        <a:scrgbClr r="0" g="0" b="0"/>
+      </a:effectRef>
+      <a:fontRef idx="minor">
+        <a:schemeClr val="lt1"/>
+      </a:fontRef>
+    </dgm:style>
+  </dgm:styleLbl>
+  <dgm:styleLbl name="asst4">
+    <dgm:scene3d>
+      <a:camera prst="orthographicFront"/>
+      <a:lightRig rig="threePt" dir="t"/>
+    </dgm:scene3d>
+    <dgm:sp3d/>
+    <dgm:txPr/>
+    <dgm:style>
+      <a:lnRef idx="2">
+        <a:scrgbClr r="0" g="0" b="0"/>
+      </a:lnRef>
+      <a:fillRef idx="1">
+        <a:scrgbClr r="0" g="0" b="0"/>
+      </a:fillRef>
+      <a:effectRef idx="0">
+        <a:scrgbClr r="0" g="0" b="0"/>
+      </a:effectRef>
+      <a:fontRef idx="minor">
+        <a:schemeClr val="lt1"/>
+      </a:fontRef>
+    </dgm:style>
+  </dgm:styleLbl>
+  <dgm:styleLbl name="parChTrans2D1">
+    <dgm:scene3d>
+      <a:camera prst="orthographicFront"/>
+      <a:lightRig rig="threePt" dir="t"/>
+    </dgm:scene3d>
+    <dgm:sp3d/>
+    <dgm:txPr/>
+    <dgm:style>
+      <a:lnRef idx="2">
+        <a:scrgbClr r="0" g="0" b="0"/>
+      </a:lnRef>
+      <a:fillRef idx="1">
+        <a:scrgbClr r="0" g="0" b="0"/>
+      </a:fillRef>
+      <a:effectRef idx="0">
+        <a:scrgbClr r="0" g="0" b="0"/>
+      </a:effectRef>
+      <a:fontRef idx="minor">
+        <a:schemeClr val="lt1"/>
+      </a:fontRef>
+    </dgm:style>
+  </dgm:styleLbl>
+  <dgm:styleLbl name="parChTrans2D2">
+    <dgm:scene3d>
+      <a:camera prst="orthographicFront"/>
+      <a:lightRig rig="threePt" dir="t"/>
+    </dgm:scene3d>
+    <dgm:sp3d/>
+    <dgm:txPr/>
+    <dgm:style>
+      <a:lnRef idx="2">
+        <a:scrgbClr r="0" g="0" b="0"/>
+      </a:lnRef>
+      <a:fillRef idx="1">
+        <a:scrgbClr r="0" g="0" b="0"/>
+      </a:fillRef>
+      <a:effectRef idx="0">
+        <a:scrgbClr r="0" g="0" b="0"/>
+      </a:effectRef>
+      <a:fontRef idx="minor">
+        <a:schemeClr val="lt1"/>
+      </a:fontRef>
+    </dgm:style>
+  </dgm:styleLbl>
+  <dgm:styleLbl name="parChTrans2D3">
+    <dgm:scene3d>
+      <a:camera prst="orthographicFront"/>
+      <a:lightRig rig="threePt" dir="t"/>
+    </dgm:scene3d>
+    <dgm:sp3d/>
+    <dgm:txPr/>
+    <dgm:style>
+      <a:lnRef idx="2">
+        <a:scrgbClr r="0" g="0" b="0"/>
+      </a:lnRef>
+      <a:fillRef idx="1">
+        <a:scrgbClr r="0" g="0" b="0"/>
+      </a:fillRef>
+      <a:effectRef idx="0">
+        <a:scrgbClr r="0" g="0" b="0"/>
+      </a:effectRef>
+      <a:fontRef idx="minor">
+        <a:schemeClr val="lt1"/>
+      </a:fontRef>
+    </dgm:style>
+  </dgm:styleLbl>
+  <dgm:styleLbl name="parChTrans2D4">
+    <dgm:scene3d>
+      <a:camera prst="orthographicFront"/>
+      <a:lightRig rig="threePt" dir="t"/>
+    </dgm:scene3d>
+    <dgm:sp3d/>
+    <dgm:txPr/>
+    <dgm:style>
+      <a:lnRef idx="2">
+        <a:scrgbClr r="0" g="0" b="0"/>
+      </a:lnRef>
+      <a:fillRef idx="1">
+        <a:scrgbClr r="0" g="0" b="0"/>
+      </a:fillRef>
+      <a:effectRef idx="0">
+        <a:scrgbClr r="0" g="0" b="0"/>
+      </a:effectRef>
+      <a:fontRef idx="minor">
+        <a:schemeClr val="lt1"/>
+      </a:fontRef>
+    </dgm:style>
+  </dgm:styleLbl>
+  <dgm:styleLbl name="parChTrans1D1">
+    <dgm:scene3d>
+      <a:camera prst="orthographicFront"/>
+      <a:lightRig rig="threePt" dir="t"/>
+    </dgm:scene3d>
+    <dgm:sp3d/>
+    <dgm:txPr/>
+    <dgm:style>
+      <a:lnRef idx="2">
+        <a:scrgbClr r="0" g="0" b="0"/>
+      </a:lnRef>
+      <a:fillRef idx="0">
+        <a:scrgbClr r="0" g="0" b="0"/>
+      </a:fillRef>
+      <a:effectRef idx="0">
+        <a:scrgbClr r="0" g="0" b="0"/>
+      </a:effectRef>
+      <a:fontRef idx="minor"/>
+    </dgm:style>
+  </dgm:styleLbl>
+  <dgm:styleLbl name="parChTrans1D2">
+    <dgm:scene3d>
+      <a:camera prst="orthographicFront"/>
+      <a:lightRig rig="threePt" dir="t"/>
+    </dgm:scene3d>
+    <dgm:sp3d/>
+    <dgm:txPr/>
+    <dgm:style>
+      <a:lnRef idx="2">
+        <a:scrgbClr r="0" g="0" b="0"/>
+      </a:lnRef>
+      <a:fillRef idx="0">
+        <a:scrgbClr r="0" g="0" b="0"/>
+      </a:fillRef>
+      <a:effectRef idx="0">
+        <a:scrgbClr r="0" g="0" b="0"/>
+      </a:effectRef>
+      <a:fontRef idx="minor"/>
+    </dgm:style>
+  </dgm:styleLbl>
+  <dgm:styleLbl name="parChTrans1D3">
+    <dgm:scene3d>
+      <a:camera prst="orthographicFront"/>
+      <a:lightRig rig="threePt" dir="t"/>
+    </dgm:scene3d>
+    <dgm:sp3d/>
+    <dgm:txPr/>
+    <dgm:style>
+      <a:lnRef idx="2">
+        <a:scrgbClr r="0" g="0" b="0"/>
+      </a:lnRef>
+      <a:fillRef idx="0">
+        <a:scrgbClr r="0" g="0" b="0"/>
+      </a:fillRef>
+      <a:effectRef idx="0">
+        <a:scrgbClr r="0" g="0" b="0"/>
+      </a:effectRef>
+      <a:fontRef idx="minor"/>
+    </dgm:style>
+  </dgm:styleLbl>
+  <dgm:styleLbl name="parChTrans1D4">
+    <dgm:scene3d>
+      <a:camera prst="orthographicFront"/>
+      <a:lightRig rig="threePt" dir="t"/>
+    </dgm:scene3d>
+    <dgm:sp3d/>
+    <dgm:txPr/>
+    <dgm:style>
+      <a:lnRef idx="2">
+        <a:scrgbClr r="0" g="0" b="0"/>
+      </a:lnRef>
+      <a:fillRef idx="0">
+        <a:scrgbClr r="0" g="0" b="0"/>
+      </a:fillRef>
+      <a:effectRef idx="0">
+        <a:scrgbClr r="0" g="0" b="0"/>
+      </a:effectRef>
+      <a:fontRef idx="minor"/>
+    </dgm:style>
+  </dgm:styleLbl>
+  <dgm:styleLbl name="fgAcc1">
+    <dgm:scene3d>
+      <a:camera prst="orthographicFront"/>
+      <a:lightRig rig="threePt" dir="t"/>
+    </dgm:scene3d>
+    <dgm:sp3d/>
+    <dgm:txPr/>
+    <dgm:style>
+      <a:lnRef idx="2">
+        <a:scrgbClr r="0" g="0" b="0"/>
+      </a:lnRef>
+      <a:fillRef idx="1">
+        <a:scrgbClr r="0" g="0" b="0"/>
+      </a:fillRef>
+      <a:effectRef idx="0">
+        <a:scrgbClr r="0" g="0" b="0"/>
+      </a:effectRef>
+      <a:fontRef idx="minor"/>
+    </dgm:style>
+  </dgm:styleLbl>
+  <dgm:styleLbl name="conFgAcc1">
+    <dgm:scene3d>
+      <a:camera prst="orthographicFront"/>
+      <a:lightRig rig="threePt" dir="t"/>
+    </dgm:scene3d>
+    <dgm:sp3d/>
+    <dgm:txPr/>
+    <dgm:style>
+      <a:lnRef idx="2">
+        <a:scrgbClr r="0" g="0" b="0"/>
+      </a:lnRef>
+      <a:fillRef idx="1">
+        <a:scrgbClr r="0" g="0" b="0"/>
+      </a:fillRef>
+      <a:effectRef idx="0">
+        <a:scrgbClr r="0" g="0" b="0"/>
+      </a:effectRef>
+      <a:fontRef idx="minor"/>
+    </dgm:style>
+  </dgm:styleLbl>
+  <dgm:styleLbl name="alignAcc1">
+    <dgm:scene3d>
+      <a:camera prst="orthographicFront"/>
+      <a:lightRig rig="threePt" dir="t"/>
+    </dgm:scene3d>
+    <dgm:sp3d/>
+    <dgm:txPr/>
+    <dgm:style>
+      <a:lnRef idx="2">
+        <a:scrgbClr r="0" g="0" b="0"/>
+      </a:lnRef>
+      <a:fillRef idx="1">
+        <a:scrgbClr r="0" g="0" b="0"/>
+      </a:fillRef>
+      <a:effectRef idx="0">
+        <a:scrgbClr r="0" g="0" b="0"/>
+      </a:effectRef>
+      <a:fontRef idx="minor"/>
+    </dgm:style>
+  </dgm:styleLbl>
+  <dgm:styleLbl name="trAlignAcc1">
+    <dgm:scene3d>
+      <a:camera prst="orthographicFront"/>
+      <a:lightRig rig="threePt" dir="t"/>
+    </dgm:scene3d>
+    <dgm:sp3d/>
+    <dgm:txPr/>
+    <dgm:style>
+      <a:lnRef idx="1">
+        <a:scrgbClr r="0" g="0" b="0"/>
+      </a:lnRef>
+      <a:fillRef idx="1">
+        <a:scrgbClr r="0" g="0" b="0"/>
+      </a:fillRef>
+      <a:effectRef idx="0">
+        <a:scrgbClr r="0" g="0" b="0"/>
+      </a:effectRef>
+      <a:fontRef idx="minor"/>
+    </dgm:style>
+  </dgm:styleLbl>
+  <dgm:styleLbl name="bgAcc1">
+    <dgm:scene3d>
+      <a:camera prst="orthographicFront"/>
+      <a:lightRig rig="threePt" dir="t"/>
+    </dgm:scene3d>
+    <dgm:sp3d/>
+    <dgm:txPr/>
+    <dgm:style>
+      <a:lnRef idx="2">
+        <a:scrgbClr r="0" g="0" b="0"/>
+      </a:lnRef>
+      <a:fillRef idx="1">
+        <a:scrgbClr r="0" g="0" b="0"/>
+      </a:fillRef>
+      <a:effectRef idx="0">
+        <a:scrgbClr r="0" g="0" b="0"/>
+      </a:effectRef>
+      <a:fontRef idx="minor"/>
+    </dgm:style>
+  </dgm:styleLbl>
+  <dgm:styleLbl name="solidFgAcc1">
+    <dgm:scene3d>
+      <a:camera prst="orthographicFront"/>
+      <a:lightRig rig="threePt" dir="t"/>
+    </dgm:scene3d>
+    <dgm:sp3d/>
+    <dgm:txPr/>
+    <dgm:style>
+      <a:lnRef idx="2">
+        <a:scrgbClr r="0" g="0" b="0"/>
+      </a:lnRef>
+      <a:fillRef idx="1">
+        <a:scrgbClr r="0" g="0" b="0"/>
+      </a:fillRef>
+      <a:effectRef idx="0">
+        <a:scrgbClr r="0" g="0" b="0"/>
+      </a:effectRef>
+      <a:fontRef idx="minor"/>
+    </dgm:style>
+  </dgm:styleLbl>
+  <dgm:styleLbl name="solidAlignAcc1">
+    <dgm:scene3d>
+      <a:camera prst="orthographicFront"/>
+      <a:lightRig rig="threePt" dir="t"/>
+    </dgm:scene3d>
+    <dgm:sp3d/>
+    <dgm:txPr/>
+    <dgm:style>
+      <a:lnRef idx="2">
+        <a:scrgbClr r="0" g="0" b="0"/>
+      </a:lnRef>
+      <a:fillRef idx="1">
+        <a:scrgbClr r="0" g="0" b="0"/>
+      </a:fillRef>
+      <a:effectRef idx="0">
+        <a:scrgbClr r="0" g="0" b="0"/>
+      </a:effectRef>
+      <a:fontRef idx="minor"/>
+    </dgm:style>
+  </dgm:styleLbl>
+  <dgm:styleLbl name="solidBgAcc1">
+    <dgm:scene3d>
+      <a:camera prst="orthographicFront"/>
+      <a:lightRig rig="threePt" dir="t"/>
+    </dgm:scene3d>
+    <dgm:sp3d/>
+    <dgm:txPr/>
+    <dgm:style>
+      <a:lnRef idx="2">
+        <a:scrgbClr r="0" g="0" b="0"/>
+      </a:lnRef>
+      <a:fillRef idx="1">
+        <a:scrgbClr r="0" g="0" b="0"/>
+      </a:fillRef>
+      <a:effectRef idx="0">
+        <a:scrgbClr r="0" g="0" b="0"/>
+      </a:effectRef>
+      <a:fontRef idx="minor"/>
+    </dgm:style>
+  </dgm:styleLbl>
+  <dgm:styleLbl name="fgAccFollowNode1">
+    <dgm:scene3d>
+      <a:camera prst="orthographicFront"/>
+      <a:lightRig rig="threePt" dir="t"/>
+    </dgm:scene3d>
+    <dgm:sp3d/>
+    <dgm:txPr/>
+    <dgm:style>
+      <a:lnRef idx="2">
+        <a:scrgbClr r="0" g="0" b="0"/>
+      </a:lnRef>
+      <a:fillRef idx="1">
+        <a:scrgbClr r="0" g="0" b="0"/>
+      </a:fillRef>
+      <a:effectRef idx="0">
+        <a:scrgbClr r="0" g="0" b="0"/>
+      </a:effectRef>
+      <a:fontRef idx="minor"/>
+    </dgm:style>
+  </dgm:styleLbl>
+  <dgm:styleLbl name="alignAccFollowNode1">
+    <dgm:scene3d>
+      <a:camera prst="orthographicFront"/>
+      <a:lightRig rig="threePt" dir="t"/>
+    </dgm:scene3d>
+    <dgm:sp3d/>
+    <dgm:txPr/>
+    <dgm:style>
+      <a:lnRef idx="2">
+        <a:scrgbClr r="0" g="0" b="0"/>
+      </a:lnRef>
+      <a:fillRef idx="1">
+        <a:scrgbClr r="0" g="0" b="0"/>
+      </a:fillRef>
+      <a:effectRef idx="0">
+        <a:scrgbClr r="0" g="0" b="0"/>
+      </a:effectRef>
+      <a:fontRef idx="minor"/>
+    </dgm:style>
+  </dgm:styleLbl>
+  <dgm:styleLbl name="bgAccFollowNode1">
+    <dgm:scene3d>
+      <a:camera prst="orthographicFront"/>
+      <a:lightRig rig="threePt" dir="t"/>
+    </dgm:scene3d>
+    <dgm:sp3d/>
+    <dgm:txPr/>
+    <dgm:style>
+      <a:lnRef idx="2">
+        <a:scrgbClr r="0" g="0" b="0"/>
+      </a:lnRef>
+      <a:fillRef idx="1">
+        <a:scrgbClr r="0" g="0" b="0"/>
+      </a:fillRef>
+      <a:effectRef idx="0">
+        <a:scrgbClr r="0" g="0" b="0"/>
+      </a:effectRef>
+      <a:fontRef idx="minor"/>
+    </dgm:style>
+  </dgm:styleLbl>
+  <dgm:styleLbl name="fgAcc0">
+    <dgm:scene3d>
+      <a:camera prst="orthographicFront"/>
+      <a:lightRig rig="threePt" dir="t"/>
+    </dgm:scene3d>
+    <dgm:sp3d/>
+    <dgm:txPr/>
+    <dgm:style>
+      <a:lnRef idx="2">
+        <a:scrgbClr r="0" g="0" b="0"/>
+      </a:lnRef>
+      <a:fillRef idx="1">
+        <a:scrgbClr r="0" g="0" b="0"/>
+      </a:fillRef>
+      <a:effectRef idx="0">
+        <a:scrgbClr r="0" g="0" b="0"/>
+      </a:effectRef>
+      <a:fontRef idx="minor"/>
+    </dgm:style>
+  </dgm:styleLbl>
+  <dgm:styleLbl name="fgAcc2">
+    <dgm:scene3d>
+      <a:camera prst="orthographicFront"/>
+      <a:lightRig rig="threePt" dir="t"/>
+    </dgm:scene3d>
+    <dgm:sp3d/>
+    <dgm:txPr/>
+    <dgm:style>
+      <a:lnRef idx="2">
+        <a:scrgbClr r="0" g="0" b="0"/>
+      </a:lnRef>
+      <a:fillRef idx="1">
+        <a:scrgbClr r="0" g="0" b="0"/>
+      </a:fillRef>
+      <a:effectRef idx="0">
+        <a:scrgbClr r="0" g="0" b="0"/>
+      </a:effectRef>
+      <a:fontRef idx="minor"/>
+    </dgm:style>
+  </dgm:styleLbl>
+  <dgm:styleLbl name="fgAcc3">
+    <dgm:scene3d>
+      <a:camera prst="orthographicFront"/>
+      <a:lightRig rig="threePt" dir="t"/>
+    </dgm:scene3d>
+    <dgm:sp3d/>
+    <dgm:txPr/>
+    <dgm:style>
+      <a:lnRef idx="2">
+        <a:scrgbClr r="0" g="0" b="0"/>
+      </a:lnRef>
+      <a:fillRef idx="1">
+        <a:scrgbClr r="0" g="0" b="0"/>
+      </a:fillRef>
+      <a:effectRef idx="0">
+        <a:scrgbClr r="0" g="0" b="0"/>
+      </a:effectRef>
+      <a:fontRef idx="minor"/>
+    </dgm:style>
+  </dgm:styleLbl>
+  <dgm:styleLbl name="fgAcc4">
+    <dgm:scene3d>
+      <a:camera prst="orthographicFront"/>
+      <a:lightRig rig="threePt" dir="t"/>
+    </dgm:scene3d>
+    <dgm:sp3d/>
+    <dgm:txPr/>
+    <dgm:style>
+      <a:lnRef idx="2">
+        <a:scrgbClr r="0" g="0" b="0"/>
+      </a:lnRef>
+      <a:fillRef idx="1">
+        <a:scrgbClr r="0" g="0" b="0"/>
+      </a:fillRef>
+      <a:effectRef idx="0">
+        <a:scrgbClr r="0" g="0" b="0"/>
+      </a:effectRef>
+      <a:fontRef idx="minor"/>
+    </dgm:style>
+  </dgm:styleLbl>
+  <dgm:styleLbl name="bgShp">
+    <dgm:scene3d>
+      <a:camera prst="orthographicFront"/>
+      <a:lightRig rig="threePt" dir="t"/>
+    </dgm:scene3d>
+    <dgm:sp3d/>
+    <dgm:txPr/>
+    <dgm:style>
+      <a:lnRef idx="0">
+        <a:scrgbClr r="0" g="0" b="0"/>
+      </a:lnRef>
+      <a:fillRef idx="1">
+        <a:scrgbClr r="0" g="0" b="0"/>
+      </a:fillRef>
+      <a:effectRef idx="0">
+        <a:scrgbClr r="0" g="0" b="0"/>
+      </a:effectRef>
+      <a:fontRef idx="minor"/>
+    </dgm:style>
+  </dgm:styleLbl>
+  <dgm:styleLbl name="dkBgShp">
+    <dgm:scene3d>
+      <a:camera prst="orthographicFront"/>
+      <a:lightRig rig="threePt" dir="t"/>
+    </dgm:scene3d>
+    <dgm:sp3d/>
+    <dgm:txPr/>
+    <dgm:style>
+      <a:lnRef idx="0">
+        <a:scrgbClr r="0" g="0" b="0"/>
+      </a:lnRef>
+      <a:fillRef idx="1">
+        <a:scrgbClr r="0" g="0" b="0"/>
+      </a:fillRef>
+      <a:effectRef idx="0">
+        <a:scrgbClr r="0" g="0" b="0"/>
+      </a:effectRef>
+      <a:fontRef idx="minor"/>
+    </dgm:style>
+  </dgm:styleLbl>
+  <dgm:styleLbl name="trBgShp">
+    <dgm:scene3d>
+      <a:camera prst="orthographicFront"/>
+      <a:lightRig rig="threePt" dir="t"/>
+    </dgm:scene3d>
+    <dgm:sp3d/>
+    <dgm:txPr/>
+    <dgm:style>
+      <a:lnRef idx="0">
+        <a:scrgbClr r="0" g="0" b="0"/>
+      </a:lnRef>
+      <a:fillRef idx="1">
+        <a:scrgbClr r="0" g="0" b="0"/>
+      </a:fillRef>
+      <a:effectRef idx="0">
+        <a:scrgbClr r="0" g="0" b="0"/>
+      </a:effectRef>
+      <a:fontRef idx="minor"/>
+    </dgm:style>
+  </dgm:styleLbl>
+  <dgm:styleLbl name="fgShp">
+    <dgm:scene3d>
+      <a:camera prst="orthographicFront"/>
+      <a:lightRig rig="threePt" dir="t"/>
+    </dgm:scene3d>
+    <dgm:sp3d/>
+    <dgm:txPr/>
+    <dgm:style>
+      <a:lnRef idx="2">
+        <a:scrgbClr r="0" g="0" b="0"/>
+      </a:lnRef>
+      <a:fillRef idx="1">
+        <a:scrgbClr r="0" g="0" b="0"/>
+      </a:fillRef>
+      <a:effectRef idx="0">
+        <a:scrgbClr r="0" g="0" b="0"/>
+      </a:effectRef>
+      <a:fontRef idx="minor"/>
+    </dgm:style>
+  </dgm:styleLbl>
+  <dgm:styleLbl name="revTx">
+    <dgm:scene3d>
+      <a:camera prst="orthographicFront"/>
+      <a:lightRig rig="threePt" dir="t"/>
+    </dgm:scene3d>
+    <dgm:sp3d/>
+    <dgm:txPr/>
+    <dgm:style>
+      <a:lnRef idx="0">
+        <a:scrgbClr r="0" g="0" b="0"/>
+      </a:lnRef>
+      <a:fillRef idx="0">
+        <a:scrgbClr r="0" g="0" b="0"/>
+      </a:fillRef>
+      <a:effectRef idx="0">
+        <a:scrgbClr r="0" g="0" b="0"/>
+      </a:effectRef>
+      <a:fontRef idx="minor"/>
+    </dgm:style>
+  </dgm:styleLbl>
+</dgm:styleDef>
+</file>
+
 <file path=ppt/slideLayouts/slideLayout1.xml><?xml version="1.0" encoding="utf-8"?>
 <p:sldLayout xmlns:a="http://schemas.openxmlformats.org/drawingml/2006/main" xmlns:r="http://schemas.openxmlformats.org/officeDocument/2006/relationships" xmlns:p="http://schemas.openxmlformats.org/presentationml/2006/main" type="title" preserve="1">
   <p:cSld name="Title Slide">
@@ -258,7 +4012,7 @@
           <a:p>
             <a:fld id="{2CC7F595-5E94-43BB-9966-A0B8215AFEDA}" type="datetimeFigureOut">
               <a:rPr lang="en-US" smtClean="0"/>
-              <a:t>9/17/2019</a:t>
+              <a:t>9/18/2019</a:t>
             </a:fld>
             <a:endParaRPr lang="en-US"/>
           </a:p>
@@ -428,7 +4182,7 @@
           <a:p>
             <a:fld id="{2CC7F595-5E94-43BB-9966-A0B8215AFEDA}" type="datetimeFigureOut">
               <a:rPr lang="en-US" smtClean="0"/>
-              <a:t>9/17/2019</a:t>
+              <a:t>9/18/2019</a:t>
             </a:fld>
             <a:endParaRPr lang="en-US"/>
           </a:p>
@@ -608,7 +4362,7 @@
           <a:p>
             <a:fld id="{2CC7F595-5E94-43BB-9966-A0B8215AFEDA}" type="datetimeFigureOut">
               <a:rPr lang="en-US" smtClean="0"/>
-              <a:t>9/17/2019</a:t>
+              <a:t>9/18/2019</a:t>
             </a:fld>
             <a:endParaRPr lang="en-US"/>
           </a:p>
@@ -778,7 +4532,7 @@
           <a:p>
             <a:fld id="{2CC7F595-5E94-43BB-9966-A0B8215AFEDA}" type="datetimeFigureOut">
               <a:rPr lang="en-US" smtClean="0"/>
-              <a:t>9/17/2019</a:t>
+              <a:t>9/18/2019</a:t>
             </a:fld>
             <a:endParaRPr lang="en-US"/>
           </a:p>
@@ -1024,7 +4778,7 @@
           <a:p>
             <a:fld id="{2CC7F595-5E94-43BB-9966-A0B8215AFEDA}" type="datetimeFigureOut">
               <a:rPr lang="en-US" smtClean="0"/>
-              <a:t>9/17/2019</a:t>
+              <a:t>9/18/2019</a:t>
             </a:fld>
             <a:endParaRPr lang="en-US"/>
           </a:p>
@@ -1256,7 +5010,7 @@
           <a:p>
             <a:fld id="{2CC7F595-5E94-43BB-9966-A0B8215AFEDA}" type="datetimeFigureOut">
               <a:rPr lang="en-US" smtClean="0"/>
-              <a:t>9/17/2019</a:t>
+              <a:t>9/18/2019</a:t>
             </a:fld>
             <a:endParaRPr lang="en-US"/>
           </a:p>
@@ -1623,7 +5377,7 @@
           <a:p>
             <a:fld id="{2CC7F595-5E94-43BB-9966-A0B8215AFEDA}" type="datetimeFigureOut">
               <a:rPr lang="en-US" smtClean="0"/>
-              <a:t>9/17/2019</a:t>
+              <a:t>9/18/2019</a:t>
             </a:fld>
             <a:endParaRPr lang="en-US"/>
           </a:p>
@@ -1741,7 +5495,7 @@
           <a:p>
             <a:fld id="{2CC7F595-5E94-43BB-9966-A0B8215AFEDA}" type="datetimeFigureOut">
               <a:rPr lang="en-US" smtClean="0"/>
-              <a:t>9/17/2019</a:t>
+              <a:t>9/18/2019</a:t>
             </a:fld>
             <a:endParaRPr lang="en-US"/>
           </a:p>
@@ -1836,7 +5590,7 @@
           <a:p>
             <a:fld id="{2CC7F595-5E94-43BB-9966-A0B8215AFEDA}" type="datetimeFigureOut">
               <a:rPr lang="en-US" smtClean="0"/>
-              <a:t>9/17/2019</a:t>
+              <a:t>9/18/2019</a:t>
             </a:fld>
             <a:endParaRPr lang="en-US"/>
           </a:p>
@@ -2113,7 +5867,7 @@
           <a:p>
             <a:fld id="{2CC7F595-5E94-43BB-9966-A0B8215AFEDA}" type="datetimeFigureOut">
               <a:rPr lang="en-US" smtClean="0"/>
-              <a:t>9/17/2019</a:t>
+              <a:t>9/18/2019</a:t>
             </a:fld>
             <a:endParaRPr lang="en-US"/>
           </a:p>
@@ -2366,7 +6120,7 @@
           <a:p>
             <a:fld id="{2CC7F595-5E94-43BB-9966-A0B8215AFEDA}" type="datetimeFigureOut">
               <a:rPr lang="en-US" smtClean="0"/>
-              <a:t>9/17/2019</a:t>
+              <a:t>9/18/2019</a:t>
             </a:fld>
             <a:endParaRPr lang="en-US"/>
           </a:p>
@@ -2579,7 +6333,7 @@
           <a:p>
             <a:fld id="{2CC7F595-5E94-43BB-9966-A0B8215AFEDA}" type="datetimeFigureOut">
               <a:rPr lang="en-US" smtClean="0"/>
-              <a:t>9/17/2019</a:t>
+              <a:t>9/18/2019</a:t>
             </a:fld>
             <a:endParaRPr lang="en-US"/>
           </a:p>
@@ -3022,10 +6776,6 @@
           <a:bodyPr/>
           <a:lstStyle/>
           <a:p>
-            <a:r>
-              <a:rPr lang="en-US" dirty="0" smtClean="0"/>
-              <a:t>Created by JL</a:t>
-            </a:r>
             <a:endParaRPr lang="en-US" dirty="0"/>
           </a:p>
         </p:txBody>
@@ -3040,6 +6790,13 @@
   <p:clrMapOvr>
     <a:masterClrMapping/>
   </p:clrMapOvr>
+  <p:timing>
+    <p:tnLst>
+      <p:par>
+        <p:cTn id="1" dur="indefinite" restart="never" nodeType="tmRoot"/>
+      </p:par>
+    </p:tnLst>
+  </p:timing>
 </p:sld>
 </file>
 
@@ -3269,6 +7026,13 @@
   <p:clrMapOvr>
     <a:masterClrMapping/>
   </p:clrMapOvr>
+  <p:timing>
+    <p:tnLst>
+      <p:par>
+        <p:cTn id="1" dur="indefinite" restart="never" nodeType="tmRoot"/>
+      </p:par>
+    </p:tnLst>
+  </p:timing>
 </p:sld>
 </file>
 
@@ -3296,7 +7060,7 @@
             <a:spLocks noGrp="1"/>
           </p:cNvSpPr>
           <p:nvPr>
-            <p:ph type="title"/>
+            <p:ph type="ctrTitle"/>
           </p:nvPr>
         </p:nvSpPr>
         <p:spPr/>
@@ -3306,7 +7070,7 @@
           <a:p>
             <a:r>
               <a:rPr lang="en-US" dirty="0" smtClean="0"/>
-              <a:t>Inheritance</a:t>
+              <a:t>Inheritance &amp; Composition</a:t>
             </a:r>
             <a:endParaRPr lang="en-US" dirty="0"/>
           </a:p>
@@ -3314,12 +7078,12 @@
       </p:sp>
       <p:sp>
         <p:nvSpPr>
-          <p:cNvPr id="3" name="Content Placeholder 2"/>
+          <p:cNvPr id="3" name="Subtitle 2"/>
           <p:cNvSpPr>
             <a:spLocks noGrp="1"/>
           </p:cNvSpPr>
           <p:nvPr>
-            <p:ph idx="1"/>
+            <p:ph type="subTitle" idx="1"/>
           </p:nvPr>
         </p:nvSpPr>
         <p:spPr/>
@@ -3327,114 +7091,27 @@
           <a:bodyPr/>
           <a:lstStyle/>
           <a:p>
-            <a:r>
-              <a:rPr lang="en-US" dirty="0" smtClean="0"/>
-              <a:t>Vehicle </a:t>
-            </a:r>
-            <a:r>
-              <a:rPr lang="en-US" dirty="0" smtClean="0">
-                <a:sym typeface="Wingdings" panose="05000000000000000000" pitchFamily="2" charset="2"/>
-              </a:rPr>
-              <a:t> Car, Train, Ship</a:t>
-            </a:r>
-          </a:p>
-          <a:p>
-            <a:endParaRPr lang="en-US" dirty="0">
-              <a:sym typeface="Wingdings" panose="05000000000000000000" pitchFamily="2" charset="2"/>
-            </a:endParaRPr>
-          </a:p>
-          <a:p>
-            <a:r>
-              <a:rPr lang="en-US" dirty="0" smtClean="0">
-                <a:sym typeface="Wingdings" panose="05000000000000000000" pitchFamily="2" charset="2"/>
-              </a:rPr>
-              <a:t>Knife  Swiss knife, kitchen knife, </a:t>
-            </a:r>
-          </a:p>
-          <a:p>
-            <a:pPr marL="0" indent="0">
-              <a:buNone/>
-            </a:pPr>
-            <a:r>
-              <a:rPr lang="en-US" dirty="0" smtClean="0">
-                <a:sym typeface="Wingdings" panose="05000000000000000000" pitchFamily="2" charset="2"/>
-              </a:rPr>
-              <a:t>butcher knife, switch blade,</a:t>
-            </a:r>
-          </a:p>
-          <a:p>
-            <a:pPr marL="0" indent="0">
-              <a:buNone/>
-            </a:pPr>
-            <a:r>
-              <a:rPr lang="en-US" dirty="0">
-                <a:sym typeface="Wingdings" panose="05000000000000000000" pitchFamily="2" charset="2"/>
-              </a:rPr>
-              <a:t>b</a:t>
-            </a:r>
-            <a:r>
-              <a:rPr lang="en-US" dirty="0" smtClean="0">
-                <a:sym typeface="Wingdings" panose="05000000000000000000" pitchFamily="2" charset="2"/>
-              </a:rPr>
-              <a:t>utterfly knife</a:t>
-            </a:r>
-          </a:p>
-          <a:p>
-            <a:pPr marL="0" indent="0">
-              <a:buNone/>
-            </a:pPr>
-            <a:endParaRPr lang="en-US" dirty="0">
-              <a:sym typeface="Wingdings" panose="05000000000000000000" pitchFamily="2" charset="2"/>
-            </a:endParaRPr>
-          </a:p>
-          <a:p>
-            <a:pPr marL="0" indent="0">
-              <a:buNone/>
-            </a:pPr>
             <a:endParaRPr lang="en-US" dirty="0"/>
           </a:p>
         </p:txBody>
       </p:sp>
-      <p:pic>
-        <p:nvPicPr>
-          <p:cNvPr id="4" name="Picture 3"/>
-          <p:cNvPicPr>
-            <a:picLocks noChangeAspect="1"/>
-          </p:cNvPicPr>
-          <p:nvPr/>
-        </p:nvPicPr>
-        <p:blipFill>
-          <a:blip r:embed="rId2">
-            <a:extLst>
-              <a:ext uri="{28A0092B-C50C-407E-A947-70E740481C1C}">
-                <a14:useLocalDpi xmlns:a14="http://schemas.microsoft.com/office/drawing/2010/main" val="0"/>
-              </a:ext>
-            </a:extLst>
-          </a:blip>
-          <a:stretch>
-            <a:fillRect/>
-          </a:stretch>
-        </p:blipFill>
-        <p:spPr>
-          <a:xfrm>
-            <a:off x="5175294" y="198120"/>
-            <a:ext cx="6246394" cy="6246394"/>
-          </a:xfrm>
-          <a:prstGeom prst="rect">
-            <a:avLst/>
-          </a:prstGeom>
-        </p:spPr>
-      </p:pic>
     </p:spTree>
     <p:extLst>
       <p:ext uri="{BB962C8B-B14F-4D97-AF65-F5344CB8AC3E}">
-        <p14:creationId xmlns:p14="http://schemas.microsoft.com/office/powerpoint/2010/main" val="2675600163"/>
+        <p14:creationId xmlns:p14="http://schemas.microsoft.com/office/powerpoint/2010/main" val="1729891300"/>
       </p:ext>
     </p:extLst>
   </p:cSld>
   <p:clrMapOvr>
     <a:masterClrMapping/>
   </p:clrMapOvr>
+  <p:timing>
+    <p:tnLst>
+      <p:par>
+        <p:cTn id="1" dur="indefinite" restart="never" nodeType="tmRoot"/>
+      </p:par>
+    </p:tnLst>
+  </p:timing>
 </p:sld>
 </file>
 
@@ -3472,51 +7149,537 @@
           <a:p>
             <a:r>
               <a:rPr lang="en-US" dirty="0" smtClean="0"/>
-              <a:t>Inheritance</a:t>
+              <a:t>Class Relationships</a:t>
             </a:r>
             <a:endParaRPr lang="en-US" dirty="0"/>
           </a:p>
         </p:txBody>
       </p:sp>
-      <p:pic>
-        <p:nvPicPr>
-          <p:cNvPr id="6" name="Content Placeholder 5"/>
-          <p:cNvPicPr>
-            <a:picLocks noGrp="1" noChangeAspect="1"/>
-          </p:cNvPicPr>
+      <p:graphicFrame>
+        <p:nvGraphicFramePr>
+          <p:cNvPr id="5" name="Content Placeholder 4"/>
+          <p:cNvGraphicFramePr>
+            <a:graphicFrameLocks noGrp="1"/>
+          </p:cNvGraphicFramePr>
           <p:nvPr>
             <p:ph idx="1"/>
+            <p:extLst>
+              <p:ext uri="{D42A27DB-BD31-4B8C-83A1-F6EECF244321}">
+                <p14:modId xmlns:p14="http://schemas.microsoft.com/office/powerpoint/2010/main" val="450376334"/>
+              </p:ext>
+            </p:extLst>
           </p:nvPr>
-        </p:nvPicPr>
-        <p:blipFill>
-          <a:blip r:embed="rId2">
-            <a:extLst>
-              <a:ext uri="{28A0092B-C50C-407E-A947-70E740481C1C}">
-                <a14:useLocalDpi xmlns:a14="http://schemas.microsoft.com/office/drawing/2010/main" val="0"/>
-              </a:ext>
-            </a:extLst>
-          </a:blip>
-          <a:stretch>
-            <a:fillRect/>
-          </a:stretch>
-        </p:blipFill>
-        <p:spPr>
-          <a:xfrm>
-            <a:off x="1854072" y="1418301"/>
-            <a:ext cx="7735712" cy="4351338"/>
-          </a:xfrm>
-        </p:spPr>
-      </p:pic>
+        </p:nvGraphicFramePr>
+        <p:xfrm>
+          <a:off x="838200" y="1825625"/>
+          <a:ext cx="10515600" cy="4375670"/>
+        </p:xfrm>
+        <a:graphic>
+          <a:graphicData uri="http://schemas.openxmlformats.org/drawingml/2006/table">
+            <a:tbl>
+              <a:tblPr firstRow="1" bandRow="1">
+                <a:tableStyleId>{5C22544A-7EE6-4342-B048-85BDC9FD1C3A}</a:tableStyleId>
+              </a:tblPr>
+              <a:tblGrid>
+                <a:gridCol w="5257800">
+                  <a:extLst>
+                    <a:ext uri="{9D8B030D-6E8A-4147-A177-3AD203B41FA5}">
+                      <a16:colId xmlns:a16="http://schemas.microsoft.com/office/drawing/2014/main" val="3737747561"/>
+                    </a:ext>
+                  </a:extLst>
+                </a:gridCol>
+                <a:gridCol w="5257800">
+                  <a:extLst>
+                    <a:ext uri="{9D8B030D-6E8A-4147-A177-3AD203B41FA5}">
+                      <a16:colId xmlns:a16="http://schemas.microsoft.com/office/drawing/2014/main" val="1461867092"/>
+                    </a:ext>
+                  </a:extLst>
+                </a:gridCol>
+              </a:tblGrid>
+              <a:tr h="2187835">
+                <a:tc>
+                  <a:txBody>
+                    <a:bodyPr/>
+                    <a:lstStyle/>
+                    <a:p>
+                      <a:r>
+                        <a:rPr lang="en-US" b="0" dirty="0" smtClean="0">
+                          <a:solidFill>
+                            <a:srgbClr val="7030A0"/>
+                          </a:solidFill>
+                        </a:rPr>
+                        <a:t>Inheritance</a:t>
+                      </a:r>
+                    </a:p>
+                    <a:p>
+                      <a:pPr marL="285750" indent="-285750">
+                        <a:buFont typeface="Arial" panose="020B0604020202020204" pitchFamily="34" charset="0"/>
+                        <a:buChar char="•"/>
+                      </a:pPr>
+                      <a:r>
+                        <a:rPr lang="en-US" b="0" dirty="0" smtClean="0">
+                          <a:solidFill>
+                            <a:schemeClr val="tx1"/>
+                          </a:solidFill>
+                        </a:rPr>
+                        <a:t>Keyword</a:t>
+                      </a:r>
+                      <a:r>
+                        <a:rPr lang="en-US" b="0" baseline="0" dirty="0" smtClean="0">
+                          <a:solidFill>
+                            <a:schemeClr val="tx1"/>
+                          </a:solidFill>
+                        </a:rPr>
+                        <a:t> = “extends”</a:t>
+                      </a:r>
+                    </a:p>
+                    <a:p>
+                      <a:pPr marL="285750" indent="-285750">
+                        <a:buFont typeface="Arial" panose="020B0604020202020204" pitchFamily="34" charset="0"/>
+                        <a:buChar char="•"/>
+                      </a:pPr>
+                      <a:endParaRPr lang="en-US" b="0" baseline="0" dirty="0" smtClean="0">
+                        <a:solidFill>
+                          <a:schemeClr val="tx1"/>
+                        </a:solidFill>
+                      </a:endParaRPr>
+                    </a:p>
+                    <a:p>
+                      <a:pPr marL="285750" indent="-285750">
+                        <a:buFont typeface="Arial" panose="020B0604020202020204" pitchFamily="34" charset="0"/>
+                        <a:buChar char="•"/>
+                      </a:pPr>
+                      <a:r>
+                        <a:rPr lang="en-US" b="0" baseline="0" dirty="0" smtClean="0">
+                          <a:solidFill>
+                            <a:schemeClr val="tx1"/>
+                          </a:solidFill>
+                        </a:rPr>
+                        <a:t>“is a “ relationship</a:t>
+                      </a:r>
+                    </a:p>
+                    <a:p>
+                      <a:pPr marL="285750" indent="-285750">
+                        <a:buFont typeface="Arial" panose="020B0604020202020204" pitchFamily="34" charset="0"/>
+                        <a:buChar char="•"/>
+                      </a:pPr>
+                      <a:endParaRPr lang="en-US" b="0" baseline="0" dirty="0" smtClean="0">
+                        <a:solidFill>
+                          <a:schemeClr val="tx1"/>
+                        </a:solidFill>
+                      </a:endParaRPr>
+                    </a:p>
+                    <a:p>
+                      <a:pPr marL="285750" indent="-285750">
+                        <a:buFont typeface="Arial" panose="020B0604020202020204" pitchFamily="34" charset="0"/>
+                        <a:buChar char="•"/>
+                      </a:pPr>
+                      <a:r>
+                        <a:rPr lang="en-US" b="0" baseline="0" dirty="0" smtClean="0">
+                          <a:solidFill>
+                            <a:schemeClr val="tx1"/>
+                          </a:solidFill>
+                        </a:rPr>
+                        <a:t>Parent - child</a:t>
+                      </a:r>
+                      <a:endParaRPr lang="en-US" b="0" dirty="0">
+                        <a:solidFill>
+                          <a:schemeClr val="tx1"/>
+                        </a:solidFill>
+                      </a:endParaRPr>
+                    </a:p>
+                  </a:txBody>
+                  <a:tcPr>
+                    <a:lnL w="12700" cap="flat" cmpd="sng" algn="ctr">
+                      <a:solidFill>
+                        <a:schemeClr val="tx1"/>
+                      </a:solidFill>
+                      <a:prstDash val="solid"/>
+                      <a:round/>
+                      <a:headEnd type="none" w="med" len="med"/>
+                      <a:tailEnd type="none" w="med" len="med"/>
+                    </a:lnL>
+                    <a:lnR w="12700" cap="flat" cmpd="sng" algn="ctr">
+                      <a:solidFill>
+                        <a:srgbClr val="7030A0"/>
+                      </a:solidFill>
+                      <a:prstDash val="solid"/>
+                      <a:round/>
+                      <a:headEnd type="none" w="med" len="med"/>
+                      <a:tailEnd type="none" w="med" len="med"/>
+                    </a:lnR>
+                    <a:lnT w="12700" cap="flat" cmpd="sng" algn="ctr">
+                      <a:solidFill>
+                        <a:schemeClr val="tx1"/>
+                      </a:solidFill>
+                      <a:prstDash val="solid"/>
+                      <a:round/>
+                      <a:headEnd type="none" w="med" len="med"/>
+                      <a:tailEnd type="none" w="med" len="med"/>
+                    </a:lnT>
+                    <a:lnB w="12700" cap="flat" cmpd="sng" algn="ctr">
+                      <a:solidFill>
+                        <a:srgbClr val="7030A0"/>
+                      </a:solidFill>
+                      <a:prstDash val="solid"/>
+                      <a:round/>
+                      <a:headEnd type="none" w="med" len="med"/>
+                      <a:tailEnd type="none" w="med" len="med"/>
+                    </a:lnB>
+                    <a:noFill/>
+                  </a:tcPr>
+                </a:tc>
+                <a:tc>
+                  <a:txBody>
+                    <a:bodyPr/>
+                    <a:lstStyle/>
+                    <a:p>
+                      <a:r>
+                        <a:rPr lang="en-US" b="0" dirty="0" smtClean="0">
+                          <a:solidFill>
+                            <a:srgbClr val="7030A0"/>
+                          </a:solidFill>
+                        </a:rPr>
+                        <a:t>Abstract Class</a:t>
+                      </a:r>
+                    </a:p>
+                    <a:p>
+                      <a:pPr marL="285750" indent="-285750">
+                        <a:buFont typeface="Arial" panose="020B0604020202020204" pitchFamily="34" charset="0"/>
+                        <a:buChar char="•"/>
+                      </a:pPr>
+                      <a:r>
+                        <a:rPr lang="en-US" b="0" dirty="0" smtClean="0">
+                          <a:solidFill>
+                            <a:schemeClr val="tx1"/>
+                          </a:solidFill>
+                        </a:rPr>
+                        <a:t>Keyword = “extends”</a:t>
+                      </a:r>
+                      <a:endParaRPr lang="en-US" b="0" dirty="0">
+                        <a:solidFill>
+                          <a:schemeClr val="tx1"/>
+                        </a:solidFill>
+                      </a:endParaRPr>
+                    </a:p>
+                  </a:txBody>
+                  <a:tcPr>
+                    <a:lnL w="12700" cap="flat" cmpd="sng" algn="ctr">
+                      <a:solidFill>
+                        <a:srgbClr val="7030A0"/>
+                      </a:solidFill>
+                      <a:prstDash val="solid"/>
+                      <a:round/>
+                      <a:headEnd type="none" w="med" len="med"/>
+                      <a:tailEnd type="none" w="med" len="med"/>
+                    </a:lnL>
+                    <a:lnR w="12700" cap="flat" cmpd="sng" algn="ctr">
+                      <a:solidFill>
+                        <a:schemeClr val="tx1"/>
+                      </a:solidFill>
+                      <a:prstDash val="solid"/>
+                      <a:round/>
+                      <a:headEnd type="none" w="med" len="med"/>
+                      <a:tailEnd type="none" w="med" len="med"/>
+                    </a:lnR>
+                    <a:lnT w="12700" cap="flat" cmpd="sng" algn="ctr">
+                      <a:solidFill>
+                        <a:schemeClr val="tx1"/>
+                      </a:solidFill>
+                      <a:prstDash val="solid"/>
+                      <a:round/>
+                      <a:headEnd type="none" w="med" len="med"/>
+                      <a:tailEnd type="none" w="med" len="med"/>
+                    </a:lnT>
+                    <a:lnB w="12700" cap="flat" cmpd="sng" algn="ctr">
+                      <a:solidFill>
+                        <a:srgbClr val="7030A0"/>
+                      </a:solidFill>
+                      <a:prstDash val="solid"/>
+                      <a:round/>
+                      <a:headEnd type="none" w="med" len="med"/>
+                      <a:tailEnd type="none" w="med" len="med"/>
+                    </a:lnB>
+                    <a:noFill/>
+                  </a:tcPr>
+                </a:tc>
+                <a:extLst>
+                  <a:ext uri="{0D108BD9-81ED-4DB2-BD59-A6C34878D82A}">
+                    <a16:rowId xmlns:a16="http://schemas.microsoft.com/office/drawing/2014/main" val="2098835361"/>
+                  </a:ext>
+                </a:extLst>
+              </a:tr>
+              <a:tr h="2187835">
+                <a:tc>
+                  <a:txBody>
+                    <a:bodyPr/>
+                    <a:lstStyle/>
+                    <a:p>
+                      <a:r>
+                        <a:rPr lang="en-US" dirty="0" smtClean="0">
+                          <a:solidFill>
+                            <a:srgbClr val="7030A0"/>
+                          </a:solidFill>
+                        </a:rPr>
+                        <a:t>Composition</a:t>
+                      </a:r>
+                    </a:p>
+                    <a:p>
+                      <a:pPr marL="285750" marR="0" lvl="0" indent="-285750" algn="l" defTabSz="914400" rtl="0" eaLnBrk="1" fontAlgn="auto" latinLnBrk="0" hangingPunct="1">
+                        <a:lnSpc>
+                          <a:spcPct val="100000"/>
+                        </a:lnSpc>
+                        <a:spcBef>
+                          <a:spcPts val="0"/>
+                        </a:spcBef>
+                        <a:spcAft>
+                          <a:spcPts val="0"/>
+                        </a:spcAft>
+                        <a:buClrTx/>
+                        <a:buSzTx/>
+                        <a:buFont typeface="Arial" panose="020B0604020202020204" pitchFamily="34" charset="0"/>
+                        <a:buChar char="•"/>
+                        <a:tabLst/>
+                        <a:defRPr/>
+                      </a:pPr>
+                      <a:r>
+                        <a:rPr lang="en-US" b="0" dirty="0" smtClean="0">
+                          <a:solidFill>
+                            <a:schemeClr val="tx1"/>
+                          </a:solidFill>
+                        </a:rPr>
+                        <a:t>No</a:t>
+                      </a:r>
+                      <a:r>
+                        <a:rPr lang="en-US" b="0" baseline="0" dirty="0" smtClean="0">
+                          <a:solidFill>
+                            <a:schemeClr val="tx1"/>
+                          </a:solidFill>
+                        </a:rPr>
+                        <a:t> k</a:t>
+                      </a:r>
+                      <a:r>
+                        <a:rPr lang="en-US" b="0" dirty="0" smtClean="0">
+                          <a:solidFill>
+                            <a:schemeClr val="tx1"/>
+                          </a:solidFill>
+                        </a:rPr>
+                        <a:t>eyword</a:t>
+                      </a:r>
+                      <a:r>
+                        <a:rPr lang="en-US" b="0" baseline="0" dirty="0" smtClean="0">
+                          <a:solidFill>
+                            <a:schemeClr val="tx1"/>
+                          </a:solidFill>
+                        </a:rPr>
+                        <a:t> </a:t>
+                      </a:r>
+                    </a:p>
+                    <a:p>
+                      <a:pPr marL="285750" marR="0" lvl="0" indent="-285750" algn="l" defTabSz="914400" rtl="0" eaLnBrk="1" fontAlgn="auto" latinLnBrk="0" hangingPunct="1">
+                        <a:lnSpc>
+                          <a:spcPct val="100000"/>
+                        </a:lnSpc>
+                        <a:spcBef>
+                          <a:spcPts val="0"/>
+                        </a:spcBef>
+                        <a:spcAft>
+                          <a:spcPts val="0"/>
+                        </a:spcAft>
+                        <a:buClrTx/>
+                        <a:buSzTx/>
+                        <a:buFont typeface="Arial" panose="020B0604020202020204" pitchFamily="34" charset="0"/>
+                        <a:buChar char="•"/>
+                        <a:tabLst/>
+                        <a:defRPr/>
+                      </a:pPr>
+                      <a:endParaRPr lang="en-US" b="0" baseline="0" dirty="0" smtClean="0">
+                        <a:solidFill>
+                          <a:schemeClr val="tx1"/>
+                        </a:solidFill>
+                      </a:endParaRPr>
+                    </a:p>
+                    <a:p>
+                      <a:pPr marL="285750" marR="0" lvl="0" indent="-285750" algn="l" defTabSz="914400" rtl="0" eaLnBrk="1" fontAlgn="auto" latinLnBrk="0" hangingPunct="1">
+                        <a:lnSpc>
+                          <a:spcPct val="100000"/>
+                        </a:lnSpc>
+                        <a:spcBef>
+                          <a:spcPts val="0"/>
+                        </a:spcBef>
+                        <a:spcAft>
+                          <a:spcPts val="0"/>
+                        </a:spcAft>
+                        <a:buClrTx/>
+                        <a:buSzTx/>
+                        <a:buFont typeface="Arial" panose="020B0604020202020204" pitchFamily="34" charset="0"/>
+                        <a:buChar char="•"/>
+                        <a:tabLst/>
+                        <a:defRPr/>
+                      </a:pPr>
+                      <a:r>
+                        <a:rPr lang="en-US" b="0" baseline="0" dirty="0" smtClean="0">
+                          <a:solidFill>
+                            <a:schemeClr val="tx1"/>
+                          </a:solidFill>
+                        </a:rPr>
+                        <a:t>“has a relationship”</a:t>
+                      </a:r>
+                      <a:endParaRPr lang="en-US" b="0" dirty="0" smtClean="0">
+                        <a:solidFill>
+                          <a:schemeClr val="tx1"/>
+                        </a:solidFill>
+                      </a:endParaRPr>
+                    </a:p>
+                    <a:p>
+                      <a:endParaRPr lang="en-US" dirty="0">
+                        <a:solidFill>
+                          <a:schemeClr val="tx1"/>
+                        </a:solidFill>
+                      </a:endParaRPr>
+                    </a:p>
+                  </a:txBody>
+                  <a:tcPr>
+                    <a:lnL w="12700" cap="flat" cmpd="sng" algn="ctr">
+                      <a:solidFill>
+                        <a:schemeClr val="tx1"/>
+                      </a:solidFill>
+                      <a:prstDash val="solid"/>
+                      <a:round/>
+                      <a:headEnd type="none" w="med" len="med"/>
+                      <a:tailEnd type="none" w="med" len="med"/>
+                    </a:lnL>
+                    <a:lnR w="12700" cap="flat" cmpd="sng" algn="ctr">
+                      <a:solidFill>
+                        <a:srgbClr val="7030A0"/>
+                      </a:solidFill>
+                      <a:prstDash val="solid"/>
+                      <a:round/>
+                      <a:headEnd type="none" w="med" len="med"/>
+                      <a:tailEnd type="none" w="med" len="med"/>
+                    </a:lnR>
+                    <a:lnT w="12700" cap="flat" cmpd="sng" algn="ctr">
+                      <a:solidFill>
+                        <a:srgbClr val="7030A0"/>
+                      </a:solidFill>
+                      <a:prstDash val="solid"/>
+                      <a:round/>
+                      <a:headEnd type="none" w="med" len="med"/>
+                      <a:tailEnd type="none" w="med" len="med"/>
+                    </a:lnT>
+                    <a:lnB w="12700" cap="flat" cmpd="sng" algn="ctr">
+                      <a:solidFill>
+                        <a:schemeClr val="tx1"/>
+                      </a:solidFill>
+                      <a:prstDash val="solid"/>
+                      <a:round/>
+                      <a:headEnd type="none" w="med" len="med"/>
+                      <a:tailEnd type="none" w="med" len="med"/>
+                    </a:lnB>
+                    <a:noFill/>
+                  </a:tcPr>
+                </a:tc>
+                <a:tc>
+                  <a:txBody>
+                    <a:bodyPr/>
+                    <a:lstStyle/>
+                    <a:p>
+                      <a:r>
+                        <a:rPr lang="en-US" dirty="0" smtClean="0">
+                          <a:solidFill>
+                            <a:srgbClr val="7030A0"/>
+                          </a:solidFill>
+                        </a:rPr>
+                        <a:t>Interface</a:t>
+                      </a:r>
+                    </a:p>
+                    <a:p>
+                      <a:pPr marL="285750" indent="-285750">
+                        <a:buFont typeface="Arial" panose="020B0604020202020204" pitchFamily="34" charset="0"/>
+                        <a:buChar char="•"/>
+                      </a:pPr>
+                      <a:r>
+                        <a:rPr lang="en-US" dirty="0" smtClean="0">
+                          <a:solidFill>
+                            <a:schemeClr val="tx1"/>
+                          </a:solidFill>
+                        </a:rPr>
+                        <a:t>Keyword = “implements”</a:t>
+                      </a:r>
+                      <a:endParaRPr lang="en-US" dirty="0">
+                        <a:solidFill>
+                          <a:schemeClr val="tx1"/>
+                        </a:solidFill>
+                      </a:endParaRPr>
+                    </a:p>
+                  </a:txBody>
+                  <a:tcPr>
+                    <a:lnL w="12700" cap="flat" cmpd="sng" algn="ctr">
+                      <a:solidFill>
+                        <a:srgbClr val="7030A0"/>
+                      </a:solidFill>
+                      <a:prstDash val="solid"/>
+                      <a:round/>
+                      <a:headEnd type="none" w="med" len="med"/>
+                      <a:tailEnd type="none" w="med" len="med"/>
+                    </a:lnL>
+                    <a:lnR w="12700" cap="flat" cmpd="sng" algn="ctr">
+                      <a:solidFill>
+                        <a:schemeClr val="tx1"/>
+                      </a:solidFill>
+                      <a:prstDash val="solid"/>
+                      <a:round/>
+                      <a:headEnd type="none" w="med" len="med"/>
+                      <a:tailEnd type="none" w="med" len="med"/>
+                    </a:lnR>
+                    <a:lnT w="12700" cap="flat" cmpd="sng" algn="ctr">
+                      <a:solidFill>
+                        <a:srgbClr val="7030A0"/>
+                      </a:solidFill>
+                      <a:prstDash val="solid"/>
+                      <a:round/>
+                      <a:headEnd type="none" w="med" len="med"/>
+                      <a:tailEnd type="none" w="med" len="med"/>
+                    </a:lnT>
+                    <a:lnB w="12700" cap="flat" cmpd="sng" algn="ctr">
+                      <a:solidFill>
+                        <a:schemeClr val="tx1"/>
+                      </a:solidFill>
+                      <a:prstDash val="solid"/>
+                      <a:round/>
+                      <a:headEnd type="none" w="med" len="med"/>
+                      <a:tailEnd type="none" w="med" len="med"/>
+                    </a:lnB>
+                    <a:noFill/>
+                  </a:tcPr>
+                </a:tc>
+                <a:extLst>
+                  <a:ext uri="{0D108BD9-81ED-4DB2-BD59-A6C34878D82A}">
+                    <a16:rowId xmlns:a16="http://schemas.microsoft.com/office/drawing/2014/main" val="3123789344"/>
+                  </a:ext>
+                </a:extLst>
+              </a:tr>
+            </a:tbl>
+          </a:graphicData>
+        </a:graphic>
+      </p:graphicFrame>
     </p:spTree>
     <p:extLst>
       <p:ext uri="{BB962C8B-B14F-4D97-AF65-F5344CB8AC3E}">
-        <p14:creationId xmlns:p14="http://schemas.microsoft.com/office/powerpoint/2010/main" val="2157273667"/>
+        <p14:creationId xmlns:p14="http://schemas.microsoft.com/office/powerpoint/2010/main" val="1679683234"/>
       </p:ext>
     </p:extLst>
   </p:cSld>
   <p:clrMapOvr>
     <a:masterClrMapping/>
   </p:clrMapOvr>
+  <p:timing>
+    <p:tnLst>
+      <p:par>
+        <p:cTn id="1" dur="indefinite" restart="never" nodeType="tmRoot"/>
+      </p:par>
+    </p:tnLst>
+  </p:timing>
 </p:sld>
 </file>
 
@@ -3560,15 +7723,134 @@
           </a:p>
         </p:txBody>
       </p:sp>
-      <p:pic>
-        <p:nvPicPr>
-          <p:cNvPr id="7" name="Content Placeholder 6"/>
-          <p:cNvPicPr>
-            <a:picLocks noGrp="1" noChangeAspect="1"/>
-          </p:cNvPicPr>
+      <p:sp>
+        <p:nvSpPr>
+          <p:cNvPr id="3" name="Content Placeholder 2"/>
+          <p:cNvSpPr>
+            <a:spLocks noGrp="1"/>
+          </p:cNvSpPr>
           <p:nvPr>
             <p:ph idx="1"/>
           </p:nvPr>
+        </p:nvSpPr>
+        <p:spPr/>
+        <p:txBody>
+          <a:bodyPr/>
+          <a:lstStyle/>
+          <a:p>
+            <a:r>
+              <a:rPr lang="en-US" dirty="0" smtClean="0">
+                <a:sym typeface="Wingdings" panose="05000000000000000000" pitchFamily="2" charset="2"/>
+              </a:rPr>
+              <a:t>Car</a:t>
+            </a:r>
+            <a:r>
+              <a:rPr lang="en-US" dirty="0" smtClean="0">
+                <a:sym typeface="Wingdings" panose="05000000000000000000" pitchFamily="2" charset="2"/>
+              </a:rPr>
+              <a:t>, Train, </a:t>
+            </a:r>
+            <a:r>
+              <a:rPr lang="en-US" dirty="0">
+                <a:sym typeface="Wingdings" panose="05000000000000000000" pitchFamily="2" charset="2"/>
+              </a:rPr>
+              <a:t>Ship </a:t>
+            </a:r>
+            <a:r>
+              <a:rPr lang="en-US" dirty="0" smtClean="0">
+                <a:sym typeface="Wingdings" panose="05000000000000000000" pitchFamily="2" charset="2"/>
+              </a:rPr>
+              <a:t> Vehicle</a:t>
+            </a:r>
+            <a:endParaRPr lang="en-US" dirty="0" smtClean="0">
+              <a:sym typeface="Wingdings" panose="05000000000000000000" pitchFamily="2" charset="2"/>
+            </a:endParaRPr>
+          </a:p>
+          <a:p>
+            <a:endParaRPr lang="en-US" dirty="0">
+              <a:sym typeface="Wingdings" panose="05000000000000000000" pitchFamily="2" charset="2"/>
+            </a:endParaRPr>
+          </a:p>
+          <a:p>
+            <a:r>
+              <a:rPr lang="en-US" dirty="0" smtClean="0">
+                <a:sym typeface="Wingdings" panose="05000000000000000000" pitchFamily="2" charset="2"/>
+              </a:rPr>
+              <a:t>Swiss </a:t>
+            </a:r>
+            <a:r>
+              <a:rPr lang="en-US" dirty="0" smtClean="0">
+                <a:sym typeface="Wingdings" panose="05000000000000000000" pitchFamily="2" charset="2"/>
+              </a:rPr>
+              <a:t>knife, kitchen knife, </a:t>
+            </a:r>
+          </a:p>
+          <a:p>
+            <a:pPr marL="0" indent="0">
+              <a:buNone/>
+            </a:pPr>
+            <a:r>
+              <a:rPr lang="en-US" dirty="0" smtClean="0">
+                <a:sym typeface="Wingdings" panose="05000000000000000000" pitchFamily="2" charset="2"/>
+              </a:rPr>
+              <a:t>butcher knife, switch blade,</a:t>
+            </a:r>
+          </a:p>
+          <a:p>
+            <a:pPr marL="0" indent="0">
+              <a:buNone/>
+            </a:pPr>
+            <a:r>
+              <a:rPr lang="en-US" dirty="0">
+                <a:sym typeface="Wingdings" panose="05000000000000000000" pitchFamily="2" charset="2"/>
+              </a:rPr>
+              <a:t>b</a:t>
+            </a:r>
+            <a:r>
+              <a:rPr lang="en-US" dirty="0" smtClean="0">
+                <a:sym typeface="Wingdings" panose="05000000000000000000" pitchFamily="2" charset="2"/>
+              </a:rPr>
+              <a:t>utterfly </a:t>
+            </a:r>
+            <a:r>
+              <a:rPr lang="en-US" dirty="0">
+                <a:sym typeface="Wingdings" panose="05000000000000000000" pitchFamily="2" charset="2"/>
+              </a:rPr>
+              <a:t>knife </a:t>
+            </a:r>
+            <a:r>
+              <a:rPr lang="en-US" dirty="0" smtClean="0">
+                <a:sym typeface="Wingdings" panose="05000000000000000000" pitchFamily="2" charset="2"/>
+              </a:rPr>
+              <a:t> Knife</a:t>
+            </a:r>
+            <a:endParaRPr lang="en-US" dirty="0" smtClean="0">
+              <a:sym typeface="Wingdings" panose="05000000000000000000" pitchFamily="2" charset="2"/>
+            </a:endParaRPr>
+          </a:p>
+          <a:p>
+            <a:pPr marL="0" indent="0">
+              <a:buNone/>
+            </a:pPr>
+            <a:endParaRPr lang="en-US" dirty="0">
+              <a:sym typeface="Wingdings" panose="05000000000000000000" pitchFamily="2" charset="2"/>
+            </a:endParaRPr>
+          </a:p>
+          <a:p>
+            <a:pPr marL="0" indent="0">
+              <a:buNone/>
+            </a:pPr>
+            <a:endParaRPr lang="en-US" dirty="0"/>
+          </a:p>
+        </p:txBody>
+      </p:sp>
+      <p:pic>
+        <p:nvPicPr>
+          <p:cNvPr id="4" name="Picture 3"/>
+          <p:cNvPicPr>
+            <a:picLocks noChangeAspect="1"/>
+          </p:cNvPicPr>
+          <p:nvPr/>
         </p:nvPicPr>
         <p:blipFill>
           <a:blip r:embed="rId2">
@@ -3584,21 +7866,31 @@
         </p:blipFill>
         <p:spPr>
           <a:xfrm>
-            <a:off x="2228144" y="1360112"/>
-            <a:ext cx="7735712" cy="4351338"/>
-          </a:xfrm>
+            <a:off x="5175294" y="198120"/>
+            <a:ext cx="6246394" cy="6246394"/>
+          </a:xfrm>
+          <a:prstGeom prst="rect">
+            <a:avLst/>
+          </a:prstGeom>
         </p:spPr>
       </p:pic>
     </p:spTree>
     <p:extLst>
       <p:ext uri="{BB962C8B-B14F-4D97-AF65-F5344CB8AC3E}">
-        <p14:creationId xmlns:p14="http://schemas.microsoft.com/office/powerpoint/2010/main" val="1391076433"/>
+        <p14:creationId xmlns:p14="http://schemas.microsoft.com/office/powerpoint/2010/main" val="2675600163"/>
       </p:ext>
     </p:extLst>
   </p:cSld>
   <p:clrMapOvr>
     <a:masterClrMapping/>
   </p:clrMapOvr>
+  <p:timing>
+    <p:tnLst>
+      <p:par>
+        <p:cTn id="1" dur="indefinite" restart="never" nodeType="tmRoot"/>
+      </p:par>
+    </p:tnLst>
+  </p:timing>
 </p:sld>
 </file>
 
@@ -3636,7 +7928,7 @@
           <a:p>
             <a:r>
               <a:rPr lang="en-US" dirty="0" smtClean="0"/>
-              <a:t>Composition</a:t>
+              <a:t>Inheritance</a:t>
             </a:r>
             <a:endParaRPr lang="en-US" dirty="0"/>
           </a:p>
@@ -3654,100 +7946,105 @@
         </p:nvSpPr>
         <p:spPr/>
         <p:txBody>
-          <a:bodyPr>
-            <a:normAutofit lnSpcReduction="10000"/>
-          </a:bodyPr>
+          <a:bodyPr/>
           <a:lstStyle/>
           <a:p>
             <a:r>
+              <a:rPr lang="en-US" dirty="0"/>
+              <a:t>a</a:t>
+            </a:r>
+            <a:r>
               <a:rPr lang="en-US" dirty="0" smtClean="0"/>
-              <a:t>Vehicle has a:</a:t>
-            </a:r>
-          </a:p>
-          <a:p>
-            <a:pPr lvl="1"/>
+              <a:t> “is a” b</a:t>
+            </a:r>
+          </a:p>
+          <a:p>
+            <a:endParaRPr lang="en-US" dirty="0"/>
+          </a:p>
+          <a:p>
             <a:r>
               <a:rPr lang="en-US" dirty="0" smtClean="0"/>
-              <a:t>Engine</a:t>
-            </a:r>
-          </a:p>
-          <a:p>
-            <a:pPr lvl="1"/>
+              <a:t>A </a:t>
+            </a:r>
             <a:r>
               <a:rPr lang="en-US" dirty="0" smtClean="0"/>
-              <a:t>Gas</a:t>
-            </a:r>
-          </a:p>
-          <a:p>
-            <a:pPr lvl="1"/>
+              <a:t>bike is a vehicle</a:t>
+            </a:r>
+          </a:p>
+          <a:p>
             <a:r>
               <a:rPr lang="en-US" dirty="0" smtClean="0"/>
-              <a:t>Mileage</a:t>
-            </a:r>
-          </a:p>
-          <a:p>
-            <a:pPr lvl="1"/>
+              <a:t>A car is a vehicle</a:t>
+            </a:r>
+          </a:p>
+          <a:p>
             <a:r>
               <a:rPr lang="en-US" dirty="0" smtClean="0"/>
-              <a:t>Windows</a:t>
-            </a:r>
-          </a:p>
-          <a:p>
-            <a:pPr lvl="1"/>
+              <a:t>A truck is a vehicle</a:t>
+            </a:r>
+          </a:p>
+          <a:p>
             <a:r>
               <a:rPr lang="en-US" dirty="0" smtClean="0"/>
-              <a:t>Doors</a:t>
-            </a:r>
-          </a:p>
-          <a:p>
-            <a:pPr lvl="1"/>
+              <a:t>A plane is a vehicle</a:t>
+            </a:r>
+          </a:p>
+          <a:p>
             <a:r>
               <a:rPr lang="en-US" dirty="0" smtClean="0"/>
-              <a:t>Windshield Wipers</a:t>
-            </a:r>
-          </a:p>
-          <a:p>
-            <a:pPr lvl="1"/>
-            <a:r>
-              <a:rPr lang="en-US" dirty="0" smtClean="0"/>
-              <a:t>Hood</a:t>
-            </a:r>
-          </a:p>
-          <a:p>
-            <a:pPr lvl="1"/>
-            <a:r>
-              <a:rPr lang="en-US" dirty="0" smtClean="0"/>
-              <a:t>Trunk</a:t>
-            </a:r>
-          </a:p>
-          <a:p>
-            <a:pPr lvl="1"/>
-            <a:endParaRPr lang="en-US" dirty="0"/>
-          </a:p>
-          <a:p>
-            <a:pPr lvl="1"/>
-            <a:r>
-              <a:rPr lang="en-US" dirty="0" smtClean="0"/>
-              <a:t>Note: use zoom in function as discussed. Pan out on car, zoom in on </a:t>
-            </a:r>
-            <a:r>
-              <a:rPr lang="en-US" smtClean="0"/>
-              <a:t>engine, etc</a:t>
+              <a:t>A ship is a vehicle</a:t>
             </a:r>
             <a:endParaRPr lang="en-US" dirty="0"/>
           </a:p>
         </p:txBody>
       </p:sp>
+      <p:pic>
+        <p:nvPicPr>
+          <p:cNvPr id="4" name="Picture 3"/>
+          <p:cNvPicPr>
+            <a:picLocks noChangeAspect="1"/>
+          </p:cNvPicPr>
+          <p:nvPr/>
+        </p:nvPicPr>
+        <p:blipFill>
+          <a:blip r:embed="rId2">
+            <a:extLst>
+              <a:ext uri="{28A0092B-C50C-407E-A947-70E740481C1C}">
+                <a14:useLocalDpi xmlns:a14="http://schemas.microsoft.com/office/drawing/2010/main" val="0"/>
+              </a:ext>
+            </a:extLst>
+          </a:blip>
+          <a:stretch>
+            <a:fillRect/>
+          </a:stretch>
+        </p:blipFill>
+        <p:spPr>
+          <a:xfrm>
+            <a:off x="5488565" y="1140661"/>
+            <a:ext cx="5038725" cy="4543425"/>
+          </a:xfrm>
+          <a:prstGeom prst="rect">
+            <a:avLst/>
+          </a:prstGeom>
+        </p:spPr>
+      </p:pic>
     </p:spTree>
     <p:extLst>
       <p:ext uri="{BB962C8B-B14F-4D97-AF65-F5344CB8AC3E}">
-        <p14:creationId xmlns:p14="http://schemas.microsoft.com/office/powerpoint/2010/main" val="2145903"/>
+        <p14:creationId xmlns:p14="http://schemas.microsoft.com/office/powerpoint/2010/main" val="3471764815"/>
       </p:ext>
     </p:extLst>
   </p:cSld>
   <p:clrMapOvr>
     <a:masterClrMapping/>
   </p:clrMapOvr>
+  <p:timing>
+    <p:tnLst>
+      <p:par>
+        <p:cTn id="1" dur="indefinite" restart="never" nodeType="tmRoot"/>
+      </p:par>
+    </p:tnLst>
+  </p:timing>
 </p:sld>
 </file>
 
@@ -3783,41 +8080,39 @@
           <a:bodyPr/>
           <a:lstStyle/>
           <a:p>
-            <a:r>
-              <a:rPr lang="en-US" dirty="0" smtClean="0"/>
-              <a:t>Abstract Class</a:t>
-            </a:r>
-            <a:endParaRPr lang="en-US" dirty="0"/>
+            <a:endParaRPr lang="en-US"/>
           </a:p>
         </p:txBody>
       </p:sp>
-      <p:sp>
-        <p:nvSpPr>
-          <p:cNvPr id="3" name="Content Placeholder 2"/>
-          <p:cNvSpPr>
-            <a:spLocks noGrp="1"/>
-          </p:cNvSpPr>
+      <p:graphicFrame>
+        <p:nvGraphicFramePr>
+          <p:cNvPr id="4" name="Content Placeholder 3"/>
+          <p:cNvGraphicFramePr>
+            <a:graphicFrameLocks noGrp="1"/>
+          </p:cNvGraphicFramePr>
           <p:nvPr>
             <p:ph idx="1"/>
+            <p:extLst>
+              <p:ext uri="{D42A27DB-BD31-4B8C-83A1-F6EECF244321}">
+                <p14:modId xmlns:p14="http://schemas.microsoft.com/office/powerpoint/2010/main" val="156012812"/>
+              </p:ext>
+            </p:extLst>
           </p:nvPr>
-        </p:nvSpPr>
-        <p:spPr/>
-        <p:txBody>
-          <a:bodyPr/>
-          <a:lstStyle/>
-          <a:p>
-            <a:r>
-              <a:rPr lang="en-US" dirty="0" smtClean="0"/>
-              <a:t>Keyword = “extends”</a:t>
-            </a:r>
-            <a:endParaRPr lang="en-US" dirty="0"/>
-          </a:p>
-        </p:txBody>
-      </p:sp>
+        </p:nvGraphicFramePr>
+        <p:xfrm>
+          <a:off x="838200" y="1825625"/>
+          <a:ext cx="10515600" cy="4351338"/>
+        </p:xfrm>
+        <a:graphic>
+          <a:graphicData uri="http://schemas.openxmlformats.org/drawingml/2006/diagram">
+            <dgm:relIds xmlns:dgm="http://schemas.openxmlformats.org/drawingml/2006/diagram" xmlns:r="http://schemas.openxmlformats.org/officeDocument/2006/relationships" r:dm="rId2" r:lo="rId3" r:qs="rId4" r:cs="rId5"/>
+          </a:graphicData>
+        </a:graphic>
+      </p:graphicFrame>
     </p:spTree>
     <p:extLst>
       <p:ext uri="{BB962C8B-B14F-4D97-AF65-F5344CB8AC3E}">
-        <p14:creationId xmlns:p14="http://schemas.microsoft.com/office/powerpoint/2010/main" val="3144968186"/>
+        <p14:creationId xmlns:p14="http://schemas.microsoft.com/office/powerpoint/2010/main" val="1068217773"/>
       </p:ext>
     </p:extLst>
   </p:cSld>
@@ -3861,7 +8156,754 @@
           <a:p>
             <a:r>
               <a:rPr lang="en-US" dirty="0" smtClean="0"/>
-              <a:t>Interface</a:t>
+              <a:t>Composition</a:t>
+            </a:r>
+            <a:endParaRPr lang="en-US" dirty="0"/>
+          </a:p>
+        </p:txBody>
+      </p:sp>
+      <p:sp>
+        <p:nvSpPr>
+          <p:cNvPr id="3" name="Content Placeholder 2"/>
+          <p:cNvSpPr>
+            <a:spLocks noGrp="1"/>
+          </p:cNvSpPr>
+          <p:nvPr>
+            <p:ph idx="1"/>
+          </p:nvPr>
+        </p:nvSpPr>
+        <p:spPr/>
+        <p:txBody>
+          <a:bodyPr>
+            <a:normAutofit/>
+          </a:bodyPr>
+          <a:lstStyle/>
+          <a:p>
+            <a:r>
+              <a:rPr lang="en-US" dirty="0" smtClean="0"/>
+              <a:t>Vehicle has a:</a:t>
+            </a:r>
+          </a:p>
+          <a:p>
+            <a:pPr lvl="1"/>
+            <a:r>
+              <a:rPr lang="en-US" dirty="0" smtClean="0"/>
+              <a:t>Headlight</a:t>
+            </a:r>
+          </a:p>
+          <a:p>
+            <a:pPr lvl="1"/>
+            <a:r>
+              <a:rPr lang="en-US" dirty="0" smtClean="0"/>
+              <a:t>Steering wheel</a:t>
+            </a:r>
+          </a:p>
+          <a:p>
+            <a:pPr lvl="1"/>
+            <a:r>
+              <a:rPr lang="en-US" dirty="0" smtClean="0"/>
+              <a:t>Hub cap</a:t>
+            </a:r>
+          </a:p>
+          <a:p>
+            <a:pPr lvl="1"/>
+            <a:r>
+              <a:rPr lang="en-US" dirty="0" smtClean="0"/>
+              <a:t>Side mirror</a:t>
+            </a:r>
+          </a:p>
+          <a:p>
+            <a:pPr lvl="1"/>
+            <a:r>
+              <a:rPr lang="en-US" dirty="0" smtClean="0"/>
+              <a:t>Spark Plug</a:t>
+            </a:r>
+          </a:p>
+          <a:p>
+            <a:pPr lvl="1"/>
+            <a:r>
+              <a:rPr lang="en-US" dirty="0" smtClean="0"/>
+              <a:t>Exhaust pipe</a:t>
+            </a:r>
+          </a:p>
+          <a:p>
+            <a:pPr lvl="1"/>
+            <a:r>
+              <a:rPr lang="en-US" dirty="0" smtClean="0"/>
+              <a:t>Windshield Wipers</a:t>
+            </a:r>
+          </a:p>
+          <a:p>
+            <a:pPr lvl="1"/>
+            <a:endParaRPr lang="en-US" dirty="0"/>
+          </a:p>
+          <a:p>
+            <a:pPr lvl="1"/>
+            <a:r>
+              <a:rPr lang="en-US" dirty="0" smtClean="0"/>
+              <a:t>Note: Pan </a:t>
+            </a:r>
+            <a:r>
+              <a:rPr lang="en-US" dirty="0" smtClean="0"/>
+              <a:t>out on car, </a:t>
+            </a:r>
+            <a:r>
+              <a:rPr lang="en-US" dirty="0" smtClean="0"/>
+              <a:t>zoom in on </a:t>
+            </a:r>
+            <a:r>
+              <a:rPr lang="en-US" dirty="0" smtClean="0"/>
+              <a:t>details</a:t>
+            </a:r>
+            <a:endParaRPr lang="en-US" dirty="0"/>
+          </a:p>
+        </p:txBody>
+      </p:sp>
+      <p:pic>
+        <p:nvPicPr>
+          <p:cNvPr id="5" name="Picture 4"/>
+          <p:cNvPicPr>
+            <a:picLocks noChangeAspect="1"/>
+          </p:cNvPicPr>
+          <p:nvPr/>
+        </p:nvPicPr>
+        <p:blipFill>
+          <a:blip r:embed="rId2">
+            <a:extLst>
+              <a:ext uri="{28A0092B-C50C-407E-A947-70E740481C1C}">
+                <a14:useLocalDpi xmlns:a14="http://schemas.microsoft.com/office/drawing/2010/main" val="0"/>
+              </a:ext>
+            </a:extLst>
+          </a:blip>
+          <a:stretch>
+            <a:fillRect/>
+          </a:stretch>
+        </p:blipFill>
+        <p:spPr>
+          <a:xfrm>
+            <a:off x="7407127" y="1471583"/>
+            <a:ext cx="693312" cy="1894226"/>
+          </a:xfrm>
+          <a:prstGeom prst="rect">
+            <a:avLst/>
+          </a:prstGeom>
+        </p:spPr>
+      </p:pic>
+      <p:pic>
+        <p:nvPicPr>
+          <p:cNvPr id="6" name="Picture 5"/>
+          <p:cNvPicPr>
+            <a:picLocks noChangeAspect="1"/>
+          </p:cNvPicPr>
+          <p:nvPr/>
+        </p:nvPicPr>
+        <p:blipFill>
+          <a:blip r:embed="rId3" cstate="print">
+            <a:extLst>
+              <a:ext uri="{28A0092B-C50C-407E-A947-70E740481C1C}">
+                <a14:useLocalDpi xmlns:a14="http://schemas.microsoft.com/office/drawing/2010/main" val="0"/>
+              </a:ext>
+            </a:extLst>
+          </a:blip>
+          <a:stretch>
+            <a:fillRect/>
+          </a:stretch>
+        </p:blipFill>
+        <p:spPr>
+          <a:xfrm>
+            <a:off x="5088347" y="3324982"/>
+            <a:ext cx="1002394" cy="979538"/>
+          </a:xfrm>
+          <a:prstGeom prst="rect">
+            <a:avLst/>
+          </a:prstGeom>
+        </p:spPr>
+      </p:pic>
+      <p:pic>
+        <p:nvPicPr>
+          <p:cNvPr id="7" name="Picture 6"/>
+          <p:cNvPicPr>
+            <a:picLocks noChangeAspect="1"/>
+          </p:cNvPicPr>
+          <p:nvPr/>
+        </p:nvPicPr>
+        <p:blipFill>
+          <a:blip r:embed="rId4" cstate="print">
+            <a:extLst>
+              <a:ext uri="{28A0092B-C50C-407E-A947-70E740481C1C}">
+                <a14:useLocalDpi xmlns:a14="http://schemas.microsoft.com/office/drawing/2010/main" val="0"/>
+              </a:ext>
+            </a:extLst>
+          </a:blip>
+          <a:stretch>
+            <a:fillRect/>
+          </a:stretch>
+        </p:blipFill>
+        <p:spPr>
+          <a:xfrm>
+            <a:off x="6084826" y="1690688"/>
+            <a:ext cx="1192029" cy="1192029"/>
+          </a:xfrm>
+          <a:prstGeom prst="rect">
+            <a:avLst/>
+          </a:prstGeom>
+        </p:spPr>
+      </p:pic>
+      <p:pic>
+        <p:nvPicPr>
+          <p:cNvPr id="8" name="Picture 7"/>
+          <p:cNvPicPr>
+            <a:picLocks noChangeAspect="1"/>
+          </p:cNvPicPr>
+          <p:nvPr/>
+        </p:nvPicPr>
+        <p:blipFill>
+          <a:blip r:embed="rId5">
+            <a:extLst>
+              <a:ext uri="{28A0092B-C50C-407E-A947-70E740481C1C}">
+                <a14:useLocalDpi xmlns:a14="http://schemas.microsoft.com/office/drawing/2010/main" val="0"/>
+              </a:ext>
+            </a:extLst>
+          </a:blip>
+          <a:stretch>
+            <a:fillRect/>
+          </a:stretch>
+        </p:blipFill>
+        <p:spPr>
+          <a:xfrm>
+            <a:off x="6332608" y="4001294"/>
+            <a:ext cx="1453602" cy="719653"/>
+          </a:xfrm>
+          <a:prstGeom prst="rect">
+            <a:avLst/>
+          </a:prstGeom>
+        </p:spPr>
+      </p:pic>
+      <p:pic>
+        <p:nvPicPr>
+          <p:cNvPr id="9" name="Picture 8"/>
+          <p:cNvPicPr>
+            <a:picLocks noChangeAspect="1"/>
+          </p:cNvPicPr>
+          <p:nvPr/>
+        </p:nvPicPr>
+        <p:blipFill>
+          <a:blip r:embed="rId6">
+            <a:extLst>
+              <a:ext uri="{28A0092B-C50C-407E-A947-70E740481C1C}">
+                <a14:useLocalDpi xmlns:a14="http://schemas.microsoft.com/office/drawing/2010/main" val="0"/>
+              </a:ext>
+            </a:extLst>
+          </a:blip>
+          <a:stretch>
+            <a:fillRect/>
+          </a:stretch>
+        </p:blipFill>
+        <p:spPr>
+          <a:xfrm>
+            <a:off x="4316429" y="2365186"/>
+            <a:ext cx="1318884" cy="661647"/>
+          </a:xfrm>
+          <a:prstGeom prst="rect">
+            <a:avLst/>
+          </a:prstGeom>
+        </p:spPr>
+      </p:pic>
+      <p:pic>
+        <p:nvPicPr>
+          <p:cNvPr id="10" name="Picture 9"/>
+          <p:cNvPicPr>
+            <a:picLocks noChangeAspect="1"/>
+          </p:cNvPicPr>
+          <p:nvPr/>
+        </p:nvPicPr>
+        <p:blipFill>
+          <a:blip r:embed="rId7">
+            <a:extLst>
+              <a:ext uri="{28A0092B-C50C-407E-A947-70E740481C1C}">
+                <a14:useLocalDpi xmlns:a14="http://schemas.microsoft.com/office/drawing/2010/main" val="0"/>
+              </a:ext>
+            </a:extLst>
+          </a:blip>
+          <a:stretch>
+            <a:fillRect/>
+          </a:stretch>
+        </p:blipFill>
+        <p:spPr>
+          <a:xfrm>
+            <a:off x="8421236" y="1402935"/>
+            <a:ext cx="2035665" cy="1924502"/>
+          </a:xfrm>
+          <a:prstGeom prst="rect">
+            <a:avLst/>
+          </a:prstGeom>
+        </p:spPr>
+      </p:pic>
+      <p:pic>
+        <p:nvPicPr>
+          <p:cNvPr id="11" name="Picture 10"/>
+          <p:cNvPicPr>
+            <a:picLocks noChangeAspect="1"/>
+          </p:cNvPicPr>
+          <p:nvPr/>
+        </p:nvPicPr>
+        <p:blipFill>
+          <a:blip r:embed="rId8" cstate="print">
+            <a:extLst>
+              <a:ext uri="{28A0092B-C50C-407E-A947-70E740481C1C}">
+                <a14:useLocalDpi xmlns:a14="http://schemas.microsoft.com/office/drawing/2010/main" val="0"/>
+              </a:ext>
+            </a:extLst>
+          </a:blip>
+          <a:stretch>
+            <a:fillRect/>
+          </a:stretch>
+        </p:blipFill>
+        <p:spPr>
+          <a:xfrm>
+            <a:off x="8277840" y="3562828"/>
+            <a:ext cx="999164" cy="1221650"/>
+          </a:xfrm>
+          <a:prstGeom prst="rect">
+            <a:avLst/>
+          </a:prstGeom>
+        </p:spPr>
+      </p:pic>
+    </p:spTree>
+    <p:extLst>
+      <p:ext uri="{BB962C8B-B14F-4D97-AF65-F5344CB8AC3E}">
+        <p14:creationId xmlns:p14="http://schemas.microsoft.com/office/powerpoint/2010/main" val="2145903"/>
+      </p:ext>
+    </p:extLst>
+  </p:cSld>
+  <p:clrMapOvr>
+    <a:masterClrMapping/>
+  </p:clrMapOvr>
+  <p:timing>
+    <p:tnLst>
+      <p:par>
+        <p:cTn id="1" dur="indefinite" restart="never" nodeType="tmRoot"/>
+      </p:par>
+    </p:tnLst>
+  </p:timing>
+</p:sld>
+</file>
+
+<file path=ppt/slides/slide17.xml><?xml version="1.0" encoding="utf-8"?>
+<p:sld xmlns:a="http://schemas.openxmlformats.org/drawingml/2006/main" xmlns:r="http://schemas.openxmlformats.org/officeDocument/2006/relationships" xmlns:p="http://schemas.openxmlformats.org/presentationml/2006/main">
+  <p:cSld>
+    <p:spTree>
+      <p:nvGrpSpPr>
+        <p:cNvPr id="1" name=""/>
+        <p:cNvGrpSpPr/>
+        <p:nvPr/>
+      </p:nvGrpSpPr>
+      <p:grpSpPr>
+        <a:xfrm>
+          <a:off x="0" y="0"/>
+          <a:ext cx="0" cy="0"/>
+          <a:chOff x="0" y="0"/>
+          <a:chExt cx="0" cy="0"/>
+        </a:xfrm>
+      </p:grpSpPr>
+      <p:sp>
+        <p:nvSpPr>
+          <p:cNvPr id="2" name="Title 1"/>
+          <p:cNvSpPr>
+            <a:spLocks noGrp="1"/>
+          </p:cNvSpPr>
+          <p:nvPr>
+            <p:ph type="title"/>
+          </p:nvPr>
+        </p:nvSpPr>
+        <p:spPr/>
+        <p:txBody>
+          <a:bodyPr/>
+          <a:lstStyle/>
+          <a:p>
+            <a:endParaRPr lang="en-US"/>
+          </a:p>
+        </p:txBody>
+      </p:sp>
+      <p:pic>
+        <p:nvPicPr>
+          <p:cNvPr id="4" name="Content Placeholder 3"/>
+          <p:cNvPicPr>
+            <a:picLocks noGrp="1" noChangeAspect="1"/>
+          </p:cNvPicPr>
+          <p:nvPr>
+            <p:ph idx="1"/>
+          </p:nvPr>
+        </p:nvPicPr>
+        <p:blipFill rotWithShape="1">
+          <a:blip r:embed="rId2">
+            <a:extLst>
+              <a:ext uri="{28A0092B-C50C-407E-A947-70E740481C1C}">
+                <a14:useLocalDpi xmlns:a14="http://schemas.microsoft.com/office/drawing/2010/main" val="0"/>
+              </a:ext>
+            </a:extLst>
+          </a:blip>
+          <a:srcRect l="6685" t="33521" r="6250" b="28510"/>
+          <a:stretch/>
+        </p:blipFill>
+        <p:spPr>
+          <a:xfrm>
+            <a:off x="2750127" y="2730445"/>
+            <a:ext cx="6292734" cy="2744201"/>
+          </a:xfrm>
+          <a:prstGeom prst="rect">
+            <a:avLst/>
+          </a:prstGeom>
+        </p:spPr>
+      </p:pic>
+      <p:pic>
+        <p:nvPicPr>
+          <p:cNvPr id="5" name="Picture 4"/>
+          <p:cNvPicPr>
+            <a:picLocks noChangeAspect="1"/>
+          </p:cNvPicPr>
+          <p:nvPr/>
+        </p:nvPicPr>
+        <p:blipFill>
+          <a:blip r:embed="rId3">
+            <a:extLst>
+              <a:ext uri="{28A0092B-C50C-407E-A947-70E740481C1C}">
+                <a14:useLocalDpi xmlns:a14="http://schemas.microsoft.com/office/drawing/2010/main" val="0"/>
+              </a:ext>
+            </a:extLst>
+          </a:blip>
+          <a:stretch>
+            <a:fillRect/>
+          </a:stretch>
+        </p:blipFill>
+        <p:spPr>
+          <a:xfrm>
+            <a:off x="1203506" y="3893333"/>
+            <a:ext cx="1318884" cy="661647"/>
+          </a:xfrm>
+          <a:prstGeom prst="rect">
+            <a:avLst/>
+          </a:prstGeom>
+        </p:spPr>
+      </p:pic>
+      <p:pic>
+        <p:nvPicPr>
+          <p:cNvPr id="6" name="Picture 5"/>
+          <p:cNvPicPr>
+            <a:picLocks noChangeAspect="1"/>
+          </p:cNvPicPr>
+          <p:nvPr/>
+        </p:nvPicPr>
+        <p:blipFill>
+          <a:blip r:embed="rId4" cstate="print">
+            <a:extLst>
+              <a:ext uri="{28A0092B-C50C-407E-A947-70E740481C1C}">
+                <a14:useLocalDpi xmlns:a14="http://schemas.microsoft.com/office/drawing/2010/main" val="0"/>
+              </a:ext>
+            </a:extLst>
+          </a:blip>
+          <a:stretch>
+            <a:fillRect/>
+          </a:stretch>
+        </p:blipFill>
+        <p:spPr>
+          <a:xfrm>
+            <a:off x="5300479" y="1447036"/>
+            <a:ext cx="1192029" cy="1192029"/>
+          </a:xfrm>
+          <a:prstGeom prst="rect">
+            <a:avLst/>
+          </a:prstGeom>
+        </p:spPr>
+      </p:pic>
+      <p:pic>
+        <p:nvPicPr>
+          <p:cNvPr id="7" name="Picture 6"/>
+          <p:cNvPicPr>
+            <a:picLocks noChangeAspect="1"/>
+          </p:cNvPicPr>
+          <p:nvPr/>
+        </p:nvPicPr>
+        <p:blipFill>
+          <a:blip r:embed="rId5" cstate="print">
+            <a:extLst>
+              <a:ext uri="{28A0092B-C50C-407E-A947-70E740481C1C}">
+                <a14:useLocalDpi xmlns:a14="http://schemas.microsoft.com/office/drawing/2010/main" val="0"/>
+              </a:ext>
+            </a:extLst>
+          </a:blip>
+          <a:stretch>
+            <a:fillRect/>
+          </a:stretch>
+        </p:blipFill>
+        <p:spPr>
+          <a:xfrm>
+            <a:off x="8676314" y="4981349"/>
+            <a:ext cx="1164372" cy="1137823"/>
+          </a:xfrm>
+          <a:prstGeom prst="rect">
+            <a:avLst/>
+          </a:prstGeom>
+        </p:spPr>
+      </p:pic>
+      <p:pic>
+        <p:nvPicPr>
+          <p:cNvPr id="8" name="Picture 7"/>
+          <p:cNvPicPr>
+            <a:picLocks noChangeAspect="1"/>
+          </p:cNvPicPr>
+          <p:nvPr/>
+        </p:nvPicPr>
+        <p:blipFill>
+          <a:blip r:embed="rId6">
+            <a:extLst>
+              <a:ext uri="{28A0092B-C50C-407E-A947-70E740481C1C}">
+                <a14:useLocalDpi xmlns:a14="http://schemas.microsoft.com/office/drawing/2010/main" val="0"/>
+              </a:ext>
+            </a:extLst>
+          </a:blip>
+          <a:stretch>
+            <a:fillRect/>
+          </a:stretch>
+        </p:blipFill>
+        <p:spPr>
+          <a:xfrm>
+            <a:off x="4573678" y="5471119"/>
+            <a:ext cx="1453602" cy="719653"/>
+          </a:xfrm>
+          <a:prstGeom prst="rect">
+            <a:avLst/>
+          </a:prstGeom>
+        </p:spPr>
+      </p:pic>
+      <p:pic>
+        <p:nvPicPr>
+          <p:cNvPr id="9" name="Picture 8"/>
+          <p:cNvPicPr>
+            <a:picLocks noChangeAspect="1"/>
+          </p:cNvPicPr>
+          <p:nvPr/>
+        </p:nvPicPr>
+        <p:blipFill>
+          <a:blip r:embed="rId7">
+            <a:extLst>
+              <a:ext uri="{28A0092B-C50C-407E-A947-70E740481C1C}">
+                <a14:useLocalDpi xmlns:a14="http://schemas.microsoft.com/office/drawing/2010/main" val="0"/>
+              </a:ext>
+            </a:extLst>
+          </a:blip>
+          <a:stretch>
+            <a:fillRect/>
+          </a:stretch>
+        </p:blipFill>
+        <p:spPr>
+          <a:xfrm>
+            <a:off x="3253876" y="1875544"/>
+            <a:ext cx="1542601" cy="1458363"/>
+          </a:xfrm>
+          <a:prstGeom prst="rect">
+            <a:avLst/>
+          </a:prstGeom>
+        </p:spPr>
+      </p:pic>
+      <p:pic>
+        <p:nvPicPr>
+          <p:cNvPr id="10" name="Picture 9"/>
+          <p:cNvPicPr>
+            <a:picLocks noChangeAspect="1"/>
+          </p:cNvPicPr>
+          <p:nvPr/>
+        </p:nvPicPr>
+        <p:blipFill>
+          <a:blip r:embed="rId8">
+            <a:extLst>
+              <a:ext uri="{28A0092B-C50C-407E-A947-70E740481C1C}">
+                <a14:useLocalDpi xmlns:a14="http://schemas.microsoft.com/office/drawing/2010/main" val="0"/>
+              </a:ext>
+            </a:extLst>
+          </a:blip>
+          <a:stretch>
+            <a:fillRect/>
+          </a:stretch>
+        </p:blipFill>
+        <p:spPr>
+          <a:xfrm>
+            <a:off x="2019254" y="1690688"/>
+            <a:ext cx="637841" cy="1742672"/>
+          </a:xfrm>
+          <a:prstGeom prst="rect">
+            <a:avLst/>
+          </a:prstGeom>
+        </p:spPr>
+      </p:pic>
+      <p:pic>
+        <p:nvPicPr>
+          <p:cNvPr id="11" name="Picture 10"/>
+          <p:cNvPicPr>
+            <a:picLocks noChangeAspect="1"/>
+          </p:cNvPicPr>
+          <p:nvPr/>
+        </p:nvPicPr>
+        <p:blipFill>
+          <a:blip r:embed="rId9" cstate="print">
+            <a:extLst>
+              <a:ext uri="{28A0092B-C50C-407E-A947-70E740481C1C}">
+                <a14:useLocalDpi xmlns:a14="http://schemas.microsoft.com/office/drawing/2010/main" val="0"/>
+              </a:ext>
+            </a:extLst>
+          </a:blip>
+          <a:stretch>
+            <a:fillRect/>
+          </a:stretch>
+        </p:blipFill>
+        <p:spPr>
+          <a:xfrm>
+            <a:off x="9270598" y="3433360"/>
+            <a:ext cx="999164" cy="1221650"/>
+          </a:xfrm>
+          <a:prstGeom prst="rect">
+            <a:avLst/>
+          </a:prstGeom>
+        </p:spPr>
+      </p:pic>
+    </p:spTree>
+    <p:extLst>
+      <p:ext uri="{BB962C8B-B14F-4D97-AF65-F5344CB8AC3E}">
+        <p14:creationId xmlns:p14="http://schemas.microsoft.com/office/powerpoint/2010/main" val="435228592"/>
+      </p:ext>
+    </p:extLst>
+  </p:cSld>
+  <p:clrMapOvr>
+    <a:masterClrMapping/>
+  </p:clrMapOvr>
+  <p:timing>
+    <p:tnLst>
+      <p:par>
+        <p:cTn id="1" dur="indefinite" restart="never" nodeType="tmRoot"/>
+      </p:par>
+    </p:tnLst>
+  </p:timing>
+</p:sld>
+</file>
+
+<file path=ppt/slides/slide18.xml><?xml version="1.0" encoding="utf-8"?>
+<p:sld xmlns:a="http://schemas.openxmlformats.org/drawingml/2006/main" xmlns:r="http://schemas.openxmlformats.org/officeDocument/2006/relationships" xmlns:p="http://schemas.openxmlformats.org/presentationml/2006/main">
+  <p:cSld>
+    <p:spTree>
+      <p:nvGrpSpPr>
+        <p:cNvPr id="1" name=""/>
+        <p:cNvGrpSpPr/>
+        <p:nvPr/>
+      </p:nvGrpSpPr>
+      <p:grpSpPr>
+        <a:xfrm>
+          <a:off x="0" y="0"/>
+          <a:ext cx="0" cy="0"/>
+          <a:chOff x="0" y="0"/>
+          <a:chExt cx="0" cy="0"/>
+        </a:xfrm>
+      </p:grpSpPr>
+      <p:sp>
+        <p:nvSpPr>
+          <p:cNvPr id="2" name="Title 1"/>
+          <p:cNvSpPr>
+            <a:spLocks noGrp="1"/>
+          </p:cNvSpPr>
+          <p:nvPr>
+            <p:ph type="ctrTitle"/>
+          </p:nvPr>
+        </p:nvSpPr>
+        <p:spPr/>
+        <p:txBody>
+          <a:bodyPr/>
+          <a:lstStyle/>
+          <a:p>
+            <a:r>
+              <a:rPr lang="en-US" dirty="0" smtClean="0"/>
+              <a:t>Abstract Class</a:t>
+            </a:r>
+            <a:r>
+              <a:rPr lang="en-US" dirty="0" smtClean="0"/>
+              <a:t> &amp; Interface</a:t>
+            </a:r>
+            <a:endParaRPr lang="en-US" dirty="0"/>
+          </a:p>
+        </p:txBody>
+      </p:sp>
+      <p:sp>
+        <p:nvSpPr>
+          <p:cNvPr id="3" name="Subtitle 2"/>
+          <p:cNvSpPr>
+            <a:spLocks noGrp="1"/>
+          </p:cNvSpPr>
+          <p:nvPr>
+            <p:ph type="subTitle" idx="1"/>
+          </p:nvPr>
+        </p:nvSpPr>
+        <p:spPr/>
+        <p:txBody>
+          <a:bodyPr/>
+          <a:lstStyle/>
+          <a:p>
+            <a:endParaRPr lang="en-US" dirty="0"/>
+          </a:p>
+        </p:txBody>
+      </p:sp>
+    </p:spTree>
+    <p:extLst>
+      <p:ext uri="{BB962C8B-B14F-4D97-AF65-F5344CB8AC3E}">
+        <p14:creationId xmlns:p14="http://schemas.microsoft.com/office/powerpoint/2010/main" val="491091518"/>
+      </p:ext>
+    </p:extLst>
+  </p:cSld>
+  <p:clrMapOvr>
+    <a:masterClrMapping/>
+  </p:clrMapOvr>
+  <p:timing>
+    <p:tnLst>
+      <p:par>
+        <p:cTn id="1" dur="indefinite" restart="never" nodeType="tmRoot"/>
+      </p:par>
+    </p:tnLst>
+  </p:timing>
+</p:sld>
+</file>
+
+<file path=ppt/slides/slide19.xml><?xml version="1.0" encoding="utf-8"?>
+<p:sld xmlns:a="http://schemas.openxmlformats.org/drawingml/2006/main" xmlns:r="http://schemas.openxmlformats.org/officeDocument/2006/relationships" xmlns:p="http://schemas.openxmlformats.org/presentationml/2006/main">
+  <p:cSld>
+    <p:spTree>
+      <p:nvGrpSpPr>
+        <p:cNvPr id="1" name=""/>
+        <p:cNvGrpSpPr/>
+        <p:nvPr/>
+      </p:nvGrpSpPr>
+      <p:grpSpPr>
+        <a:xfrm>
+          <a:off x="0" y="0"/>
+          <a:ext cx="0" cy="0"/>
+          <a:chOff x="0" y="0"/>
+          <a:chExt cx="0" cy="0"/>
+        </a:xfrm>
+      </p:grpSpPr>
+      <p:sp>
+        <p:nvSpPr>
+          <p:cNvPr id="2" name="Title 1"/>
+          <p:cNvSpPr>
+            <a:spLocks noGrp="1"/>
+          </p:cNvSpPr>
+          <p:nvPr>
+            <p:ph type="title"/>
+          </p:nvPr>
+        </p:nvSpPr>
+        <p:spPr/>
+        <p:txBody>
+          <a:bodyPr/>
+          <a:lstStyle/>
+          <a:p>
+            <a:r>
+              <a:rPr lang="en-US" dirty="0" smtClean="0"/>
+              <a:t>Abstract Class</a:t>
             </a:r>
             <a:endParaRPr lang="en-US" dirty="0"/>
           </a:p>
@@ -3884,26 +8926,29 @@
           <a:p>
             <a:r>
               <a:rPr lang="en-US" dirty="0" smtClean="0"/>
-              <a:t>Keyword = </a:t>
-            </a:r>
-            <a:r>
-              <a:rPr lang="en-US" smtClean="0"/>
-              <a:t>“implements”</a:t>
-            </a:r>
-            <a:endParaRPr lang="en-US"/>
+              <a:t>Keyword = “extends”</a:t>
+            </a:r>
+            <a:endParaRPr lang="en-US" dirty="0"/>
           </a:p>
         </p:txBody>
       </p:sp>
     </p:spTree>
     <p:extLst>
       <p:ext uri="{BB962C8B-B14F-4D97-AF65-F5344CB8AC3E}">
-        <p14:creationId xmlns:p14="http://schemas.microsoft.com/office/powerpoint/2010/main" val="4105808640"/>
+        <p14:creationId xmlns:p14="http://schemas.microsoft.com/office/powerpoint/2010/main" val="3144968186"/>
       </p:ext>
     </p:extLst>
   </p:cSld>
   <p:clrMapOvr>
     <a:masterClrMapping/>
   </p:clrMapOvr>
+  <p:timing>
+    <p:tnLst>
+      <p:par>
+        <p:cTn id="1" dur="indefinite" restart="never" nodeType="tmRoot"/>
+      </p:par>
+    </p:tnLst>
+  </p:timing>
 </p:sld>
 </file>
 
@@ -3986,6 +9031,271 @@
   <p:clrMapOvr>
     <a:masterClrMapping/>
   </p:clrMapOvr>
+  <p:timing>
+    <p:tnLst>
+      <p:par>
+        <p:cTn id="1" dur="indefinite" restart="never" nodeType="tmRoot"/>
+      </p:par>
+    </p:tnLst>
+  </p:timing>
+</p:sld>
+</file>
+
+<file path=ppt/slides/slide20.xml><?xml version="1.0" encoding="utf-8"?>
+<p:sld xmlns:a="http://schemas.openxmlformats.org/drawingml/2006/main" xmlns:r="http://schemas.openxmlformats.org/officeDocument/2006/relationships" xmlns:p="http://schemas.openxmlformats.org/presentationml/2006/main">
+  <p:cSld>
+    <p:spTree>
+      <p:nvGrpSpPr>
+        <p:cNvPr id="1" name=""/>
+        <p:cNvGrpSpPr/>
+        <p:nvPr/>
+      </p:nvGrpSpPr>
+      <p:grpSpPr>
+        <a:xfrm>
+          <a:off x="0" y="0"/>
+          <a:ext cx="0" cy="0"/>
+          <a:chOff x="0" y="0"/>
+          <a:chExt cx="0" cy="0"/>
+        </a:xfrm>
+      </p:grpSpPr>
+      <p:sp>
+        <p:nvSpPr>
+          <p:cNvPr id="2" name="Title 1"/>
+          <p:cNvSpPr>
+            <a:spLocks noGrp="1"/>
+          </p:cNvSpPr>
+          <p:nvPr>
+            <p:ph type="title"/>
+          </p:nvPr>
+        </p:nvSpPr>
+        <p:spPr/>
+        <p:txBody>
+          <a:bodyPr/>
+          <a:lstStyle/>
+          <a:p>
+            <a:r>
+              <a:rPr lang="en-US" dirty="0" smtClean="0"/>
+              <a:t>Interface</a:t>
+            </a:r>
+            <a:endParaRPr lang="en-US" dirty="0"/>
+          </a:p>
+        </p:txBody>
+      </p:sp>
+      <p:sp>
+        <p:nvSpPr>
+          <p:cNvPr id="3" name="Content Placeholder 2"/>
+          <p:cNvSpPr>
+            <a:spLocks noGrp="1"/>
+          </p:cNvSpPr>
+          <p:nvPr>
+            <p:ph idx="1"/>
+          </p:nvPr>
+        </p:nvSpPr>
+        <p:spPr/>
+        <p:txBody>
+          <a:bodyPr/>
+          <a:lstStyle/>
+          <a:p>
+            <a:r>
+              <a:rPr lang="en-US" dirty="0" smtClean="0"/>
+              <a:t>Keyword = </a:t>
+            </a:r>
+            <a:r>
+              <a:rPr lang="en-US" smtClean="0"/>
+              <a:t>“implements”</a:t>
+            </a:r>
+            <a:endParaRPr lang="en-US"/>
+          </a:p>
+        </p:txBody>
+      </p:sp>
+    </p:spTree>
+    <p:extLst>
+      <p:ext uri="{BB962C8B-B14F-4D97-AF65-F5344CB8AC3E}">
+        <p14:creationId xmlns:p14="http://schemas.microsoft.com/office/powerpoint/2010/main" val="4105808640"/>
+      </p:ext>
+    </p:extLst>
+  </p:cSld>
+  <p:clrMapOvr>
+    <a:masterClrMapping/>
+  </p:clrMapOvr>
+</p:sld>
+</file>
+
+<file path=ppt/slides/slide21.xml><?xml version="1.0" encoding="utf-8"?>
+<p:sld xmlns:a="http://schemas.openxmlformats.org/drawingml/2006/main" xmlns:r="http://schemas.openxmlformats.org/officeDocument/2006/relationships" xmlns:p="http://schemas.openxmlformats.org/presentationml/2006/main">
+  <p:cSld>
+    <p:spTree>
+      <p:nvGrpSpPr>
+        <p:cNvPr id="1" name=""/>
+        <p:cNvGrpSpPr/>
+        <p:nvPr/>
+      </p:nvGrpSpPr>
+      <p:grpSpPr>
+        <a:xfrm>
+          <a:off x="0" y="0"/>
+          <a:ext cx="0" cy="0"/>
+          <a:chOff x="0" y="0"/>
+          <a:chExt cx="0" cy="0"/>
+        </a:xfrm>
+      </p:grpSpPr>
+      <p:sp>
+        <p:nvSpPr>
+          <p:cNvPr id="2" name="Title 1"/>
+          <p:cNvSpPr>
+            <a:spLocks noGrp="1"/>
+          </p:cNvSpPr>
+          <p:nvPr>
+            <p:ph type="title"/>
+          </p:nvPr>
+        </p:nvSpPr>
+        <p:spPr/>
+        <p:txBody>
+          <a:bodyPr/>
+          <a:lstStyle/>
+          <a:p>
+            <a:r>
+              <a:rPr lang="en-US" dirty="0" smtClean="0"/>
+              <a:t>Inheritance using Interface</a:t>
+            </a:r>
+            <a:endParaRPr lang="en-US" dirty="0"/>
+          </a:p>
+        </p:txBody>
+      </p:sp>
+      <p:pic>
+        <p:nvPicPr>
+          <p:cNvPr id="6" name="Content Placeholder 5"/>
+          <p:cNvPicPr>
+            <a:picLocks noGrp="1" noChangeAspect="1"/>
+          </p:cNvPicPr>
+          <p:nvPr>
+            <p:ph idx="1"/>
+          </p:nvPr>
+        </p:nvPicPr>
+        <p:blipFill>
+          <a:blip r:embed="rId2">
+            <a:extLst>
+              <a:ext uri="{28A0092B-C50C-407E-A947-70E740481C1C}">
+                <a14:useLocalDpi xmlns:a14="http://schemas.microsoft.com/office/drawing/2010/main" val="0"/>
+              </a:ext>
+            </a:extLst>
+          </a:blip>
+          <a:stretch>
+            <a:fillRect/>
+          </a:stretch>
+        </p:blipFill>
+        <p:spPr>
+          <a:xfrm>
+            <a:off x="1854072" y="1418301"/>
+            <a:ext cx="7735712" cy="4351338"/>
+          </a:xfrm>
+        </p:spPr>
+      </p:pic>
+    </p:spTree>
+    <p:extLst>
+      <p:ext uri="{BB962C8B-B14F-4D97-AF65-F5344CB8AC3E}">
+        <p14:creationId xmlns:p14="http://schemas.microsoft.com/office/powerpoint/2010/main" val="2157273667"/>
+      </p:ext>
+    </p:extLst>
+  </p:cSld>
+  <p:clrMapOvr>
+    <a:masterClrMapping/>
+  </p:clrMapOvr>
+  <p:timing>
+    <p:tnLst>
+      <p:par>
+        <p:cTn id="1" dur="indefinite" restart="never" nodeType="tmRoot"/>
+      </p:par>
+    </p:tnLst>
+  </p:timing>
+</p:sld>
+</file>
+
+<file path=ppt/slides/slide22.xml><?xml version="1.0" encoding="utf-8"?>
+<p:sld xmlns:a="http://schemas.openxmlformats.org/drawingml/2006/main" xmlns:r="http://schemas.openxmlformats.org/officeDocument/2006/relationships" xmlns:p="http://schemas.openxmlformats.org/presentationml/2006/main">
+  <p:cSld>
+    <p:spTree>
+      <p:nvGrpSpPr>
+        <p:cNvPr id="1" name=""/>
+        <p:cNvGrpSpPr/>
+        <p:nvPr/>
+      </p:nvGrpSpPr>
+      <p:grpSpPr>
+        <a:xfrm>
+          <a:off x="0" y="0"/>
+          <a:ext cx="0" cy="0"/>
+          <a:chOff x="0" y="0"/>
+          <a:chExt cx="0" cy="0"/>
+        </a:xfrm>
+      </p:grpSpPr>
+      <p:sp>
+        <p:nvSpPr>
+          <p:cNvPr id="2" name="Title 1"/>
+          <p:cNvSpPr>
+            <a:spLocks noGrp="1"/>
+          </p:cNvSpPr>
+          <p:nvPr>
+            <p:ph type="title"/>
+          </p:nvPr>
+        </p:nvSpPr>
+        <p:spPr/>
+        <p:txBody>
+          <a:bodyPr/>
+          <a:lstStyle/>
+          <a:p>
+            <a:r>
+              <a:rPr lang="en-US" dirty="0" smtClean="0"/>
+              <a:t>Inheritance using Interface</a:t>
+            </a:r>
+            <a:endParaRPr lang="en-US" dirty="0"/>
+          </a:p>
+        </p:txBody>
+      </p:sp>
+      <p:pic>
+        <p:nvPicPr>
+          <p:cNvPr id="7" name="Content Placeholder 6"/>
+          <p:cNvPicPr>
+            <a:picLocks noGrp="1" noChangeAspect="1"/>
+          </p:cNvPicPr>
+          <p:nvPr>
+            <p:ph idx="1"/>
+          </p:nvPr>
+        </p:nvPicPr>
+        <p:blipFill>
+          <a:blip r:embed="rId2">
+            <a:extLst>
+              <a:ext uri="{28A0092B-C50C-407E-A947-70E740481C1C}">
+                <a14:useLocalDpi xmlns:a14="http://schemas.microsoft.com/office/drawing/2010/main" val="0"/>
+              </a:ext>
+            </a:extLst>
+          </a:blip>
+          <a:stretch>
+            <a:fillRect/>
+          </a:stretch>
+        </p:blipFill>
+        <p:spPr>
+          <a:xfrm>
+            <a:off x="2228144" y="1360112"/>
+            <a:ext cx="7735712" cy="4351338"/>
+          </a:xfrm>
+        </p:spPr>
+      </p:pic>
+    </p:spTree>
+    <p:extLst>
+      <p:ext uri="{BB962C8B-B14F-4D97-AF65-F5344CB8AC3E}">
+        <p14:creationId xmlns:p14="http://schemas.microsoft.com/office/powerpoint/2010/main" val="1391076433"/>
+      </p:ext>
+    </p:extLst>
+  </p:cSld>
+  <p:clrMapOvr>
+    <a:masterClrMapping/>
+  </p:clrMapOvr>
+  <p:timing>
+    <p:tnLst>
+      <p:par>
+        <p:cTn id="1" dur="indefinite" restart="never" nodeType="tmRoot"/>
+      </p:par>
+    </p:tnLst>
+  </p:timing>
 </p:sld>
 </file>
 
@@ -4112,6 +9422,13 @@
   <p:clrMapOvr>
     <a:masterClrMapping/>
   </p:clrMapOvr>
+  <p:timing>
+    <p:tnLst>
+      <p:par>
+        <p:cTn id="1" dur="indefinite" restart="never" nodeType="tmRoot"/>
+      </p:par>
+    </p:tnLst>
+  </p:timing>
 </p:sld>
 </file>
 
@@ -4759,6 +10076,13 @@
   <p:clrMapOvr>
     <a:masterClrMapping/>
   </p:clrMapOvr>
+  <p:timing>
+    <p:tnLst>
+      <p:par>
+        <p:cTn id="1" dur="indefinite" restart="never" nodeType="tmRoot"/>
+      </p:par>
+    </p:tnLst>
+  </p:timing>
 </p:sld>
 </file>
 
@@ -5436,6 +10760,13 @@
   <p:clrMapOvr>
     <a:masterClrMapping/>
   </p:clrMapOvr>
+  <p:timing>
+    <p:tnLst>
+      <p:par>
+        <p:cTn id="1" dur="indefinite" restart="never" nodeType="tmRoot"/>
+      </p:par>
+    </p:tnLst>
+  </p:timing>
 </p:sld>
 </file>
 
@@ -6322,6 +11653,13 @@
   <p:clrMapOvr>
     <a:masterClrMapping/>
   </p:clrMapOvr>
+  <p:timing>
+    <p:tnLst>
+      <p:par>
+        <p:cTn id="1" dur="indefinite" restart="never" nodeType="tmRoot"/>
+      </p:par>
+    </p:tnLst>
+  </p:timing>
 </p:sld>
 </file>
 
@@ -7293,6 +12631,13 @@
   <p:clrMapOvr>
     <a:masterClrMapping/>
   </p:clrMapOvr>
+  <p:timing>
+    <p:tnLst>
+      <p:par>
+        <p:cTn id="1" dur="indefinite" restart="never" nodeType="tmRoot"/>
+      </p:par>
+    </p:tnLst>
+  </p:timing>
 </p:sld>
 </file>
 
@@ -8529,6 +13874,13 @@
   <p:clrMapOvr>
     <a:masterClrMapping/>
   </p:clrMapOvr>
+  <p:timing>
+    <p:tnLst>
+      <p:par>
+        <p:cTn id="1" dur="indefinite" restart="never" nodeType="tmRoot"/>
+      </p:par>
+    </p:tnLst>
+  </p:timing>
 </p:sld>
 </file>
 
@@ -9518,6 +14870,13 @@
   <p:clrMapOvr>
     <a:masterClrMapping/>
   </p:clrMapOvr>
+  <p:timing>
+    <p:tnLst>
+      <p:par>
+        <p:cTn id="1" dur="indefinite" restart="never" nodeType="tmRoot"/>
+      </p:par>
+    </p:tnLst>
+  </p:timing>
 </p:sld>
 </file>
 

--- a/TeachingMaterials/Object Oriented Programming.pptx
+++ b/TeachingMaterials/Object Oriented Programming.pptx
@@ -4,6 +4,12 @@
   <p:sldMasterIdLst>
     <p:sldMasterId id="2147483648" r:id="rId1"/>
   </p:sldMasterIdLst>
+  <p:notesMasterIdLst>
+    <p:notesMasterId r:id="rId27"/>
+  </p:notesMasterIdLst>
+  <p:handoutMasterIdLst>
+    <p:handoutMasterId r:id="rId28"/>
+  </p:handoutMasterIdLst>
   <p:sldIdLst>
     <p:sldId id="256" r:id="rId2"/>
     <p:sldId id="272" r:id="rId3"/>
@@ -19,17 +25,20 @@
     <p:sldId id="274" r:id="rId13"/>
     <p:sldId id="259" r:id="rId14"/>
     <p:sldId id="275" r:id="rId15"/>
-    <p:sldId id="280" r:id="rId16"/>
-    <p:sldId id="260" r:id="rId17"/>
-    <p:sldId id="276" r:id="rId18"/>
-    <p:sldId id="279" r:id="rId19"/>
-    <p:sldId id="269" r:id="rId20"/>
-    <p:sldId id="270" r:id="rId21"/>
-    <p:sldId id="261" r:id="rId22"/>
-    <p:sldId id="262" r:id="rId23"/>
+    <p:sldId id="260" r:id="rId16"/>
+    <p:sldId id="276" r:id="rId17"/>
+    <p:sldId id="284" r:id="rId18"/>
+    <p:sldId id="285" r:id="rId19"/>
+    <p:sldId id="279" r:id="rId20"/>
+    <p:sldId id="269" r:id="rId21"/>
+    <p:sldId id="270" r:id="rId22"/>
+    <p:sldId id="261" r:id="rId23"/>
+    <p:sldId id="262" r:id="rId24"/>
+    <p:sldId id="282" r:id="rId25"/>
+    <p:sldId id="286" r:id="rId26"/>
   </p:sldIdLst>
   <p:sldSz cx="12192000" cy="6858000"/>
-  <p:notesSz cx="6858000" cy="9144000"/>
+  <p:notesSz cx="7008813" cy="9294813"/>
   <p:defaultTextStyle>
     <a:defPPr>
       <a:defRPr lang="en-US"/>
@@ -133,3752 +142,844 @@
 </p:presentation>
 </file>
 
-<file path=ppt/diagrams/colors1.xml><?xml version="1.0" encoding="utf-8"?>
-<dgm:colorsDef xmlns:dgm="http://schemas.openxmlformats.org/drawingml/2006/diagram" xmlns:a="http://schemas.openxmlformats.org/drawingml/2006/main" uniqueId="urn:microsoft.com/office/officeart/2005/8/colors/accent1_2">
-  <dgm:title val=""/>
-  <dgm:desc val=""/>
-  <dgm:catLst>
-    <dgm:cat type="accent1" pri="11200"/>
-  </dgm:catLst>
-  <dgm:styleLbl name="node0">
-    <dgm:fillClrLst meth="repeat">
-      <a:schemeClr val="accent1"/>
-    </dgm:fillClrLst>
-    <dgm:linClrLst meth="repeat">
-      <a:schemeClr val="lt1"/>
-    </dgm:linClrLst>
-    <dgm:effectClrLst/>
-    <dgm:txLinClrLst/>
-    <dgm:txFillClrLst/>
-    <dgm:txEffectClrLst/>
-  </dgm:styleLbl>
-  <dgm:styleLbl name="alignNode1">
-    <dgm:fillClrLst meth="repeat">
-      <a:schemeClr val="accent1"/>
-    </dgm:fillClrLst>
-    <dgm:linClrLst meth="repeat">
-      <a:schemeClr val="accent1"/>
-    </dgm:linClrLst>
-    <dgm:effectClrLst/>
-    <dgm:txLinClrLst/>
-    <dgm:txFillClrLst/>
-    <dgm:txEffectClrLst/>
-  </dgm:styleLbl>
-  <dgm:styleLbl name="node1">
-    <dgm:fillClrLst meth="repeat">
-      <a:schemeClr val="accent1"/>
-    </dgm:fillClrLst>
-    <dgm:linClrLst meth="repeat">
-      <a:schemeClr val="lt1"/>
-    </dgm:linClrLst>
-    <dgm:effectClrLst/>
-    <dgm:txLinClrLst/>
-    <dgm:txFillClrLst/>
-    <dgm:txEffectClrLst/>
-  </dgm:styleLbl>
-  <dgm:styleLbl name="lnNode1">
-    <dgm:fillClrLst meth="repeat">
-      <a:schemeClr val="accent1"/>
-    </dgm:fillClrLst>
-    <dgm:linClrLst meth="repeat">
-      <a:schemeClr val="lt1"/>
-    </dgm:linClrLst>
-    <dgm:effectClrLst/>
-    <dgm:txLinClrLst/>
-    <dgm:txFillClrLst/>
-    <dgm:txEffectClrLst/>
-  </dgm:styleLbl>
-  <dgm:styleLbl name="vennNode1">
-    <dgm:fillClrLst meth="repeat">
-      <a:schemeClr val="accent1">
-        <a:alpha val="50000"/>
-      </a:schemeClr>
-    </dgm:fillClrLst>
-    <dgm:linClrLst meth="repeat">
-      <a:schemeClr val="lt1"/>
-    </dgm:linClrLst>
-    <dgm:effectClrLst/>
-    <dgm:txLinClrLst/>
-    <dgm:txFillClrLst/>
-    <dgm:txEffectClrLst/>
-  </dgm:styleLbl>
-  <dgm:styleLbl name="node2">
-    <dgm:fillClrLst meth="repeat">
-      <a:schemeClr val="accent1"/>
-    </dgm:fillClrLst>
-    <dgm:linClrLst meth="repeat">
-      <a:schemeClr val="lt1"/>
-    </dgm:linClrLst>
-    <dgm:effectClrLst/>
-    <dgm:txLinClrLst/>
-    <dgm:txFillClrLst/>
-    <dgm:txEffectClrLst/>
-  </dgm:styleLbl>
-  <dgm:styleLbl name="node3">
-    <dgm:fillClrLst meth="repeat">
-      <a:schemeClr val="accent1"/>
-    </dgm:fillClrLst>
-    <dgm:linClrLst meth="repeat">
-      <a:schemeClr val="lt1"/>
-    </dgm:linClrLst>
-    <dgm:effectClrLst/>
-    <dgm:txLinClrLst/>
-    <dgm:txFillClrLst/>
-    <dgm:txEffectClrLst/>
-  </dgm:styleLbl>
-  <dgm:styleLbl name="node4">
-    <dgm:fillClrLst meth="repeat">
-      <a:schemeClr val="accent1"/>
-    </dgm:fillClrLst>
-    <dgm:linClrLst meth="repeat">
-      <a:schemeClr val="lt1"/>
-    </dgm:linClrLst>
-    <dgm:effectClrLst/>
-    <dgm:txLinClrLst/>
-    <dgm:txFillClrLst/>
-    <dgm:txEffectClrLst/>
-  </dgm:styleLbl>
-  <dgm:styleLbl name="fgImgPlace1">
-    <dgm:fillClrLst meth="repeat">
-      <a:schemeClr val="accent1">
-        <a:tint val="50000"/>
-      </a:schemeClr>
-    </dgm:fillClrLst>
-    <dgm:linClrLst meth="repeat">
-      <a:schemeClr val="lt1"/>
-    </dgm:linClrLst>
-    <dgm:effectClrLst/>
-    <dgm:txLinClrLst/>
-    <dgm:txFillClrLst meth="repeat">
-      <a:schemeClr val="lt1"/>
-    </dgm:txFillClrLst>
-    <dgm:txEffectClrLst/>
-  </dgm:styleLbl>
-  <dgm:styleLbl name="alignImgPlace1">
-    <dgm:fillClrLst meth="repeat">
-      <a:schemeClr val="accent1">
-        <a:tint val="50000"/>
-      </a:schemeClr>
-    </dgm:fillClrLst>
-    <dgm:linClrLst meth="repeat">
-      <a:schemeClr val="lt1"/>
-    </dgm:linClrLst>
-    <dgm:effectClrLst/>
-    <dgm:txLinClrLst/>
-    <dgm:txFillClrLst meth="repeat">
-      <a:schemeClr val="lt1"/>
-    </dgm:txFillClrLst>
-    <dgm:txEffectClrLst/>
-  </dgm:styleLbl>
-  <dgm:styleLbl name="bgImgPlace1">
-    <dgm:fillClrLst meth="repeat">
-      <a:schemeClr val="accent1">
-        <a:tint val="50000"/>
-      </a:schemeClr>
-    </dgm:fillClrLst>
-    <dgm:linClrLst meth="repeat">
-      <a:schemeClr val="lt1"/>
-    </dgm:linClrLst>
-    <dgm:effectClrLst/>
-    <dgm:txLinClrLst/>
-    <dgm:txFillClrLst meth="repeat">
-      <a:schemeClr val="lt1"/>
-    </dgm:txFillClrLst>
-    <dgm:txEffectClrLst/>
-  </dgm:styleLbl>
-  <dgm:styleLbl name="sibTrans2D1">
-    <dgm:fillClrLst meth="repeat">
-      <a:schemeClr val="accent1">
-        <a:tint val="60000"/>
-      </a:schemeClr>
-    </dgm:fillClrLst>
-    <dgm:linClrLst meth="repeat">
-      <a:schemeClr val="accent1">
-        <a:tint val="60000"/>
-      </a:schemeClr>
-    </dgm:linClrLst>
-    <dgm:effectClrLst/>
-    <dgm:txLinClrLst/>
-    <dgm:txFillClrLst/>
-    <dgm:txEffectClrLst/>
-  </dgm:styleLbl>
-  <dgm:styleLbl name="fgSibTrans2D1">
-    <dgm:fillClrLst meth="repeat">
-      <a:schemeClr val="accent1">
-        <a:tint val="60000"/>
-      </a:schemeClr>
-    </dgm:fillClrLst>
-    <dgm:linClrLst meth="repeat">
-      <a:schemeClr val="accent1">
-        <a:tint val="60000"/>
-      </a:schemeClr>
-    </dgm:linClrLst>
-    <dgm:effectClrLst/>
-    <dgm:txLinClrLst/>
-    <dgm:txFillClrLst/>
-    <dgm:txEffectClrLst/>
-  </dgm:styleLbl>
-  <dgm:styleLbl name="bgSibTrans2D1">
-    <dgm:fillClrLst meth="repeat">
-      <a:schemeClr val="accent1">
-        <a:tint val="60000"/>
-      </a:schemeClr>
-    </dgm:fillClrLst>
-    <dgm:linClrLst meth="repeat">
-      <a:schemeClr val="accent1">
-        <a:tint val="60000"/>
-      </a:schemeClr>
-    </dgm:linClrLst>
-    <dgm:effectClrLst/>
-    <dgm:txLinClrLst/>
-    <dgm:txFillClrLst/>
-    <dgm:txEffectClrLst/>
-  </dgm:styleLbl>
-  <dgm:styleLbl name="sibTrans1D1">
-    <dgm:fillClrLst meth="repeat">
-      <a:schemeClr val="accent1"/>
-    </dgm:fillClrLst>
-    <dgm:linClrLst meth="repeat">
-      <a:schemeClr val="accent1"/>
-    </dgm:linClrLst>
-    <dgm:effectClrLst/>
-    <dgm:txLinClrLst/>
-    <dgm:txFillClrLst meth="repeat">
-      <a:schemeClr val="tx1"/>
-    </dgm:txFillClrLst>
-    <dgm:txEffectClrLst/>
-  </dgm:styleLbl>
-  <dgm:styleLbl name="callout">
-    <dgm:fillClrLst meth="repeat">
-      <a:schemeClr val="accent1"/>
-    </dgm:fillClrLst>
-    <dgm:linClrLst meth="repeat">
-      <a:schemeClr val="accent1">
-        <a:tint val="50000"/>
-      </a:schemeClr>
-    </dgm:linClrLst>
-    <dgm:effectClrLst/>
-    <dgm:txLinClrLst/>
-    <dgm:txFillClrLst meth="repeat">
-      <a:schemeClr val="tx1"/>
-    </dgm:txFillClrLst>
-    <dgm:txEffectClrLst/>
-  </dgm:styleLbl>
-  <dgm:styleLbl name="asst0">
-    <dgm:fillClrLst meth="repeat">
-      <a:schemeClr val="accent1"/>
-    </dgm:fillClrLst>
-    <dgm:linClrLst meth="repeat">
-      <a:schemeClr val="lt1"/>
-    </dgm:linClrLst>
-    <dgm:effectClrLst/>
-    <dgm:txLinClrLst/>
-    <dgm:txFillClrLst/>
-    <dgm:txEffectClrLst/>
-  </dgm:styleLbl>
-  <dgm:styleLbl name="asst1">
-    <dgm:fillClrLst meth="repeat">
-      <a:schemeClr val="accent1"/>
-    </dgm:fillClrLst>
-    <dgm:linClrLst meth="repeat">
-      <a:schemeClr val="lt1"/>
-    </dgm:linClrLst>
-    <dgm:effectClrLst/>
-    <dgm:txLinClrLst/>
-    <dgm:txFillClrLst/>
-    <dgm:txEffectClrLst/>
-  </dgm:styleLbl>
-  <dgm:styleLbl name="asst2">
-    <dgm:fillClrLst meth="repeat">
-      <a:schemeClr val="accent1"/>
-    </dgm:fillClrLst>
-    <dgm:linClrLst meth="repeat">
-      <a:schemeClr val="lt1"/>
-    </dgm:linClrLst>
-    <dgm:effectClrLst/>
-    <dgm:txLinClrLst/>
-    <dgm:txFillClrLst/>
-    <dgm:txEffectClrLst/>
-  </dgm:styleLbl>
-  <dgm:styleLbl name="asst3">
-    <dgm:fillClrLst meth="repeat">
-      <a:schemeClr val="accent1"/>
-    </dgm:fillClrLst>
-    <dgm:linClrLst meth="repeat">
-      <a:schemeClr val="lt1"/>
-    </dgm:linClrLst>
-    <dgm:effectClrLst/>
-    <dgm:txLinClrLst/>
-    <dgm:txFillClrLst/>
-    <dgm:txEffectClrLst/>
-  </dgm:styleLbl>
-  <dgm:styleLbl name="asst4">
-    <dgm:fillClrLst meth="repeat">
-      <a:schemeClr val="accent1"/>
-    </dgm:fillClrLst>
-    <dgm:linClrLst meth="repeat">
-      <a:schemeClr val="lt1"/>
-    </dgm:linClrLst>
-    <dgm:effectClrLst/>
-    <dgm:txLinClrLst/>
-    <dgm:txFillClrLst/>
-    <dgm:txEffectClrLst/>
-  </dgm:styleLbl>
-  <dgm:styleLbl name="parChTrans2D1">
-    <dgm:fillClrLst meth="repeat">
-      <a:schemeClr val="accent1">
-        <a:tint val="60000"/>
-      </a:schemeClr>
-    </dgm:fillClrLst>
-    <dgm:linClrLst meth="repeat">
-      <a:schemeClr val="accent1">
-        <a:tint val="60000"/>
-      </a:schemeClr>
-    </dgm:linClrLst>
-    <dgm:effectClrLst/>
-    <dgm:txLinClrLst/>
-    <dgm:txFillClrLst meth="repeat">
-      <a:schemeClr val="lt1"/>
-    </dgm:txFillClrLst>
-    <dgm:txEffectClrLst/>
-  </dgm:styleLbl>
-  <dgm:styleLbl name="parChTrans2D2">
-    <dgm:fillClrLst meth="repeat">
-      <a:schemeClr val="accent1"/>
-    </dgm:fillClrLst>
-    <dgm:linClrLst meth="repeat">
-      <a:schemeClr val="accent1"/>
-    </dgm:linClrLst>
-    <dgm:effectClrLst/>
-    <dgm:txLinClrLst/>
-    <dgm:txFillClrLst meth="repeat">
-      <a:schemeClr val="lt1"/>
-    </dgm:txFillClrLst>
-    <dgm:txEffectClrLst/>
-  </dgm:styleLbl>
-  <dgm:styleLbl name="parChTrans2D3">
-    <dgm:fillClrLst meth="repeat">
-      <a:schemeClr val="accent1"/>
-    </dgm:fillClrLst>
-    <dgm:linClrLst meth="repeat">
-      <a:schemeClr val="accent1"/>
-    </dgm:linClrLst>
-    <dgm:effectClrLst/>
-    <dgm:txLinClrLst/>
-    <dgm:txFillClrLst meth="repeat">
-      <a:schemeClr val="lt1"/>
-    </dgm:txFillClrLst>
-    <dgm:txEffectClrLst/>
-  </dgm:styleLbl>
-  <dgm:styleLbl name="parChTrans2D4">
-    <dgm:fillClrLst meth="repeat">
-      <a:schemeClr val="accent1"/>
-    </dgm:fillClrLst>
-    <dgm:linClrLst meth="repeat">
-      <a:schemeClr val="accent1"/>
-    </dgm:linClrLst>
-    <dgm:effectClrLst/>
-    <dgm:txLinClrLst/>
-    <dgm:txFillClrLst meth="repeat">
-      <a:schemeClr val="lt1"/>
-    </dgm:txFillClrLst>
-    <dgm:txEffectClrLst/>
-  </dgm:styleLbl>
-  <dgm:styleLbl name="parChTrans1D1">
-    <dgm:fillClrLst meth="repeat">
-      <a:schemeClr val="accent1"/>
-    </dgm:fillClrLst>
-    <dgm:linClrLst meth="repeat">
-      <a:schemeClr val="accent1">
-        <a:shade val="60000"/>
-      </a:schemeClr>
-    </dgm:linClrLst>
-    <dgm:effectClrLst/>
-    <dgm:txLinClrLst/>
-    <dgm:txFillClrLst meth="repeat">
-      <a:schemeClr val="tx1"/>
-    </dgm:txFillClrLst>
-    <dgm:txEffectClrLst/>
-  </dgm:styleLbl>
-  <dgm:styleLbl name="parChTrans1D2">
-    <dgm:fillClrLst meth="repeat">
-      <a:schemeClr val="accent1"/>
-    </dgm:fillClrLst>
-    <dgm:linClrLst meth="repeat">
-      <a:schemeClr val="accent1">
-        <a:shade val="60000"/>
-      </a:schemeClr>
-    </dgm:linClrLst>
-    <dgm:effectClrLst/>
-    <dgm:txLinClrLst/>
-    <dgm:txFillClrLst meth="repeat">
-      <a:schemeClr val="tx1"/>
-    </dgm:txFillClrLst>
-    <dgm:txEffectClrLst/>
-  </dgm:styleLbl>
-  <dgm:styleLbl name="parChTrans1D3">
-    <dgm:fillClrLst meth="repeat">
-      <a:schemeClr val="accent1"/>
-    </dgm:fillClrLst>
-    <dgm:linClrLst meth="repeat">
-      <a:schemeClr val="accent1">
-        <a:shade val="80000"/>
-      </a:schemeClr>
-    </dgm:linClrLst>
-    <dgm:effectClrLst/>
-    <dgm:txLinClrLst/>
-    <dgm:txFillClrLst meth="repeat">
-      <a:schemeClr val="tx1"/>
-    </dgm:txFillClrLst>
-    <dgm:txEffectClrLst/>
-  </dgm:styleLbl>
-  <dgm:styleLbl name="parChTrans1D4">
-    <dgm:fillClrLst meth="repeat">
-      <a:schemeClr val="accent1"/>
-    </dgm:fillClrLst>
-    <dgm:linClrLst meth="repeat">
-      <a:schemeClr val="accent1">
-        <a:shade val="80000"/>
-      </a:schemeClr>
-    </dgm:linClrLst>
-    <dgm:effectClrLst/>
-    <dgm:txLinClrLst/>
-    <dgm:txFillClrLst meth="repeat">
-      <a:schemeClr val="tx1"/>
-    </dgm:txFillClrLst>
-    <dgm:txEffectClrLst/>
-  </dgm:styleLbl>
-  <dgm:styleLbl name="fgAcc1">
-    <dgm:fillClrLst meth="repeat">
-      <a:schemeClr val="lt1">
-        <a:alpha val="90000"/>
-      </a:schemeClr>
-    </dgm:fillClrLst>
-    <dgm:linClrLst meth="repeat">
-      <a:schemeClr val="accent1"/>
-    </dgm:linClrLst>
-    <dgm:effectClrLst/>
-    <dgm:txLinClrLst/>
-    <dgm:txFillClrLst meth="repeat">
-      <a:schemeClr val="dk1"/>
-    </dgm:txFillClrLst>
-    <dgm:txEffectClrLst/>
-  </dgm:styleLbl>
-  <dgm:styleLbl name="conFgAcc1">
-    <dgm:fillClrLst meth="repeat">
-      <a:schemeClr val="lt1">
-        <a:alpha val="90000"/>
-      </a:schemeClr>
-    </dgm:fillClrLst>
-    <dgm:linClrLst meth="repeat">
-      <a:schemeClr val="accent1"/>
-    </dgm:linClrLst>
-    <dgm:effectClrLst/>
-    <dgm:txLinClrLst/>
-    <dgm:txFillClrLst meth="repeat">
-      <a:schemeClr val="dk1"/>
-    </dgm:txFillClrLst>
-    <dgm:txEffectClrLst/>
-  </dgm:styleLbl>
-  <dgm:styleLbl name="alignAcc1">
-    <dgm:fillClrLst meth="repeat">
-      <a:schemeClr val="lt1">
-        <a:alpha val="90000"/>
-      </a:schemeClr>
-    </dgm:fillClrLst>
-    <dgm:linClrLst meth="repeat">
-      <a:schemeClr val="accent1"/>
-    </dgm:linClrLst>
-    <dgm:effectClrLst/>
-    <dgm:txLinClrLst/>
-    <dgm:txFillClrLst meth="repeat">
-      <a:schemeClr val="dk1"/>
-    </dgm:txFillClrLst>
-    <dgm:txEffectClrLst/>
-  </dgm:styleLbl>
-  <dgm:styleLbl name="trAlignAcc1">
-    <dgm:fillClrLst meth="repeat">
-      <a:schemeClr val="lt1">
-        <a:alpha val="40000"/>
-      </a:schemeClr>
-    </dgm:fillClrLst>
-    <dgm:linClrLst meth="repeat">
-      <a:schemeClr val="accent1"/>
-    </dgm:linClrLst>
-    <dgm:effectClrLst/>
-    <dgm:txLinClrLst/>
-    <dgm:txFillClrLst meth="repeat">
-      <a:schemeClr val="dk1"/>
-    </dgm:txFillClrLst>
-    <dgm:txEffectClrLst/>
-  </dgm:styleLbl>
-  <dgm:styleLbl name="bgAcc1">
-    <dgm:fillClrLst meth="repeat">
-      <a:schemeClr val="lt1">
-        <a:alpha val="90000"/>
-      </a:schemeClr>
-    </dgm:fillClrLst>
-    <dgm:linClrLst meth="repeat">
-      <a:schemeClr val="accent1"/>
-    </dgm:linClrLst>
-    <dgm:effectClrLst/>
-    <dgm:txLinClrLst/>
-    <dgm:txFillClrLst meth="repeat">
-      <a:schemeClr val="dk1"/>
-    </dgm:txFillClrLst>
-    <dgm:txEffectClrLst/>
-  </dgm:styleLbl>
-  <dgm:styleLbl name="solidFgAcc1">
-    <dgm:fillClrLst meth="repeat">
-      <a:schemeClr val="lt1"/>
-    </dgm:fillClrLst>
-    <dgm:linClrLst meth="repeat">
-      <a:schemeClr val="accent1"/>
-    </dgm:linClrLst>
-    <dgm:effectClrLst/>
-    <dgm:txLinClrLst/>
-    <dgm:txFillClrLst meth="repeat">
-      <a:schemeClr val="dk1"/>
-    </dgm:txFillClrLst>
-    <dgm:txEffectClrLst/>
-  </dgm:styleLbl>
-  <dgm:styleLbl name="solidAlignAcc1">
-    <dgm:fillClrLst meth="repeat">
-      <a:schemeClr val="lt1"/>
-    </dgm:fillClrLst>
-    <dgm:linClrLst meth="repeat">
-      <a:schemeClr val="accent1"/>
-    </dgm:linClrLst>
-    <dgm:effectClrLst/>
-    <dgm:txLinClrLst/>
-    <dgm:txFillClrLst meth="repeat">
-      <a:schemeClr val="dk1"/>
-    </dgm:txFillClrLst>
-    <dgm:txEffectClrLst/>
-  </dgm:styleLbl>
-  <dgm:styleLbl name="solidBgAcc1">
-    <dgm:fillClrLst meth="repeat">
-      <a:schemeClr val="lt1"/>
-    </dgm:fillClrLst>
-    <dgm:linClrLst meth="repeat">
-      <a:schemeClr val="accent1"/>
-    </dgm:linClrLst>
-    <dgm:effectClrLst/>
-    <dgm:txLinClrLst/>
-    <dgm:txFillClrLst meth="repeat">
-      <a:schemeClr val="dk1"/>
-    </dgm:txFillClrLst>
-    <dgm:txEffectClrLst/>
-  </dgm:styleLbl>
-  <dgm:styleLbl name="fgAccFollowNode1">
-    <dgm:fillClrLst meth="repeat">
-      <a:schemeClr val="accent1">
-        <a:alpha val="90000"/>
-        <a:tint val="40000"/>
-      </a:schemeClr>
-    </dgm:fillClrLst>
-    <dgm:linClrLst meth="repeat">
-      <a:schemeClr val="accent1">
-        <a:alpha val="90000"/>
-        <a:tint val="40000"/>
-      </a:schemeClr>
-    </dgm:linClrLst>
-    <dgm:effectClrLst/>
-    <dgm:txLinClrLst/>
-    <dgm:txFillClrLst meth="repeat">
-      <a:schemeClr val="dk1"/>
-    </dgm:txFillClrLst>
-    <dgm:txEffectClrLst/>
-  </dgm:styleLbl>
-  <dgm:styleLbl name="alignAccFollowNode1">
-    <dgm:fillClrLst meth="repeat">
-      <a:schemeClr val="accent1">
-        <a:alpha val="90000"/>
-        <a:tint val="40000"/>
-      </a:schemeClr>
-    </dgm:fillClrLst>
-    <dgm:linClrLst meth="repeat">
-      <a:schemeClr val="accent1">
-        <a:alpha val="90000"/>
-        <a:tint val="40000"/>
-      </a:schemeClr>
-    </dgm:linClrLst>
-    <dgm:effectClrLst/>
-    <dgm:txLinClrLst/>
-    <dgm:txFillClrLst meth="repeat">
-      <a:schemeClr val="dk1"/>
-    </dgm:txFillClrLst>
-    <dgm:txEffectClrLst/>
-  </dgm:styleLbl>
-  <dgm:styleLbl name="bgAccFollowNode1">
-    <dgm:fillClrLst meth="repeat">
-      <a:schemeClr val="accent1">
-        <a:alpha val="90000"/>
-        <a:tint val="40000"/>
-      </a:schemeClr>
-    </dgm:fillClrLst>
-    <dgm:linClrLst meth="repeat">
-      <a:schemeClr val="accent1">
-        <a:alpha val="90000"/>
-        <a:tint val="40000"/>
-      </a:schemeClr>
-    </dgm:linClrLst>
-    <dgm:effectClrLst/>
-    <dgm:txLinClrLst/>
-    <dgm:txFillClrLst meth="repeat">
-      <a:schemeClr val="dk1"/>
-    </dgm:txFillClrLst>
-    <dgm:txEffectClrLst/>
-  </dgm:styleLbl>
-  <dgm:styleLbl name="fgAcc0">
-    <dgm:fillClrLst meth="repeat">
-      <a:schemeClr val="lt1">
-        <a:alpha val="90000"/>
-      </a:schemeClr>
-    </dgm:fillClrLst>
-    <dgm:linClrLst meth="repeat">
-      <a:schemeClr val="accent1"/>
-    </dgm:linClrLst>
-    <dgm:effectClrLst/>
-    <dgm:txLinClrLst/>
-    <dgm:txFillClrLst meth="repeat">
-      <a:schemeClr val="dk1"/>
-    </dgm:txFillClrLst>
-    <dgm:txEffectClrLst/>
-  </dgm:styleLbl>
-  <dgm:styleLbl name="fgAcc2">
-    <dgm:fillClrLst meth="repeat">
-      <a:schemeClr val="lt1">
-        <a:alpha val="90000"/>
-      </a:schemeClr>
-    </dgm:fillClrLst>
-    <dgm:linClrLst meth="repeat">
-      <a:schemeClr val="accent1"/>
-    </dgm:linClrLst>
-    <dgm:effectClrLst/>
-    <dgm:txLinClrLst/>
-    <dgm:txFillClrLst meth="repeat">
-      <a:schemeClr val="dk1"/>
-    </dgm:txFillClrLst>
-    <dgm:txEffectClrLst/>
-  </dgm:styleLbl>
-  <dgm:styleLbl name="fgAcc3">
-    <dgm:fillClrLst meth="repeat">
-      <a:schemeClr val="lt1">
-        <a:alpha val="90000"/>
-      </a:schemeClr>
-    </dgm:fillClrLst>
-    <dgm:linClrLst meth="repeat">
-      <a:schemeClr val="accent1"/>
-    </dgm:linClrLst>
-    <dgm:effectClrLst/>
-    <dgm:txLinClrLst/>
-    <dgm:txFillClrLst meth="repeat">
-      <a:schemeClr val="dk1"/>
-    </dgm:txFillClrLst>
-    <dgm:txEffectClrLst/>
-  </dgm:styleLbl>
-  <dgm:styleLbl name="fgAcc4">
-    <dgm:fillClrLst meth="repeat">
-      <a:schemeClr val="lt1">
-        <a:alpha val="90000"/>
-      </a:schemeClr>
-    </dgm:fillClrLst>
-    <dgm:linClrLst meth="repeat">
-      <a:schemeClr val="accent1"/>
-    </dgm:linClrLst>
-    <dgm:effectClrLst/>
-    <dgm:txLinClrLst/>
-    <dgm:txFillClrLst meth="repeat">
-      <a:schemeClr val="dk1"/>
-    </dgm:txFillClrLst>
-    <dgm:txEffectClrLst/>
-  </dgm:styleLbl>
-  <dgm:styleLbl name="bgShp">
-    <dgm:fillClrLst meth="repeat">
-      <a:schemeClr val="accent1">
-        <a:tint val="40000"/>
-      </a:schemeClr>
-    </dgm:fillClrLst>
-    <dgm:linClrLst meth="repeat">
-      <a:schemeClr val="accent1"/>
-    </dgm:linClrLst>
-    <dgm:effectClrLst/>
-    <dgm:txLinClrLst/>
-    <dgm:txFillClrLst meth="repeat">
-      <a:schemeClr val="dk1"/>
-    </dgm:txFillClrLst>
-    <dgm:txEffectClrLst/>
-  </dgm:styleLbl>
-  <dgm:styleLbl name="dkBgShp">
-    <dgm:fillClrLst meth="repeat">
-      <a:schemeClr val="accent1">
-        <a:shade val="80000"/>
-      </a:schemeClr>
-    </dgm:fillClrLst>
-    <dgm:linClrLst meth="repeat">
-      <a:schemeClr val="accent1"/>
-    </dgm:linClrLst>
-    <dgm:effectClrLst/>
-    <dgm:txLinClrLst/>
-    <dgm:txFillClrLst meth="repeat">
-      <a:schemeClr val="lt1"/>
-    </dgm:txFillClrLst>
-    <dgm:txEffectClrLst/>
-  </dgm:styleLbl>
-  <dgm:styleLbl name="trBgShp">
-    <dgm:fillClrLst meth="repeat">
-      <a:schemeClr val="accent1">
-        <a:tint val="50000"/>
-        <a:alpha val="40000"/>
-      </a:schemeClr>
-    </dgm:fillClrLst>
-    <dgm:linClrLst meth="repeat">
-      <a:schemeClr val="accent1"/>
-    </dgm:linClrLst>
-    <dgm:effectClrLst/>
-    <dgm:txLinClrLst/>
-    <dgm:txFillClrLst meth="repeat">
-      <a:schemeClr val="lt1"/>
-    </dgm:txFillClrLst>
-    <dgm:txEffectClrLst/>
-  </dgm:styleLbl>
-  <dgm:styleLbl name="fgShp">
-    <dgm:fillClrLst meth="repeat">
-      <a:schemeClr val="accent1">
-        <a:tint val="60000"/>
-      </a:schemeClr>
-    </dgm:fillClrLst>
-    <dgm:linClrLst meth="repeat">
-      <a:schemeClr val="lt1"/>
-    </dgm:linClrLst>
-    <dgm:effectClrLst/>
-    <dgm:txLinClrLst/>
-    <dgm:txFillClrLst meth="repeat">
-      <a:schemeClr val="dk1"/>
-    </dgm:txFillClrLst>
-    <dgm:txEffectClrLst/>
-  </dgm:styleLbl>
-  <dgm:styleLbl name="revTx">
-    <dgm:fillClrLst meth="repeat">
-      <a:schemeClr val="lt1">
-        <a:alpha val="0"/>
-      </a:schemeClr>
-    </dgm:fillClrLst>
-    <dgm:linClrLst meth="repeat">
-      <a:schemeClr val="dk1">
-        <a:alpha val="0"/>
-      </a:schemeClr>
-    </dgm:linClrLst>
-    <dgm:effectClrLst/>
-    <dgm:txLinClrLst/>
-    <dgm:txFillClrLst meth="repeat">
-      <a:schemeClr val="tx1"/>
-    </dgm:txFillClrLst>
-    <dgm:txEffectClrLst/>
-  </dgm:styleLbl>
-</dgm:colorsDef>
+<file path=ppt/handoutMasters/handoutMaster1.xml><?xml version="1.0" encoding="utf-8"?>
+<p:handoutMaster xmlns:a="http://schemas.openxmlformats.org/drawingml/2006/main" xmlns:r="http://schemas.openxmlformats.org/officeDocument/2006/relationships" xmlns:p="http://schemas.openxmlformats.org/presentationml/2006/main">
+  <p:cSld>
+    <p:bg>
+      <p:bgRef idx="1001">
+        <a:schemeClr val="bg1"/>
+      </p:bgRef>
+    </p:bg>
+    <p:spTree>
+      <p:nvGrpSpPr>
+        <p:cNvPr id="1" name=""/>
+        <p:cNvGrpSpPr/>
+        <p:nvPr/>
+      </p:nvGrpSpPr>
+      <p:grpSpPr>
+        <a:xfrm>
+          <a:off x="0" y="0"/>
+          <a:ext cx="0" cy="0"/>
+          <a:chOff x="0" y="0"/>
+          <a:chExt cx="0" cy="0"/>
+        </a:xfrm>
+      </p:grpSpPr>
+      <p:sp>
+        <p:nvSpPr>
+          <p:cNvPr id="2" name="Header Placeholder 1"/>
+          <p:cNvSpPr>
+            <a:spLocks noGrp="1"/>
+          </p:cNvSpPr>
+          <p:nvPr>
+            <p:ph type="hdr" sz="quarter"/>
+          </p:nvPr>
+        </p:nvSpPr>
+        <p:spPr>
+          <a:xfrm>
+            <a:off x="0" y="0"/>
+            <a:ext cx="3037152" cy="466355"/>
+          </a:xfrm>
+          <a:prstGeom prst="rect">
+            <a:avLst/>
+          </a:prstGeom>
+        </p:spPr>
+        <p:txBody>
+          <a:bodyPr vert="horz" lIns="93159" tIns="46580" rIns="93159" bIns="46580" rtlCol="0"/>
+          <a:lstStyle>
+            <a:lvl1pPr algn="l">
+              <a:defRPr sz="1200"/>
+            </a:lvl1pPr>
+          </a:lstStyle>
+          <a:p>
+            <a:r>
+              <a:rPr lang="en-US"/>
+              <a:t>https://github.com/mcjavabootcamp/BuildACastle</a:t>
+            </a:r>
+          </a:p>
+        </p:txBody>
+      </p:sp>
+      <p:sp>
+        <p:nvSpPr>
+          <p:cNvPr id="3" name="Date Placeholder 2"/>
+          <p:cNvSpPr>
+            <a:spLocks noGrp="1"/>
+          </p:cNvSpPr>
+          <p:nvPr>
+            <p:ph type="dt" sz="quarter" idx="1"/>
+          </p:nvPr>
+        </p:nvSpPr>
+        <p:spPr>
+          <a:xfrm>
+            <a:off x="3970039" y="0"/>
+            <a:ext cx="3037152" cy="466355"/>
+          </a:xfrm>
+          <a:prstGeom prst="rect">
+            <a:avLst/>
+          </a:prstGeom>
+        </p:spPr>
+        <p:txBody>
+          <a:bodyPr vert="horz" lIns="93159" tIns="46580" rIns="93159" bIns="46580" rtlCol="0"/>
+          <a:lstStyle>
+            <a:lvl1pPr algn="r">
+              <a:defRPr sz="1200"/>
+            </a:lvl1pPr>
+          </a:lstStyle>
+          <a:p>
+            <a:fld id="{F0CF1044-3171-41E6-9850-16A139A4A891}" type="datetimeFigureOut">
+              <a:rPr lang="en-US" smtClean="0"/>
+              <a:t>10/21/2019</a:t>
+            </a:fld>
+            <a:endParaRPr lang="en-US"/>
+          </a:p>
+        </p:txBody>
+      </p:sp>
+      <p:sp>
+        <p:nvSpPr>
+          <p:cNvPr id="4" name="Footer Placeholder 3"/>
+          <p:cNvSpPr>
+            <a:spLocks noGrp="1"/>
+          </p:cNvSpPr>
+          <p:nvPr>
+            <p:ph type="ftr" sz="quarter" idx="2"/>
+          </p:nvPr>
+        </p:nvSpPr>
+        <p:spPr>
+          <a:xfrm>
+            <a:off x="0" y="8828460"/>
+            <a:ext cx="3037152" cy="466354"/>
+          </a:xfrm>
+          <a:prstGeom prst="rect">
+            <a:avLst/>
+          </a:prstGeom>
+        </p:spPr>
+        <p:txBody>
+          <a:bodyPr vert="horz" lIns="93159" tIns="46580" rIns="93159" bIns="46580" rtlCol="0" anchor="b"/>
+          <a:lstStyle>
+            <a:lvl1pPr algn="l">
+              <a:defRPr sz="1200"/>
+            </a:lvl1pPr>
+          </a:lstStyle>
+          <a:p>
+            <a:endParaRPr lang="en-US"/>
+          </a:p>
+        </p:txBody>
+      </p:sp>
+      <p:sp>
+        <p:nvSpPr>
+          <p:cNvPr id="5" name="Slide Number Placeholder 4"/>
+          <p:cNvSpPr>
+            <a:spLocks noGrp="1"/>
+          </p:cNvSpPr>
+          <p:nvPr>
+            <p:ph type="sldNum" sz="quarter" idx="3"/>
+          </p:nvPr>
+        </p:nvSpPr>
+        <p:spPr>
+          <a:xfrm>
+            <a:off x="3970039" y="8828460"/>
+            <a:ext cx="3037152" cy="466354"/>
+          </a:xfrm>
+          <a:prstGeom prst="rect">
+            <a:avLst/>
+          </a:prstGeom>
+        </p:spPr>
+        <p:txBody>
+          <a:bodyPr vert="horz" lIns="93159" tIns="46580" rIns="93159" bIns="46580" rtlCol="0" anchor="b"/>
+          <a:lstStyle>
+            <a:lvl1pPr algn="r">
+              <a:defRPr sz="1200"/>
+            </a:lvl1pPr>
+          </a:lstStyle>
+          <a:p>
+            <a:fld id="{08A2CA0A-758F-4ADE-AEC9-B081B9D86C66}" type="slidenum">
+              <a:rPr lang="en-US" smtClean="0"/>
+              <a:t>‹#›</a:t>
+            </a:fld>
+            <a:endParaRPr lang="en-US"/>
+          </a:p>
+        </p:txBody>
+      </p:sp>
+    </p:spTree>
+    <p:extLst>
+      <p:ext uri="{BB962C8B-B14F-4D97-AF65-F5344CB8AC3E}">
+        <p14:creationId xmlns:p14="http://schemas.microsoft.com/office/powerpoint/2010/main" val="2079424954"/>
+      </p:ext>
+    </p:extLst>
+  </p:cSld>
+  <p:clrMap bg1="lt1" tx1="dk1" bg2="lt2" tx2="dk2" accent1="accent1" accent2="accent2" accent3="accent3" accent4="accent4" accent5="accent5" accent6="accent6" hlink="hlink" folHlink="folHlink"/>
+  <p:hf ftr="0" dt="0"/>
+</p:handoutMaster>
 </file>
 
-<file path=ppt/diagrams/data1.xml><?xml version="1.0" encoding="utf-8"?>
-<dgm:dataModel xmlns:dgm="http://schemas.openxmlformats.org/drawingml/2006/diagram" xmlns:a="http://schemas.openxmlformats.org/drawingml/2006/main">
-  <dgm:ptLst>
-    <dgm:pt modelId="{EF132517-3220-4701-BBC7-819645313920}" type="doc">
-      <dgm:prSet loTypeId="urn:microsoft.com/office/officeart/2009/layout/CirclePictureHierarchy" loCatId="hierarchy" qsTypeId="urn:microsoft.com/office/officeart/2005/8/quickstyle/simple1" qsCatId="simple" csTypeId="urn:microsoft.com/office/officeart/2005/8/colors/accent1_2" csCatId="accent1" phldr="0"/>
-      <dgm:spPr/>
-      <dgm:t>
-        <a:bodyPr/>
-        <a:lstStyle/>
-        <a:p>
-          <a:endParaRPr lang="en-US"/>
-        </a:p>
-      </dgm:t>
-    </dgm:pt>
-    <dgm:pt modelId="{EF885D66-C8A3-4CD8-B132-E79CFA5F57FF}">
-      <dgm:prSet phldrT="[Text]" phldr="1"/>
-      <dgm:spPr/>
-      <dgm:t>
-        <a:bodyPr/>
-        <a:lstStyle/>
-        <a:p>
-          <a:endParaRPr lang="en-US"/>
-        </a:p>
-      </dgm:t>
-    </dgm:pt>
-    <dgm:pt modelId="{A5E561E8-12C8-4306-AB6E-8C6FBAE8AF71}" type="parTrans" cxnId="{30F0B092-D587-491E-976D-8F8F8D83E4F0}">
-      <dgm:prSet/>
-      <dgm:spPr/>
-      <dgm:t>
-        <a:bodyPr/>
-        <a:lstStyle/>
-        <a:p>
-          <a:endParaRPr lang="en-US"/>
-        </a:p>
-      </dgm:t>
-    </dgm:pt>
-    <dgm:pt modelId="{473A94C4-13BC-4553-A452-632F63B1D0C4}" type="sibTrans" cxnId="{30F0B092-D587-491E-976D-8F8F8D83E4F0}">
-      <dgm:prSet/>
-      <dgm:spPr/>
-      <dgm:t>
-        <a:bodyPr/>
-        <a:lstStyle/>
-        <a:p>
-          <a:endParaRPr lang="en-US"/>
-        </a:p>
-      </dgm:t>
-    </dgm:pt>
-    <dgm:pt modelId="{A50ED454-74F0-455C-9DA1-4B6B9760BB7D}">
-      <dgm:prSet phldrT="[Text]" phldr="1"/>
-      <dgm:spPr/>
-      <dgm:t>
-        <a:bodyPr/>
-        <a:lstStyle/>
-        <a:p>
-          <a:endParaRPr lang="en-US"/>
-        </a:p>
-      </dgm:t>
-    </dgm:pt>
-    <dgm:pt modelId="{9DC53156-EE53-484D-AF97-0B3E15718F24}" type="parTrans" cxnId="{5A4FF57B-F11E-4B4E-B848-4DDDEED218F3}">
-      <dgm:prSet/>
-      <dgm:spPr/>
-      <dgm:t>
-        <a:bodyPr/>
-        <a:lstStyle/>
-        <a:p>
-          <a:endParaRPr lang="en-US"/>
-        </a:p>
-      </dgm:t>
-    </dgm:pt>
-    <dgm:pt modelId="{F4846E75-FD04-4A3B-AD5F-3D8B79AA31AC}" type="sibTrans" cxnId="{5A4FF57B-F11E-4B4E-B848-4DDDEED218F3}">
-      <dgm:prSet/>
-      <dgm:spPr/>
-      <dgm:t>
-        <a:bodyPr/>
-        <a:lstStyle/>
-        <a:p>
-          <a:endParaRPr lang="en-US"/>
-        </a:p>
-      </dgm:t>
-    </dgm:pt>
-    <dgm:pt modelId="{2A85E38F-D802-4982-8DC7-D2D6DD04FF24}">
-      <dgm:prSet phldrT="[Text]" phldr="1"/>
-      <dgm:spPr/>
-      <dgm:t>
-        <a:bodyPr/>
-        <a:lstStyle/>
-        <a:p>
-          <a:endParaRPr lang="en-US"/>
-        </a:p>
-      </dgm:t>
-    </dgm:pt>
-    <dgm:pt modelId="{B55888B8-87CD-413C-BC65-D00C6D8E790E}" type="parTrans" cxnId="{530AF61F-92E2-4BF4-9E30-1E7C887D7213}">
-      <dgm:prSet/>
-      <dgm:spPr/>
-      <dgm:t>
-        <a:bodyPr/>
-        <a:lstStyle/>
-        <a:p>
-          <a:endParaRPr lang="en-US"/>
-        </a:p>
-      </dgm:t>
-    </dgm:pt>
-    <dgm:pt modelId="{68144148-F7A2-4F9D-9357-0BC688270EEA}" type="sibTrans" cxnId="{530AF61F-92E2-4BF4-9E30-1E7C887D7213}">
-      <dgm:prSet/>
-      <dgm:spPr/>
-      <dgm:t>
-        <a:bodyPr/>
-        <a:lstStyle/>
-        <a:p>
-          <a:endParaRPr lang="en-US"/>
-        </a:p>
-      </dgm:t>
-    </dgm:pt>
-    <dgm:pt modelId="{95EF6D42-0BD9-4784-BAB4-5C08184BFA71}">
-      <dgm:prSet phldrT="[Text]" phldr="1"/>
-      <dgm:spPr/>
-      <dgm:t>
-        <a:bodyPr/>
-        <a:lstStyle/>
-        <a:p>
-          <a:endParaRPr lang="en-US"/>
-        </a:p>
-      </dgm:t>
-    </dgm:pt>
-    <dgm:pt modelId="{E751EA79-FDE5-47CB-9200-B21E11FA2F97}" type="parTrans" cxnId="{FEDF24FE-C5EF-4E32-9E40-3F3E10F1B03C}">
-      <dgm:prSet/>
-      <dgm:spPr/>
-      <dgm:t>
-        <a:bodyPr/>
-        <a:lstStyle/>
-        <a:p>
-          <a:endParaRPr lang="en-US"/>
-        </a:p>
-      </dgm:t>
-    </dgm:pt>
-    <dgm:pt modelId="{77CC3885-1891-4C4C-9C9B-AEC832A389C9}" type="sibTrans" cxnId="{FEDF24FE-C5EF-4E32-9E40-3F3E10F1B03C}">
-      <dgm:prSet/>
-      <dgm:spPr/>
-      <dgm:t>
-        <a:bodyPr/>
-        <a:lstStyle/>
-        <a:p>
-          <a:endParaRPr lang="en-US"/>
-        </a:p>
-      </dgm:t>
-    </dgm:pt>
-    <dgm:pt modelId="{F82505DA-08F0-4975-82BE-F42119B73A1F}">
-      <dgm:prSet phldrT="[Text]" phldr="1"/>
-      <dgm:spPr/>
-      <dgm:t>
-        <a:bodyPr/>
-        <a:lstStyle/>
-        <a:p>
-          <a:endParaRPr lang="en-US"/>
-        </a:p>
-      </dgm:t>
-    </dgm:pt>
-    <dgm:pt modelId="{E5864822-2E05-42CB-A9B9-36BDFC019482}" type="parTrans" cxnId="{CFB29363-142C-471F-8B14-1A6757B64EA2}">
-      <dgm:prSet/>
-      <dgm:spPr/>
-      <dgm:t>
-        <a:bodyPr/>
-        <a:lstStyle/>
-        <a:p>
-          <a:endParaRPr lang="en-US"/>
-        </a:p>
-      </dgm:t>
-    </dgm:pt>
-    <dgm:pt modelId="{FC8C7142-21FF-422D-9450-A0167C9E1BC6}" type="sibTrans" cxnId="{CFB29363-142C-471F-8B14-1A6757B64EA2}">
-      <dgm:prSet/>
-      <dgm:spPr/>
-      <dgm:t>
-        <a:bodyPr/>
-        <a:lstStyle/>
-        <a:p>
-          <a:endParaRPr lang="en-US"/>
-        </a:p>
-      </dgm:t>
-    </dgm:pt>
-    <dgm:pt modelId="{3BA4C0AC-3F49-474C-ABD7-73E7866A54DA}">
-      <dgm:prSet phldrT="[Text]" phldr="1"/>
-      <dgm:spPr/>
-      <dgm:t>
-        <a:bodyPr/>
-        <a:lstStyle/>
-        <a:p>
-          <a:endParaRPr lang="en-US"/>
-        </a:p>
-      </dgm:t>
-    </dgm:pt>
-    <dgm:pt modelId="{05B9AE23-30FF-4E94-AEE5-C9AD5D404053}" type="parTrans" cxnId="{CE9C95E7-CC87-4A5E-B336-790DBF474F3A}">
-      <dgm:prSet/>
-      <dgm:spPr/>
-      <dgm:t>
-        <a:bodyPr/>
-        <a:lstStyle/>
-        <a:p>
-          <a:endParaRPr lang="en-US"/>
-        </a:p>
-      </dgm:t>
-    </dgm:pt>
-    <dgm:pt modelId="{67EFF7AE-0AA3-4A97-87EB-FAEFB431FFE4}" type="sibTrans" cxnId="{CE9C95E7-CC87-4A5E-B336-790DBF474F3A}">
-      <dgm:prSet/>
-      <dgm:spPr/>
-      <dgm:t>
-        <a:bodyPr/>
-        <a:lstStyle/>
-        <a:p>
-          <a:endParaRPr lang="en-US"/>
-        </a:p>
-      </dgm:t>
-    </dgm:pt>
-    <dgm:pt modelId="{BF704F99-1B5C-4237-B829-97E0735F51CB}" type="pres">
-      <dgm:prSet presAssocID="{EF132517-3220-4701-BBC7-819645313920}" presName="hierChild1" presStyleCnt="0">
-        <dgm:presLayoutVars>
-          <dgm:chPref val="1"/>
-          <dgm:dir/>
-          <dgm:animOne val="branch"/>
-          <dgm:animLvl val="lvl"/>
-          <dgm:resizeHandles/>
-        </dgm:presLayoutVars>
-      </dgm:prSet>
-      <dgm:spPr/>
-    </dgm:pt>
-    <dgm:pt modelId="{7B963062-DFA3-438A-B5A2-2D2349B5A4D3}" type="pres">
-      <dgm:prSet presAssocID="{EF885D66-C8A3-4CD8-B132-E79CFA5F57FF}" presName="hierRoot1" presStyleCnt="0"/>
-      <dgm:spPr/>
-    </dgm:pt>
-    <dgm:pt modelId="{7D3E997C-F13B-40B1-9562-6044520E219E}" type="pres">
-      <dgm:prSet presAssocID="{EF885D66-C8A3-4CD8-B132-E79CFA5F57FF}" presName="composite" presStyleCnt="0"/>
-      <dgm:spPr/>
-    </dgm:pt>
-    <dgm:pt modelId="{638E82CF-55AE-4862-816D-A6BB800B232B}" type="pres">
-      <dgm:prSet presAssocID="{EF885D66-C8A3-4CD8-B132-E79CFA5F57FF}" presName="image" presStyleLbl="node0" presStyleIdx="0" presStyleCnt="1"/>
-      <dgm:spPr/>
-    </dgm:pt>
-    <dgm:pt modelId="{C326757F-1024-4D5A-A7A0-B14D13732027}" type="pres">
-      <dgm:prSet presAssocID="{EF885D66-C8A3-4CD8-B132-E79CFA5F57FF}" presName="text" presStyleLbl="revTx" presStyleIdx="0" presStyleCnt="6">
-        <dgm:presLayoutVars>
-          <dgm:chPref val="3"/>
-        </dgm:presLayoutVars>
-      </dgm:prSet>
-      <dgm:spPr/>
-    </dgm:pt>
-    <dgm:pt modelId="{209CB341-8EC8-4BE0-851A-85C5D3290154}" type="pres">
-      <dgm:prSet presAssocID="{EF885D66-C8A3-4CD8-B132-E79CFA5F57FF}" presName="hierChild2" presStyleCnt="0"/>
-      <dgm:spPr/>
-    </dgm:pt>
-    <dgm:pt modelId="{79958511-BDF2-41B3-B1A8-2D719DC66AEB}" type="pres">
-      <dgm:prSet presAssocID="{9DC53156-EE53-484D-AF97-0B3E15718F24}" presName="Name10" presStyleLbl="parChTrans1D2" presStyleIdx="0" presStyleCnt="2"/>
-      <dgm:spPr/>
-    </dgm:pt>
-    <dgm:pt modelId="{378EEB8E-3CF2-462C-B2BE-EA91BF13BD6A}" type="pres">
-      <dgm:prSet presAssocID="{A50ED454-74F0-455C-9DA1-4B6B9760BB7D}" presName="hierRoot2" presStyleCnt="0"/>
-      <dgm:spPr/>
-    </dgm:pt>
-    <dgm:pt modelId="{7C717012-E13F-4572-8F0E-CF316F91F536}" type="pres">
-      <dgm:prSet presAssocID="{A50ED454-74F0-455C-9DA1-4B6B9760BB7D}" presName="composite2" presStyleCnt="0"/>
-      <dgm:spPr/>
-    </dgm:pt>
-    <dgm:pt modelId="{2DF5FA19-5CBB-43FA-9423-D10AB6AEFF24}" type="pres">
-      <dgm:prSet presAssocID="{A50ED454-74F0-455C-9DA1-4B6B9760BB7D}" presName="image2" presStyleLbl="node2" presStyleIdx="0" presStyleCnt="2"/>
-      <dgm:spPr/>
-    </dgm:pt>
-    <dgm:pt modelId="{45A9FB55-75B8-4B3B-9201-A336E3EFFB58}" type="pres">
-      <dgm:prSet presAssocID="{A50ED454-74F0-455C-9DA1-4B6B9760BB7D}" presName="text2" presStyleLbl="revTx" presStyleIdx="1" presStyleCnt="6">
-        <dgm:presLayoutVars>
-          <dgm:chPref val="3"/>
-        </dgm:presLayoutVars>
-      </dgm:prSet>
-      <dgm:spPr/>
-    </dgm:pt>
-    <dgm:pt modelId="{29C95432-28CB-4F74-A627-8BB6A55DC592}" type="pres">
-      <dgm:prSet presAssocID="{A50ED454-74F0-455C-9DA1-4B6B9760BB7D}" presName="hierChild3" presStyleCnt="0"/>
-      <dgm:spPr/>
-    </dgm:pt>
-    <dgm:pt modelId="{D95A4449-6997-4422-9712-A60F3C4780AB}" type="pres">
-      <dgm:prSet presAssocID="{B55888B8-87CD-413C-BC65-D00C6D8E790E}" presName="Name17" presStyleLbl="parChTrans1D3" presStyleIdx="0" presStyleCnt="3"/>
-      <dgm:spPr/>
-    </dgm:pt>
-    <dgm:pt modelId="{70D0E238-B2F4-463C-A62A-659E5B007AF7}" type="pres">
-      <dgm:prSet presAssocID="{2A85E38F-D802-4982-8DC7-D2D6DD04FF24}" presName="hierRoot3" presStyleCnt="0"/>
-      <dgm:spPr/>
-    </dgm:pt>
-    <dgm:pt modelId="{8AFC34B3-C8CE-409E-ADC6-D4489E13F899}" type="pres">
-      <dgm:prSet presAssocID="{2A85E38F-D802-4982-8DC7-D2D6DD04FF24}" presName="composite3" presStyleCnt="0"/>
-      <dgm:spPr/>
-    </dgm:pt>
-    <dgm:pt modelId="{D740079B-5ADA-4C72-9B24-EF893D34D6D9}" type="pres">
-      <dgm:prSet presAssocID="{2A85E38F-D802-4982-8DC7-D2D6DD04FF24}" presName="image3" presStyleLbl="node3" presStyleIdx="0" presStyleCnt="3"/>
-      <dgm:spPr/>
-    </dgm:pt>
-    <dgm:pt modelId="{0234F396-4892-464D-B858-941D22301C82}" type="pres">
-      <dgm:prSet presAssocID="{2A85E38F-D802-4982-8DC7-D2D6DD04FF24}" presName="text3" presStyleLbl="revTx" presStyleIdx="2" presStyleCnt="6">
-        <dgm:presLayoutVars>
-          <dgm:chPref val="3"/>
-        </dgm:presLayoutVars>
-      </dgm:prSet>
-      <dgm:spPr/>
-    </dgm:pt>
-    <dgm:pt modelId="{804B4245-BF83-4600-96F9-C35E7D275DFC}" type="pres">
-      <dgm:prSet presAssocID="{2A85E38F-D802-4982-8DC7-D2D6DD04FF24}" presName="hierChild4" presStyleCnt="0"/>
-      <dgm:spPr/>
-    </dgm:pt>
-    <dgm:pt modelId="{1A1BECF5-C339-4969-96F2-73DBDFB79E3D}" type="pres">
-      <dgm:prSet presAssocID="{E751EA79-FDE5-47CB-9200-B21E11FA2F97}" presName="Name17" presStyleLbl="parChTrans1D3" presStyleIdx="1" presStyleCnt="3"/>
-      <dgm:spPr/>
-    </dgm:pt>
-    <dgm:pt modelId="{BF8B20AF-3B99-44C3-B538-589515333448}" type="pres">
-      <dgm:prSet presAssocID="{95EF6D42-0BD9-4784-BAB4-5C08184BFA71}" presName="hierRoot3" presStyleCnt="0"/>
-      <dgm:spPr/>
-    </dgm:pt>
-    <dgm:pt modelId="{ADBEA705-F723-4244-8E7D-89425E44AA31}" type="pres">
-      <dgm:prSet presAssocID="{95EF6D42-0BD9-4784-BAB4-5C08184BFA71}" presName="composite3" presStyleCnt="0"/>
-      <dgm:spPr/>
-    </dgm:pt>
-    <dgm:pt modelId="{CDF8570D-939E-4733-990D-993518D5E49C}" type="pres">
-      <dgm:prSet presAssocID="{95EF6D42-0BD9-4784-BAB4-5C08184BFA71}" presName="image3" presStyleLbl="node3" presStyleIdx="1" presStyleCnt="3"/>
-      <dgm:spPr/>
-    </dgm:pt>
-    <dgm:pt modelId="{5C0B7FF6-715E-499F-BE6D-A06C22C47A2D}" type="pres">
-      <dgm:prSet presAssocID="{95EF6D42-0BD9-4784-BAB4-5C08184BFA71}" presName="text3" presStyleLbl="revTx" presStyleIdx="3" presStyleCnt="6">
-        <dgm:presLayoutVars>
-          <dgm:chPref val="3"/>
-        </dgm:presLayoutVars>
-      </dgm:prSet>
-      <dgm:spPr/>
-    </dgm:pt>
-    <dgm:pt modelId="{9229E627-0C3A-408F-BF4A-BAC118D384F6}" type="pres">
-      <dgm:prSet presAssocID="{95EF6D42-0BD9-4784-BAB4-5C08184BFA71}" presName="hierChild4" presStyleCnt="0"/>
-      <dgm:spPr/>
-    </dgm:pt>
-    <dgm:pt modelId="{284247AB-C109-4FFE-B31B-C670B6FD8252}" type="pres">
-      <dgm:prSet presAssocID="{E5864822-2E05-42CB-A9B9-36BDFC019482}" presName="Name10" presStyleLbl="parChTrans1D2" presStyleIdx="1" presStyleCnt="2"/>
-      <dgm:spPr/>
-    </dgm:pt>
-    <dgm:pt modelId="{2DD50392-E44B-4BA4-85F4-77B54D0BD568}" type="pres">
-      <dgm:prSet presAssocID="{F82505DA-08F0-4975-82BE-F42119B73A1F}" presName="hierRoot2" presStyleCnt="0"/>
-      <dgm:spPr/>
-    </dgm:pt>
-    <dgm:pt modelId="{3B2249B3-D5AB-471C-ADD9-1A5C2560EDD9}" type="pres">
-      <dgm:prSet presAssocID="{F82505DA-08F0-4975-82BE-F42119B73A1F}" presName="composite2" presStyleCnt="0"/>
-      <dgm:spPr/>
-    </dgm:pt>
-    <dgm:pt modelId="{19D6A517-C946-444E-A305-1FF476F35814}" type="pres">
-      <dgm:prSet presAssocID="{F82505DA-08F0-4975-82BE-F42119B73A1F}" presName="image2" presStyleLbl="node2" presStyleIdx="1" presStyleCnt="2"/>
-      <dgm:spPr/>
-    </dgm:pt>
-    <dgm:pt modelId="{0831A7E1-CC16-406B-8053-6237453879BB}" type="pres">
-      <dgm:prSet presAssocID="{F82505DA-08F0-4975-82BE-F42119B73A1F}" presName="text2" presStyleLbl="revTx" presStyleIdx="4" presStyleCnt="6">
-        <dgm:presLayoutVars>
-          <dgm:chPref val="3"/>
-        </dgm:presLayoutVars>
-      </dgm:prSet>
-      <dgm:spPr/>
-    </dgm:pt>
-    <dgm:pt modelId="{93815F54-B7B4-40F7-BB5B-CACD0E441B7E}" type="pres">
-      <dgm:prSet presAssocID="{F82505DA-08F0-4975-82BE-F42119B73A1F}" presName="hierChild3" presStyleCnt="0"/>
-      <dgm:spPr/>
-    </dgm:pt>
-    <dgm:pt modelId="{F5F9A536-0F10-46F8-8A93-5DA436E2BDCC}" type="pres">
-      <dgm:prSet presAssocID="{05B9AE23-30FF-4E94-AEE5-C9AD5D404053}" presName="Name17" presStyleLbl="parChTrans1D3" presStyleIdx="2" presStyleCnt="3"/>
-      <dgm:spPr/>
-    </dgm:pt>
-    <dgm:pt modelId="{B30D26D9-496A-4277-A8CA-8D86CACCA824}" type="pres">
-      <dgm:prSet presAssocID="{3BA4C0AC-3F49-474C-ABD7-73E7866A54DA}" presName="hierRoot3" presStyleCnt="0"/>
-      <dgm:spPr/>
-    </dgm:pt>
-    <dgm:pt modelId="{2486E653-12A9-44EE-83EE-F744354247B9}" type="pres">
-      <dgm:prSet presAssocID="{3BA4C0AC-3F49-474C-ABD7-73E7866A54DA}" presName="composite3" presStyleCnt="0"/>
-      <dgm:spPr/>
-    </dgm:pt>
-    <dgm:pt modelId="{1529B754-6379-4D7C-9E9F-A51044B567DC}" type="pres">
-      <dgm:prSet presAssocID="{3BA4C0AC-3F49-474C-ABD7-73E7866A54DA}" presName="image3" presStyleLbl="node3" presStyleIdx="2" presStyleCnt="3"/>
-      <dgm:spPr/>
-    </dgm:pt>
-    <dgm:pt modelId="{5463697F-483A-41A5-B4BD-E8E8F8C3C61C}" type="pres">
-      <dgm:prSet presAssocID="{3BA4C0AC-3F49-474C-ABD7-73E7866A54DA}" presName="text3" presStyleLbl="revTx" presStyleIdx="5" presStyleCnt="6">
-        <dgm:presLayoutVars>
-          <dgm:chPref val="3"/>
-        </dgm:presLayoutVars>
-      </dgm:prSet>
-      <dgm:spPr/>
-    </dgm:pt>
-    <dgm:pt modelId="{4E454605-0C61-4B34-A5B0-33BCE37C2A34}" type="pres">
-      <dgm:prSet presAssocID="{3BA4C0AC-3F49-474C-ABD7-73E7866A54DA}" presName="hierChild4" presStyleCnt="0"/>
-      <dgm:spPr/>
-    </dgm:pt>
-  </dgm:ptLst>
-  <dgm:cxnLst>
-    <dgm:cxn modelId="{2D74219D-E49B-42D3-92F1-679A08946308}" type="presOf" srcId="{3BA4C0AC-3F49-474C-ABD7-73E7866A54DA}" destId="{5463697F-483A-41A5-B4BD-E8E8F8C3C61C}" srcOrd="0" destOrd="0" presId="urn:microsoft.com/office/officeart/2009/layout/CirclePictureHierarchy"/>
-    <dgm:cxn modelId="{25F98766-63BA-4706-98C6-D80BE9DCAC14}" type="presOf" srcId="{F82505DA-08F0-4975-82BE-F42119B73A1F}" destId="{0831A7E1-CC16-406B-8053-6237453879BB}" srcOrd="0" destOrd="0" presId="urn:microsoft.com/office/officeart/2009/layout/CirclePictureHierarchy"/>
-    <dgm:cxn modelId="{02FBBC62-B9FC-4546-BF22-ED76314EA0F0}" type="presOf" srcId="{9DC53156-EE53-484D-AF97-0B3E15718F24}" destId="{79958511-BDF2-41B3-B1A8-2D719DC66AEB}" srcOrd="0" destOrd="0" presId="urn:microsoft.com/office/officeart/2009/layout/CirclePictureHierarchy"/>
-    <dgm:cxn modelId="{CE9C95E7-CC87-4A5E-B336-790DBF474F3A}" srcId="{F82505DA-08F0-4975-82BE-F42119B73A1F}" destId="{3BA4C0AC-3F49-474C-ABD7-73E7866A54DA}" srcOrd="0" destOrd="0" parTransId="{05B9AE23-30FF-4E94-AEE5-C9AD5D404053}" sibTransId="{67EFF7AE-0AA3-4A97-87EB-FAEFB431FFE4}"/>
-    <dgm:cxn modelId="{1CC15D96-5330-4FD6-BE7C-B89C0DDFF4E3}" type="presOf" srcId="{95EF6D42-0BD9-4784-BAB4-5C08184BFA71}" destId="{5C0B7FF6-715E-499F-BE6D-A06C22C47A2D}" srcOrd="0" destOrd="0" presId="urn:microsoft.com/office/officeart/2009/layout/CirclePictureHierarchy"/>
-    <dgm:cxn modelId="{40F0C3EF-8AB7-414E-961E-3790A384922E}" type="presOf" srcId="{A50ED454-74F0-455C-9DA1-4B6B9760BB7D}" destId="{45A9FB55-75B8-4B3B-9201-A336E3EFFB58}" srcOrd="0" destOrd="0" presId="urn:microsoft.com/office/officeart/2009/layout/CirclePictureHierarchy"/>
-    <dgm:cxn modelId="{6C92795E-55A6-4A16-8531-E4391D31FEF1}" type="presOf" srcId="{E5864822-2E05-42CB-A9B9-36BDFC019482}" destId="{284247AB-C109-4FFE-B31B-C670B6FD8252}" srcOrd="0" destOrd="0" presId="urn:microsoft.com/office/officeart/2009/layout/CirclePictureHierarchy"/>
-    <dgm:cxn modelId="{CFB29363-142C-471F-8B14-1A6757B64EA2}" srcId="{EF885D66-C8A3-4CD8-B132-E79CFA5F57FF}" destId="{F82505DA-08F0-4975-82BE-F42119B73A1F}" srcOrd="1" destOrd="0" parTransId="{E5864822-2E05-42CB-A9B9-36BDFC019482}" sibTransId="{FC8C7142-21FF-422D-9450-A0167C9E1BC6}"/>
-    <dgm:cxn modelId="{30F0B092-D587-491E-976D-8F8F8D83E4F0}" srcId="{EF132517-3220-4701-BBC7-819645313920}" destId="{EF885D66-C8A3-4CD8-B132-E79CFA5F57FF}" srcOrd="0" destOrd="0" parTransId="{A5E561E8-12C8-4306-AB6E-8C6FBAE8AF71}" sibTransId="{473A94C4-13BC-4553-A452-632F63B1D0C4}"/>
-    <dgm:cxn modelId="{21376F63-F6E4-4C90-A2C2-3B873A34965E}" type="presOf" srcId="{E751EA79-FDE5-47CB-9200-B21E11FA2F97}" destId="{1A1BECF5-C339-4969-96F2-73DBDFB79E3D}" srcOrd="0" destOrd="0" presId="urn:microsoft.com/office/officeart/2009/layout/CirclePictureHierarchy"/>
-    <dgm:cxn modelId="{1844058B-E040-4365-930B-436B4F823DDF}" type="presOf" srcId="{EF132517-3220-4701-BBC7-819645313920}" destId="{BF704F99-1B5C-4237-B829-97E0735F51CB}" srcOrd="0" destOrd="0" presId="urn:microsoft.com/office/officeart/2009/layout/CirclePictureHierarchy"/>
-    <dgm:cxn modelId="{5A4FF57B-F11E-4B4E-B848-4DDDEED218F3}" srcId="{EF885D66-C8A3-4CD8-B132-E79CFA5F57FF}" destId="{A50ED454-74F0-455C-9DA1-4B6B9760BB7D}" srcOrd="0" destOrd="0" parTransId="{9DC53156-EE53-484D-AF97-0B3E15718F24}" sibTransId="{F4846E75-FD04-4A3B-AD5F-3D8B79AA31AC}"/>
-    <dgm:cxn modelId="{530AF61F-92E2-4BF4-9E30-1E7C887D7213}" srcId="{A50ED454-74F0-455C-9DA1-4B6B9760BB7D}" destId="{2A85E38F-D802-4982-8DC7-D2D6DD04FF24}" srcOrd="0" destOrd="0" parTransId="{B55888B8-87CD-413C-BC65-D00C6D8E790E}" sibTransId="{68144148-F7A2-4F9D-9357-0BC688270EEA}"/>
-    <dgm:cxn modelId="{831A841A-2592-44FD-888B-A47C760DDE50}" type="presOf" srcId="{2A85E38F-D802-4982-8DC7-D2D6DD04FF24}" destId="{0234F396-4892-464D-B858-941D22301C82}" srcOrd="0" destOrd="0" presId="urn:microsoft.com/office/officeart/2009/layout/CirclePictureHierarchy"/>
-    <dgm:cxn modelId="{2B9F29E4-FD79-4AFC-A9E4-C5E2B7F4B7BB}" type="presOf" srcId="{B55888B8-87CD-413C-BC65-D00C6D8E790E}" destId="{D95A4449-6997-4422-9712-A60F3C4780AB}" srcOrd="0" destOrd="0" presId="urn:microsoft.com/office/officeart/2009/layout/CirclePictureHierarchy"/>
-    <dgm:cxn modelId="{1CBB1CC1-B8A1-4329-A0A4-13FBB1245FE7}" type="presOf" srcId="{05B9AE23-30FF-4E94-AEE5-C9AD5D404053}" destId="{F5F9A536-0F10-46F8-8A93-5DA436E2BDCC}" srcOrd="0" destOrd="0" presId="urn:microsoft.com/office/officeart/2009/layout/CirclePictureHierarchy"/>
-    <dgm:cxn modelId="{AFAAC57B-7412-4022-BD9F-42A10A5ED524}" type="presOf" srcId="{EF885D66-C8A3-4CD8-B132-E79CFA5F57FF}" destId="{C326757F-1024-4D5A-A7A0-B14D13732027}" srcOrd="0" destOrd="0" presId="urn:microsoft.com/office/officeart/2009/layout/CirclePictureHierarchy"/>
-    <dgm:cxn modelId="{FEDF24FE-C5EF-4E32-9E40-3F3E10F1B03C}" srcId="{A50ED454-74F0-455C-9DA1-4B6B9760BB7D}" destId="{95EF6D42-0BD9-4784-BAB4-5C08184BFA71}" srcOrd="1" destOrd="0" parTransId="{E751EA79-FDE5-47CB-9200-B21E11FA2F97}" sibTransId="{77CC3885-1891-4C4C-9C9B-AEC832A389C9}"/>
-    <dgm:cxn modelId="{72AFDF3B-B393-4DAB-A21C-EABC17DB623C}" type="presParOf" srcId="{BF704F99-1B5C-4237-B829-97E0735F51CB}" destId="{7B963062-DFA3-438A-B5A2-2D2349B5A4D3}" srcOrd="0" destOrd="0" presId="urn:microsoft.com/office/officeart/2009/layout/CirclePictureHierarchy"/>
-    <dgm:cxn modelId="{6C603054-FB5F-4D1B-B905-50535700595E}" type="presParOf" srcId="{7B963062-DFA3-438A-B5A2-2D2349B5A4D3}" destId="{7D3E997C-F13B-40B1-9562-6044520E219E}" srcOrd="0" destOrd="0" presId="urn:microsoft.com/office/officeart/2009/layout/CirclePictureHierarchy"/>
-    <dgm:cxn modelId="{9E817233-3B46-4422-B396-DE899DE36D30}" type="presParOf" srcId="{7D3E997C-F13B-40B1-9562-6044520E219E}" destId="{638E82CF-55AE-4862-816D-A6BB800B232B}" srcOrd="0" destOrd="0" presId="urn:microsoft.com/office/officeart/2009/layout/CirclePictureHierarchy"/>
-    <dgm:cxn modelId="{FEED9565-75B9-4873-AAAB-2E1BBF009DA4}" type="presParOf" srcId="{7D3E997C-F13B-40B1-9562-6044520E219E}" destId="{C326757F-1024-4D5A-A7A0-B14D13732027}" srcOrd="1" destOrd="0" presId="urn:microsoft.com/office/officeart/2009/layout/CirclePictureHierarchy"/>
-    <dgm:cxn modelId="{2E5D79D3-BD12-4F11-9A3F-9D1956308EFF}" type="presParOf" srcId="{7B963062-DFA3-438A-B5A2-2D2349B5A4D3}" destId="{209CB341-8EC8-4BE0-851A-85C5D3290154}" srcOrd="1" destOrd="0" presId="urn:microsoft.com/office/officeart/2009/layout/CirclePictureHierarchy"/>
-    <dgm:cxn modelId="{01A0E4E5-3139-4C46-B579-D1AB2F6A938B}" type="presParOf" srcId="{209CB341-8EC8-4BE0-851A-85C5D3290154}" destId="{79958511-BDF2-41B3-B1A8-2D719DC66AEB}" srcOrd="0" destOrd="0" presId="urn:microsoft.com/office/officeart/2009/layout/CirclePictureHierarchy"/>
-    <dgm:cxn modelId="{574BE4AF-0ED9-4AE7-B1BD-DFED4205948A}" type="presParOf" srcId="{209CB341-8EC8-4BE0-851A-85C5D3290154}" destId="{378EEB8E-3CF2-462C-B2BE-EA91BF13BD6A}" srcOrd="1" destOrd="0" presId="urn:microsoft.com/office/officeart/2009/layout/CirclePictureHierarchy"/>
-    <dgm:cxn modelId="{BF4E94CF-A224-4C8A-8922-43D373F12D60}" type="presParOf" srcId="{378EEB8E-3CF2-462C-B2BE-EA91BF13BD6A}" destId="{7C717012-E13F-4572-8F0E-CF316F91F536}" srcOrd="0" destOrd="0" presId="urn:microsoft.com/office/officeart/2009/layout/CirclePictureHierarchy"/>
-    <dgm:cxn modelId="{6B5E9372-BE11-427A-8C75-BE17CAF70119}" type="presParOf" srcId="{7C717012-E13F-4572-8F0E-CF316F91F536}" destId="{2DF5FA19-5CBB-43FA-9423-D10AB6AEFF24}" srcOrd="0" destOrd="0" presId="urn:microsoft.com/office/officeart/2009/layout/CirclePictureHierarchy"/>
-    <dgm:cxn modelId="{8E6049E7-197E-4CAF-BBE0-705DFBE524EC}" type="presParOf" srcId="{7C717012-E13F-4572-8F0E-CF316F91F536}" destId="{45A9FB55-75B8-4B3B-9201-A336E3EFFB58}" srcOrd="1" destOrd="0" presId="urn:microsoft.com/office/officeart/2009/layout/CirclePictureHierarchy"/>
-    <dgm:cxn modelId="{C603FDF1-502D-4320-924E-7648C5049C65}" type="presParOf" srcId="{378EEB8E-3CF2-462C-B2BE-EA91BF13BD6A}" destId="{29C95432-28CB-4F74-A627-8BB6A55DC592}" srcOrd="1" destOrd="0" presId="urn:microsoft.com/office/officeart/2009/layout/CirclePictureHierarchy"/>
-    <dgm:cxn modelId="{AEDC0C25-9460-427B-AADA-F599BBC494E6}" type="presParOf" srcId="{29C95432-28CB-4F74-A627-8BB6A55DC592}" destId="{D95A4449-6997-4422-9712-A60F3C4780AB}" srcOrd="0" destOrd="0" presId="urn:microsoft.com/office/officeart/2009/layout/CirclePictureHierarchy"/>
-    <dgm:cxn modelId="{4F71A664-6472-455A-9CCC-92D942F35589}" type="presParOf" srcId="{29C95432-28CB-4F74-A627-8BB6A55DC592}" destId="{70D0E238-B2F4-463C-A62A-659E5B007AF7}" srcOrd="1" destOrd="0" presId="urn:microsoft.com/office/officeart/2009/layout/CirclePictureHierarchy"/>
-    <dgm:cxn modelId="{941CF013-1B60-46BB-A4F1-1C79F43418CF}" type="presParOf" srcId="{70D0E238-B2F4-463C-A62A-659E5B007AF7}" destId="{8AFC34B3-C8CE-409E-ADC6-D4489E13F899}" srcOrd="0" destOrd="0" presId="urn:microsoft.com/office/officeart/2009/layout/CirclePictureHierarchy"/>
-    <dgm:cxn modelId="{14FAE7BF-C486-4AD6-B92A-FD05556F031F}" type="presParOf" srcId="{8AFC34B3-C8CE-409E-ADC6-D4489E13F899}" destId="{D740079B-5ADA-4C72-9B24-EF893D34D6D9}" srcOrd="0" destOrd="0" presId="urn:microsoft.com/office/officeart/2009/layout/CirclePictureHierarchy"/>
-    <dgm:cxn modelId="{A8061E69-B9BF-4145-8F25-EF3B98076121}" type="presParOf" srcId="{8AFC34B3-C8CE-409E-ADC6-D4489E13F899}" destId="{0234F396-4892-464D-B858-941D22301C82}" srcOrd="1" destOrd="0" presId="urn:microsoft.com/office/officeart/2009/layout/CirclePictureHierarchy"/>
-    <dgm:cxn modelId="{F72680B8-EEA8-4CC3-B96E-C75329FF5954}" type="presParOf" srcId="{70D0E238-B2F4-463C-A62A-659E5B007AF7}" destId="{804B4245-BF83-4600-96F9-C35E7D275DFC}" srcOrd="1" destOrd="0" presId="urn:microsoft.com/office/officeart/2009/layout/CirclePictureHierarchy"/>
-    <dgm:cxn modelId="{62DC07DB-9AA5-4C6E-965F-5ABCE4955AD4}" type="presParOf" srcId="{29C95432-28CB-4F74-A627-8BB6A55DC592}" destId="{1A1BECF5-C339-4969-96F2-73DBDFB79E3D}" srcOrd="2" destOrd="0" presId="urn:microsoft.com/office/officeart/2009/layout/CirclePictureHierarchy"/>
-    <dgm:cxn modelId="{460FC523-29A8-4AD9-8640-733C704D3EE3}" type="presParOf" srcId="{29C95432-28CB-4F74-A627-8BB6A55DC592}" destId="{BF8B20AF-3B99-44C3-B538-589515333448}" srcOrd="3" destOrd="0" presId="urn:microsoft.com/office/officeart/2009/layout/CirclePictureHierarchy"/>
-    <dgm:cxn modelId="{3F44EA20-4229-4F83-AE34-CE31C58ED7EF}" type="presParOf" srcId="{BF8B20AF-3B99-44C3-B538-589515333448}" destId="{ADBEA705-F723-4244-8E7D-89425E44AA31}" srcOrd="0" destOrd="0" presId="urn:microsoft.com/office/officeart/2009/layout/CirclePictureHierarchy"/>
-    <dgm:cxn modelId="{4287B245-5BB5-4EDD-B3F2-0B20BEF764B1}" type="presParOf" srcId="{ADBEA705-F723-4244-8E7D-89425E44AA31}" destId="{CDF8570D-939E-4733-990D-993518D5E49C}" srcOrd="0" destOrd="0" presId="urn:microsoft.com/office/officeart/2009/layout/CirclePictureHierarchy"/>
-    <dgm:cxn modelId="{B95A1D4C-9E4A-4BD3-A96E-42C5C8E2C9F7}" type="presParOf" srcId="{ADBEA705-F723-4244-8E7D-89425E44AA31}" destId="{5C0B7FF6-715E-499F-BE6D-A06C22C47A2D}" srcOrd="1" destOrd="0" presId="urn:microsoft.com/office/officeart/2009/layout/CirclePictureHierarchy"/>
-    <dgm:cxn modelId="{45B1A78C-D726-455C-8D24-71310594F3CF}" type="presParOf" srcId="{BF8B20AF-3B99-44C3-B538-589515333448}" destId="{9229E627-0C3A-408F-BF4A-BAC118D384F6}" srcOrd="1" destOrd="0" presId="urn:microsoft.com/office/officeart/2009/layout/CirclePictureHierarchy"/>
-    <dgm:cxn modelId="{C3AEEA21-FD3A-4E22-82E7-645AA997DEF6}" type="presParOf" srcId="{209CB341-8EC8-4BE0-851A-85C5D3290154}" destId="{284247AB-C109-4FFE-B31B-C670B6FD8252}" srcOrd="2" destOrd="0" presId="urn:microsoft.com/office/officeart/2009/layout/CirclePictureHierarchy"/>
-    <dgm:cxn modelId="{F69AA79A-A8BF-4976-B43D-6719ED171098}" type="presParOf" srcId="{209CB341-8EC8-4BE0-851A-85C5D3290154}" destId="{2DD50392-E44B-4BA4-85F4-77B54D0BD568}" srcOrd="3" destOrd="0" presId="urn:microsoft.com/office/officeart/2009/layout/CirclePictureHierarchy"/>
-    <dgm:cxn modelId="{445F2EDC-E701-47A6-8760-E7EA969CE707}" type="presParOf" srcId="{2DD50392-E44B-4BA4-85F4-77B54D0BD568}" destId="{3B2249B3-D5AB-471C-ADD9-1A5C2560EDD9}" srcOrd="0" destOrd="0" presId="urn:microsoft.com/office/officeart/2009/layout/CirclePictureHierarchy"/>
-    <dgm:cxn modelId="{0EB55EE9-57CB-4629-A639-1E0FD89F291E}" type="presParOf" srcId="{3B2249B3-D5AB-471C-ADD9-1A5C2560EDD9}" destId="{19D6A517-C946-444E-A305-1FF476F35814}" srcOrd="0" destOrd="0" presId="urn:microsoft.com/office/officeart/2009/layout/CirclePictureHierarchy"/>
-    <dgm:cxn modelId="{2CF9DDF7-B375-420A-B3EC-A38C79CD38E5}" type="presParOf" srcId="{3B2249B3-D5AB-471C-ADD9-1A5C2560EDD9}" destId="{0831A7E1-CC16-406B-8053-6237453879BB}" srcOrd="1" destOrd="0" presId="urn:microsoft.com/office/officeart/2009/layout/CirclePictureHierarchy"/>
-    <dgm:cxn modelId="{C082AA84-E26F-4420-A4FF-311FF4DAA74C}" type="presParOf" srcId="{2DD50392-E44B-4BA4-85F4-77B54D0BD568}" destId="{93815F54-B7B4-40F7-BB5B-CACD0E441B7E}" srcOrd="1" destOrd="0" presId="urn:microsoft.com/office/officeart/2009/layout/CirclePictureHierarchy"/>
-    <dgm:cxn modelId="{0974775C-A942-405A-9722-3424BE8FA4D7}" type="presParOf" srcId="{93815F54-B7B4-40F7-BB5B-CACD0E441B7E}" destId="{F5F9A536-0F10-46F8-8A93-5DA436E2BDCC}" srcOrd="0" destOrd="0" presId="urn:microsoft.com/office/officeart/2009/layout/CirclePictureHierarchy"/>
-    <dgm:cxn modelId="{DBF16531-1B7A-4558-AA91-D28272017F8A}" type="presParOf" srcId="{93815F54-B7B4-40F7-BB5B-CACD0E441B7E}" destId="{B30D26D9-496A-4277-A8CA-8D86CACCA824}" srcOrd="1" destOrd="0" presId="urn:microsoft.com/office/officeart/2009/layout/CirclePictureHierarchy"/>
-    <dgm:cxn modelId="{A6DA18A1-315D-4D14-BA28-2FC891FEA4CB}" type="presParOf" srcId="{B30D26D9-496A-4277-A8CA-8D86CACCA824}" destId="{2486E653-12A9-44EE-83EE-F744354247B9}" srcOrd="0" destOrd="0" presId="urn:microsoft.com/office/officeart/2009/layout/CirclePictureHierarchy"/>
-    <dgm:cxn modelId="{3DD66A80-D7D4-42C9-8ADB-22BEB7ECC98A}" type="presParOf" srcId="{2486E653-12A9-44EE-83EE-F744354247B9}" destId="{1529B754-6379-4D7C-9E9F-A51044B567DC}" srcOrd="0" destOrd="0" presId="urn:microsoft.com/office/officeart/2009/layout/CirclePictureHierarchy"/>
-    <dgm:cxn modelId="{83CD118F-F0BE-4F0C-BBE4-8B9A2FD35017}" type="presParOf" srcId="{2486E653-12A9-44EE-83EE-F744354247B9}" destId="{5463697F-483A-41A5-B4BD-E8E8F8C3C61C}" srcOrd="1" destOrd="0" presId="urn:microsoft.com/office/officeart/2009/layout/CirclePictureHierarchy"/>
-    <dgm:cxn modelId="{36FE0675-8D2B-4EBC-8B3F-108BF57A8542}" type="presParOf" srcId="{B30D26D9-496A-4277-A8CA-8D86CACCA824}" destId="{4E454605-0C61-4B34-A5B0-33BCE37C2A34}" srcOrd="1" destOrd="0" presId="urn:microsoft.com/office/officeart/2009/layout/CirclePictureHierarchy"/>
-  </dgm:cxnLst>
-  <dgm:bg/>
-  <dgm:whole/>
-  <dgm:extLst>
-    <a:ext uri="http://schemas.microsoft.com/office/drawing/2008/diagram">
-      <dsp:dataModelExt xmlns:dsp="http://schemas.microsoft.com/office/drawing/2008/diagram" relId="rId6" minVer="http://schemas.openxmlformats.org/drawingml/2006/diagram"/>
-    </a:ext>
-  </dgm:extLst>
-</dgm:dataModel>
+<file path=ppt/notesMasters/notesMaster1.xml><?xml version="1.0" encoding="utf-8"?>
+<p:notesMaster xmlns:a="http://schemas.openxmlformats.org/drawingml/2006/main" xmlns:r="http://schemas.openxmlformats.org/officeDocument/2006/relationships" xmlns:p="http://schemas.openxmlformats.org/presentationml/2006/main">
+  <p:cSld>
+    <p:bg>
+      <p:bgRef idx="1001">
+        <a:schemeClr val="bg1"/>
+      </p:bgRef>
+    </p:bg>
+    <p:spTree>
+      <p:nvGrpSpPr>
+        <p:cNvPr id="1" name=""/>
+        <p:cNvGrpSpPr/>
+        <p:nvPr/>
+      </p:nvGrpSpPr>
+      <p:grpSpPr>
+        <a:xfrm>
+          <a:off x="0" y="0"/>
+          <a:ext cx="0" cy="0"/>
+          <a:chOff x="0" y="0"/>
+          <a:chExt cx="0" cy="0"/>
+        </a:xfrm>
+      </p:grpSpPr>
+      <p:sp>
+        <p:nvSpPr>
+          <p:cNvPr id="2" name="Header Placeholder 1"/>
+          <p:cNvSpPr>
+            <a:spLocks noGrp="1"/>
+          </p:cNvSpPr>
+          <p:nvPr>
+            <p:ph type="hdr" sz="quarter"/>
+          </p:nvPr>
+        </p:nvSpPr>
+        <p:spPr>
+          <a:xfrm>
+            <a:off x="0" y="0"/>
+            <a:ext cx="3036888" cy="466725"/>
+          </a:xfrm>
+          <a:prstGeom prst="rect">
+            <a:avLst/>
+          </a:prstGeom>
+        </p:spPr>
+        <p:txBody>
+          <a:bodyPr vert="horz" lIns="91440" tIns="45720" rIns="91440" bIns="45720" rtlCol="0"/>
+          <a:lstStyle>
+            <a:lvl1pPr algn="l">
+              <a:defRPr sz="1200"/>
+            </a:lvl1pPr>
+          </a:lstStyle>
+          <a:p>
+            <a:r>
+              <a:rPr lang="en-US"/>
+              <a:t>https://github.com/mcjavabootcamp/BuildACastle</a:t>
+            </a:r>
+          </a:p>
+        </p:txBody>
+      </p:sp>
+      <p:sp>
+        <p:nvSpPr>
+          <p:cNvPr id="3" name="Date Placeholder 2"/>
+          <p:cNvSpPr>
+            <a:spLocks noGrp="1"/>
+          </p:cNvSpPr>
+          <p:nvPr>
+            <p:ph type="dt" idx="1"/>
+          </p:nvPr>
+        </p:nvSpPr>
+        <p:spPr>
+          <a:xfrm>
+            <a:off x="3970338" y="0"/>
+            <a:ext cx="3036887" cy="466725"/>
+          </a:xfrm>
+          <a:prstGeom prst="rect">
+            <a:avLst/>
+          </a:prstGeom>
+        </p:spPr>
+        <p:txBody>
+          <a:bodyPr vert="horz" lIns="91440" tIns="45720" rIns="91440" bIns="45720" rtlCol="0"/>
+          <a:lstStyle>
+            <a:lvl1pPr algn="r">
+              <a:defRPr sz="1200"/>
+            </a:lvl1pPr>
+          </a:lstStyle>
+          <a:p>
+            <a:fld id="{10D97CDC-1855-46DB-B3F9-1B14B8CB97EF}" type="datetimeFigureOut">
+              <a:rPr lang="en-US" smtClean="0"/>
+              <a:t>10/21/2019</a:t>
+            </a:fld>
+            <a:endParaRPr lang="en-US"/>
+          </a:p>
+        </p:txBody>
+      </p:sp>
+      <p:sp>
+        <p:nvSpPr>
+          <p:cNvPr id="4" name="Slide Image Placeholder 3"/>
+          <p:cNvSpPr>
+            <a:spLocks noGrp="1" noRot="1" noChangeAspect="1"/>
+          </p:cNvSpPr>
+          <p:nvPr>
+            <p:ph type="sldImg" idx="2"/>
+          </p:nvPr>
+        </p:nvSpPr>
+        <p:spPr>
+          <a:xfrm>
+            <a:off x="717550" y="1162050"/>
+            <a:ext cx="5575300" cy="3136900"/>
+          </a:xfrm>
+          <a:prstGeom prst="rect">
+            <a:avLst/>
+          </a:prstGeom>
+          <a:noFill/>
+          <a:ln w="12700">
+            <a:solidFill>
+              <a:prstClr val="black"/>
+            </a:solidFill>
+          </a:ln>
+        </p:spPr>
+        <p:txBody>
+          <a:bodyPr vert="horz" lIns="91440" tIns="45720" rIns="91440" bIns="45720" rtlCol="0" anchor="ctr"/>
+          <a:lstStyle/>
+          <a:p>
+            <a:endParaRPr lang="en-US"/>
+          </a:p>
+        </p:txBody>
+      </p:sp>
+      <p:sp>
+        <p:nvSpPr>
+          <p:cNvPr id="5" name="Notes Placeholder 4"/>
+          <p:cNvSpPr>
+            <a:spLocks noGrp="1"/>
+          </p:cNvSpPr>
+          <p:nvPr>
+            <p:ph type="body" sz="quarter" idx="3"/>
+          </p:nvPr>
+        </p:nvSpPr>
+        <p:spPr>
+          <a:xfrm>
+            <a:off x="701675" y="4473575"/>
+            <a:ext cx="5607050" cy="3659188"/>
+          </a:xfrm>
+          <a:prstGeom prst="rect">
+            <a:avLst/>
+          </a:prstGeom>
+        </p:spPr>
+        <p:txBody>
+          <a:bodyPr vert="horz" lIns="91440" tIns="45720" rIns="91440" bIns="45720" rtlCol="0"/>
+          <a:lstStyle/>
+          <a:p>
+            <a:pPr lvl="0"/>
+            <a:r>
+              <a:rPr lang="en-US"/>
+              <a:t>Edit Master text styles</a:t>
+            </a:r>
+          </a:p>
+          <a:p>
+            <a:pPr lvl="1"/>
+            <a:r>
+              <a:rPr lang="en-US"/>
+              <a:t>Second level</a:t>
+            </a:r>
+          </a:p>
+          <a:p>
+            <a:pPr lvl="2"/>
+            <a:r>
+              <a:rPr lang="en-US"/>
+              <a:t>Third level</a:t>
+            </a:r>
+          </a:p>
+          <a:p>
+            <a:pPr lvl="3"/>
+            <a:r>
+              <a:rPr lang="en-US"/>
+              <a:t>Fourth level</a:t>
+            </a:r>
+          </a:p>
+          <a:p>
+            <a:pPr lvl="4"/>
+            <a:r>
+              <a:rPr lang="en-US"/>
+              <a:t>Fifth level</a:t>
+            </a:r>
+          </a:p>
+        </p:txBody>
+      </p:sp>
+      <p:sp>
+        <p:nvSpPr>
+          <p:cNvPr id="6" name="Footer Placeholder 5"/>
+          <p:cNvSpPr>
+            <a:spLocks noGrp="1"/>
+          </p:cNvSpPr>
+          <p:nvPr>
+            <p:ph type="ftr" sz="quarter" idx="4"/>
+          </p:nvPr>
+        </p:nvSpPr>
+        <p:spPr>
+          <a:xfrm>
+            <a:off x="0" y="8828088"/>
+            <a:ext cx="3036888" cy="466725"/>
+          </a:xfrm>
+          <a:prstGeom prst="rect">
+            <a:avLst/>
+          </a:prstGeom>
+        </p:spPr>
+        <p:txBody>
+          <a:bodyPr vert="horz" lIns="91440" tIns="45720" rIns="91440" bIns="45720" rtlCol="0" anchor="b"/>
+          <a:lstStyle>
+            <a:lvl1pPr algn="l">
+              <a:defRPr sz="1200"/>
+            </a:lvl1pPr>
+          </a:lstStyle>
+          <a:p>
+            <a:endParaRPr lang="en-US"/>
+          </a:p>
+        </p:txBody>
+      </p:sp>
+      <p:sp>
+        <p:nvSpPr>
+          <p:cNvPr id="7" name="Slide Number Placeholder 6"/>
+          <p:cNvSpPr>
+            <a:spLocks noGrp="1"/>
+          </p:cNvSpPr>
+          <p:nvPr>
+            <p:ph type="sldNum" sz="quarter" idx="5"/>
+          </p:nvPr>
+        </p:nvSpPr>
+        <p:spPr>
+          <a:xfrm>
+            <a:off x="3970338" y="8828088"/>
+            <a:ext cx="3036887" cy="466725"/>
+          </a:xfrm>
+          <a:prstGeom prst="rect">
+            <a:avLst/>
+          </a:prstGeom>
+        </p:spPr>
+        <p:txBody>
+          <a:bodyPr vert="horz" lIns="91440" tIns="45720" rIns="91440" bIns="45720" rtlCol="0" anchor="b"/>
+          <a:lstStyle>
+            <a:lvl1pPr algn="r">
+              <a:defRPr sz="1200"/>
+            </a:lvl1pPr>
+          </a:lstStyle>
+          <a:p>
+            <a:fld id="{C7CDDC58-AC14-432A-9C48-EAC3DB169D66}" type="slidenum">
+              <a:rPr lang="en-US" smtClean="0"/>
+              <a:t>‹#›</a:t>
+            </a:fld>
+            <a:endParaRPr lang="en-US"/>
+          </a:p>
+        </p:txBody>
+      </p:sp>
+    </p:spTree>
+    <p:extLst>
+      <p:ext uri="{BB962C8B-B14F-4D97-AF65-F5344CB8AC3E}">
+        <p14:creationId xmlns:p14="http://schemas.microsoft.com/office/powerpoint/2010/main" val="147770826"/>
+      </p:ext>
+    </p:extLst>
+  </p:cSld>
+  <p:clrMap bg1="lt1" tx1="dk1" bg2="lt2" tx2="dk2" accent1="accent1" accent2="accent2" accent3="accent3" accent4="accent4" accent5="accent5" accent6="accent6" hlink="hlink" folHlink="folHlink"/>
+  <p:hf ftr="0" dt="0"/>
+  <p:notesStyle>
+    <a:lvl1pPr marL="0" algn="l" defTabSz="914400" rtl="0" eaLnBrk="1" latinLnBrk="0" hangingPunct="1">
+      <a:defRPr sz="1200" kern="1200">
+        <a:solidFill>
+          <a:schemeClr val="tx1"/>
+        </a:solidFill>
+        <a:latin typeface="+mn-lt"/>
+        <a:ea typeface="+mn-ea"/>
+        <a:cs typeface="+mn-cs"/>
+      </a:defRPr>
+    </a:lvl1pPr>
+    <a:lvl2pPr marL="457200" algn="l" defTabSz="914400" rtl="0" eaLnBrk="1" latinLnBrk="0" hangingPunct="1">
+      <a:defRPr sz="1200" kern="1200">
+        <a:solidFill>
+          <a:schemeClr val="tx1"/>
+        </a:solidFill>
+        <a:latin typeface="+mn-lt"/>
+        <a:ea typeface="+mn-ea"/>
+        <a:cs typeface="+mn-cs"/>
+      </a:defRPr>
+    </a:lvl2pPr>
+    <a:lvl3pPr marL="914400" algn="l" defTabSz="914400" rtl="0" eaLnBrk="1" latinLnBrk="0" hangingPunct="1">
+      <a:defRPr sz="1200" kern="1200">
+        <a:solidFill>
+          <a:schemeClr val="tx1"/>
+        </a:solidFill>
+        <a:latin typeface="+mn-lt"/>
+        <a:ea typeface="+mn-ea"/>
+        <a:cs typeface="+mn-cs"/>
+      </a:defRPr>
+    </a:lvl3pPr>
+    <a:lvl4pPr marL="1371600" algn="l" defTabSz="914400" rtl="0" eaLnBrk="1" latinLnBrk="0" hangingPunct="1">
+      <a:defRPr sz="1200" kern="1200">
+        <a:solidFill>
+          <a:schemeClr val="tx1"/>
+        </a:solidFill>
+        <a:latin typeface="+mn-lt"/>
+        <a:ea typeface="+mn-ea"/>
+        <a:cs typeface="+mn-cs"/>
+      </a:defRPr>
+    </a:lvl4pPr>
+    <a:lvl5pPr marL="1828800" algn="l" defTabSz="914400" rtl="0" eaLnBrk="1" latinLnBrk="0" hangingPunct="1">
+      <a:defRPr sz="1200" kern="1200">
+        <a:solidFill>
+          <a:schemeClr val="tx1"/>
+        </a:solidFill>
+        <a:latin typeface="+mn-lt"/>
+        <a:ea typeface="+mn-ea"/>
+        <a:cs typeface="+mn-cs"/>
+      </a:defRPr>
+    </a:lvl5pPr>
+    <a:lvl6pPr marL="2286000" algn="l" defTabSz="914400" rtl="0" eaLnBrk="1" latinLnBrk="0" hangingPunct="1">
+      <a:defRPr sz="1200" kern="1200">
+        <a:solidFill>
+          <a:schemeClr val="tx1"/>
+        </a:solidFill>
+        <a:latin typeface="+mn-lt"/>
+        <a:ea typeface="+mn-ea"/>
+        <a:cs typeface="+mn-cs"/>
+      </a:defRPr>
+    </a:lvl6pPr>
+    <a:lvl7pPr marL="2743200" algn="l" defTabSz="914400" rtl="0" eaLnBrk="1" latinLnBrk="0" hangingPunct="1">
+      <a:defRPr sz="1200" kern="1200">
+        <a:solidFill>
+          <a:schemeClr val="tx1"/>
+        </a:solidFill>
+        <a:latin typeface="+mn-lt"/>
+        <a:ea typeface="+mn-ea"/>
+        <a:cs typeface="+mn-cs"/>
+      </a:defRPr>
+    </a:lvl7pPr>
+    <a:lvl8pPr marL="3200400" algn="l" defTabSz="914400" rtl="0" eaLnBrk="1" latinLnBrk="0" hangingPunct="1">
+      <a:defRPr sz="1200" kern="1200">
+        <a:solidFill>
+          <a:schemeClr val="tx1"/>
+        </a:solidFill>
+        <a:latin typeface="+mn-lt"/>
+        <a:ea typeface="+mn-ea"/>
+        <a:cs typeface="+mn-cs"/>
+      </a:defRPr>
+    </a:lvl8pPr>
+    <a:lvl9pPr marL="3657600" algn="l" defTabSz="914400" rtl="0" eaLnBrk="1" latinLnBrk="0" hangingPunct="1">
+      <a:defRPr sz="1200" kern="1200">
+        <a:solidFill>
+          <a:schemeClr val="tx1"/>
+        </a:solidFill>
+        <a:latin typeface="+mn-lt"/>
+        <a:ea typeface="+mn-ea"/>
+        <a:cs typeface="+mn-cs"/>
+      </a:defRPr>
+    </a:lvl9pPr>
+  </p:notesStyle>
+</p:notesMaster>
 </file>
 
-<file path=ppt/diagrams/drawing1.xml><?xml version="1.0" encoding="utf-8"?>
-<dsp:drawing xmlns:dgm="http://schemas.openxmlformats.org/drawingml/2006/diagram" xmlns:dsp="http://schemas.microsoft.com/office/drawing/2008/diagram" xmlns:a="http://schemas.openxmlformats.org/drawingml/2006/main">
-  <dsp:spTree>
-    <dsp:nvGrpSpPr>
-      <dsp:cNvPr id="0" name=""/>
-      <dsp:cNvGrpSpPr/>
-    </dsp:nvGrpSpPr>
-    <dsp:grpSpPr/>
-    <dsp:sp modelId="{F5F9A536-0F10-46F8-8A93-5DA436E2BDCC}">
-      <dsp:nvSpPr>
-        <dsp:cNvPr id="0" name=""/>
-        <dsp:cNvSpPr/>
-      </dsp:nvSpPr>
-      <dsp:spPr>
+<file path=ppt/notesSlides/notesSlide1.xml><?xml version="1.0" encoding="utf-8"?>
+<p:notes xmlns:a="http://schemas.openxmlformats.org/drawingml/2006/main" xmlns:r="http://schemas.openxmlformats.org/officeDocument/2006/relationships" xmlns:p="http://schemas.openxmlformats.org/presentationml/2006/main">
+  <p:cSld>
+    <p:spTree>
+      <p:nvGrpSpPr>
+        <p:cNvPr id="1" name=""/>
+        <p:cNvGrpSpPr/>
+        <p:nvPr/>
+      </p:nvGrpSpPr>
+      <p:grpSpPr>
         <a:xfrm>
-          <a:off x="7561659" y="2764532"/>
-          <a:ext cx="91440" cy="370058"/>
+          <a:off x="0" y="0"/>
+          <a:ext cx="0" cy="0"/>
+          <a:chOff x="0" y="0"/>
+          <a:chExt cx="0" cy="0"/>
         </a:xfrm>
-        <a:custGeom>
-          <a:avLst/>
-          <a:gdLst/>
-          <a:ahLst/>
-          <a:cxnLst/>
-          <a:rect l="0" t="0" r="0" b="0"/>
-          <a:pathLst>
-            <a:path>
-              <a:moveTo>
-                <a:pt x="45720" y="0"/>
-              </a:moveTo>
-              <a:lnTo>
-                <a:pt x="45720" y="370058"/>
-              </a:lnTo>
-            </a:path>
-          </a:pathLst>
-        </a:custGeom>
-        <a:noFill/>
-        <a:ln w="12700" cap="flat" cmpd="sng" algn="ctr">
-          <a:solidFill>
-            <a:schemeClr val="accent1">
-              <a:shade val="80000"/>
-              <a:hueOff val="0"/>
-              <a:satOff val="0"/>
-              <a:lumOff val="0"/>
-              <a:alphaOff val="0"/>
-            </a:schemeClr>
-          </a:solidFill>
-          <a:prstDash val="solid"/>
-          <a:miter lim="800000"/>
-        </a:ln>
-        <a:effectLst/>
-      </dsp:spPr>
-      <dsp:style>
-        <a:lnRef idx="2">
-          <a:scrgbClr r="0" g="0" b="0"/>
-        </a:lnRef>
-        <a:fillRef idx="0">
-          <a:scrgbClr r="0" g="0" b="0"/>
-        </a:fillRef>
-        <a:effectRef idx="0">
-          <a:scrgbClr r="0" g="0" b="0"/>
-        </a:effectRef>
-        <a:fontRef idx="minor"/>
-      </dsp:style>
-    </dsp:sp>
-    <dsp:sp modelId="{284247AB-C109-4FFE-B31B-C670B6FD8252}">
-      <dsp:nvSpPr>
-        <dsp:cNvPr id="0" name=""/>
-        <dsp:cNvSpPr/>
-      </dsp:nvSpPr>
-      <dsp:spPr>
-        <a:xfrm>
-          <a:off x="5184375" y="1219683"/>
-          <a:ext cx="2423003" cy="370058"/>
-        </a:xfrm>
-        <a:custGeom>
-          <a:avLst/>
-          <a:gdLst/>
-          <a:ahLst/>
-          <a:cxnLst/>
-          <a:rect l="0" t="0" r="0" b="0"/>
-          <a:pathLst>
-            <a:path>
-              <a:moveTo>
-                <a:pt x="0" y="0"/>
-              </a:moveTo>
-              <a:lnTo>
-                <a:pt x="0" y="186497"/>
-              </a:lnTo>
-              <a:lnTo>
-                <a:pt x="2423003" y="186497"/>
-              </a:lnTo>
-              <a:lnTo>
-                <a:pt x="2423003" y="370058"/>
-              </a:lnTo>
-            </a:path>
-          </a:pathLst>
-        </a:custGeom>
-        <a:noFill/>
-        <a:ln w="12700" cap="flat" cmpd="sng" algn="ctr">
-          <a:solidFill>
-            <a:schemeClr val="accent1">
-              <a:shade val="60000"/>
-              <a:hueOff val="0"/>
-              <a:satOff val="0"/>
-              <a:lumOff val="0"/>
-              <a:alphaOff val="0"/>
-            </a:schemeClr>
-          </a:solidFill>
-          <a:prstDash val="solid"/>
-          <a:miter lim="800000"/>
-        </a:ln>
-        <a:effectLst/>
-      </dsp:spPr>
-      <dsp:style>
-        <a:lnRef idx="2">
-          <a:scrgbClr r="0" g="0" b="0"/>
-        </a:lnRef>
-        <a:fillRef idx="0">
-          <a:scrgbClr r="0" g="0" b="0"/>
-        </a:fillRef>
-        <a:effectRef idx="0">
-          <a:scrgbClr r="0" g="0" b="0"/>
-        </a:effectRef>
-        <a:fontRef idx="minor"/>
-      </dsp:style>
-    </dsp:sp>
-    <dsp:sp modelId="{1A1BECF5-C339-4969-96F2-73DBDFB79E3D}">
-      <dsp:nvSpPr>
-        <dsp:cNvPr id="0" name=""/>
-        <dsp:cNvSpPr/>
-      </dsp:nvSpPr>
-      <dsp:spPr>
-        <a:xfrm>
-          <a:off x="2761371" y="2764532"/>
-          <a:ext cx="1615335" cy="370058"/>
-        </a:xfrm>
-        <a:custGeom>
-          <a:avLst/>
-          <a:gdLst/>
-          <a:ahLst/>
-          <a:cxnLst/>
-          <a:rect l="0" t="0" r="0" b="0"/>
-          <a:pathLst>
-            <a:path>
-              <a:moveTo>
-                <a:pt x="0" y="0"/>
-              </a:moveTo>
-              <a:lnTo>
-                <a:pt x="0" y="186497"/>
-              </a:lnTo>
-              <a:lnTo>
-                <a:pt x="1615335" y="186497"/>
-              </a:lnTo>
-              <a:lnTo>
-                <a:pt x="1615335" y="370058"/>
-              </a:lnTo>
-            </a:path>
-          </a:pathLst>
-        </a:custGeom>
-        <a:noFill/>
-        <a:ln w="12700" cap="flat" cmpd="sng" algn="ctr">
-          <a:solidFill>
-            <a:schemeClr val="accent1">
-              <a:shade val="80000"/>
-              <a:hueOff val="0"/>
-              <a:satOff val="0"/>
-              <a:lumOff val="0"/>
-              <a:alphaOff val="0"/>
-            </a:schemeClr>
-          </a:solidFill>
-          <a:prstDash val="solid"/>
-          <a:miter lim="800000"/>
-        </a:ln>
-        <a:effectLst/>
-      </dsp:spPr>
-      <dsp:style>
-        <a:lnRef idx="2">
-          <a:scrgbClr r="0" g="0" b="0"/>
-        </a:lnRef>
-        <a:fillRef idx="0">
-          <a:scrgbClr r="0" g="0" b="0"/>
-        </a:fillRef>
-        <a:effectRef idx="0">
-          <a:scrgbClr r="0" g="0" b="0"/>
-        </a:effectRef>
-        <a:fontRef idx="minor"/>
-      </dsp:style>
-    </dsp:sp>
-    <dsp:sp modelId="{D95A4449-6997-4422-9712-A60F3C4780AB}">
-      <dsp:nvSpPr>
-        <dsp:cNvPr id="0" name=""/>
-        <dsp:cNvSpPr/>
-      </dsp:nvSpPr>
-      <dsp:spPr>
-        <a:xfrm>
-          <a:off x="1146036" y="2764532"/>
-          <a:ext cx="1615335" cy="370058"/>
-        </a:xfrm>
-        <a:custGeom>
-          <a:avLst/>
-          <a:gdLst/>
-          <a:ahLst/>
-          <a:cxnLst/>
-          <a:rect l="0" t="0" r="0" b="0"/>
-          <a:pathLst>
-            <a:path>
-              <a:moveTo>
-                <a:pt x="1615335" y="0"/>
-              </a:moveTo>
-              <a:lnTo>
-                <a:pt x="1615335" y="186497"/>
-              </a:lnTo>
-              <a:lnTo>
-                <a:pt x="0" y="186497"/>
-              </a:lnTo>
-              <a:lnTo>
-                <a:pt x="0" y="370058"/>
-              </a:lnTo>
-            </a:path>
-          </a:pathLst>
-        </a:custGeom>
-        <a:noFill/>
-        <a:ln w="12700" cap="flat" cmpd="sng" algn="ctr">
-          <a:solidFill>
-            <a:schemeClr val="accent1">
-              <a:shade val="80000"/>
-              <a:hueOff val="0"/>
-              <a:satOff val="0"/>
-              <a:lumOff val="0"/>
-              <a:alphaOff val="0"/>
-            </a:schemeClr>
-          </a:solidFill>
-          <a:prstDash val="solid"/>
-          <a:miter lim="800000"/>
-        </a:ln>
-        <a:effectLst/>
-      </dsp:spPr>
-      <dsp:style>
-        <a:lnRef idx="2">
-          <a:scrgbClr r="0" g="0" b="0"/>
-        </a:lnRef>
-        <a:fillRef idx="0">
-          <a:scrgbClr r="0" g="0" b="0"/>
-        </a:fillRef>
-        <a:effectRef idx="0">
-          <a:scrgbClr r="0" g="0" b="0"/>
-        </a:effectRef>
-        <a:fontRef idx="minor"/>
-      </dsp:style>
-    </dsp:sp>
-    <dsp:sp modelId="{79958511-BDF2-41B3-B1A8-2D719DC66AEB}">
-      <dsp:nvSpPr>
-        <dsp:cNvPr id="0" name=""/>
-        <dsp:cNvSpPr/>
-      </dsp:nvSpPr>
-      <dsp:spPr>
-        <a:xfrm>
-          <a:off x="2761371" y="1219683"/>
-          <a:ext cx="2423003" cy="370058"/>
-        </a:xfrm>
-        <a:custGeom>
-          <a:avLst/>
-          <a:gdLst/>
-          <a:ahLst/>
-          <a:cxnLst/>
-          <a:rect l="0" t="0" r="0" b="0"/>
-          <a:pathLst>
-            <a:path>
-              <a:moveTo>
-                <a:pt x="2423003" y="0"/>
-              </a:moveTo>
-              <a:lnTo>
-                <a:pt x="2423003" y="186497"/>
-              </a:lnTo>
-              <a:lnTo>
-                <a:pt x="0" y="186497"/>
-              </a:lnTo>
-              <a:lnTo>
-                <a:pt x="0" y="370058"/>
-              </a:lnTo>
-            </a:path>
-          </a:pathLst>
-        </a:custGeom>
-        <a:noFill/>
-        <a:ln w="12700" cap="flat" cmpd="sng" algn="ctr">
-          <a:solidFill>
-            <a:schemeClr val="accent1">
-              <a:shade val="60000"/>
-              <a:hueOff val="0"/>
-              <a:satOff val="0"/>
-              <a:lumOff val="0"/>
-              <a:alphaOff val="0"/>
-            </a:schemeClr>
-          </a:solidFill>
-          <a:prstDash val="solid"/>
-          <a:miter lim="800000"/>
-        </a:ln>
-        <a:effectLst/>
-      </dsp:spPr>
-      <dsp:style>
-        <a:lnRef idx="2">
-          <a:scrgbClr r="0" g="0" b="0"/>
-        </a:lnRef>
-        <a:fillRef idx="0">
-          <a:scrgbClr r="0" g="0" b="0"/>
-        </a:fillRef>
-        <a:effectRef idx="0">
-          <a:scrgbClr r="0" g="0" b="0"/>
-        </a:effectRef>
-        <a:fontRef idx="minor"/>
-      </dsp:style>
-    </dsp:sp>
-    <dsp:sp modelId="{638E82CF-55AE-4862-816D-A6BB800B232B}">
-      <dsp:nvSpPr>
-        <dsp:cNvPr id="0" name=""/>
-        <dsp:cNvSpPr/>
-      </dsp:nvSpPr>
-      <dsp:spPr>
-        <a:xfrm>
-          <a:off x="4596980" y="44894"/>
-          <a:ext cx="1174789" cy="1174789"/>
-        </a:xfrm>
-        <a:prstGeom prst="ellipse">
-          <a:avLst/>
-        </a:prstGeom>
-        <a:solidFill>
-          <a:schemeClr val="accent1">
-            <a:hueOff val="0"/>
-            <a:satOff val="0"/>
-            <a:lumOff val="0"/>
-            <a:alphaOff val="0"/>
-          </a:schemeClr>
-        </a:solidFill>
-        <a:ln w="12700" cap="flat" cmpd="sng" algn="ctr">
-          <a:solidFill>
-            <a:schemeClr val="lt1">
-              <a:hueOff val="0"/>
-              <a:satOff val="0"/>
-              <a:lumOff val="0"/>
-              <a:alphaOff val="0"/>
-            </a:schemeClr>
-          </a:solidFill>
-          <a:prstDash val="solid"/>
-          <a:miter lim="800000"/>
-        </a:ln>
-        <a:effectLst/>
-      </dsp:spPr>
-      <dsp:style>
-        <a:lnRef idx="2">
-          <a:scrgbClr r="0" g="0" b="0"/>
-        </a:lnRef>
-        <a:fillRef idx="1">
-          <a:scrgbClr r="0" g="0" b="0"/>
-        </a:fillRef>
-        <a:effectRef idx="0">
-          <a:scrgbClr r="0" g="0" b="0"/>
-        </a:effectRef>
-        <a:fontRef idx="minor">
-          <a:schemeClr val="lt1"/>
-        </a:fontRef>
-      </dsp:style>
-    </dsp:sp>
-    <dsp:sp modelId="{C326757F-1024-4D5A-A7A0-B14D13732027}">
-      <dsp:nvSpPr>
-        <dsp:cNvPr id="0" name=""/>
-        <dsp:cNvSpPr/>
-      </dsp:nvSpPr>
-      <dsp:spPr>
-        <a:xfrm>
-          <a:off x="5771770" y="41957"/>
-          <a:ext cx="1762184" cy="1174789"/>
-        </a:xfrm>
-        <a:prstGeom prst="rect">
-          <a:avLst/>
-        </a:prstGeom>
-        <a:noFill/>
-        <a:ln>
-          <a:noFill/>
-        </a:ln>
-        <a:effectLst/>
-      </dsp:spPr>
-      <dsp:style>
-        <a:lnRef idx="0">
-          <a:scrgbClr r="0" g="0" b="0"/>
-        </a:lnRef>
-        <a:fillRef idx="0">
-          <a:scrgbClr r="0" g="0" b="0"/>
-        </a:fillRef>
-        <a:effectRef idx="0">
-          <a:scrgbClr r="0" g="0" b="0"/>
-        </a:effectRef>
-        <a:fontRef idx="minor"/>
-      </dsp:style>
-      <dsp:txBody>
-        <a:bodyPr spcFirstLastPara="0" vert="horz" wrap="square" lIns="182880" tIns="182880" rIns="182880" bIns="182880" numCol="1" spcCol="1270" anchor="ctr" anchorCtr="0">
-          <a:noAutofit/>
-        </a:bodyPr>
-        <a:lstStyle/>
-        <a:p>
-          <a:pPr lvl="0" algn="l" defTabSz="2133600">
-            <a:lnSpc>
-              <a:spcPct val="90000"/>
-            </a:lnSpc>
-            <a:spcBef>
-              <a:spcPct val="0"/>
-            </a:spcBef>
-            <a:spcAft>
-              <a:spcPct val="35000"/>
-            </a:spcAft>
-          </a:pPr>
-          <a:endParaRPr lang="en-US" sz="4800" kern="1200"/>
-        </a:p>
-      </dsp:txBody>
-      <dsp:txXfrm>
-        <a:off x="5771770" y="41957"/>
-        <a:ext cx="1762184" cy="1174789"/>
-      </dsp:txXfrm>
-    </dsp:sp>
-    <dsp:sp modelId="{2DF5FA19-5CBB-43FA-9423-D10AB6AEFF24}">
-      <dsp:nvSpPr>
-        <dsp:cNvPr id="0" name=""/>
-        <dsp:cNvSpPr/>
-      </dsp:nvSpPr>
-      <dsp:spPr>
-        <a:xfrm>
-          <a:off x="2173977" y="1589742"/>
-          <a:ext cx="1174789" cy="1174789"/>
-        </a:xfrm>
-        <a:prstGeom prst="ellipse">
-          <a:avLst/>
-        </a:prstGeom>
-        <a:solidFill>
-          <a:schemeClr val="accent1">
-            <a:hueOff val="0"/>
-            <a:satOff val="0"/>
-            <a:lumOff val="0"/>
-            <a:alphaOff val="0"/>
-          </a:schemeClr>
-        </a:solidFill>
-        <a:ln w="12700" cap="flat" cmpd="sng" algn="ctr">
-          <a:solidFill>
-            <a:schemeClr val="lt1">
-              <a:hueOff val="0"/>
-              <a:satOff val="0"/>
-              <a:lumOff val="0"/>
-              <a:alphaOff val="0"/>
-            </a:schemeClr>
-          </a:solidFill>
-          <a:prstDash val="solid"/>
-          <a:miter lim="800000"/>
-        </a:ln>
-        <a:effectLst/>
-      </dsp:spPr>
-      <dsp:style>
-        <a:lnRef idx="2">
-          <a:scrgbClr r="0" g="0" b="0"/>
-        </a:lnRef>
-        <a:fillRef idx="1">
-          <a:scrgbClr r="0" g="0" b="0"/>
-        </a:fillRef>
-        <a:effectRef idx="0">
-          <a:scrgbClr r="0" g="0" b="0"/>
-        </a:effectRef>
-        <a:fontRef idx="minor">
-          <a:schemeClr val="lt1"/>
-        </a:fontRef>
-      </dsp:style>
-    </dsp:sp>
-    <dsp:sp modelId="{45A9FB55-75B8-4B3B-9201-A336E3EFFB58}">
-      <dsp:nvSpPr>
-        <dsp:cNvPr id="0" name=""/>
-        <dsp:cNvSpPr/>
-      </dsp:nvSpPr>
-      <dsp:spPr>
-        <a:xfrm>
-          <a:off x="3348766" y="1586805"/>
-          <a:ext cx="1762184" cy="1174789"/>
-        </a:xfrm>
-        <a:prstGeom prst="rect">
-          <a:avLst/>
-        </a:prstGeom>
-        <a:noFill/>
-        <a:ln>
-          <a:noFill/>
-        </a:ln>
-        <a:effectLst/>
-      </dsp:spPr>
-      <dsp:style>
-        <a:lnRef idx="0">
-          <a:scrgbClr r="0" g="0" b="0"/>
-        </a:lnRef>
-        <a:fillRef idx="0">
-          <a:scrgbClr r="0" g="0" b="0"/>
-        </a:fillRef>
-        <a:effectRef idx="0">
-          <a:scrgbClr r="0" g="0" b="0"/>
-        </a:effectRef>
-        <a:fontRef idx="minor"/>
-      </dsp:style>
-      <dsp:txBody>
-        <a:bodyPr spcFirstLastPara="0" vert="horz" wrap="square" lIns="182880" tIns="182880" rIns="182880" bIns="182880" numCol="1" spcCol="1270" anchor="ctr" anchorCtr="0">
-          <a:noAutofit/>
-        </a:bodyPr>
-        <a:lstStyle/>
-        <a:p>
-          <a:pPr lvl="0" algn="l" defTabSz="2133600">
-            <a:lnSpc>
-              <a:spcPct val="90000"/>
-            </a:lnSpc>
-            <a:spcBef>
-              <a:spcPct val="0"/>
-            </a:spcBef>
-            <a:spcAft>
-              <a:spcPct val="35000"/>
-            </a:spcAft>
-          </a:pPr>
-          <a:endParaRPr lang="en-US" sz="4800" kern="1200"/>
-        </a:p>
-      </dsp:txBody>
-      <dsp:txXfrm>
-        <a:off x="3348766" y="1586805"/>
-        <a:ext cx="1762184" cy="1174789"/>
-      </dsp:txXfrm>
-    </dsp:sp>
-    <dsp:sp modelId="{D740079B-5ADA-4C72-9B24-EF893D34D6D9}">
-      <dsp:nvSpPr>
-        <dsp:cNvPr id="0" name=""/>
-        <dsp:cNvSpPr/>
-      </dsp:nvSpPr>
-      <dsp:spPr>
-        <a:xfrm>
-          <a:off x="558641" y="3134591"/>
-          <a:ext cx="1174789" cy="1174789"/>
-        </a:xfrm>
-        <a:prstGeom prst="ellipse">
-          <a:avLst/>
-        </a:prstGeom>
-        <a:solidFill>
-          <a:schemeClr val="accent1">
-            <a:hueOff val="0"/>
-            <a:satOff val="0"/>
-            <a:lumOff val="0"/>
-            <a:alphaOff val="0"/>
-          </a:schemeClr>
-        </a:solidFill>
-        <a:ln w="12700" cap="flat" cmpd="sng" algn="ctr">
-          <a:solidFill>
-            <a:schemeClr val="lt1">
-              <a:hueOff val="0"/>
-              <a:satOff val="0"/>
-              <a:lumOff val="0"/>
-              <a:alphaOff val="0"/>
-            </a:schemeClr>
-          </a:solidFill>
-          <a:prstDash val="solid"/>
-          <a:miter lim="800000"/>
-        </a:ln>
-        <a:effectLst/>
-      </dsp:spPr>
-      <dsp:style>
-        <a:lnRef idx="2">
-          <a:scrgbClr r="0" g="0" b="0"/>
-        </a:lnRef>
-        <a:fillRef idx="1">
-          <a:scrgbClr r="0" g="0" b="0"/>
-        </a:fillRef>
-        <a:effectRef idx="0">
-          <a:scrgbClr r="0" g="0" b="0"/>
-        </a:effectRef>
-        <a:fontRef idx="minor">
-          <a:schemeClr val="lt1"/>
-        </a:fontRef>
-      </dsp:style>
-    </dsp:sp>
-    <dsp:sp modelId="{0234F396-4892-464D-B858-941D22301C82}">
-      <dsp:nvSpPr>
-        <dsp:cNvPr id="0" name=""/>
-        <dsp:cNvSpPr/>
-      </dsp:nvSpPr>
-      <dsp:spPr>
-        <a:xfrm>
-          <a:off x="1733430" y="3131654"/>
-          <a:ext cx="1762184" cy="1174789"/>
-        </a:xfrm>
-        <a:prstGeom prst="rect">
-          <a:avLst/>
-        </a:prstGeom>
-        <a:noFill/>
-        <a:ln>
-          <a:noFill/>
-        </a:ln>
-        <a:effectLst/>
-      </dsp:spPr>
-      <dsp:style>
-        <a:lnRef idx="0">
-          <a:scrgbClr r="0" g="0" b="0"/>
-        </a:lnRef>
-        <a:fillRef idx="0">
-          <a:scrgbClr r="0" g="0" b="0"/>
-        </a:fillRef>
-        <a:effectRef idx="0">
-          <a:scrgbClr r="0" g="0" b="0"/>
-        </a:effectRef>
-        <a:fontRef idx="minor"/>
-      </dsp:style>
-      <dsp:txBody>
-        <a:bodyPr spcFirstLastPara="0" vert="horz" wrap="square" lIns="182880" tIns="182880" rIns="182880" bIns="182880" numCol="1" spcCol="1270" anchor="ctr" anchorCtr="0">
-          <a:noAutofit/>
-        </a:bodyPr>
-        <a:lstStyle/>
-        <a:p>
-          <a:pPr lvl="0" algn="l" defTabSz="2133600">
-            <a:lnSpc>
-              <a:spcPct val="90000"/>
-            </a:lnSpc>
-            <a:spcBef>
-              <a:spcPct val="0"/>
-            </a:spcBef>
-            <a:spcAft>
-              <a:spcPct val="35000"/>
-            </a:spcAft>
-          </a:pPr>
-          <a:endParaRPr lang="en-US" sz="4800" kern="1200"/>
-        </a:p>
-      </dsp:txBody>
-      <dsp:txXfrm>
-        <a:off x="1733430" y="3131654"/>
-        <a:ext cx="1762184" cy="1174789"/>
-      </dsp:txXfrm>
-    </dsp:sp>
-    <dsp:sp modelId="{CDF8570D-939E-4733-990D-993518D5E49C}">
-      <dsp:nvSpPr>
-        <dsp:cNvPr id="0" name=""/>
-        <dsp:cNvSpPr/>
-      </dsp:nvSpPr>
-      <dsp:spPr>
-        <a:xfrm>
-          <a:off x="3789312" y="3134591"/>
-          <a:ext cx="1174789" cy="1174789"/>
-        </a:xfrm>
-        <a:prstGeom prst="ellipse">
-          <a:avLst/>
-        </a:prstGeom>
-        <a:solidFill>
-          <a:schemeClr val="accent1">
-            <a:hueOff val="0"/>
-            <a:satOff val="0"/>
-            <a:lumOff val="0"/>
-            <a:alphaOff val="0"/>
-          </a:schemeClr>
-        </a:solidFill>
-        <a:ln w="12700" cap="flat" cmpd="sng" algn="ctr">
-          <a:solidFill>
-            <a:schemeClr val="lt1">
-              <a:hueOff val="0"/>
-              <a:satOff val="0"/>
-              <a:lumOff val="0"/>
-              <a:alphaOff val="0"/>
-            </a:schemeClr>
-          </a:solidFill>
-          <a:prstDash val="solid"/>
-          <a:miter lim="800000"/>
-        </a:ln>
-        <a:effectLst/>
-      </dsp:spPr>
-      <dsp:style>
-        <a:lnRef idx="2">
-          <a:scrgbClr r="0" g="0" b="0"/>
-        </a:lnRef>
-        <a:fillRef idx="1">
-          <a:scrgbClr r="0" g="0" b="0"/>
-        </a:fillRef>
-        <a:effectRef idx="0">
-          <a:scrgbClr r="0" g="0" b="0"/>
-        </a:effectRef>
-        <a:fontRef idx="minor">
-          <a:schemeClr val="lt1"/>
-        </a:fontRef>
-      </dsp:style>
-    </dsp:sp>
-    <dsp:sp modelId="{5C0B7FF6-715E-499F-BE6D-A06C22C47A2D}">
-      <dsp:nvSpPr>
-        <dsp:cNvPr id="0" name=""/>
-        <dsp:cNvSpPr/>
-      </dsp:nvSpPr>
-      <dsp:spPr>
-        <a:xfrm>
-          <a:off x="4964102" y="3131654"/>
-          <a:ext cx="1762184" cy="1174789"/>
-        </a:xfrm>
-        <a:prstGeom prst="rect">
-          <a:avLst/>
-        </a:prstGeom>
-        <a:noFill/>
-        <a:ln>
-          <a:noFill/>
-        </a:ln>
-        <a:effectLst/>
-      </dsp:spPr>
-      <dsp:style>
-        <a:lnRef idx="0">
-          <a:scrgbClr r="0" g="0" b="0"/>
-        </a:lnRef>
-        <a:fillRef idx="0">
-          <a:scrgbClr r="0" g="0" b="0"/>
-        </a:fillRef>
-        <a:effectRef idx="0">
-          <a:scrgbClr r="0" g="0" b="0"/>
-        </a:effectRef>
-        <a:fontRef idx="minor"/>
-      </dsp:style>
-      <dsp:txBody>
-        <a:bodyPr spcFirstLastPara="0" vert="horz" wrap="square" lIns="182880" tIns="182880" rIns="182880" bIns="182880" numCol="1" spcCol="1270" anchor="ctr" anchorCtr="0">
-          <a:noAutofit/>
-        </a:bodyPr>
-        <a:lstStyle/>
-        <a:p>
-          <a:pPr lvl="0" algn="l" defTabSz="2133600">
-            <a:lnSpc>
-              <a:spcPct val="90000"/>
-            </a:lnSpc>
-            <a:spcBef>
-              <a:spcPct val="0"/>
-            </a:spcBef>
-            <a:spcAft>
-              <a:spcPct val="35000"/>
-            </a:spcAft>
-          </a:pPr>
-          <a:endParaRPr lang="en-US" sz="4800" kern="1200"/>
-        </a:p>
-      </dsp:txBody>
-      <dsp:txXfrm>
-        <a:off x="4964102" y="3131654"/>
-        <a:ext cx="1762184" cy="1174789"/>
-      </dsp:txXfrm>
-    </dsp:sp>
-    <dsp:sp modelId="{19D6A517-C946-444E-A305-1FF476F35814}">
-      <dsp:nvSpPr>
-        <dsp:cNvPr id="0" name=""/>
-        <dsp:cNvSpPr/>
-      </dsp:nvSpPr>
-      <dsp:spPr>
-        <a:xfrm>
-          <a:off x="7019984" y="1589742"/>
-          <a:ext cx="1174789" cy="1174789"/>
-        </a:xfrm>
-        <a:prstGeom prst="ellipse">
-          <a:avLst/>
-        </a:prstGeom>
-        <a:solidFill>
-          <a:schemeClr val="accent1">
-            <a:hueOff val="0"/>
-            <a:satOff val="0"/>
-            <a:lumOff val="0"/>
-            <a:alphaOff val="0"/>
-          </a:schemeClr>
-        </a:solidFill>
-        <a:ln w="12700" cap="flat" cmpd="sng" algn="ctr">
-          <a:solidFill>
-            <a:schemeClr val="lt1">
-              <a:hueOff val="0"/>
-              <a:satOff val="0"/>
-              <a:lumOff val="0"/>
-              <a:alphaOff val="0"/>
-            </a:schemeClr>
-          </a:solidFill>
-          <a:prstDash val="solid"/>
-          <a:miter lim="800000"/>
-        </a:ln>
-        <a:effectLst/>
-      </dsp:spPr>
-      <dsp:style>
-        <a:lnRef idx="2">
-          <a:scrgbClr r="0" g="0" b="0"/>
-        </a:lnRef>
-        <a:fillRef idx="1">
-          <a:scrgbClr r="0" g="0" b="0"/>
-        </a:fillRef>
-        <a:effectRef idx="0">
-          <a:scrgbClr r="0" g="0" b="0"/>
-        </a:effectRef>
-        <a:fontRef idx="minor">
-          <a:schemeClr val="lt1"/>
-        </a:fontRef>
-      </dsp:style>
-    </dsp:sp>
-    <dsp:sp modelId="{0831A7E1-CC16-406B-8053-6237453879BB}">
-      <dsp:nvSpPr>
-        <dsp:cNvPr id="0" name=""/>
-        <dsp:cNvSpPr/>
-      </dsp:nvSpPr>
-      <dsp:spPr>
-        <a:xfrm>
-          <a:off x="8194774" y="1586805"/>
-          <a:ext cx="1762184" cy="1174789"/>
-        </a:xfrm>
-        <a:prstGeom prst="rect">
-          <a:avLst/>
-        </a:prstGeom>
-        <a:noFill/>
-        <a:ln>
-          <a:noFill/>
-        </a:ln>
-        <a:effectLst/>
-      </dsp:spPr>
-      <dsp:style>
-        <a:lnRef idx="0">
-          <a:scrgbClr r="0" g="0" b="0"/>
-        </a:lnRef>
-        <a:fillRef idx="0">
-          <a:scrgbClr r="0" g="0" b="0"/>
-        </a:fillRef>
-        <a:effectRef idx="0">
-          <a:scrgbClr r="0" g="0" b="0"/>
-        </a:effectRef>
-        <a:fontRef idx="minor"/>
-      </dsp:style>
-      <dsp:txBody>
-        <a:bodyPr spcFirstLastPara="0" vert="horz" wrap="square" lIns="182880" tIns="182880" rIns="182880" bIns="182880" numCol="1" spcCol="1270" anchor="ctr" anchorCtr="0">
-          <a:noAutofit/>
-        </a:bodyPr>
-        <a:lstStyle/>
-        <a:p>
-          <a:pPr lvl="0" algn="l" defTabSz="2133600">
-            <a:lnSpc>
-              <a:spcPct val="90000"/>
-            </a:lnSpc>
-            <a:spcBef>
-              <a:spcPct val="0"/>
-            </a:spcBef>
-            <a:spcAft>
-              <a:spcPct val="35000"/>
-            </a:spcAft>
-          </a:pPr>
-          <a:endParaRPr lang="en-US" sz="4800" kern="1200"/>
-        </a:p>
-      </dsp:txBody>
-      <dsp:txXfrm>
-        <a:off x="8194774" y="1586805"/>
-        <a:ext cx="1762184" cy="1174789"/>
-      </dsp:txXfrm>
-    </dsp:sp>
-    <dsp:sp modelId="{1529B754-6379-4D7C-9E9F-A51044B567DC}">
-      <dsp:nvSpPr>
-        <dsp:cNvPr id="0" name=""/>
-        <dsp:cNvSpPr/>
-      </dsp:nvSpPr>
-      <dsp:spPr>
-        <a:xfrm>
-          <a:off x="7019984" y="3134591"/>
-          <a:ext cx="1174789" cy="1174789"/>
-        </a:xfrm>
-        <a:prstGeom prst="ellipse">
-          <a:avLst/>
-        </a:prstGeom>
-        <a:solidFill>
-          <a:schemeClr val="accent1">
-            <a:hueOff val="0"/>
-            <a:satOff val="0"/>
-            <a:lumOff val="0"/>
-            <a:alphaOff val="0"/>
-          </a:schemeClr>
-        </a:solidFill>
-        <a:ln w="12700" cap="flat" cmpd="sng" algn="ctr">
-          <a:solidFill>
-            <a:schemeClr val="lt1">
-              <a:hueOff val="0"/>
-              <a:satOff val="0"/>
-              <a:lumOff val="0"/>
-              <a:alphaOff val="0"/>
-            </a:schemeClr>
-          </a:solidFill>
-          <a:prstDash val="solid"/>
-          <a:miter lim="800000"/>
-        </a:ln>
-        <a:effectLst/>
-      </dsp:spPr>
-      <dsp:style>
-        <a:lnRef idx="2">
-          <a:scrgbClr r="0" g="0" b="0"/>
-        </a:lnRef>
-        <a:fillRef idx="1">
-          <a:scrgbClr r="0" g="0" b="0"/>
-        </a:fillRef>
-        <a:effectRef idx="0">
-          <a:scrgbClr r="0" g="0" b="0"/>
-        </a:effectRef>
-        <a:fontRef idx="minor">
-          <a:schemeClr val="lt1"/>
-        </a:fontRef>
-      </dsp:style>
-    </dsp:sp>
-    <dsp:sp modelId="{5463697F-483A-41A5-B4BD-E8E8F8C3C61C}">
-      <dsp:nvSpPr>
-        <dsp:cNvPr id="0" name=""/>
-        <dsp:cNvSpPr/>
-      </dsp:nvSpPr>
-      <dsp:spPr>
-        <a:xfrm>
-          <a:off x="8194774" y="3131654"/>
-          <a:ext cx="1762184" cy="1174789"/>
-        </a:xfrm>
-        <a:prstGeom prst="rect">
-          <a:avLst/>
-        </a:prstGeom>
-        <a:noFill/>
-        <a:ln>
-          <a:noFill/>
-        </a:ln>
-        <a:effectLst/>
-      </dsp:spPr>
-      <dsp:style>
-        <a:lnRef idx="0">
-          <a:scrgbClr r="0" g="0" b="0"/>
-        </a:lnRef>
-        <a:fillRef idx="0">
-          <a:scrgbClr r="0" g="0" b="0"/>
-        </a:fillRef>
-        <a:effectRef idx="0">
-          <a:scrgbClr r="0" g="0" b="0"/>
-        </a:effectRef>
-        <a:fontRef idx="minor"/>
-      </dsp:style>
-      <dsp:txBody>
-        <a:bodyPr spcFirstLastPara="0" vert="horz" wrap="square" lIns="182880" tIns="182880" rIns="182880" bIns="182880" numCol="1" spcCol="1270" anchor="ctr" anchorCtr="0">
-          <a:noAutofit/>
-        </a:bodyPr>
-        <a:lstStyle/>
-        <a:p>
-          <a:pPr lvl="0" algn="l" defTabSz="2133600">
-            <a:lnSpc>
-              <a:spcPct val="90000"/>
-            </a:lnSpc>
-            <a:spcBef>
-              <a:spcPct val="0"/>
-            </a:spcBef>
-            <a:spcAft>
-              <a:spcPct val="35000"/>
-            </a:spcAft>
-          </a:pPr>
-          <a:endParaRPr lang="en-US" sz="4800" kern="1200"/>
-        </a:p>
-      </dsp:txBody>
-      <dsp:txXfrm>
-        <a:off x="8194774" y="3131654"/>
-        <a:ext cx="1762184" cy="1174789"/>
-      </dsp:txXfrm>
-    </dsp:sp>
-  </dsp:spTree>
-</dsp:drawing>
+      </p:grpSpPr>
+      <p:sp>
+        <p:nvSpPr>
+          <p:cNvPr id="2" name="Slide Image Placeholder 1"/>
+          <p:cNvSpPr>
+            <a:spLocks noGrp="1" noRot="1" noChangeAspect="1"/>
+          </p:cNvSpPr>
+          <p:nvPr>
+            <p:ph type="sldImg"/>
+          </p:nvPr>
+        </p:nvSpPr>
+        <p:spPr/>
+      </p:sp>
+      <p:sp>
+        <p:nvSpPr>
+          <p:cNvPr id="3" name="Notes Placeholder 2"/>
+          <p:cNvSpPr>
+            <a:spLocks noGrp="1"/>
+          </p:cNvSpPr>
+          <p:nvPr>
+            <p:ph type="body" idx="1"/>
+          </p:nvPr>
+        </p:nvSpPr>
+        <p:spPr/>
+        <p:txBody>
+          <a:bodyPr/>
+          <a:lstStyle/>
+          <a:p>
+            <a:endParaRPr lang="en-US" dirty="0"/>
+          </a:p>
+        </p:txBody>
+      </p:sp>
+      <p:sp>
+        <p:nvSpPr>
+          <p:cNvPr id="4" name="Header Placeholder 3"/>
+          <p:cNvSpPr>
+            <a:spLocks noGrp="1"/>
+          </p:cNvSpPr>
+          <p:nvPr>
+            <p:ph type="hdr" sz="quarter"/>
+          </p:nvPr>
+        </p:nvSpPr>
+        <p:spPr/>
+        <p:txBody>
+          <a:bodyPr/>
+          <a:lstStyle/>
+          <a:p>
+            <a:r>
+              <a:rPr lang="en-US"/>
+              <a:t>https://github.com/mcjavabootcamp/BuildACastle</a:t>
+            </a:r>
+          </a:p>
+        </p:txBody>
+      </p:sp>
+      <p:sp>
+        <p:nvSpPr>
+          <p:cNvPr id="5" name="Slide Number Placeholder 4"/>
+          <p:cNvSpPr>
+            <a:spLocks noGrp="1"/>
+          </p:cNvSpPr>
+          <p:nvPr>
+            <p:ph type="sldNum" sz="quarter" idx="5"/>
+          </p:nvPr>
+        </p:nvSpPr>
+        <p:spPr/>
+        <p:txBody>
+          <a:bodyPr/>
+          <a:lstStyle/>
+          <a:p>
+            <a:fld id="{C7CDDC58-AC14-432A-9C48-EAC3DB169D66}" type="slidenum">
+              <a:rPr lang="en-US" smtClean="0"/>
+              <a:t>9</a:t>
+            </a:fld>
+            <a:endParaRPr lang="en-US"/>
+          </a:p>
+        </p:txBody>
+      </p:sp>
+    </p:spTree>
+    <p:extLst>
+      <p:ext uri="{BB962C8B-B14F-4D97-AF65-F5344CB8AC3E}">
+        <p14:creationId xmlns:p14="http://schemas.microsoft.com/office/powerpoint/2010/main" val="1956815217"/>
+      </p:ext>
+    </p:extLst>
+  </p:cSld>
+  <p:clrMapOvr>
+    <a:masterClrMapping/>
+  </p:clrMapOvr>
+</p:notes>
 </file>
 
-<file path=ppt/diagrams/layout1.xml><?xml version="1.0" encoding="utf-8"?>
-<dgm:layoutDef xmlns:dgm="http://schemas.openxmlformats.org/drawingml/2006/diagram" xmlns:a="http://schemas.openxmlformats.org/drawingml/2006/main" uniqueId="urn:microsoft.com/office/officeart/2009/layout/CirclePictureHierarchy">
-  <dgm:title val=""/>
-  <dgm:desc val=""/>
-  <dgm:catLst>
-    <dgm:cat type="hierarchy" pri="1750"/>
-    <dgm:cat type="picture" pri="23000"/>
-    <dgm:cat type="pictureconvert" pri="23000"/>
-  </dgm:catLst>
-  <dgm:sampData>
-    <dgm:dataModel>
-      <dgm:ptLst>
-        <dgm:pt modelId="0" type="doc"/>
-        <dgm:pt modelId="1">
-          <dgm:prSet phldr="1"/>
-        </dgm:pt>
-        <dgm:pt modelId="2">
-          <dgm:prSet phldr="1"/>
-        </dgm:pt>
-        <dgm:pt modelId="21">
-          <dgm:prSet phldr="1"/>
-        </dgm:pt>
-        <dgm:pt modelId="22">
-          <dgm:prSet phldr="1"/>
-        </dgm:pt>
-        <dgm:pt modelId="3">
-          <dgm:prSet phldr="1"/>
-        </dgm:pt>
-        <dgm:pt modelId="31">
-          <dgm:prSet phldr="1"/>
-        </dgm:pt>
-      </dgm:ptLst>
-      <dgm:cxnLst>
-        <dgm:cxn modelId="4" srcId="0" destId="1" srcOrd="0" destOrd="0"/>
-        <dgm:cxn modelId="5" srcId="1" destId="2" srcOrd="0" destOrd="0"/>
-        <dgm:cxn modelId="6" srcId="1" destId="3" srcOrd="1" destOrd="0"/>
-        <dgm:cxn modelId="23" srcId="2" destId="21" srcOrd="0" destOrd="0"/>
-        <dgm:cxn modelId="24" srcId="2" destId="22" srcOrd="1" destOrd="0"/>
-        <dgm:cxn modelId="33" srcId="3" destId="31" srcOrd="0" destOrd="0"/>
-      </dgm:cxnLst>
-      <dgm:bg/>
-      <dgm:whole/>
-    </dgm:dataModel>
-  </dgm:sampData>
-  <dgm:styleData>
-    <dgm:dataModel>
-      <dgm:ptLst>
-        <dgm:pt modelId="0" type="doc"/>
-        <dgm:pt modelId="1"/>
-        <dgm:pt modelId="11"/>
-        <dgm:pt modelId="12"/>
-      </dgm:ptLst>
-      <dgm:cxnLst>
-        <dgm:cxn modelId="2" srcId="0" destId="1" srcOrd="0" destOrd="0"/>
-        <dgm:cxn modelId="13" srcId="1" destId="11" srcOrd="0" destOrd="0"/>
-        <dgm:cxn modelId="14" srcId="1" destId="12" srcOrd="1" destOrd="0"/>
-      </dgm:cxnLst>
-      <dgm:bg/>
-      <dgm:whole/>
-    </dgm:dataModel>
-  </dgm:styleData>
-  <dgm:clrData>
-    <dgm:dataModel>
-      <dgm:ptLst>
-        <dgm:pt modelId="0" type="doc"/>
-        <dgm:pt modelId="1"/>
-        <dgm:pt modelId="2"/>
-        <dgm:pt modelId="21"/>
-        <dgm:pt modelId="211"/>
-        <dgm:pt modelId="3"/>
-        <dgm:pt modelId="31"/>
-        <dgm:pt modelId="311"/>
-      </dgm:ptLst>
-      <dgm:cxnLst>
-        <dgm:cxn modelId="4" srcId="0" destId="1" srcOrd="0" destOrd="0"/>
-        <dgm:cxn modelId="5" srcId="1" destId="2" srcOrd="0" destOrd="0"/>
-        <dgm:cxn modelId="6" srcId="1" destId="3" srcOrd="1" destOrd="0"/>
-        <dgm:cxn modelId="23" srcId="2" destId="21" srcOrd="0" destOrd="0"/>
-        <dgm:cxn modelId="24" srcId="21" destId="211" srcOrd="0" destOrd="0"/>
-        <dgm:cxn modelId="33" srcId="3" destId="31" srcOrd="0" destOrd="0"/>
-        <dgm:cxn modelId="34" srcId="31" destId="311" srcOrd="0" destOrd="0"/>
-      </dgm:cxnLst>
-      <dgm:bg/>
-      <dgm:whole/>
-    </dgm:dataModel>
-  </dgm:clrData>
-  <dgm:layoutNode name="hierChild1">
-    <dgm:varLst>
-      <dgm:chPref val="1"/>
-      <dgm:dir/>
-      <dgm:animOne val="branch"/>
-      <dgm:animLvl val="lvl"/>
-      <dgm:resizeHandles/>
-    </dgm:varLst>
-    <dgm:choose name="Name0">
-      <dgm:if name="Name1" func="var" arg="dir" op="equ" val="norm">
-        <dgm:alg type="hierChild">
-          <dgm:param type="linDir" val="fromL"/>
-        </dgm:alg>
-      </dgm:if>
-      <dgm:else name="Name2">
-        <dgm:alg type="hierChild">
-          <dgm:param type="linDir" val="fromR"/>
-        </dgm:alg>
-      </dgm:else>
-    </dgm:choose>
-    <dgm:shape xmlns:r="http://schemas.openxmlformats.org/officeDocument/2006/relationships" r:blip="">
-      <dgm:adjLst/>
-    </dgm:shape>
-    <dgm:presOf/>
-    <dgm:constrLst>
-      <dgm:constr type="primFontSz" for="des" ptType="node" op="equ" val="65"/>
-      <dgm:constr type="w" for="des" forName="composite" refType="w"/>
-      <dgm:constr type="h" for="des" forName="composite" refType="w" refFor="des" refForName="composite" fact="0.5"/>
-      <dgm:constr type="w" for="des" forName="composite2" refType="w" refFor="des" refForName="composite"/>
-      <dgm:constr type="h" for="des" forName="composite2" refType="h" refFor="des" refForName="composite"/>
-      <dgm:constr type="w" for="des" forName="composite3" refType="w" refFor="des" refForName="composite"/>
-      <dgm:constr type="h" for="des" forName="composite3" refType="h" refFor="des" refForName="composite"/>
-      <dgm:constr type="w" for="des" forName="composite4" refType="w" refFor="des" refForName="composite"/>
-      <dgm:constr type="h" for="des" forName="composite4" refType="h" refFor="des" refForName="composite"/>
-      <dgm:constr type="w" for="des" forName="composite5" refType="w" refFor="des" refForName="composite"/>
-      <dgm:constr type="h" for="des" forName="composite5" refType="h" refFor="des" refForName="composite"/>
-      <dgm:constr type="sibSp" refType="w" refFor="des" refForName="composite" fact="0.1"/>
-      <dgm:constr type="sibSp" for="des" forName="hierChild2" refType="sibSp"/>
-      <dgm:constr type="sibSp" for="des" forName="hierChild3" refType="sibSp"/>
-      <dgm:constr type="sibSp" for="des" forName="hierChild4" refType="sibSp"/>
-      <dgm:constr type="sibSp" for="des" forName="hierChild5" refType="sibSp"/>
-      <dgm:constr type="sibSp" for="des" forName="hierChild6" refType="sibSp"/>
-      <dgm:constr type="sp" for="des" forName="hierRoot1" refType="h" refFor="des" refForName="composite" fact="0.25"/>
-      <dgm:constr type="sp" for="des" forName="hierRoot2" refType="sp" refFor="des" refForName="hierRoot1"/>
-      <dgm:constr type="sp" for="des" forName="hierRoot3" refType="sp" refFor="des" refForName="hierRoot1"/>
-      <dgm:constr type="sp" for="des" forName="hierRoot4" refType="sp" refFor="des" refForName="hierRoot1"/>
-      <dgm:constr type="sp" for="des" forName="hierRoot5" refType="sp" refFor="des" refForName="hierRoot1"/>
-    </dgm:constrLst>
-    <dgm:ruleLst/>
-    <dgm:forEach name="Name3" axis="ch">
-      <dgm:forEach name="Name4" axis="self" ptType="node">
-        <dgm:layoutNode name="hierRoot1">
-          <dgm:alg type="hierRoot"/>
-          <dgm:shape xmlns:r="http://schemas.openxmlformats.org/officeDocument/2006/relationships" r:blip="">
-            <dgm:adjLst/>
-          </dgm:shape>
-          <dgm:presOf/>
-          <dgm:constrLst>
-            <dgm:constr type="bendDist" for="des" ptType="parTrans" refType="sp" fact="0.5"/>
-          </dgm:constrLst>
-          <dgm:ruleLst/>
-          <dgm:layoutNode name="composite">
-            <dgm:alg type="composite"/>
-            <dgm:shape xmlns:r="http://schemas.openxmlformats.org/officeDocument/2006/relationships" r:blip="">
-              <dgm:adjLst/>
-            </dgm:shape>
-            <dgm:presOf/>
-            <dgm:constrLst>
-              <dgm:constr type="h" for="ch" forName="image" refType="h" fact="0.8"/>
-              <dgm:constr type="w" for="ch" forName="image" refType="h" refFor="ch" refForName="image"/>
-              <dgm:constr type="t" for="ch" forName="image" refType="h" fact="0.1"/>
-              <dgm:constr type="l" for="ch" forName="image"/>
-              <dgm:constr type="w" for="ch" forName="text" refType="w" fact="0.6"/>
-              <dgm:constr type="h" for="ch" forName="text" refType="h" fact="0.8"/>
-              <dgm:constr type="t" for="ch" forName="text" refType="w" fact="0.04"/>
-              <dgm:constr type="l" for="ch" forName="text" refType="w" fact="0.4"/>
-            </dgm:constrLst>
-            <dgm:ruleLst/>
-            <dgm:layoutNode name="image" styleLbl="node0">
-              <dgm:alg type="sp"/>
-              <dgm:shape xmlns:r="http://schemas.openxmlformats.org/officeDocument/2006/relationships" type="ellipse" r:blip="" blipPhldr="1">
-                <dgm:adjLst/>
-              </dgm:shape>
-              <dgm:presOf/>
-              <dgm:constrLst/>
-              <dgm:ruleLst/>
-            </dgm:layoutNode>
-            <dgm:layoutNode name="text" styleLbl="revTx">
-              <dgm:varLst>
-                <dgm:chPref val="3"/>
-              </dgm:varLst>
-              <dgm:alg type="tx">
-                <dgm:param type="parTxLTRAlign" val="l"/>
-                <dgm:param type="parTxRTLAlign" val="r"/>
-              </dgm:alg>
-              <dgm:shape xmlns:r="http://schemas.openxmlformats.org/officeDocument/2006/relationships" type="rect" r:blip="">
-                <dgm:adjLst/>
-              </dgm:shape>
-              <dgm:presOf axis="self"/>
-              <dgm:constrLst>
-                <dgm:constr type="tMarg" refType="primFontSz" fact="0.3"/>
-                <dgm:constr type="bMarg" refType="primFontSz" fact="0.3"/>
-                <dgm:constr type="lMarg" refType="primFontSz" fact="0.3"/>
-                <dgm:constr type="rMarg" refType="primFontSz" fact="0.3"/>
-              </dgm:constrLst>
-              <dgm:ruleLst>
-                <dgm:rule type="primFontSz" val="5" fact="NaN" max="NaN"/>
-              </dgm:ruleLst>
-            </dgm:layoutNode>
-          </dgm:layoutNode>
-          <dgm:layoutNode name="hierChild2">
-            <dgm:choose name="Name5">
-              <dgm:if name="Name6" func="var" arg="dir" op="equ" val="norm">
-                <dgm:alg type="hierChild">
-                  <dgm:param type="linDir" val="fromL"/>
-                </dgm:alg>
-              </dgm:if>
-              <dgm:else name="Name7">
-                <dgm:alg type="hierChild">
-                  <dgm:param type="linDir" val="fromR"/>
-                </dgm:alg>
-              </dgm:else>
-            </dgm:choose>
-            <dgm:shape xmlns:r="http://schemas.openxmlformats.org/officeDocument/2006/relationships" r:blip="">
-              <dgm:adjLst/>
-            </dgm:shape>
-            <dgm:presOf/>
-            <dgm:constrLst/>
-            <dgm:ruleLst/>
-            <dgm:forEach name="Name8" axis="ch">
-              <dgm:forEach name="Name9" axis="self" ptType="parTrans" cnt="1">
-                <dgm:layoutNode name="Name10">
-                  <dgm:alg type="conn">
-                    <dgm:param type="dim" val="1D"/>
-                    <dgm:param type="endSty" val="noArr"/>
-                    <dgm:param type="connRout" val="bend"/>
-                    <dgm:param type="bendPt" val="end"/>
-                    <dgm:param type="begPts" val="bCtr"/>
-                    <dgm:param type="endPts" val="tCtr"/>
-                    <dgm:param type="srcNode" val="image"/>
-                    <dgm:param type="dstNode" val="image2"/>
-                  </dgm:alg>
-                  <dgm:shape xmlns:r="http://schemas.openxmlformats.org/officeDocument/2006/relationships" type="conn" r:blip="" zOrderOff="-999">
-                    <dgm:adjLst/>
-                  </dgm:shape>
-                  <dgm:presOf axis="self"/>
-                  <dgm:constrLst>
-                    <dgm:constr type="begPad"/>
-                    <dgm:constr type="endPad"/>
-                  </dgm:constrLst>
-                  <dgm:ruleLst/>
-                </dgm:layoutNode>
-              </dgm:forEach>
-              <dgm:forEach name="Name11" axis="self" ptType="node">
-                <dgm:layoutNode name="hierRoot2">
-                  <dgm:alg type="hierRoot"/>
-                  <dgm:shape xmlns:r="http://schemas.openxmlformats.org/officeDocument/2006/relationships" r:blip="">
-                    <dgm:adjLst/>
-                  </dgm:shape>
-                  <dgm:presOf/>
-                  <dgm:constrLst>
-                    <dgm:constr type="bendDist" for="des" ptType="parTrans" refType="sp" fact="0.5"/>
-                  </dgm:constrLst>
-                  <dgm:ruleLst/>
-                  <dgm:layoutNode name="composite2">
-                    <dgm:alg type="composite"/>
-                    <dgm:shape xmlns:r="http://schemas.openxmlformats.org/officeDocument/2006/relationships" r:blip="">
-                      <dgm:adjLst/>
-                    </dgm:shape>
-                    <dgm:presOf/>
-                    <dgm:constrLst>
-                      <dgm:constr type="h" for="ch" forName="image2" refType="h" fact="0.8"/>
-                      <dgm:constr type="w" for="ch" forName="image2" refType="h" refFor="ch" refForName="image2"/>
-                      <dgm:constr type="t" for="ch" forName="image2" refType="h" fact="0.1"/>
-                      <dgm:constr type="l" for="ch" forName="image2"/>
-                      <dgm:constr type="w" for="ch" forName="text2" refType="w" fact="0.6"/>
-                      <dgm:constr type="h" for="ch" forName="text2" refType="h" fact="0.8"/>
-                      <dgm:constr type="t" for="ch" forName="text2" refType="w" fact="0.04"/>
-                      <dgm:constr type="l" for="ch" forName="text2" refType="w" fact="0.4"/>
-                    </dgm:constrLst>
-                    <dgm:ruleLst/>
-                    <dgm:layoutNode name="image2">
-                      <dgm:alg type="sp"/>
-                      <dgm:shape xmlns:r="http://schemas.openxmlformats.org/officeDocument/2006/relationships" type="ellipse" r:blip="" blipPhldr="1">
-                        <dgm:adjLst/>
-                      </dgm:shape>
-                      <dgm:presOf/>
-                      <dgm:constrLst/>
-                      <dgm:ruleLst/>
-                    </dgm:layoutNode>
-                    <dgm:layoutNode name="text2" styleLbl="revTx">
-                      <dgm:varLst>
-                        <dgm:chPref val="3"/>
-                      </dgm:varLst>
-                      <dgm:alg type="tx">
-                        <dgm:param type="parTxLTRAlign" val="l"/>
-                        <dgm:param type="parTxRTLAlign" val="r"/>
-                      </dgm:alg>
-                      <dgm:shape xmlns:r="http://schemas.openxmlformats.org/officeDocument/2006/relationships" type="rect" r:blip="">
-                        <dgm:adjLst/>
-                      </dgm:shape>
-                      <dgm:presOf axis="self"/>
-                      <dgm:constrLst>
-                        <dgm:constr type="tMarg" refType="primFontSz" fact="0.3"/>
-                        <dgm:constr type="bMarg" refType="primFontSz" fact="0.3"/>
-                        <dgm:constr type="lMarg" refType="primFontSz" fact="0.3"/>
-                        <dgm:constr type="rMarg" refType="primFontSz" fact="0.3"/>
-                      </dgm:constrLst>
-                      <dgm:ruleLst>
-                        <dgm:rule type="primFontSz" val="5" fact="NaN" max="NaN"/>
-                      </dgm:ruleLst>
-                    </dgm:layoutNode>
-                  </dgm:layoutNode>
-                  <dgm:layoutNode name="hierChild3">
-                    <dgm:choose name="Name12">
-                      <dgm:if name="Name13" func="var" arg="dir" op="equ" val="norm">
-                        <dgm:alg type="hierChild">
-                          <dgm:param type="linDir" val="fromL"/>
-                        </dgm:alg>
-                      </dgm:if>
-                      <dgm:else name="Name14">
-                        <dgm:alg type="hierChild">
-                          <dgm:param type="linDir" val="fromR"/>
-                        </dgm:alg>
-                      </dgm:else>
-                    </dgm:choose>
-                    <dgm:shape xmlns:r="http://schemas.openxmlformats.org/officeDocument/2006/relationships" r:blip="">
-                      <dgm:adjLst/>
-                    </dgm:shape>
-                    <dgm:presOf/>
-                    <dgm:constrLst/>
-                    <dgm:ruleLst/>
-                    <dgm:forEach name="Name15" axis="ch">
-                      <dgm:forEach name="Name16" axis="self" ptType="parTrans" cnt="1">
-                        <dgm:layoutNode name="Name17">
-                          <dgm:alg type="conn">
-                            <dgm:param type="dim" val="1D"/>
-                            <dgm:param type="endSty" val="noArr"/>
-                            <dgm:param type="connRout" val="bend"/>
-                            <dgm:param type="bendPt" val="end"/>
-                            <dgm:param type="begPts" val="bCtr"/>
-                            <dgm:param type="endPts" val="tCtr"/>
-                            <dgm:param type="srcNode" val="image2"/>
-                            <dgm:param type="dstNode" val="image3"/>
-                          </dgm:alg>
-                          <dgm:shape xmlns:r="http://schemas.openxmlformats.org/officeDocument/2006/relationships" type="conn" r:blip="" zOrderOff="-999">
-                            <dgm:adjLst/>
-                          </dgm:shape>
-                          <dgm:presOf axis="self"/>
-                          <dgm:constrLst>
-                            <dgm:constr type="begPad"/>
-                            <dgm:constr type="endPad"/>
-                          </dgm:constrLst>
-                          <dgm:ruleLst/>
-                        </dgm:layoutNode>
-                      </dgm:forEach>
-                      <dgm:forEach name="Name18" axis="self" ptType="node">
-                        <dgm:layoutNode name="hierRoot3">
-                          <dgm:alg type="hierRoot"/>
-                          <dgm:shape xmlns:r="http://schemas.openxmlformats.org/officeDocument/2006/relationships" r:blip="">
-                            <dgm:adjLst/>
-                          </dgm:shape>
-                          <dgm:presOf/>
-                          <dgm:constrLst>
-                            <dgm:constr type="bendDist" for="des" ptType="parTrans" refType="sp" fact="0.5"/>
-                          </dgm:constrLst>
-                          <dgm:ruleLst/>
-                          <dgm:layoutNode name="composite3">
-                            <dgm:alg type="composite"/>
-                            <dgm:shape xmlns:r="http://schemas.openxmlformats.org/officeDocument/2006/relationships" r:blip="">
-                              <dgm:adjLst/>
-                            </dgm:shape>
-                            <dgm:presOf/>
-                            <dgm:constrLst>
-                              <dgm:constr type="h" for="ch" forName="image3" refType="h" fact="0.8"/>
-                              <dgm:constr type="w" for="ch" forName="image3" refType="h" refFor="ch" refForName="image3"/>
-                              <dgm:constr type="t" for="ch" forName="image3" refType="h" fact="0.1"/>
-                              <dgm:constr type="l" for="ch" forName="image3"/>
-                              <dgm:constr type="w" for="ch" forName="text3" refType="w" fact="0.6"/>
-                              <dgm:constr type="h" for="ch" forName="text3" refType="h" fact="0.8"/>
-                              <dgm:constr type="t" for="ch" forName="text3" refType="w" fact="0.04"/>
-                              <dgm:constr type="l" for="ch" forName="text3" refType="w" fact="0.4"/>
-                            </dgm:constrLst>
-                            <dgm:ruleLst/>
-                            <dgm:layoutNode name="image3">
-                              <dgm:alg type="sp"/>
-                              <dgm:shape xmlns:r="http://schemas.openxmlformats.org/officeDocument/2006/relationships" type="ellipse" r:blip="" blipPhldr="1">
-                                <dgm:adjLst/>
-                              </dgm:shape>
-                              <dgm:presOf/>
-                              <dgm:constrLst/>
-                              <dgm:ruleLst/>
-                            </dgm:layoutNode>
-                            <dgm:layoutNode name="text3" styleLbl="revTx">
-                              <dgm:varLst>
-                                <dgm:chPref val="3"/>
-                              </dgm:varLst>
-                              <dgm:alg type="tx">
-                                <dgm:param type="parTxLTRAlign" val="l"/>
-                                <dgm:param type="parTxRTLAlign" val="r"/>
-                              </dgm:alg>
-                              <dgm:shape xmlns:r="http://schemas.openxmlformats.org/officeDocument/2006/relationships" type="rect" r:blip="">
-                                <dgm:adjLst/>
-                              </dgm:shape>
-                              <dgm:presOf axis="self"/>
-                              <dgm:constrLst>
-                                <dgm:constr type="tMarg" refType="primFontSz" fact="0.3"/>
-                                <dgm:constr type="bMarg" refType="primFontSz" fact="0.3"/>
-                                <dgm:constr type="lMarg" refType="primFontSz" fact="0.3"/>
-                                <dgm:constr type="rMarg" refType="primFontSz" fact="0.3"/>
-                              </dgm:constrLst>
-                              <dgm:ruleLst>
-                                <dgm:rule type="primFontSz" val="5" fact="NaN" max="NaN"/>
-                              </dgm:ruleLst>
-                            </dgm:layoutNode>
-                          </dgm:layoutNode>
-                          <dgm:layoutNode name="hierChild4">
-                            <dgm:choose name="Name19">
-                              <dgm:if name="Name20" func="var" arg="dir" op="equ" val="norm">
-                                <dgm:alg type="hierChild">
-                                  <dgm:param type="linDir" val="fromL"/>
-                                </dgm:alg>
-                              </dgm:if>
-                              <dgm:else name="Name21">
-                                <dgm:alg type="hierChild">
-                                  <dgm:param type="linDir" val="fromR"/>
-                                </dgm:alg>
-                              </dgm:else>
-                            </dgm:choose>
-                            <dgm:shape xmlns:r="http://schemas.openxmlformats.org/officeDocument/2006/relationships" r:blip="">
-                              <dgm:adjLst/>
-                            </dgm:shape>
-                            <dgm:presOf/>
-                            <dgm:constrLst/>
-                            <dgm:ruleLst/>
-                            <dgm:forEach name="repeat" axis="ch">
-                              <dgm:forEach name="Name22" axis="self" ptType="parTrans" cnt="1">
-                                <dgm:layoutNode name="Name23">
-                                  <dgm:choose name="Name24">
-                                    <dgm:if name="Name25" axis="self" func="depth" op="lte" val="4">
-                                      <dgm:alg type="conn">
-                                        <dgm:param type="dim" val="1D"/>
-                                        <dgm:param type="endSty" val="noArr"/>
-                                        <dgm:param type="connRout" val="bend"/>
-                                        <dgm:param type="bendPt" val="end"/>
-                                        <dgm:param type="begPts" val="bCtr"/>
-                                        <dgm:param type="endPts" val="tCtr"/>
-                                        <dgm:param type="srcNode" val="image3"/>
-                                        <dgm:param type="dstNode" val="image4"/>
-                                      </dgm:alg>
-                                    </dgm:if>
-                                    <dgm:else name="Name26">
-                                      <dgm:alg type="conn">
-                                        <dgm:param type="dim" val="1D"/>
-                                        <dgm:param type="endSty" val="noArr"/>
-                                        <dgm:param type="connRout" val="bend"/>
-                                        <dgm:param type="bendPt" val="end"/>
-                                        <dgm:param type="begPts" val="bCtr"/>
-                                        <dgm:param type="endPts" val="tCtr"/>
-                                        <dgm:param type="srcNode" val="image4"/>
-                                        <dgm:param type="dstNode" val="image4"/>
-                                      </dgm:alg>
-                                    </dgm:else>
-                                  </dgm:choose>
-                                  <dgm:shape xmlns:r="http://schemas.openxmlformats.org/officeDocument/2006/relationships" type="conn" r:blip="" zOrderOff="-999">
-                                    <dgm:adjLst/>
-                                  </dgm:shape>
-                                  <dgm:presOf axis="self"/>
-                                  <dgm:constrLst>
-                                    <dgm:constr type="begPad"/>
-                                    <dgm:constr type="endPad"/>
-                                  </dgm:constrLst>
-                                  <dgm:ruleLst/>
-                                </dgm:layoutNode>
-                              </dgm:forEach>
-                              <dgm:forEach name="Name27" axis="self" ptType="node">
-                                <dgm:layoutNode name="hierRoot4">
-                                  <dgm:alg type="hierRoot"/>
-                                  <dgm:shape xmlns:r="http://schemas.openxmlformats.org/officeDocument/2006/relationships" r:blip="">
-                                    <dgm:adjLst/>
-                                  </dgm:shape>
-                                  <dgm:presOf/>
-                                  <dgm:constrLst>
-                                    <dgm:constr type="bendDist" for="des" ptType="parTrans" refType="sp" fact="0.5"/>
-                                  </dgm:constrLst>
-                                  <dgm:ruleLst/>
-                                  <dgm:layoutNode name="composite4">
-                                    <dgm:alg type="composite"/>
-                                    <dgm:shape xmlns:r="http://schemas.openxmlformats.org/officeDocument/2006/relationships" r:blip="">
-                                      <dgm:adjLst/>
-                                    </dgm:shape>
-                                    <dgm:presOf/>
-                                    <dgm:constrLst>
-                                      <dgm:constr type="h" for="ch" forName="image4" refType="h" fact="0.8"/>
-                                      <dgm:constr type="w" for="ch" forName="image4" refType="h" refFor="ch" refForName="image4"/>
-                                      <dgm:constr type="t" for="ch" forName="image4" refType="h" fact="0.1"/>
-                                      <dgm:constr type="l" for="ch" forName="image4"/>
-                                      <dgm:constr type="w" for="ch" forName="text4" refType="w" fact="0.6"/>
-                                      <dgm:constr type="h" for="ch" forName="text4" refType="h" fact="0.8"/>
-                                      <dgm:constr type="t" for="ch" forName="text4" refType="w" fact="0.04"/>
-                                      <dgm:constr type="l" for="ch" forName="text4" refType="w" fact="0.4"/>
-                                    </dgm:constrLst>
-                                    <dgm:ruleLst/>
-                                    <dgm:layoutNode name="image4">
-                                      <dgm:alg type="sp"/>
-                                      <dgm:shape xmlns:r="http://schemas.openxmlformats.org/officeDocument/2006/relationships" type="ellipse" r:blip="" blipPhldr="1">
-                                        <dgm:adjLst/>
-                                      </dgm:shape>
-                                      <dgm:presOf/>
-                                      <dgm:constrLst/>
-                                      <dgm:ruleLst/>
-                                    </dgm:layoutNode>
-                                    <dgm:layoutNode name="text4" styleLbl="revTx">
-                                      <dgm:varLst>
-                                        <dgm:chPref val="3"/>
-                                      </dgm:varLst>
-                                      <dgm:alg type="tx">
-                                        <dgm:param type="parTxLTRAlign" val="l"/>
-                                        <dgm:param type="parTxRTLAlign" val="r"/>
-                                      </dgm:alg>
-                                      <dgm:shape xmlns:r="http://schemas.openxmlformats.org/officeDocument/2006/relationships" type="rect" r:blip="">
-                                        <dgm:adjLst/>
-                                      </dgm:shape>
-                                      <dgm:presOf axis="self"/>
-                                      <dgm:constrLst>
-                                        <dgm:constr type="tMarg" refType="primFontSz" fact="0.3"/>
-                                        <dgm:constr type="bMarg" refType="primFontSz" fact="0.3"/>
-                                        <dgm:constr type="lMarg" refType="primFontSz" fact="0.3"/>
-                                        <dgm:constr type="rMarg" refType="primFontSz" fact="0.3"/>
-                                      </dgm:constrLst>
-                                      <dgm:ruleLst>
-                                        <dgm:rule type="primFontSz" val="5" fact="NaN" max="NaN"/>
-                                      </dgm:ruleLst>
-                                    </dgm:layoutNode>
-                                  </dgm:layoutNode>
-                                  <dgm:layoutNode name="hierChild5">
-                                    <dgm:choose name="Name28">
-                                      <dgm:if name="Name29" func="var" arg="dir" op="equ" val="norm">
-                                        <dgm:alg type="hierChild">
-                                          <dgm:param type="linDir" val="fromL"/>
-                                        </dgm:alg>
-                                      </dgm:if>
-                                      <dgm:else name="Name30">
-                                        <dgm:alg type="hierChild">
-                                          <dgm:param type="linDir" val="fromR"/>
-                                        </dgm:alg>
-                                      </dgm:else>
-                                    </dgm:choose>
-                                    <dgm:shape xmlns:r="http://schemas.openxmlformats.org/officeDocument/2006/relationships" r:blip="">
-                                      <dgm:adjLst/>
-                                    </dgm:shape>
-                                    <dgm:presOf/>
-                                    <dgm:constrLst/>
-                                    <dgm:ruleLst/>
-                                    <dgm:forEach name="Name31" ref="repeat"/>
-                                  </dgm:layoutNode>
-                                </dgm:layoutNode>
-                              </dgm:forEach>
-                            </dgm:forEach>
-                          </dgm:layoutNode>
-                        </dgm:layoutNode>
-                      </dgm:forEach>
-                    </dgm:forEach>
-                  </dgm:layoutNode>
-                </dgm:layoutNode>
-              </dgm:forEach>
-            </dgm:forEach>
-          </dgm:layoutNode>
-        </dgm:layoutNode>
-      </dgm:forEach>
-    </dgm:forEach>
-  </dgm:layoutNode>
-</dgm:layoutDef>
+<file path=ppt/notesSlides/notesSlide2.xml><?xml version="1.0" encoding="utf-8"?>
+<p:notes xmlns:a="http://schemas.openxmlformats.org/drawingml/2006/main" xmlns:r="http://schemas.openxmlformats.org/officeDocument/2006/relationships" xmlns:p="http://schemas.openxmlformats.org/presentationml/2006/main">
+  <p:cSld>
+    <p:spTree>
+      <p:nvGrpSpPr>
+        <p:cNvPr id="1" name=""/>
+        <p:cNvGrpSpPr/>
+        <p:nvPr/>
+      </p:nvGrpSpPr>
+      <p:grpSpPr>
+        <a:xfrm>
+          <a:off x="0" y="0"/>
+          <a:ext cx="0" cy="0"/>
+          <a:chOff x="0" y="0"/>
+          <a:chExt cx="0" cy="0"/>
+        </a:xfrm>
+      </p:grpSpPr>
+      <p:sp>
+        <p:nvSpPr>
+          <p:cNvPr id="2" name="Slide Image Placeholder 1"/>
+          <p:cNvSpPr>
+            <a:spLocks noGrp="1" noRot="1" noChangeAspect="1"/>
+          </p:cNvSpPr>
+          <p:nvPr>
+            <p:ph type="sldImg"/>
+          </p:nvPr>
+        </p:nvSpPr>
+        <p:spPr/>
+      </p:sp>
+      <p:sp>
+        <p:nvSpPr>
+          <p:cNvPr id="3" name="Notes Placeholder 2"/>
+          <p:cNvSpPr>
+            <a:spLocks noGrp="1"/>
+          </p:cNvSpPr>
+          <p:nvPr>
+            <p:ph type="body" idx="1"/>
+          </p:nvPr>
+        </p:nvSpPr>
+        <p:spPr/>
+        <p:txBody>
+          <a:bodyPr/>
+          <a:lstStyle/>
+          <a:p>
+            <a:endParaRPr lang="en-US" dirty="0"/>
+          </a:p>
+        </p:txBody>
+      </p:sp>
+      <p:sp>
+        <p:nvSpPr>
+          <p:cNvPr id="4" name="Header Placeholder 3"/>
+          <p:cNvSpPr>
+            <a:spLocks noGrp="1"/>
+          </p:cNvSpPr>
+          <p:nvPr>
+            <p:ph type="hdr" sz="quarter"/>
+          </p:nvPr>
+        </p:nvSpPr>
+        <p:spPr/>
+        <p:txBody>
+          <a:bodyPr/>
+          <a:lstStyle/>
+          <a:p>
+            <a:r>
+              <a:rPr lang="en-US"/>
+              <a:t>https://github.com/mcjavabootcamp/BuildACastle</a:t>
+            </a:r>
+          </a:p>
+        </p:txBody>
+      </p:sp>
+      <p:sp>
+        <p:nvSpPr>
+          <p:cNvPr id="5" name="Slide Number Placeholder 4"/>
+          <p:cNvSpPr>
+            <a:spLocks noGrp="1"/>
+          </p:cNvSpPr>
+          <p:nvPr>
+            <p:ph type="sldNum" sz="quarter" idx="5"/>
+          </p:nvPr>
+        </p:nvSpPr>
+        <p:spPr/>
+        <p:txBody>
+          <a:bodyPr/>
+          <a:lstStyle/>
+          <a:p>
+            <a:fld id="{C7CDDC58-AC14-432A-9C48-EAC3DB169D66}" type="slidenum">
+              <a:rPr lang="en-US" smtClean="0"/>
+              <a:t>22</a:t>
+            </a:fld>
+            <a:endParaRPr lang="en-US"/>
+          </a:p>
+        </p:txBody>
+      </p:sp>
+    </p:spTree>
+    <p:extLst>
+      <p:ext uri="{BB962C8B-B14F-4D97-AF65-F5344CB8AC3E}">
+        <p14:creationId xmlns:p14="http://schemas.microsoft.com/office/powerpoint/2010/main" val="2260682419"/>
+      </p:ext>
+    </p:extLst>
+  </p:cSld>
+  <p:clrMapOvr>
+    <a:masterClrMapping/>
+  </p:clrMapOvr>
+</p:notes>
 </file>
 
-<file path=ppt/diagrams/quickStyle1.xml><?xml version="1.0" encoding="utf-8"?>
-<dgm:styleDef xmlns:dgm="http://schemas.openxmlformats.org/drawingml/2006/diagram" xmlns:a="http://schemas.openxmlformats.org/drawingml/2006/main" uniqueId="urn:microsoft.com/office/officeart/2005/8/quickstyle/simple1">
-  <dgm:title val=""/>
-  <dgm:desc val=""/>
-  <dgm:catLst>
-    <dgm:cat type="simple" pri="10100"/>
-  </dgm:catLst>
-  <dgm:scene3d>
-    <a:camera prst="orthographicFront"/>
-    <a:lightRig rig="threePt" dir="t"/>
-  </dgm:scene3d>
-  <dgm:styleLbl name="node0">
-    <dgm:scene3d>
-      <a:camera prst="orthographicFront"/>
-      <a:lightRig rig="threePt" dir="t"/>
-    </dgm:scene3d>
-    <dgm:sp3d/>
-    <dgm:txPr/>
-    <dgm:style>
-      <a:lnRef idx="2">
-        <a:scrgbClr r="0" g="0" b="0"/>
-      </a:lnRef>
-      <a:fillRef idx="1">
-        <a:scrgbClr r="0" g="0" b="0"/>
-      </a:fillRef>
-      <a:effectRef idx="0">
-        <a:scrgbClr r="0" g="0" b="0"/>
-      </a:effectRef>
-      <a:fontRef idx="minor">
-        <a:schemeClr val="lt1"/>
-      </a:fontRef>
-    </dgm:style>
-  </dgm:styleLbl>
-  <dgm:styleLbl name="lnNode1">
-    <dgm:scene3d>
-      <a:camera prst="orthographicFront"/>
-      <a:lightRig rig="threePt" dir="t"/>
-    </dgm:scene3d>
-    <dgm:sp3d/>
-    <dgm:txPr/>
-    <dgm:style>
-      <a:lnRef idx="2">
-        <a:scrgbClr r="0" g="0" b="0"/>
-      </a:lnRef>
-      <a:fillRef idx="1">
-        <a:scrgbClr r="0" g="0" b="0"/>
-      </a:fillRef>
-      <a:effectRef idx="0">
-        <a:scrgbClr r="0" g="0" b="0"/>
-      </a:effectRef>
-      <a:fontRef idx="minor">
-        <a:schemeClr val="lt1"/>
-      </a:fontRef>
-    </dgm:style>
-  </dgm:styleLbl>
-  <dgm:styleLbl name="vennNode1">
-    <dgm:scene3d>
-      <a:camera prst="orthographicFront"/>
-      <a:lightRig rig="threePt" dir="t"/>
-    </dgm:scene3d>
-    <dgm:sp3d/>
-    <dgm:txPr/>
-    <dgm:style>
-      <a:lnRef idx="2">
-        <a:scrgbClr r="0" g="0" b="0"/>
-      </a:lnRef>
-      <a:fillRef idx="1">
-        <a:scrgbClr r="0" g="0" b="0"/>
-      </a:fillRef>
-      <a:effectRef idx="0">
-        <a:scrgbClr r="0" g="0" b="0"/>
-      </a:effectRef>
-      <a:fontRef idx="minor">
-        <a:schemeClr val="tx1"/>
-      </a:fontRef>
-    </dgm:style>
-  </dgm:styleLbl>
-  <dgm:styleLbl name="alignNode1">
-    <dgm:scene3d>
-      <a:camera prst="orthographicFront"/>
-      <a:lightRig rig="threePt" dir="t"/>
-    </dgm:scene3d>
-    <dgm:sp3d/>
-    <dgm:txPr/>
-    <dgm:style>
-      <a:lnRef idx="2">
-        <a:scrgbClr r="0" g="0" b="0"/>
-      </a:lnRef>
-      <a:fillRef idx="1">
-        <a:scrgbClr r="0" g="0" b="0"/>
-      </a:fillRef>
-      <a:effectRef idx="0">
-        <a:scrgbClr r="0" g="0" b="0"/>
-      </a:effectRef>
-      <a:fontRef idx="minor">
-        <a:schemeClr val="lt1"/>
-      </a:fontRef>
-    </dgm:style>
-  </dgm:styleLbl>
-  <dgm:styleLbl name="node1">
-    <dgm:scene3d>
-      <a:camera prst="orthographicFront"/>
-      <a:lightRig rig="threePt" dir="t"/>
-    </dgm:scene3d>
-    <dgm:sp3d/>
-    <dgm:txPr/>
-    <dgm:style>
-      <a:lnRef idx="2">
-        <a:scrgbClr r="0" g="0" b="0"/>
-      </a:lnRef>
-      <a:fillRef idx="1">
-        <a:scrgbClr r="0" g="0" b="0"/>
-      </a:fillRef>
-      <a:effectRef idx="0">
-        <a:scrgbClr r="0" g="0" b="0"/>
-      </a:effectRef>
-      <a:fontRef idx="minor">
-        <a:schemeClr val="lt1"/>
-      </a:fontRef>
-    </dgm:style>
-  </dgm:styleLbl>
-  <dgm:styleLbl name="node2">
-    <dgm:scene3d>
-      <a:camera prst="orthographicFront"/>
-      <a:lightRig rig="threePt" dir="t"/>
-    </dgm:scene3d>
-    <dgm:sp3d/>
-    <dgm:txPr/>
-    <dgm:style>
-      <a:lnRef idx="2">
-        <a:scrgbClr r="0" g="0" b="0"/>
-      </a:lnRef>
-      <a:fillRef idx="1">
-        <a:scrgbClr r="0" g="0" b="0"/>
-      </a:fillRef>
-      <a:effectRef idx="0">
-        <a:scrgbClr r="0" g="0" b="0"/>
-      </a:effectRef>
-      <a:fontRef idx="minor">
-        <a:schemeClr val="lt1"/>
-      </a:fontRef>
-    </dgm:style>
-  </dgm:styleLbl>
-  <dgm:styleLbl name="node3">
-    <dgm:scene3d>
-      <a:camera prst="orthographicFront"/>
-      <a:lightRig rig="threePt" dir="t"/>
-    </dgm:scene3d>
-    <dgm:sp3d/>
-    <dgm:txPr/>
-    <dgm:style>
-      <a:lnRef idx="2">
-        <a:scrgbClr r="0" g="0" b="0"/>
-      </a:lnRef>
-      <a:fillRef idx="1">
-        <a:scrgbClr r="0" g="0" b="0"/>
-      </a:fillRef>
-      <a:effectRef idx="0">
-        <a:scrgbClr r="0" g="0" b="0"/>
-      </a:effectRef>
-      <a:fontRef idx="minor">
-        <a:schemeClr val="lt1"/>
-      </a:fontRef>
-    </dgm:style>
-  </dgm:styleLbl>
-  <dgm:styleLbl name="node4">
-    <dgm:scene3d>
-      <a:camera prst="orthographicFront"/>
-      <a:lightRig rig="threePt" dir="t"/>
-    </dgm:scene3d>
-    <dgm:sp3d/>
-    <dgm:txPr/>
-    <dgm:style>
-      <a:lnRef idx="2">
-        <a:scrgbClr r="0" g="0" b="0"/>
-      </a:lnRef>
-      <a:fillRef idx="1">
-        <a:scrgbClr r="0" g="0" b="0"/>
-      </a:fillRef>
-      <a:effectRef idx="0">
-        <a:scrgbClr r="0" g="0" b="0"/>
-      </a:effectRef>
-      <a:fontRef idx="minor">
-        <a:schemeClr val="lt1"/>
-      </a:fontRef>
-    </dgm:style>
-  </dgm:styleLbl>
-  <dgm:styleLbl name="fgImgPlace1">
-    <dgm:scene3d>
-      <a:camera prst="orthographicFront"/>
-      <a:lightRig rig="threePt" dir="t"/>
-    </dgm:scene3d>
-    <dgm:sp3d/>
-    <dgm:txPr/>
-    <dgm:style>
-      <a:lnRef idx="2">
-        <a:scrgbClr r="0" g="0" b="0"/>
-      </a:lnRef>
-      <a:fillRef idx="1">
-        <a:scrgbClr r="0" g="0" b="0"/>
-      </a:fillRef>
-      <a:effectRef idx="0">
-        <a:scrgbClr r="0" g="0" b="0"/>
-      </a:effectRef>
-      <a:fontRef idx="minor"/>
-    </dgm:style>
-  </dgm:styleLbl>
-  <dgm:styleLbl name="alignImgPlace1">
-    <dgm:scene3d>
-      <a:camera prst="orthographicFront"/>
-      <a:lightRig rig="threePt" dir="t"/>
-    </dgm:scene3d>
-    <dgm:sp3d/>
-    <dgm:txPr/>
-    <dgm:style>
-      <a:lnRef idx="2">
-        <a:scrgbClr r="0" g="0" b="0"/>
-      </a:lnRef>
-      <a:fillRef idx="1">
-        <a:scrgbClr r="0" g="0" b="0"/>
-      </a:fillRef>
-      <a:effectRef idx="0">
-        <a:scrgbClr r="0" g="0" b="0"/>
-      </a:effectRef>
-      <a:fontRef idx="minor"/>
-    </dgm:style>
-  </dgm:styleLbl>
-  <dgm:styleLbl name="bgImgPlace1">
-    <dgm:scene3d>
-      <a:camera prst="orthographicFront"/>
-      <a:lightRig rig="threePt" dir="t"/>
-    </dgm:scene3d>
-    <dgm:sp3d/>
-    <dgm:txPr/>
-    <dgm:style>
-      <a:lnRef idx="2">
-        <a:scrgbClr r="0" g="0" b="0"/>
-      </a:lnRef>
-      <a:fillRef idx="1">
-        <a:scrgbClr r="0" g="0" b="0"/>
-      </a:fillRef>
-      <a:effectRef idx="0">
-        <a:scrgbClr r="0" g="0" b="0"/>
-      </a:effectRef>
-      <a:fontRef idx="minor"/>
-    </dgm:style>
-  </dgm:styleLbl>
-  <dgm:styleLbl name="sibTrans2D1">
-    <dgm:scene3d>
-      <a:camera prst="orthographicFront"/>
-      <a:lightRig rig="threePt" dir="t"/>
-    </dgm:scene3d>
-    <dgm:sp3d/>
-    <dgm:txPr/>
-    <dgm:style>
-      <a:lnRef idx="0">
-        <a:scrgbClr r="0" g="0" b="0"/>
-      </a:lnRef>
-      <a:fillRef idx="1">
-        <a:scrgbClr r="0" g="0" b="0"/>
-      </a:fillRef>
-      <a:effectRef idx="0">
-        <a:scrgbClr r="0" g="0" b="0"/>
-      </a:effectRef>
-      <a:fontRef idx="minor">
-        <a:schemeClr val="lt1"/>
-      </a:fontRef>
-    </dgm:style>
-  </dgm:styleLbl>
-  <dgm:styleLbl name="fgSibTrans2D1">
-    <dgm:scene3d>
-      <a:camera prst="orthographicFront"/>
-      <a:lightRig rig="threePt" dir="t"/>
-    </dgm:scene3d>
-    <dgm:sp3d/>
-    <dgm:txPr/>
-    <dgm:style>
-      <a:lnRef idx="0">
-        <a:scrgbClr r="0" g="0" b="0"/>
-      </a:lnRef>
-      <a:fillRef idx="1">
-        <a:scrgbClr r="0" g="0" b="0"/>
-      </a:fillRef>
-      <a:effectRef idx="0">
-        <a:scrgbClr r="0" g="0" b="0"/>
-      </a:effectRef>
-      <a:fontRef idx="minor">
-        <a:schemeClr val="lt1"/>
-      </a:fontRef>
-    </dgm:style>
-  </dgm:styleLbl>
-  <dgm:styleLbl name="bgSibTrans2D1">
-    <dgm:scene3d>
-      <a:camera prst="orthographicFront"/>
-      <a:lightRig rig="threePt" dir="t"/>
-    </dgm:scene3d>
-    <dgm:sp3d/>
-    <dgm:txPr/>
-    <dgm:style>
-      <a:lnRef idx="0">
-        <a:scrgbClr r="0" g="0" b="0"/>
-      </a:lnRef>
-      <a:fillRef idx="1">
-        <a:scrgbClr r="0" g="0" b="0"/>
-      </a:fillRef>
-      <a:effectRef idx="0">
-        <a:scrgbClr r="0" g="0" b="0"/>
-      </a:effectRef>
-      <a:fontRef idx="minor">
-        <a:schemeClr val="lt1"/>
-      </a:fontRef>
-    </dgm:style>
-  </dgm:styleLbl>
-  <dgm:styleLbl name="sibTrans1D1">
-    <dgm:scene3d>
-      <a:camera prst="orthographicFront"/>
-      <a:lightRig rig="threePt" dir="t"/>
-    </dgm:scene3d>
-    <dgm:sp3d/>
-    <dgm:txPr/>
-    <dgm:style>
-      <a:lnRef idx="1">
-        <a:scrgbClr r="0" g="0" b="0"/>
-      </a:lnRef>
-      <a:fillRef idx="0">
-        <a:scrgbClr r="0" g="0" b="0"/>
-      </a:fillRef>
-      <a:effectRef idx="0">
-        <a:scrgbClr r="0" g="0" b="0"/>
-      </a:effectRef>
-      <a:fontRef idx="minor"/>
-    </dgm:style>
-  </dgm:styleLbl>
-  <dgm:styleLbl name="callout">
-    <dgm:scene3d>
-      <a:camera prst="orthographicFront"/>
-      <a:lightRig rig="threePt" dir="t"/>
-    </dgm:scene3d>
-    <dgm:sp3d/>
-    <dgm:txPr/>
-    <dgm:style>
-      <a:lnRef idx="2">
-        <a:scrgbClr r="0" g="0" b="0"/>
-      </a:lnRef>
-      <a:fillRef idx="1">
-        <a:scrgbClr r="0" g="0" b="0"/>
-      </a:fillRef>
-      <a:effectRef idx="0">
-        <a:scrgbClr r="0" g="0" b="0"/>
-      </a:effectRef>
-      <a:fontRef idx="minor"/>
-    </dgm:style>
-  </dgm:styleLbl>
-  <dgm:styleLbl name="asst0">
-    <dgm:scene3d>
-      <a:camera prst="orthographicFront"/>
-      <a:lightRig rig="threePt" dir="t"/>
-    </dgm:scene3d>
-    <dgm:sp3d/>
-    <dgm:txPr/>
-    <dgm:style>
-      <a:lnRef idx="2">
-        <a:scrgbClr r="0" g="0" b="0"/>
-      </a:lnRef>
-      <a:fillRef idx="1">
-        <a:scrgbClr r="0" g="0" b="0"/>
-      </a:fillRef>
-      <a:effectRef idx="0">
-        <a:scrgbClr r="0" g="0" b="0"/>
-      </a:effectRef>
-      <a:fontRef idx="minor">
-        <a:schemeClr val="lt1"/>
-      </a:fontRef>
-    </dgm:style>
-  </dgm:styleLbl>
-  <dgm:styleLbl name="asst1">
-    <dgm:scene3d>
-      <a:camera prst="orthographicFront"/>
-      <a:lightRig rig="threePt" dir="t"/>
-    </dgm:scene3d>
-    <dgm:sp3d/>
-    <dgm:txPr/>
-    <dgm:style>
-      <a:lnRef idx="2">
-        <a:scrgbClr r="0" g="0" b="0"/>
-      </a:lnRef>
-      <a:fillRef idx="1">
-        <a:scrgbClr r="0" g="0" b="0"/>
-      </a:fillRef>
-      <a:effectRef idx="0">
-        <a:scrgbClr r="0" g="0" b="0"/>
-      </a:effectRef>
-      <a:fontRef idx="minor">
-        <a:schemeClr val="lt1"/>
-      </a:fontRef>
-    </dgm:style>
-  </dgm:styleLbl>
-  <dgm:styleLbl name="asst2">
-    <dgm:scene3d>
-      <a:camera prst="orthographicFront"/>
-      <a:lightRig rig="threePt" dir="t"/>
-    </dgm:scene3d>
-    <dgm:sp3d/>
-    <dgm:txPr/>
-    <dgm:style>
-      <a:lnRef idx="2">
-        <a:scrgbClr r="0" g="0" b="0"/>
-      </a:lnRef>
-      <a:fillRef idx="1">
-        <a:scrgbClr r="0" g="0" b="0"/>
-      </a:fillRef>
-      <a:effectRef idx="0">
-        <a:scrgbClr r="0" g="0" b="0"/>
-      </a:effectRef>
-      <a:fontRef idx="minor">
-        <a:schemeClr val="lt1"/>
-      </a:fontRef>
-    </dgm:style>
-  </dgm:styleLbl>
-  <dgm:styleLbl name="asst3">
-    <dgm:scene3d>
-      <a:camera prst="orthographicFront"/>
-      <a:lightRig rig="threePt" dir="t"/>
-    </dgm:scene3d>
-    <dgm:sp3d/>
-    <dgm:txPr/>
-    <dgm:style>
-      <a:lnRef idx="2">
-        <a:scrgbClr r="0" g="0" b="0"/>
-      </a:lnRef>
-      <a:fillRef idx="1">
-        <a:scrgbClr r="0" g="0" b="0"/>
-      </a:fillRef>
-      <a:effectRef idx="0">
-        <a:scrgbClr r="0" g="0" b="0"/>
-      </a:effectRef>
-      <a:fontRef idx="minor">
-        <a:schemeClr val="lt1"/>
-      </a:fontRef>
-    </dgm:style>
-  </dgm:styleLbl>
-  <dgm:styleLbl name="asst4">
-    <dgm:scene3d>
-      <a:camera prst="orthographicFront"/>
-      <a:lightRig rig="threePt" dir="t"/>
-    </dgm:scene3d>
-    <dgm:sp3d/>
-    <dgm:txPr/>
-    <dgm:style>
-      <a:lnRef idx="2">
-        <a:scrgbClr r="0" g="0" b="0"/>
-      </a:lnRef>
-      <a:fillRef idx="1">
-        <a:scrgbClr r="0" g="0" b="0"/>
-      </a:fillRef>
-      <a:effectRef idx="0">
-        <a:scrgbClr r="0" g="0" b="0"/>
-      </a:effectRef>
-      <a:fontRef idx="minor">
-        <a:schemeClr val="lt1"/>
-      </a:fontRef>
-    </dgm:style>
-  </dgm:styleLbl>
-  <dgm:styleLbl name="parChTrans2D1">
-    <dgm:scene3d>
-      <a:camera prst="orthographicFront"/>
-      <a:lightRig rig="threePt" dir="t"/>
-    </dgm:scene3d>
-    <dgm:sp3d/>
-    <dgm:txPr/>
-    <dgm:style>
-      <a:lnRef idx="2">
-        <a:scrgbClr r="0" g="0" b="0"/>
-      </a:lnRef>
-      <a:fillRef idx="1">
-        <a:scrgbClr r="0" g="0" b="0"/>
-      </a:fillRef>
-      <a:effectRef idx="0">
-        <a:scrgbClr r="0" g="0" b="0"/>
-      </a:effectRef>
-      <a:fontRef idx="minor">
-        <a:schemeClr val="lt1"/>
-      </a:fontRef>
-    </dgm:style>
-  </dgm:styleLbl>
-  <dgm:styleLbl name="parChTrans2D2">
-    <dgm:scene3d>
-      <a:camera prst="orthographicFront"/>
-      <a:lightRig rig="threePt" dir="t"/>
-    </dgm:scene3d>
-    <dgm:sp3d/>
-    <dgm:txPr/>
-    <dgm:style>
-      <a:lnRef idx="2">
-        <a:scrgbClr r="0" g="0" b="0"/>
-      </a:lnRef>
-      <a:fillRef idx="1">
-        <a:scrgbClr r="0" g="0" b="0"/>
-      </a:fillRef>
-      <a:effectRef idx="0">
-        <a:scrgbClr r="0" g="0" b="0"/>
-      </a:effectRef>
-      <a:fontRef idx="minor">
-        <a:schemeClr val="lt1"/>
-      </a:fontRef>
-    </dgm:style>
-  </dgm:styleLbl>
-  <dgm:styleLbl name="parChTrans2D3">
-    <dgm:scene3d>
-      <a:camera prst="orthographicFront"/>
-      <a:lightRig rig="threePt" dir="t"/>
-    </dgm:scene3d>
-    <dgm:sp3d/>
-    <dgm:txPr/>
-    <dgm:style>
-      <a:lnRef idx="2">
-        <a:scrgbClr r="0" g="0" b="0"/>
-      </a:lnRef>
-      <a:fillRef idx="1">
-        <a:scrgbClr r="0" g="0" b="0"/>
-      </a:fillRef>
-      <a:effectRef idx="0">
-        <a:scrgbClr r="0" g="0" b="0"/>
-      </a:effectRef>
-      <a:fontRef idx="minor">
-        <a:schemeClr val="lt1"/>
-      </a:fontRef>
-    </dgm:style>
-  </dgm:styleLbl>
-  <dgm:styleLbl name="parChTrans2D4">
-    <dgm:scene3d>
-      <a:camera prst="orthographicFront"/>
-      <a:lightRig rig="threePt" dir="t"/>
-    </dgm:scene3d>
-    <dgm:sp3d/>
-    <dgm:txPr/>
-    <dgm:style>
-      <a:lnRef idx="2">
-        <a:scrgbClr r="0" g="0" b="0"/>
-      </a:lnRef>
-      <a:fillRef idx="1">
-        <a:scrgbClr r="0" g="0" b="0"/>
-      </a:fillRef>
-      <a:effectRef idx="0">
-        <a:scrgbClr r="0" g="0" b="0"/>
-      </a:effectRef>
-      <a:fontRef idx="minor">
-        <a:schemeClr val="lt1"/>
-      </a:fontRef>
-    </dgm:style>
-  </dgm:styleLbl>
-  <dgm:styleLbl name="parChTrans1D1">
-    <dgm:scene3d>
-      <a:camera prst="orthographicFront"/>
-      <a:lightRig rig="threePt" dir="t"/>
-    </dgm:scene3d>
-    <dgm:sp3d/>
-    <dgm:txPr/>
-    <dgm:style>
-      <a:lnRef idx="2">
-        <a:scrgbClr r="0" g="0" b="0"/>
-      </a:lnRef>
-      <a:fillRef idx="0">
-        <a:scrgbClr r="0" g="0" b="0"/>
-      </a:fillRef>
-      <a:effectRef idx="0">
-        <a:scrgbClr r="0" g="0" b="0"/>
-      </a:effectRef>
-      <a:fontRef idx="minor"/>
-    </dgm:style>
-  </dgm:styleLbl>
-  <dgm:styleLbl name="parChTrans1D2">
-    <dgm:scene3d>
-      <a:camera prst="orthographicFront"/>
-      <a:lightRig rig="threePt" dir="t"/>
-    </dgm:scene3d>
-    <dgm:sp3d/>
-    <dgm:txPr/>
-    <dgm:style>
-      <a:lnRef idx="2">
-        <a:scrgbClr r="0" g="0" b="0"/>
-      </a:lnRef>
-      <a:fillRef idx="0">
-        <a:scrgbClr r="0" g="0" b="0"/>
-      </a:fillRef>
-      <a:effectRef idx="0">
-        <a:scrgbClr r="0" g="0" b="0"/>
-      </a:effectRef>
-      <a:fontRef idx="minor"/>
-    </dgm:style>
-  </dgm:styleLbl>
-  <dgm:styleLbl name="parChTrans1D3">
-    <dgm:scene3d>
-      <a:camera prst="orthographicFront"/>
-      <a:lightRig rig="threePt" dir="t"/>
-    </dgm:scene3d>
-    <dgm:sp3d/>
-    <dgm:txPr/>
-    <dgm:style>
-      <a:lnRef idx="2">
-        <a:scrgbClr r="0" g="0" b="0"/>
-      </a:lnRef>
-      <a:fillRef idx="0">
-        <a:scrgbClr r="0" g="0" b="0"/>
-      </a:fillRef>
-      <a:effectRef idx="0">
-        <a:scrgbClr r="0" g="0" b="0"/>
-      </a:effectRef>
-      <a:fontRef idx="minor"/>
-    </dgm:style>
-  </dgm:styleLbl>
-  <dgm:styleLbl name="parChTrans1D4">
-    <dgm:scene3d>
-      <a:camera prst="orthographicFront"/>
-      <a:lightRig rig="threePt" dir="t"/>
-    </dgm:scene3d>
-    <dgm:sp3d/>
-    <dgm:txPr/>
-    <dgm:style>
-      <a:lnRef idx="2">
-        <a:scrgbClr r="0" g="0" b="0"/>
-      </a:lnRef>
-      <a:fillRef idx="0">
-        <a:scrgbClr r="0" g="0" b="0"/>
-      </a:fillRef>
-      <a:effectRef idx="0">
-        <a:scrgbClr r="0" g="0" b="0"/>
-      </a:effectRef>
-      <a:fontRef idx="minor"/>
-    </dgm:style>
-  </dgm:styleLbl>
-  <dgm:styleLbl name="fgAcc1">
-    <dgm:scene3d>
-      <a:camera prst="orthographicFront"/>
-      <a:lightRig rig="threePt" dir="t"/>
-    </dgm:scene3d>
-    <dgm:sp3d/>
-    <dgm:txPr/>
-    <dgm:style>
-      <a:lnRef idx="2">
-        <a:scrgbClr r="0" g="0" b="0"/>
-      </a:lnRef>
-      <a:fillRef idx="1">
-        <a:scrgbClr r="0" g="0" b="0"/>
-      </a:fillRef>
-      <a:effectRef idx="0">
-        <a:scrgbClr r="0" g="0" b="0"/>
-      </a:effectRef>
-      <a:fontRef idx="minor"/>
-    </dgm:style>
-  </dgm:styleLbl>
-  <dgm:styleLbl name="conFgAcc1">
-    <dgm:scene3d>
-      <a:camera prst="orthographicFront"/>
-      <a:lightRig rig="threePt" dir="t"/>
-    </dgm:scene3d>
-    <dgm:sp3d/>
-    <dgm:txPr/>
-    <dgm:style>
-      <a:lnRef idx="2">
-        <a:scrgbClr r="0" g="0" b="0"/>
-      </a:lnRef>
-      <a:fillRef idx="1">
-        <a:scrgbClr r="0" g="0" b="0"/>
-      </a:fillRef>
-      <a:effectRef idx="0">
-        <a:scrgbClr r="0" g="0" b="0"/>
-      </a:effectRef>
-      <a:fontRef idx="minor"/>
-    </dgm:style>
-  </dgm:styleLbl>
-  <dgm:styleLbl name="alignAcc1">
-    <dgm:scene3d>
-      <a:camera prst="orthographicFront"/>
-      <a:lightRig rig="threePt" dir="t"/>
-    </dgm:scene3d>
-    <dgm:sp3d/>
-    <dgm:txPr/>
-    <dgm:style>
-      <a:lnRef idx="2">
-        <a:scrgbClr r="0" g="0" b="0"/>
-      </a:lnRef>
-      <a:fillRef idx="1">
-        <a:scrgbClr r="0" g="0" b="0"/>
-      </a:fillRef>
-      <a:effectRef idx="0">
-        <a:scrgbClr r="0" g="0" b="0"/>
-      </a:effectRef>
-      <a:fontRef idx="minor"/>
-    </dgm:style>
-  </dgm:styleLbl>
-  <dgm:styleLbl name="trAlignAcc1">
-    <dgm:scene3d>
-      <a:camera prst="orthographicFront"/>
-      <a:lightRig rig="threePt" dir="t"/>
-    </dgm:scene3d>
-    <dgm:sp3d/>
-    <dgm:txPr/>
-    <dgm:style>
-      <a:lnRef idx="1">
-        <a:scrgbClr r="0" g="0" b="0"/>
-      </a:lnRef>
-      <a:fillRef idx="1">
-        <a:scrgbClr r="0" g="0" b="0"/>
-      </a:fillRef>
-      <a:effectRef idx="0">
-        <a:scrgbClr r="0" g="0" b="0"/>
-      </a:effectRef>
-      <a:fontRef idx="minor"/>
-    </dgm:style>
-  </dgm:styleLbl>
-  <dgm:styleLbl name="bgAcc1">
-    <dgm:scene3d>
-      <a:camera prst="orthographicFront"/>
-      <a:lightRig rig="threePt" dir="t"/>
-    </dgm:scene3d>
-    <dgm:sp3d/>
-    <dgm:txPr/>
-    <dgm:style>
-      <a:lnRef idx="2">
-        <a:scrgbClr r="0" g="0" b="0"/>
-      </a:lnRef>
-      <a:fillRef idx="1">
-        <a:scrgbClr r="0" g="0" b="0"/>
-      </a:fillRef>
-      <a:effectRef idx="0">
-        <a:scrgbClr r="0" g="0" b="0"/>
-      </a:effectRef>
-      <a:fontRef idx="minor"/>
-    </dgm:style>
-  </dgm:styleLbl>
-  <dgm:styleLbl name="solidFgAcc1">
-    <dgm:scene3d>
-      <a:camera prst="orthographicFront"/>
-      <a:lightRig rig="threePt" dir="t"/>
-    </dgm:scene3d>
-    <dgm:sp3d/>
-    <dgm:txPr/>
-    <dgm:style>
-      <a:lnRef idx="2">
-        <a:scrgbClr r="0" g="0" b="0"/>
-      </a:lnRef>
-      <a:fillRef idx="1">
-        <a:scrgbClr r="0" g="0" b="0"/>
-      </a:fillRef>
-      <a:effectRef idx="0">
-        <a:scrgbClr r="0" g="0" b="0"/>
-      </a:effectRef>
-      <a:fontRef idx="minor"/>
-    </dgm:style>
-  </dgm:styleLbl>
-  <dgm:styleLbl name="solidAlignAcc1">
-    <dgm:scene3d>
-      <a:camera prst="orthographicFront"/>
-      <a:lightRig rig="threePt" dir="t"/>
-    </dgm:scene3d>
-    <dgm:sp3d/>
-    <dgm:txPr/>
-    <dgm:style>
-      <a:lnRef idx="2">
-        <a:scrgbClr r="0" g="0" b="0"/>
-      </a:lnRef>
-      <a:fillRef idx="1">
-        <a:scrgbClr r="0" g="0" b="0"/>
-      </a:fillRef>
-      <a:effectRef idx="0">
-        <a:scrgbClr r="0" g="0" b="0"/>
-      </a:effectRef>
-      <a:fontRef idx="minor"/>
-    </dgm:style>
-  </dgm:styleLbl>
-  <dgm:styleLbl name="solidBgAcc1">
-    <dgm:scene3d>
-      <a:camera prst="orthographicFront"/>
-      <a:lightRig rig="threePt" dir="t"/>
-    </dgm:scene3d>
-    <dgm:sp3d/>
-    <dgm:txPr/>
-    <dgm:style>
-      <a:lnRef idx="2">
-        <a:scrgbClr r="0" g="0" b="0"/>
-      </a:lnRef>
-      <a:fillRef idx="1">
-        <a:scrgbClr r="0" g="0" b="0"/>
-      </a:fillRef>
-      <a:effectRef idx="0">
-        <a:scrgbClr r="0" g="0" b="0"/>
-      </a:effectRef>
-      <a:fontRef idx="minor"/>
-    </dgm:style>
-  </dgm:styleLbl>
-  <dgm:styleLbl name="fgAccFollowNode1">
-    <dgm:scene3d>
-      <a:camera prst="orthographicFront"/>
-      <a:lightRig rig="threePt" dir="t"/>
-    </dgm:scene3d>
-    <dgm:sp3d/>
-    <dgm:txPr/>
-    <dgm:style>
-      <a:lnRef idx="2">
-        <a:scrgbClr r="0" g="0" b="0"/>
-      </a:lnRef>
-      <a:fillRef idx="1">
-        <a:scrgbClr r="0" g="0" b="0"/>
-      </a:fillRef>
-      <a:effectRef idx="0">
-        <a:scrgbClr r="0" g="0" b="0"/>
-      </a:effectRef>
-      <a:fontRef idx="minor"/>
-    </dgm:style>
-  </dgm:styleLbl>
-  <dgm:styleLbl name="alignAccFollowNode1">
-    <dgm:scene3d>
-      <a:camera prst="orthographicFront"/>
-      <a:lightRig rig="threePt" dir="t"/>
-    </dgm:scene3d>
-    <dgm:sp3d/>
-    <dgm:txPr/>
-    <dgm:style>
-      <a:lnRef idx="2">
-        <a:scrgbClr r="0" g="0" b="0"/>
-      </a:lnRef>
-      <a:fillRef idx="1">
-        <a:scrgbClr r="0" g="0" b="0"/>
-      </a:fillRef>
-      <a:effectRef idx="0">
-        <a:scrgbClr r="0" g="0" b="0"/>
-      </a:effectRef>
-      <a:fontRef idx="minor"/>
-    </dgm:style>
-  </dgm:styleLbl>
-  <dgm:styleLbl name="bgAccFollowNode1">
-    <dgm:scene3d>
-      <a:camera prst="orthographicFront"/>
-      <a:lightRig rig="threePt" dir="t"/>
-    </dgm:scene3d>
-    <dgm:sp3d/>
-    <dgm:txPr/>
-    <dgm:style>
-      <a:lnRef idx="2">
-        <a:scrgbClr r="0" g="0" b="0"/>
-      </a:lnRef>
-      <a:fillRef idx="1">
-        <a:scrgbClr r="0" g="0" b="0"/>
-      </a:fillRef>
-      <a:effectRef idx="0">
-        <a:scrgbClr r="0" g="0" b="0"/>
-      </a:effectRef>
-      <a:fontRef idx="minor"/>
-    </dgm:style>
-  </dgm:styleLbl>
-  <dgm:styleLbl name="fgAcc0">
-    <dgm:scene3d>
-      <a:camera prst="orthographicFront"/>
-      <a:lightRig rig="threePt" dir="t"/>
-    </dgm:scene3d>
-    <dgm:sp3d/>
-    <dgm:txPr/>
-    <dgm:style>
-      <a:lnRef idx="2">
-        <a:scrgbClr r="0" g="0" b="0"/>
-      </a:lnRef>
-      <a:fillRef idx="1">
-        <a:scrgbClr r="0" g="0" b="0"/>
-      </a:fillRef>
-      <a:effectRef idx="0">
-        <a:scrgbClr r="0" g="0" b="0"/>
-      </a:effectRef>
-      <a:fontRef idx="minor"/>
-    </dgm:style>
-  </dgm:styleLbl>
-  <dgm:styleLbl name="fgAcc2">
-    <dgm:scene3d>
-      <a:camera prst="orthographicFront"/>
-      <a:lightRig rig="threePt" dir="t"/>
-    </dgm:scene3d>
-    <dgm:sp3d/>
-    <dgm:txPr/>
-    <dgm:style>
-      <a:lnRef idx="2">
-        <a:scrgbClr r="0" g="0" b="0"/>
-      </a:lnRef>
-      <a:fillRef idx="1">
-        <a:scrgbClr r="0" g="0" b="0"/>
-      </a:fillRef>
-      <a:effectRef idx="0">
-        <a:scrgbClr r="0" g="0" b="0"/>
-      </a:effectRef>
-      <a:fontRef idx="minor"/>
-    </dgm:style>
-  </dgm:styleLbl>
-  <dgm:styleLbl name="fgAcc3">
-    <dgm:scene3d>
-      <a:camera prst="orthographicFront"/>
-      <a:lightRig rig="threePt" dir="t"/>
-    </dgm:scene3d>
-    <dgm:sp3d/>
-    <dgm:txPr/>
-    <dgm:style>
-      <a:lnRef idx="2">
-        <a:scrgbClr r="0" g="0" b="0"/>
-      </a:lnRef>
-      <a:fillRef idx="1">
-        <a:scrgbClr r="0" g="0" b="0"/>
-      </a:fillRef>
-      <a:effectRef idx="0">
-        <a:scrgbClr r="0" g="0" b="0"/>
-      </a:effectRef>
-      <a:fontRef idx="minor"/>
-    </dgm:style>
-  </dgm:styleLbl>
-  <dgm:styleLbl name="fgAcc4">
-    <dgm:scene3d>
-      <a:camera prst="orthographicFront"/>
-      <a:lightRig rig="threePt" dir="t"/>
-    </dgm:scene3d>
-    <dgm:sp3d/>
-    <dgm:txPr/>
-    <dgm:style>
-      <a:lnRef idx="2">
-        <a:scrgbClr r="0" g="0" b="0"/>
-      </a:lnRef>
-      <a:fillRef idx="1">
-        <a:scrgbClr r="0" g="0" b="0"/>
-      </a:fillRef>
-      <a:effectRef idx="0">
-        <a:scrgbClr r="0" g="0" b="0"/>
-      </a:effectRef>
-      <a:fontRef idx="minor"/>
-    </dgm:style>
-  </dgm:styleLbl>
-  <dgm:styleLbl name="bgShp">
-    <dgm:scene3d>
-      <a:camera prst="orthographicFront"/>
-      <a:lightRig rig="threePt" dir="t"/>
-    </dgm:scene3d>
-    <dgm:sp3d/>
-    <dgm:txPr/>
-    <dgm:style>
-      <a:lnRef idx="0">
-        <a:scrgbClr r="0" g="0" b="0"/>
-      </a:lnRef>
-      <a:fillRef idx="1">
-        <a:scrgbClr r="0" g="0" b="0"/>
-      </a:fillRef>
-      <a:effectRef idx="0">
-        <a:scrgbClr r="0" g="0" b="0"/>
-      </a:effectRef>
-      <a:fontRef idx="minor"/>
-    </dgm:style>
-  </dgm:styleLbl>
-  <dgm:styleLbl name="dkBgShp">
-    <dgm:scene3d>
-      <a:camera prst="orthographicFront"/>
-      <a:lightRig rig="threePt" dir="t"/>
-    </dgm:scene3d>
-    <dgm:sp3d/>
-    <dgm:txPr/>
-    <dgm:style>
-      <a:lnRef idx="0">
-        <a:scrgbClr r="0" g="0" b="0"/>
-      </a:lnRef>
-      <a:fillRef idx="1">
-        <a:scrgbClr r="0" g="0" b="0"/>
-      </a:fillRef>
-      <a:effectRef idx="0">
-        <a:scrgbClr r="0" g="0" b="0"/>
-      </a:effectRef>
-      <a:fontRef idx="minor"/>
-    </dgm:style>
-  </dgm:styleLbl>
-  <dgm:styleLbl name="trBgShp">
-    <dgm:scene3d>
-      <a:camera prst="orthographicFront"/>
-      <a:lightRig rig="threePt" dir="t"/>
-    </dgm:scene3d>
-    <dgm:sp3d/>
-    <dgm:txPr/>
-    <dgm:style>
-      <a:lnRef idx="0">
-        <a:scrgbClr r="0" g="0" b="0"/>
-      </a:lnRef>
-      <a:fillRef idx="1">
-        <a:scrgbClr r="0" g="0" b="0"/>
-      </a:fillRef>
-      <a:effectRef idx="0">
-        <a:scrgbClr r="0" g="0" b="0"/>
-      </a:effectRef>
-      <a:fontRef idx="minor"/>
-    </dgm:style>
-  </dgm:styleLbl>
-  <dgm:styleLbl name="fgShp">
-    <dgm:scene3d>
-      <a:camera prst="orthographicFront"/>
-      <a:lightRig rig="threePt" dir="t"/>
-    </dgm:scene3d>
-    <dgm:sp3d/>
-    <dgm:txPr/>
-    <dgm:style>
-      <a:lnRef idx="2">
-        <a:scrgbClr r="0" g="0" b="0"/>
-      </a:lnRef>
-      <a:fillRef idx="1">
-        <a:scrgbClr r="0" g="0" b="0"/>
-      </a:fillRef>
-      <a:effectRef idx="0">
-        <a:scrgbClr r="0" g="0" b="0"/>
-      </a:effectRef>
-      <a:fontRef idx="minor"/>
-    </dgm:style>
-  </dgm:styleLbl>
-  <dgm:styleLbl name="revTx">
-    <dgm:scene3d>
-      <a:camera prst="orthographicFront"/>
-      <a:lightRig rig="threePt" dir="t"/>
-    </dgm:scene3d>
-    <dgm:sp3d/>
-    <dgm:txPr/>
-    <dgm:style>
-      <a:lnRef idx="0">
-        <a:scrgbClr r="0" g="0" b="0"/>
-      </a:lnRef>
-      <a:fillRef idx="0">
-        <a:scrgbClr r="0" g="0" b="0"/>
-      </a:fillRef>
-      <a:effectRef idx="0">
-        <a:scrgbClr r="0" g="0" b="0"/>
-      </a:effectRef>
-      <a:fontRef idx="minor"/>
-    </dgm:style>
-  </dgm:styleLbl>
-</dgm:styleDef>
+<file path=ppt/notesSlides/notesSlide3.xml><?xml version="1.0" encoding="utf-8"?>
+<p:notes xmlns:a="http://schemas.openxmlformats.org/drawingml/2006/main" xmlns:r="http://schemas.openxmlformats.org/officeDocument/2006/relationships" xmlns:p="http://schemas.openxmlformats.org/presentationml/2006/main">
+  <p:cSld>
+    <p:spTree>
+      <p:nvGrpSpPr>
+        <p:cNvPr id="1" name=""/>
+        <p:cNvGrpSpPr/>
+        <p:nvPr/>
+      </p:nvGrpSpPr>
+      <p:grpSpPr>
+        <a:xfrm>
+          <a:off x="0" y="0"/>
+          <a:ext cx="0" cy="0"/>
+          <a:chOff x="0" y="0"/>
+          <a:chExt cx="0" cy="0"/>
+        </a:xfrm>
+      </p:grpSpPr>
+      <p:sp>
+        <p:nvSpPr>
+          <p:cNvPr id="2" name="Slide Image Placeholder 1"/>
+          <p:cNvSpPr>
+            <a:spLocks noGrp="1" noRot="1" noChangeAspect="1"/>
+          </p:cNvSpPr>
+          <p:nvPr>
+            <p:ph type="sldImg"/>
+          </p:nvPr>
+        </p:nvSpPr>
+        <p:spPr/>
+      </p:sp>
+      <p:sp>
+        <p:nvSpPr>
+          <p:cNvPr id="3" name="Notes Placeholder 2"/>
+          <p:cNvSpPr>
+            <a:spLocks noGrp="1"/>
+          </p:cNvSpPr>
+          <p:nvPr>
+            <p:ph type="body" idx="1"/>
+          </p:nvPr>
+        </p:nvSpPr>
+        <p:spPr/>
+        <p:txBody>
+          <a:bodyPr/>
+          <a:lstStyle/>
+          <a:p>
+            <a:endParaRPr lang="en-US" dirty="0"/>
+          </a:p>
+        </p:txBody>
+      </p:sp>
+      <p:sp>
+        <p:nvSpPr>
+          <p:cNvPr id="4" name="Header Placeholder 3"/>
+          <p:cNvSpPr>
+            <a:spLocks noGrp="1"/>
+          </p:cNvSpPr>
+          <p:nvPr>
+            <p:ph type="hdr" sz="quarter"/>
+          </p:nvPr>
+        </p:nvSpPr>
+        <p:spPr/>
+        <p:txBody>
+          <a:bodyPr/>
+          <a:lstStyle/>
+          <a:p>
+            <a:r>
+              <a:rPr lang="en-US"/>
+              <a:t>https://github.com/mcjavabootcamp/BuildACastle</a:t>
+            </a:r>
+          </a:p>
+        </p:txBody>
+      </p:sp>
+      <p:sp>
+        <p:nvSpPr>
+          <p:cNvPr id="5" name="Slide Number Placeholder 4"/>
+          <p:cNvSpPr>
+            <a:spLocks noGrp="1"/>
+          </p:cNvSpPr>
+          <p:nvPr>
+            <p:ph type="sldNum" sz="quarter" idx="5"/>
+          </p:nvPr>
+        </p:nvSpPr>
+        <p:spPr/>
+        <p:txBody>
+          <a:bodyPr/>
+          <a:lstStyle/>
+          <a:p>
+            <a:fld id="{C7CDDC58-AC14-432A-9C48-EAC3DB169D66}" type="slidenum">
+              <a:rPr lang="en-US" smtClean="0"/>
+              <a:t>25</a:t>
+            </a:fld>
+            <a:endParaRPr lang="en-US"/>
+          </a:p>
+        </p:txBody>
+      </p:sp>
+    </p:spTree>
+    <p:extLst>
+      <p:ext uri="{BB962C8B-B14F-4D97-AF65-F5344CB8AC3E}">
+        <p14:creationId xmlns:p14="http://schemas.microsoft.com/office/powerpoint/2010/main" val="108989260"/>
+      </p:ext>
+    </p:extLst>
+  </p:cSld>
+  <p:clrMapOvr>
+    <a:masterClrMapping/>
+  </p:clrMapOvr>
+</p:notes>
 </file>
 
 <file path=ppt/slideLayouts/slideLayout1.xml><?xml version="1.0" encoding="utf-8"?>
@@ -3923,10 +1024,9 @@
           </a:lstStyle>
           <a:p>
             <a:r>
-              <a:rPr lang="en-US" smtClean="0"/>
+              <a:rPr lang="en-US"/>
               <a:t>Click to edit Master title style</a:t>
             </a:r>
-            <a:endParaRPr lang="en-US"/>
           </a:p>
         </p:txBody>
       </p:sp>
@@ -3988,10 +1088,9 @@
           </a:lstStyle>
           <a:p>
             <a:r>
-              <a:rPr lang="en-US" smtClean="0"/>
+              <a:rPr lang="en-US"/>
               <a:t>Click to edit Master subtitle style</a:t>
             </a:r>
-            <a:endParaRPr lang="en-US"/>
           </a:p>
         </p:txBody>
       </p:sp>
@@ -4010,9 +1109,9 @@
           <a:bodyPr/>
           <a:lstStyle/>
           <a:p>
-            <a:fld id="{2CC7F595-5E94-43BB-9966-A0B8215AFEDA}" type="datetimeFigureOut">
+            <a:fld id="{95450845-D355-4818-9436-B5D6A16CB19E}" type="datetime1">
               <a:rPr lang="en-US" smtClean="0"/>
-              <a:t>9/18/2019</a:t>
+              <a:t>10/21/2019</a:t>
             </a:fld>
             <a:endParaRPr lang="en-US"/>
           </a:p>
@@ -4106,10 +1205,9 @@
           <a:lstStyle/>
           <a:p>
             <a:r>
-              <a:rPr lang="en-US" smtClean="0"/>
+              <a:rPr lang="en-US"/>
               <a:t>Click to edit Master title style</a:t>
             </a:r>
-            <a:endParaRPr lang="en-US"/>
           </a:p>
         </p:txBody>
       </p:sp>
@@ -4130,38 +1228,37 @@
           <a:p>
             <a:pPr lvl="0"/>
             <a:r>
-              <a:rPr lang="en-US" smtClean="0"/>
+              <a:rPr lang="en-US"/>
               <a:t>Edit Master text styles</a:t>
             </a:r>
           </a:p>
           <a:p>
             <a:pPr lvl="1"/>
             <a:r>
-              <a:rPr lang="en-US" smtClean="0"/>
+              <a:rPr lang="en-US"/>
               <a:t>Second level</a:t>
             </a:r>
           </a:p>
           <a:p>
             <a:pPr lvl="2"/>
             <a:r>
-              <a:rPr lang="en-US" smtClean="0"/>
+              <a:rPr lang="en-US"/>
               <a:t>Third level</a:t>
             </a:r>
           </a:p>
           <a:p>
             <a:pPr lvl="3"/>
             <a:r>
-              <a:rPr lang="en-US" smtClean="0"/>
+              <a:rPr lang="en-US"/>
               <a:t>Fourth level</a:t>
             </a:r>
           </a:p>
           <a:p>
             <a:pPr lvl="4"/>
             <a:r>
-              <a:rPr lang="en-US" smtClean="0"/>
+              <a:rPr lang="en-US"/>
               <a:t>Fifth level</a:t>
             </a:r>
-            <a:endParaRPr lang="en-US"/>
           </a:p>
         </p:txBody>
       </p:sp>
@@ -4180,9 +1277,9 @@
           <a:bodyPr/>
           <a:lstStyle/>
           <a:p>
-            <a:fld id="{2CC7F595-5E94-43BB-9966-A0B8215AFEDA}" type="datetimeFigureOut">
+            <a:fld id="{42770F71-775C-42A3-BD5C-2A44F59FBCF0}" type="datetime1">
               <a:rPr lang="en-US" smtClean="0"/>
-              <a:t>9/18/2019</a:t>
+              <a:t>10/21/2019</a:t>
             </a:fld>
             <a:endParaRPr lang="en-US"/>
           </a:p>
@@ -4281,10 +1378,9 @@
           <a:lstStyle/>
           <a:p>
             <a:r>
-              <a:rPr lang="en-US" smtClean="0"/>
+              <a:rPr lang="en-US"/>
               <a:t>Click to edit Master title style</a:t>
             </a:r>
-            <a:endParaRPr lang="en-US"/>
           </a:p>
         </p:txBody>
       </p:sp>
@@ -4310,38 +1406,37 @@
           <a:p>
             <a:pPr lvl="0"/>
             <a:r>
-              <a:rPr lang="en-US" smtClean="0"/>
+              <a:rPr lang="en-US"/>
               <a:t>Edit Master text styles</a:t>
             </a:r>
           </a:p>
           <a:p>
             <a:pPr lvl="1"/>
             <a:r>
-              <a:rPr lang="en-US" smtClean="0"/>
+              <a:rPr lang="en-US"/>
               <a:t>Second level</a:t>
             </a:r>
           </a:p>
           <a:p>
             <a:pPr lvl="2"/>
             <a:r>
-              <a:rPr lang="en-US" smtClean="0"/>
+              <a:rPr lang="en-US"/>
               <a:t>Third level</a:t>
             </a:r>
           </a:p>
           <a:p>
             <a:pPr lvl="3"/>
             <a:r>
-              <a:rPr lang="en-US" smtClean="0"/>
+              <a:rPr lang="en-US"/>
               <a:t>Fourth level</a:t>
             </a:r>
           </a:p>
           <a:p>
             <a:pPr lvl="4"/>
             <a:r>
-              <a:rPr lang="en-US" smtClean="0"/>
+              <a:rPr lang="en-US"/>
               <a:t>Fifth level</a:t>
             </a:r>
-            <a:endParaRPr lang="en-US"/>
           </a:p>
         </p:txBody>
       </p:sp>
@@ -4360,9 +1455,9 @@
           <a:bodyPr/>
           <a:lstStyle/>
           <a:p>
-            <a:fld id="{2CC7F595-5E94-43BB-9966-A0B8215AFEDA}" type="datetimeFigureOut">
+            <a:fld id="{BE2337DA-2438-4972-8187-0C7317DB5C3F}" type="datetime1">
               <a:rPr lang="en-US" smtClean="0"/>
-              <a:t>9/18/2019</a:t>
+              <a:t>10/21/2019</a:t>
             </a:fld>
             <a:endParaRPr lang="en-US"/>
           </a:p>
@@ -4456,10 +1551,9 @@
           <a:lstStyle/>
           <a:p>
             <a:r>
-              <a:rPr lang="en-US" smtClean="0"/>
+              <a:rPr lang="en-US"/>
               <a:t>Click to edit Master title style</a:t>
             </a:r>
-            <a:endParaRPr lang="en-US"/>
           </a:p>
         </p:txBody>
       </p:sp>
@@ -4480,38 +1574,37 @@
           <a:p>
             <a:pPr lvl="0"/>
             <a:r>
-              <a:rPr lang="en-US" smtClean="0"/>
+              <a:rPr lang="en-US"/>
               <a:t>Edit Master text styles</a:t>
             </a:r>
           </a:p>
           <a:p>
             <a:pPr lvl="1"/>
             <a:r>
-              <a:rPr lang="en-US" smtClean="0"/>
+              <a:rPr lang="en-US"/>
               <a:t>Second level</a:t>
             </a:r>
           </a:p>
           <a:p>
             <a:pPr lvl="2"/>
             <a:r>
-              <a:rPr lang="en-US" smtClean="0"/>
+              <a:rPr lang="en-US"/>
               <a:t>Third level</a:t>
             </a:r>
           </a:p>
           <a:p>
             <a:pPr lvl="3"/>
             <a:r>
-              <a:rPr lang="en-US" smtClean="0"/>
+              <a:rPr lang="en-US"/>
               <a:t>Fourth level</a:t>
             </a:r>
           </a:p>
           <a:p>
             <a:pPr lvl="4"/>
             <a:r>
-              <a:rPr lang="en-US" smtClean="0"/>
+              <a:rPr lang="en-US"/>
               <a:t>Fifth level</a:t>
             </a:r>
-            <a:endParaRPr lang="en-US"/>
           </a:p>
         </p:txBody>
       </p:sp>
@@ -4530,9 +1623,9 @@
           <a:bodyPr/>
           <a:lstStyle/>
           <a:p>
-            <a:fld id="{2CC7F595-5E94-43BB-9966-A0B8215AFEDA}" type="datetimeFigureOut">
+            <a:fld id="{A1B80A0B-3353-4AC5-8B42-9D21966BCCDA}" type="datetime1">
               <a:rPr lang="en-US" smtClean="0"/>
-              <a:t>9/18/2019</a:t>
+              <a:t>10/21/2019</a:t>
             </a:fld>
             <a:endParaRPr lang="en-US"/>
           </a:p>
@@ -4635,10 +1728,9 @@
           </a:lstStyle>
           <a:p>
             <a:r>
-              <a:rPr lang="en-US" smtClean="0"/>
+              <a:rPr lang="en-US"/>
               <a:t>Click to edit Master title style</a:t>
             </a:r>
-            <a:endParaRPr lang="en-US"/>
           </a:p>
         </p:txBody>
       </p:sp>
@@ -4755,7 +1847,7 @@
           <a:p>
             <a:pPr lvl="0"/>
             <a:r>
-              <a:rPr lang="en-US" smtClean="0"/>
+              <a:rPr lang="en-US"/>
               <a:t>Edit Master text styles</a:t>
             </a:r>
           </a:p>
@@ -4776,9 +1868,9 @@
           <a:bodyPr/>
           <a:lstStyle/>
           <a:p>
-            <a:fld id="{2CC7F595-5E94-43BB-9966-A0B8215AFEDA}" type="datetimeFigureOut">
+            <a:fld id="{C7BEF380-186C-4952-B477-25776C19F5EA}" type="datetime1">
               <a:rPr lang="en-US" smtClean="0"/>
-              <a:t>9/18/2019</a:t>
+              <a:t>10/21/2019</a:t>
             </a:fld>
             <a:endParaRPr lang="en-US"/>
           </a:p>
@@ -4872,10 +1964,9 @@
           <a:lstStyle/>
           <a:p>
             <a:r>
-              <a:rPr lang="en-US" smtClean="0"/>
+              <a:rPr lang="en-US"/>
               <a:t>Click to edit Master title style</a:t>
             </a:r>
-            <a:endParaRPr lang="en-US"/>
           </a:p>
         </p:txBody>
       </p:sp>
@@ -4901,38 +1992,37 @@
           <a:p>
             <a:pPr lvl="0"/>
             <a:r>
-              <a:rPr lang="en-US" smtClean="0"/>
+              <a:rPr lang="en-US"/>
               <a:t>Edit Master text styles</a:t>
             </a:r>
           </a:p>
           <a:p>
             <a:pPr lvl="1"/>
             <a:r>
-              <a:rPr lang="en-US" smtClean="0"/>
+              <a:rPr lang="en-US"/>
               <a:t>Second level</a:t>
             </a:r>
           </a:p>
           <a:p>
             <a:pPr lvl="2"/>
             <a:r>
-              <a:rPr lang="en-US" smtClean="0"/>
+              <a:rPr lang="en-US"/>
               <a:t>Third level</a:t>
             </a:r>
           </a:p>
           <a:p>
             <a:pPr lvl="3"/>
             <a:r>
-              <a:rPr lang="en-US" smtClean="0"/>
+              <a:rPr lang="en-US"/>
               <a:t>Fourth level</a:t>
             </a:r>
           </a:p>
           <a:p>
             <a:pPr lvl="4"/>
             <a:r>
-              <a:rPr lang="en-US" smtClean="0"/>
+              <a:rPr lang="en-US"/>
               <a:t>Fifth level</a:t>
             </a:r>
-            <a:endParaRPr lang="en-US"/>
           </a:p>
         </p:txBody>
       </p:sp>
@@ -4958,38 +2048,37 @@
           <a:p>
             <a:pPr lvl="0"/>
             <a:r>
-              <a:rPr lang="en-US" smtClean="0"/>
+              <a:rPr lang="en-US"/>
               <a:t>Edit Master text styles</a:t>
             </a:r>
           </a:p>
           <a:p>
             <a:pPr lvl="1"/>
             <a:r>
-              <a:rPr lang="en-US" smtClean="0"/>
+              <a:rPr lang="en-US"/>
               <a:t>Second level</a:t>
             </a:r>
           </a:p>
           <a:p>
             <a:pPr lvl="2"/>
             <a:r>
-              <a:rPr lang="en-US" smtClean="0"/>
+              <a:rPr lang="en-US"/>
               <a:t>Third level</a:t>
             </a:r>
           </a:p>
           <a:p>
             <a:pPr lvl="3"/>
             <a:r>
-              <a:rPr lang="en-US" smtClean="0"/>
+              <a:rPr lang="en-US"/>
               <a:t>Fourth level</a:t>
             </a:r>
           </a:p>
           <a:p>
             <a:pPr lvl="4"/>
             <a:r>
-              <a:rPr lang="en-US" smtClean="0"/>
+              <a:rPr lang="en-US"/>
               <a:t>Fifth level</a:t>
             </a:r>
-            <a:endParaRPr lang="en-US"/>
           </a:p>
         </p:txBody>
       </p:sp>
@@ -5008,9 +2097,9 @@
           <a:bodyPr/>
           <a:lstStyle/>
           <a:p>
-            <a:fld id="{2CC7F595-5E94-43BB-9966-A0B8215AFEDA}" type="datetimeFigureOut">
+            <a:fld id="{2DD510EE-A48C-4D4B-AA90-B06274F7083B}" type="datetime1">
               <a:rPr lang="en-US" smtClean="0"/>
-              <a:t>9/18/2019</a:t>
+              <a:t>10/21/2019</a:t>
             </a:fld>
             <a:endParaRPr lang="en-US"/>
           </a:p>
@@ -5109,10 +2198,9 @@
           <a:lstStyle/>
           <a:p>
             <a:r>
-              <a:rPr lang="en-US" smtClean="0"/>
+              <a:rPr lang="en-US"/>
               <a:t>Click to edit Master title style</a:t>
             </a:r>
-            <a:endParaRPr lang="en-US"/>
           </a:p>
         </p:txBody>
       </p:sp>
@@ -5175,7 +2263,7 @@
           <a:p>
             <a:pPr lvl="0"/>
             <a:r>
-              <a:rPr lang="en-US" smtClean="0"/>
+              <a:rPr lang="en-US"/>
               <a:t>Edit Master text styles</a:t>
             </a:r>
           </a:p>
@@ -5203,38 +2291,37 @@
           <a:p>
             <a:pPr lvl="0"/>
             <a:r>
-              <a:rPr lang="en-US" smtClean="0"/>
+              <a:rPr lang="en-US"/>
               <a:t>Edit Master text styles</a:t>
             </a:r>
           </a:p>
           <a:p>
             <a:pPr lvl="1"/>
             <a:r>
-              <a:rPr lang="en-US" smtClean="0"/>
+              <a:rPr lang="en-US"/>
               <a:t>Second level</a:t>
             </a:r>
           </a:p>
           <a:p>
             <a:pPr lvl="2"/>
             <a:r>
-              <a:rPr lang="en-US" smtClean="0"/>
+              <a:rPr lang="en-US"/>
               <a:t>Third level</a:t>
             </a:r>
           </a:p>
           <a:p>
             <a:pPr lvl="3"/>
             <a:r>
-              <a:rPr lang="en-US" smtClean="0"/>
+              <a:rPr lang="en-US"/>
               <a:t>Fourth level</a:t>
             </a:r>
           </a:p>
           <a:p>
             <a:pPr lvl="4"/>
             <a:r>
-              <a:rPr lang="en-US" smtClean="0"/>
+              <a:rPr lang="en-US"/>
               <a:t>Fifth level</a:t>
             </a:r>
-            <a:endParaRPr lang="en-US"/>
           </a:p>
         </p:txBody>
       </p:sp>
@@ -5297,7 +2384,7 @@
           <a:p>
             <a:pPr lvl="0"/>
             <a:r>
-              <a:rPr lang="en-US" smtClean="0"/>
+              <a:rPr lang="en-US"/>
               <a:t>Edit Master text styles</a:t>
             </a:r>
           </a:p>
@@ -5325,38 +2412,37 @@
           <a:p>
             <a:pPr lvl="0"/>
             <a:r>
-              <a:rPr lang="en-US" smtClean="0"/>
+              <a:rPr lang="en-US"/>
               <a:t>Edit Master text styles</a:t>
             </a:r>
           </a:p>
           <a:p>
             <a:pPr lvl="1"/>
             <a:r>
-              <a:rPr lang="en-US" smtClean="0"/>
+              <a:rPr lang="en-US"/>
               <a:t>Second level</a:t>
             </a:r>
           </a:p>
           <a:p>
             <a:pPr lvl="2"/>
             <a:r>
-              <a:rPr lang="en-US" smtClean="0"/>
+              <a:rPr lang="en-US"/>
               <a:t>Third level</a:t>
             </a:r>
           </a:p>
           <a:p>
             <a:pPr lvl="3"/>
             <a:r>
-              <a:rPr lang="en-US" smtClean="0"/>
+              <a:rPr lang="en-US"/>
               <a:t>Fourth level</a:t>
             </a:r>
           </a:p>
           <a:p>
             <a:pPr lvl="4"/>
             <a:r>
-              <a:rPr lang="en-US" smtClean="0"/>
+              <a:rPr lang="en-US"/>
               <a:t>Fifth level</a:t>
             </a:r>
-            <a:endParaRPr lang="en-US"/>
           </a:p>
         </p:txBody>
       </p:sp>
@@ -5375,9 +2461,9 @@
           <a:bodyPr/>
           <a:lstStyle/>
           <a:p>
-            <a:fld id="{2CC7F595-5E94-43BB-9966-A0B8215AFEDA}" type="datetimeFigureOut">
+            <a:fld id="{3243C741-70D9-4288-AB31-FDE3088FA161}" type="datetime1">
               <a:rPr lang="en-US" smtClean="0"/>
-              <a:t>9/18/2019</a:t>
+              <a:t>10/21/2019</a:t>
             </a:fld>
             <a:endParaRPr lang="en-US"/>
           </a:p>
@@ -5471,10 +2557,9 @@
           <a:lstStyle/>
           <a:p>
             <a:r>
-              <a:rPr lang="en-US" smtClean="0"/>
+              <a:rPr lang="en-US"/>
               <a:t>Click to edit Master title style</a:t>
             </a:r>
-            <a:endParaRPr lang="en-US"/>
           </a:p>
         </p:txBody>
       </p:sp>
@@ -5493,9 +2578,9 @@
           <a:bodyPr/>
           <a:lstStyle/>
           <a:p>
-            <a:fld id="{2CC7F595-5E94-43BB-9966-A0B8215AFEDA}" type="datetimeFigureOut">
+            <a:fld id="{90F7F7EA-9523-4798-BE68-590185C460AB}" type="datetime1">
               <a:rPr lang="en-US" smtClean="0"/>
-              <a:t>9/18/2019</a:t>
+              <a:t>10/21/2019</a:t>
             </a:fld>
             <a:endParaRPr lang="en-US"/>
           </a:p>
@@ -5588,9 +2673,9 @@
           <a:bodyPr/>
           <a:lstStyle/>
           <a:p>
-            <a:fld id="{2CC7F595-5E94-43BB-9966-A0B8215AFEDA}" type="datetimeFigureOut">
+            <a:fld id="{37B129CA-CF68-467B-9FD8-897CE3CB1763}" type="datetime1">
               <a:rPr lang="en-US" smtClean="0"/>
-              <a:t>9/18/2019</a:t>
+              <a:t>10/21/2019</a:t>
             </a:fld>
             <a:endParaRPr lang="en-US"/>
           </a:p>
@@ -5693,10 +2778,9 @@
           </a:lstStyle>
           <a:p>
             <a:r>
-              <a:rPr lang="en-US" smtClean="0"/>
+              <a:rPr lang="en-US"/>
               <a:t>Click to edit Master title style</a:t>
             </a:r>
-            <a:endParaRPr lang="en-US"/>
           </a:p>
         </p:txBody>
       </p:sp>
@@ -5750,38 +2834,37 @@
           <a:p>
             <a:pPr lvl="0"/>
             <a:r>
-              <a:rPr lang="en-US" smtClean="0"/>
+              <a:rPr lang="en-US"/>
               <a:t>Edit Master text styles</a:t>
             </a:r>
           </a:p>
           <a:p>
             <a:pPr lvl="1"/>
             <a:r>
-              <a:rPr lang="en-US" smtClean="0"/>
+              <a:rPr lang="en-US"/>
               <a:t>Second level</a:t>
             </a:r>
           </a:p>
           <a:p>
             <a:pPr lvl="2"/>
             <a:r>
-              <a:rPr lang="en-US" smtClean="0"/>
+              <a:rPr lang="en-US"/>
               <a:t>Third level</a:t>
             </a:r>
           </a:p>
           <a:p>
             <a:pPr lvl="3"/>
             <a:r>
-              <a:rPr lang="en-US" smtClean="0"/>
+              <a:rPr lang="en-US"/>
               <a:t>Fourth level</a:t>
             </a:r>
           </a:p>
           <a:p>
             <a:pPr lvl="4"/>
             <a:r>
-              <a:rPr lang="en-US" smtClean="0"/>
+              <a:rPr lang="en-US"/>
               <a:t>Fifth level</a:t>
             </a:r>
-            <a:endParaRPr lang="en-US"/>
           </a:p>
         </p:txBody>
       </p:sp>
@@ -5844,7 +2927,7 @@
           <a:p>
             <a:pPr lvl="0"/>
             <a:r>
-              <a:rPr lang="en-US" smtClean="0"/>
+              <a:rPr lang="en-US"/>
               <a:t>Edit Master text styles</a:t>
             </a:r>
           </a:p>
@@ -5865,9 +2948,9 @@
           <a:bodyPr/>
           <a:lstStyle/>
           <a:p>
-            <a:fld id="{2CC7F595-5E94-43BB-9966-A0B8215AFEDA}" type="datetimeFigureOut">
+            <a:fld id="{7CF4D2B2-D27B-4A60-A604-FBC6D8D87C5D}" type="datetime1">
               <a:rPr lang="en-US" smtClean="0"/>
-              <a:t>9/18/2019</a:t>
+              <a:t>10/21/2019</a:t>
             </a:fld>
             <a:endParaRPr lang="en-US"/>
           </a:p>
@@ -5970,10 +3053,9 @@
           </a:lstStyle>
           <a:p>
             <a:r>
-              <a:rPr lang="en-US" smtClean="0"/>
+              <a:rPr lang="en-US"/>
               <a:t>Click to edit Master title style</a:t>
             </a:r>
-            <a:endParaRPr lang="en-US"/>
           </a:p>
         </p:txBody>
       </p:sp>
@@ -6097,7 +3179,7 @@
           <a:p>
             <a:pPr lvl="0"/>
             <a:r>
-              <a:rPr lang="en-US" smtClean="0"/>
+              <a:rPr lang="en-US"/>
               <a:t>Edit Master text styles</a:t>
             </a:r>
           </a:p>
@@ -6118,9 +3200,9 @@
           <a:bodyPr/>
           <a:lstStyle/>
           <a:p>
-            <a:fld id="{2CC7F595-5E94-43BB-9966-A0B8215AFEDA}" type="datetimeFigureOut">
+            <a:fld id="{E6EE7320-5F59-47C1-9D9D-B2EF42CB198A}" type="datetime1">
               <a:rPr lang="en-US" smtClean="0"/>
-              <a:t>9/18/2019</a:t>
+              <a:t>10/21/2019</a:t>
             </a:fld>
             <a:endParaRPr lang="en-US"/>
           </a:p>
@@ -6229,10 +3311,9 @@
           <a:lstStyle/>
           <a:p>
             <a:r>
-              <a:rPr lang="en-US" smtClean="0"/>
+              <a:rPr lang="en-US"/>
               <a:t>Click to edit Master title style</a:t>
             </a:r>
-            <a:endParaRPr lang="en-US"/>
           </a:p>
         </p:txBody>
       </p:sp>
@@ -6263,38 +3344,37 @@
           <a:p>
             <a:pPr lvl="0"/>
             <a:r>
-              <a:rPr lang="en-US" smtClean="0"/>
+              <a:rPr lang="en-US"/>
               <a:t>Edit Master text styles</a:t>
             </a:r>
           </a:p>
           <a:p>
             <a:pPr lvl="1"/>
             <a:r>
-              <a:rPr lang="en-US" smtClean="0"/>
+              <a:rPr lang="en-US"/>
               <a:t>Second level</a:t>
             </a:r>
           </a:p>
           <a:p>
             <a:pPr lvl="2"/>
             <a:r>
-              <a:rPr lang="en-US" smtClean="0"/>
+              <a:rPr lang="en-US"/>
               <a:t>Third level</a:t>
             </a:r>
           </a:p>
           <a:p>
             <a:pPr lvl="3"/>
             <a:r>
-              <a:rPr lang="en-US" smtClean="0"/>
+              <a:rPr lang="en-US"/>
               <a:t>Fourth level</a:t>
             </a:r>
           </a:p>
           <a:p>
             <a:pPr lvl="4"/>
             <a:r>
-              <a:rPr lang="en-US" smtClean="0"/>
+              <a:rPr lang="en-US"/>
               <a:t>Fifth level</a:t>
             </a:r>
-            <a:endParaRPr lang="en-US"/>
           </a:p>
         </p:txBody>
       </p:sp>
@@ -6331,9 +3411,9 @@
             </a:lvl1pPr>
           </a:lstStyle>
           <a:p>
-            <a:fld id="{2CC7F595-5E94-43BB-9966-A0B8215AFEDA}" type="datetimeFigureOut">
+            <a:fld id="{88244004-A970-42C6-BA08-B91C624F1AB5}" type="datetime1">
               <a:rPr lang="en-US" smtClean="0"/>
-              <a:t>9/18/2019</a:t>
+              <a:t>10/21/2019</a:t>
             </a:fld>
             <a:endParaRPr lang="en-US"/>
           </a:p>
@@ -6438,6 +3518,7 @@
     <p:sldLayoutId id="2147483658" r:id="rId10"/>
     <p:sldLayoutId id="2147483659" r:id="rId11"/>
   </p:sldLayoutIdLst>
+  <p:hf sldNum="0" hdr="0" ftr="0" dt="0"/>
   <p:txStyles>
     <p:titleStyle>
       <a:lvl1pPr algn="l" defTabSz="914400" rtl="0" eaLnBrk="1" latinLnBrk="0" hangingPunct="1">
@@ -6754,10 +3835,9 @@
           <a:lstStyle/>
           <a:p>
             <a:r>
-              <a:rPr lang="en-US" dirty="0" smtClean="0"/>
+              <a:rPr lang="en-US" dirty="0"/>
               <a:t>Object Oriented Programming</a:t>
             </a:r>
-            <a:endParaRPr lang="en-US" dirty="0"/>
           </a:p>
         </p:txBody>
       </p:sp>
@@ -6777,6 +3857,12 @@
           <a:lstStyle/>
           <a:p>
             <a:endParaRPr lang="en-US" dirty="0"/>
+          </a:p>
+          <a:p>
+            <a:r>
+              <a:rPr lang="en-US" dirty="0"/>
+              <a:t>MC ITI Instructor Team</a:t>
+            </a:r>
           </a:p>
         </p:txBody>
       </p:sp>
@@ -6790,13 +3876,6 @@
   <p:clrMapOvr>
     <a:masterClrMapping/>
   </p:clrMapOvr>
-  <p:timing>
-    <p:tnLst>
-      <p:par>
-        <p:cTn id="1" dur="indefinite" restart="never" nodeType="tmRoot"/>
-      </p:par>
-    </p:tnLst>
-  </p:timing>
 </p:sld>
 </file>
 
@@ -6833,18 +3912,17 @@
           <a:lstStyle/>
           <a:p>
             <a:r>
-              <a:rPr lang="en-US" dirty="0" smtClean="0"/>
+              <a:rPr lang="en-US" dirty="0"/>
               <a:t>En</a:t>
             </a:r>
             <a:r>
-              <a:rPr lang="en-US" b="1" dirty="0" smtClean="0"/>
+              <a:rPr lang="en-US" b="1" dirty="0"/>
               <a:t>capsul</a:t>
             </a:r>
             <a:r>
-              <a:rPr lang="en-US" dirty="0" smtClean="0"/>
+              <a:rPr lang="en-US" dirty="0"/>
               <a:t>ation</a:t>
             </a:r>
-            <a:endParaRPr lang="en-US" dirty="0"/>
           </a:p>
         </p:txBody>
       </p:sp>
@@ -6900,7 +3978,7 @@
           <a:lstStyle/>
           <a:p>
             <a:r>
-              <a:rPr lang="en-US" sz="2400" b="1" dirty="0" smtClean="0">
+              <a:rPr lang="en-US" sz="2400" b="1" dirty="0">
                 <a:solidFill>
                   <a:schemeClr val="bg1"/>
                 </a:solidFill>
@@ -6910,7 +3988,7 @@
           </a:p>
           <a:p>
             <a:r>
-              <a:rPr lang="en-US" sz="2400" b="1" dirty="0" smtClean="0">
+              <a:rPr lang="en-US" sz="2400" b="1" dirty="0">
                 <a:solidFill>
                   <a:schemeClr val="bg1"/>
                 </a:solidFill>
@@ -6920,18 +3998,13 @@
           </a:p>
           <a:p>
             <a:r>
-              <a:rPr lang="en-US" sz="2400" b="1" dirty="0" smtClean="0">
+              <a:rPr lang="en-US" sz="2400" b="1" dirty="0">
                 <a:solidFill>
                   <a:schemeClr val="bg1"/>
                 </a:solidFill>
               </a:rPr>
               <a:t>Variables</a:t>
             </a:r>
-            <a:endParaRPr lang="en-US" sz="2400" b="1" dirty="0">
-              <a:solidFill>
-                <a:schemeClr val="bg1"/>
-              </a:solidFill>
-            </a:endParaRPr>
           </a:p>
         </p:txBody>
       </p:sp>
@@ -6966,23 +4039,12 @@
                   </a:schemeClr>
                 </a:solidFill>
               </a:rPr>
-              <a:t> </a:t>
-            </a:r>
-            <a:r>
-              <a:rPr lang="en-US" sz="2400" b="1" dirty="0" smtClean="0">
-                <a:solidFill>
-                  <a:schemeClr val="tx1">
-                    <a:lumMod val="50000"/>
-                    <a:lumOff val="50000"/>
-                  </a:schemeClr>
-                </a:solidFill>
-              </a:rPr>
-              <a:t>   +</a:t>
-            </a:r>
-          </a:p>
-          <a:p>
-            <a:r>
-              <a:rPr lang="en-US" sz="2400" b="1" dirty="0" smtClean="0">
+              <a:t>    +</a:t>
+            </a:r>
+          </a:p>
+          <a:p>
+            <a:r>
+              <a:rPr lang="en-US" sz="2400" b="1" dirty="0">
                 <a:solidFill>
                   <a:schemeClr val="tx1">
                     <a:lumMod val="50000"/>
@@ -6995,7 +4057,7 @@
           </a:p>
           <a:p>
             <a:r>
-              <a:rPr lang="en-US" sz="2400" b="1" dirty="0" smtClean="0">
+              <a:rPr lang="en-US" sz="2400" b="1" dirty="0">
                 <a:solidFill>
                   <a:schemeClr val="tx1">
                     <a:lumMod val="50000"/>
@@ -7005,14 +4067,6 @@
               </a:rPr>
               <a:t>Methods</a:t>
             </a:r>
-            <a:endParaRPr lang="en-US" sz="2400" b="1" dirty="0">
-              <a:solidFill>
-                <a:schemeClr val="tx1">
-                  <a:lumMod val="50000"/>
-                  <a:lumOff val="50000"/>
-                </a:schemeClr>
-              </a:solidFill>
-            </a:endParaRPr>
           </a:p>
         </p:txBody>
       </p:sp>
@@ -7026,13 +4080,6 @@
   <p:clrMapOvr>
     <a:masterClrMapping/>
   </p:clrMapOvr>
-  <p:timing>
-    <p:tnLst>
-      <p:par>
-        <p:cTn id="1" dur="indefinite" restart="never" nodeType="tmRoot"/>
-      </p:par>
-    </p:tnLst>
-  </p:timing>
 </p:sld>
 </file>
 
@@ -7069,10 +4116,9 @@
           <a:lstStyle/>
           <a:p>
             <a:r>
-              <a:rPr lang="en-US" dirty="0" smtClean="0"/>
+              <a:rPr lang="en-US" dirty="0"/>
               <a:t>Inheritance &amp; Composition</a:t>
             </a:r>
-            <a:endParaRPr lang="en-US" dirty="0"/>
           </a:p>
         </p:txBody>
       </p:sp>
@@ -7105,13 +4151,6 @@
   <p:clrMapOvr>
     <a:masterClrMapping/>
   </p:clrMapOvr>
-  <p:timing>
-    <p:tnLst>
-      <p:par>
-        <p:cTn id="1" dur="indefinite" restart="never" nodeType="tmRoot"/>
-      </p:par>
-    </p:tnLst>
-  </p:timing>
 </p:sld>
 </file>
 
@@ -7148,10 +4187,9 @@
           <a:lstStyle/>
           <a:p>
             <a:r>
-              <a:rPr lang="en-US" dirty="0" smtClean="0"/>
+              <a:rPr lang="en-US" dirty="0"/>
               <a:t>Class Relationships</a:t>
             </a:r>
-            <a:endParaRPr lang="en-US" dirty="0"/>
           </a:p>
         </p:txBody>
       </p:sp>
@@ -7165,7 +4203,7 @@
             <p:ph idx="1"/>
             <p:extLst>
               <p:ext uri="{D42A27DB-BD31-4B8C-83A1-F6EECF244321}">
-                <p14:modId xmlns:p14="http://schemas.microsoft.com/office/powerpoint/2010/main" val="450376334"/>
+                <p14:modId xmlns:p14="http://schemas.microsoft.com/office/powerpoint/2010/main" val="3955843021"/>
               </p:ext>
             </p:extLst>
           </p:nvPr>
@@ -7203,7 +4241,7 @@
                     <a:lstStyle/>
                     <a:p>
                       <a:r>
-                        <a:rPr lang="en-US" b="0" dirty="0" smtClean="0">
+                        <a:rPr lang="en-US" b="0" dirty="0">
                           <a:solidFill>
                             <a:srgbClr val="7030A0"/>
                           </a:solidFill>
@@ -7217,7 +4255,7 @@
                         <a:buChar char="•"/>
                       </a:pPr>
                       <a:r>
-                        <a:rPr lang="en-US" b="0" dirty="0" smtClean="0">
+                        <a:rPr lang="en-US" b="0" dirty="0">
                           <a:solidFill>
                             <a:schemeClr val="tx1"/>
                           </a:solidFill>
@@ -7225,7 +4263,7 @@
                         <a:t>Keyword</a:t>
                       </a:r>
                       <a:r>
-                        <a:rPr lang="en-US" b="0" baseline="0" dirty="0" smtClean="0">
+                        <a:rPr lang="en-US" b="0" baseline="0" dirty="0">
                           <a:solidFill>
                             <a:schemeClr val="tx1"/>
                           </a:solidFill>
@@ -7238,7 +4276,7 @@
                         <a:buFont typeface="Arial" panose="020B0604020202020204" pitchFamily="34" charset="0"/>
                         <a:buChar char="•"/>
                       </a:pPr>
-                      <a:endParaRPr lang="en-US" b="0" baseline="0" dirty="0" smtClean="0">
+                      <a:endParaRPr lang="en-US" b="0" baseline="0" dirty="0">
                         <a:solidFill>
                           <a:schemeClr val="tx1"/>
                         </a:solidFill>
@@ -7250,12 +4288,12 @@
                         <a:buChar char="•"/>
                       </a:pPr>
                       <a:r>
-                        <a:rPr lang="en-US" b="0" baseline="0" dirty="0" smtClean="0">
+                        <a:rPr lang="en-US" b="0" baseline="0" dirty="0">
                           <a:solidFill>
                             <a:schemeClr val="tx1"/>
                           </a:solidFill>
                         </a:rPr>
-                        <a:t>“is a “ relationship</a:t>
+                        <a:t>“is a” relationship</a:t>
                       </a:r>
                     </a:p>
                     <a:p>
@@ -7263,7 +4301,7 @@
                         <a:buFont typeface="Arial" panose="020B0604020202020204" pitchFamily="34" charset="0"/>
                         <a:buChar char="•"/>
                       </a:pPr>
-                      <a:endParaRPr lang="en-US" b="0" baseline="0" dirty="0" smtClean="0">
+                      <a:endParaRPr lang="en-US" b="0" baseline="0" dirty="0">
                         <a:solidFill>
                           <a:schemeClr val="tx1"/>
                         </a:solidFill>
@@ -7275,7 +4313,7 @@
                         <a:buChar char="•"/>
                       </a:pPr>
                       <a:r>
-                        <a:rPr lang="en-US" b="0" baseline="0" dirty="0" smtClean="0">
+                        <a:rPr lang="en-US" b="0" baseline="0" dirty="0">
                           <a:solidFill>
                             <a:schemeClr val="tx1"/>
                           </a:solidFill>
@@ -7335,7 +4373,7 @@
                     <a:lstStyle/>
                     <a:p>
                       <a:r>
-                        <a:rPr lang="en-US" b="0" dirty="0" smtClean="0">
+                        <a:rPr lang="en-US" b="0" dirty="0">
                           <a:solidFill>
                             <a:srgbClr val="7030A0"/>
                           </a:solidFill>
@@ -7349,18 +4387,13 @@
                         <a:buChar char="•"/>
                       </a:pPr>
                       <a:r>
-                        <a:rPr lang="en-US" b="0" dirty="0" smtClean="0">
+                        <a:rPr lang="en-US" b="0" dirty="0">
                           <a:solidFill>
                             <a:schemeClr val="tx1"/>
                           </a:solidFill>
                         </a:rPr>
                         <a:t>Keyword = “extends”</a:t>
                       </a:r>
-                      <a:endParaRPr lang="en-US" b="0" dirty="0">
-                        <a:solidFill>
-                          <a:schemeClr val="tx1"/>
-                        </a:solidFill>
-                      </a:endParaRPr>
                     </a:p>
                   </a:txBody>
                   <a:tcPr>
@@ -7416,7 +4449,7 @@
                     <a:lstStyle/>
                     <a:p>
                       <a:r>
-                        <a:rPr lang="en-US" dirty="0" smtClean="0">
+                        <a:rPr lang="en-US" dirty="0">
                           <a:solidFill>
                             <a:srgbClr val="7030A0"/>
                           </a:solidFill>
@@ -7443,7 +4476,7 @@
                         <a:defRPr/>
                       </a:pPr>
                       <a:r>
-                        <a:rPr lang="en-US" b="0" dirty="0" smtClean="0">
+                        <a:rPr lang="en-US" b="0" dirty="0">
                           <a:solidFill>
                             <a:schemeClr val="tx1"/>
                           </a:solidFill>
@@ -7451,7 +4484,7 @@
                         <a:t>No</a:t>
                       </a:r>
                       <a:r>
-                        <a:rPr lang="en-US" b="0" baseline="0" dirty="0" smtClean="0">
+                        <a:rPr lang="en-US" b="0" baseline="0" dirty="0">
                           <a:solidFill>
                             <a:schemeClr val="tx1"/>
                           </a:solidFill>
@@ -7459,7 +4492,7 @@
                         <a:t> k</a:t>
                       </a:r>
                       <a:r>
-                        <a:rPr lang="en-US" b="0" dirty="0" smtClean="0">
+                        <a:rPr lang="en-US" b="0" dirty="0">
                           <a:solidFill>
                             <a:schemeClr val="tx1"/>
                           </a:solidFill>
@@ -7467,7 +4500,7 @@
                         <a:t>eyword</a:t>
                       </a:r>
                       <a:r>
-                        <a:rPr lang="en-US" b="0" baseline="0" dirty="0" smtClean="0">
+                        <a:rPr lang="en-US" b="0" baseline="0" dirty="0">
                           <a:solidFill>
                             <a:schemeClr val="tx1"/>
                           </a:solidFill>
@@ -7493,7 +4526,7 @@
                         <a:tabLst/>
                         <a:defRPr/>
                       </a:pPr>
-                      <a:endParaRPr lang="en-US" b="0" baseline="0" dirty="0" smtClean="0">
+                      <a:endParaRPr lang="en-US" b="0" baseline="0" dirty="0">
                         <a:solidFill>
                           <a:schemeClr val="tx1"/>
                         </a:solidFill>
@@ -7518,14 +4551,14 @@
                         <a:defRPr/>
                       </a:pPr>
                       <a:r>
-                        <a:rPr lang="en-US" b="0" baseline="0" dirty="0" smtClean="0">
+                        <a:rPr lang="en-US" b="0" baseline="0" dirty="0">
                           <a:solidFill>
                             <a:schemeClr val="tx1"/>
                           </a:solidFill>
                         </a:rPr>
-                        <a:t>“has a relationship”</a:t>
+                        <a:t>“has a” relationship</a:t>
                       </a:r>
-                      <a:endParaRPr lang="en-US" b="0" dirty="0" smtClean="0">
+                      <a:endParaRPr lang="en-US" b="0" dirty="0">
                         <a:solidFill>
                           <a:schemeClr val="tx1"/>
                         </a:solidFill>
@@ -7585,7 +4618,7 @@
                     <a:lstStyle/>
                     <a:p>
                       <a:r>
-                        <a:rPr lang="en-US" dirty="0" smtClean="0">
+                        <a:rPr lang="en-US" dirty="0">
                           <a:solidFill>
                             <a:srgbClr val="7030A0"/>
                           </a:solidFill>
@@ -7599,18 +4632,13 @@
                         <a:buChar char="•"/>
                       </a:pPr>
                       <a:r>
-                        <a:rPr lang="en-US" dirty="0" smtClean="0">
+                        <a:rPr lang="en-US" dirty="0">
                           <a:solidFill>
                             <a:schemeClr val="tx1"/>
                           </a:solidFill>
                         </a:rPr>
                         <a:t>Keyword = “implements”</a:t>
                       </a:r>
-                      <a:endParaRPr lang="en-US" dirty="0">
-                        <a:solidFill>
-                          <a:schemeClr val="tx1"/>
-                        </a:solidFill>
-                      </a:endParaRPr>
                     </a:p>
                   </a:txBody>
                   <a:tcPr>
@@ -7673,13 +4701,6 @@
   <p:clrMapOvr>
     <a:masterClrMapping/>
   </p:clrMapOvr>
-  <p:timing>
-    <p:tnLst>
-      <p:par>
-        <p:cTn id="1" dur="indefinite" restart="never" nodeType="tmRoot"/>
-      </p:par>
-    </p:tnLst>
-  </p:timing>
 </p:sld>
 </file>
 
@@ -7716,10 +4737,9 @@
           <a:lstStyle/>
           <a:p>
             <a:r>
-              <a:rPr lang="en-US" dirty="0" smtClean="0"/>
+              <a:rPr lang="en-US" dirty="0"/>
               <a:t>Inheritance</a:t>
             </a:r>
-            <a:endParaRPr lang="en-US" dirty="0"/>
           </a:p>
         </p:txBody>
       </p:sp>
@@ -7739,32 +4759,11 @@
           <a:lstStyle/>
           <a:p>
             <a:r>
-              <a:rPr lang="en-US" dirty="0" smtClean="0">
-                <a:sym typeface="Wingdings" panose="05000000000000000000" pitchFamily="2" charset="2"/>
-              </a:rPr>
-              <a:t>Car</a:t>
-            </a:r>
-            <a:r>
-              <a:rPr lang="en-US" dirty="0" smtClean="0">
-                <a:sym typeface="Wingdings" panose="05000000000000000000" pitchFamily="2" charset="2"/>
-              </a:rPr>
-              <a:t>, Train, </a:t>
-            </a:r>
-            <a:r>
               <a:rPr lang="en-US" dirty="0">
                 <a:sym typeface="Wingdings" panose="05000000000000000000" pitchFamily="2" charset="2"/>
               </a:rPr>
-              <a:t>Ship </a:t>
-            </a:r>
-            <a:r>
-              <a:rPr lang="en-US" dirty="0" smtClean="0">
-                <a:sym typeface="Wingdings" panose="05000000000000000000" pitchFamily="2" charset="2"/>
-              </a:rPr>
-              <a:t> Vehicle</a:t>
-            </a:r>
-            <a:endParaRPr lang="en-US" dirty="0" smtClean="0">
-              <a:sym typeface="Wingdings" panose="05000000000000000000" pitchFamily="2" charset="2"/>
-            </a:endParaRPr>
+              <a:t>Car, Train, Ship  Vehicle</a:t>
+            </a:r>
           </a:p>
           <a:p>
             <a:endParaRPr lang="en-US" dirty="0">
@@ -7773,16 +4772,10 @@
           </a:p>
           <a:p>
             <a:r>
-              <a:rPr lang="en-US" dirty="0" smtClean="0">
+              <a:rPr lang="en-US" dirty="0">
                 <a:sym typeface="Wingdings" panose="05000000000000000000" pitchFamily="2" charset="2"/>
               </a:rPr>
-              <a:t>Swiss </a:t>
-            </a:r>
-            <a:r>
-              <a:rPr lang="en-US" dirty="0" smtClean="0">
-                <a:sym typeface="Wingdings" panose="05000000000000000000" pitchFamily="2" charset="2"/>
-              </a:rPr>
-              <a:t>knife, kitchen knife, </a:t>
+              <a:t>Swiss knife, kitchen knife, </a:t>
             </a:r>
           </a:p>
           <a:p>
@@ -7790,7 +4783,7 @@
               <a:buNone/>
             </a:pPr>
             <a:r>
-              <a:rPr lang="en-US" dirty="0" smtClean="0">
+              <a:rPr lang="en-US" dirty="0">
                 <a:sym typeface="Wingdings" panose="05000000000000000000" pitchFamily="2" charset="2"/>
               </a:rPr>
               <a:t>butcher knife, switch blade,</a:t>
@@ -7804,29 +4797,8 @@
               <a:rPr lang="en-US" dirty="0">
                 <a:sym typeface="Wingdings" panose="05000000000000000000" pitchFamily="2" charset="2"/>
               </a:rPr>
-              <a:t>b</a:t>
-            </a:r>
-            <a:r>
-              <a:rPr lang="en-US" dirty="0" smtClean="0">
-                <a:sym typeface="Wingdings" panose="05000000000000000000" pitchFamily="2" charset="2"/>
-              </a:rPr>
-              <a:t>utterfly </a:t>
-            </a:r>
-            <a:r>
-              <a:rPr lang="en-US" dirty="0">
-                <a:sym typeface="Wingdings" panose="05000000000000000000" pitchFamily="2" charset="2"/>
-              </a:rPr>
-              <a:t>knife </a:t>
-            </a:r>
-            <a:r>
-              <a:rPr lang="en-US" dirty="0" smtClean="0">
-                <a:sym typeface="Wingdings" panose="05000000000000000000" pitchFamily="2" charset="2"/>
-              </a:rPr>
-              <a:t> Knife</a:t>
-            </a:r>
-            <a:endParaRPr lang="en-US" dirty="0" smtClean="0">
-              <a:sym typeface="Wingdings" panose="05000000000000000000" pitchFamily="2" charset="2"/>
-            </a:endParaRPr>
+              <a:t>butterfly knife  Knife</a:t>
+            </a:r>
           </a:p>
           <a:p>
             <a:pPr marL="0" indent="0">
@@ -7884,13 +4856,6 @@
   <p:clrMapOvr>
     <a:masterClrMapping/>
   </p:clrMapOvr>
-  <p:timing>
-    <p:tnLst>
-      <p:par>
-        <p:cTn id="1" dur="indefinite" restart="never" nodeType="tmRoot"/>
-      </p:par>
-    </p:tnLst>
-  </p:timing>
 </p:sld>
 </file>
 
@@ -7927,10 +4892,9 @@
           <a:lstStyle/>
           <a:p>
             <a:r>
-              <a:rPr lang="en-US" dirty="0" smtClean="0"/>
+              <a:rPr lang="en-US" dirty="0"/>
               <a:t>Inheritance</a:t>
             </a:r>
-            <a:endParaRPr lang="en-US" dirty="0"/>
           </a:p>
         </p:txBody>
       </p:sp>
@@ -7951,11 +4915,7 @@
           <a:p>
             <a:r>
               <a:rPr lang="en-US" dirty="0"/>
-              <a:t>a</a:t>
-            </a:r>
-            <a:r>
-              <a:rPr lang="en-US" dirty="0" smtClean="0"/>
-              <a:t> “is a” b</a:t>
+              <a:t>a “is a” b</a:t>
             </a:r>
           </a:p>
           <a:p>
@@ -7963,38 +4923,73 @@
           </a:p>
           <a:p>
             <a:r>
-              <a:rPr lang="en-US" dirty="0" smtClean="0"/>
-              <a:t>A </a:t>
-            </a:r>
-            <a:r>
-              <a:rPr lang="en-US" dirty="0" smtClean="0"/>
-              <a:t>bike is a vehicle</a:t>
-            </a:r>
-          </a:p>
-          <a:p>
-            <a:r>
-              <a:rPr lang="en-US" dirty="0" smtClean="0"/>
-              <a:t>A car is a vehicle</a:t>
-            </a:r>
-          </a:p>
-          <a:p>
-            <a:r>
-              <a:rPr lang="en-US" dirty="0" smtClean="0"/>
-              <a:t>A truck is a vehicle</a:t>
-            </a:r>
-          </a:p>
-          <a:p>
-            <a:r>
-              <a:rPr lang="en-US" dirty="0" smtClean="0"/>
-              <a:t>A plane is a vehicle</a:t>
-            </a:r>
-          </a:p>
-          <a:p>
-            <a:r>
-              <a:rPr lang="en-US" dirty="0" smtClean="0"/>
-              <a:t>A ship is a vehicle</a:t>
-            </a:r>
-            <a:endParaRPr lang="en-US" dirty="0"/>
+              <a:rPr lang="en-US" dirty="0"/>
+              <a:t>A bike </a:t>
+            </a:r>
+            <a:r>
+              <a:rPr lang="en-US" b="1" dirty="0"/>
+              <a:t>is</a:t>
+            </a:r>
+            <a:r>
+              <a:rPr lang="en-US" dirty="0"/>
+              <a:t> a vehicle</a:t>
+            </a:r>
+          </a:p>
+          <a:p>
+            <a:r>
+              <a:rPr lang="en-US" dirty="0"/>
+              <a:t>A car </a:t>
+            </a:r>
+            <a:r>
+              <a:rPr lang="en-US" b="1" dirty="0"/>
+              <a:t>is</a:t>
+            </a:r>
+            <a:r>
+              <a:rPr lang="en-US" dirty="0"/>
+              <a:t> a vehicle</a:t>
+            </a:r>
+          </a:p>
+          <a:p>
+            <a:r>
+              <a:rPr lang="en-US" dirty="0"/>
+              <a:t>A truck </a:t>
+            </a:r>
+            <a:r>
+              <a:rPr lang="en-US" b="1" dirty="0"/>
+              <a:t>is</a:t>
+            </a:r>
+            <a:r>
+              <a:rPr lang="en-US" dirty="0"/>
+              <a:t> a vehicle</a:t>
+            </a:r>
+          </a:p>
+          <a:p>
+            <a:r>
+              <a:rPr lang="en-US" dirty="0"/>
+              <a:t>A plane </a:t>
+            </a:r>
+            <a:r>
+              <a:rPr lang="en-US" b="1" dirty="0"/>
+              <a:t>is</a:t>
+            </a:r>
+            <a:r>
+              <a:rPr lang="en-US" dirty="0"/>
+              <a:t> a vehicle</a:t>
+            </a:r>
+          </a:p>
+          <a:p>
+            <a:r>
+              <a:rPr lang="en-US" dirty="0"/>
+              <a:t>A ship </a:t>
+            </a:r>
+            <a:r>
+              <a:rPr lang="en-US" b="1" dirty="0"/>
+              <a:t>is</a:t>
+            </a:r>
+            <a:r>
+              <a:rPr lang="en-US" dirty="0"/>
+              <a:t> a vehicle</a:t>
+            </a:r>
           </a:p>
         </p:txBody>
       </p:sp>
@@ -8038,13 +5033,6 @@
   <p:clrMapOvr>
     <a:masterClrMapping/>
   </p:clrMapOvr>
-  <p:timing>
-    <p:tnLst>
-      <p:par>
-        <p:cTn id="1" dur="indefinite" restart="never" nodeType="tmRoot"/>
-      </p:par>
-    </p:tnLst>
-  </p:timing>
 </p:sld>
 </file>
 
@@ -8080,39 +5068,319 @@
           <a:bodyPr/>
           <a:lstStyle/>
           <a:p>
-            <a:endParaRPr lang="en-US"/>
-          </a:p>
-        </p:txBody>
-      </p:sp>
-      <p:graphicFrame>
-        <p:nvGraphicFramePr>
-          <p:cNvPr id="4" name="Content Placeholder 3"/>
-          <p:cNvGraphicFramePr>
-            <a:graphicFrameLocks noGrp="1"/>
-          </p:cNvGraphicFramePr>
+            <a:r>
+              <a:rPr lang="en-US" dirty="0"/>
+              <a:t>Composition</a:t>
+            </a:r>
+          </a:p>
+        </p:txBody>
+      </p:sp>
+      <p:sp>
+        <p:nvSpPr>
+          <p:cNvPr id="3" name="Content Placeholder 2"/>
+          <p:cNvSpPr>
+            <a:spLocks noGrp="1"/>
+          </p:cNvSpPr>
           <p:nvPr>
             <p:ph idx="1"/>
-            <p:extLst>
-              <p:ext uri="{D42A27DB-BD31-4B8C-83A1-F6EECF244321}">
-                <p14:modId xmlns:p14="http://schemas.microsoft.com/office/powerpoint/2010/main" val="156012812"/>
-              </p:ext>
-            </p:extLst>
           </p:nvPr>
-        </p:nvGraphicFramePr>
-        <p:xfrm>
-          <a:off x="838200" y="1825625"/>
-          <a:ext cx="10515600" cy="4351338"/>
-        </p:xfrm>
-        <a:graphic>
-          <a:graphicData uri="http://schemas.openxmlformats.org/drawingml/2006/diagram">
-            <dgm:relIds xmlns:dgm="http://schemas.openxmlformats.org/drawingml/2006/diagram" xmlns:r="http://schemas.openxmlformats.org/officeDocument/2006/relationships" r:dm="rId2" r:lo="rId3" r:qs="rId4" r:cs="rId5"/>
-          </a:graphicData>
-        </a:graphic>
-      </p:graphicFrame>
+        </p:nvSpPr>
+        <p:spPr/>
+        <p:txBody>
+          <a:bodyPr>
+            <a:normAutofit/>
+          </a:bodyPr>
+          <a:lstStyle/>
+          <a:p>
+            <a:r>
+              <a:rPr lang="en-US" dirty="0"/>
+              <a:t>Vehicle </a:t>
+            </a:r>
+            <a:r>
+              <a:rPr lang="en-US" b="1" dirty="0"/>
+              <a:t>has</a:t>
+            </a:r>
+            <a:r>
+              <a:rPr lang="en-US" dirty="0"/>
+              <a:t> a:</a:t>
+            </a:r>
+          </a:p>
+          <a:p>
+            <a:pPr lvl="1"/>
+            <a:r>
+              <a:rPr lang="en-US" dirty="0"/>
+              <a:t>Headlight</a:t>
+            </a:r>
+          </a:p>
+          <a:p>
+            <a:pPr lvl="1"/>
+            <a:r>
+              <a:rPr lang="en-US" dirty="0"/>
+              <a:t>Steering wheel</a:t>
+            </a:r>
+          </a:p>
+          <a:p>
+            <a:pPr lvl="1"/>
+            <a:r>
+              <a:rPr lang="en-US" dirty="0"/>
+              <a:t>Spark Plug</a:t>
+            </a:r>
+          </a:p>
+          <a:p>
+            <a:pPr lvl="1"/>
+            <a:r>
+              <a:rPr lang="en-US" dirty="0"/>
+              <a:t>Windshield Wipers</a:t>
+            </a:r>
+          </a:p>
+          <a:p>
+            <a:pPr lvl="1"/>
+            <a:r>
+              <a:rPr lang="en-US" dirty="0"/>
+              <a:t>Hub cap</a:t>
+            </a:r>
+          </a:p>
+          <a:p>
+            <a:pPr lvl="1"/>
+            <a:r>
+              <a:rPr lang="en-US" dirty="0"/>
+              <a:t>Side mirror</a:t>
+            </a:r>
+          </a:p>
+          <a:p>
+            <a:pPr lvl="1"/>
+            <a:r>
+              <a:rPr lang="en-US" dirty="0"/>
+              <a:t>Exhaust pipe</a:t>
+            </a:r>
+          </a:p>
+          <a:p>
+            <a:pPr lvl="1"/>
+            <a:endParaRPr lang="en-US" dirty="0"/>
+          </a:p>
+          <a:p>
+            <a:pPr lvl="1"/>
+            <a:r>
+              <a:rPr lang="en-US" dirty="0"/>
+              <a:t>Note: Pan out on car, zoom in on components</a:t>
+            </a:r>
+          </a:p>
+        </p:txBody>
+      </p:sp>
+      <p:pic>
+        <p:nvPicPr>
+          <p:cNvPr id="5" name="Picture 4"/>
+          <p:cNvPicPr>
+            <a:picLocks noChangeAspect="1"/>
+          </p:cNvPicPr>
+          <p:nvPr/>
+        </p:nvPicPr>
+        <p:blipFill>
+          <a:blip r:embed="rId2">
+            <a:extLst>
+              <a:ext uri="{28A0092B-C50C-407E-A947-70E740481C1C}">
+                <a14:useLocalDpi xmlns:a14="http://schemas.microsoft.com/office/drawing/2010/main" val="0"/>
+              </a:ext>
+            </a:extLst>
+          </a:blip>
+          <a:stretch>
+            <a:fillRect/>
+          </a:stretch>
+        </p:blipFill>
+        <p:spPr>
+          <a:xfrm>
+            <a:off x="7407127" y="1471583"/>
+            <a:ext cx="693312" cy="1894226"/>
+          </a:xfrm>
+          <a:prstGeom prst="rect">
+            <a:avLst/>
+          </a:prstGeom>
+        </p:spPr>
+      </p:pic>
+      <p:pic>
+        <p:nvPicPr>
+          <p:cNvPr id="6" name="Picture 5"/>
+          <p:cNvPicPr>
+            <a:picLocks noChangeAspect="1"/>
+          </p:cNvPicPr>
+          <p:nvPr/>
+        </p:nvPicPr>
+        <p:blipFill>
+          <a:blip r:embed="rId3" cstate="print">
+            <a:extLst>
+              <a:ext uri="{28A0092B-C50C-407E-A947-70E740481C1C}">
+                <a14:useLocalDpi xmlns:a14="http://schemas.microsoft.com/office/drawing/2010/main" val="0"/>
+              </a:ext>
+            </a:extLst>
+          </a:blip>
+          <a:stretch>
+            <a:fillRect/>
+          </a:stretch>
+        </p:blipFill>
+        <p:spPr>
+          <a:xfrm>
+            <a:off x="5088347" y="3324982"/>
+            <a:ext cx="1002394" cy="979538"/>
+          </a:xfrm>
+          <a:prstGeom prst="rect">
+            <a:avLst/>
+          </a:prstGeom>
+        </p:spPr>
+      </p:pic>
+      <p:pic>
+        <p:nvPicPr>
+          <p:cNvPr id="7" name="Picture 6"/>
+          <p:cNvPicPr>
+            <a:picLocks noChangeAspect="1"/>
+          </p:cNvPicPr>
+          <p:nvPr/>
+        </p:nvPicPr>
+        <p:blipFill>
+          <a:blip r:embed="rId4" cstate="print">
+            <a:extLst>
+              <a:ext uri="{28A0092B-C50C-407E-A947-70E740481C1C}">
+                <a14:useLocalDpi xmlns:a14="http://schemas.microsoft.com/office/drawing/2010/main" val="0"/>
+              </a:ext>
+            </a:extLst>
+          </a:blip>
+          <a:stretch>
+            <a:fillRect/>
+          </a:stretch>
+        </p:blipFill>
+        <p:spPr>
+          <a:xfrm>
+            <a:off x="6084826" y="1690688"/>
+            <a:ext cx="1192029" cy="1192029"/>
+          </a:xfrm>
+          <a:prstGeom prst="rect">
+            <a:avLst/>
+          </a:prstGeom>
+        </p:spPr>
+      </p:pic>
+      <p:pic>
+        <p:nvPicPr>
+          <p:cNvPr id="8" name="Picture 7"/>
+          <p:cNvPicPr>
+            <a:picLocks noChangeAspect="1"/>
+          </p:cNvPicPr>
+          <p:nvPr/>
+        </p:nvPicPr>
+        <p:blipFill>
+          <a:blip r:embed="rId5">
+            <a:extLst>
+              <a:ext uri="{28A0092B-C50C-407E-A947-70E740481C1C}">
+                <a14:useLocalDpi xmlns:a14="http://schemas.microsoft.com/office/drawing/2010/main" val="0"/>
+              </a:ext>
+            </a:extLst>
+          </a:blip>
+          <a:stretch>
+            <a:fillRect/>
+          </a:stretch>
+        </p:blipFill>
+        <p:spPr>
+          <a:xfrm>
+            <a:off x="6332608" y="4001294"/>
+            <a:ext cx="1453602" cy="719653"/>
+          </a:xfrm>
+          <a:prstGeom prst="rect">
+            <a:avLst/>
+          </a:prstGeom>
+        </p:spPr>
+      </p:pic>
+      <p:pic>
+        <p:nvPicPr>
+          <p:cNvPr id="9" name="Picture 8"/>
+          <p:cNvPicPr>
+            <a:picLocks noChangeAspect="1"/>
+          </p:cNvPicPr>
+          <p:nvPr/>
+        </p:nvPicPr>
+        <p:blipFill>
+          <a:blip r:embed="rId6">
+            <a:extLst>
+              <a:ext uri="{28A0092B-C50C-407E-A947-70E740481C1C}">
+                <a14:useLocalDpi xmlns:a14="http://schemas.microsoft.com/office/drawing/2010/main" val="0"/>
+              </a:ext>
+            </a:extLst>
+          </a:blip>
+          <a:stretch>
+            <a:fillRect/>
+          </a:stretch>
+        </p:blipFill>
+        <p:spPr>
+          <a:xfrm>
+            <a:off x="4316429" y="2365186"/>
+            <a:ext cx="1318884" cy="661647"/>
+          </a:xfrm>
+          <a:prstGeom prst="rect">
+            <a:avLst/>
+          </a:prstGeom>
+        </p:spPr>
+      </p:pic>
+      <p:pic>
+        <p:nvPicPr>
+          <p:cNvPr id="10" name="Picture 9"/>
+          <p:cNvPicPr>
+            <a:picLocks noChangeAspect="1"/>
+          </p:cNvPicPr>
+          <p:nvPr/>
+        </p:nvPicPr>
+        <p:blipFill>
+          <a:blip r:embed="rId7">
+            <a:extLst>
+              <a:ext uri="{28A0092B-C50C-407E-A947-70E740481C1C}">
+                <a14:useLocalDpi xmlns:a14="http://schemas.microsoft.com/office/drawing/2010/main" val="0"/>
+              </a:ext>
+            </a:extLst>
+          </a:blip>
+          <a:stretch>
+            <a:fillRect/>
+          </a:stretch>
+        </p:blipFill>
+        <p:spPr>
+          <a:xfrm>
+            <a:off x="8421236" y="1402935"/>
+            <a:ext cx="2035665" cy="1924502"/>
+          </a:xfrm>
+          <a:prstGeom prst="rect">
+            <a:avLst/>
+          </a:prstGeom>
+        </p:spPr>
+      </p:pic>
+      <p:pic>
+        <p:nvPicPr>
+          <p:cNvPr id="11" name="Picture 10"/>
+          <p:cNvPicPr>
+            <a:picLocks noChangeAspect="1"/>
+          </p:cNvPicPr>
+          <p:nvPr/>
+        </p:nvPicPr>
+        <p:blipFill>
+          <a:blip r:embed="rId8" cstate="print">
+            <a:extLst>
+              <a:ext uri="{28A0092B-C50C-407E-A947-70E740481C1C}">
+                <a14:useLocalDpi xmlns:a14="http://schemas.microsoft.com/office/drawing/2010/main" val="0"/>
+              </a:ext>
+            </a:extLst>
+          </a:blip>
+          <a:stretch>
+            <a:fillRect/>
+          </a:stretch>
+        </p:blipFill>
+        <p:spPr>
+          <a:xfrm>
+            <a:off x="8277840" y="3562828"/>
+            <a:ext cx="999164" cy="1221650"/>
+          </a:xfrm>
+          <a:prstGeom prst="rect">
+            <a:avLst/>
+          </a:prstGeom>
+        </p:spPr>
+      </p:pic>
     </p:spTree>
     <p:extLst>
       <p:ext uri="{BB962C8B-B14F-4D97-AF65-F5344CB8AC3E}">
-        <p14:creationId xmlns:p14="http://schemas.microsoft.com/office/powerpoint/2010/main" val="1068217773"/>
+        <p14:creationId xmlns:p14="http://schemas.microsoft.com/office/powerpoint/2010/main" val="2145903"/>
       </p:ext>
     </p:extLst>
   </p:cSld>
@@ -8154,373 +5422,6 @@
           <a:bodyPr/>
           <a:lstStyle/>
           <a:p>
-            <a:r>
-              <a:rPr lang="en-US" dirty="0" smtClean="0"/>
-              <a:t>Composition</a:t>
-            </a:r>
-            <a:endParaRPr lang="en-US" dirty="0"/>
-          </a:p>
-        </p:txBody>
-      </p:sp>
-      <p:sp>
-        <p:nvSpPr>
-          <p:cNvPr id="3" name="Content Placeholder 2"/>
-          <p:cNvSpPr>
-            <a:spLocks noGrp="1"/>
-          </p:cNvSpPr>
-          <p:nvPr>
-            <p:ph idx="1"/>
-          </p:nvPr>
-        </p:nvSpPr>
-        <p:spPr/>
-        <p:txBody>
-          <a:bodyPr>
-            <a:normAutofit/>
-          </a:bodyPr>
-          <a:lstStyle/>
-          <a:p>
-            <a:r>
-              <a:rPr lang="en-US" dirty="0" smtClean="0"/>
-              <a:t>Vehicle has a:</a:t>
-            </a:r>
-          </a:p>
-          <a:p>
-            <a:pPr lvl="1"/>
-            <a:r>
-              <a:rPr lang="en-US" dirty="0" smtClean="0"/>
-              <a:t>Headlight</a:t>
-            </a:r>
-          </a:p>
-          <a:p>
-            <a:pPr lvl="1"/>
-            <a:r>
-              <a:rPr lang="en-US" dirty="0" smtClean="0"/>
-              <a:t>Steering wheel</a:t>
-            </a:r>
-          </a:p>
-          <a:p>
-            <a:pPr lvl="1"/>
-            <a:r>
-              <a:rPr lang="en-US" dirty="0" smtClean="0"/>
-              <a:t>Hub cap</a:t>
-            </a:r>
-          </a:p>
-          <a:p>
-            <a:pPr lvl="1"/>
-            <a:r>
-              <a:rPr lang="en-US" dirty="0" smtClean="0"/>
-              <a:t>Side mirror</a:t>
-            </a:r>
-          </a:p>
-          <a:p>
-            <a:pPr lvl="1"/>
-            <a:r>
-              <a:rPr lang="en-US" dirty="0" smtClean="0"/>
-              <a:t>Spark Plug</a:t>
-            </a:r>
-          </a:p>
-          <a:p>
-            <a:pPr lvl="1"/>
-            <a:r>
-              <a:rPr lang="en-US" dirty="0" smtClean="0"/>
-              <a:t>Exhaust pipe</a:t>
-            </a:r>
-          </a:p>
-          <a:p>
-            <a:pPr lvl="1"/>
-            <a:r>
-              <a:rPr lang="en-US" dirty="0" smtClean="0"/>
-              <a:t>Windshield Wipers</a:t>
-            </a:r>
-          </a:p>
-          <a:p>
-            <a:pPr lvl="1"/>
-            <a:endParaRPr lang="en-US" dirty="0"/>
-          </a:p>
-          <a:p>
-            <a:pPr lvl="1"/>
-            <a:r>
-              <a:rPr lang="en-US" dirty="0" smtClean="0"/>
-              <a:t>Note: Pan </a:t>
-            </a:r>
-            <a:r>
-              <a:rPr lang="en-US" dirty="0" smtClean="0"/>
-              <a:t>out on car, </a:t>
-            </a:r>
-            <a:r>
-              <a:rPr lang="en-US" dirty="0" smtClean="0"/>
-              <a:t>zoom in on </a:t>
-            </a:r>
-            <a:r>
-              <a:rPr lang="en-US" dirty="0" smtClean="0"/>
-              <a:t>details</a:t>
-            </a:r>
-            <a:endParaRPr lang="en-US" dirty="0"/>
-          </a:p>
-        </p:txBody>
-      </p:sp>
-      <p:pic>
-        <p:nvPicPr>
-          <p:cNvPr id="5" name="Picture 4"/>
-          <p:cNvPicPr>
-            <a:picLocks noChangeAspect="1"/>
-          </p:cNvPicPr>
-          <p:nvPr/>
-        </p:nvPicPr>
-        <p:blipFill>
-          <a:blip r:embed="rId2">
-            <a:extLst>
-              <a:ext uri="{28A0092B-C50C-407E-A947-70E740481C1C}">
-                <a14:useLocalDpi xmlns:a14="http://schemas.microsoft.com/office/drawing/2010/main" val="0"/>
-              </a:ext>
-            </a:extLst>
-          </a:blip>
-          <a:stretch>
-            <a:fillRect/>
-          </a:stretch>
-        </p:blipFill>
-        <p:spPr>
-          <a:xfrm>
-            <a:off x="7407127" y="1471583"/>
-            <a:ext cx="693312" cy="1894226"/>
-          </a:xfrm>
-          <a:prstGeom prst="rect">
-            <a:avLst/>
-          </a:prstGeom>
-        </p:spPr>
-      </p:pic>
-      <p:pic>
-        <p:nvPicPr>
-          <p:cNvPr id="6" name="Picture 5"/>
-          <p:cNvPicPr>
-            <a:picLocks noChangeAspect="1"/>
-          </p:cNvPicPr>
-          <p:nvPr/>
-        </p:nvPicPr>
-        <p:blipFill>
-          <a:blip r:embed="rId3" cstate="print">
-            <a:extLst>
-              <a:ext uri="{28A0092B-C50C-407E-A947-70E740481C1C}">
-                <a14:useLocalDpi xmlns:a14="http://schemas.microsoft.com/office/drawing/2010/main" val="0"/>
-              </a:ext>
-            </a:extLst>
-          </a:blip>
-          <a:stretch>
-            <a:fillRect/>
-          </a:stretch>
-        </p:blipFill>
-        <p:spPr>
-          <a:xfrm>
-            <a:off x="5088347" y="3324982"/>
-            <a:ext cx="1002394" cy="979538"/>
-          </a:xfrm>
-          <a:prstGeom prst="rect">
-            <a:avLst/>
-          </a:prstGeom>
-        </p:spPr>
-      </p:pic>
-      <p:pic>
-        <p:nvPicPr>
-          <p:cNvPr id="7" name="Picture 6"/>
-          <p:cNvPicPr>
-            <a:picLocks noChangeAspect="1"/>
-          </p:cNvPicPr>
-          <p:nvPr/>
-        </p:nvPicPr>
-        <p:blipFill>
-          <a:blip r:embed="rId4" cstate="print">
-            <a:extLst>
-              <a:ext uri="{28A0092B-C50C-407E-A947-70E740481C1C}">
-                <a14:useLocalDpi xmlns:a14="http://schemas.microsoft.com/office/drawing/2010/main" val="0"/>
-              </a:ext>
-            </a:extLst>
-          </a:blip>
-          <a:stretch>
-            <a:fillRect/>
-          </a:stretch>
-        </p:blipFill>
-        <p:spPr>
-          <a:xfrm>
-            <a:off x="6084826" y="1690688"/>
-            <a:ext cx="1192029" cy="1192029"/>
-          </a:xfrm>
-          <a:prstGeom prst="rect">
-            <a:avLst/>
-          </a:prstGeom>
-        </p:spPr>
-      </p:pic>
-      <p:pic>
-        <p:nvPicPr>
-          <p:cNvPr id="8" name="Picture 7"/>
-          <p:cNvPicPr>
-            <a:picLocks noChangeAspect="1"/>
-          </p:cNvPicPr>
-          <p:nvPr/>
-        </p:nvPicPr>
-        <p:blipFill>
-          <a:blip r:embed="rId5">
-            <a:extLst>
-              <a:ext uri="{28A0092B-C50C-407E-A947-70E740481C1C}">
-                <a14:useLocalDpi xmlns:a14="http://schemas.microsoft.com/office/drawing/2010/main" val="0"/>
-              </a:ext>
-            </a:extLst>
-          </a:blip>
-          <a:stretch>
-            <a:fillRect/>
-          </a:stretch>
-        </p:blipFill>
-        <p:spPr>
-          <a:xfrm>
-            <a:off x="6332608" y="4001294"/>
-            <a:ext cx="1453602" cy="719653"/>
-          </a:xfrm>
-          <a:prstGeom prst="rect">
-            <a:avLst/>
-          </a:prstGeom>
-        </p:spPr>
-      </p:pic>
-      <p:pic>
-        <p:nvPicPr>
-          <p:cNvPr id="9" name="Picture 8"/>
-          <p:cNvPicPr>
-            <a:picLocks noChangeAspect="1"/>
-          </p:cNvPicPr>
-          <p:nvPr/>
-        </p:nvPicPr>
-        <p:blipFill>
-          <a:blip r:embed="rId6">
-            <a:extLst>
-              <a:ext uri="{28A0092B-C50C-407E-A947-70E740481C1C}">
-                <a14:useLocalDpi xmlns:a14="http://schemas.microsoft.com/office/drawing/2010/main" val="0"/>
-              </a:ext>
-            </a:extLst>
-          </a:blip>
-          <a:stretch>
-            <a:fillRect/>
-          </a:stretch>
-        </p:blipFill>
-        <p:spPr>
-          <a:xfrm>
-            <a:off x="4316429" y="2365186"/>
-            <a:ext cx="1318884" cy="661647"/>
-          </a:xfrm>
-          <a:prstGeom prst="rect">
-            <a:avLst/>
-          </a:prstGeom>
-        </p:spPr>
-      </p:pic>
-      <p:pic>
-        <p:nvPicPr>
-          <p:cNvPr id="10" name="Picture 9"/>
-          <p:cNvPicPr>
-            <a:picLocks noChangeAspect="1"/>
-          </p:cNvPicPr>
-          <p:nvPr/>
-        </p:nvPicPr>
-        <p:blipFill>
-          <a:blip r:embed="rId7">
-            <a:extLst>
-              <a:ext uri="{28A0092B-C50C-407E-A947-70E740481C1C}">
-                <a14:useLocalDpi xmlns:a14="http://schemas.microsoft.com/office/drawing/2010/main" val="0"/>
-              </a:ext>
-            </a:extLst>
-          </a:blip>
-          <a:stretch>
-            <a:fillRect/>
-          </a:stretch>
-        </p:blipFill>
-        <p:spPr>
-          <a:xfrm>
-            <a:off x="8421236" y="1402935"/>
-            <a:ext cx="2035665" cy="1924502"/>
-          </a:xfrm>
-          <a:prstGeom prst="rect">
-            <a:avLst/>
-          </a:prstGeom>
-        </p:spPr>
-      </p:pic>
-      <p:pic>
-        <p:nvPicPr>
-          <p:cNvPr id="11" name="Picture 10"/>
-          <p:cNvPicPr>
-            <a:picLocks noChangeAspect="1"/>
-          </p:cNvPicPr>
-          <p:nvPr/>
-        </p:nvPicPr>
-        <p:blipFill>
-          <a:blip r:embed="rId8" cstate="print">
-            <a:extLst>
-              <a:ext uri="{28A0092B-C50C-407E-A947-70E740481C1C}">
-                <a14:useLocalDpi xmlns:a14="http://schemas.microsoft.com/office/drawing/2010/main" val="0"/>
-              </a:ext>
-            </a:extLst>
-          </a:blip>
-          <a:stretch>
-            <a:fillRect/>
-          </a:stretch>
-        </p:blipFill>
-        <p:spPr>
-          <a:xfrm>
-            <a:off x="8277840" y="3562828"/>
-            <a:ext cx="999164" cy="1221650"/>
-          </a:xfrm>
-          <a:prstGeom prst="rect">
-            <a:avLst/>
-          </a:prstGeom>
-        </p:spPr>
-      </p:pic>
-    </p:spTree>
-    <p:extLst>
-      <p:ext uri="{BB962C8B-B14F-4D97-AF65-F5344CB8AC3E}">
-        <p14:creationId xmlns:p14="http://schemas.microsoft.com/office/powerpoint/2010/main" val="2145903"/>
-      </p:ext>
-    </p:extLst>
-  </p:cSld>
-  <p:clrMapOvr>
-    <a:masterClrMapping/>
-  </p:clrMapOvr>
-  <p:timing>
-    <p:tnLst>
-      <p:par>
-        <p:cTn id="1" dur="indefinite" restart="never" nodeType="tmRoot"/>
-      </p:par>
-    </p:tnLst>
-  </p:timing>
-</p:sld>
-</file>
-
-<file path=ppt/slides/slide17.xml><?xml version="1.0" encoding="utf-8"?>
-<p:sld xmlns:a="http://schemas.openxmlformats.org/drawingml/2006/main" xmlns:r="http://schemas.openxmlformats.org/officeDocument/2006/relationships" xmlns:p="http://schemas.openxmlformats.org/presentationml/2006/main">
-  <p:cSld>
-    <p:spTree>
-      <p:nvGrpSpPr>
-        <p:cNvPr id="1" name=""/>
-        <p:cNvGrpSpPr/>
-        <p:nvPr/>
-      </p:nvGrpSpPr>
-      <p:grpSpPr>
-        <a:xfrm>
-          <a:off x="0" y="0"/>
-          <a:ext cx="0" cy="0"/>
-          <a:chOff x="0" y="0"/>
-          <a:chExt cx="0" cy="0"/>
-        </a:xfrm>
-      </p:grpSpPr>
-      <p:sp>
-        <p:nvSpPr>
-          <p:cNvPr id="2" name="Title 1"/>
-          <p:cNvSpPr>
-            <a:spLocks noGrp="1"/>
-          </p:cNvSpPr>
-          <p:nvPr>
-            <p:ph type="title"/>
-          </p:nvPr>
-        </p:nvSpPr>
-        <p:spPr/>
-        <p:txBody>
-          <a:bodyPr/>
-          <a:lstStyle/>
-          <a:p>
             <a:endParaRPr lang="en-US"/>
           </a:p>
         </p:txBody>
@@ -8548,7 +5449,7 @@
         </p:blipFill>
         <p:spPr>
           <a:xfrm>
-            <a:off x="2750127" y="2730445"/>
+            <a:off x="2785639" y="2348703"/>
             <a:ext cx="6292734" cy="2744201"/>
           </a:xfrm>
           <a:prstGeom prst="rect">
@@ -8578,7 +5479,7 @@
         </p:blipFill>
         <p:spPr>
           <a:xfrm>
-            <a:off x="1203506" y="3893333"/>
+            <a:off x="1020777" y="3938624"/>
             <a:ext cx="1318884" cy="661647"/>
           </a:xfrm>
           <a:prstGeom prst="rect">
@@ -8608,7 +5509,7 @@
         </p:blipFill>
         <p:spPr>
           <a:xfrm>
-            <a:off x="5300479" y="1447036"/>
+            <a:off x="3736206" y="1183308"/>
             <a:ext cx="1192029" cy="1192029"/>
           </a:xfrm>
           <a:prstGeom prst="rect">
@@ -8638,7 +5539,7 @@
         </p:blipFill>
         <p:spPr>
           <a:xfrm>
-            <a:off x="8676314" y="4981349"/>
+            <a:off x="7099751" y="5119538"/>
             <a:ext cx="1164372" cy="1137823"/>
           </a:xfrm>
           <a:prstGeom prst="rect">
@@ -8668,7 +5569,7 @@
         </p:blipFill>
         <p:spPr>
           <a:xfrm>
-            <a:off x="4573678" y="5471119"/>
+            <a:off x="3162995" y="5295505"/>
             <a:ext cx="1453602" cy="719653"/>
           </a:xfrm>
           <a:prstGeom prst="rect">
@@ -8698,7 +5599,7 @@
         </p:blipFill>
         <p:spPr>
           <a:xfrm>
-            <a:off x="3253876" y="1875544"/>
+            <a:off x="5637348" y="796068"/>
             <a:ext cx="1542601" cy="1458363"/>
           </a:xfrm>
           <a:prstGeom prst="rect">
@@ -8728,7 +5629,7 @@
         </p:blipFill>
         <p:spPr>
           <a:xfrm>
-            <a:off x="2019254" y="1690688"/>
+            <a:off x="2203469" y="1646501"/>
             <a:ext cx="637841" cy="1742672"/>
           </a:xfrm>
           <a:prstGeom prst="rect">
@@ -8758,7 +5659,7 @@
         </p:blipFill>
         <p:spPr>
           <a:xfrm>
-            <a:off x="9270598" y="3433360"/>
+            <a:off x="9488949" y="2818175"/>
             <a:ext cx="999164" cy="1221650"/>
           </a:xfrm>
           <a:prstGeom prst="rect">
@@ -8776,13 +5677,99 @@
   <p:clrMapOvr>
     <a:masterClrMapping/>
   </p:clrMapOvr>
-  <p:timing>
-    <p:tnLst>
-      <p:par>
-        <p:cTn id="1" dur="indefinite" restart="never" nodeType="tmRoot"/>
-      </p:par>
-    </p:tnLst>
-  </p:timing>
+</p:sld>
+</file>
+
+<file path=ppt/slides/slide17.xml><?xml version="1.0" encoding="utf-8"?>
+<p:sld xmlns:a="http://schemas.openxmlformats.org/drawingml/2006/main" xmlns:r="http://schemas.openxmlformats.org/officeDocument/2006/relationships" xmlns:p="http://schemas.openxmlformats.org/presentationml/2006/main">
+  <p:cSld>
+    <p:spTree>
+      <p:nvGrpSpPr>
+        <p:cNvPr id="1" name=""/>
+        <p:cNvGrpSpPr/>
+        <p:nvPr/>
+      </p:nvGrpSpPr>
+      <p:grpSpPr>
+        <a:xfrm>
+          <a:off x="0" y="0"/>
+          <a:ext cx="0" cy="0"/>
+          <a:chOff x="0" y="0"/>
+          <a:chExt cx="0" cy="0"/>
+        </a:xfrm>
+      </p:grpSpPr>
+      <p:sp>
+        <p:nvSpPr>
+          <p:cNvPr id="2" name="Title 1">
+            <a:extLst>
+              <a:ext uri="{FF2B5EF4-FFF2-40B4-BE49-F238E27FC236}">
+                <a16:creationId xmlns:a16="http://schemas.microsoft.com/office/drawing/2014/main" id="{D9C97102-6B43-4538-9925-9A29AB8A6AA6}"/>
+              </a:ext>
+            </a:extLst>
+          </p:cNvPr>
+          <p:cNvSpPr>
+            <a:spLocks noGrp="1"/>
+          </p:cNvSpPr>
+          <p:nvPr>
+            <p:ph type="title"/>
+          </p:nvPr>
+        </p:nvSpPr>
+        <p:spPr/>
+        <p:txBody>
+          <a:bodyPr/>
+          <a:lstStyle/>
+          <a:p>
+            <a:r>
+              <a:rPr lang="en-US" dirty="0"/>
+              <a:t>Method Chaining</a:t>
+            </a:r>
+          </a:p>
+        </p:txBody>
+      </p:sp>
+      <p:pic>
+        <p:nvPicPr>
+          <p:cNvPr id="4" name="Content Placeholder 5">
+            <a:extLst>
+              <a:ext uri="{FF2B5EF4-FFF2-40B4-BE49-F238E27FC236}">
+                <a16:creationId xmlns:a16="http://schemas.microsoft.com/office/drawing/2014/main" id="{8FE20122-0E22-44DC-9299-0518870AD5CC}"/>
+              </a:ext>
+            </a:extLst>
+          </p:cNvPr>
+          <p:cNvPicPr>
+            <a:picLocks noGrp="1" noChangeAspect="1"/>
+          </p:cNvPicPr>
+          <p:nvPr>
+            <p:ph idx="1"/>
+          </p:nvPr>
+        </p:nvPicPr>
+        <p:blipFill>
+          <a:blip r:embed="rId2">
+            <a:extLst>
+              <a:ext uri="{28A0092B-C50C-407E-A947-70E740481C1C}">
+                <a14:useLocalDpi xmlns:a14="http://schemas.microsoft.com/office/drawing/2010/main" val="0"/>
+              </a:ext>
+            </a:extLst>
+          </a:blip>
+          <a:stretch>
+            <a:fillRect/>
+          </a:stretch>
+        </p:blipFill>
+        <p:spPr>
+          <a:xfrm>
+            <a:off x="1405337" y="1719090"/>
+            <a:ext cx="9381325" cy="4351338"/>
+          </a:xfrm>
+        </p:spPr>
+      </p:pic>
+    </p:spTree>
+    <p:extLst>
+      <p:ext uri="{BB962C8B-B14F-4D97-AF65-F5344CB8AC3E}">
+        <p14:creationId xmlns:p14="http://schemas.microsoft.com/office/powerpoint/2010/main" val="3745794625"/>
+      </p:ext>
+    </p:extLst>
+  </p:cSld>
+  <p:clrMapOvr>
+    <a:masterClrMapping/>
+  </p:clrMapOvr>
 </p:sld>
 </file>
 
@@ -8805,12 +5792,18 @@
       </p:grpSpPr>
       <p:sp>
         <p:nvSpPr>
-          <p:cNvPr id="2" name="Title 1"/>
+          <p:cNvPr id="2" name="Title 1">
+            <a:extLst>
+              <a:ext uri="{FF2B5EF4-FFF2-40B4-BE49-F238E27FC236}">
+                <a16:creationId xmlns:a16="http://schemas.microsoft.com/office/drawing/2014/main" id="{E5A49789-22C8-4928-A17B-BE26D436F99E}"/>
+              </a:ext>
+            </a:extLst>
+          </p:cNvPr>
           <p:cNvSpPr>
             <a:spLocks noGrp="1"/>
           </p:cNvSpPr>
           <p:nvPr>
-            <p:ph type="ctrTitle"/>
+            <p:ph type="title"/>
           </p:nvPr>
         </p:nvSpPr>
         <p:spPr/>
@@ -8819,53 +5812,57 @@
           <a:lstStyle/>
           <a:p>
             <a:r>
-              <a:rPr lang="en-US" dirty="0" smtClean="0"/>
-              <a:t>Abstract Class</a:t>
-            </a:r>
-            <a:r>
-              <a:rPr lang="en-US" dirty="0" smtClean="0"/>
-              <a:t> &amp; Interface</a:t>
-            </a:r>
-            <a:endParaRPr lang="en-US" dirty="0"/>
-          </a:p>
-        </p:txBody>
-      </p:sp>
-      <p:sp>
-        <p:nvSpPr>
-          <p:cNvPr id="3" name="Subtitle 2"/>
-          <p:cNvSpPr>
-            <a:spLocks noGrp="1"/>
-          </p:cNvSpPr>
+              <a:rPr lang="en-US" dirty="0"/>
+              <a:t>Method Chaining</a:t>
+            </a:r>
+          </a:p>
+        </p:txBody>
+      </p:sp>
+      <p:pic>
+        <p:nvPicPr>
+          <p:cNvPr id="4" name="Content Placeholder 3">
+            <a:extLst>
+              <a:ext uri="{FF2B5EF4-FFF2-40B4-BE49-F238E27FC236}">
+                <a16:creationId xmlns:a16="http://schemas.microsoft.com/office/drawing/2014/main" id="{679A22C8-A4C0-4B64-8C1C-36AC26B625F0}"/>
+              </a:ext>
+            </a:extLst>
+          </p:cNvPr>
+          <p:cNvPicPr>
+            <a:picLocks noGrp="1" noChangeAspect="1"/>
+          </p:cNvPicPr>
           <p:nvPr>
-            <p:ph type="subTitle" idx="1"/>
+            <p:ph idx="1"/>
           </p:nvPr>
-        </p:nvSpPr>
-        <p:spPr/>
-        <p:txBody>
-          <a:bodyPr/>
-          <a:lstStyle/>
-          <a:p>
-            <a:endParaRPr lang="en-US" dirty="0"/>
-          </a:p>
-        </p:txBody>
-      </p:sp>
+        </p:nvPicPr>
+        <p:blipFill>
+          <a:blip r:embed="rId2">
+            <a:extLst>
+              <a:ext uri="{28A0092B-C50C-407E-A947-70E740481C1C}">
+                <a14:useLocalDpi xmlns:a14="http://schemas.microsoft.com/office/drawing/2010/main" val="0"/>
+              </a:ext>
+            </a:extLst>
+          </a:blip>
+          <a:stretch>
+            <a:fillRect/>
+          </a:stretch>
+        </p:blipFill>
+        <p:spPr>
+          <a:xfrm>
+            <a:off x="1581842" y="1726195"/>
+            <a:ext cx="8684168" cy="4766679"/>
+          </a:xfrm>
+        </p:spPr>
+      </p:pic>
     </p:spTree>
     <p:extLst>
       <p:ext uri="{BB962C8B-B14F-4D97-AF65-F5344CB8AC3E}">
-        <p14:creationId xmlns:p14="http://schemas.microsoft.com/office/powerpoint/2010/main" val="491091518"/>
+        <p14:creationId xmlns:p14="http://schemas.microsoft.com/office/powerpoint/2010/main" val="1843704263"/>
       </p:ext>
     </p:extLst>
   </p:cSld>
   <p:clrMapOvr>
     <a:masterClrMapping/>
   </p:clrMapOvr>
-  <p:timing>
-    <p:tnLst>
-      <p:par>
-        <p:cTn id="1" dur="indefinite" restart="never" nodeType="tmRoot"/>
-      </p:par>
-    </p:tnLst>
-  </p:timing>
 </p:sld>
 </file>
 
@@ -8893,7 +5890,7 @@
             <a:spLocks noGrp="1"/>
           </p:cNvSpPr>
           <p:nvPr>
-            <p:ph type="title"/>
+            <p:ph type="ctrTitle"/>
           </p:nvPr>
         </p:nvSpPr>
         <p:spPr/>
@@ -8902,21 +5899,20 @@
           <a:lstStyle/>
           <a:p>
             <a:r>
-              <a:rPr lang="en-US" dirty="0" smtClean="0"/>
-              <a:t>Abstract Class</a:t>
-            </a:r>
-            <a:endParaRPr lang="en-US" dirty="0"/>
-          </a:p>
-        </p:txBody>
-      </p:sp>
-      <p:sp>
-        <p:nvSpPr>
-          <p:cNvPr id="3" name="Content Placeholder 2"/>
+              <a:rPr lang="en-US" dirty="0"/>
+              <a:t>Abstract Class &amp; Interface</a:t>
+            </a:r>
+          </a:p>
+        </p:txBody>
+      </p:sp>
+      <p:sp>
+        <p:nvSpPr>
+          <p:cNvPr id="3" name="Subtitle 2"/>
           <p:cNvSpPr>
             <a:spLocks noGrp="1"/>
           </p:cNvSpPr>
           <p:nvPr>
-            <p:ph idx="1"/>
+            <p:ph type="subTitle" idx="1"/>
           </p:nvPr>
         </p:nvSpPr>
         <p:spPr/>
@@ -8924,10 +5920,6 @@
           <a:bodyPr/>
           <a:lstStyle/>
           <a:p>
-            <a:r>
-              <a:rPr lang="en-US" dirty="0" smtClean="0"/>
-              <a:t>Keyword = “extends”</a:t>
-            </a:r>
             <a:endParaRPr lang="en-US" dirty="0"/>
           </a:p>
         </p:txBody>
@@ -8935,20 +5927,13 @@
     </p:spTree>
     <p:extLst>
       <p:ext uri="{BB962C8B-B14F-4D97-AF65-F5344CB8AC3E}">
-        <p14:creationId xmlns:p14="http://schemas.microsoft.com/office/powerpoint/2010/main" val="3144968186"/>
+        <p14:creationId xmlns:p14="http://schemas.microsoft.com/office/powerpoint/2010/main" val="491091518"/>
       </p:ext>
     </p:extLst>
   </p:cSld>
   <p:clrMapOvr>
     <a:masterClrMapping/>
   </p:clrMapOvr>
-  <p:timing>
-    <p:tnLst>
-      <p:par>
-        <p:cTn id="1" dur="indefinite" restart="never" nodeType="tmRoot"/>
-      </p:par>
-    </p:tnLst>
-  </p:timing>
 </p:sld>
 </file>
 
@@ -8985,10 +5970,9 @@
           <a:lstStyle/>
           <a:p>
             <a:r>
-              <a:rPr lang="en-US" dirty="0" smtClean="0"/>
+              <a:rPr lang="en-US" dirty="0"/>
               <a:t>Class</a:t>
             </a:r>
-            <a:endParaRPr lang="en-US" dirty="0"/>
           </a:p>
         </p:txBody>
       </p:sp>
@@ -9031,13 +6015,6 @@
   <p:clrMapOvr>
     <a:masterClrMapping/>
   </p:clrMapOvr>
-  <p:timing>
-    <p:tnLst>
-      <p:par>
-        <p:cTn id="1" dur="indefinite" restart="never" nodeType="tmRoot"/>
-      </p:par>
-    </p:tnLst>
-  </p:timing>
 </p:sld>
 </file>
 
@@ -9074,10 +6051,9 @@
           <a:lstStyle/>
           <a:p>
             <a:r>
-              <a:rPr lang="en-US" dirty="0" smtClean="0"/>
-              <a:t>Interface</a:t>
-            </a:r>
-            <a:endParaRPr lang="en-US" dirty="0"/>
+              <a:rPr lang="en-US" dirty="0"/>
+              <a:t>Abstract Class</a:t>
+            </a:r>
           </a:p>
         </p:txBody>
       </p:sp>
@@ -9097,21 +6073,16 @@
           <a:lstStyle/>
           <a:p>
             <a:r>
-              <a:rPr lang="en-US" dirty="0" smtClean="0"/>
-              <a:t>Keyword = </a:t>
-            </a:r>
-            <a:r>
-              <a:rPr lang="en-US" smtClean="0"/>
-              <a:t>“implements”</a:t>
-            </a:r>
-            <a:endParaRPr lang="en-US"/>
+              <a:rPr lang="en-US" dirty="0"/>
+              <a:t>Keyword = “extends”</a:t>
+            </a:r>
           </a:p>
         </p:txBody>
       </p:sp>
     </p:spTree>
     <p:extLst>
       <p:ext uri="{BB962C8B-B14F-4D97-AF65-F5344CB8AC3E}">
-        <p14:creationId xmlns:p14="http://schemas.microsoft.com/office/powerpoint/2010/main" val="4105808640"/>
+        <p14:creationId xmlns:p14="http://schemas.microsoft.com/office/powerpoint/2010/main" val="3144968186"/>
       </p:ext>
     </p:extLst>
   </p:cSld>
@@ -9154,59 +6125,48 @@
           <a:lstStyle/>
           <a:p>
             <a:r>
-              <a:rPr lang="en-US" dirty="0" smtClean="0"/>
-              <a:t>Inheritance using Interface</a:t>
-            </a:r>
-            <a:endParaRPr lang="en-US" dirty="0"/>
-          </a:p>
-        </p:txBody>
-      </p:sp>
-      <p:pic>
-        <p:nvPicPr>
-          <p:cNvPr id="6" name="Content Placeholder 5"/>
-          <p:cNvPicPr>
-            <a:picLocks noGrp="1" noChangeAspect="1"/>
-          </p:cNvPicPr>
+              <a:rPr lang="en-US" dirty="0"/>
+              <a:t>Interface</a:t>
+            </a:r>
+          </a:p>
+        </p:txBody>
+      </p:sp>
+      <p:sp>
+        <p:nvSpPr>
+          <p:cNvPr id="3" name="Content Placeholder 2"/>
+          <p:cNvSpPr>
+            <a:spLocks noGrp="1"/>
+          </p:cNvSpPr>
           <p:nvPr>
             <p:ph idx="1"/>
           </p:nvPr>
-        </p:nvPicPr>
-        <p:blipFill>
-          <a:blip r:embed="rId2">
-            <a:extLst>
-              <a:ext uri="{28A0092B-C50C-407E-A947-70E740481C1C}">
-                <a14:useLocalDpi xmlns:a14="http://schemas.microsoft.com/office/drawing/2010/main" val="0"/>
-              </a:ext>
-            </a:extLst>
-          </a:blip>
-          <a:stretch>
-            <a:fillRect/>
-          </a:stretch>
-        </p:blipFill>
-        <p:spPr>
-          <a:xfrm>
-            <a:off x="1854072" y="1418301"/>
-            <a:ext cx="7735712" cy="4351338"/>
-          </a:xfrm>
-        </p:spPr>
-      </p:pic>
+        </p:nvSpPr>
+        <p:spPr/>
+        <p:txBody>
+          <a:bodyPr/>
+          <a:lstStyle/>
+          <a:p>
+            <a:r>
+              <a:rPr lang="en-US" dirty="0"/>
+              <a:t>Keyword = </a:t>
+            </a:r>
+            <a:r>
+              <a:rPr lang="en-US"/>
+              <a:t>“implements”</a:t>
+            </a:r>
+          </a:p>
+        </p:txBody>
+      </p:sp>
     </p:spTree>
     <p:extLst>
       <p:ext uri="{BB962C8B-B14F-4D97-AF65-F5344CB8AC3E}">
-        <p14:creationId xmlns:p14="http://schemas.microsoft.com/office/powerpoint/2010/main" val="2157273667"/>
+        <p14:creationId xmlns:p14="http://schemas.microsoft.com/office/powerpoint/2010/main" val="4105808640"/>
       </p:ext>
     </p:extLst>
   </p:cSld>
   <p:clrMapOvr>
     <a:masterClrMapping/>
   </p:clrMapOvr>
-  <p:timing>
-    <p:tnLst>
-      <p:par>
-        <p:cTn id="1" dur="indefinite" restart="never" nodeType="tmRoot"/>
-      </p:par>
-    </p:tnLst>
-  </p:timing>
 </p:sld>
 </file>
 
@@ -9243,10 +6203,90 @@
           <a:lstStyle/>
           <a:p>
             <a:r>
-              <a:rPr lang="en-US" dirty="0" smtClean="0"/>
+              <a:rPr lang="en-US" dirty="0"/>
               <a:t>Inheritance using Interface</a:t>
             </a:r>
-            <a:endParaRPr lang="en-US" dirty="0"/>
+          </a:p>
+        </p:txBody>
+      </p:sp>
+      <p:pic>
+        <p:nvPicPr>
+          <p:cNvPr id="6" name="Content Placeholder 5"/>
+          <p:cNvPicPr>
+            <a:picLocks noGrp="1" noChangeAspect="1"/>
+          </p:cNvPicPr>
+          <p:nvPr>
+            <p:ph idx="1"/>
+          </p:nvPr>
+        </p:nvPicPr>
+        <p:blipFill>
+          <a:blip r:embed="rId3">
+            <a:extLst>
+              <a:ext uri="{28A0092B-C50C-407E-A947-70E740481C1C}">
+                <a14:useLocalDpi xmlns:a14="http://schemas.microsoft.com/office/drawing/2010/main" val="0"/>
+              </a:ext>
+            </a:extLst>
+          </a:blip>
+          <a:stretch>
+            <a:fillRect/>
+          </a:stretch>
+        </p:blipFill>
+        <p:spPr>
+          <a:xfrm>
+            <a:off x="1933971" y="1690688"/>
+            <a:ext cx="7735712" cy="4351338"/>
+          </a:xfrm>
+        </p:spPr>
+      </p:pic>
+    </p:spTree>
+    <p:extLst>
+      <p:ext uri="{BB962C8B-B14F-4D97-AF65-F5344CB8AC3E}">
+        <p14:creationId xmlns:p14="http://schemas.microsoft.com/office/powerpoint/2010/main" val="2157273667"/>
+      </p:ext>
+    </p:extLst>
+  </p:cSld>
+  <p:clrMapOvr>
+    <a:masterClrMapping/>
+  </p:clrMapOvr>
+</p:sld>
+</file>
+
+<file path=ppt/slides/slide23.xml><?xml version="1.0" encoding="utf-8"?>
+<p:sld xmlns:a="http://schemas.openxmlformats.org/drawingml/2006/main" xmlns:r="http://schemas.openxmlformats.org/officeDocument/2006/relationships" xmlns:p="http://schemas.openxmlformats.org/presentationml/2006/main">
+  <p:cSld>
+    <p:spTree>
+      <p:nvGrpSpPr>
+        <p:cNvPr id="1" name=""/>
+        <p:cNvGrpSpPr/>
+        <p:nvPr/>
+      </p:nvGrpSpPr>
+      <p:grpSpPr>
+        <a:xfrm>
+          <a:off x="0" y="0"/>
+          <a:ext cx="0" cy="0"/>
+          <a:chOff x="0" y="0"/>
+          <a:chExt cx="0" cy="0"/>
+        </a:xfrm>
+      </p:grpSpPr>
+      <p:sp>
+        <p:nvSpPr>
+          <p:cNvPr id="2" name="Title 1"/>
+          <p:cNvSpPr>
+            <a:spLocks noGrp="1"/>
+          </p:cNvSpPr>
+          <p:nvPr>
+            <p:ph type="title"/>
+          </p:nvPr>
+        </p:nvSpPr>
+        <p:spPr/>
+        <p:txBody>
+          <a:bodyPr/>
+          <a:lstStyle/>
+          <a:p>
+            <a:r>
+              <a:rPr lang="en-US" dirty="0"/>
+              <a:t>Inheritance using Interface</a:t>
+            </a:r>
           </a:p>
         </p:txBody>
       </p:sp>
@@ -9274,7 +6314,7 @@
         </p:blipFill>
         <p:spPr>
           <a:xfrm>
-            <a:off x="2228144" y="1360112"/>
+            <a:off x="1935180" y="1690688"/>
             <a:ext cx="7735712" cy="4351338"/>
           </a:xfrm>
         </p:spPr>
@@ -9289,13 +6329,806 @@
   <p:clrMapOvr>
     <a:masterClrMapping/>
   </p:clrMapOvr>
-  <p:timing>
-    <p:tnLst>
-      <p:par>
-        <p:cTn id="1" dur="indefinite" restart="never" nodeType="tmRoot"/>
-      </p:par>
-    </p:tnLst>
-  </p:timing>
+</p:sld>
+</file>
+
+<file path=ppt/slides/slide24.xml><?xml version="1.0" encoding="utf-8"?>
+<p:sld xmlns:a="http://schemas.openxmlformats.org/drawingml/2006/main" xmlns:r="http://schemas.openxmlformats.org/officeDocument/2006/relationships" xmlns:p="http://schemas.openxmlformats.org/presentationml/2006/main">
+  <p:cSld>
+    <p:spTree>
+      <p:nvGrpSpPr>
+        <p:cNvPr id="1" name=""/>
+        <p:cNvGrpSpPr/>
+        <p:nvPr/>
+      </p:nvGrpSpPr>
+      <p:grpSpPr>
+        <a:xfrm>
+          <a:off x="0" y="0"/>
+          <a:ext cx="0" cy="0"/>
+          <a:chOff x="0" y="0"/>
+          <a:chExt cx="0" cy="0"/>
+        </a:xfrm>
+      </p:grpSpPr>
+      <p:sp>
+        <p:nvSpPr>
+          <p:cNvPr id="2" name="Title 1"/>
+          <p:cNvSpPr>
+            <a:spLocks noGrp="1"/>
+          </p:cNvSpPr>
+          <p:nvPr>
+            <p:ph type="title"/>
+          </p:nvPr>
+        </p:nvSpPr>
+        <p:spPr/>
+        <p:txBody>
+          <a:bodyPr/>
+          <a:lstStyle/>
+          <a:p>
+            <a:r>
+              <a:rPr lang="en-US" dirty="0"/>
+              <a:t>Commonly Used Collections</a:t>
+            </a:r>
+          </a:p>
+        </p:txBody>
+      </p:sp>
+      <p:graphicFrame>
+        <p:nvGraphicFramePr>
+          <p:cNvPr id="4" name="Content Placeholder 3"/>
+          <p:cNvGraphicFramePr>
+            <a:graphicFrameLocks noGrp="1"/>
+          </p:cNvGraphicFramePr>
+          <p:nvPr>
+            <p:ph idx="1"/>
+            <p:extLst>
+              <p:ext uri="{D42A27DB-BD31-4B8C-83A1-F6EECF244321}">
+                <p14:modId xmlns:p14="http://schemas.microsoft.com/office/powerpoint/2010/main" val="3182912787"/>
+              </p:ext>
+            </p:extLst>
+          </p:nvPr>
+        </p:nvGraphicFramePr>
+        <p:xfrm>
+          <a:off x="838200" y="1825625"/>
+          <a:ext cx="10515600" cy="4399280"/>
+        </p:xfrm>
+        <a:graphic>
+          <a:graphicData uri="http://schemas.openxmlformats.org/drawingml/2006/table">
+            <a:tbl>
+              <a:tblPr firstRow="1" bandRow="1">
+                <a:tableStyleId>{21E4AEA4-8DFA-4A89-87EB-49C32662AFE0}</a:tableStyleId>
+              </a:tblPr>
+              <a:tblGrid>
+                <a:gridCol w="2103120">
+                  <a:extLst>
+                    <a:ext uri="{9D8B030D-6E8A-4147-A177-3AD203B41FA5}">
+                      <a16:colId xmlns:a16="http://schemas.microsoft.com/office/drawing/2014/main" val="2534664944"/>
+                    </a:ext>
+                  </a:extLst>
+                </a:gridCol>
+                <a:gridCol w="2103120">
+                  <a:extLst>
+                    <a:ext uri="{9D8B030D-6E8A-4147-A177-3AD203B41FA5}">
+                      <a16:colId xmlns:a16="http://schemas.microsoft.com/office/drawing/2014/main" val="3241106235"/>
+                    </a:ext>
+                  </a:extLst>
+                </a:gridCol>
+                <a:gridCol w="2103120">
+                  <a:extLst>
+                    <a:ext uri="{9D8B030D-6E8A-4147-A177-3AD203B41FA5}">
+                      <a16:colId xmlns:a16="http://schemas.microsoft.com/office/drawing/2014/main" val="3043317384"/>
+                    </a:ext>
+                  </a:extLst>
+                </a:gridCol>
+                <a:gridCol w="2103120">
+                  <a:extLst>
+                    <a:ext uri="{9D8B030D-6E8A-4147-A177-3AD203B41FA5}">
+                      <a16:colId xmlns:a16="http://schemas.microsoft.com/office/drawing/2014/main" val="150008071"/>
+                    </a:ext>
+                  </a:extLst>
+                </a:gridCol>
+                <a:gridCol w="2103120">
+                  <a:extLst>
+                    <a:ext uri="{9D8B030D-6E8A-4147-A177-3AD203B41FA5}">
+                      <a16:colId xmlns:a16="http://schemas.microsoft.com/office/drawing/2014/main" val="1569851628"/>
+                    </a:ext>
+                  </a:extLst>
+                </a:gridCol>
+              </a:tblGrid>
+              <a:tr h="370840">
+                <a:tc>
+                  <a:txBody>
+                    <a:bodyPr/>
+                    <a:lstStyle/>
+                    <a:p>
+                      <a:r>
+                        <a:rPr lang="en-US" dirty="0"/>
+                        <a:t>Collection</a:t>
+                      </a:r>
+                      <a:r>
+                        <a:rPr lang="en-US" baseline="0" dirty="0"/>
+                        <a:t> Name</a:t>
+                      </a:r>
+                      <a:endParaRPr lang="en-US" dirty="0"/>
+                    </a:p>
+                  </a:txBody>
+                  <a:tcPr/>
+                </a:tc>
+                <a:tc>
+                  <a:txBody>
+                    <a:bodyPr/>
+                    <a:lstStyle/>
+                    <a:p>
+                      <a:r>
+                        <a:rPr lang="en-US" dirty="0"/>
+                        <a:t>Insertion Order</a:t>
+                      </a:r>
+                    </a:p>
+                  </a:txBody>
+                  <a:tcPr/>
+                </a:tc>
+                <a:tc>
+                  <a:txBody>
+                    <a:bodyPr/>
+                    <a:lstStyle/>
+                    <a:p>
+                      <a:r>
+                        <a:rPr lang="en-US" dirty="0"/>
+                        <a:t>Solution?</a:t>
+                      </a:r>
+                    </a:p>
+                  </a:txBody>
+                  <a:tcPr/>
+                </a:tc>
+                <a:tc>
+                  <a:txBody>
+                    <a:bodyPr/>
+                    <a:lstStyle/>
+                    <a:p>
+                      <a:r>
+                        <a:rPr lang="en-US" dirty="0"/>
+                        <a:t>Duplicate detection</a:t>
+                      </a:r>
+                    </a:p>
+                  </a:txBody>
+                  <a:tcPr/>
+                </a:tc>
+                <a:tc>
+                  <a:txBody>
+                    <a:bodyPr/>
+                    <a:lstStyle/>
+                    <a:p>
+                      <a:endParaRPr lang="en-US" dirty="0"/>
+                    </a:p>
+                  </a:txBody>
+                  <a:tcPr/>
+                </a:tc>
+                <a:extLst>
+                  <a:ext uri="{0D108BD9-81ED-4DB2-BD59-A6C34878D82A}">
+                    <a16:rowId xmlns:a16="http://schemas.microsoft.com/office/drawing/2014/main" val="1609577456"/>
+                  </a:ext>
+                </a:extLst>
+              </a:tr>
+              <a:tr h="370840">
+                <a:tc>
+                  <a:txBody>
+                    <a:bodyPr/>
+                    <a:lstStyle/>
+                    <a:p>
+                      <a:r>
+                        <a:rPr lang="en-US" dirty="0"/>
+                        <a:t>Set</a:t>
+                      </a:r>
+                    </a:p>
+                  </a:txBody>
+                  <a:tcPr/>
+                </a:tc>
+                <a:tc>
+                  <a:txBody>
+                    <a:bodyPr/>
+                    <a:lstStyle/>
+                    <a:p>
+                      <a:r>
+                        <a:rPr lang="en-US" dirty="0"/>
+                        <a:t>No order</a:t>
+                      </a:r>
+                    </a:p>
+                  </a:txBody>
+                  <a:tcPr/>
+                </a:tc>
+                <a:tc>
+                  <a:txBody>
+                    <a:bodyPr/>
+                    <a:lstStyle/>
+                    <a:p>
+                      <a:r>
+                        <a:rPr lang="en-US" dirty="0"/>
+                        <a:t>Use </a:t>
+                      </a:r>
+                      <a:r>
+                        <a:rPr lang="en-US" dirty="0" err="1"/>
+                        <a:t>Collections.sort</a:t>
+                      </a:r>
+                      <a:r>
+                        <a:rPr lang="en-US" dirty="0"/>
+                        <a:t>()</a:t>
+                      </a:r>
+                    </a:p>
+                  </a:txBody>
+                  <a:tcPr/>
+                </a:tc>
+                <a:tc>
+                  <a:txBody>
+                    <a:bodyPr/>
+                    <a:lstStyle/>
+                    <a:p>
+                      <a:pPr marL="0" marR="0" lvl="0" indent="0" algn="l" defTabSz="914400" rtl="0" eaLnBrk="1" fontAlgn="auto" latinLnBrk="0" hangingPunct="1">
+                        <a:lnSpc>
+                          <a:spcPct val="100000"/>
+                        </a:lnSpc>
+                        <a:spcBef>
+                          <a:spcPts val="0"/>
+                        </a:spcBef>
+                        <a:spcAft>
+                          <a:spcPts val="0"/>
+                        </a:spcAft>
+                        <a:buClrTx/>
+                        <a:buSzTx/>
+                        <a:buFontTx/>
+                        <a:buNone/>
+                        <a:tabLst/>
+                        <a:defRPr/>
+                      </a:pPr>
+                      <a:r>
+                        <a:rPr lang="en-US" dirty="0"/>
+                        <a:t>Doesn’t allow duplicate input</a:t>
+                      </a:r>
+                    </a:p>
+                    <a:p>
+                      <a:endParaRPr lang="en-US" dirty="0"/>
+                    </a:p>
+                  </a:txBody>
+                  <a:tcPr/>
+                </a:tc>
+                <a:tc>
+                  <a:txBody>
+                    <a:bodyPr/>
+                    <a:lstStyle/>
+                    <a:p>
+                      <a:endParaRPr lang="en-US" dirty="0"/>
+                    </a:p>
+                  </a:txBody>
+                  <a:tcPr/>
+                </a:tc>
+                <a:extLst>
+                  <a:ext uri="{0D108BD9-81ED-4DB2-BD59-A6C34878D82A}">
+                    <a16:rowId xmlns:a16="http://schemas.microsoft.com/office/drawing/2014/main" val="1223405513"/>
+                  </a:ext>
+                </a:extLst>
+              </a:tr>
+              <a:tr h="370840">
+                <a:tc>
+                  <a:txBody>
+                    <a:bodyPr/>
+                    <a:lstStyle/>
+                    <a:p>
+                      <a:r>
+                        <a:rPr lang="en-US" dirty="0" err="1"/>
+                        <a:t>ArrayList</a:t>
+                      </a:r>
+                      <a:endParaRPr lang="en-US" dirty="0"/>
+                    </a:p>
+                    <a:p>
+                      <a:endParaRPr lang="en-US" dirty="0"/>
+                    </a:p>
+                  </a:txBody>
+                  <a:tcPr/>
+                </a:tc>
+                <a:tc>
+                  <a:txBody>
+                    <a:bodyPr/>
+                    <a:lstStyle/>
+                    <a:p>
+                      <a:r>
+                        <a:rPr lang="en-US" dirty="0"/>
+                        <a:t>Order</a:t>
+                      </a:r>
+                      <a:r>
+                        <a:rPr lang="en-US" baseline="0" dirty="0"/>
+                        <a:t> somewhat guaranteed</a:t>
+                      </a:r>
+                      <a:endParaRPr lang="en-US" dirty="0"/>
+                    </a:p>
+                  </a:txBody>
+                  <a:tcPr/>
+                </a:tc>
+                <a:tc>
+                  <a:txBody>
+                    <a:bodyPr/>
+                    <a:lstStyle/>
+                    <a:p>
+                      <a:endParaRPr lang="en-US" dirty="0"/>
+                    </a:p>
+                  </a:txBody>
+                  <a:tcPr/>
+                </a:tc>
+                <a:tc>
+                  <a:txBody>
+                    <a:bodyPr/>
+                    <a:lstStyle/>
+                    <a:p>
+                      <a:r>
+                        <a:rPr lang="en-US" dirty="0"/>
+                        <a:t>Accepts duplicate input</a:t>
+                      </a:r>
+                    </a:p>
+                  </a:txBody>
+                  <a:tcPr/>
+                </a:tc>
+                <a:tc>
+                  <a:txBody>
+                    <a:bodyPr/>
+                    <a:lstStyle/>
+                    <a:p>
+                      <a:endParaRPr lang="en-US" dirty="0"/>
+                    </a:p>
+                  </a:txBody>
+                  <a:tcPr/>
+                </a:tc>
+                <a:extLst>
+                  <a:ext uri="{0D108BD9-81ED-4DB2-BD59-A6C34878D82A}">
+                    <a16:rowId xmlns:a16="http://schemas.microsoft.com/office/drawing/2014/main" val="3992678788"/>
+                  </a:ext>
+                </a:extLst>
+              </a:tr>
+              <a:tr h="370840">
+                <a:tc>
+                  <a:txBody>
+                    <a:bodyPr/>
+                    <a:lstStyle/>
+                    <a:p>
+                      <a:r>
+                        <a:rPr lang="en-US" dirty="0" err="1"/>
+                        <a:t>HashMap</a:t>
+                      </a:r>
+                      <a:endParaRPr lang="en-US" dirty="0"/>
+                    </a:p>
+                    <a:p>
+                      <a:endParaRPr lang="en-US" dirty="0"/>
+                    </a:p>
+                  </a:txBody>
+                  <a:tcPr/>
+                </a:tc>
+                <a:tc>
+                  <a:txBody>
+                    <a:bodyPr/>
+                    <a:lstStyle/>
+                    <a:p>
+                      <a:r>
+                        <a:rPr lang="en-US" dirty="0"/>
+                        <a:t>No order </a:t>
+                      </a:r>
+                    </a:p>
+                  </a:txBody>
+                  <a:tcPr/>
+                </a:tc>
+                <a:tc>
+                  <a:txBody>
+                    <a:bodyPr/>
+                    <a:lstStyle/>
+                    <a:p>
+                      <a:pPr marL="0" marR="0" lvl="0" indent="0" algn="l" defTabSz="914400" rtl="0" eaLnBrk="1" fontAlgn="auto" latinLnBrk="0" hangingPunct="1">
+                        <a:lnSpc>
+                          <a:spcPct val="100000"/>
+                        </a:lnSpc>
+                        <a:spcBef>
+                          <a:spcPts val="0"/>
+                        </a:spcBef>
+                        <a:spcAft>
+                          <a:spcPts val="0"/>
+                        </a:spcAft>
+                        <a:buClrTx/>
+                        <a:buSzTx/>
+                        <a:buFontTx/>
+                        <a:buNone/>
+                        <a:tabLst/>
+                        <a:defRPr/>
+                      </a:pPr>
+                      <a:r>
+                        <a:rPr lang="en-US" dirty="0"/>
+                        <a:t>Use </a:t>
+                      </a:r>
+                      <a:r>
+                        <a:rPr lang="en-US" dirty="0" err="1"/>
+                        <a:t>Collections.sort</a:t>
+                      </a:r>
+                      <a:r>
+                        <a:rPr lang="en-US" dirty="0"/>
+                        <a:t>()</a:t>
+                      </a:r>
+                    </a:p>
+                    <a:p>
+                      <a:endParaRPr lang="en-US" dirty="0"/>
+                    </a:p>
+                  </a:txBody>
+                  <a:tcPr/>
+                </a:tc>
+                <a:tc>
+                  <a:txBody>
+                    <a:bodyPr/>
+                    <a:lstStyle/>
+                    <a:p>
+                      <a:r>
+                        <a:rPr lang="en-US" dirty="0"/>
+                        <a:t>Doesn’t allow duplicate key, </a:t>
+                      </a:r>
+                    </a:p>
+                    <a:p>
+                      <a:r>
+                        <a:rPr lang="en-US" dirty="0"/>
+                        <a:t>but allows</a:t>
+                      </a:r>
+                      <a:r>
+                        <a:rPr lang="en-US" baseline="0" dirty="0"/>
+                        <a:t> </a:t>
+                      </a:r>
+                    </a:p>
+                    <a:p>
+                      <a:r>
+                        <a:rPr lang="en-US" baseline="0" dirty="0"/>
+                        <a:t>duplicate value</a:t>
+                      </a:r>
+                      <a:endParaRPr lang="en-US" dirty="0"/>
+                    </a:p>
+                  </a:txBody>
+                  <a:tcPr/>
+                </a:tc>
+                <a:tc>
+                  <a:txBody>
+                    <a:bodyPr/>
+                    <a:lstStyle/>
+                    <a:p>
+                      <a:endParaRPr lang="en-US" dirty="0"/>
+                    </a:p>
+                  </a:txBody>
+                  <a:tcPr/>
+                </a:tc>
+                <a:extLst>
+                  <a:ext uri="{0D108BD9-81ED-4DB2-BD59-A6C34878D82A}">
+                    <a16:rowId xmlns:a16="http://schemas.microsoft.com/office/drawing/2014/main" val="3660608300"/>
+                  </a:ext>
+                </a:extLst>
+              </a:tr>
+              <a:tr h="370840">
+                <a:tc>
+                  <a:txBody>
+                    <a:bodyPr/>
+                    <a:lstStyle/>
+                    <a:p>
+                      <a:r>
+                        <a:rPr lang="en-US" dirty="0"/>
+                        <a:t>Array</a:t>
+                      </a:r>
+                    </a:p>
+                    <a:p>
+                      <a:endParaRPr lang="en-US" dirty="0"/>
+                    </a:p>
+                  </a:txBody>
+                  <a:tcPr/>
+                </a:tc>
+                <a:tc>
+                  <a:txBody>
+                    <a:bodyPr/>
+                    <a:lstStyle/>
+                    <a:p>
+                      <a:pPr marL="0" marR="0" lvl="0" indent="0" algn="l" defTabSz="914400" rtl="0" eaLnBrk="1" fontAlgn="auto" latinLnBrk="0" hangingPunct="1">
+                        <a:lnSpc>
+                          <a:spcPct val="100000"/>
+                        </a:lnSpc>
+                        <a:spcBef>
+                          <a:spcPts val="0"/>
+                        </a:spcBef>
+                        <a:spcAft>
+                          <a:spcPts val="0"/>
+                        </a:spcAft>
+                        <a:buClrTx/>
+                        <a:buSzTx/>
+                        <a:buFontTx/>
+                        <a:buNone/>
+                        <a:tabLst/>
+                        <a:defRPr/>
+                      </a:pPr>
+                      <a:r>
+                        <a:rPr lang="en-US" dirty="0"/>
+                        <a:t>Ordered as they were added</a:t>
+                      </a:r>
+                    </a:p>
+                    <a:p>
+                      <a:endParaRPr lang="en-US" dirty="0"/>
+                    </a:p>
+                  </a:txBody>
+                  <a:tcPr/>
+                </a:tc>
+                <a:tc>
+                  <a:txBody>
+                    <a:bodyPr/>
+                    <a:lstStyle/>
+                    <a:p>
+                      <a:endParaRPr lang="en-US" dirty="0"/>
+                    </a:p>
+                  </a:txBody>
+                  <a:tcPr/>
+                </a:tc>
+                <a:tc>
+                  <a:txBody>
+                    <a:bodyPr/>
+                    <a:lstStyle/>
+                    <a:p>
+                      <a:pPr marL="0" marR="0" lvl="0" indent="0" algn="l" defTabSz="914400" rtl="0" eaLnBrk="1" fontAlgn="auto" latinLnBrk="0" hangingPunct="1">
+                        <a:lnSpc>
+                          <a:spcPct val="100000"/>
+                        </a:lnSpc>
+                        <a:spcBef>
+                          <a:spcPts val="0"/>
+                        </a:spcBef>
+                        <a:spcAft>
+                          <a:spcPts val="0"/>
+                        </a:spcAft>
+                        <a:buClrTx/>
+                        <a:buSzTx/>
+                        <a:buFontTx/>
+                        <a:buNone/>
+                        <a:tabLst/>
+                        <a:defRPr/>
+                      </a:pPr>
+                      <a:r>
+                        <a:rPr lang="en-US" dirty="0"/>
+                        <a:t>Accepts duplicate input</a:t>
+                      </a:r>
+                    </a:p>
+                    <a:p>
+                      <a:endParaRPr lang="en-US" dirty="0"/>
+                    </a:p>
+                  </a:txBody>
+                  <a:tcPr/>
+                </a:tc>
+                <a:tc>
+                  <a:txBody>
+                    <a:bodyPr/>
+                    <a:lstStyle/>
+                    <a:p>
+                      <a:endParaRPr lang="en-US" dirty="0"/>
+                    </a:p>
+                  </a:txBody>
+                  <a:tcPr/>
+                </a:tc>
+                <a:extLst>
+                  <a:ext uri="{0D108BD9-81ED-4DB2-BD59-A6C34878D82A}">
+                    <a16:rowId xmlns:a16="http://schemas.microsoft.com/office/drawing/2014/main" val="2884448823"/>
+                  </a:ext>
+                </a:extLst>
+              </a:tr>
+              <a:tr h="370840">
+                <a:tc>
+                  <a:txBody>
+                    <a:bodyPr/>
+                    <a:lstStyle/>
+                    <a:p>
+                      <a:endParaRPr lang="en-US" dirty="0"/>
+                    </a:p>
+                  </a:txBody>
+                  <a:tcPr/>
+                </a:tc>
+                <a:tc>
+                  <a:txBody>
+                    <a:bodyPr/>
+                    <a:lstStyle/>
+                    <a:p>
+                      <a:endParaRPr lang="en-US" dirty="0"/>
+                    </a:p>
+                  </a:txBody>
+                  <a:tcPr/>
+                </a:tc>
+                <a:tc>
+                  <a:txBody>
+                    <a:bodyPr/>
+                    <a:lstStyle/>
+                    <a:p>
+                      <a:endParaRPr lang="en-US" dirty="0"/>
+                    </a:p>
+                  </a:txBody>
+                  <a:tcPr/>
+                </a:tc>
+                <a:tc>
+                  <a:txBody>
+                    <a:bodyPr/>
+                    <a:lstStyle/>
+                    <a:p>
+                      <a:endParaRPr lang="en-US" dirty="0"/>
+                    </a:p>
+                  </a:txBody>
+                  <a:tcPr/>
+                </a:tc>
+                <a:tc>
+                  <a:txBody>
+                    <a:bodyPr/>
+                    <a:lstStyle/>
+                    <a:p>
+                      <a:endParaRPr lang="en-US" dirty="0"/>
+                    </a:p>
+                  </a:txBody>
+                  <a:tcPr/>
+                </a:tc>
+                <a:extLst>
+                  <a:ext uri="{0D108BD9-81ED-4DB2-BD59-A6C34878D82A}">
+                    <a16:rowId xmlns:a16="http://schemas.microsoft.com/office/drawing/2014/main" val="192402038"/>
+                  </a:ext>
+                </a:extLst>
+              </a:tr>
+            </a:tbl>
+          </a:graphicData>
+        </a:graphic>
+      </p:graphicFrame>
+    </p:spTree>
+    <p:extLst>
+      <p:ext uri="{BB962C8B-B14F-4D97-AF65-F5344CB8AC3E}">
+        <p14:creationId xmlns:p14="http://schemas.microsoft.com/office/powerpoint/2010/main" val="1580377541"/>
+      </p:ext>
+    </p:extLst>
+  </p:cSld>
+  <p:clrMapOvr>
+    <a:masterClrMapping/>
+  </p:clrMapOvr>
+</p:sld>
+</file>
+
+<file path=ppt/slides/slide25.xml><?xml version="1.0" encoding="utf-8"?>
+<p:sld xmlns:a="http://schemas.openxmlformats.org/drawingml/2006/main" xmlns:r="http://schemas.openxmlformats.org/officeDocument/2006/relationships" xmlns:p="http://schemas.openxmlformats.org/presentationml/2006/main">
+  <p:cSld>
+    <p:spTree>
+      <p:nvGrpSpPr>
+        <p:cNvPr id="1" name=""/>
+        <p:cNvGrpSpPr/>
+        <p:nvPr/>
+      </p:nvGrpSpPr>
+      <p:grpSpPr>
+        <a:xfrm>
+          <a:off x="0" y="0"/>
+          <a:ext cx="0" cy="0"/>
+          <a:chOff x="0" y="0"/>
+          <a:chExt cx="0" cy="0"/>
+        </a:xfrm>
+      </p:grpSpPr>
+      <p:sp>
+        <p:nvSpPr>
+          <p:cNvPr id="2" name="Title 1">
+            <a:extLst>
+              <a:ext uri="{FF2B5EF4-FFF2-40B4-BE49-F238E27FC236}">
+                <a16:creationId xmlns:a16="http://schemas.microsoft.com/office/drawing/2014/main" id="{BCCDD32D-0E14-4FE4-AF5C-C7F2F5D46C70}"/>
+              </a:ext>
+            </a:extLst>
+          </p:cNvPr>
+          <p:cNvSpPr>
+            <a:spLocks noGrp="1"/>
+          </p:cNvSpPr>
+          <p:nvPr>
+            <p:ph type="title"/>
+          </p:nvPr>
+        </p:nvSpPr>
+        <p:spPr/>
+        <p:txBody>
+          <a:bodyPr/>
+          <a:lstStyle/>
+          <a:p>
+            <a:r>
+              <a:rPr lang="en-US" dirty="0"/>
+              <a:t>Example Code</a:t>
+            </a:r>
+          </a:p>
+        </p:txBody>
+      </p:sp>
+      <p:sp>
+        <p:nvSpPr>
+          <p:cNvPr id="3" name="Content Placeholder 2">
+            <a:extLst>
+              <a:ext uri="{FF2B5EF4-FFF2-40B4-BE49-F238E27FC236}">
+                <a16:creationId xmlns:a16="http://schemas.microsoft.com/office/drawing/2014/main" id="{F21D1CEB-29CE-4F8A-A35E-6924CA13D24C}"/>
+              </a:ext>
+            </a:extLst>
+          </p:cNvPr>
+          <p:cNvSpPr>
+            <a:spLocks noGrp="1"/>
+          </p:cNvSpPr>
+          <p:nvPr>
+            <p:ph idx="1"/>
+          </p:nvPr>
+        </p:nvSpPr>
+        <p:spPr/>
+        <p:txBody>
+          <a:bodyPr/>
+          <a:lstStyle/>
+          <a:p>
+            <a:r>
+              <a:rPr lang="en-US" dirty="0"/>
+              <a:t>Simple OOP</a:t>
+            </a:r>
+          </a:p>
+          <a:p>
+            <a:pPr lvl="1"/>
+            <a:r>
+              <a:rPr lang="en-US" dirty="0">
+                <a:hlinkClick r:id="rId3"/>
+              </a:rPr>
+              <a:t>https://github.com/mcjavabootcamp/BuildACastle</a:t>
+            </a:r>
+            <a:endParaRPr lang="en-US" dirty="0"/>
+          </a:p>
+          <a:p>
+            <a:r>
+              <a:rPr lang="en-US" dirty="0"/>
+              <a:t>OOP with Inheritance</a:t>
+            </a:r>
+          </a:p>
+          <a:p>
+            <a:pPr lvl="1"/>
+            <a:r>
+              <a:rPr lang="en-US" dirty="0">
+                <a:hlinkClick r:id="rId4"/>
+              </a:rPr>
+              <a:t>https://github.com/mcjavabootcamp/BuildACastle_Inheritance</a:t>
+            </a:r>
+            <a:endParaRPr lang="en-US" dirty="0"/>
+          </a:p>
+          <a:p>
+            <a:r>
+              <a:rPr lang="en-US" dirty="0"/>
+              <a:t>OOP with Composition</a:t>
+            </a:r>
+          </a:p>
+          <a:p>
+            <a:pPr lvl="1"/>
+            <a:r>
+              <a:rPr lang="en-US" dirty="0">
+                <a:hlinkClick r:id="rId5"/>
+              </a:rPr>
+              <a:t>https://github.com/mcjavabootcamp/BuildACastle_Composition</a:t>
+            </a:r>
+            <a:endParaRPr lang="en-US" dirty="0"/>
+          </a:p>
+          <a:p>
+            <a:r>
+              <a:rPr lang="en-US" dirty="0"/>
+              <a:t>OOP with Interface</a:t>
+            </a:r>
+          </a:p>
+          <a:p>
+            <a:pPr lvl="1"/>
+            <a:r>
+              <a:rPr lang="en-US" dirty="0">
+                <a:hlinkClick r:id="rId6"/>
+              </a:rPr>
+              <a:t>https://github.com/mcjavabootcamp/BuildACastle_Interface</a:t>
+            </a:r>
+            <a:endParaRPr lang="en-US" dirty="0"/>
+          </a:p>
+          <a:p>
+            <a:pPr lvl="1"/>
+            <a:endParaRPr lang="en-US" dirty="0"/>
+          </a:p>
+          <a:p>
+            <a:pPr lvl="1"/>
+            <a:endParaRPr lang="en-US" dirty="0"/>
+          </a:p>
+        </p:txBody>
+      </p:sp>
+    </p:spTree>
+    <p:extLst>
+      <p:ext uri="{BB962C8B-B14F-4D97-AF65-F5344CB8AC3E}">
+        <p14:creationId xmlns:p14="http://schemas.microsoft.com/office/powerpoint/2010/main" val="3617229275"/>
+      </p:ext>
+    </p:extLst>
+  </p:cSld>
+  <p:clrMapOvr>
+    <a:masterClrMapping/>
+  </p:clrMapOvr>
 </p:sld>
 </file>
 
@@ -9332,10 +7165,9 @@
           <a:lstStyle/>
           <a:p>
             <a:r>
-              <a:rPr lang="en-US" dirty="0" smtClean="0"/>
+              <a:rPr lang="en-US" dirty="0"/>
               <a:t>Object (Instantiated Class)</a:t>
             </a:r>
-            <a:endParaRPr lang="en-US" dirty="0"/>
           </a:p>
         </p:txBody>
       </p:sp>
@@ -9355,30 +7187,29 @@
           <a:lstStyle/>
           <a:p>
             <a:r>
-              <a:rPr lang="en-US" dirty="0" smtClean="0"/>
+              <a:rPr lang="en-US" dirty="0"/>
               <a:t>Keyword = “new”</a:t>
             </a:r>
           </a:p>
           <a:p>
-            <a:endParaRPr lang="en-US" dirty="0" smtClean="0"/>
-          </a:p>
-          <a:p>
             <a:endParaRPr lang="en-US" dirty="0"/>
           </a:p>
           <a:p>
-            <a:r>
-              <a:rPr lang="en-US" dirty="0" smtClean="0"/>
+            <a:endParaRPr lang="en-US" dirty="0"/>
+          </a:p>
+          <a:p>
+            <a:r>
+              <a:rPr lang="en-US" dirty="0"/>
               <a:t>Castle disneyC = </a:t>
             </a:r>
             <a:r>
-              <a:rPr lang="en-US" b="1" dirty="0" smtClean="0"/>
+              <a:rPr lang="en-US" b="1" dirty="0"/>
               <a:t>new</a:t>
             </a:r>
             <a:r>
-              <a:rPr lang="en-US" dirty="0" smtClean="0"/>
+              <a:rPr lang="en-US" dirty="0"/>
               <a:t> Castle();</a:t>
             </a:r>
-            <a:endParaRPr lang="en-US" dirty="0"/>
           </a:p>
         </p:txBody>
       </p:sp>
@@ -9422,13 +7253,6 @@
   <p:clrMapOvr>
     <a:masterClrMapping/>
   </p:clrMapOvr>
-  <p:timing>
-    <p:tnLst>
-      <p:par>
-        <p:cTn id="1" dur="indefinite" restart="never" nodeType="tmRoot"/>
-      </p:par>
-    </p:tnLst>
-  </p:timing>
 </p:sld>
 </file>
 
@@ -10059,10 +7883,9 @@
           <a:lstStyle/>
           <a:p>
             <a:r>
-              <a:rPr lang="en-US" dirty="0" smtClean="0"/>
+              <a:rPr lang="en-US" dirty="0"/>
               <a:t>No castle yet</a:t>
             </a:r>
-            <a:endParaRPr lang="en-US" dirty="0"/>
           </a:p>
         </p:txBody>
       </p:sp>
@@ -10076,13 +7899,6 @@
   <p:clrMapOvr>
     <a:masterClrMapping/>
   </p:clrMapOvr>
-  <p:timing>
-    <p:tnLst>
-      <p:par>
-        <p:cTn id="1" dur="indefinite" restart="never" nodeType="tmRoot"/>
-      </p:par>
-    </p:tnLst>
-  </p:timing>
 </p:sld>
 </file>
 
@@ -10743,10 +8559,9 @@
           <a:lstStyle/>
           <a:p>
             <a:r>
-              <a:rPr lang="en-US" dirty="0" smtClean="0"/>
+              <a:rPr lang="en-US" dirty="0"/>
               <a:t>No access to the castle yet</a:t>
             </a:r>
-            <a:endParaRPr lang="en-US" dirty="0"/>
           </a:p>
         </p:txBody>
       </p:sp>
@@ -10760,13 +8575,6 @@
   <p:clrMapOvr>
     <a:masterClrMapping/>
   </p:clrMapOvr>
-  <p:timing>
-    <p:tnLst>
-      <p:par>
-        <p:cTn id="1" dur="indefinite" restart="never" nodeType="tmRoot"/>
-      </p:par>
-    </p:tnLst>
-  </p:timing>
 </p:sld>
 </file>
 
@@ -11563,18 +9371,13 @@
           <a:lstStyle/>
           <a:p>
             <a:r>
-              <a:rPr lang="en-US" dirty="0" smtClean="0">
+              <a:rPr lang="en-US" dirty="0">
                 <a:solidFill>
                   <a:srgbClr val="FF0000"/>
                 </a:solidFill>
               </a:rPr>
               <a:t>Setter</a:t>
             </a:r>
-            <a:endParaRPr lang="en-US" dirty="0">
-              <a:solidFill>
-                <a:srgbClr val="FF0000"/>
-              </a:solidFill>
-            </a:endParaRPr>
           </a:p>
         </p:txBody>
       </p:sp>
@@ -11601,43 +9404,43 @@
           <a:lstStyle/>
           <a:p>
             <a:r>
-              <a:rPr lang="en-US" dirty="0" smtClean="0"/>
+              <a:rPr lang="en-US" dirty="0"/>
               <a:t>.</a:t>
             </a:r>
             <a:r>
-              <a:rPr lang="en-US" dirty="0" err="1" smtClean="0"/>
+              <a:rPr lang="en-US" dirty="0" err="1"/>
               <a:t>setGold</a:t>
             </a:r>
             <a:r>
-              <a:rPr lang="en-US" dirty="0" smtClean="0"/>
+              <a:rPr lang="en-US" dirty="0"/>
               <a:t>()</a:t>
             </a:r>
           </a:p>
           <a:p>
             <a:r>
-              <a:rPr lang="en-US" dirty="0" smtClean="0"/>
+              <a:rPr lang="en-US" dirty="0"/>
               <a:t>.</a:t>
             </a:r>
             <a:r>
-              <a:rPr lang="en-US" dirty="0" err="1" smtClean="0"/>
+              <a:rPr lang="en-US" dirty="0" err="1"/>
               <a:t>setMagnaCarta</a:t>
             </a:r>
             <a:r>
-              <a:rPr lang="en-US" dirty="0" smtClean="0"/>
+              <a:rPr lang="en-US" dirty="0"/>
               <a:t>()</a:t>
             </a:r>
           </a:p>
           <a:p>
             <a:r>
-              <a:rPr lang="en-US" dirty="0" smtClean="0"/>
+              <a:rPr lang="en-US" dirty="0"/>
               <a:t>.</a:t>
             </a:r>
             <a:r>
-              <a:rPr lang="en-US" dirty="0" err="1" smtClean="0"/>
+              <a:rPr lang="en-US" dirty="0" err="1"/>
               <a:t>setPrincess</a:t>
             </a:r>
             <a:r>
-              <a:rPr lang="en-US" dirty="0" smtClean="0"/>
+              <a:rPr lang="en-US" dirty="0"/>
               <a:t>()</a:t>
             </a:r>
           </a:p>
@@ -11653,13 +9456,6 @@
   <p:clrMapOvr>
     <a:masterClrMapping/>
   </p:clrMapOvr>
-  <p:timing>
-    <p:tnLst>
-      <p:par>
-        <p:cTn id="1" dur="indefinite" restart="never" nodeType="tmRoot"/>
-      </p:par>
-    </p:tnLst>
-  </p:timing>
 </p:sld>
 </file>
 
@@ -12502,18 +10298,13 @@
           <a:lstStyle/>
           <a:p>
             <a:r>
-              <a:rPr lang="en-US" dirty="0" smtClean="0">
+              <a:rPr lang="en-US" dirty="0">
                 <a:solidFill>
                   <a:srgbClr val="FF0000"/>
                 </a:solidFill>
               </a:rPr>
               <a:t>Setter</a:t>
             </a:r>
-            <a:endParaRPr lang="en-US" dirty="0">
-              <a:solidFill>
-                <a:srgbClr val="FF0000"/>
-              </a:solidFill>
-            </a:endParaRPr>
           </a:p>
         </p:txBody>
       </p:sp>
@@ -12540,18 +10331,13 @@
           <a:lstStyle/>
           <a:p>
             <a:r>
-              <a:rPr lang="en-US" dirty="0" smtClean="0">
+              <a:rPr lang="en-US" dirty="0">
                 <a:solidFill>
                   <a:srgbClr val="0070C0"/>
                 </a:solidFill>
               </a:rPr>
               <a:t>Getter</a:t>
             </a:r>
-            <a:endParaRPr lang="en-US" dirty="0">
-              <a:solidFill>
-                <a:srgbClr val="0070C0"/>
-              </a:solidFill>
-            </a:endParaRPr>
           </a:p>
         </p:txBody>
       </p:sp>
@@ -12578,46 +10364,45 @@
           <a:lstStyle/>
           <a:p>
             <a:r>
-              <a:rPr lang="en-US" dirty="0" smtClean="0"/>
+              <a:rPr lang="en-US" dirty="0"/>
               <a:t>.</a:t>
             </a:r>
             <a:r>
-              <a:rPr lang="en-US" dirty="0" err="1" smtClean="0"/>
+              <a:rPr lang="en-US" dirty="0" err="1"/>
               <a:t>getGold</a:t>
             </a:r>
             <a:r>
-              <a:rPr lang="en-US" dirty="0" smtClean="0"/>
+              <a:rPr lang="en-US" dirty="0"/>
               <a:t>()</a:t>
             </a:r>
           </a:p>
           <a:p>
             <a:r>
-              <a:rPr lang="en-US" dirty="0" smtClean="0"/>
+              <a:rPr lang="en-US" dirty="0"/>
               <a:t>.</a:t>
             </a:r>
             <a:r>
-              <a:rPr lang="en-US" dirty="0" err="1" smtClean="0"/>
+              <a:rPr lang="en-US" dirty="0" err="1"/>
               <a:t>getMagnaCarta</a:t>
             </a:r>
             <a:r>
-              <a:rPr lang="en-US" dirty="0" smtClean="0"/>
+              <a:rPr lang="en-US" dirty="0"/>
               <a:t>()</a:t>
             </a:r>
           </a:p>
           <a:p>
             <a:r>
-              <a:rPr lang="en-US" dirty="0" smtClean="0"/>
+              <a:rPr lang="en-US" dirty="0"/>
               <a:t>.</a:t>
             </a:r>
             <a:r>
-              <a:rPr lang="en-US" dirty="0" err="1" smtClean="0"/>
+              <a:rPr lang="en-US" dirty="0" err="1"/>
               <a:t>getPrincess</a:t>
             </a:r>
             <a:r>
-              <a:rPr lang="en-US" dirty="0" smtClean="0"/>
+              <a:rPr lang="en-US" dirty="0"/>
               <a:t>()</a:t>
             </a:r>
-            <a:endParaRPr lang="en-US" dirty="0"/>
           </a:p>
         </p:txBody>
       </p:sp>
@@ -12631,13 +10416,6 @@
   <p:clrMapOvr>
     <a:masterClrMapping/>
   </p:clrMapOvr>
-  <p:timing>
-    <p:tnLst>
-      <p:par>
-        <p:cTn id="1" dur="indefinite" restart="never" nodeType="tmRoot"/>
-      </p:par>
-    </p:tnLst>
-  </p:timing>
 </p:sld>
 </file>
 
@@ -13526,18 +11304,13 @@
           <a:lstStyle/>
           <a:p>
             <a:r>
-              <a:rPr lang="en-US" dirty="0" smtClean="0">
+              <a:rPr lang="en-US" dirty="0">
                 <a:solidFill>
                   <a:srgbClr val="FF0000"/>
                 </a:solidFill>
               </a:rPr>
               <a:t>Setter</a:t>
             </a:r>
-            <a:endParaRPr lang="en-US" dirty="0">
-              <a:solidFill>
-                <a:srgbClr val="FF0000"/>
-              </a:solidFill>
-            </a:endParaRPr>
           </a:p>
         </p:txBody>
       </p:sp>
@@ -13564,18 +11337,13 @@
           <a:lstStyle/>
           <a:p>
             <a:r>
-              <a:rPr lang="en-US" dirty="0" smtClean="0">
+              <a:rPr lang="en-US" dirty="0">
                 <a:solidFill>
                   <a:srgbClr val="0070C0"/>
                 </a:solidFill>
               </a:rPr>
               <a:t>Getter</a:t>
             </a:r>
-            <a:endParaRPr lang="en-US" dirty="0">
-              <a:solidFill>
-                <a:srgbClr val="0070C0"/>
-              </a:solidFill>
-            </a:endParaRPr>
           </a:p>
         </p:txBody>
       </p:sp>
@@ -13602,18 +11370,13 @@
           <a:lstStyle/>
           <a:p>
             <a:r>
-              <a:rPr lang="en-US" dirty="0" smtClean="0">
+              <a:rPr lang="en-US" dirty="0">
                 <a:solidFill>
                   <a:srgbClr val="7030A0"/>
                 </a:solidFill>
               </a:rPr>
               <a:t>Method</a:t>
             </a:r>
-            <a:endParaRPr lang="en-US" dirty="0">
-              <a:solidFill>
-                <a:srgbClr val="7030A0"/>
-              </a:solidFill>
-            </a:endParaRPr>
           </a:p>
         </p:txBody>
       </p:sp>
@@ -13640,57 +11403,57 @@
           <a:lstStyle/>
           <a:p>
             <a:r>
-              <a:rPr lang="en-US" dirty="0" smtClean="0"/>
+              <a:rPr lang="en-US" dirty="0"/>
               <a:t>.</a:t>
             </a:r>
             <a:r>
-              <a:rPr lang="en-US" dirty="0" err="1" smtClean="0"/>
+              <a:rPr lang="en-US" dirty="0" err="1"/>
               <a:t>callTheCalvary</a:t>
             </a:r>
             <a:r>
-              <a:rPr lang="en-US" dirty="0" smtClean="0"/>
+              <a:rPr lang="en-US" dirty="0"/>
               <a:t>()</a:t>
             </a:r>
           </a:p>
           <a:p>
             <a:r>
-              <a:rPr lang="en-US" dirty="0" smtClean="0"/>
+              <a:rPr lang="en-US" dirty="0"/>
               <a:t>.</a:t>
             </a:r>
             <a:r>
-              <a:rPr lang="en-US" dirty="0" err="1" smtClean="0"/>
+              <a:rPr lang="en-US" dirty="0" err="1"/>
               <a:t>bringHorse</a:t>
             </a:r>
             <a:r>
-              <a:rPr lang="en-US" dirty="0" smtClean="0"/>
+              <a:rPr lang="en-US" dirty="0"/>
               <a:t>()</a:t>
             </a:r>
           </a:p>
           <a:p>
             <a:r>
-              <a:rPr lang="en-US" dirty="0" smtClean="0"/>
+              <a:rPr lang="en-US" dirty="0"/>
               <a:t>.</a:t>
             </a:r>
             <a:r>
-              <a:rPr lang="en-US" dirty="0" err="1" smtClean="0"/>
+              <a:rPr lang="en-US" dirty="0" err="1"/>
               <a:t>bringShield</a:t>
             </a:r>
             <a:r>
-              <a:rPr lang="en-US" dirty="0" smtClean="0"/>
+              <a:rPr lang="en-US" dirty="0"/>
               <a:t>()</a:t>
             </a:r>
           </a:p>
           <a:p>
             <a:r>
-              <a:rPr lang="en-US" dirty="0" smtClean="0"/>
+              <a:rPr lang="en-US" dirty="0"/>
               <a:t>.</a:t>
             </a:r>
             <a:r>
-              <a:rPr lang="en-US" dirty="0" err="1" smtClean="0"/>
+              <a:rPr lang="en-US" dirty="0" err="1"/>
               <a:t>bringMoreWeapon</a:t>
             </a:r>
             <a:r>
-              <a:rPr lang="en-US" dirty="0" smtClean="0"/>
+              <a:rPr lang="en-US" dirty="0"/>
               <a:t>()</a:t>
             </a:r>
           </a:p>
@@ -13874,13 +11637,6 @@
   <p:clrMapOvr>
     <a:masterClrMapping/>
   </p:clrMapOvr>
-  <p:timing>
-    <p:tnLst>
-      <p:par>
-        <p:cTn id="1" dur="indefinite" restart="never" nodeType="tmRoot"/>
-      </p:par>
-    </p:tnLst>
-  </p:timing>
 </p:sld>
 </file>
 
@@ -14227,36 +11983,6 @@
           <p:nvPr/>
         </p:nvPicPr>
         <p:blipFill>
-          <a:blip r:embed="rId2" cstate="print">
-            <a:extLst>
-              <a:ext uri="{28A0092B-C50C-407E-A947-70E740481C1C}">
-                <a14:useLocalDpi xmlns:a14="http://schemas.microsoft.com/office/drawing/2010/main" val="0"/>
-              </a:ext>
-            </a:extLst>
-          </a:blip>
-          <a:stretch>
-            <a:fillRect/>
-          </a:stretch>
-        </p:blipFill>
-        <p:spPr>
-          <a:xfrm>
-            <a:off x="5200679" y="2505398"/>
-            <a:ext cx="1262773" cy="1874813"/>
-          </a:xfrm>
-          <a:prstGeom prst="rect">
-            <a:avLst/>
-          </a:prstGeom>
-        </p:spPr>
-      </p:pic>
-      <p:pic>
-        <p:nvPicPr>
-          <p:cNvPr id="48" name="Picture 47"/>
-          <p:cNvPicPr>
-            <a:picLocks noChangeAspect="1"/>
-          </p:cNvPicPr>
-          <p:nvPr/>
-        </p:nvPicPr>
-        <p:blipFill>
           <a:blip r:embed="rId3" cstate="print">
             <a:extLst>
               <a:ext uri="{28A0092B-C50C-407E-A947-70E740481C1C}">
@@ -14270,8 +11996,8 @@
         </p:blipFill>
         <p:spPr>
           <a:xfrm>
-            <a:off x="6272804" y="3048687"/>
-            <a:ext cx="524390" cy="788234"/>
+            <a:off x="5200679" y="2505398"/>
+            <a:ext cx="1262773" cy="1874813"/>
           </a:xfrm>
           <a:prstGeom prst="rect">
             <a:avLst/>
@@ -14280,7 +12006,7 @@
       </p:pic>
       <p:pic>
         <p:nvPicPr>
-          <p:cNvPr id="49" name="Picture 48"/>
+          <p:cNvPr id="48" name="Picture 47"/>
           <p:cNvPicPr>
             <a:picLocks noChangeAspect="1"/>
           </p:cNvPicPr>
@@ -14300,8 +12026,8 @@
         </p:blipFill>
         <p:spPr>
           <a:xfrm>
-            <a:off x="4790760" y="3501116"/>
-            <a:ext cx="518300" cy="458207"/>
+            <a:off x="6272804" y="3048687"/>
+            <a:ext cx="524390" cy="788234"/>
           </a:xfrm>
           <a:prstGeom prst="rect">
             <a:avLst/>
@@ -14310,7 +12036,7 @@
       </p:pic>
       <p:pic>
         <p:nvPicPr>
-          <p:cNvPr id="50" name="Picture 49"/>
+          <p:cNvPr id="49" name="Picture 48"/>
           <p:cNvPicPr>
             <a:picLocks noChangeAspect="1"/>
           </p:cNvPicPr>
@@ -14330,8 +12056,8 @@
         </p:blipFill>
         <p:spPr>
           <a:xfrm>
-            <a:off x="8308944" y="644419"/>
-            <a:ext cx="186451" cy="1052116"/>
+            <a:off x="4790760" y="3501116"/>
+            <a:ext cx="518300" cy="458207"/>
           </a:xfrm>
           <a:prstGeom prst="rect">
             <a:avLst/>
@@ -14340,7 +12066,7 @@
       </p:pic>
       <p:pic>
         <p:nvPicPr>
-          <p:cNvPr id="51" name="Picture 50"/>
+          <p:cNvPr id="50" name="Picture 49"/>
           <p:cNvPicPr>
             <a:picLocks noChangeAspect="1"/>
           </p:cNvPicPr>
@@ -14360,8 +12086,8 @@
         </p:blipFill>
         <p:spPr>
           <a:xfrm>
-            <a:off x="3824085" y="3819483"/>
-            <a:ext cx="738545" cy="1026837"/>
+            <a:off x="8308944" y="644419"/>
+            <a:ext cx="186451" cy="1052116"/>
           </a:xfrm>
           <a:prstGeom prst="rect">
             <a:avLst/>
@@ -14370,7 +12096,7 @@
       </p:pic>
       <p:pic>
         <p:nvPicPr>
-          <p:cNvPr id="52" name="Picture 51"/>
+          <p:cNvPr id="51" name="Picture 50"/>
           <p:cNvPicPr>
             <a:picLocks noChangeAspect="1"/>
           </p:cNvPicPr>
@@ -14390,6 +12116,36 @@
         </p:blipFill>
         <p:spPr>
           <a:xfrm>
+            <a:off x="3824085" y="3819483"/>
+            <a:ext cx="738545" cy="1026837"/>
+          </a:xfrm>
+          <a:prstGeom prst="rect">
+            <a:avLst/>
+          </a:prstGeom>
+        </p:spPr>
+      </p:pic>
+      <p:pic>
+        <p:nvPicPr>
+          <p:cNvPr id="52" name="Picture 51"/>
+          <p:cNvPicPr>
+            <a:picLocks noChangeAspect="1"/>
+          </p:cNvPicPr>
+          <p:nvPr/>
+        </p:nvPicPr>
+        <p:blipFill>
+          <a:blip r:embed="rId8" cstate="print">
+            <a:extLst>
+              <a:ext uri="{28A0092B-C50C-407E-A947-70E740481C1C}">
+                <a14:useLocalDpi xmlns:a14="http://schemas.microsoft.com/office/drawing/2010/main" val="0"/>
+              </a:ext>
+            </a:extLst>
+          </a:blip>
+          <a:stretch>
+            <a:fillRect/>
+          </a:stretch>
+        </p:blipFill>
+        <p:spPr>
+          <a:xfrm>
             <a:off x="7657381" y="1013178"/>
             <a:ext cx="719147" cy="750875"/>
           </a:xfrm>
@@ -14401,6 +12157,96 @@
       <p:pic>
         <p:nvPicPr>
           <p:cNvPr id="53" name="Picture 52"/>
+          <p:cNvPicPr>
+            <a:picLocks noChangeAspect="1"/>
+          </p:cNvPicPr>
+          <p:nvPr/>
+        </p:nvPicPr>
+        <p:blipFill>
+          <a:blip r:embed="rId7" cstate="print">
+            <a:extLst>
+              <a:ext uri="{28A0092B-C50C-407E-A947-70E740481C1C}">
+                <a14:useLocalDpi xmlns:a14="http://schemas.microsoft.com/office/drawing/2010/main" val="0"/>
+              </a:ext>
+            </a:extLst>
+          </a:blip>
+          <a:stretch>
+            <a:fillRect/>
+          </a:stretch>
+        </p:blipFill>
+        <p:spPr>
+          <a:xfrm>
+            <a:off x="7175385" y="3431794"/>
+            <a:ext cx="738545" cy="1026837"/>
+          </a:xfrm>
+          <a:prstGeom prst="rect">
+            <a:avLst/>
+          </a:prstGeom>
+        </p:spPr>
+      </p:pic>
+      <p:pic>
+        <p:nvPicPr>
+          <p:cNvPr id="54" name="Picture 53"/>
+          <p:cNvPicPr>
+            <a:picLocks noChangeAspect="1"/>
+          </p:cNvPicPr>
+          <p:nvPr/>
+        </p:nvPicPr>
+        <p:blipFill>
+          <a:blip r:embed="rId7" cstate="print">
+            <a:extLst>
+              <a:ext uri="{28A0092B-C50C-407E-A947-70E740481C1C}">
+                <a14:useLocalDpi xmlns:a14="http://schemas.microsoft.com/office/drawing/2010/main" val="0"/>
+              </a:ext>
+            </a:extLst>
+          </a:blip>
+          <a:stretch>
+            <a:fillRect/>
+          </a:stretch>
+        </p:blipFill>
+        <p:spPr>
+          <a:xfrm>
+            <a:off x="4788557" y="1170477"/>
+            <a:ext cx="738545" cy="1026837"/>
+          </a:xfrm>
+          <a:prstGeom prst="rect">
+            <a:avLst/>
+          </a:prstGeom>
+        </p:spPr>
+      </p:pic>
+      <p:pic>
+        <p:nvPicPr>
+          <p:cNvPr id="55" name="Picture 54"/>
+          <p:cNvPicPr>
+            <a:picLocks noChangeAspect="1"/>
+          </p:cNvPicPr>
+          <p:nvPr/>
+        </p:nvPicPr>
+        <p:blipFill>
+          <a:blip r:embed="rId8" cstate="print">
+            <a:extLst>
+              <a:ext uri="{28A0092B-C50C-407E-A947-70E740481C1C}">
+                <a14:useLocalDpi xmlns:a14="http://schemas.microsoft.com/office/drawing/2010/main" val="0"/>
+              </a:ext>
+            </a:extLst>
+          </a:blip>
+          <a:stretch>
+            <a:fillRect/>
+          </a:stretch>
+        </p:blipFill>
+        <p:spPr>
+          <a:xfrm>
+            <a:off x="6337171" y="5834934"/>
+            <a:ext cx="719147" cy="750875"/>
+          </a:xfrm>
+          <a:prstGeom prst="rect">
+            <a:avLst/>
+          </a:prstGeom>
+        </p:spPr>
+      </p:pic>
+      <p:pic>
+        <p:nvPicPr>
+          <p:cNvPr id="56" name="Picture 55"/>
           <p:cNvPicPr>
             <a:picLocks noChangeAspect="1"/>
           </p:cNvPicPr>
@@ -14420,8 +12266,8 @@
         </p:blipFill>
         <p:spPr>
           <a:xfrm>
-            <a:off x="7175385" y="3431794"/>
-            <a:ext cx="738545" cy="1026837"/>
+            <a:off x="7030410" y="5486752"/>
+            <a:ext cx="186451" cy="1052116"/>
           </a:xfrm>
           <a:prstGeom prst="rect">
             <a:avLst/>
@@ -14430,7 +12276,37 @@
       </p:pic>
       <p:pic>
         <p:nvPicPr>
-          <p:cNvPr id="54" name="Picture 53"/>
+          <p:cNvPr id="57" name="Picture 56"/>
+          <p:cNvPicPr>
+            <a:picLocks noChangeAspect="1"/>
+          </p:cNvPicPr>
+          <p:nvPr/>
+        </p:nvPicPr>
+        <p:blipFill>
+          <a:blip r:embed="rId8" cstate="print">
+            <a:extLst>
+              <a:ext uri="{28A0092B-C50C-407E-A947-70E740481C1C}">
+                <a14:useLocalDpi xmlns:a14="http://schemas.microsoft.com/office/drawing/2010/main" val="0"/>
+              </a:ext>
+            </a:extLst>
+          </a:blip>
+          <a:stretch>
+            <a:fillRect/>
+          </a:stretch>
+        </p:blipFill>
+        <p:spPr>
+          <a:xfrm>
+            <a:off x="2373467" y="2604696"/>
+            <a:ext cx="719147" cy="750875"/>
+          </a:xfrm>
+          <a:prstGeom prst="rect">
+            <a:avLst/>
+          </a:prstGeom>
+        </p:spPr>
+      </p:pic>
+      <p:pic>
+        <p:nvPicPr>
+          <p:cNvPr id="58" name="Picture 57"/>
           <p:cNvPicPr>
             <a:picLocks noChangeAspect="1"/>
           </p:cNvPicPr>
@@ -14450,8 +12326,8 @@
         </p:blipFill>
         <p:spPr>
           <a:xfrm>
-            <a:off x="4788557" y="1170477"/>
-            <a:ext cx="738545" cy="1026837"/>
+            <a:off x="3026812" y="2312531"/>
+            <a:ext cx="186451" cy="1052116"/>
           </a:xfrm>
           <a:prstGeom prst="rect">
             <a:avLst/>
@@ -14460,14 +12336,14 @@
       </p:pic>
       <p:pic>
         <p:nvPicPr>
-          <p:cNvPr id="55" name="Picture 54"/>
+          <p:cNvPr id="59" name="Picture 58"/>
           <p:cNvPicPr>
             <a:picLocks noChangeAspect="1"/>
           </p:cNvPicPr>
           <p:nvPr/>
         </p:nvPicPr>
         <p:blipFill>
-          <a:blip r:embed="rId7" cstate="print">
+          <a:blip r:embed="rId9" cstate="print">
             <a:extLst>
               <a:ext uri="{28A0092B-C50C-407E-A947-70E740481C1C}">
                 <a14:useLocalDpi xmlns:a14="http://schemas.microsoft.com/office/drawing/2010/main" val="0"/>
@@ -14480,126 +12356,6 @@
         </p:blipFill>
         <p:spPr>
           <a:xfrm>
-            <a:off x="6337171" y="5834934"/>
-            <a:ext cx="719147" cy="750875"/>
-          </a:xfrm>
-          <a:prstGeom prst="rect">
-            <a:avLst/>
-          </a:prstGeom>
-        </p:spPr>
-      </p:pic>
-      <p:pic>
-        <p:nvPicPr>
-          <p:cNvPr id="56" name="Picture 55"/>
-          <p:cNvPicPr>
-            <a:picLocks noChangeAspect="1"/>
-          </p:cNvPicPr>
-          <p:nvPr/>
-        </p:nvPicPr>
-        <p:blipFill>
-          <a:blip r:embed="rId5" cstate="print">
-            <a:extLst>
-              <a:ext uri="{28A0092B-C50C-407E-A947-70E740481C1C}">
-                <a14:useLocalDpi xmlns:a14="http://schemas.microsoft.com/office/drawing/2010/main" val="0"/>
-              </a:ext>
-            </a:extLst>
-          </a:blip>
-          <a:stretch>
-            <a:fillRect/>
-          </a:stretch>
-        </p:blipFill>
-        <p:spPr>
-          <a:xfrm>
-            <a:off x="7030410" y="5486752"/>
-            <a:ext cx="186451" cy="1052116"/>
-          </a:xfrm>
-          <a:prstGeom prst="rect">
-            <a:avLst/>
-          </a:prstGeom>
-        </p:spPr>
-      </p:pic>
-      <p:pic>
-        <p:nvPicPr>
-          <p:cNvPr id="57" name="Picture 56"/>
-          <p:cNvPicPr>
-            <a:picLocks noChangeAspect="1"/>
-          </p:cNvPicPr>
-          <p:nvPr/>
-        </p:nvPicPr>
-        <p:blipFill>
-          <a:blip r:embed="rId7" cstate="print">
-            <a:extLst>
-              <a:ext uri="{28A0092B-C50C-407E-A947-70E740481C1C}">
-                <a14:useLocalDpi xmlns:a14="http://schemas.microsoft.com/office/drawing/2010/main" val="0"/>
-              </a:ext>
-            </a:extLst>
-          </a:blip>
-          <a:stretch>
-            <a:fillRect/>
-          </a:stretch>
-        </p:blipFill>
-        <p:spPr>
-          <a:xfrm>
-            <a:off x="2373467" y="2604696"/>
-            <a:ext cx="719147" cy="750875"/>
-          </a:xfrm>
-          <a:prstGeom prst="rect">
-            <a:avLst/>
-          </a:prstGeom>
-        </p:spPr>
-      </p:pic>
-      <p:pic>
-        <p:nvPicPr>
-          <p:cNvPr id="58" name="Picture 57"/>
-          <p:cNvPicPr>
-            <a:picLocks noChangeAspect="1"/>
-          </p:cNvPicPr>
-          <p:nvPr/>
-        </p:nvPicPr>
-        <p:blipFill>
-          <a:blip r:embed="rId5" cstate="print">
-            <a:extLst>
-              <a:ext uri="{28A0092B-C50C-407E-A947-70E740481C1C}">
-                <a14:useLocalDpi xmlns:a14="http://schemas.microsoft.com/office/drawing/2010/main" val="0"/>
-              </a:ext>
-            </a:extLst>
-          </a:blip>
-          <a:stretch>
-            <a:fillRect/>
-          </a:stretch>
-        </p:blipFill>
-        <p:spPr>
-          <a:xfrm>
-            <a:off x="3026812" y="2312531"/>
-            <a:ext cx="186451" cy="1052116"/>
-          </a:xfrm>
-          <a:prstGeom prst="rect">
-            <a:avLst/>
-          </a:prstGeom>
-        </p:spPr>
-      </p:pic>
-      <p:pic>
-        <p:nvPicPr>
-          <p:cNvPr id="59" name="Picture 58"/>
-          <p:cNvPicPr>
-            <a:picLocks noChangeAspect="1"/>
-          </p:cNvPicPr>
-          <p:nvPr/>
-        </p:nvPicPr>
-        <p:blipFill>
-          <a:blip r:embed="rId8" cstate="print">
-            <a:extLst>
-              <a:ext uri="{28A0092B-C50C-407E-A947-70E740481C1C}">
-                <a14:useLocalDpi xmlns:a14="http://schemas.microsoft.com/office/drawing/2010/main" val="0"/>
-              </a:ext>
-            </a:extLst>
-          </a:blip>
-          <a:stretch>
-            <a:fillRect/>
-          </a:stretch>
-        </p:blipFill>
-        <p:spPr>
-          <a:xfrm>
             <a:off x="4841792" y="2798567"/>
             <a:ext cx="574344" cy="566080"/>
           </a:xfrm>
@@ -14769,18 +12525,13 @@
           <a:lstStyle/>
           <a:p>
             <a:r>
-              <a:rPr lang="en-US" dirty="0" smtClean="0">
+              <a:rPr lang="en-US" dirty="0">
                 <a:solidFill>
                   <a:srgbClr val="FF0000"/>
                 </a:solidFill>
               </a:rPr>
               <a:t>Setter</a:t>
             </a:r>
-            <a:endParaRPr lang="en-US" dirty="0">
-              <a:solidFill>
-                <a:srgbClr val="FF0000"/>
-              </a:solidFill>
-            </a:endParaRPr>
           </a:p>
         </p:txBody>
       </p:sp>
@@ -14807,18 +12558,13 @@
           <a:lstStyle/>
           <a:p>
             <a:r>
-              <a:rPr lang="en-US" dirty="0" smtClean="0">
+              <a:rPr lang="en-US" dirty="0">
                 <a:solidFill>
                   <a:srgbClr val="0070C0"/>
                 </a:solidFill>
               </a:rPr>
               <a:t>Getter</a:t>
             </a:r>
-            <a:endParaRPr lang="en-US" dirty="0">
-              <a:solidFill>
-                <a:srgbClr val="0070C0"/>
-              </a:solidFill>
-            </a:endParaRPr>
           </a:p>
         </p:txBody>
       </p:sp>
@@ -14845,18 +12591,13 @@
           <a:lstStyle/>
           <a:p>
             <a:r>
-              <a:rPr lang="en-US" dirty="0" smtClean="0">
+              <a:rPr lang="en-US" dirty="0">
                 <a:solidFill>
                   <a:srgbClr val="7030A0"/>
                 </a:solidFill>
               </a:rPr>
               <a:t>Method</a:t>
             </a:r>
-            <a:endParaRPr lang="en-US" dirty="0">
-              <a:solidFill>
-                <a:srgbClr val="7030A0"/>
-              </a:solidFill>
-            </a:endParaRPr>
           </a:p>
         </p:txBody>
       </p:sp>
@@ -14870,13 +12611,6 @@
   <p:clrMapOvr>
     <a:masterClrMapping/>
   </p:clrMapOvr>
-  <p:timing>
-    <p:tnLst>
-      <p:par>
-        <p:cTn id="1" dur="indefinite" restart="never" nodeType="tmRoot"/>
-      </p:par>
-    </p:tnLst>
-  </p:timing>
 </p:sld>
 </file>
 
@@ -15139,4 +12873,560 @@
     </a:ext>
   </a:extLst>
 </a:theme>
+</file>
+
+<file path=ppt/theme/theme2.xml><?xml version="1.0" encoding="utf-8"?>
+<a:theme xmlns:a="http://schemas.openxmlformats.org/drawingml/2006/main" name="Office Theme">
+  <a:themeElements>
+    <a:clrScheme name="Office">
+      <a:dk1>
+        <a:sysClr val="windowText" lastClr="000000"/>
+      </a:dk1>
+      <a:lt1>
+        <a:sysClr val="window" lastClr="FFFFFF"/>
+      </a:lt1>
+      <a:dk2>
+        <a:srgbClr val="44546A"/>
+      </a:dk2>
+      <a:lt2>
+        <a:srgbClr val="E7E6E6"/>
+      </a:lt2>
+      <a:accent1>
+        <a:srgbClr val="4472C4"/>
+      </a:accent1>
+      <a:accent2>
+        <a:srgbClr val="ED7D31"/>
+      </a:accent2>
+      <a:accent3>
+        <a:srgbClr val="A5A5A5"/>
+      </a:accent3>
+      <a:accent4>
+        <a:srgbClr val="FFC000"/>
+      </a:accent4>
+      <a:accent5>
+        <a:srgbClr val="5B9BD5"/>
+      </a:accent5>
+      <a:accent6>
+        <a:srgbClr val="70AD47"/>
+      </a:accent6>
+      <a:hlink>
+        <a:srgbClr val="0563C1"/>
+      </a:hlink>
+      <a:folHlink>
+        <a:srgbClr val="954F72"/>
+      </a:folHlink>
+    </a:clrScheme>
+    <a:fontScheme name="Office">
+      <a:majorFont>
+        <a:latin typeface="Calibri Light" panose="020F0302020204030204"/>
+        <a:ea typeface=""/>
+        <a:cs typeface=""/>
+        <a:font script="Jpan" typeface="游ゴシック Light"/>
+        <a:font script="Hang" typeface="맑은 고딕"/>
+        <a:font script="Hans" typeface="等线 Light"/>
+        <a:font script="Hant" typeface="新細明體"/>
+        <a:font script="Arab" typeface="Times New Roman"/>
+        <a:font script="Hebr" typeface="Times New Roman"/>
+        <a:font script="Thai" typeface="Angsana New"/>
+        <a:font script="Ethi" typeface="Nyala"/>
+        <a:font script="Beng" typeface="Vrinda"/>
+        <a:font script="Gujr" typeface="Shruti"/>
+        <a:font script="Khmr" typeface="MoolBoran"/>
+        <a:font script="Knda" typeface="Tunga"/>
+        <a:font script="Guru" typeface="Raavi"/>
+        <a:font script="Cans" typeface="Euphemia"/>
+        <a:font script="Cher" typeface="Plantagenet Cherokee"/>
+        <a:font script="Yiii" typeface="Microsoft Yi Baiti"/>
+        <a:font script="Tibt" typeface="Microsoft Himalaya"/>
+        <a:font script="Thaa" typeface="MV Boli"/>
+        <a:font script="Deva" typeface="Mangal"/>
+        <a:font script="Telu" typeface="Gautami"/>
+        <a:font script="Taml" typeface="Latha"/>
+        <a:font script="Syrc" typeface="Estrangelo Edessa"/>
+        <a:font script="Orya" typeface="Kalinga"/>
+        <a:font script="Mlym" typeface="Kartika"/>
+        <a:font script="Laoo" typeface="DokChampa"/>
+        <a:font script="Sinh" typeface="Iskoola Pota"/>
+        <a:font script="Mong" typeface="Mongolian Baiti"/>
+        <a:font script="Viet" typeface="Times New Roman"/>
+        <a:font script="Uigh" typeface="Microsoft Uighur"/>
+        <a:font script="Geor" typeface="Sylfaen"/>
+        <a:font script="Armn" typeface="Arial"/>
+        <a:font script="Bugi" typeface="Leelawadee UI"/>
+        <a:font script="Bopo" typeface="Microsoft JhengHei"/>
+        <a:font script="Java" typeface="Javanese Text"/>
+        <a:font script="Lisu" typeface="Segoe UI"/>
+        <a:font script="Mymr" typeface="Myanmar Text"/>
+        <a:font script="Nkoo" typeface="Ebrima"/>
+        <a:font script="Olck" typeface="Nirmala UI"/>
+        <a:font script="Osma" typeface="Ebrima"/>
+        <a:font script="Phag" typeface="Phagspa"/>
+        <a:font script="Syrn" typeface="Estrangelo Edessa"/>
+        <a:font script="Syrj" typeface="Estrangelo Edessa"/>
+        <a:font script="Syre" typeface="Estrangelo Edessa"/>
+        <a:font script="Sora" typeface="Nirmala UI"/>
+        <a:font script="Tale" typeface="Microsoft Tai Le"/>
+        <a:font script="Talu" typeface="Microsoft New Tai Lue"/>
+        <a:font script="Tfng" typeface="Ebrima"/>
+      </a:majorFont>
+      <a:minorFont>
+        <a:latin typeface="Calibri" panose="020F0502020204030204"/>
+        <a:ea typeface=""/>
+        <a:cs typeface=""/>
+        <a:font script="Jpan" typeface="游ゴシック"/>
+        <a:font script="Hang" typeface="맑은 고딕"/>
+        <a:font script="Hans" typeface="等线"/>
+        <a:font script="Hant" typeface="新細明體"/>
+        <a:font script="Arab" typeface="Arial"/>
+        <a:font script="Hebr" typeface="Arial"/>
+        <a:font script="Thai" typeface="Cordia New"/>
+        <a:font script="Ethi" typeface="Nyala"/>
+        <a:font script="Beng" typeface="Vrinda"/>
+        <a:font script="Gujr" typeface="Shruti"/>
+        <a:font script="Khmr" typeface="DaunPenh"/>
+        <a:font script="Knda" typeface="Tunga"/>
+        <a:font script="Guru" typeface="Raavi"/>
+        <a:font script="Cans" typeface="Euphemia"/>
+        <a:font script="Cher" typeface="Plantagenet Cherokee"/>
+        <a:font script="Yiii" typeface="Microsoft Yi Baiti"/>
+        <a:font script="Tibt" typeface="Microsoft Himalaya"/>
+        <a:font script="Thaa" typeface="MV Boli"/>
+        <a:font script="Deva" typeface="Mangal"/>
+        <a:font script="Telu" typeface="Gautami"/>
+        <a:font script="Taml" typeface="Latha"/>
+        <a:font script="Syrc" typeface="Estrangelo Edessa"/>
+        <a:font script="Orya" typeface="Kalinga"/>
+        <a:font script="Mlym" typeface="Kartika"/>
+        <a:font script="Laoo" typeface="DokChampa"/>
+        <a:font script="Sinh" typeface="Iskoola Pota"/>
+        <a:font script="Mong" typeface="Mongolian Baiti"/>
+        <a:font script="Viet" typeface="Arial"/>
+        <a:font script="Uigh" typeface="Microsoft Uighur"/>
+        <a:font script="Geor" typeface="Sylfaen"/>
+        <a:font script="Armn" typeface="Arial"/>
+        <a:font script="Bugi" typeface="Leelawadee UI"/>
+        <a:font script="Bopo" typeface="Microsoft JhengHei"/>
+        <a:font script="Java" typeface="Javanese Text"/>
+        <a:font script="Lisu" typeface="Segoe UI"/>
+        <a:font script="Mymr" typeface="Myanmar Text"/>
+        <a:font script="Nkoo" typeface="Ebrima"/>
+        <a:font script="Olck" typeface="Nirmala UI"/>
+        <a:font script="Osma" typeface="Ebrima"/>
+        <a:font script="Phag" typeface="Phagspa"/>
+        <a:font script="Syrn" typeface="Estrangelo Edessa"/>
+        <a:font script="Syrj" typeface="Estrangelo Edessa"/>
+        <a:font script="Syre" typeface="Estrangelo Edessa"/>
+        <a:font script="Sora" typeface="Nirmala UI"/>
+        <a:font script="Tale" typeface="Microsoft Tai Le"/>
+        <a:font script="Talu" typeface="Microsoft New Tai Lue"/>
+        <a:font script="Tfng" typeface="Ebrima"/>
+      </a:minorFont>
+    </a:fontScheme>
+    <a:fmtScheme name="Office">
+      <a:fillStyleLst>
+        <a:solidFill>
+          <a:schemeClr val="phClr"/>
+        </a:solidFill>
+        <a:gradFill rotWithShape="1">
+          <a:gsLst>
+            <a:gs pos="0">
+              <a:schemeClr val="phClr">
+                <a:lumMod val="110000"/>
+                <a:satMod val="105000"/>
+                <a:tint val="67000"/>
+              </a:schemeClr>
+            </a:gs>
+            <a:gs pos="50000">
+              <a:schemeClr val="phClr">
+                <a:lumMod val="105000"/>
+                <a:satMod val="103000"/>
+                <a:tint val="73000"/>
+              </a:schemeClr>
+            </a:gs>
+            <a:gs pos="100000">
+              <a:schemeClr val="phClr">
+                <a:lumMod val="105000"/>
+                <a:satMod val="109000"/>
+                <a:tint val="81000"/>
+              </a:schemeClr>
+            </a:gs>
+          </a:gsLst>
+          <a:lin ang="5400000" scaled="0"/>
+        </a:gradFill>
+        <a:gradFill rotWithShape="1">
+          <a:gsLst>
+            <a:gs pos="0">
+              <a:schemeClr val="phClr">
+                <a:satMod val="103000"/>
+                <a:lumMod val="102000"/>
+                <a:tint val="94000"/>
+              </a:schemeClr>
+            </a:gs>
+            <a:gs pos="50000">
+              <a:schemeClr val="phClr">
+                <a:satMod val="110000"/>
+                <a:lumMod val="100000"/>
+                <a:shade val="100000"/>
+              </a:schemeClr>
+            </a:gs>
+            <a:gs pos="100000">
+              <a:schemeClr val="phClr">
+                <a:lumMod val="99000"/>
+                <a:satMod val="120000"/>
+                <a:shade val="78000"/>
+              </a:schemeClr>
+            </a:gs>
+          </a:gsLst>
+          <a:lin ang="5400000" scaled="0"/>
+        </a:gradFill>
+      </a:fillStyleLst>
+      <a:lnStyleLst>
+        <a:ln w="6350" cap="flat" cmpd="sng" algn="ctr">
+          <a:solidFill>
+            <a:schemeClr val="phClr"/>
+          </a:solidFill>
+          <a:prstDash val="solid"/>
+          <a:miter lim="800000"/>
+        </a:ln>
+        <a:ln w="12700" cap="flat" cmpd="sng" algn="ctr">
+          <a:solidFill>
+            <a:schemeClr val="phClr"/>
+          </a:solidFill>
+          <a:prstDash val="solid"/>
+          <a:miter lim="800000"/>
+        </a:ln>
+        <a:ln w="19050" cap="flat" cmpd="sng" algn="ctr">
+          <a:solidFill>
+            <a:schemeClr val="phClr"/>
+          </a:solidFill>
+          <a:prstDash val="solid"/>
+          <a:miter lim="800000"/>
+        </a:ln>
+      </a:lnStyleLst>
+      <a:effectStyleLst>
+        <a:effectStyle>
+          <a:effectLst/>
+        </a:effectStyle>
+        <a:effectStyle>
+          <a:effectLst/>
+        </a:effectStyle>
+        <a:effectStyle>
+          <a:effectLst>
+            <a:outerShdw blurRad="57150" dist="19050" dir="5400000" algn="ctr" rotWithShape="0">
+              <a:srgbClr val="000000">
+                <a:alpha val="63000"/>
+              </a:srgbClr>
+            </a:outerShdw>
+          </a:effectLst>
+        </a:effectStyle>
+      </a:effectStyleLst>
+      <a:bgFillStyleLst>
+        <a:solidFill>
+          <a:schemeClr val="phClr"/>
+        </a:solidFill>
+        <a:solidFill>
+          <a:schemeClr val="phClr">
+            <a:tint val="95000"/>
+            <a:satMod val="170000"/>
+          </a:schemeClr>
+        </a:solidFill>
+        <a:gradFill rotWithShape="1">
+          <a:gsLst>
+            <a:gs pos="0">
+              <a:schemeClr val="phClr">
+                <a:tint val="93000"/>
+                <a:satMod val="150000"/>
+                <a:shade val="98000"/>
+                <a:lumMod val="102000"/>
+              </a:schemeClr>
+            </a:gs>
+            <a:gs pos="50000">
+              <a:schemeClr val="phClr">
+                <a:tint val="98000"/>
+                <a:satMod val="130000"/>
+                <a:shade val="90000"/>
+                <a:lumMod val="103000"/>
+              </a:schemeClr>
+            </a:gs>
+            <a:gs pos="100000">
+              <a:schemeClr val="phClr">
+                <a:shade val="63000"/>
+                <a:satMod val="120000"/>
+              </a:schemeClr>
+            </a:gs>
+          </a:gsLst>
+          <a:lin ang="5400000" scaled="0"/>
+        </a:gradFill>
+      </a:bgFillStyleLst>
+    </a:fmtScheme>
+  </a:themeElements>
+  <a:objectDefaults/>
+  <a:extraClrSchemeLst/>
+  <a:extLst>
+    <a:ext uri="{05A4C25C-085E-4340-85A3-A5531E510DB2}">
+      <thm15:themeFamily xmlns:thm15="http://schemas.microsoft.com/office/thememl/2012/main" name="Office Theme" id="{62F939B6-93AF-4DB8-9C6B-D6C7DFDC589F}" vid="{4A3C46E8-61CC-4603-A589-7422A47A8E4A}"/>
+    </a:ext>
+  </a:extLst>
+</a:theme>
+</file>
+
+<file path=ppt/theme/theme3.xml><?xml version="1.0" encoding="utf-8"?>
+<a:theme xmlns:a="http://schemas.openxmlformats.org/drawingml/2006/main" name="Office Theme">
+  <a:themeElements>
+    <a:clrScheme name="Office">
+      <a:dk1>
+        <a:sysClr val="windowText" lastClr="000000"/>
+      </a:dk1>
+      <a:lt1>
+        <a:sysClr val="window" lastClr="FFFFFF"/>
+      </a:lt1>
+      <a:dk2>
+        <a:srgbClr val="44546A"/>
+      </a:dk2>
+      <a:lt2>
+        <a:srgbClr val="E7E6E6"/>
+      </a:lt2>
+      <a:accent1>
+        <a:srgbClr val="5B9BD5"/>
+      </a:accent1>
+      <a:accent2>
+        <a:srgbClr val="ED7D31"/>
+      </a:accent2>
+      <a:accent3>
+        <a:srgbClr val="A5A5A5"/>
+      </a:accent3>
+      <a:accent4>
+        <a:srgbClr val="FFC000"/>
+      </a:accent4>
+      <a:accent5>
+        <a:srgbClr val="4472C4"/>
+      </a:accent5>
+      <a:accent6>
+        <a:srgbClr val="70AD47"/>
+      </a:accent6>
+      <a:hlink>
+        <a:srgbClr val="0563C1"/>
+      </a:hlink>
+      <a:folHlink>
+        <a:srgbClr val="954F72"/>
+      </a:folHlink>
+    </a:clrScheme>
+    <a:fontScheme name="Office">
+      <a:majorFont>
+        <a:latin typeface="Calibri Light" panose="020F0302020204030204"/>
+        <a:ea typeface=""/>
+        <a:cs typeface=""/>
+        <a:font script="Jpan" typeface="游ゴシック Light"/>
+        <a:font script="Hang" typeface="맑은 고딕"/>
+        <a:font script="Hans" typeface="等线 Light"/>
+        <a:font script="Hant" typeface="新細明體"/>
+        <a:font script="Arab" typeface="Times New Roman"/>
+        <a:font script="Hebr" typeface="Times New Roman"/>
+        <a:font script="Thai" typeface="Angsana New"/>
+        <a:font script="Ethi" typeface="Nyala"/>
+        <a:font script="Beng" typeface="Vrinda"/>
+        <a:font script="Gujr" typeface="Shruti"/>
+        <a:font script="Khmr" typeface="MoolBoran"/>
+        <a:font script="Knda" typeface="Tunga"/>
+        <a:font script="Guru" typeface="Raavi"/>
+        <a:font script="Cans" typeface="Euphemia"/>
+        <a:font script="Cher" typeface="Plantagenet Cherokee"/>
+        <a:font script="Yiii" typeface="Microsoft Yi Baiti"/>
+        <a:font script="Tibt" typeface="Microsoft Himalaya"/>
+        <a:font script="Thaa" typeface="MV Boli"/>
+        <a:font script="Deva" typeface="Mangal"/>
+        <a:font script="Telu" typeface="Gautami"/>
+        <a:font script="Taml" typeface="Latha"/>
+        <a:font script="Syrc" typeface="Estrangelo Edessa"/>
+        <a:font script="Orya" typeface="Kalinga"/>
+        <a:font script="Mlym" typeface="Kartika"/>
+        <a:font script="Laoo" typeface="DokChampa"/>
+        <a:font script="Sinh" typeface="Iskoola Pota"/>
+        <a:font script="Mong" typeface="Mongolian Baiti"/>
+        <a:font script="Viet" typeface="Times New Roman"/>
+        <a:font script="Uigh" typeface="Microsoft Uighur"/>
+        <a:font script="Geor" typeface="Sylfaen"/>
+      </a:majorFont>
+      <a:minorFont>
+        <a:latin typeface="Calibri" panose="020F0502020204030204"/>
+        <a:ea typeface=""/>
+        <a:cs typeface=""/>
+        <a:font script="Jpan" typeface="游ゴシック"/>
+        <a:font script="Hang" typeface="맑은 고딕"/>
+        <a:font script="Hans" typeface="等线"/>
+        <a:font script="Hant" typeface="新細明體"/>
+        <a:font script="Arab" typeface="Arial"/>
+        <a:font script="Hebr" typeface="Arial"/>
+        <a:font script="Thai" typeface="Cordia New"/>
+        <a:font script="Ethi" typeface="Nyala"/>
+        <a:font script="Beng" typeface="Vrinda"/>
+        <a:font script="Gujr" typeface="Shruti"/>
+        <a:font script="Khmr" typeface="DaunPenh"/>
+        <a:font script="Knda" typeface="Tunga"/>
+        <a:font script="Guru" typeface="Raavi"/>
+        <a:font script="Cans" typeface="Euphemia"/>
+        <a:font script="Cher" typeface="Plantagenet Cherokee"/>
+        <a:font script="Yiii" typeface="Microsoft Yi Baiti"/>
+        <a:font script="Tibt" typeface="Microsoft Himalaya"/>
+        <a:font script="Thaa" typeface="MV Boli"/>
+        <a:font script="Deva" typeface="Mangal"/>
+        <a:font script="Telu" typeface="Gautami"/>
+        <a:font script="Taml" typeface="Latha"/>
+        <a:font script="Syrc" typeface="Estrangelo Edessa"/>
+        <a:font script="Orya" typeface="Kalinga"/>
+        <a:font script="Mlym" typeface="Kartika"/>
+        <a:font script="Laoo" typeface="DokChampa"/>
+        <a:font script="Sinh" typeface="Iskoola Pota"/>
+        <a:font script="Mong" typeface="Mongolian Baiti"/>
+        <a:font script="Viet" typeface="Arial"/>
+        <a:font script="Uigh" typeface="Microsoft Uighur"/>
+        <a:font script="Geor" typeface="Sylfaen"/>
+      </a:minorFont>
+    </a:fontScheme>
+    <a:fmtScheme name="Office">
+      <a:fillStyleLst>
+        <a:solidFill>
+          <a:schemeClr val="phClr"/>
+        </a:solidFill>
+        <a:gradFill rotWithShape="1">
+          <a:gsLst>
+            <a:gs pos="0">
+              <a:schemeClr val="phClr">
+                <a:lumMod val="110000"/>
+                <a:satMod val="105000"/>
+                <a:tint val="67000"/>
+              </a:schemeClr>
+            </a:gs>
+            <a:gs pos="50000">
+              <a:schemeClr val="phClr">
+                <a:lumMod val="105000"/>
+                <a:satMod val="103000"/>
+                <a:tint val="73000"/>
+              </a:schemeClr>
+            </a:gs>
+            <a:gs pos="100000">
+              <a:schemeClr val="phClr">
+                <a:lumMod val="105000"/>
+                <a:satMod val="109000"/>
+                <a:tint val="81000"/>
+              </a:schemeClr>
+            </a:gs>
+          </a:gsLst>
+          <a:lin ang="5400000" scaled="0"/>
+        </a:gradFill>
+        <a:gradFill rotWithShape="1">
+          <a:gsLst>
+            <a:gs pos="0">
+              <a:schemeClr val="phClr">
+                <a:satMod val="103000"/>
+                <a:lumMod val="102000"/>
+                <a:tint val="94000"/>
+              </a:schemeClr>
+            </a:gs>
+            <a:gs pos="50000">
+              <a:schemeClr val="phClr">
+                <a:satMod val="110000"/>
+                <a:lumMod val="100000"/>
+                <a:shade val="100000"/>
+              </a:schemeClr>
+            </a:gs>
+            <a:gs pos="100000">
+              <a:schemeClr val="phClr">
+                <a:lumMod val="99000"/>
+                <a:satMod val="120000"/>
+                <a:shade val="78000"/>
+              </a:schemeClr>
+            </a:gs>
+          </a:gsLst>
+          <a:lin ang="5400000" scaled="0"/>
+        </a:gradFill>
+      </a:fillStyleLst>
+      <a:lnStyleLst>
+        <a:ln w="6350" cap="flat" cmpd="sng" algn="ctr">
+          <a:solidFill>
+            <a:schemeClr val="phClr"/>
+          </a:solidFill>
+          <a:prstDash val="solid"/>
+          <a:miter lim="800000"/>
+        </a:ln>
+        <a:ln w="12700" cap="flat" cmpd="sng" algn="ctr">
+          <a:solidFill>
+            <a:schemeClr val="phClr"/>
+          </a:solidFill>
+          <a:prstDash val="solid"/>
+          <a:miter lim="800000"/>
+        </a:ln>
+        <a:ln w="19050" cap="flat" cmpd="sng" algn="ctr">
+          <a:solidFill>
+            <a:schemeClr val="phClr"/>
+          </a:solidFill>
+          <a:prstDash val="solid"/>
+          <a:miter lim="800000"/>
+        </a:ln>
+      </a:lnStyleLst>
+      <a:effectStyleLst>
+        <a:effectStyle>
+          <a:effectLst/>
+        </a:effectStyle>
+        <a:effectStyle>
+          <a:effectLst/>
+        </a:effectStyle>
+        <a:effectStyle>
+          <a:effectLst>
+            <a:outerShdw blurRad="57150" dist="19050" dir="5400000" algn="ctr" rotWithShape="0">
+              <a:srgbClr val="000000">
+                <a:alpha val="63000"/>
+              </a:srgbClr>
+            </a:outerShdw>
+          </a:effectLst>
+        </a:effectStyle>
+      </a:effectStyleLst>
+      <a:bgFillStyleLst>
+        <a:solidFill>
+          <a:schemeClr val="phClr"/>
+        </a:solidFill>
+        <a:solidFill>
+          <a:schemeClr val="phClr">
+            <a:tint val="95000"/>
+            <a:satMod val="170000"/>
+          </a:schemeClr>
+        </a:solidFill>
+        <a:gradFill rotWithShape="1">
+          <a:gsLst>
+            <a:gs pos="0">
+              <a:schemeClr val="phClr">
+                <a:tint val="93000"/>
+                <a:satMod val="150000"/>
+                <a:shade val="98000"/>
+                <a:lumMod val="102000"/>
+              </a:schemeClr>
+            </a:gs>
+            <a:gs pos="50000">
+              <a:schemeClr val="phClr">
+                <a:tint val="98000"/>
+                <a:satMod val="130000"/>
+                <a:shade val="90000"/>
+                <a:lumMod val="103000"/>
+              </a:schemeClr>
+            </a:gs>
+            <a:gs pos="100000">
+              <a:schemeClr val="phClr">
+                <a:shade val="63000"/>
+                <a:satMod val="120000"/>
+              </a:schemeClr>
+            </a:gs>
+          </a:gsLst>
+          <a:lin ang="5400000" scaled="0"/>
+        </a:gradFill>
+      </a:bgFillStyleLst>
+    </a:fmtScheme>
+  </a:themeElements>
+  <a:objectDefaults/>
+  <a:extraClrSchemeLst/>
+  <a:extLst>
+    <a:ext uri="{05A4C25C-085E-4340-85A3-A5531E510DB2}">
+      <thm15:themeFamily xmlns:thm15="http://schemas.microsoft.com/office/thememl/2012/main" name="Office Theme" id="{62F939B6-93AF-4DB8-9C6B-D6C7DFDC589F}" vid="{4A3C46E8-61CC-4603-A589-7422A47A8E4A}"/>
+    </a:ext>
+  </a:extLst>
+</a:theme>
 </file>